--- a/1주차.pptx
+++ b/1주차.pptx
@@ -4,30 +4,52 @@
   <p:sldMasterIdLst>
     <p:sldMasterId id="2147483648" r:id="rId1"/>
   </p:sldMasterIdLst>
+  <p:notesMasterIdLst>
+    <p:notesMasterId r:id="rId44"/>
+  </p:notesMasterIdLst>
   <p:sldIdLst>
     <p:sldId id="270" r:id="rId2"/>
     <p:sldId id="256" r:id="rId3"/>
     <p:sldId id="257" r:id="rId4"/>
-    <p:sldId id="258" r:id="rId5"/>
-    <p:sldId id="268" r:id="rId6"/>
-    <p:sldId id="326" r:id="rId7"/>
-    <p:sldId id="260" r:id="rId8"/>
-    <p:sldId id="261" r:id="rId9"/>
-    <p:sldId id="262" r:id="rId10"/>
-    <p:sldId id="265" r:id="rId11"/>
-    <p:sldId id="316" r:id="rId12"/>
-    <p:sldId id="269" r:id="rId13"/>
-    <p:sldId id="320" r:id="rId14"/>
-    <p:sldId id="321" r:id="rId15"/>
-    <p:sldId id="319" r:id="rId16"/>
-    <p:sldId id="322" r:id="rId17"/>
-    <p:sldId id="323" r:id="rId18"/>
-    <p:sldId id="324" r:id="rId19"/>
-    <p:sldId id="325" r:id="rId20"/>
-    <p:sldId id="317" r:id="rId21"/>
-    <p:sldId id="318" r:id="rId22"/>
-    <p:sldId id="328" r:id="rId23"/>
-    <p:sldId id="327" r:id="rId24"/>
+    <p:sldId id="329" r:id="rId5"/>
+    <p:sldId id="258" r:id="rId6"/>
+    <p:sldId id="330" r:id="rId7"/>
+    <p:sldId id="268" r:id="rId8"/>
+    <p:sldId id="326" r:id="rId9"/>
+    <p:sldId id="260" r:id="rId10"/>
+    <p:sldId id="261" r:id="rId11"/>
+    <p:sldId id="262" r:id="rId12"/>
+    <p:sldId id="265" r:id="rId13"/>
+    <p:sldId id="316" r:id="rId14"/>
+    <p:sldId id="269" r:id="rId15"/>
+    <p:sldId id="320" r:id="rId16"/>
+    <p:sldId id="321" r:id="rId17"/>
+    <p:sldId id="319" r:id="rId18"/>
+    <p:sldId id="322" r:id="rId19"/>
+    <p:sldId id="339" r:id="rId20"/>
+    <p:sldId id="323" r:id="rId21"/>
+    <p:sldId id="324" r:id="rId22"/>
+    <p:sldId id="331" r:id="rId23"/>
+    <p:sldId id="325" r:id="rId24"/>
+    <p:sldId id="332" r:id="rId25"/>
+    <p:sldId id="336" r:id="rId26"/>
+    <p:sldId id="335" r:id="rId27"/>
+    <p:sldId id="328" r:id="rId28"/>
+    <p:sldId id="333" r:id="rId29"/>
+    <p:sldId id="317" r:id="rId30"/>
+    <p:sldId id="318" r:id="rId31"/>
+    <p:sldId id="338" r:id="rId32"/>
+    <p:sldId id="327" r:id="rId33"/>
+    <p:sldId id="342" r:id="rId34"/>
+    <p:sldId id="340" r:id="rId35"/>
+    <p:sldId id="343" r:id="rId36"/>
+    <p:sldId id="341" r:id="rId37"/>
+    <p:sldId id="345" r:id="rId38"/>
+    <p:sldId id="346" r:id="rId39"/>
+    <p:sldId id="347" r:id="rId40"/>
+    <p:sldId id="348" r:id="rId41"/>
+    <p:sldId id="349" r:id="rId42"/>
+    <p:sldId id="344" r:id="rId43"/>
   </p:sldIdLst>
   <p:sldSz cx="9144000" cy="6858000" type="screen4x3"/>
   <p:notesSz cx="6858000" cy="9144000"/>
@@ -129,7 +151,7 @@
   <p:extLst>
     <p:ext uri="{EFAFB233-063F-42B5-8137-9DF3F51BA10A}">
       <p15:sldGuideLst xmlns:p15="http://schemas.microsoft.com/office/powerpoint/2012/main">
-        <p15:guide id="1" orient="horz" pos="2160">
+        <p15:guide id="1" orient="horz" pos="2160" userDrawn="1">
           <p15:clr>
             <a:srgbClr val="A4A3A4"/>
           </p15:clr>
@@ -143,6 +165,439 @@
     </p:ext>
   </p:extLst>
 </p:presentation>
+</file>
+
+<file path=ppt/notesMasters/notesMaster1.xml><?xml version="1.0" encoding="utf-8"?>
+<p:notesMaster xmlns:a="http://schemas.openxmlformats.org/drawingml/2006/main" xmlns:r="http://schemas.openxmlformats.org/officeDocument/2006/relationships" xmlns:p="http://schemas.openxmlformats.org/presentationml/2006/main">
+  <p:cSld>
+    <p:bg>
+      <p:bgRef idx="1001">
+        <a:schemeClr val="bg1"/>
+      </p:bgRef>
+    </p:bg>
+    <p:spTree>
+      <p:nvGrpSpPr>
+        <p:cNvPr id="1" name=""/>
+        <p:cNvGrpSpPr/>
+        <p:nvPr/>
+      </p:nvGrpSpPr>
+      <p:grpSpPr>
+        <a:xfrm>
+          <a:off x="0" y="0"/>
+          <a:ext cx="0" cy="0"/>
+          <a:chOff x="0" y="0"/>
+          <a:chExt cx="0" cy="0"/>
+        </a:xfrm>
+      </p:grpSpPr>
+      <p:sp>
+        <p:nvSpPr>
+          <p:cNvPr id="2" name="머리글 개체 틀 1"/>
+          <p:cNvSpPr>
+            <a:spLocks noGrp="1"/>
+          </p:cNvSpPr>
+          <p:nvPr>
+            <p:ph type="hdr" sz="quarter"/>
+          </p:nvPr>
+        </p:nvSpPr>
+        <p:spPr>
+          <a:xfrm>
+            <a:off x="0" y="0"/>
+            <a:ext cx="2971800" cy="458788"/>
+          </a:xfrm>
+          <a:prstGeom prst="rect">
+            <a:avLst/>
+          </a:prstGeom>
+        </p:spPr>
+        <p:txBody>
+          <a:bodyPr vert="horz" lIns="91440" tIns="45720" rIns="91440" bIns="45720" rtlCol="0"/>
+          <a:lstStyle>
+            <a:lvl1pPr algn="l">
+              <a:defRPr sz="1200"/>
+            </a:lvl1pPr>
+          </a:lstStyle>
+          <a:p>
+            <a:endParaRPr lang="ko-KR" altLang="en-US"/>
+          </a:p>
+        </p:txBody>
+      </p:sp>
+      <p:sp>
+        <p:nvSpPr>
+          <p:cNvPr id="3" name="날짜 개체 틀 2"/>
+          <p:cNvSpPr>
+            <a:spLocks noGrp="1"/>
+          </p:cNvSpPr>
+          <p:nvPr>
+            <p:ph type="dt" idx="1"/>
+          </p:nvPr>
+        </p:nvSpPr>
+        <p:spPr>
+          <a:xfrm>
+            <a:off x="3884613" y="0"/>
+            <a:ext cx="2971800" cy="458788"/>
+          </a:xfrm>
+          <a:prstGeom prst="rect">
+            <a:avLst/>
+          </a:prstGeom>
+        </p:spPr>
+        <p:txBody>
+          <a:bodyPr vert="horz" lIns="91440" tIns="45720" rIns="91440" bIns="45720" rtlCol="0"/>
+          <a:lstStyle>
+            <a:lvl1pPr algn="r">
+              <a:defRPr sz="1200"/>
+            </a:lvl1pPr>
+          </a:lstStyle>
+          <a:p>
+            <a:fld id="{B39EADD2-0934-478D-94F3-E59BECE9B7B9}" type="datetimeFigureOut">
+              <a:rPr lang="ko-KR" altLang="en-US" smtClean="0"/>
+              <a:t>2019년 10월 29일 Tuesday</a:t>
+            </a:fld>
+            <a:endParaRPr lang="ko-KR" altLang="en-US"/>
+          </a:p>
+        </p:txBody>
+      </p:sp>
+      <p:sp>
+        <p:nvSpPr>
+          <p:cNvPr id="4" name="슬라이드 이미지 개체 틀 3"/>
+          <p:cNvSpPr>
+            <a:spLocks noGrp="1" noRot="1" noChangeAspect="1"/>
+          </p:cNvSpPr>
+          <p:nvPr>
+            <p:ph type="sldImg" idx="2"/>
+          </p:nvPr>
+        </p:nvSpPr>
+        <p:spPr>
+          <a:xfrm>
+            <a:off x="1371600" y="1143000"/>
+            <a:ext cx="4114800" cy="3086100"/>
+          </a:xfrm>
+          <a:prstGeom prst="rect">
+            <a:avLst/>
+          </a:prstGeom>
+          <a:noFill/>
+          <a:ln w="12700">
+            <a:solidFill>
+              <a:prstClr val="black"/>
+            </a:solidFill>
+          </a:ln>
+        </p:spPr>
+        <p:txBody>
+          <a:bodyPr vert="horz" lIns="91440" tIns="45720" rIns="91440" bIns="45720" rtlCol="0" anchor="ctr"/>
+          <a:lstStyle/>
+          <a:p>
+            <a:endParaRPr lang="ko-KR" altLang="en-US"/>
+          </a:p>
+        </p:txBody>
+      </p:sp>
+      <p:sp>
+        <p:nvSpPr>
+          <p:cNvPr id="5" name="슬라이드 노트 개체 틀 4"/>
+          <p:cNvSpPr>
+            <a:spLocks noGrp="1"/>
+          </p:cNvSpPr>
+          <p:nvPr>
+            <p:ph type="body" sz="quarter" idx="3"/>
+          </p:nvPr>
+        </p:nvSpPr>
+        <p:spPr>
+          <a:xfrm>
+            <a:off x="685800" y="4400550"/>
+            <a:ext cx="5486400" cy="3600450"/>
+          </a:xfrm>
+          <a:prstGeom prst="rect">
+            <a:avLst/>
+          </a:prstGeom>
+        </p:spPr>
+        <p:txBody>
+          <a:bodyPr vert="horz" lIns="91440" tIns="45720" rIns="91440" bIns="45720" rtlCol="0"/>
+          <a:lstStyle/>
+          <a:p>
+            <a:pPr lvl="0"/>
+            <a:r>
+              <a:rPr lang="ko-KR" altLang="en-US"/>
+              <a:t>마스터 텍스트 스타일을 편집하려면 클릭</a:t>
+            </a:r>
+          </a:p>
+          <a:p>
+            <a:pPr lvl="1"/>
+            <a:r>
+              <a:rPr lang="ko-KR" altLang="en-US"/>
+              <a:t>두 번째 수준</a:t>
+            </a:r>
+          </a:p>
+          <a:p>
+            <a:pPr lvl="2"/>
+            <a:r>
+              <a:rPr lang="ko-KR" altLang="en-US"/>
+              <a:t>세 번째 수준</a:t>
+            </a:r>
+          </a:p>
+          <a:p>
+            <a:pPr lvl="3"/>
+            <a:r>
+              <a:rPr lang="ko-KR" altLang="en-US"/>
+              <a:t>네 번째 수준</a:t>
+            </a:r>
+          </a:p>
+          <a:p>
+            <a:pPr lvl="4"/>
+            <a:r>
+              <a:rPr lang="ko-KR" altLang="en-US"/>
+              <a:t>다섯 번째 수준</a:t>
+            </a:r>
+          </a:p>
+        </p:txBody>
+      </p:sp>
+      <p:sp>
+        <p:nvSpPr>
+          <p:cNvPr id="6" name="바닥글 개체 틀 5"/>
+          <p:cNvSpPr>
+            <a:spLocks noGrp="1"/>
+          </p:cNvSpPr>
+          <p:nvPr>
+            <p:ph type="ftr" sz="quarter" idx="4"/>
+          </p:nvPr>
+        </p:nvSpPr>
+        <p:spPr>
+          <a:xfrm>
+            <a:off x="0" y="8685213"/>
+            <a:ext cx="2971800" cy="458787"/>
+          </a:xfrm>
+          <a:prstGeom prst="rect">
+            <a:avLst/>
+          </a:prstGeom>
+        </p:spPr>
+        <p:txBody>
+          <a:bodyPr vert="horz" lIns="91440" tIns="45720" rIns="91440" bIns="45720" rtlCol="0" anchor="b"/>
+          <a:lstStyle>
+            <a:lvl1pPr algn="l">
+              <a:defRPr sz="1200"/>
+            </a:lvl1pPr>
+          </a:lstStyle>
+          <a:p>
+            <a:endParaRPr lang="ko-KR" altLang="en-US"/>
+          </a:p>
+        </p:txBody>
+      </p:sp>
+      <p:sp>
+        <p:nvSpPr>
+          <p:cNvPr id="7" name="슬라이드 번호 개체 틀 6"/>
+          <p:cNvSpPr>
+            <a:spLocks noGrp="1"/>
+          </p:cNvSpPr>
+          <p:nvPr>
+            <p:ph type="sldNum" sz="quarter" idx="5"/>
+          </p:nvPr>
+        </p:nvSpPr>
+        <p:spPr>
+          <a:xfrm>
+            <a:off x="3884613" y="8685213"/>
+            <a:ext cx="2971800" cy="458787"/>
+          </a:xfrm>
+          <a:prstGeom prst="rect">
+            <a:avLst/>
+          </a:prstGeom>
+        </p:spPr>
+        <p:txBody>
+          <a:bodyPr vert="horz" lIns="91440" tIns="45720" rIns="91440" bIns="45720" rtlCol="0" anchor="b"/>
+          <a:lstStyle>
+            <a:lvl1pPr algn="r">
+              <a:defRPr sz="1200"/>
+            </a:lvl1pPr>
+          </a:lstStyle>
+          <a:p>
+            <a:fld id="{DF11F15F-BAB1-4E19-AB49-548BD04A4005}" type="slidenum">
+              <a:rPr lang="ko-KR" altLang="en-US" smtClean="0"/>
+              <a:t>‹#›</a:t>
+            </a:fld>
+            <a:endParaRPr lang="ko-KR" altLang="en-US"/>
+          </a:p>
+        </p:txBody>
+      </p:sp>
+    </p:spTree>
+    <p:extLst>
+      <p:ext uri="{BB962C8B-B14F-4D97-AF65-F5344CB8AC3E}">
+        <p14:creationId xmlns:p14="http://schemas.microsoft.com/office/powerpoint/2010/main" val="1948355354"/>
+      </p:ext>
+    </p:extLst>
+  </p:cSld>
+  <p:clrMap bg1="lt1" tx1="dk1" bg2="lt2" tx2="dk2" accent1="accent1" accent2="accent2" accent3="accent3" accent4="accent4" accent5="accent5" accent6="accent6" hlink="hlink" folHlink="folHlink"/>
+  <p:notesStyle>
+    <a:lvl1pPr marL="0" algn="l" defTabSz="914400" rtl="0" eaLnBrk="1" latinLnBrk="1" hangingPunct="1">
+      <a:defRPr sz="1200" kern="1200">
+        <a:solidFill>
+          <a:schemeClr val="tx1"/>
+        </a:solidFill>
+        <a:latin typeface="+mn-lt"/>
+        <a:ea typeface="+mn-ea"/>
+        <a:cs typeface="+mn-cs"/>
+      </a:defRPr>
+    </a:lvl1pPr>
+    <a:lvl2pPr marL="457200" algn="l" defTabSz="914400" rtl="0" eaLnBrk="1" latinLnBrk="1" hangingPunct="1">
+      <a:defRPr sz="1200" kern="1200">
+        <a:solidFill>
+          <a:schemeClr val="tx1"/>
+        </a:solidFill>
+        <a:latin typeface="+mn-lt"/>
+        <a:ea typeface="+mn-ea"/>
+        <a:cs typeface="+mn-cs"/>
+      </a:defRPr>
+    </a:lvl2pPr>
+    <a:lvl3pPr marL="914400" algn="l" defTabSz="914400" rtl="0" eaLnBrk="1" latinLnBrk="1" hangingPunct="1">
+      <a:defRPr sz="1200" kern="1200">
+        <a:solidFill>
+          <a:schemeClr val="tx1"/>
+        </a:solidFill>
+        <a:latin typeface="+mn-lt"/>
+        <a:ea typeface="+mn-ea"/>
+        <a:cs typeface="+mn-cs"/>
+      </a:defRPr>
+    </a:lvl3pPr>
+    <a:lvl4pPr marL="1371600" algn="l" defTabSz="914400" rtl="0" eaLnBrk="1" latinLnBrk="1" hangingPunct="1">
+      <a:defRPr sz="1200" kern="1200">
+        <a:solidFill>
+          <a:schemeClr val="tx1"/>
+        </a:solidFill>
+        <a:latin typeface="+mn-lt"/>
+        <a:ea typeface="+mn-ea"/>
+        <a:cs typeface="+mn-cs"/>
+      </a:defRPr>
+    </a:lvl4pPr>
+    <a:lvl5pPr marL="1828800" algn="l" defTabSz="914400" rtl="0" eaLnBrk="1" latinLnBrk="1" hangingPunct="1">
+      <a:defRPr sz="1200" kern="1200">
+        <a:solidFill>
+          <a:schemeClr val="tx1"/>
+        </a:solidFill>
+        <a:latin typeface="+mn-lt"/>
+        <a:ea typeface="+mn-ea"/>
+        <a:cs typeface="+mn-cs"/>
+      </a:defRPr>
+    </a:lvl5pPr>
+    <a:lvl6pPr marL="2286000" algn="l" defTabSz="914400" rtl="0" eaLnBrk="1" latinLnBrk="1" hangingPunct="1">
+      <a:defRPr sz="1200" kern="1200">
+        <a:solidFill>
+          <a:schemeClr val="tx1"/>
+        </a:solidFill>
+        <a:latin typeface="+mn-lt"/>
+        <a:ea typeface="+mn-ea"/>
+        <a:cs typeface="+mn-cs"/>
+      </a:defRPr>
+    </a:lvl6pPr>
+    <a:lvl7pPr marL="2743200" algn="l" defTabSz="914400" rtl="0" eaLnBrk="1" latinLnBrk="1" hangingPunct="1">
+      <a:defRPr sz="1200" kern="1200">
+        <a:solidFill>
+          <a:schemeClr val="tx1"/>
+        </a:solidFill>
+        <a:latin typeface="+mn-lt"/>
+        <a:ea typeface="+mn-ea"/>
+        <a:cs typeface="+mn-cs"/>
+      </a:defRPr>
+    </a:lvl7pPr>
+    <a:lvl8pPr marL="3200400" algn="l" defTabSz="914400" rtl="0" eaLnBrk="1" latinLnBrk="1" hangingPunct="1">
+      <a:defRPr sz="1200" kern="1200">
+        <a:solidFill>
+          <a:schemeClr val="tx1"/>
+        </a:solidFill>
+        <a:latin typeface="+mn-lt"/>
+        <a:ea typeface="+mn-ea"/>
+        <a:cs typeface="+mn-cs"/>
+      </a:defRPr>
+    </a:lvl8pPr>
+    <a:lvl9pPr marL="3657600" algn="l" defTabSz="914400" rtl="0" eaLnBrk="1" latinLnBrk="1" hangingPunct="1">
+      <a:defRPr sz="1200" kern="1200">
+        <a:solidFill>
+          <a:schemeClr val="tx1"/>
+        </a:solidFill>
+        <a:latin typeface="+mn-lt"/>
+        <a:ea typeface="+mn-ea"/>
+        <a:cs typeface="+mn-cs"/>
+      </a:defRPr>
+    </a:lvl9pPr>
+  </p:notesStyle>
+</p:notesMaster>
+</file>
+
+<file path=ppt/notesSlides/notesSlide1.xml><?xml version="1.0" encoding="utf-8"?>
+<p:notes xmlns:a="http://schemas.openxmlformats.org/drawingml/2006/main" xmlns:r="http://schemas.openxmlformats.org/officeDocument/2006/relationships" xmlns:p="http://schemas.openxmlformats.org/presentationml/2006/main">
+  <p:cSld>
+    <p:spTree>
+      <p:nvGrpSpPr>
+        <p:cNvPr id="1" name=""/>
+        <p:cNvGrpSpPr/>
+        <p:nvPr/>
+      </p:nvGrpSpPr>
+      <p:grpSpPr>
+        <a:xfrm>
+          <a:off x="0" y="0"/>
+          <a:ext cx="0" cy="0"/>
+          <a:chOff x="0" y="0"/>
+          <a:chExt cx="0" cy="0"/>
+        </a:xfrm>
+      </p:grpSpPr>
+      <p:sp>
+        <p:nvSpPr>
+          <p:cNvPr id="2" name="슬라이드 이미지 개체 틀 1"/>
+          <p:cNvSpPr>
+            <a:spLocks noGrp="1" noRot="1" noChangeAspect="1"/>
+          </p:cNvSpPr>
+          <p:nvPr>
+            <p:ph type="sldImg"/>
+          </p:nvPr>
+        </p:nvSpPr>
+        <p:spPr/>
+      </p:sp>
+      <p:sp>
+        <p:nvSpPr>
+          <p:cNvPr id="3" name="슬라이드 노트 개체 틀 2"/>
+          <p:cNvSpPr>
+            <a:spLocks noGrp="1"/>
+          </p:cNvSpPr>
+          <p:nvPr>
+            <p:ph type="body" idx="1"/>
+          </p:nvPr>
+        </p:nvSpPr>
+        <p:spPr/>
+        <p:txBody>
+          <a:bodyPr/>
+          <a:lstStyle/>
+          <a:p>
+            <a:endParaRPr lang="ko-KR" altLang="en-US" dirty="0"/>
+          </a:p>
+        </p:txBody>
+      </p:sp>
+      <p:sp>
+        <p:nvSpPr>
+          <p:cNvPr id="4" name="슬라이드 번호 개체 틀 3"/>
+          <p:cNvSpPr>
+            <a:spLocks noGrp="1"/>
+          </p:cNvSpPr>
+          <p:nvPr>
+            <p:ph type="sldNum" sz="quarter" idx="5"/>
+          </p:nvPr>
+        </p:nvSpPr>
+        <p:spPr/>
+        <p:txBody>
+          <a:bodyPr/>
+          <a:lstStyle/>
+          <a:p>
+            <a:fld id="{DF11F15F-BAB1-4E19-AB49-548BD04A4005}" type="slidenum">
+              <a:rPr lang="ko-KR" altLang="en-US" smtClean="0"/>
+              <a:t>2</a:t>
+            </a:fld>
+            <a:endParaRPr lang="ko-KR" altLang="en-US"/>
+          </a:p>
+        </p:txBody>
+      </p:sp>
+    </p:spTree>
+    <p:extLst>
+      <p:ext uri="{BB962C8B-B14F-4D97-AF65-F5344CB8AC3E}">
+        <p14:creationId xmlns:p14="http://schemas.microsoft.com/office/powerpoint/2010/main" val="3373199804"/>
+      </p:ext>
+    </p:extLst>
+  </p:cSld>
+  <p:clrMapOvr>
+    <a:masterClrMapping/>
+  </p:clrMapOvr>
+</p:notes>
 </file>
 
 <file path=ppt/slideLayouts/slideLayout1.xml><?xml version="1.0" encoding="utf-8"?>
@@ -324,7 +779,7 @@
           <a:p>
             <a:fld id="{FB30EDBD-1C2D-4C1E-B459-B60219FAB484}" type="datetimeFigureOut">
               <a:rPr lang="ko-KR" altLang="en-US" smtClean="0"/>
-              <a:t>2019-10-29</a:t>
+              <a:t>2019년 10월 29일 Tuesday</a:t>
             </a:fld>
             <a:endParaRPr lang="ko-KR" altLang="en-US"/>
           </a:p>
@@ -487,7 +942,7 @@
           <a:p>
             <a:fld id="{FB30EDBD-1C2D-4C1E-B459-B60219FAB484}" type="datetimeFigureOut">
               <a:rPr lang="ko-KR" altLang="en-US" smtClean="0"/>
-              <a:t>2019-10-29</a:t>
+              <a:t>2019년 10월 29일 Tuesday</a:t>
             </a:fld>
             <a:endParaRPr lang="ko-KR" altLang="en-US"/>
           </a:p>
@@ -660,7 +1115,7 @@
           <a:p>
             <a:fld id="{FB30EDBD-1C2D-4C1E-B459-B60219FAB484}" type="datetimeFigureOut">
               <a:rPr lang="ko-KR" altLang="en-US" smtClean="0"/>
-              <a:t>2019-10-29</a:t>
+              <a:t>2019년 10월 29일 Tuesday</a:t>
             </a:fld>
             <a:endParaRPr lang="ko-KR" altLang="en-US"/>
           </a:p>
@@ -823,7 +1278,7 @@
           <a:p>
             <a:fld id="{FB30EDBD-1C2D-4C1E-B459-B60219FAB484}" type="datetimeFigureOut">
               <a:rPr lang="ko-KR" altLang="en-US" smtClean="0"/>
-              <a:t>2019-10-29</a:t>
+              <a:t>2019년 10월 29일 Tuesday</a:t>
             </a:fld>
             <a:endParaRPr lang="ko-KR" altLang="en-US"/>
           </a:p>
@@ -1063,7 +1518,7 @@
           <a:p>
             <a:fld id="{FB30EDBD-1C2D-4C1E-B459-B60219FAB484}" type="datetimeFigureOut">
               <a:rPr lang="ko-KR" altLang="en-US" smtClean="0"/>
-              <a:t>2019-10-29</a:t>
+              <a:t>2019년 10월 29일 Tuesday</a:t>
             </a:fld>
             <a:endParaRPr lang="ko-KR" altLang="en-US"/>
           </a:p>
@@ -1343,7 +1798,7 @@
           <a:p>
             <a:fld id="{FB30EDBD-1C2D-4C1E-B459-B60219FAB484}" type="datetimeFigureOut">
               <a:rPr lang="ko-KR" altLang="en-US" smtClean="0"/>
-              <a:t>2019-10-29</a:t>
+              <a:t>2019년 10월 29일 Tuesday</a:t>
             </a:fld>
             <a:endParaRPr lang="ko-KR" altLang="en-US"/>
           </a:p>
@@ -1757,7 +2212,7 @@
           <a:p>
             <a:fld id="{FB30EDBD-1C2D-4C1E-B459-B60219FAB484}" type="datetimeFigureOut">
               <a:rPr lang="ko-KR" altLang="en-US" smtClean="0"/>
-              <a:t>2019-10-29</a:t>
+              <a:t>2019년 10월 29일 Tuesday</a:t>
             </a:fld>
             <a:endParaRPr lang="ko-KR" altLang="en-US"/>
           </a:p>
@@ -1869,7 +2324,7 @@
           <a:p>
             <a:fld id="{FB30EDBD-1C2D-4C1E-B459-B60219FAB484}" type="datetimeFigureOut">
               <a:rPr lang="ko-KR" altLang="en-US" smtClean="0"/>
-              <a:t>2019-10-29</a:t>
+              <a:t>2019년 10월 29일 Tuesday</a:t>
             </a:fld>
             <a:endParaRPr lang="ko-KR" altLang="en-US"/>
           </a:p>
@@ -1959,7 +2414,7 @@
           <a:p>
             <a:fld id="{FB30EDBD-1C2D-4C1E-B459-B60219FAB484}" type="datetimeFigureOut">
               <a:rPr lang="ko-KR" altLang="en-US" smtClean="0"/>
-              <a:t>2019-10-29</a:t>
+              <a:t>2019년 10월 29일 Tuesday</a:t>
             </a:fld>
             <a:endParaRPr lang="ko-KR" altLang="en-US"/>
           </a:p>
@@ -2229,7 +2684,7 @@
           <a:p>
             <a:fld id="{FB30EDBD-1C2D-4C1E-B459-B60219FAB484}" type="datetimeFigureOut">
               <a:rPr lang="ko-KR" altLang="en-US" smtClean="0"/>
-              <a:t>2019-10-29</a:t>
+              <a:t>2019년 10월 29일 Tuesday</a:t>
             </a:fld>
             <a:endParaRPr lang="ko-KR" altLang="en-US"/>
           </a:p>
@@ -2476,7 +2931,7 @@
           <a:p>
             <a:fld id="{FB30EDBD-1C2D-4C1E-B459-B60219FAB484}" type="datetimeFigureOut">
               <a:rPr lang="ko-KR" altLang="en-US" smtClean="0"/>
-              <a:t>2019-10-29</a:t>
+              <a:t>2019년 10월 29일 Tuesday</a:t>
             </a:fld>
             <a:endParaRPr lang="ko-KR" altLang="en-US"/>
           </a:p>
@@ -2685,7 +3140,7 @@
             <a:fld id="{FB30EDBD-1C2D-4C1E-B459-B60219FAB484}" type="datetimeFigureOut">
               <a:rPr lang="ko-KR" altLang="en-US" smtClean="0"/>
               <a:pPr/>
-              <a:t>2019-10-29</a:t>
+              <a:t>2019년 10월 29일 Tuesday</a:t>
             </a:fld>
             <a:endParaRPr lang="ko-KR" altLang="en-US" dirty="0"/>
           </a:p>
@@ -3078,7 +3533,7 @@
         </p:nvSpPr>
         <p:spPr>
           <a:xfrm>
-            <a:off x="232063" y="1287079"/>
+            <a:off x="232063" y="1772816"/>
             <a:ext cx="8679873" cy="2202419"/>
           </a:xfrm>
           <a:effectLst>
@@ -3161,7 +3616,7 @@
         </p:nvSpPr>
         <p:spPr>
           <a:xfrm>
-            <a:off x="6664037" y="4823505"/>
+            <a:off x="6664036" y="5805264"/>
             <a:ext cx="2247900" cy="830997"/>
           </a:xfrm>
           <a:prstGeom prst="rect">
@@ -3218,6 +3673,429 @@
 </file>
 
 <file path=ppt/slides/slide10.xml><?xml version="1.0" encoding="utf-8"?>
+<p:sld xmlns:a="http://schemas.openxmlformats.org/drawingml/2006/main" xmlns:r="http://schemas.openxmlformats.org/officeDocument/2006/relationships" xmlns:p="http://schemas.openxmlformats.org/presentationml/2006/main">
+  <p:cSld>
+    <p:bg>
+      <p:bgPr>
+        <a:solidFill>
+          <a:schemeClr val="bg1"/>
+        </a:solidFill>
+        <a:effectLst/>
+      </p:bgPr>
+    </p:bg>
+    <p:spTree>
+      <p:nvGrpSpPr>
+        <p:cNvPr id="1" name=""/>
+        <p:cNvGrpSpPr/>
+        <p:nvPr/>
+      </p:nvGrpSpPr>
+      <p:grpSpPr>
+        <a:xfrm>
+          <a:off x="0" y="0"/>
+          <a:ext cx="0" cy="0"/>
+          <a:chOff x="0" y="0"/>
+          <a:chExt cx="0" cy="0"/>
+        </a:xfrm>
+      </p:grpSpPr>
+      <p:sp>
+        <p:nvSpPr>
+          <p:cNvPr id="2" name="제목 1">
+            <a:extLst>
+              <a:ext uri="{FF2B5EF4-FFF2-40B4-BE49-F238E27FC236}">
+                <a16:creationId xmlns:a16="http://schemas.microsoft.com/office/drawing/2014/main" id="{077C8982-4113-4613-9B43-D4CC54E8C76D}"/>
+              </a:ext>
+            </a:extLst>
+          </p:cNvPr>
+          <p:cNvSpPr>
+            <a:spLocks noGrp="1"/>
+          </p:cNvSpPr>
+          <p:nvPr>
+            <p:ph type="title"/>
+          </p:nvPr>
+        </p:nvSpPr>
+        <p:spPr>
+          <a:xfrm>
+            <a:off x="528065" y="4578638"/>
+            <a:ext cx="2737277" cy="1714500"/>
+          </a:xfrm>
+        </p:spPr>
+        <p:txBody>
+          <a:bodyPr>
+            <a:normAutofit/>
+          </a:bodyPr>
+          <a:lstStyle/>
+          <a:p>
+            <a:r>
+              <a:rPr lang="ko-KR" altLang="en-US" sz="2800" dirty="0">
+                <a:latin typeface="210 앱굴림 R" panose="02020603020101020101" pitchFamily="18" charset="-127"/>
+                <a:ea typeface="210 앱굴림 R" panose="02020603020101020101" pitchFamily="18" charset="-127"/>
+              </a:rPr>
+              <a:t>유니티 종류</a:t>
+            </a:r>
+          </a:p>
+        </p:txBody>
+      </p:sp>
+      <p:pic>
+        <p:nvPicPr>
+          <p:cNvPr id="5" name="그림 4">
+            <a:extLst>
+              <a:ext uri="{FF2B5EF4-FFF2-40B4-BE49-F238E27FC236}">
+                <a16:creationId xmlns:a16="http://schemas.microsoft.com/office/drawing/2014/main" id="{02BADFA6-AC06-4CCB-8270-CEEA5DB29C44}"/>
+              </a:ext>
+            </a:extLst>
+          </p:cNvPr>
+          <p:cNvPicPr>
+            <a:picLocks noChangeAspect="1"/>
+          </p:cNvPicPr>
+          <p:nvPr/>
+        </p:nvPicPr>
+        <p:blipFill rotWithShape="1">
+          <a:blip r:embed="rId2"/>
+          <a:srcRect l="18373" t="1" r="37538" b="-3"/>
+          <a:stretch/>
+        </p:blipFill>
+        <p:spPr>
+          <a:xfrm>
+            <a:off x="528065" y="370320"/>
+            <a:ext cx="2737278" cy="4051011"/>
+          </a:xfrm>
+          <a:prstGeom prst="rect">
+            <a:avLst/>
+          </a:prstGeom>
+        </p:spPr>
+      </p:pic>
+      <p:pic>
+        <p:nvPicPr>
+          <p:cNvPr id="4" name="그림 3">
+            <a:extLst>
+              <a:ext uri="{FF2B5EF4-FFF2-40B4-BE49-F238E27FC236}">
+                <a16:creationId xmlns:a16="http://schemas.microsoft.com/office/drawing/2014/main" id="{B3F88D61-D3FA-4294-ADE9-506C9B017B15}"/>
+              </a:ext>
+            </a:extLst>
+          </p:cNvPr>
+          <p:cNvPicPr>
+            <a:picLocks noChangeAspect="1"/>
+          </p:cNvPicPr>
+          <p:nvPr/>
+        </p:nvPicPr>
+        <p:blipFill rotWithShape="1">
+          <a:blip r:embed="rId3"/>
+          <a:srcRect r="150" b="-3"/>
+          <a:stretch/>
+        </p:blipFill>
+        <p:spPr>
+          <a:xfrm>
+            <a:off x="3479655" y="370320"/>
+            <a:ext cx="5136278" cy="4051011"/>
+          </a:xfrm>
+          <a:prstGeom prst="rect">
+            <a:avLst/>
+          </a:prstGeom>
+        </p:spPr>
+      </p:pic>
+      <p:sp>
+        <p:nvSpPr>
+          <p:cNvPr id="3" name="내용 개체 틀 2">
+            <a:extLst>
+              <a:ext uri="{FF2B5EF4-FFF2-40B4-BE49-F238E27FC236}">
+                <a16:creationId xmlns:a16="http://schemas.microsoft.com/office/drawing/2014/main" id="{63D92840-4D60-4D34-A639-CB75AAF11C16}"/>
+              </a:ext>
+            </a:extLst>
+          </p:cNvPr>
+          <p:cNvSpPr>
+            <a:spLocks noGrp="1"/>
+          </p:cNvSpPr>
+          <p:nvPr>
+            <p:ph idx="1"/>
+          </p:nvPr>
+        </p:nvSpPr>
+        <p:spPr>
+          <a:xfrm>
+            <a:off x="3479655" y="4578638"/>
+            <a:ext cx="5136279" cy="1714500"/>
+          </a:xfrm>
+        </p:spPr>
+        <p:txBody>
+          <a:bodyPr anchor="ctr">
+            <a:normAutofit/>
+          </a:bodyPr>
+          <a:lstStyle/>
+          <a:p>
+            <a:pPr marL="0" indent="0" algn="ctr">
+              <a:buNone/>
+            </a:pPr>
+            <a:r>
+              <a:rPr lang="ko-KR" altLang="en-US" sz="1800" dirty="0">
+                <a:latin typeface="210 앱굴림 R" panose="02020603020101020101" pitchFamily="18" charset="-127"/>
+                <a:ea typeface="210 앱굴림 R" panose="02020603020101020101" pitchFamily="18" charset="-127"/>
+              </a:rPr>
+              <a:t>일반적인 버전</a:t>
+            </a:r>
+            <a:endParaRPr lang="en-US" altLang="ko-KR" sz="1800" dirty="0">
+              <a:latin typeface="210 앱굴림 R" panose="02020603020101020101" pitchFamily="18" charset="-127"/>
+              <a:ea typeface="210 앱굴림 R" panose="02020603020101020101" pitchFamily="18" charset="-127"/>
+            </a:endParaRPr>
+          </a:p>
+          <a:p>
+            <a:pPr marL="0" indent="0" algn="ctr">
+              <a:buNone/>
+            </a:pPr>
+            <a:r>
+              <a:rPr lang="en-US" altLang="ko-KR" sz="1800" dirty="0">
+                <a:solidFill>
+                  <a:schemeClr val="accent5"/>
+                </a:solidFill>
+                <a:latin typeface="210 앱굴림 R" panose="02020603020101020101" pitchFamily="18" charset="-127"/>
+                <a:ea typeface="210 앱굴림 R" panose="02020603020101020101" pitchFamily="18" charset="-127"/>
+              </a:rPr>
+              <a:t>VS</a:t>
+            </a:r>
+          </a:p>
+          <a:p>
+            <a:pPr marL="0" indent="0" algn="ctr">
+              <a:buNone/>
+            </a:pPr>
+            <a:r>
+              <a:rPr lang="en-US" altLang="ko-KR" sz="1800" dirty="0">
+                <a:latin typeface="210 앱굴림 R" panose="02020603020101020101" pitchFamily="18" charset="-127"/>
+                <a:ea typeface="210 앱굴림 R" panose="02020603020101020101" pitchFamily="18" charset="-127"/>
+              </a:rPr>
+              <a:t>LTS (“Long Term Support”)</a:t>
+            </a:r>
+          </a:p>
+        </p:txBody>
+      </p:sp>
+    </p:spTree>
+    <p:extLst>
+      <p:ext uri="{BB962C8B-B14F-4D97-AF65-F5344CB8AC3E}">
+        <p14:creationId xmlns:p14="http://schemas.microsoft.com/office/powerpoint/2010/main" val="1289556764"/>
+      </p:ext>
+    </p:extLst>
+  </p:cSld>
+  <p:clrMapOvr>
+    <a:masterClrMapping/>
+  </p:clrMapOvr>
+</p:sld>
+</file>
+
+<file path=ppt/slides/slide11.xml><?xml version="1.0" encoding="utf-8"?>
+<p:sld xmlns:a="http://schemas.openxmlformats.org/drawingml/2006/main" xmlns:r="http://schemas.openxmlformats.org/officeDocument/2006/relationships" xmlns:p="http://schemas.openxmlformats.org/presentationml/2006/main">
+  <p:cSld>
+    <p:spTree>
+      <p:nvGrpSpPr>
+        <p:cNvPr id="1" name=""/>
+        <p:cNvGrpSpPr/>
+        <p:nvPr/>
+      </p:nvGrpSpPr>
+      <p:grpSpPr>
+        <a:xfrm>
+          <a:off x="0" y="0"/>
+          <a:ext cx="0" cy="0"/>
+          <a:chOff x="0" y="0"/>
+          <a:chExt cx="0" cy="0"/>
+        </a:xfrm>
+      </p:grpSpPr>
+      <p:sp>
+        <p:nvSpPr>
+          <p:cNvPr id="4" name="제목 3">
+            <a:extLst>
+              <a:ext uri="{FF2B5EF4-FFF2-40B4-BE49-F238E27FC236}">
+                <a16:creationId xmlns:a16="http://schemas.microsoft.com/office/drawing/2014/main" id="{FA9F752A-317C-450A-80D0-139B2376A236}"/>
+              </a:ext>
+            </a:extLst>
+          </p:cNvPr>
+          <p:cNvSpPr>
+            <a:spLocks noGrp="1"/>
+          </p:cNvSpPr>
+          <p:nvPr>
+            <p:ph type="ctrTitle"/>
+          </p:nvPr>
+        </p:nvSpPr>
+        <p:spPr>
+          <a:xfrm>
+            <a:off x="685800" y="1720825"/>
+            <a:ext cx="7772400" cy="1470025"/>
+          </a:xfrm>
+        </p:spPr>
+        <p:txBody>
+          <a:bodyPr>
+            <a:normAutofit/>
+          </a:bodyPr>
+          <a:lstStyle/>
+          <a:p>
+            <a:r>
+              <a:rPr lang="ko-KR" altLang="en-US" sz="6000" b="1" dirty="0">
+                <a:solidFill>
+                  <a:schemeClr val="accent6">
+                    <a:lumMod val="60000"/>
+                    <a:lumOff val="40000"/>
+                  </a:schemeClr>
+                </a:solidFill>
+                <a:latin typeface="210 앱굴림 R" panose="02020603020101020101" pitchFamily="18" charset="-127"/>
+                <a:ea typeface="210 앱굴림 R" panose="02020603020101020101" pitchFamily="18" charset="-127"/>
+              </a:rPr>
+              <a:t>유니티의 화면 구성</a:t>
+            </a:r>
+          </a:p>
+        </p:txBody>
+      </p:sp>
+      <p:sp>
+        <p:nvSpPr>
+          <p:cNvPr id="5" name="부제목 4">
+            <a:extLst>
+              <a:ext uri="{FF2B5EF4-FFF2-40B4-BE49-F238E27FC236}">
+                <a16:creationId xmlns:a16="http://schemas.microsoft.com/office/drawing/2014/main" id="{339F0409-B68D-44FB-8AC5-BA0B038BB93B}"/>
+              </a:ext>
+            </a:extLst>
+          </p:cNvPr>
+          <p:cNvSpPr>
+            <a:spLocks noGrp="1"/>
+          </p:cNvSpPr>
+          <p:nvPr>
+            <p:ph type="subTitle" idx="1"/>
+          </p:nvPr>
+        </p:nvSpPr>
+        <p:spPr>
+          <a:xfrm>
+            <a:off x="1371600" y="3476600"/>
+            <a:ext cx="6400800" cy="1752600"/>
+          </a:xfrm>
+        </p:spPr>
+        <p:txBody>
+          <a:bodyPr/>
+          <a:lstStyle/>
+          <a:p>
+            <a:r>
+              <a:rPr lang="en-US" altLang="ko-KR" b="1" dirty="0">
+                <a:latin typeface="210 앱굴림 R" panose="02020603020101020101" pitchFamily="18" charset="-127"/>
+                <a:ea typeface="210 앱굴림 R" panose="02020603020101020101" pitchFamily="18" charset="-127"/>
+              </a:rPr>
+              <a:t>#</a:t>
+            </a:r>
+            <a:r>
+              <a:rPr lang="ko-KR" altLang="en-US" b="1" dirty="0">
+                <a:latin typeface="210 앱굴림 R" panose="02020603020101020101" pitchFamily="18" charset="-127"/>
+                <a:ea typeface="210 앱굴림 R" panose="02020603020101020101" pitchFamily="18" charset="-127"/>
+              </a:rPr>
+              <a:t>여러가지의 창들 </a:t>
+            </a:r>
+            <a:endParaRPr lang="en-US" altLang="ko-KR" b="1" dirty="0">
+              <a:latin typeface="210 앱굴림 R" panose="02020603020101020101" pitchFamily="18" charset="-127"/>
+              <a:ea typeface="210 앱굴림 R" panose="02020603020101020101" pitchFamily="18" charset="-127"/>
+            </a:endParaRPr>
+          </a:p>
+          <a:p>
+            <a:r>
+              <a:rPr lang="en-US" altLang="ko-KR" b="1" dirty="0">
+                <a:latin typeface="210 앱굴림 R" panose="02020603020101020101" pitchFamily="18" charset="-127"/>
+                <a:ea typeface="210 앱굴림 R" panose="02020603020101020101" pitchFamily="18" charset="-127"/>
+              </a:rPr>
+              <a:t>#</a:t>
+            </a:r>
+            <a:r>
+              <a:rPr lang="ko-KR" altLang="en-US" b="1" dirty="0">
+                <a:latin typeface="210 앱굴림 R" panose="02020603020101020101" pitchFamily="18" charset="-127"/>
+                <a:ea typeface="210 앱굴림 R" panose="02020603020101020101" pitchFamily="18" charset="-127"/>
+              </a:rPr>
+              <a:t>프로젝트</a:t>
+            </a:r>
+            <a:r>
+              <a:rPr lang="en-US" altLang="ko-KR" b="1" dirty="0">
+                <a:latin typeface="210 앱굴림 R" panose="02020603020101020101" pitchFamily="18" charset="-127"/>
+                <a:ea typeface="210 앱굴림 R" panose="02020603020101020101" pitchFamily="18" charset="-127"/>
+              </a:rPr>
+              <a:t> #</a:t>
+            </a:r>
+            <a:r>
+              <a:rPr lang="ko-KR" altLang="en-US" b="1" dirty="0" err="1">
+                <a:latin typeface="210 앱굴림 R" panose="02020603020101020101" pitchFamily="18" charset="-127"/>
+                <a:ea typeface="210 앱굴림 R" panose="02020603020101020101" pitchFamily="18" charset="-127"/>
+              </a:rPr>
+              <a:t>인스펙터</a:t>
+            </a:r>
+            <a:endParaRPr lang="en-US" altLang="ko-KR" b="1" dirty="0">
+              <a:latin typeface="210 앱굴림 R" panose="02020603020101020101" pitchFamily="18" charset="-127"/>
+              <a:ea typeface="210 앱굴림 R" panose="02020603020101020101" pitchFamily="18" charset="-127"/>
+            </a:endParaRPr>
+          </a:p>
+          <a:p>
+            <a:r>
+              <a:rPr lang="en-US" altLang="ko-KR" b="1" dirty="0">
+                <a:latin typeface="210 앱굴림 R" panose="02020603020101020101" pitchFamily="18" charset="-127"/>
+                <a:ea typeface="210 앱굴림 R" panose="02020603020101020101" pitchFamily="18" charset="-127"/>
+              </a:rPr>
+              <a:t>#</a:t>
+            </a:r>
+            <a:r>
+              <a:rPr lang="ko-KR" altLang="en-US" b="1" dirty="0">
+                <a:latin typeface="210 앱굴림 R" panose="02020603020101020101" pitchFamily="18" charset="-127"/>
+                <a:ea typeface="210 앱굴림 R" panose="02020603020101020101" pitchFamily="18" charset="-127"/>
+              </a:rPr>
+              <a:t>게임 </a:t>
+            </a:r>
+            <a:r>
+              <a:rPr lang="en-US" altLang="ko-KR" b="1" dirty="0">
+                <a:latin typeface="210 앱굴림 R" panose="02020603020101020101" pitchFamily="18" charset="-127"/>
+                <a:ea typeface="210 앱굴림 R" panose="02020603020101020101" pitchFamily="18" charset="-127"/>
+              </a:rPr>
+              <a:t>#</a:t>
+            </a:r>
+            <a:r>
+              <a:rPr lang="ko-KR" altLang="en-US" b="1" dirty="0">
+                <a:latin typeface="210 앱굴림 R" panose="02020603020101020101" pitchFamily="18" charset="-127"/>
+                <a:ea typeface="210 앱굴림 R" panose="02020603020101020101" pitchFamily="18" charset="-127"/>
+              </a:rPr>
+              <a:t>씬 </a:t>
+            </a:r>
+            <a:r>
+              <a:rPr lang="en-US" altLang="ko-KR" b="1" dirty="0">
+                <a:latin typeface="210 앱굴림 R" panose="02020603020101020101" pitchFamily="18" charset="-127"/>
+                <a:ea typeface="210 앱굴림 R" panose="02020603020101020101" pitchFamily="18" charset="-127"/>
+              </a:rPr>
+              <a:t>#</a:t>
+            </a:r>
+            <a:r>
+              <a:rPr lang="ko-KR" altLang="en-US" b="1" dirty="0">
+                <a:latin typeface="210 앱굴림 R" panose="02020603020101020101" pitchFamily="18" charset="-127"/>
+                <a:ea typeface="210 앱굴림 R" panose="02020603020101020101" pitchFamily="18" charset="-127"/>
+              </a:rPr>
+              <a:t>콘솔 </a:t>
+            </a:r>
+            <a:r>
+              <a:rPr lang="en-US" altLang="ko-KR" b="1" dirty="0">
+                <a:latin typeface="210 앱굴림 R" panose="02020603020101020101" pitchFamily="18" charset="-127"/>
+                <a:ea typeface="210 앱굴림 R" panose="02020603020101020101" pitchFamily="18" charset="-127"/>
+              </a:rPr>
+              <a:t>#</a:t>
+            </a:r>
+            <a:r>
+              <a:rPr lang="ko-KR" altLang="en-US" b="1" dirty="0" err="1">
+                <a:latin typeface="210 앱굴림 R" panose="02020603020101020101" pitchFamily="18" charset="-127"/>
+                <a:ea typeface="210 앱굴림 R" panose="02020603020101020101" pitchFamily="18" charset="-127"/>
+              </a:rPr>
+              <a:t>하이라키</a:t>
+            </a:r>
+            <a:endParaRPr lang="en-US" altLang="ko-KR" b="1" dirty="0">
+              <a:latin typeface="210 앱굴림 R" panose="02020603020101020101" pitchFamily="18" charset="-127"/>
+              <a:ea typeface="210 앱굴림 R" panose="02020603020101020101" pitchFamily="18" charset="-127"/>
+            </a:endParaRPr>
+          </a:p>
+        </p:txBody>
+      </p:sp>
+    </p:spTree>
+    <p:extLst>
+      <p:ext uri="{BB962C8B-B14F-4D97-AF65-F5344CB8AC3E}">
+        <p14:creationId xmlns:p14="http://schemas.microsoft.com/office/powerpoint/2010/main" val="1021173597"/>
+      </p:ext>
+    </p:extLst>
+  </p:cSld>
+  <p:clrMapOvr>
+    <a:masterClrMapping/>
+  </p:clrMapOvr>
+</p:sld>
+</file>
+
+<file path=ppt/slides/slide12.xml><?xml version="1.0" encoding="utf-8"?>
 <p:sld xmlns:a="http://schemas.openxmlformats.org/drawingml/2006/main" xmlns:r="http://schemas.openxmlformats.org/officeDocument/2006/relationships" xmlns:p="http://schemas.openxmlformats.org/presentationml/2006/main">
   <p:cSld>
     <p:bg>
@@ -3531,7 +4409,7 @@
 </p:sld>
 </file>
 
-<file path=ppt/slides/slide11.xml><?xml version="1.0" encoding="utf-8"?>
+<file path=ppt/slides/slide13.xml><?xml version="1.0" encoding="utf-8"?>
 <p:sld xmlns:a="http://schemas.openxmlformats.org/drawingml/2006/main" xmlns:r="http://schemas.openxmlformats.org/officeDocument/2006/relationships" xmlns:p="http://schemas.openxmlformats.org/presentationml/2006/main">
   <p:cSld>
     <p:bg>
@@ -3747,7 +4625,7 @@
 </p:sld>
 </file>
 
-<file path=ppt/slides/slide12.xml><?xml version="1.0" encoding="utf-8"?>
+<file path=ppt/slides/slide14.xml><?xml version="1.0" encoding="utf-8"?>
 <p:sld xmlns:a="http://schemas.openxmlformats.org/drawingml/2006/main" xmlns:r="http://schemas.openxmlformats.org/officeDocument/2006/relationships" xmlns:p="http://schemas.openxmlformats.org/presentationml/2006/main">
   <p:cSld>
     <p:bg>
@@ -3996,7 +4874,7 @@
 </p:sld>
 </file>
 
-<file path=ppt/slides/slide13.xml><?xml version="1.0" encoding="utf-8"?>
+<file path=ppt/slides/slide15.xml><?xml version="1.0" encoding="utf-8"?>
 <p:sld xmlns:a="http://schemas.openxmlformats.org/drawingml/2006/main" xmlns:r="http://schemas.openxmlformats.org/officeDocument/2006/relationships" xmlns:p="http://schemas.openxmlformats.org/presentationml/2006/main">
   <p:cSld>
     <p:bg>
@@ -4258,7 +5136,7 @@
 </p:sld>
 </file>
 
-<file path=ppt/slides/slide14.xml><?xml version="1.0" encoding="utf-8"?>
+<file path=ppt/slides/slide16.xml><?xml version="1.0" encoding="utf-8"?>
 <p:sld xmlns:a="http://schemas.openxmlformats.org/drawingml/2006/main" xmlns:r="http://schemas.openxmlformats.org/officeDocument/2006/relationships" xmlns:p="http://schemas.openxmlformats.org/presentationml/2006/main">
   <p:cSld>
     <p:bg>
@@ -4346,8 +5224,8 @@
         </p:nvSpPr>
         <p:spPr>
           <a:xfrm>
-            <a:off x="486697" y="2438400"/>
-            <a:ext cx="4939867" cy="3785419"/>
+            <a:off x="405112" y="2465648"/>
+            <a:ext cx="5103036" cy="1926704"/>
           </a:xfrm>
         </p:spPr>
         <p:txBody>
@@ -4357,27 +5235,27 @@
           <a:lstStyle/>
           <a:p>
             <a:r>
-              <a:rPr lang="ko-KR" altLang="en-US" sz="2000" dirty="0">
+              <a:rPr lang="ko-KR" altLang="en-US" sz="2400" dirty="0">
                 <a:latin typeface="210 앱굴림 R" panose="02020603020101020101" pitchFamily="18" charset="-127"/>
                 <a:ea typeface="210 앱굴림 R" panose="02020603020101020101" pitchFamily="18" charset="-127"/>
               </a:rPr>
               <a:t>계층 </a:t>
             </a:r>
             <a:r>
-              <a:rPr lang="en-US" altLang="ko-KR" sz="2000" dirty="0">
+              <a:rPr lang="en-US" altLang="ko-KR" sz="2400" dirty="0">
                 <a:latin typeface="210 앱굴림 R" panose="02020603020101020101" pitchFamily="18" charset="-127"/>
                 <a:ea typeface="210 앱굴림 R" panose="02020603020101020101" pitchFamily="18" charset="-127"/>
               </a:rPr>
               <a:t>- </a:t>
             </a:r>
             <a:r>
-              <a:rPr lang="ko-KR" altLang="en-US" sz="2000" dirty="0">
+              <a:rPr lang="ko-KR" altLang="en-US" sz="2400" dirty="0">
                 <a:latin typeface="210 앱굴림 R" panose="02020603020101020101" pitchFamily="18" charset="-127"/>
                 <a:ea typeface="210 앱굴림 R" panose="02020603020101020101" pitchFamily="18" charset="-127"/>
               </a:rPr>
               <a:t>부모자식 관계</a:t>
             </a:r>
-            <a:endParaRPr lang="en-US" altLang="ko-KR" sz="2000" dirty="0">
+            <a:endParaRPr lang="en-US" altLang="ko-KR" sz="2400" dirty="0">
               <a:latin typeface="210 앱굴림 R" panose="02020603020101020101" pitchFamily="18" charset="-127"/>
               <a:ea typeface="210 앱굴림 R" panose="02020603020101020101" pitchFamily="18" charset="-127"/>
             </a:endParaRPr>
@@ -4386,20 +5264,20 @@
             <a:pPr marL="0" indent="0">
               <a:buNone/>
             </a:pPr>
-            <a:endParaRPr lang="en-US" altLang="ko-KR" sz="2000" dirty="0">
+            <a:endParaRPr lang="en-US" altLang="ko-KR" sz="2400" dirty="0">
               <a:latin typeface="210 앱굴림 R" panose="02020603020101020101" pitchFamily="18" charset="-127"/>
               <a:ea typeface="210 앱굴림 R" panose="02020603020101020101" pitchFamily="18" charset="-127"/>
             </a:endParaRPr>
           </a:p>
           <a:p>
             <a:r>
-              <a:rPr lang="ko-KR" altLang="en-US" sz="2000" dirty="0">
+              <a:rPr lang="ko-KR" altLang="en-US" sz="2400" dirty="0">
                 <a:latin typeface="210 앱굴림 R" panose="02020603020101020101" pitchFamily="18" charset="-127"/>
                 <a:ea typeface="210 앱굴림 R" panose="02020603020101020101" pitchFamily="18" charset="-127"/>
               </a:rPr>
               <a:t>씬 안의 게임 오브젝트들을 볼 수 있다</a:t>
             </a:r>
-            <a:endParaRPr lang="en-US" altLang="ko-KR" sz="2000" dirty="0">
+            <a:endParaRPr lang="en-US" altLang="ko-KR" sz="2400" dirty="0">
               <a:latin typeface="210 앱굴림 R" panose="02020603020101020101" pitchFamily="18" charset="-127"/>
               <a:ea typeface="210 앱굴림 R" panose="02020603020101020101" pitchFamily="18" charset="-127"/>
             </a:endParaRPr>
@@ -4408,7 +5286,7 @@
             <a:pPr marL="0" indent="0">
               <a:buNone/>
             </a:pPr>
-            <a:endParaRPr lang="ko-KR" altLang="en-US" sz="2000" dirty="0">
+            <a:endParaRPr lang="ko-KR" altLang="en-US" sz="2400" dirty="0">
               <a:latin typeface="210 앱굴림 R" panose="02020603020101020101" pitchFamily="18" charset="-127"/>
               <a:ea typeface="210 앱굴림 R" panose="02020603020101020101" pitchFamily="18" charset="-127"/>
             </a:endParaRPr>
@@ -4458,7 +5336,7 @@
 </p:sld>
 </file>
 
-<file path=ppt/slides/slide15.xml><?xml version="1.0" encoding="utf-8"?>
+<file path=ppt/slides/slide17.xml><?xml version="1.0" encoding="utf-8"?>
 <p:sld xmlns:a="http://schemas.openxmlformats.org/drawingml/2006/main" xmlns:r="http://schemas.openxmlformats.org/officeDocument/2006/relationships" xmlns:p="http://schemas.openxmlformats.org/presentationml/2006/main">
   <p:cSld>
     <p:bg>
@@ -4508,13 +5386,13 @@
               </a:ext>
             </a:extLst>
           </a:blip>
-          <a:srcRect l="5462" r="1" b="2"/>
+          <a:srcRect l="4340" r="1" b="2"/>
           <a:stretch/>
         </p:blipFill>
         <p:spPr>
           <a:xfrm>
-            <a:off x="0" y="10"/>
-            <a:ext cx="9141714" cy="6857990"/>
+            <a:off x="-108520" y="10"/>
+            <a:ext cx="9250234" cy="6857990"/>
           </a:xfrm>
           <a:prstGeom prst="rect">
             <a:avLst/>
@@ -4797,7 +5675,7 @@
 </p:sld>
 </file>
 
-<file path=ppt/slides/slide16.xml><?xml version="1.0" encoding="utf-8"?>
+<file path=ppt/slides/slide18.xml><?xml version="1.0" encoding="utf-8"?>
 <p:sld xmlns:a="http://schemas.openxmlformats.org/drawingml/2006/main" xmlns:r="http://schemas.openxmlformats.org/officeDocument/2006/relationships" xmlns:p="http://schemas.openxmlformats.org/presentationml/2006/main">
   <p:cSld>
     <p:bg>
@@ -5114,354 +5992,6 @@
 </p:sld>
 </file>
 
-<file path=ppt/slides/slide17.xml><?xml version="1.0" encoding="utf-8"?>
-<p:sld xmlns:a="http://schemas.openxmlformats.org/drawingml/2006/main" xmlns:r="http://schemas.openxmlformats.org/officeDocument/2006/relationships" xmlns:p="http://schemas.openxmlformats.org/presentationml/2006/main">
-  <p:cSld>
-    <p:spTree>
-      <p:nvGrpSpPr>
-        <p:cNvPr id="1" name=""/>
-        <p:cNvGrpSpPr/>
-        <p:nvPr/>
-      </p:nvGrpSpPr>
-      <p:grpSpPr>
-        <a:xfrm>
-          <a:off x="0" y="0"/>
-          <a:ext cx="0" cy="0"/>
-          <a:chOff x="0" y="0"/>
-          <a:chExt cx="0" cy="0"/>
-        </a:xfrm>
-      </p:grpSpPr>
-      <p:sp>
-        <p:nvSpPr>
-          <p:cNvPr id="4" name="제목 3">
-            <a:extLst>
-              <a:ext uri="{FF2B5EF4-FFF2-40B4-BE49-F238E27FC236}">
-                <a16:creationId xmlns:a16="http://schemas.microsoft.com/office/drawing/2014/main" id="{FA9F752A-317C-450A-80D0-139B2376A236}"/>
-              </a:ext>
-            </a:extLst>
-          </p:cNvPr>
-          <p:cNvSpPr>
-            <a:spLocks noGrp="1"/>
-          </p:cNvSpPr>
-          <p:nvPr>
-            <p:ph type="ctrTitle"/>
-          </p:nvPr>
-        </p:nvSpPr>
-        <p:spPr>
-          <a:xfrm>
-            <a:off x="685800" y="1987823"/>
-            <a:ext cx="7772400" cy="1470025"/>
-          </a:xfrm>
-        </p:spPr>
-        <p:txBody>
-          <a:bodyPr>
-            <a:normAutofit/>
-          </a:bodyPr>
-          <a:lstStyle/>
-          <a:p>
-            <a:r>
-              <a:rPr lang="ko-KR" altLang="en-US" sz="6000" b="1" dirty="0">
-                <a:solidFill>
-                  <a:schemeClr val="accent6">
-                    <a:lumMod val="60000"/>
-                    <a:lumOff val="40000"/>
-                  </a:schemeClr>
-                </a:solidFill>
-                <a:latin typeface="210 앱굴림 R" panose="02020603020101020101" pitchFamily="18" charset="-127"/>
-                <a:ea typeface="210 앱굴림 R" panose="02020603020101020101" pitchFamily="18" charset="-127"/>
-              </a:rPr>
-              <a:t>조작 방법</a:t>
-            </a:r>
-          </a:p>
-        </p:txBody>
-      </p:sp>
-      <p:sp>
-        <p:nvSpPr>
-          <p:cNvPr id="5" name="부제목 4">
-            <a:extLst>
-              <a:ext uri="{FF2B5EF4-FFF2-40B4-BE49-F238E27FC236}">
-                <a16:creationId xmlns:a16="http://schemas.microsoft.com/office/drawing/2014/main" id="{339F0409-B68D-44FB-8AC5-BA0B038BB93B}"/>
-              </a:ext>
-            </a:extLst>
-          </p:cNvPr>
-          <p:cNvSpPr>
-            <a:spLocks noGrp="1"/>
-          </p:cNvSpPr>
-          <p:nvPr>
-            <p:ph type="subTitle" idx="1"/>
-          </p:nvPr>
-        </p:nvSpPr>
-        <p:spPr/>
-        <p:txBody>
-          <a:bodyPr/>
-          <a:lstStyle/>
-          <a:p>
-            <a:r>
-              <a:rPr lang="en-US" altLang="ko-KR" b="1" dirty="0">
-                <a:latin typeface="210 앱굴림 R" panose="02020603020101020101" pitchFamily="18" charset="-127"/>
-                <a:ea typeface="210 앱굴림 R" panose="02020603020101020101" pitchFamily="18" charset="-127"/>
-              </a:rPr>
-              <a:t>(Tip) </a:t>
-            </a:r>
-            <a:r>
-              <a:rPr lang="ko-KR" altLang="en-US" b="1" dirty="0">
-                <a:latin typeface="210 앱굴림 R" panose="02020603020101020101" pitchFamily="18" charset="-127"/>
-                <a:ea typeface="210 앱굴림 R" panose="02020603020101020101" pitchFamily="18" charset="-127"/>
-              </a:rPr>
-              <a:t>단축키</a:t>
-            </a:r>
-            <a:r>
-              <a:rPr lang="en-US" altLang="ko-KR" b="1" dirty="0">
-                <a:latin typeface="210 앱굴림 R" panose="02020603020101020101" pitchFamily="18" charset="-127"/>
-                <a:ea typeface="210 앱굴림 R" panose="02020603020101020101" pitchFamily="18" charset="-127"/>
-              </a:rPr>
-              <a:t>: q, w, e, r, t, y</a:t>
-            </a:r>
-          </a:p>
-          <a:p>
-            <a:r>
-              <a:rPr lang="en-US" altLang="ko-KR" dirty="0">
-                <a:latin typeface="210 앱굴림 R" panose="02020603020101020101" pitchFamily="18" charset="-127"/>
-                <a:ea typeface="210 앱굴림 R" panose="02020603020101020101" pitchFamily="18" charset="-127"/>
-              </a:rPr>
-              <a:t>Focusing: f</a:t>
-            </a:r>
-            <a:endParaRPr lang="ko-KR" altLang="en-US" dirty="0">
-              <a:latin typeface="210 앱굴림 R" panose="02020603020101020101" pitchFamily="18" charset="-127"/>
-              <a:ea typeface="210 앱굴림 R" panose="02020603020101020101" pitchFamily="18" charset="-127"/>
-            </a:endParaRPr>
-          </a:p>
-        </p:txBody>
-      </p:sp>
-    </p:spTree>
-    <p:extLst>
-      <p:ext uri="{BB962C8B-B14F-4D97-AF65-F5344CB8AC3E}">
-        <p14:creationId xmlns:p14="http://schemas.microsoft.com/office/powerpoint/2010/main" val="3315850452"/>
-      </p:ext>
-    </p:extLst>
-  </p:cSld>
-  <p:clrMapOvr>
-    <a:masterClrMapping/>
-  </p:clrMapOvr>
-</p:sld>
-</file>
-
-<file path=ppt/slides/slide18.xml><?xml version="1.0" encoding="utf-8"?>
-<p:sld xmlns:a="http://schemas.openxmlformats.org/drawingml/2006/main" xmlns:r="http://schemas.openxmlformats.org/officeDocument/2006/relationships" xmlns:p="http://schemas.openxmlformats.org/presentationml/2006/main">
-  <p:cSld>
-    <p:spTree>
-      <p:nvGrpSpPr>
-        <p:cNvPr id="1" name=""/>
-        <p:cNvGrpSpPr/>
-        <p:nvPr/>
-      </p:nvGrpSpPr>
-      <p:grpSpPr>
-        <a:xfrm>
-          <a:off x="0" y="0"/>
-          <a:ext cx="0" cy="0"/>
-          <a:chOff x="0" y="0"/>
-          <a:chExt cx="0" cy="0"/>
-        </a:xfrm>
-      </p:grpSpPr>
-      <p:sp>
-        <p:nvSpPr>
-          <p:cNvPr id="2" name="제목 1">
-            <a:extLst>
-              <a:ext uri="{FF2B5EF4-FFF2-40B4-BE49-F238E27FC236}">
-                <a16:creationId xmlns:a16="http://schemas.microsoft.com/office/drawing/2014/main" id="{46E6CD93-7CEC-4472-866E-C65BE716F566}"/>
-              </a:ext>
-            </a:extLst>
-          </p:cNvPr>
-          <p:cNvSpPr>
-            <a:spLocks noGrp="1"/>
-          </p:cNvSpPr>
-          <p:nvPr>
-            <p:ph type="title"/>
-          </p:nvPr>
-        </p:nvSpPr>
-        <p:spPr/>
-        <p:txBody>
-          <a:bodyPr/>
-          <a:lstStyle/>
-          <a:p>
-            <a:r>
-              <a:rPr lang="ko-KR" altLang="en-US" dirty="0">
-                <a:latin typeface="210 앱굴림 R" panose="02020603020101020101" pitchFamily="18" charset="-127"/>
-                <a:ea typeface="210 앱굴림 R" panose="02020603020101020101" pitchFamily="18" charset="-127"/>
-              </a:rPr>
-              <a:t>게임 오브젝트들을 조작해보자</a:t>
-            </a:r>
-          </a:p>
-        </p:txBody>
-      </p:sp>
-      <p:sp>
-        <p:nvSpPr>
-          <p:cNvPr id="3" name="내용 개체 틀 2">
-            <a:extLst>
-              <a:ext uri="{FF2B5EF4-FFF2-40B4-BE49-F238E27FC236}">
-                <a16:creationId xmlns:a16="http://schemas.microsoft.com/office/drawing/2014/main" id="{0032D27B-3C80-47CB-BFF3-1BDF9F128018}"/>
-              </a:ext>
-            </a:extLst>
-          </p:cNvPr>
-          <p:cNvSpPr>
-            <a:spLocks noGrp="1"/>
-          </p:cNvSpPr>
-          <p:nvPr>
-            <p:ph idx="1"/>
-          </p:nvPr>
-        </p:nvSpPr>
-        <p:spPr/>
-        <p:txBody>
-          <a:bodyPr>
-            <a:normAutofit/>
-          </a:bodyPr>
-          <a:lstStyle/>
-          <a:p>
-            <a:r>
-              <a:rPr lang="en-US" altLang="ko-KR" dirty="0">
-                <a:latin typeface="210 앱굴림 R" panose="02020603020101020101" pitchFamily="18" charset="-127"/>
-                <a:ea typeface="210 앱굴림 R" panose="02020603020101020101" pitchFamily="18" charset="-127"/>
-              </a:rPr>
-              <a:t>Scroll</a:t>
-            </a:r>
-          </a:p>
-          <a:p>
-            <a:r>
-              <a:rPr lang="en-US" altLang="ko-KR" dirty="0">
-                <a:latin typeface="210 앱굴림 R" panose="02020603020101020101" pitchFamily="18" charset="-127"/>
-                <a:ea typeface="210 앱굴림 R" panose="02020603020101020101" pitchFamily="18" charset="-127"/>
-              </a:rPr>
-              <a:t>QWERTY</a:t>
-            </a:r>
-            <a:r>
-              <a:rPr lang="ko-KR" altLang="en-US" dirty="0">
-                <a:latin typeface="210 앱굴림 R" panose="02020603020101020101" pitchFamily="18" charset="-127"/>
-                <a:ea typeface="210 앱굴림 R" panose="02020603020101020101" pitchFamily="18" charset="-127"/>
-              </a:rPr>
-              <a:t>로 전환</a:t>
-            </a:r>
-            <a:endParaRPr lang="en-US" altLang="ko-KR" dirty="0">
-              <a:latin typeface="210 앱굴림 R" panose="02020603020101020101" pitchFamily="18" charset="-127"/>
-              <a:ea typeface="210 앱굴림 R" panose="02020603020101020101" pitchFamily="18" charset="-127"/>
-            </a:endParaRPr>
-          </a:p>
-          <a:p>
-            <a:r>
-              <a:rPr lang="ko-KR" altLang="en-US" dirty="0">
-                <a:latin typeface="210 앱굴림 R" panose="02020603020101020101" pitchFamily="18" charset="-127"/>
-                <a:ea typeface="210 앱굴림 R" panose="02020603020101020101" pitchFamily="18" charset="-127"/>
-              </a:rPr>
-              <a:t>우측 마우스 누르고 후 드래그</a:t>
-            </a:r>
-            <a:endParaRPr lang="en-US" altLang="ko-KR" dirty="0">
-              <a:latin typeface="210 앱굴림 R" panose="02020603020101020101" pitchFamily="18" charset="-127"/>
-              <a:ea typeface="210 앱굴림 R" panose="02020603020101020101" pitchFamily="18" charset="-127"/>
-            </a:endParaRPr>
-          </a:p>
-          <a:p>
-            <a:r>
-              <a:rPr lang="ko-KR" altLang="en-US" dirty="0">
-                <a:latin typeface="210 앱굴림 R" panose="02020603020101020101" pitchFamily="18" charset="-127"/>
-                <a:ea typeface="210 앱굴림 R" panose="02020603020101020101" pitchFamily="18" charset="-127"/>
-              </a:rPr>
-              <a:t>좌측 마우스 누르고 후 드래그</a:t>
-            </a:r>
-            <a:endParaRPr lang="en-US" altLang="ko-KR" dirty="0">
-              <a:latin typeface="210 앱굴림 R" panose="02020603020101020101" pitchFamily="18" charset="-127"/>
-              <a:ea typeface="210 앱굴림 R" panose="02020603020101020101" pitchFamily="18" charset="-127"/>
-            </a:endParaRPr>
-          </a:p>
-          <a:p>
-            <a:r>
-              <a:rPr lang="ko-KR" altLang="en-US" dirty="0">
-                <a:latin typeface="210 앱굴림 R" panose="02020603020101020101" pitchFamily="18" charset="-127"/>
-                <a:ea typeface="210 앱굴림 R" panose="02020603020101020101" pitchFamily="18" charset="-127"/>
-              </a:rPr>
-              <a:t>게임 오브젝트 누르고 </a:t>
-            </a:r>
-            <a:r>
-              <a:rPr lang="en-US" altLang="ko-KR" dirty="0">
-                <a:latin typeface="210 앱굴림 R" panose="02020603020101020101" pitchFamily="18" charset="-127"/>
-                <a:ea typeface="210 앱굴림 R" panose="02020603020101020101" pitchFamily="18" charset="-127"/>
-              </a:rPr>
-              <a:t>F</a:t>
-            </a:r>
-          </a:p>
-          <a:p>
-            <a:r>
-              <a:rPr lang="en-US" altLang="ko-KR" dirty="0">
-                <a:latin typeface="210 앱굴림 R" panose="02020603020101020101" pitchFamily="18" charset="-127"/>
-                <a:ea typeface="210 앱굴림 R" panose="02020603020101020101" pitchFamily="18" charset="-127"/>
-              </a:rPr>
-              <a:t>Shift + Arrow</a:t>
-            </a:r>
-          </a:p>
-          <a:p>
-            <a:r>
-              <a:rPr lang="en-US" altLang="ko-KR" dirty="0">
-                <a:latin typeface="210 앱굴림 R" panose="02020603020101020101" pitchFamily="18" charset="-127"/>
-                <a:ea typeface="210 앱굴림 R" panose="02020603020101020101" pitchFamily="18" charset="-127"/>
-              </a:rPr>
-              <a:t>Ctrl + Arrow</a:t>
-            </a:r>
-          </a:p>
-          <a:p>
-            <a:endParaRPr lang="en-US" altLang="ko-KR" dirty="0">
-              <a:latin typeface="210 앱굴림 R" panose="02020603020101020101" pitchFamily="18" charset="-127"/>
-              <a:ea typeface="210 앱굴림 R" panose="02020603020101020101" pitchFamily="18" charset="-127"/>
-            </a:endParaRPr>
-          </a:p>
-          <a:p>
-            <a:endParaRPr lang="ko-KR" altLang="en-US" dirty="0">
-              <a:latin typeface="210 앱굴림 R" panose="02020603020101020101" pitchFamily="18" charset="-127"/>
-              <a:ea typeface="210 앱굴림 R" panose="02020603020101020101" pitchFamily="18" charset="-127"/>
-            </a:endParaRPr>
-          </a:p>
-        </p:txBody>
-      </p:sp>
-      <p:pic>
-        <p:nvPicPr>
-          <p:cNvPr id="4" name="그림 3">
-            <a:extLst>
-              <a:ext uri="{FF2B5EF4-FFF2-40B4-BE49-F238E27FC236}">
-                <a16:creationId xmlns:a16="http://schemas.microsoft.com/office/drawing/2014/main" id="{95E622DB-A9E6-446A-BB32-CF454295DE18}"/>
-              </a:ext>
-            </a:extLst>
-          </p:cNvPr>
-          <p:cNvPicPr>
-            <a:picLocks noChangeAspect="1"/>
-          </p:cNvPicPr>
-          <p:nvPr/>
-        </p:nvPicPr>
-        <p:blipFill>
-          <a:blip r:embed="rId2"/>
-          <a:stretch>
-            <a:fillRect/>
-          </a:stretch>
-        </p:blipFill>
-        <p:spPr>
-          <a:xfrm>
-            <a:off x="4551164" y="2276872"/>
-            <a:ext cx="3321370" cy="432048"/>
-          </a:xfrm>
-          <a:prstGeom prst="rect">
-            <a:avLst/>
-          </a:prstGeom>
-        </p:spPr>
-      </p:pic>
-    </p:spTree>
-    <p:extLst>
-      <p:ext uri="{BB962C8B-B14F-4D97-AF65-F5344CB8AC3E}">
-        <p14:creationId xmlns:p14="http://schemas.microsoft.com/office/powerpoint/2010/main" val="3768090256"/>
-      </p:ext>
-    </p:extLst>
-  </p:cSld>
-  <p:clrMapOvr>
-    <a:masterClrMapping/>
-  </p:clrMapOvr>
-</p:sld>
-</file>
-
 <file path=ppt/slides/slide19.xml><?xml version="1.0" encoding="utf-8"?>
 <p:sld xmlns:a="http://schemas.openxmlformats.org/drawingml/2006/main" xmlns:r="http://schemas.openxmlformats.org/officeDocument/2006/relationships" xmlns:p="http://schemas.openxmlformats.org/presentationml/2006/main">
   <p:cSld>
@@ -5484,7 +6014,7 @@
           <p:cNvPr id="2" name="제목 1">
             <a:extLst>
               <a:ext uri="{FF2B5EF4-FFF2-40B4-BE49-F238E27FC236}">
-                <a16:creationId xmlns:a16="http://schemas.microsoft.com/office/drawing/2014/main" id="{46E6CD93-7CEC-4472-866E-C65BE716F566}"/>
+                <a16:creationId xmlns:a16="http://schemas.microsoft.com/office/drawing/2014/main" id="{30B3D160-3965-4C50-95DF-A9DEEA256855}"/>
               </a:ext>
             </a:extLst>
           </p:cNvPr>
@@ -5505,7 +6035,7 @@
                 <a:latin typeface="210 앱굴림 R" panose="02020603020101020101" pitchFamily="18" charset="-127"/>
                 <a:ea typeface="210 앱굴림 R" panose="02020603020101020101" pitchFamily="18" charset="-127"/>
               </a:rPr>
-              <a:t>책상 만들기</a:t>
+              <a:t>카메라를 조작해보자</a:t>
             </a:r>
           </a:p>
         </p:txBody>
@@ -5515,7 +6045,7 @@
           <p:cNvPr id="3" name="내용 개체 틀 2">
             <a:extLst>
               <a:ext uri="{FF2B5EF4-FFF2-40B4-BE49-F238E27FC236}">
-                <a16:creationId xmlns:a16="http://schemas.microsoft.com/office/drawing/2014/main" id="{0032D27B-3C80-47CB-BFF3-1BDF9F128018}"/>
+                <a16:creationId xmlns:a16="http://schemas.microsoft.com/office/drawing/2014/main" id="{34469C07-AFB3-4F03-BFCE-0EEB4F459018}"/>
               </a:ext>
             </a:extLst>
           </p:cNvPr>
@@ -5526,71 +6056,25 @@
             <p:ph idx="1"/>
           </p:nvPr>
         </p:nvSpPr>
-        <p:spPr>
-          <a:xfrm>
-            <a:off x="2514600" y="1844824"/>
-            <a:ext cx="4114800" cy="4525963"/>
-          </a:xfrm>
-        </p:spPr>
-        <p:txBody>
-          <a:bodyPr>
-            <a:normAutofit/>
-          </a:bodyPr>
+        <p:spPr/>
+        <p:txBody>
+          <a:bodyPr/>
           <a:lstStyle/>
           <a:p>
-            <a:pPr marL="0" indent="0" algn="ctr">
-              <a:buNone/>
-            </a:pPr>
-            <a:r>
-              <a:rPr lang="ko-KR" altLang="en-US" dirty="0" err="1"/>
-              <a:t>ㅡㅡㅡㅡㅡㅡㅡㅡㅡㅡ</a:t>
-            </a:r>
-            <a:endParaRPr lang="en-US" altLang="ko-KR" dirty="0"/>
-          </a:p>
-          <a:p>
-            <a:pPr marL="0" indent="0" algn="ctr">
-              <a:buNone/>
-            </a:pPr>
-            <a:r>
-              <a:rPr lang="ko-KR" altLang="en-US" dirty="0" err="1"/>
-              <a:t>ㅡㅡㅡㅡㅡㅡㅡㅡㅡㅡ</a:t>
-            </a:r>
-            <a:endParaRPr lang="en-US" altLang="ko-KR" dirty="0"/>
-          </a:p>
-          <a:p>
-            <a:pPr marL="0" indent="0" algn="ctr">
-              <a:buNone/>
-            </a:pPr>
-            <a:r>
-              <a:rPr lang="en-US" altLang="ko-KR" dirty="0"/>
-              <a:t>  -                         - </a:t>
-            </a:r>
-          </a:p>
-          <a:p>
-            <a:pPr marL="0" indent="0" algn="ctr">
-              <a:buNone/>
-            </a:pPr>
-            <a:r>
-              <a:rPr lang="en-US" altLang="ko-KR" dirty="0"/>
-              <a:t>  -                         -</a:t>
-            </a:r>
-          </a:p>
-          <a:p>
-            <a:pPr marL="0" indent="0" algn="ctr">
-              <a:buNone/>
-            </a:pPr>
-            <a:r>
-              <a:rPr lang="en-US" altLang="ko-KR" dirty="0"/>
-              <a:t>  -                         -</a:t>
-            </a:r>
-            <a:endParaRPr lang="ko-KR" altLang="en-US" dirty="0"/>
+            <a:r>
+              <a:rPr lang="ko-KR" altLang="en-US" dirty="0">
+                <a:latin typeface="210 앱굴림 L" panose="02020603020101020101" pitchFamily="18" charset="-127"/>
+                <a:ea typeface="210 앱굴림 L" panose="02020603020101020101" pitchFamily="18" charset="-127"/>
+              </a:rPr>
+              <a:t>내가 만든 큐브를 비춰보자</a:t>
+            </a:r>
           </a:p>
         </p:txBody>
       </p:sp>
     </p:spTree>
     <p:extLst>
       <p:ext uri="{BB962C8B-B14F-4D97-AF65-F5344CB8AC3E}">
-        <p14:creationId xmlns:p14="http://schemas.microsoft.com/office/powerpoint/2010/main" val="189993514"/>
+        <p14:creationId xmlns:p14="http://schemas.microsoft.com/office/powerpoint/2010/main" val="490808681"/>
       </p:ext>
     </p:extLst>
   </p:cSld>
@@ -5940,7 +6424,7 @@
                 <a:latin typeface="210 앱굴림 L" panose="02020603020101020101" pitchFamily="18" charset="-127"/>
                 <a:ea typeface="210 앱굴림 L" panose="02020603020101020101" pitchFamily="18" charset="-127"/>
               </a:rPr>
-              <a:t>게임 오브젝트</a:t>
+              <a:t>컴포넌트</a:t>
             </a:r>
             <a:r>
               <a:rPr lang="en-US" altLang="ko-KR" sz="3600" dirty="0">
@@ -5952,6 +6436,45 @@
                 <a:latin typeface="210 앱굴림 L" panose="02020603020101020101" pitchFamily="18" charset="-127"/>
                 <a:ea typeface="210 앱굴림 L" panose="02020603020101020101" pitchFamily="18" charset="-127"/>
               </a:rPr>
+              <a:t>(Component)</a:t>
+            </a:r>
+          </a:p>
+          <a:p>
+            <a:pPr algn="l"/>
+            <a:r>
+              <a:rPr lang="en-US" altLang="ko-KR" sz="3600" dirty="0">
+                <a:solidFill>
+                  <a:schemeClr val="accent4">
+                    <a:lumMod val="75000"/>
+                  </a:schemeClr>
+                </a:solidFill>
+                <a:latin typeface="210 앱굴림 L" panose="02020603020101020101" pitchFamily="18" charset="-127"/>
+                <a:ea typeface="210 앱굴림 L" panose="02020603020101020101" pitchFamily="18" charset="-127"/>
+              </a:rPr>
+              <a:t>  - </a:t>
+            </a:r>
+            <a:r>
+              <a:rPr lang="ko-KR" altLang="en-US" sz="3600" dirty="0">
+                <a:solidFill>
+                  <a:schemeClr val="accent4">
+                    <a:lumMod val="75000"/>
+                  </a:schemeClr>
+                </a:solidFill>
+                <a:latin typeface="210 앱굴림 L" panose="02020603020101020101" pitchFamily="18" charset="-127"/>
+                <a:ea typeface="210 앱굴림 L" panose="02020603020101020101" pitchFamily="18" charset="-127"/>
+              </a:rPr>
+              <a:t>게임 오브젝트</a:t>
+            </a:r>
+            <a:r>
+              <a:rPr lang="en-US" altLang="ko-KR" sz="3600" dirty="0">
+                <a:solidFill>
+                  <a:schemeClr val="accent4">
+                    <a:lumMod val="75000"/>
+                  </a:schemeClr>
+                </a:solidFill>
+                <a:latin typeface="210 앱굴림 L" panose="02020603020101020101" pitchFamily="18" charset="-127"/>
+                <a:ea typeface="210 앱굴림 L" panose="02020603020101020101" pitchFamily="18" charset="-127"/>
+              </a:rPr>
               <a:t>(</a:t>
             </a:r>
             <a:r>
@@ -6003,46 +6526,7 @@
                 <a:latin typeface="210 앱굴림 L" panose="02020603020101020101" pitchFamily="18" charset="-127"/>
                 <a:ea typeface="210 앱굴림 L" panose="02020603020101020101" pitchFamily="18" charset="-127"/>
               </a:rPr>
-              <a:t>컴포넌트</a:t>
-            </a:r>
-            <a:r>
-              <a:rPr lang="en-US" altLang="ko-KR" sz="3600" dirty="0">
-                <a:solidFill>
-                  <a:schemeClr val="accent4">
-                    <a:lumMod val="75000"/>
-                  </a:schemeClr>
-                </a:solidFill>
-                <a:latin typeface="210 앱굴림 L" panose="02020603020101020101" pitchFamily="18" charset="-127"/>
-                <a:ea typeface="210 앱굴림 L" panose="02020603020101020101" pitchFamily="18" charset="-127"/>
-              </a:rPr>
-              <a:t>(Component)</a:t>
-            </a:r>
-          </a:p>
-          <a:p>
-            <a:pPr algn="l"/>
-            <a:r>
-              <a:rPr lang="en-US" altLang="ko-KR" sz="3600" dirty="0">
-                <a:solidFill>
-                  <a:schemeClr val="accent4">
-                    <a:lumMod val="75000"/>
-                  </a:schemeClr>
-                </a:solidFill>
-                <a:latin typeface="210 앱굴림 L" panose="02020603020101020101" pitchFamily="18" charset="-127"/>
-                <a:ea typeface="210 앱굴림 L" panose="02020603020101020101" pitchFamily="18" charset="-127"/>
-              </a:rPr>
-              <a:t>  - </a:t>
-            </a:r>
-            <a:r>
-              <a:rPr lang="ko-KR" altLang="en-US" sz="3600" dirty="0">
-                <a:solidFill>
-                  <a:schemeClr val="accent4">
-                    <a:lumMod val="75000"/>
-                  </a:schemeClr>
-                </a:solidFill>
-                <a:latin typeface="210 앱굴림 L" panose="02020603020101020101" pitchFamily="18" charset="-127"/>
-                <a:ea typeface="210 앱굴림 L" panose="02020603020101020101" pitchFamily="18" charset="-127"/>
-              </a:rPr>
-              <a:t>간단한 실습</a:t>
+              <a:t>돌 굴리기</a:t>
             </a:r>
             <a:endParaRPr lang="en-US" altLang="ko-KR" sz="3600" dirty="0">
               <a:solidFill>
@@ -6136,6 +6620,1381 @@
       </p:grpSpPr>
       <p:sp>
         <p:nvSpPr>
+          <p:cNvPr id="4" name="제목 3">
+            <a:extLst>
+              <a:ext uri="{FF2B5EF4-FFF2-40B4-BE49-F238E27FC236}">
+                <a16:creationId xmlns:a16="http://schemas.microsoft.com/office/drawing/2014/main" id="{FA9F752A-317C-450A-80D0-139B2376A236}"/>
+              </a:ext>
+            </a:extLst>
+          </p:cNvPr>
+          <p:cNvSpPr>
+            <a:spLocks noGrp="1"/>
+          </p:cNvSpPr>
+          <p:nvPr>
+            <p:ph type="ctrTitle"/>
+          </p:nvPr>
+        </p:nvSpPr>
+        <p:spPr>
+          <a:xfrm>
+            <a:off x="685800" y="1987823"/>
+            <a:ext cx="7772400" cy="1470025"/>
+          </a:xfrm>
+        </p:spPr>
+        <p:txBody>
+          <a:bodyPr>
+            <a:normAutofit/>
+          </a:bodyPr>
+          <a:lstStyle/>
+          <a:p>
+            <a:r>
+              <a:rPr lang="ko-KR" altLang="en-US" sz="6000" b="1" dirty="0">
+                <a:solidFill>
+                  <a:schemeClr val="accent6">
+                    <a:lumMod val="60000"/>
+                    <a:lumOff val="40000"/>
+                  </a:schemeClr>
+                </a:solidFill>
+                <a:latin typeface="210 앱굴림 R" panose="02020603020101020101" pitchFamily="18" charset="-127"/>
+                <a:ea typeface="210 앱굴림 R" panose="02020603020101020101" pitchFamily="18" charset="-127"/>
+              </a:rPr>
+              <a:t>조작 방법</a:t>
+            </a:r>
+          </a:p>
+        </p:txBody>
+      </p:sp>
+      <p:sp>
+        <p:nvSpPr>
+          <p:cNvPr id="5" name="부제목 4">
+            <a:extLst>
+              <a:ext uri="{FF2B5EF4-FFF2-40B4-BE49-F238E27FC236}">
+                <a16:creationId xmlns:a16="http://schemas.microsoft.com/office/drawing/2014/main" id="{339F0409-B68D-44FB-8AC5-BA0B038BB93B}"/>
+              </a:ext>
+            </a:extLst>
+          </p:cNvPr>
+          <p:cNvSpPr>
+            <a:spLocks noGrp="1"/>
+          </p:cNvSpPr>
+          <p:nvPr>
+            <p:ph type="subTitle" idx="1"/>
+          </p:nvPr>
+        </p:nvSpPr>
+        <p:spPr/>
+        <p:txBody>
+          <a:bodyPr/>
+          <a:lstStyle/>
+          <a:p>
+            <a:r>
+              <a:rPr lang="en-US" altLang="ko-KR" b="1" dirty="0">
+                <a:latin typeface="210 앱굴림 R" panose="02020603020101020101" pitchFamily="18" charset="-127"/>
+                <a:ea typeface="210 앱굴림 R" panose="02020603020101020101" pitchFamily="18" charset="-127"/>
+              </a:rPr>
+              <a:t>(Tip) </a:t>
+            </a:r>
+            <a:r>
+              <a:rPr lang="ko-KR" altLang="en-US" b="1" dirty="0">
+                <a:latin typeface="210 앱굴림 R" panose="02020603020101020101" pitchFamily="18" charset="-127"/>
+                <a:ea typeface="210 앱굴림 R" panose="02020603020101020101" pitchFamily="18" charset="-127"/>
+              </a:rPr>
+              <a:t>단축키</a:t>
+            </a:r>
+            <a:r>
+              <a:rPr lang="en-US" altLang="ko-KR" b="1" dirty="0">
+                <a:latin typeface="210 앱굴림 R" panose="02020603020101020101" pitchFamily="18" charset="-127"/>
+                <a:ea typeface="210 앱굴림 R" panose="02020603020101020101" pitchFamily="18" charset="-127"/>
+              </a:rPr>
+              <a:t>: q, w, e, r, t, y</a:t>
+            </a:r>
+          </a:p>
+          <a:p>
+            <a:r>
+              <a:rPr lang="en-US" altLang="ko-KR" dirty="0">
+                <a:latin typeface="210 앱굴림 R" panose="02020603020101020101" pitchFamily="18" charset="-127"/>
+                <a:ea typeface="210 앱굴림 R" panose="02020603020101020101" pitchFamily="18" charset="-127"/>
+              </a:rPr>
+              <a:t>Focusing: f</a:t>
+            </a:r>
+            <a:endParaRPr lang="ko-KR" altLang="en-US" dirty="0">
+              <a:latin typeface="210 앱굴림 R" panose="02020603020101020101" pitchFamily="18" charset="-127"/>
+              <a:ea typeface="210 앱굴림 R" panose="02020603020101020101" pitchFamily="18" charset="-127"/>
+            </a:endParaRPr>
+          </a:p>
+        </p:txBody>
+      </p:sp>
+    </p:spTree>
+    <p:extLst>
+      <p:ext uri="{BB962C8B-B14F-4D97-AF65-F5344CB8AC3E}">
+        <p14:creationId xmlns:p14="http://schemas.microsoft.com/office/powerpoint/2010/main" val="3315850452"/>
+      </p:ext>
+    </p:extLst>
+  </p:cSld>
+  <p:clrMapOvr>
+    <a:masterClrMapping/>
+  </p:clrMapOvr>
+</p:sld>
+</file>
+
+<file path=ppt/slides/slide21.xml><?xml version="1.0" encoding="utf-8"?>
+<p:sld xmlns:a="http://schemas.openxmlformats.org/drawingml/2006/main" xmlns:r="http://schemas.openxmlformats.org/officeDocument/2006/relationships" xmlns:p="http://schemas.openxmlformats.org/presentationml/2006/main">
+  <p:cSld>
+    <p:spTree>
+      <p:nvGrpSpPr>
+        <p:cNvPr id="1" name=""/>
+        <p:cNvGrpSpPr/>
+        <p:nvPr/>
+      </p:nvGrpSpPr>
+      <p:grpSpPr>
+        <a:xfrm>
+          <a:off x="0" y="0"/>
+          <a:ext cx="0" cy="0"/>
+          <a:chOff x="0" y="0"/>
+          <a:chExt cx="0" cy="0"/>
+        </a:xfrm>
+      </p:grpSpPr>
+      <p:sp>
+        <p:nvSpPr>
+          <p:cNvPr id="2" name="제목 1">
+            <a:extLst>
+              <a:ext uri="{FF2B5EF4-FFF2-40B4-BE49-F238E27FC236}">
+                <a16:creationId xmlns:a16="http://schemas.microsoft.com/office/drawing/2014/main" id="{46E6CD93-7CEC-4472-866E-C65BE716F566}"/>
+              </a:ext>
+            </a:extLst>
+          </p:cNvPr>
+          <p:cNvSpPr>
+            <a:spLocks noGrp="1"/>
+          </p:cNvSpPr>
+          <p:nvPr>
+            <p:ph type="title"/>
+          </p:nvPr>
+        </p:nvSpPr>
+        <p:spPr/>
+        <p:txBody>
+          <a:bodyPr/>
+          <a:lstStyle/>
+          <a:p>
+            <a:r>
+              <a:rPr lang="ko-KR" altLang="en-US" dirty="0">
+                <a:latin typeface="210 앱굴림 R" panose="02020603020101020101" pitchFamily="18" charset="-127"/>
+                <a:ea typeface="210 앱굴림 R" panose="02020603020101020101" pitchFamily="18" charset="-127"/>
+              </a:rPr>
+              <a:t>게임 오브젝트들을 조작해보자</a:t>
+            </a:r>
+          </a:p>
+        </p:txBody>
+      </p:sp>
+      <p:sp>
+        <p:nvSpPr>
+          <p:cNvPr id="3" name="내용 개체 틀 2">
+            <a:extLst>
+              <a:ext uri="{FF2B5EF4-FFF2-40B4-BE49-F238E27FC236}">
+                <a16:creationId xmlns:a16="http://schemas.microsoft.com/office/drawing/2014/main" id="{0032D27B-3C80-47CB-BFF3-1BDF9F128018}"/>
+              </a:ext>
+            </a:extLst>
+          </p:cNvPr>
+          <p:cNvSpPr>
+            <a:spLocks noGrp="1"/>
+          </p:cNvSpPr>
+          <p:nvPr>
+            <p:ph idx="1"/>
+          </p:nvPr>
+        </p:nvSpPr>
+        <p:spPr/>
+        <p:txBody>
+          <a:bodyPr>
+            <a:normAutofit/>
+          </a:bodyPr>
+          <a:lstStyle/>
+          <a:p>
+            <a:r>
+              <a:rPr lang="en-US" altLang="ko-KR" dirty="0">
+                <a:latin typeface="210 앱굴림 L" panose="02020603020101020101" pitchFamily="18" charset="-127"/>
+                <a:ea typeface="210 앱굴림 L" panose="02020603020101020101" pitchFamily="18" charset="-127"/>
+              </a:rPr>
+              <a:t>Scroll</a:t>
+            </a:r>
+          </a:p>
+          <a:p>
+            <a:r>
+              <a:rPr lang="en-US" altLang="ko-KR" dirty="0">
+                <a:latin typeface="210 앱굴림 L" panose="02020603020101020101" pitchFamily="18" charset="-127"/>
+                <a:ea typeface="210 앱굴림 L" panose="02020603020101020101" pitchFamily="18" charset="-127"/>
+              </a:rPr>
+              <a:t>QWERTY</a:t>
+            </a:r>
+            <a:r>
+              <a:rPr lang="ko-KR" altLang="en-US" dirty="0">
+                <a:latin typeface="210 앱굴림 L" panose="02020603020101020101" pitchFamily="18" charset="-127"/>
+                <a:ea typeface="210 앱굴림 L" panose="02020603020101020101" pitchFamily="18" charset="-127"/>
+              </a:rPr>
+              <a:t>로 모드 전환</a:t>
+            </a:r>
+            <a:endParaRPr lang="en-US" altLang="ko-KR" dirty="0">
+              <a:latin typeface="210 앱굴림 L" panose="02020603020101020101" pitchFamily="18" charset="-127"/>
+              <a:ea typeface="210 앱굴림 L" panose="02020603020101020101" pitchFamily="18" charset="-127"/>
+            </a:endParaRPr>
+          </a:p>
+          <a:p>
+            <a:r>
+              <a:rPr lang="ko-KR" altLang="en-US" dirty="0">
+                <a:latin typeface="210 앱굴림 L" panose="02020603020101020101" pitchFamily="18" charset="-127"/>
+                <a:ea typeface="210 앱굴림 L" panose="02020603020101020101" pitchFamily="18" charset="-127"/>
+              </a:rPr>
+              <a:t>우측 마우스 누르고 후 드래그</a:t>
+            </a:r>
+            <a:endParaRPr lang="en-US" altLang="ko-KR" dirty="0">
+              <a:latin typeface="210 앱굴림 L" panose="02020603020101020101" pitchFamily="18" charset="-127"/>
+              <a:ea typeface="210 앱굴림 L" panose="02020603020101020101" pitchFamily="18" charset="-127"/>
+            </a:endParaRPr>
+          </a:p>
+          <a:p>
+            <a:r>
+              <a:rPr lang="ko-KR" altLang="en-US" dirty="0">
+                <a:latin typeface="210 앱굴림 L" panose="02020603020101020101" pitchFamily="18" charset="-127"/>
+                <a:ea typeface="210 앱굴림 L" panose="02020603020101020101" pitchFamily="18" charset="-127"/>
+              </a:rPr>
+              <a:t>좌측 마우스 누르고 후 드래그</a:t>
+            </a:r>
+            <a:endParaRPr lang="en-US" altLang="ko-KR" dirty="0">
+              <a:latin typeface="210 앱굴림 L" panose="02020603020101020101" pitchFamily="18" charset="-127"/>
+              <a:ea typeface="210 앱굴림 L" panose="02020603020101020101" pitchFamily="18" charset="-127"/>
+            </a:endParaRPr>
+          </a:p>
+          <a:p>
+            <a:r>
+              <a:rPr lang="ko-KR" altLang="en-US" dirty="0">
+                <a:latin typeface="210 앱굴림 L" panose="02020603020101020101" pitchFamily="18" charset="-127"/>
+                <a:ea typeface="210 앱굴림 L" panose="02020603020101020101" pitchFamily="18" charset="-127"/>
+              </a:rPr>
+              <a:t>게임 오브젝트 누르고 </a:t>
+            </a:r>
+            <a:r>
+              <a:rPr lang="en-US" altLang="ko-KR" dirty="0">
+                <a:latin typeface="210 앱굴림 L" panose="02020603020101020101" pitchFamily="18" charset="-127"/>
+                <a:ea typeface="210 앱굴림 L" panose="02020603020101020101" pitchFamily="18" charset="-127"/>
+              </a:rPr>
+              <a:t>F</a:t>
+            </a:r>
+          </a:p>
+          <a:p>
+            <a:r>
+              <a:rPr lang="en-US" altLang="ko-KR" dirty="0">
+                <a:latin typeface="210 앱굴림 L" panose="02020603020101020101" pitchFamily="18" charset="-127"/>
+                <a:ea typeface="210 앱굴림 L" panose="02020603020101020101" pitchFamily="18" charset="-127"/>
+              </a:rPr>
+              <a:t>Shift + Arrow</a:t>
+            </a:r>
+          </a:p>
+          <a:p>
+            <a:r>
+              <a:rPr lang="en-US" altLang="ko-KR" dirty="0">
+                <a:latin typeface="210 앱굴림 L" panose="02020603020101020101" pitchFamily="18" charset="-127"/>
+                <a:ea typeface="210 앱굴림 L" panose="02020603020101020101" pitchFamily="18" charset="-127"/>
+              </a:rPr>
+              <a:t>Ctrl + Arrow</a:t>
+            </a:r>
+          </a:p>
+        </p:txBody>
+      </p:sp>
+      <p:pic>
+        <p:nvPicPr>
+          <p:cNvPr id="4" name="그림 3">
+            <a:extLst>
+              <a:ext uri="{FF2B5EF4-FFF2-40B4-BE49-F238E27FC236}">
+                <a16:creationId xmlns:a16="http://schemas.microsoft.com/office/drawing/2014/main" id="{95E622DB-A9E6-446A-BB32-CF454295DE18}"/>
+              </a:ext>
+            </a:extLst>
+          </p:cNvPr>
+          <p:cNvPicPr>
+            <a:picLocks noChangeAspect="1"/>
+          </p:cNvPicPr>
+          <p:nvPr/>
+        </p:nvPicPr>
+        <p:blipFill>
+          <a:blip r:embed="rId2"/>
+          <a:stretch>
+            <a:fillRect/>
+          </a:stretch>
+        </p:blipFill>
+        <p:spPr>
+          <a:xfrm>
+            <a:off x="4860032" y="2276872"/>
+            <a:ext cx="3321370" cy="432048"/>
+          </a:xfrm>
+          <a:prstGeom prst="rect">
+            <a:avLst/>
+          </a:prstGeom>
+        </p:spPr>
+      </p:pic>
+    </p:spTree>
+    <p:extLst>
+      <p:ext uri="{BB962C8B-B14F-4D97-AF65-F5344CB8AC3E}">
+        <p14:creationId xmlns:p14="http://schemas.microsoft.com/office/powerpoint/2010/main" val="3768090256"/>
+      </p:ext>
+    </p:extLst>
+  </p:cSld>
+  <p:clrMapOvr>
+    <a:masterClrMapping/>
+  </p:clrMapOvr>
+</p:sld>
+</file>
+
+<file path=ppt/slides/slide22.xml><?xml version="1.0" encoding="utf-8"?>
+<p:sld xmlns:a="http://schemas.openxmlformats.org/drawingml/2006/main" xmlns:r="http://schemas.openxmlformats.org/officeDocument/2006/relationships" xmlns:p="http://schemas.openxmlformats.org/presentationml/2006/main">
+  <p:cSld>
+    <p:spTree>
+      <p:nvGrpSpPr>
+        <p:cNvPr id="1" name=""/>
+        <p:cNvGrpSpPr/>
+        <p:nvPr/>
+      </p:nvGrpSpPr>
+      <p:grpSpPr>
+        <a:xfrm>
+          <a:off x="0" y="0"/>
+          <a:ext cx="0" cy="0"/>
+          <a:chOff x="0" y="0"/>
+          <a:chExt cx="0" cy="0"/>
+        </a:xfrm>
+      </p:grpSpPr>
+      <p:sp>
+        <p:nvSpPr>
+          <p:cNvPr id="4" name="제목 3">
+            <a:extLst>
+              <a:ext uri="{FF2B5EF4-FFF2-40B4-BE49-F238E27FC236}">
+                <a16:creationId xmlns:a16="http://schemas.microsoft.com/office/drawing/2014/main" id="{FA9F752A-317C-450A-80D0-139B2376A236}"/>
+              </a:ext>
+            </a:extLst>
+          </p:cNvPr>
+          <p:cNvSpPr>
+            <a:spLocks noGrp="1"/>
+          </p:cNvSpPr>
+          <p:nvPr>
+            <p:ph type="ctrTitle"/>
+          </p:nvPr>
+        </p:nvSpPr>
+        <p:spPr>
+          <a:xfrm>
+            <a:off x="685800" y="2693987"/>
+            <a:ext cx="7772400" cy="1470025"/>
+          </a:xfrm>
+        </p:spPr>
+        <p:txBody>
+          <a:bodyPr>
+            <a:normAutofit/>
+          </a:bodyPr>
+          <a:lstStyle/>
+          <a:p>
+            <a:r>
+              <a:rPr lang="ko-KR" altLang="en-US" sz="6000" b="1" dirty="0">
+                <a:solidFill>
+                  <a:schemeClr val="accent6">
+                    <a:lumMod val="60000"/>
+                    <a:lumOff val="40000"/>
+                  </a:schemeClr>
+                </a:solidFill>
+                <a:latin typeface="210 앱굴림 R" panose="02020603020101020101" pitchFamily="18" charset="-127"/>
+                <a:ea typeface="210 앱굴림 R" panose="02020603020101020101" pitchFamily="18" charset="-127"/>
+              </a:rPr>
+              <a:t>간단한 실습</a:t>
+            </a:r>
+          </a:p>
+        </p:txBody>
+      </p:sp>
+    </p:spTree>
+    <p:extLst>
+      <p:ext uri="{BB962C8B-B14F-4D97-AF65-F5344CB8AC3E}">
+        <p14:creationId xmlns:p14="http://schemas.microsoft.com/office/powerpoint/2010/main" val="3144184553"/>
+      </p:ext>
+    </p:extLst>
+  </p:cSld>
+  <p:clrMapOvr>
+    <a:masterClrMapping/>
+  </p:clrMapOvr>
+</p:sld>
+</file>
+
+<file path=ppt/slides/slide23.xml><?xml version="1.0" encoding="utf-8"?>
+<p:sld xmlns:a="http://schemas.openxmlformats.org/drawingml/2006/main" xmlns:r="http://schemas.openxmlformats.org/officeDocument/2006/relationships" xmlns:p="http://schemas.openxmlformats.org/presentationml/2006/main">
+  <p:cSld>
+    <p:spTree>
+      <p:nvGrpSpPr>
+        <p:cNvPr id="1" name=""/>
+        <p:cNvGrpSpPr/>
+        <p:nvPr/>
+      </p:nvGrpSpPr>
+      <p:grpSpPr>
+        <a:xfrm>
+          <a:off x="0" y="0"/>
+          <a:ext cx="0" cy="0"/>
+          <a:chOff x="0" y="0"/>
+          <a:chExt cx="0" cy="0"/>
+        </a:xfrm>
+      </p:grpSpPr>
+      <p:sp>
+        <p:nvSpPr>
+          <p:cNvPr id="2" name="제목 1">
+            <a:extLst>
+              <a:ext uri="{FF2B5EF4-FFF2-40B4-BE49-F238E27FC236}">
+                <a16:creationId xmlns:a16="http://schemas.microsoft.com/office/drawing/2014/main" id="{46E6CD93-7CEC-4472-866E-C65BE716F566}"/>
+              </a:ext>
+            </a:extLst>
+          </p:cNvPr>
+          <p:cNvSpPr>
+            <a:spLocks noGrp="1"/>
+          </p:cNvSpPr>
+          <p:nvPr>
+            <p:ph type="title"/>
+          </p:nvPr>
+        </p:nvSpPr>
+        <p:spPr/>
+        <p:txBody>
+          <a:bodyPr/>
+          <a:lstStyle/>
+          <a:p>
+            <a:r>
+              <a:rPr lang="ko-KR" altLang="en-US" dirty="0">
+                <a:latin typeface="210 앱굴림 R" panose="02020603020101020101" pitchFamily="18" charset="-127"/>
+                <a:ea typeface="210 앱굴림 R" panose="02020603020101020101" pitchFamily="18" charset="-127"/>
+              </a:rPr>
+              <a:t>책상 만들기</a:t>
+            </a:r>
+          </a:p>
+        </p:txBody>
+      </p:sp>
+      <p:sp>
+        <p:nvSpPr>
+          <p:cNvPr id="3" name="내용 개체 틀 2">
+            <a:extLst>
+              <a:ext uri="{FF2B5EF4-FFF2-40B4-BE49-F238E27FC236}">
+                <a16:creationId xmlns:a16="http://schemas.microsoft.com/office/drawing/2014/main" id="{0032D27B-3C80-47CB-BFF3-1BDF9F128018}"/>
+              </a:ext>
+            </a:extLst>
+          </p:cNvPr>
+          <p:cNvSpPr>
+            <a:spLocks noGrp="1"/>
+          </p:cNvSpPr>
+          <p:nvPr>
+            <p:ph idx="1"/>
+          </p:nvPr>
+        </p:nvSpPr>
+        <p:spPr>
+          <a:xfrm>
+            <a:off x="1563080" y="1417638"/>
+            <a:ext cx="6017840" cy="4525963"/>
+          </a:xfrm>
+        </p:spPr>
+        <p:txBody>
+          <a:bodyPr>
+            <a:normAutofit/>
+          </a:bodyPr>
+          <a:lstStyle/>
+          <a:p>
+            <a:pPr marL="0" indent="0" algn="ctr">
+              <a:buNone/>
+            </a:pPr>
+            <a:r>
+              <a:rPr lang="ko-KR" altLang="en-US" dirty="0" err="1"/>
+              <a:t>ㅡㅡㅡㅡㅡㅡㅡㅡㅡㅡㅡ</a:t>
+            </a:r>
+            <a:endParaRPr lang="en-US" altLang="ko-KR" dirty="0"/>
+          </a:p>
+          <a:p>
+            <a:pPr marL="0" indent="0" algn="ctr">
+              <a:buNone/>
+            </a:pPr>
+            <a:r>
+              <a:rPr lang="ko-KR" altLang="en-US" dirty="0" err="1"/>
+              <a:t>ㅡㅡㅡㅡㅡㅡㅡㅡㅡㅡㅡ</a:t>
+            </a:r>
+            <a:endParaRPr lang="en-US" altLang="ko-KR" dirty="0"/>
+          </a:p>
+          <a:p>
+            <a:pPr marL="0" indent="0" algn="ctr">
+              <a:buNone/>
+            </a:pPr>
+            <a:r>
+              <a:rPr lang="en-US" altLang="ko-KR" dirty="0"/>
+              <a:t>-                         - </a:t>
+            </a:r>
+          </a:p>
+          <a:p>
+            <a:pPr marL="0" indent="0" algn="ctr">
+              <a:buNone/>
+            </a:pPr>
+            <a:r>
+              <a:rPr lang="en-US" altLang="ko-KR" dirty="0"/>
+              <a:t>-                         -</a:t>
+            </a:r>
+          </a:p>
+          <a:p>
+            <a:pPr marL="0" indent="0" algn="ctr">
+              <a:buNone/>
+            </a:pPr>
+            <a:r>
+              <a:rPr lang="en-US" altLang="ko-KR" dirty="0"/>
+              <a:t>-                         -</a:t>
+            </a:r>
+            <a:endParaRPr lang="ko-KR" altLang="en-US" dirty="0"/>
+          </a:p>
+        </p:txBody>
+      </p:sp>
+    </p:spTree>
+    <p:extLst>
+      <p:ext uri="{BB962C8B-B14F-4D97-AF65-F5344CB8AC3E}">
+        <p14:creationId xmlns:p14="http://schemas.microsoft.com/office/powerpoint/2010/main" val="189993514"/>
+      </p:ext>
+    </p:extLst>
+  </p:cSld>
+  <p:clrMapOvr>
+    <a:masterClrMapping/>
+  </p:clrMapOvr>
+</p:sld>
+</file>
+
+<file path=ppt/slides/slide24.xml><?xml version="1.0" encoding="utf-8"?>
+<p:sld xmlns:a="http://schemas.openxmlformats.org/drawingml/2006/main" xmlns:r="http://schemas.openxmlformats.org/officeDocument/2006/relationships" xmlns:p="http://schemas.openxmlformats.org/presentationml/2006/main">
+  <p:cSld>
+    <p:spTree>
+      <p:nvGrpSpPr>
+        <p:cNvPr id="1" name=""/>
+        <p:cNvGrpSpPr/>
+        <p:nvPr/>
+      </p:nvGrpSpPr>
+      <p:grpSpPr>
+        <a:xfrm>
+          <a:off x="0" y="0"/>
+          <a:ext cx="0" cy="0"/>
+          <a:chOff x="0" y="0"/>
+          <a:chExt cx="0" cy="0"/>
+        </a:xfrm>
+      </p:grpSpPr>
+      <p:sp>
+        <p:nvSpPr>
+          <p:cNvPr id="4" name="제목 3">
+            <a:extLst>
+              <a:ext uri="{FF2B5EF4-FFF2-40B4-BE49-F238E27FC236}">
+                <a16:creationId xmlns:a16="http://schemas.microsoft.com/office/drawing/2014/main" id="{FA9F752A-317C-450A-80D0-139B2376A236}"/>
+              </a:ext>
+            </a:extLst>
+          </p:cNvPr>
+          <p:cNvSpPr>
+            <a:spLocks noGrp="1"/>
+          </p:cNvSpPr>
+          <p:nvPr>
+            <p:ph type="ctrTitle"/>
+          </p:nvPr>
+        </p:nvSpPr>
+        <p:spPr>
+          <a:xfrm>
+            <a:off x="685800" y="2693987"/>
+            <a:ext cx="7772400" cy="1470025"/>
+          </a:xfrm>
+        </p:spPr>
+        <p:txBody>
+          <a:bodyPr>
+            <a:normAutofit/>
+          </a:bodyPr>
+          <a:lstStyle/>
+          <a:p>
+            <a:r>
+              <a:rPr lang="ko-KR" altLang="en-US" sz="6000" b="1" dirty="0">
+                <a:solidFill>
+                  <a:schemeClr val="accent6">
+                    <a:lumMod val="60000"/>
+                    <a:lumOff val="40000"/>
+                  </a:schemeClr>
+                </a:solidFill>
+                <a:latin typeface="210 앱굴림 R" panose="02020603020101020101" pitchFamily="18" charset="-127"/>
+                <a:ea typeface="210 앱굴림 R" panose="02020603020101020101" pitchFamily="18" charset="-127"/>
+              </a:rPr>
+              <a:t>씬 </a:t>
+            </a:r>
+            <a:r>
+              <a:rPr lang="en-US" altLang="ko-KR" sz="6000" b="1" dirty="0">
+                <a:solidFill>
+                  <a:schemeClr val="accent6">
+                    <a:lumMod val="60000"/>
+                    <a:lumOff val="40000"/>
+                  </a:schemeClr>
+                </a:solidFill>
+                <a:latin typeface="210 앱굴림 R" panose="02020603020101020101" pitchFamily="18" charset="-127"/>
+                <a:ea typeface="210 앱굴림 R" panose="02020603020101020101" pitchFamily="18" charset="-127"/>
+              </a:rPr>
+              <a:t>(Scene)</a:t>
+            </a:r>
+            <a:endParaRPr lang="ko-KR" altLang="en-US" sz="6000" b="1" dirty="0">
+              <a:solidFill>
+                <a:schemeClr val="accent6">
+                  <a:lumMod val="60000"/>
+                  <a:lumOff val="40000"/>
+                </a:schemeClr>
+              </a:solidFill>
+              <a:latin typeface="210 앱굴림 R" panose="02020603020101020101" pitchFamily="18" charset="-127"/>
+              <a:ea typeface="210 앱굴림 R" panose="02020603020101020101" pitchFamily="18" charset="-127"/>
+            </a:endParaRPr>
+          </a:p>
+        </p:txBody>
+      </p:sp>
+    </p:spTree>
+    <p:extLst>
+      <p:ext uri="{BB962C8B-B14F-4D97-AF65-F5344CB8AC3E}">
+        <p14:creationId xmlns:p14="http://schemas.microsoft.com/office/powerpoint/2010/main" val="1622569971"/>
+      </p:ext>
+    </p:extLst>
+  </p:cSld>
+  <p:clrMapOvr>
+    <a:masterClrMapping/>
+  </p:clrMapOvr>
+</p:sld>
+</file>
+
+<file path=ppt/slides/slide25.xml><?xml version="1.0" encoding="utf-8"?>
+<p:sld xmlns:a="http://schemas.openxmlformats.org/drawingml/2006/main" xmlns:r="http://schemas.openxmlformats.org/officeDocument/2006/relationships" xmlns:p="http://schemas.openxmlformats.org/presentationml/2006/main">
+  <p:cSld>
+    <p:spTree>
+      <p:nvGrpSpPr>
+        <p:cNvPr id="1" name=""/>
+        <p:cNvGrpSpPr/>
+        <p:nvPr/>
+      </p:nvGrpSpPr>
+      <p:grpSpPr>
+        <a:xfrm>
+          <a:off x="0" y="0"/>
+          <a:ext cx="0" cy="0"/>
+          <a:chOff x="0" y="0"/>
+          <a:chExt cx="0" cy="0"/>
+        </a:xfrm>
+      </p:grpSpPr>
+      <p:sp>
+        <p:nvSpPr>
+          <p:cNvPr id="2" name="제목 1">
+            <a:extLst>
+              <a:ext uri="{FF2B5EF4-FFF2-40B4-BE49-F238E27FC236}">
+                <a16:creationId xmlns:a16="http://schemas.microsoft.com/office/drawing/2014/main" id="{46E6CD93-7CEC-4472-866E-C65BE716F566}"/>
+              </a:ext>
+            </a:extLst>
+          </p:cNvPr>
+          <p:cNvSpPr>
+            <a:spLocks noGrp="1"/>
+          </p:cNvSpPr>
+          <p:nvPr>
+            <p:ph type="title"/>
+          </p:nvPr>
+        </p:nvSpPr>
+        <p:spPr/>
+        <p:txBody>
+          <a:bodyPr/>
+          <a:lstStyle/>
+          <a:p>
+            <a:r>
+              <a:rPr lang="ko-KR" altLang="en-US" dirty="0">
+                <a:latin typeface="210 앱굴림 R" panose="02020603020101020101" pitchFamily="18" charset="-127"/>
+                <a:ea typeface="210 앱굴림 R" panose="02020603020101020101" pitchFamily="18" charset="-127"/>
+              </a:rPr>
+              <a:t>장면</a:t>
+            </a:r>
+          </a:p>
+        </p:txBody>
+      </p:sp>
+      <p:sp>
+        <p:nvSpPr>
+          <p:cNvPr id="3" name="내용 개체 틀 2">
+            <a:extLst>
+              <a:ext uri="{FF2B5EF4-FFF2-40B4-BE49-F238E27FC236}">
+                <a16:creationId xmlns:a16="http://schemas.microsoft.com/office/drawing/2014/main" id="{0032D27B-3C80-47CB-BFF3-1BDF9F128018}"/>
+              </a:ext>
+            </a:extLst>
+          </p:cNvPr>
+          <p:cNvSpPr>
+            <a:spLocks noGrp="1"/>
+          </p:cNvSpPr>
+          <p:nvPr>
+            <p:ph idx="1"/>
+          </p:nvPr>
+        </p:nvSpPr>
+        <p:spPr>
+          <a:xfrm>
+            <a:off x="1563080" y="1417638"/>
+            <a:ext cx="6017840" cy="4525963"/>
+          </a:xfrm>
+        </p:spPr>
+        <p:txBody>
+          <a:bodyPr>
+            <a:normAutofit/>
+          </a:bodyPr>
+          <a:lstStyle/>
+          <a:p>
+            <a:r>
+              <a:rPr lang="ko-KR" altLang="en-US" dirty="0"/>
+              <a:t>장면</a:t>
+            </a:r>
+          </a:p>
+        </p:txBody>
+      </p:sp>
+    </p:spTree>
+    <p:extLst>
+      <p:ext uri="{BB962C8B-B14F-4D97-AF65-F5344CB8AC3E}">
+        <p14:creationId xmlns:p14="http://schemas.microsoft.com/office/powerpoint/2010/main" val="2204444687"/>
+      </p:ext>
+    </p:extLst>
+  </p:cSld>
+  <p:clrMapOvr>
+    <a:masterClrMapping/>
+  </p:clrMapOvr>
+</p:sld>
+</file>
+
+<file path=ppt/slides/slide26.xml><?xml version="1.0" encoding="utf-8"?>
+<p:sld xmlns:a="http://schemas.openxmlformats.org/drawingml/2006/main" xmlns:r="http://schemas.openxmlformats.org/officeDocument/2006/relationships" xmlns:p="http://schemas.openxmlformats.org/presentationml/2006/main">
+  <p:cSld>
+    <p:spTree>
+      <p:nvGrpSpPr>
+        <p:cNvPr id="1" name=""/>
+        <p:cNvGrpSpPr/>
+        <p:nvPr/>
+      </p:nvGrpSpPr>
+      <p:grpSpPr>
+        <a:xfrm>
+          <a:off x="0" y="0"/>
+          <a:ext cx="0" cy="0"/>
+          <a:chOff x="0" y="0"/>
+          <a:chExt cx="0" cy="0"/>
+        </a:xfrm>
+      </p:grpSpPr>
+      <p:sp>
+        <p:nvSpPr>
+          <p:cNvPr id="4" name="제목 3">
+            <a:extLst>
+              <a:ext uri="{FF2B5EF4-FFF2-40B4-BE49-F238E27FC236}">
+                <a16:creationId xmlns:a16="http://schemas.microsoft.com/office/drawing/2014/main" id="{FA9F752A-317C-450A-80D0-139B2376A236}"/>
+              </a:ext>
+            </a:extLst>
+          </p:cNvPr>
+          <p:cNvSpPr>
+            <a:spLocks noGrp="1"/>
+          </p:cNvSpPr>
+          <p:nvPr>
+            <p:ph type="ctrTitle"/>
+          </p:nvPr>
+        </p:nvSpPr>
+        <p:spPr>
+          <a:xfrm>
+            <a:off x="685800" y="2693987"/>
+            <a:ext cx="7772400" cy="1470025"/>
+          </a:xfrm>
+        </p:spPr>
+        <p:txBody>
+          <a:bodyPr>
+            <a:normAutofit fontScale="90000"/>
+          </a:bodyPr>
+          <a:lstStyle/>
+          <a:p>
+            <a:r>
+              <a:rPr lang="ko-KR" altLang="en-US" sz="6000" b="1" dirty="0">
+                <a:solidFill>
+                  <a:schemeClr val="accent6">
+                    <a:lumMod val="60000"/>
+                    <a:lumOff val="40000"/>
+                  </a:schemeClr>
+                </a:solidFill>
+                <a:latin typeface="210 앱굴림 R" panose="02020603020101020101" pitchFamily="18" charset="-127"/>
+                <a:ea typeface="210 앱굴림 R" panose="02020603020101020101" pitchFamily="18" charset="-127"/>
+              </a:rPr>
+              <a:t>게임 오브젝트</a:t>
+            </a:r>
+            <a:br>
+              <a:rPr lang="en-US" altLang="ko-KR" sz="6000" b="1" dirty="0">
+                <a:solidFill>
+                  <a:schemeClr val="accent6">
+                    <a:lumMod val="60000"/>
+                    <a:lumOff val="40000"/>
+                  </a:schemeClr>
+                </a:solidFill>
+                <a:latin typeface="210 앱굴림 R" panose="02020603020101020101" pitchFamily="18" charset="-127"/>
+                <a:ea typeface="210 앱굴림 R" panose="02020603020101020101" pitchFamily="18" charset="-127"/>
+              </a:rPr>
+            </a:br>
+            <a:r>
+              <a:rPr lang="en-US" altLang="ko-KR" sz="6000" b="1" dirty="0">
+                <a:solidFill>
+                  <a:schemeClr val="accent6">
+                    <a:lumMod val="60000"/>
+                    <a:lumOff val="40000"/>
+                  </a:schemeClr>
+                </a:solidFill>
+                <a:latin typeface="210 앱굴림 R" panose="02020603020101020101" pitchFamily="18" charset="-127"/>
+                <a:ea typeface="210 앱굴림 R" panose="02020603020101020101" pitchFamily="18" charset="-127"/>
+              </a:rPr>
+              <a:t>(Game Object)</a:t>
+            </a:r>
+            <a:endParaRPr lang="ko-KR" altLang="en-US" sz="6000" b="1" dirty="0">
+              <a:solidFill>
+                <a:schemeClr val="accent6">
+                  <a:lumMod val="60000"/>
+                  <a:lumOff val="40000"/>
+                </a:schemeClr>
+              </a:solidFill>
+              <a:latin typeface="210 앱굴림 R" panose="02020603020101020101" pitchFamily="18" charset="-127"/>
+              <a:ea typeface="210 앱굴림 R" panose="02020603020101020101" pitchFamily="18" charset="-127"/>
+            </a:endParaRPr>
+          </a:p>
+        </p:txBody>
+      </p:sp>
+    </p:spTree>
+    <p:extLst>
+      <p:ext uri="{BB962C8B-B14F-4D97-AF65-F5344CB8AC3E}">
+        <p14:creationId xmlns:p14="http://schemas.microsoft.com/office/powerpoint/2010/main" val="925558326"/>
+      </p:ext>
+    </p:extLst>
+  </p:cSld>
+  <p:clrMapOvr>
+    <a:masterClrMapping/>
+  </p:clrMapOvr>
+</p:sld>
+</file>
+
+<file path=ppt/slides/slide27.xml><?xml version="1.0" encoding="utf-8"?>
+<p:sld xmlns:a="http://schemas.openxmlformats.org/drawingml/2006/main" xmlns:r="http://schemas.openxmlformats.org/officeDocument/2006/relationships" xmlns:p="http://schemas.openxmlformats.org/presentationml/2006/main">
+  <p:cSld>
+    <p:spTree>
+      <p:nvGrpSpPr>
+        <p:cNvPr id="1" name=""/>
+        <p:cNvGrpSpPr/>
+        <p:nvPr/>
+      </p:nvGrpSpPr>
+      <p:grpSpPr>
+        <a:xfrm>
+          <a:off x="0" y="0"/>
+          <a:ext cx="0" cy="0"/>
+          <a:chOff x="0" y="0"/>
+          <a:chExt cx="0" cy="0"/>
+        </a:xfrm>
+      </p:grpSpPr>
+      <p:sp>
+        <p:nvSpPr>
+          <p:cNvPr id="2" name="제목 1">
+            <a:extLst>
+              <a:ext uri="{FF2B5EF4-FFF2-40B4-BE49-F238E27FC236}">
+                <a16:creationId xmlns:a16="http://schemas.microsoft.com/office/drawing/2014/main" id="{0ACBF03C-5D33-4F57-9940-E105350E8074}"/>
+              </a:ext>
+            </a:extLst>
+          </p:cNvPr>
+          <p:cNvSpPr>
+            <a:spLocks noGrp="1"/>
+          </p:cNvSpPr>
+          <p:nvPr>
+            <p:ph type="title"/>
+          </p:nvPr>
+        </p:nvSpPr>
+        <p:spPr>
+          <a:xfrm>
+            <a:off x="457200" y="274638"/>
+            <a:ext cx="8229600" cy="1143000"/>
+          </a:xfrm>
+          <a:prstGeom prst="rect">
+            <a:avLst/>
+          </a:prstGeom>
+        </p:spPr>
+        <p:txBody>
+          <a:bodyPr anchor="ctr">
+            <a:normAutofit/>
+          </a:bodyPr>
+          <a:lstStyle/>
+          <a:p>
+            <a:r>
+              <a:rPr lang="en-US" altLang="ko-KR" sz="4400" dirty="0" err="1">
+                <a:solidFill>
+                  <a:schemeClr val="tx1"/>
+                </a:solidFill>
+                <a:latin typeface="210 앱굴림 R" panose="02020603020101020101" pitchFamily="18" charset="-127"/>
+                <a:ea typeface="210 앱굴림 R" panose="02020603020101020101" pitchFamily="18" charset="-127"/>
+              </a:rPr>
+              <a:t>GameObject</a:t>
+            </a:r>
+            <a:endParaRPr lang="ko-KR" altLang="en-US" sz="4400" dirty="0">
+              <a:solidFill>
+                <a:schemeClr val="tx1"/>
+              </a:solidFill>
+              <a:latin typeface="210 앱굴림 R" panose="02020603020101020101" pitchFamily="18" charset="-127"/>
+              <a:ea typeface="210 앱굴림 R" panose="02020603020101020101" pitchFamily="18" charset="-127"/>
+            </a:endParaRPr>
+          </a:p>
+        </p:txBody>
+      </p:sp>
+      <p:sp>
+        <p:nvSpPr>
+          <p:cNvPr id="9" name="Text Placeholder 2">
+            <a:extLst>
+              <a:ext uri="{FF2B5EF4-FFF2-40B4-BE49-F238E27FC236}">
+                <a16:creationId xmlns:a16="http://schemas.microsoft.com/office/drawing/2014/main" id="{2402B49A-AF4C-4082-A1DA-3F59454AF1BE}"/>
+              </a:ext>
+            </a:extLst>
+          </p:cNvPr>
+          <p:cNvSpPr>
+            <a:spLocks noGrp="1"/>
+          </p:cNvSpPr>
+          <p:nvPr>
+            <p:ph type="body" idx="1"/>
+          </p:nvPr>
+        </p:nvSpPr>
+        <p:spPr>
+          <a:xfrm>
+            <a:off x="457200" y="1535113"/>
+            <a:ext cx="4040188" cy="639762"/>
+          </a:xfrm>
+        </p:spPr>
+        <p:txBody>
+          <a:bodyPr/>
+          <a:lstStyle/>
+          <a:p>
+            <a:r>
+              <a:rPr lang="en-US" dirty="0">
+                <a:latin typeface="210 앱굴림 R" panose="02020603020101020101" pitchFamily="18" charset="-127"/>
+                <a:ea typeface="210 앱굴림 R" panose="02020603020101020101" pitchFamily="18" charset="-127"/>
+              </a:rPr>
+              <a:t>Hierarchy </a:t>
+            </a:r>
+            <a:r>
+              <a:rPr lang="ko-KR" altLang="en-US" dirty="0">
+                <a:latin typeface="210 앱굴림 R" panose="02020603020101020101" pitchFamily="18" charset="-127"/>
+                <a:ea typeface="210 앱굴림 R" panose="02020603020101020101" pitchFamily="18" charset="-127"/>
+              </a:rPr>
+              <a:t>창</a:t>
+            </a:r>
+            <a:endParaRPr lang="en-US" dirty="0">
+              <a:latin typeface="210 앱굴림 R" panose="02020603020101020101" pitchFamily="18" charset="-127"/>
+              <a:ea typeface="210 앱굴림 R" panose="02020603020101020101" pitchFamily="18" charset="-127"/>
+            </a:endParaRPr>
+          </a:p>
+        </p:txBody>
+      </p:sp>
+      <p:pic>
+        <p:nvPicPr>
+          <p:cNvPr id="4" name="그림 3">
+            <a:extLst>
+              <a:ext uri="{FF2B5EF4-FFF2-40B4-BE49-F238E27FC236}">
+                <a16:creationId xmlns:a16="http://schemas.microsoft.com/office/drawing/2014/main" id="{0BF9395F-08B6-48A3-973C-1F349797E863}"/>
+              </a:ext>
+            </a:extLst>
+          </p:cNvPr>
+          <p:cNvPicPr>
+            <a:picLocks noChangeAspect="1"/>
+          </p:cNvPicPr>
+          <p:nvPr/>
+        </p:nvPicPr>
+        <p:blipFill rotWithShape="1">
+          <a:blip r:embed="rId2"/>
+          <a:srcRect r="-1" b="25672"/>
+          <a:stretch/>
+        </p:blipFill>
+        <p:spPr>
+          <a:xfrm>
+            <a:off x="457200" y="2174875"/>
+            <a:ext cx="4040188" cy="3951288"/>
+          </a:xfrm>
+          <a:prstGeom prst="rect">
+            <a:avLst/>
+          </a:prstGeom>
+          <a:noFill/>
+        </p:spPr>
+      </p:pic>
+      <p:sp>
+        <p:nvSpPr>
+          <p:cNvPr id="11" name="Text Placeholder 4">
+            <a:extLst>
+              <a:ext uri="{FF2B5EF4-FFF2-40B4-BE49-F238E27FC236}">
+                <a16:creationId xmlns:a16="http://schemas.microsoft.com/office/drawing/2014/main" id="{CA4754C0-FEFF-43E7-937E-DA1C4C612F7B}"/>
+              </a:ext>
+            </a:extLst>
+          </p:cNvPr>
+          <p:cNvSpPr>
+            <a:spLocks noGrp="1"/>
+          </p:cNvSpPr>
+          <p:nvPr>
+            <p:ph type="body" sz="quarter" idx="3"/>
+          </p:nvPr>
+        </p:nvSpPr>
+        <p:spPr>
+          <a:xfrm>
+            <a:off x="4645025" y="1535113"/>
+            <a:ext cx="4041775" cy="639762"/>
+          </a:xfrm>
+        </p:spPr>
+        <p:txBody>
+          <a:bodyPr/>
+          <a:lstStyle/>
+          <a:p>
+            <a:r>
+              <a:rPr lang="ko-KR" altLang="en-US" dirty="0">
+                <a:latin typeface="210 앱굴림 R" panose="02020603020101020101" pitchFamily="18" charset="-127"/>
+                <a:ea typeface="210 앱굴림 R" panose="02020603020101020101" pitchFamily="18" charset="-127"/>
+              </a:rPr>
+              <a:t>게임 오브젝트란</a:t>
+            </a:r>
+            <a:r>
+              <a:rPr lang="en-US" altLang="ko-KR" dirty="0">
+                <a:latin typeface="210 앱굴림 R" panose="02020603020101020101" pitchFamily="18" charset="-127"/>
+                <a:ea typeface="210 앱굴림 R" panose="02020603020101020101" pitchFamily="18" charset="-127"/>
+              </a:rPr>
+              <a:t>?</a:t>
+            </a:r>
+            <a:endParaRPr lang="en-US" dirty="0">
+              <a:latin typeface="210 앱굴림 R" panose="02020603020101020101" pitchFamily="18" charset="-127"/>
+              <a:ea typeface="210 앱굴림 R" panose="02020603020101020101" pitchFamily="18" charset="-127"/>
+            </a:endParaRPr>
+          </a:p>
+        </p:txBody>
+      </p:sp>
+      <p:sp>
+        <p:nvSpPr>
+          <p:cNvPr id="3" name="내용 개체 틀 2">
+            <a:extLst>
+              <a:ext uri="{FF2B5EF4-FFF2-40B4-BE49-F238E27FC236}">
+                <a16:creationId xmlns:a16="http://schemas.microsoft.com/office/drawing/2014/main" id="{5C9EA5CF-5588-4F89-97F3-3B0FB725EAED}"/>
+              </a:ext>
+            </a:extLst>
+          </p:cNvPr>
+          <p:cNvSpPr>
+            <a:spLocks noGrp="1"/>
+          </p:cNvSpPr>
+          <p:nvPr>
+            <p:ph sz="quarter" idx="4"/>
+          </p:nvPr>
+        </p:nvSpPr>
+        <p:spPr>
+          <a:xfrm>
+            <a:off x="4645025" y="2174875"/>
+            <a:ext cx="4041775" cy="3951288"/>
+          </a:xfrm>
+          <a:prstGeom prst="rect">
+            <a:avLst/>
+          </a:prstGeom>
+        </p:spPr>
+        <p:txBody>
+          <a:bodyPr>
+            <a:normAutofit/>
+          </a:bodyPr>
+          <a:lstStyle/>
+          <a:p>
+            <a:r>
+              <a:rPr lang="ko-KR" altLang="en-US" dirty="0">
+                <a:latin typeface="210 앱굴림 L" panose="02020603020101020101" pitchFamily="18" charset="-127"/>
+                <a:ea typeface="210 앱굴림 L" panose="02020603020101020101" pitchFamily="18" charset="-127"/>
+              </a:rPr>
+              <a:t>컴포넌트들의 집합체</a:t>
+            </a:r>
+            <a:endParaRPr lang="en-US" altLang="ko-KR" dirty="0">
+              <a:latin typeface="210 앱굴림 L" panose="02020603020101020101" pitchFamily="18" charset="-127"/>
+              <a:ea typeface="210 앱굴림 L" panose="02020603020101020101" pitchFamily="18" charset="-127"/>
+            </a:endParaRPr>
+          </a:p>
+          <a:p>
+            <a:r>
+              <a:rPr lang="ko-KR" altLang="en-US" dirty="0">
+                <a:latin typeface="210 앱굴림 L" panose="02020603020101020101" pitchFamily="18" charset="-127"/>
+                <a:ea typeface="210 앱굴림 L" panose="02020603020101020101" pitchFamily="18" charset="-127"/>
+              </a:rPr>
+              <a:t>컴포넌트들의 </a:t>
+            </a:r>
+            <a:r>
+              <a:rPr lang="ko-KR" altLang="en-US" sz="2400" dirty="0">
+                <a:solidFill>
+                  <a:schemeClr val="tx1"/>
+                </a:solidFill>
+                <a:latin typeface="210 앱굴림 L" panose="02020603020101020101" pitchFamily="18" charset="-127"/>
+                <a:ea typeface="210 앱굴림 L" panose="02020603020101020101" pitchFamily="18" charset="-127"/>
+              </a:rPr>
+              <a:t>컨테이너</a:t>
+            </a:r>
+            <a:r>
+              <a:rPr lang="en-US" altLang="ko-KR" sz="2400" dirty="0">
+                <a:solidFill>
+                  <a:schemeClr val="tx1"/>
+                </a:solidFill>
+                <a:latin typeface="210 앱굴림 L" panose="02020603020101020101" pitchFamily="18" charset="-127"/>
+                <a:ea typeface="210 앱굴림 L" panose="02020603020101020101" pitchFamily="18" charset="-127"/>
+              </a:rPr>
+              <a:t>(</a:t>
+            </a:r>
+            <a:r>
+              <a:rPr lang="ko-KR" altLang="en-US" sz="2400" dirty="0">
+                <a:solidFill>
+                  <a:schemeClr val="tx1"/>
+                </a:solidFill>
+                <a:latin typeface="210 앱굴림 L" panose="02020603020101020101" pitchFamily="18" charset="-127"/>
+                <a:ea typeface="210 앱굴림 L" panose="02020603020101020101" pitchFamily="18" charset="-127"/>
+              </a:rPr>
+              <a:t>상자</a:t>
+            </a:r>
+            <a:r>
+              <a:rPr lang="en-US" altLang="ko-KR" sz="2400" dirty="0">
+                <a:solidFill>
+                  <a:schemeClr val="tx1"/>
+                </a:solidFill>
+                <a:latin typeface="210 앱굴림 L" panose="02020603020101020101" pitchFamily="18" charset="-127"/>
+                <a:ea typeface="210 앱굴림 L" panose="02020603020101020101" pitchFamily="18" charset="-127"/>
+              </a:rPr>
+              <a:t>)</a:t>
+            </a:r>
+          </a:p>
+          <a:p>
+            <a:r>
+              <a:rPr lang="en-US" altLang="ko-KR" sz="2400" dirty="0">
+                <a:solidFill>
+                  <a:schemeClr val="tx1"/>
+                </a:solidFill>
+                <a:latin typeface="210 앱굴림 L" panose="02020603020101020101" pitchFamily="18" charset="-127"/>
+                <a:ea typeface="210 앱굴림 L" panose="02020603020101020101" pitchFamily="18" charset="-127"/>
+              </a:rPr>
+              <a:t>Hierarchy </a:t>
+            </a:r>
+            <a:r>
+              <a:rPr lang="ko-KR" altLang="en-US" sz="2400" dirty="0">
+                <a:solidFill>
+                  <a:schemeClr val="tx1"/>
+                </a:solidFill>
+                <a:latin typeface="210 앱굴림 L" panose="02020603020101020101" pitchFamily="18" charset="-127"/>
+                <a:ea typeface="210 앱굴림 L" panose="02020603020101020101" pitchFamily="18" charset="-127"/>
+              </a:rPr>
+              <a:t>창에서 확인 가능</a:t>
+            </a:r>
+            <a:endParaRPr lang="en-US" altLang="ko-KR" sz="2400" dirty="0">
+              <a:solidFill>
+                <a:schemeClr val="tx1"/>
+              </a:solidFill>
+              <a:latin typeface="210 앱굴림 L" panose="02020603020101020101" pitchFamily="18" charset="-127"/>
+              <a:ea typeface="210 앱굴림 L" panose="02020603020101020101" pitchFamily="18" charset="-127"/>
+            </a:endParaRPr>
+          </a:p>
+          <a:p>
+            <a:r>
+              <a:rPr lang="ko-KR" altLang="en-US" sz="2400" dirty="0">
+                <a:solidFill>
+                  <a:schemeClr val="tx1"/>
+                </a:solidFill>
+                <a:latin typeface="210 앱굴림 L" panose="02020603020101020101" pitchFamily="18" charset="-127"/>
+                <a:ea typeface="210 앱굴림 L" panose="02020603020101020101" pitchFamily="18" charset="-127"/>
+              </a:rPr>
+              <a:t>여러 개의 컴포넌트를 가짐</a:t>
+            </a:r>
+            <a:endParaRPr lang="en-US" altLang="ko-KR" sz="2400" dirty="0">
+              <a:solidFill>
+                <a:schemeClr val="tx1"/>
+              </a:solidFill>
+              <a:latin typeface="210 앱굴림 L" panose="02020603020101020101" pitchFamily="18" charset="-127"/>
+              <a:ea typeface="210 앱굴림 L" panose="02020603020101020101" pitchFamily="18" charset="-127"/>
+            </a:endParaRPr>
+          </a:p>
+          <a:p>
+            <a:r>
+              <a:rPr lang="en-US" altLang="ko-KR" dirty="0">
+                <a:latin typeface="210 앱굴림 L" panose="02020603020101020101" pitchFamily="18" charset="-127"/>
+                <a:ea typeface="210 앱굴림 L" panose="02020603020101020101" pitchFamily="18" charset="-127"/>
+              </a:rPr>
+              <a:t>Transform</a:t>
+            </a:r>
+            <a:r>
+              <a:rPr lang="ko-KR" altLang="en-US" dirty="0">
+                <a:latin typeface="210 앱굴림 L" panose="02020603020101020101" pitchFamily="18" charset="-127"/>
+                <a:ea typeface="210 앱굴림 L" panose="02020603020101020101" pitchFamily="18" charset="-127"/>
+              </a:rPr>
+              <a:t>은</a:t>
+            </a:r>
+            <a:r>
+              <a:rPr lang="en-US" altLang="ko-KR" dirty="0">
+                <a:latin typeface="210 앱굴림 L" panose="02020603020101020101" pitchFamily="18" charset="-127"/>
+                <a:ea typeface="210 앱굴림 L" panose="02020603020101020101" pitchFamily="18" charset="-127"/>
+              </a:rPr>
+              <a:t> </a:t>
+            </a:r>
+            <a:r>
+              <a:rPr lang="ko-KR" altLang="en-US" dirty="0">
+                <a:latin typeface="210 앱굴림 L" panose="02020603020101020101" pitchFamily="18" charset="-127"/>
+                <a:ea typeface="210 앱굴림 L" panose="02020603020101020101" pitchFamily="18" charset="-127"/>
+              </a:rPr>
+              <a:t>항상 가짐</a:t>
+            </a:r>
+            <a:endParaRPr lang="en-US" altLang="ko-KR" dirty="0">
+              <a:latin typeface="210 앱굴림 L" panose="02020603020101020101" pitchFamily="18" charset="-127"/>
+              <a:ea typeface="210 앱굴림 L" panose="02020603020101020101" pitchFamily="18" charset="-127"/>
+            </a:endParaRPr>
+          </a:p>
+          <a:p>
+            <a:pPr marL="0" indent="0">
+              <a:buNone/>
+            </a:pPr>
+            <a:r>
+              <a:rPr lang="ko-KR" altLang="en-US" sz="2400" dirty="0">
+                <a:solidFill>
+                  <a:schemeClr val="tx1"/>
+                </a:solidFill>
+                <a:latin typeface="210 앱굴림 L" panose="02020603020101020101" pitchFamily="18" charset="-127"/>
+                <a:ea typeface="210 앱굴림 L" panose="02020603020101020101" pitchFamily="18" charset="-127"/>
+              </a:rPr>
+              <a:t> 왜</a:t>
+            </a:r>
+            <a:r>
+              <a:rPr lang="en-US" altLang="ko-KR" sz="2400" dirty="0">
+                <a:solidFill>
+                  <a:schemeClr val="tx1"/>
+                </a:solidFill>
+                <a:latin typeface="210 앱굴림 L" panose="02020603020101020101" pitchFamily="18" charset="-127"/>
+                <a:ea typeface="210 앱굴림 L" panose="02020603020101020101" pitchFamily="18" charset="-127"/>
+              </a:rPr>
+              <a:t>? World</a:t>
+            </a:r>
+            <a:r>
+              <a:rPr lang="ko-KR" altLang="en-US" sz="2400" dirty="0">
+                <a:solidFill>
+                  <a:schemeClr val="tx1"/>
+                </a:solidFill>
+                <a:latin typeface="210 앱굴림 L" panose="02020603020101020101" pitchFamily="18" charset="-127"/>
+                <a:ea typeface="210 앱굴림 L" panose="02020603020101020101" pitchFamily="18" charset="-127"/>
+              </a:rPr>
+              <a:t>에 존재해야 함</a:t>
+            </a:r>
+          </a:p>
+        </p:txBody>
+      </p:sp>
+    </p:spTree>
+    <p:extLst>
+      <p:ext uri="{BB962C8B-B14F-4D97-AF65-F5344CB8AC3E}">
+        <p14:creationId xmlns:p14="http://schemas.microsoft.com/office/powerpoint/2010/main" val="3082376714"/>
+      </p:ext>
+    </p:extLst>
+  </p:cSld>
+  <p:clrMapOvr>
+    <a:masterClrMapping/>
+  </p:clrMapOvr>
+</p:sld>
+</file>
+
+<file path=ppt/slides/slide28.xml><?xml version="1.0" encoding="utf-8"?>
+<p:sld xmlns:a="http://schemas.openxmlformats.org/drawingml/2006/main" xmlns:r="http://schemas.openxmlformats.org/officeDocument/2006/relationships" xmlns:p="http://schemas.openxmlformats.org/presentationml/2006/main">
+  <p:cSld>
+    <p:spTree>
+      <p:nvGrpSpPr>
+        <p:cNvPr id="1" name=""/>
+        <p:cNvGrpSpPr/>
+        <p:nvPr/>
+      </p:nvGrpSpPr>
+      <p:grpSpPr>
+        <a:xfrm>
+          <a:off x="0" y="0"/>
+          <a:ext cx="0" cy="0"/>
+          <a:chOff x="0" y="0"/>
+          <a:chExt cx="0" cy="0"/>
+        </a:xfrm>
+      </p:grpSpPr>
+      <p:sp>
+        <p:nvSpPr>
+          <p:cNvPr id="4" name="제목 3">
+            <a:extLst>
+              <a:ext uri="{FF2B5EF4-FFF2-40B4-BE49-F238E27FC236}">
+                <a16:creationId xmlns:a16="http://schemas.microsoft.com/office/drawing/2014/main" id="{FA9F752A-317C-450A-80D0-139B2376A236}"/>
+              </a:ext>
+            </a:extLst>
+          </p:cNvPr>
+          <p:cNvSpPr>
+            <a:spLocks noGrp="1"/>
+          </p:cNvSpPr>
+          <p:nvPr>
+            <p:ph type="ctrTitle"/>
+          </p:nvPr>
+        </p:nvSpPr>
+        <p:spPr>
+          <a:xfrm>
+            <a:off x="685800" y="2693987"/>
+            <a:ext cx="7772400" cy="1470025"/>
+          </a:xfrm>
+        </p:spPr>
+        <p:txBody>
+          <a:bodyPr>
+            <a:normAutofit fontScale="90000"/>
+          </a:bodyPr>
+          <a:lstStyle/>
+          <a:p>
+            <a:r>
+              <a:rPr lang="ko-KR" altLang="en-US" sz="6000" b="1" dirty="0">
+                <a:solidFill>
+                  <a:schemeClr val="accent6">
+                    <a:lumMod val="60000"/>
+                    <a:lumOff val="40000"/>
+                  </a:schemeClr>
+                </a:solidFill>
+                <a:latin typeface="210 앱굴림 R" panose="02020603020101020101" pitchFamily="18" charset="-127"/>
+                <a:ea typeface="210 앱굴림 R" panose="02020603020101020101" pitchFamily="18" charset="-127"/>
+              </a:rPr>
+              <a:t>컴포넌트</a:t>
+            </a:r>
+            <a:br>
+              <a:rPr lang="en-US" altLang="ko-KR" sz="6000" b="1" dirty="0">
+                <a:solidFill>
+                  <a:schemeClr val="accent6">
+                    <a:lumMod val="60000"/>
+                    <a:lumOff val="40000"/>
+                  </a:schemeClr>
+                </a:solidFill>
+                <a:latin typeface="210 앱굴림 R" panose="02020603020101020101" pitchFamily="18" charset="-127"/>
+                <a:ea typeface="210 앱굴림 R" panose="02020603020101020101" pitchFamily="18" charset="-127"/>
+              </a:rPr>
+            </a:br>
+            <a:r>
+              <a:rPr lang="en-US" altLang="ko-KR" sz="6000" b="1" dirty="0">
+                <a:solidFill>
+                  <a:schemeClr val="accent6">
+                    <a:lumMod val="60000"/>
+                    <a:lumOff val="40000"/>
+                  </a:schemeClr>
+                </a:solidFill>
+                <a:latin typeface="210 앱굴림 R" panose="02020603020101020101" pitchFamily="18" charset="-127"/>
+                <a:ea typeface="210 앱굴림 R" panose="02020603020101020101" pitchFamily="18" charset="-127"/>
+              </a:rPr>
+              <a:t>(Component)</a:t>
+            </a:r>
+            <a:endParaRPr lang="ko-KR" altLang="en-US" sz="6000" b="1" dirty="0">
+              <a:solidFill>
+                <a:schemeClr val="accent6">
+                  <a:lumMod val="60000"/>
+                  <a:lumOff val="40000"/>
+                </a:schemeClr>
+              </a:solidFill>
+              <a:latin typeface="210 앱굴림 R" panose="02020603020101020101" pitchFamily="18" charset="-127"/>
+              <a:ea typeface="210 앱굴림 R" panose="02020603020101020101" pitchFamily="18" charset="-127"/>
+            </a:endParaRPr>
+          </a:p>
+        </p:txBody>
+      </p:sp>
+    </p:spTree>
+    <p:extLst>
+      <p:ext uri="{BB962C8B-B14F-4D97-AF65-F5344CB8AC3E}">
+        <p14:creationId xmlns:p14="http://schemas.microsoft.com/office/powerpoint/2010/main" val="913844270"/>
+      </p:ext>
+    </p:extLst>
+  </p:cSld>
+  <p:clrMapOvr>
+    <a:masterClrMapping/>
+  </p:clrMapOvr>
+</p:sld>
+</file>
+
+<file path=ppt/slides/slide29.xml><?xml version="1.0" encoding="utf-8"?>
+<p:sld xmlns:a="http://schemas.openxmlformats.org/drawingml/2006/main" xmlns:r="http://schemas.openxmlformats.org/officeDocument/2006/relationships" xmlns:p="http://schemas.openxmlformats.org/presentationml/2006/main">
+  <p:cSld>
+    <p:spTree>
+      <p:nvGrpSpPr>
+        <p:cNvPr id="1" name=""/>
+        <p:cNvGrpSpPr/>
+        <p:nvPr/>
+      </p:nvGrpSpPr>
+      <p:grpSpPr>
+        <a:xfrm>
+          <a:off x="0" y="0"/>
+          <a:ext cx="0" cy="0"/>
+          <a:chOff x="0" y="0"/>
+          <a:chExt cx="0" cy="0"/>
+        </a:xfrm>
+      </p:grpSpPr>
+      <p:sp>
+        <p:nvSpPr>
           <p:cNvPr id="2" name="제목 1">
             <a:extLst>
               <a:ext uri="{FF2B5EF4-FFF2-40B4-BE49-F238E27FC236}">
@@ -6152,7 +8011,7 @@
         </p:nvSpPr>
         <p:spPr>
           <a:xfrm>
-            <a:off x="486696" y="629266"/>
+            <a:off x="486695" y="634181"/>
             <a:ext cx="3845274" cy="1676603"/>
           </a:xfrm>
         </p:spPr>
@@ -6190,8 +8049,8 @@
         </p:nvSpPr>
         <p:spPr>
           <a:xfrm>
-            <a:off x="486697" y="2438400"/>
-            <a:ext cx="3845272" cy="3785419"/>
+            <a:off x="179512" y="2438400"/>
+            <a:ext cx="4152457" cy="3785419"/>
           </a:xfrm>
         </p:spPr>
         <p:txBody>
@@ -6203,75 +8062,141 @@
             <a:pPr marL="0" indent="0">
               <a:buNone/>
             </a:pPr>
-            <a:br>
+            <a:r>
               <a:rPr lang="en-US" altLang="ko-KR" sz="1800" dirty="0">
                 <a:latin typeface="210 앱굴림 R" panose="02020603020101020101" pitchFamily="18" charset="-127"/>
                 <a:ea typeface="210 앱굴림 R" panose="02020603020101020101" pitchFamily="18" charset="-127"/>
               </a:rPr>
-            </a:br>
-            <a:endParaRPr lang="en-US" altLang="ko-KR" sz="2400" dirty="0">
+              <a:t>Component</a:t>
+            </a:r>
+            <a:r>
+              <a:rPr lang="ko-KR" altLang="en-US" sz="1800" dirty="0">
+                <a:latin typeface="210 앱굴림 R" panose="02020603020101020101" pitchFamily="18" charset="-127"/>
+                <a:ea typeface="210 앱굴림 R" panose="02020603020101020101" pitchFamily="18" charset="-127"/>
+              </a:rPr>
+              <a:t>란</a:t>
+            </a:r>
+            <a:r>
+              <a:rPr lang="en-US" altLang="ko-KR" sz="1800" dirty="0">
+                <a:latin typeface="210 앱굴림 R" panose="02020603020101020101" pitchFamily="18" charset="-127"/>
+                <a:ea typeface="210 앱굴림 R" panose="02020603020101020101" pitchFamily="18" charset="-127"/>
+              </a:rPr>
+              <a:t>?</a:t>
+            </a:r>
+          </a:p>
+          <a:p>
+            <a:pPr marL="0" indent="0">
+              <a:buNone/>
+            </a:pPr>
+            <a:r>
+              <a:rPr lang="ko-KR" altLang="en-US" sz="1800" dirty="0">
+                <a:latin typeface="210 앱굴림 R" panose="02020603020101020101" pitchFamily="18" charset="-127"/>
+                <a:ea typeface="210 앱굴림 R" panose="02020603020101020101" pitchFamily="18" charset="-127"/>
+              </a:rPr>
+              <a:t> 게임 오브젝트에 조립할 기능</a:t>
+            </a:r>
+            <a:endParaRPr lang="en-US" altLang="ko-KR" sz="1800" dirty="0">
               <a:latin typeface="210 앱굴림 R" panose="02020603020101020101" pitchFamily="18" charset="-127"/>
               <a:ea typeface="210 앱굴림 R" panose="02020603020101020101" pitchFamily="18" charset="-127"/>
             </a:endParaRPr>
           </a:p>
           <a:p>
-            <a:r>
-              <a:rPr lang="en-US" altLang="ko-KR" sz="2400" dirty="0">
-                <a:latin typeface="210 앱굴림 R" panose="02020603020101020101" pitchFamily="18" charset="-127"/>
-                <a:ea typeface="210 앱굴림 R" panose="02020603020101020101" pitchFamily="18" charset="-127"/>
-              </a:rPr>
-              <a:t>Component</a:t>
-            </a:r>
-            <a:r>
-              <a:rPr lang="ko-KR" altLang="en-US" sz="2400" dirty="0">
-                <a:latin typeface="210 앱굴림 R" panose="02020603020101020101" pitchFamily="18" charset="-127"/>
-                <a:ea typeface="210 앱굴림 R" panose="02020603020101020101" pitchFamily="18" charset="-127"/>
-              </a:rPr>
-              <a:t>란</a:t>
-            </a:r>
-            <a:r>
-              <a:rPr lang="en-US" altLang="ko-KR" sz="2400" dirty="0">
-                <a:latin typeface="210 앱굴림 R" panose="02020603020101020101" pitchFamily="18" charset="-127"/>
-                <a:ea typeface="210 앱굴림 R" panose="02020603020101020101" pitchFamily="18" charset="-127"/>
-              </a:rPr>
-              <a:t>?</a:t>
-            </a:r>
-          </a:p>
-          <a:p>
-            <a:endParaRPr lang="en-US" altLang="ko-KR" sz="2400" dirty="0">
+            <a:pPr marL="0" indent="0">
+              <a:buNone/>
+            </a:pPr>
+            <a:endParaRPr lang="en-US" altLang="ko-KR" sz="1800" dirty="0">
               <a:latin typeface="210 앱굴림 R" panose="02020603020101020101" pitchFamily="18" charset="-127"/>
               <a:ea typeface="210 앱굴림 R" panose="02020603020101020101" pitchFamily="18" charset="-127"/>
             </a:endParaRPr>
           </a:p>
           <a:p>
             <a:r>
-              <a:rPr lang="ko-KR" altLang="en-US" sz="2400" dirty="0">
-                <a:latin typeface="210 앱굴림 R" panose="02020603020101020101" pitchFamily="18" charset="-127"/>
-                <a:ea typeface="210 앱굴림 R" panose="02020603020101020101" pitchFamily="18" charset="-127"/>
-              </a:rPr>
-              <a:t>여러가지의 값으로 구성됨</a:t>
-            </a:r>
-            <a:endParaRPr lang="en-US" altLang="ko-KR" sz="2400" dirty="0">
+              <a:rPr lang="ko-KR" altLang="en-US" sz="1800" dirty="0">
+                <a:latin typeface="210 앱굴림 R" panose="02020603020101020101" pitchFamily="18" charset="-127"/>
+                <a:ea typeface="210 앱굴림 R" panose="02020603020101020101" pitchFamily="18" charset="-127"/>
+              </a:rPr>
+              <a:t>여러가지의 값</a:t>
+            </a:r>
+            <a:r>
+              <a:rPr lang="en-US" altLang="ko-KR" sz="1800" dirty="0">
+                <a:latin typeface="210 앱굴림 R" panose="02020603020101020101" pitchFamily="18" charset="-127"/>
+                <a:ea typeface="210 앱굴림 R" panose="02020603020101020101" pitchFamily="18" charset="-127"/>
+              </a:rPr>
+              <a:t>(</a:t>
+            </a:r>
+            <a:r>
+              <a:rPr lang="ko-KR" altLang="en-US" sz="1800" dirty="0">
+                <a:latin typeface="210 앱굴림 R" panose="02020603020101020101" pitchFamily="18" charset="-127"/>
+                <a:ea typeface="210 앱굴림 R" panose="02020603020101020101" pitchFamily="18" charset="-127"/>
+              </a:rPr>
+              <a:t>변수</a:t>
+            </a:r>
+            <a:r>
+              <a:rPr lang="en-US" altLang="ko-KR" sz="1800" dirty="0">
+                <a:latin typeface="210 앱굴림 R" panose="02020603020101020101" pitchFamily="18" charset="-127"/>
+                <a:ea typeface="210 앱굴림 R" panose="02020603020101020101" pitchFamily="18" charset="-127"/>
+              </a:rPr>
+              <a:t>)</a:t>
+            </a:r>
+            <a:r>
+              <a:rPr lang="ko-KR" altLang="en-US" sz="1800" dirty="0">
+                <a:latin typeface="210 앱굴림 R" panose="02020603020101020101" pitchFamily="18" charset="-127"/>
+                <a:ea typeface="210 앱굴림 R" panose="02020603020101020101" pitchFamily="18" charset="-127"/>
+              </a:rPr>
+              <a:t>으로 구성 됨</a:t>
+            </a:r>
+            <a:endParaRPr lang="en-US" altLang="ko-KR" sz="1800" dirty="0">
               <a:latin typeface="210 앱굴림 R" panose="02020603020101020101" pitchFamily="18" charset="-127"/>
               <a:ea typeface="210 앱굴림 R" panose="02020603020101020101" pitchFamily="18" charset="-127"/>
             </a:endParaRPr>
           </a:p>
           <a:p>
-            <a:endParaRPr lang="en-US" altLang="ko-KR" sz="2400" dirty="0">
-              <a:latin typeface="210 앱굴림 R" panose="02020603020101020101" pitchFamily="18" charset="-127"/>
-              <a:ea typeface="210 앱굴림 R" panose="02020603020101020101" pitchFamily="18" charset="-127"/>
-            </a:endParaRPr>
-          </a:p>
-          <a:p>
-            <a:r>
-              <a:rPr lang="en-US" altLang="ko-KR" sz="2400" dirty="0">
-                <a:latin typeface="210 앱굴림 R" panose="02020603020101020101" pitchFamily="18" charset="-127"/>
-                <a:ea typeface="210 앱굴림 R" panose="02020603020101020101" pitchFamily="18" charset="-127"/>
-              </a:rPr>
-              <a:t>Inspector</a:t>
-            </a:r>
-            <a:r>
-              <a:rPr lang="ko-KR" altLang="en-US" sz="2400" dirty="0">
+            <a:r>
+              <a:rPr lang="ko-KR" altLang="en-US" sz="1800" dirty="0">
+                <a:latin typeface="210 앱굴림 R" panose="02020603020101020101" pitchFamily="18" charset="-127"/>
+                <a:ea typeface="210 앱굴림 R" panose="02020603020101020101" pitchFamily="18" charset="-127"/>
+              </a:rPr>
+              <a:t>서로 무관심하다</a:t>
+            </a:r>
+            <a:r>
+              <a:rPr lang="en-US" altLang="ko-KR" sz="1800" dirty="0">
+                <a:latin typeface="210 앱굴림 R" panose="02020603020101020101" pitchFamily="18" charset="-127"/>
+                <a:ea typeface="210 앱굴림 R" panose="02020603020101020101" pitchFamily="18" charset="-127"/>
+              </a:rPr>
+              <a:t>(=</a:t>
+            </a:r>
+            <a:r>
+              <a:rPr lang="ko-KR" altLang="en-US" sz="1800" dirty="0">
+                <a:latin typeface="210 앱굴림 R" panose="02020603020101020101" pitchFamily="18" charset="-127"/>
+                <a:ea typeface="210 앱굴림 R" panose="02020603020101020101" pitchFamily="18" charset="-127"/>
+              </a:rPr>
+              <a:t>서로의 존재를 모른다</a:t>
+            </a:r>
+            <a:r>
+              <a:rPr lang="en-US" altLang="ko-KR" sz="1800" dirty="0">
+                <a:latin typeface="210 앱굴림 R" panose="02020603020101020101" pitchFamily="18" charset="-127"/>
+                <a:ea typeface="210 앱굴림 R" panose="02020603020101020101" pitchFamily="18" charset="-127"/>
+              </a:rPr>
+              <a:t>)</a:t>
+            </a:r>
+          </a:p>
+          <a:p>
+            <a:r>
+              <a:rPr lang="ko-KR" altLang="en-US" sz="1800" dirty="0">
+                <a:latin typeface="210 앱굴림 R" panose="02020603020101020101" pitchFamily="18" charset="-127"/>
+                <a:ea typeface="210 앱굴림 R" panose="02020603020101020101" pitchFamily="18" charset="-127"/>
+              </a:rPr>
+              <a:t>게임 오브젝트를 클릭 후 </a:t>
+            </a:r>
+            <a:r>
+              <a:rPr lang="en-US" altLang="ko-KR" sz="1800" dirty="0">
+                <a:latin typeface="210 앱굴림 R" panose="02020603020101020101" pitchFamily="18" charset="-127"/>
+                <a:ea typeface="210 앱굴림 R" panose="02020603020101020101" pitchFamily="18" charset="-127"/>
+              </a:rPr>
+              <a:t>-&gt; Inspector</a:t>
+            </a:r>
+            <a:r>
+              <a:rPr lang="ko-KR" altLang="en-US" sz="1800" dirty="0">
                 <a:latin typeface="210 앱굴림 R" panose="02020603020101020101" pitchFamily="18" charset="-127"/>
                 <a:ea typeface="210 앱굴림 R" panose="02020603020101020101" pitchFamily="18" charset="-127"/>
               </a:rPr>
@@ -6330,605 +8255,6 @@
     <p:extLst>
       <p:ext uri="{BB962C8B-B14F-4D97-AF65-F5344CB8AC3E}">
         <p14:creationId xmlns:p14="http://schemas.microsoft.com/office/powerpoint/2010/main" val="233727394"/>
-      </p:ext>
-    </p:extLst>
-  </p:cSld>
-  <p:clrMapOvr>
-    <a:masterClrMapping/>
-  </p:clrMapOvr>
-</p:sld>
-</file>
-
-<file path=ppt/slides/slide21.xml><?xml version="1.0" encoding="utf-8"?>
-<p:sld xmlns:a="http://schemas.openxmlformats.org/drawingml/2006/main" xmlns:r="http://schemas.openxmlformats.org/officeDocument/2006/relationships" xmlns:p="http://schemas.openxmlformats.org/presentationml/2006/main">
-  <p:cSld>
-    <p:bg>
-      <p:bgPr>
-        <a:solidFill>
-          <a:schemeClr val="bg1"/>
-        </a:solidFill>
-        <a:effectLst/>
-      </p:bgPr>
-    </p:bg>
-    <p:spTree>
-      <p:nvGrpSpPr>
-        <p:cNvPr id="1" name=""/>
-        <p:cNvGrpSpPr/>
-        <p:nvPr/>
-      </p:nvGrpSpPr>
-      <p:grpSpPr>
-        <a:xfrm>
-          <a:off x="0" y="0"/>
-          <a:ext cx="0" cy="0"/>
-          <a:chOff x="0" y="0"/>
-          <a:chExt cx="0" cy="0"/>
-        </a:xfrm>
-      </p:grpSpPr>
-      <p:sp>
-        <p:nvSpPr>
-          <p:cNvPr id="8" name="Rectangle 7">
-            <a:extLst>
-              <a:ext uri="{FF2B5EF4-FFF2-40B4-BE49-F238E27FC236}">
-                <a16:creationId xmlns:a16="http://schemas.microsoft.com/office/drawing/2014/main" id="{8D70B121-56F4-4848-B38B-182089D909FA}"/>
-              </a:ext>
-              <a:ext uri="{C183D7F6-B498-43B3-948B-1728B52AA6E4}">
-                <adec:decorative xmlns:adec="http://schemas.microsoft.com/office/drawing/2017/decorative" val="1"/>
-              </a:ext>
-            </a:extLst>
-          </p:cNvPr>
-          <p:cNvSpPr>
-            <a:spLocks noGrp="1" noRot="1" noChangeAspect="1" noMove="1" noResize="1" noEditPoints="1" noAdjustHandles="1" noChangeArrowheads="1" noChangeShapeType="1" noTextEdit="1"/>
-          </p:cNvSpPr>
-          <p:nvPr>
-            <p:extLst>
-              <p:ext uri="{386F3935-93C4-4BCD-93E2-E3B085C9AB24}">
-                <p16:designElem xmlns:p16="http://schemas.microsoft.com/office/powerpoint/2015/main" val="1"/>
-              </p:ext>
-            </p:extLst>
-          </p:nvPr>
-        </p:nvSpPr>
-        <p:spPr bwMode="ltGray">
-          <a:xfrm>
-            <a:off x="241173" y="320040"/>
-            <a:ext cx="8661654" cy="6217920"/>
-          </a:xfrm>
-          <a:prstGeom prst="rect">
-            <a:avLst/>
-          </a:prstGeom>
-          <a:solidFill>
-            <a:schemeClr val="tx1">
-              <a:alpha val="8000"/>
-            </a:schemeClr>
-          </a:solidFill>
-          <a:ln w="127000" cap="sq" cmpd="thinThick">
-            <a:noFill/>
-          </a:ln>
-        </p:spPr>
-        <p:style>
-          <a:lnRef idx="2">
-            <a:schemeClr val="accent1">
-              <a:shade val="50000"/>
-            </a:schemeClr>
-          </a:lnRef>
-          <a:fillRef idx="1">
-            <a:schemeClr val="accent1"/>
-          </a:fillRef>
-          <a:effectRef idx="0">
-            <a:schemeClr val="accent1"/>
-          </a:effectRef>
-          <a:fontRef idx="minor">
-            <a:schemeClr val="lt1"/>
-          </a:fontRef>
-        </p:style>
-        <p:txBody>
-          <a:bodyPr rtlCol="0" anchor="ctr"/>
-          <a:lstStyle/>
-          <a:p>
-            <a:pPr algn="ctr"/>
-            <a:endParaRPr lang="en-US"/>
-          </a:p>
-        </p:txBody>
-      </p:sp>
-      <p:sp>
-        <p:nvSpPr>
-          <p:cNvPr id="2" name="제목 1">
-            <a:extLst>
-              <a:ext uri="{FF2B5EF4-FFF2-40B4-BE49-F238E27FC236}">
-                <a16:creationId xmlns:a16="http://schemas.microsoft.com/office/drawing/2014/main" id="{ACBC5BEE-61AD-41AD-81A3-3813B4260DC5}"/>
-              </a:ext>
-            </a:extLst>
-          </p:cNvPr>
-          <p:cNvSpPr>
-            <a:spLocks noGrp="1"/>
-          </p:cNvSpPr>
-          <p:nvPr>
-            <p:ph type="title"/>
-          </p:nvPr>
-        </p:nvSpPr>
-        <p:spPr>
-          <a:xfrm>
-            <a:off x="323534" y="963877"/>
-            <a:ext cx="2925888" cy="4930246"/>
-          </a:xfrm>
-        </p:spPr>
-        <p:txBody>
-          <a:bodyPr>
-            <a:normAutofit/>
-          </a:bodyPr>
-          <a:lstStyle/>
-          <a:p>
-            <a:pPr algn="r"/>
-            <a:r>
-              <a:rPr lang="en-US" altLang="ko-KR" sz="3400" dirty="0">
-                <a:solidFill>
-                  <a:schemeClr val="accent5"/>
-                </a:solidFill>
-                <a:latin typeface="210 앱굴림 B" panose="02020603020101020101" pitchFamily="18" charset="-127"/>
-                <a:ea typeface="210 앱굴림 B" panose="02020603020101020101" pitchFamily="18" charset="-127"/>
-              </a:rPr>
-              <a:t>Component </a:t>
-            </a:r>
-            <a:r>
-              <a:rPr lang="ko-KR" altLang="en-US" sz="3400" dirty="0">
-                <a:solidFill>
-                  <a:schemeClr val="accent5"/>
-                </a:solidFill>
-                <a:latin typeface="210 앱굴림 B" panose="02020603020101020101" pitchFamily="18" charset="-127"/>
-                <a:ea typeface="210 앱굴림 B" panose="02020603020101020101" pitchFamily="18" charset="-127"/>
-              </a:rPr>
-              <a:t>종류</a:t>
-            </a:r>
-            <a:endParaRPr lang="en-US" altLang="ko-KR" sz="3400" dirty="0">
-              <a:solidFill>
-                <a:schemeClr val="accent5"/>
-              </a:solidFill>
-              <a:latin typeface="210 앱굴림 B" panose="02020603020101020101" pitchFamily="18" charset="-127"/>
-              <a:ea typeface="210 앱굴림 B" panose="02020603020101020101" pitchFamily="18" charset="-127"/>
-            </a:endParaRPr>
-          </a:p>
-        </p:txBody>
-      </p:sp>
-      <p:cxnSp>
-        <p:nvCxnSpPr>
-          <p:cNvPr id="23" name="Straight Connector 9">
-            <a:extLst>
-              <a:ext uri="{FF2B5EF4-FFF2-40B4-BE49-F238E27FC236}">
-                <a16:creationId xmlns:a16="http://schemas.microsoft.com/office/drawing/2014/main" id="{2D72A2C9-F3CA-4216-8BAD-FA4C970C3C4E}"/>
-              </a:ext>
-              <a:ext uri="{C183D7F6-B498-43B3-948B-1728B52AA6E4}">
-                <adec:decorative xmlns:adec="http://schemas.microsoft.com/office/drawing/2017/decorative" val="1"/>
-              </a:ext>
-            </a:extLst>
-          </p:cNvPr>
-          <p:cNvCxnSpPr>
-            <a:cxnSpLocks noGrp="1" noRot="1" noChangeAspect="1" noMove="1" noResize="1" noEditPoints="1" noAdjustHandles="1" noChangeArrowheads="1" noChangeShapeType="1"/>
-          </p:cNvCxnSpPr>
-          <p:nvPr>
-            <p:extLst>
-              <p:ext uri="{386F3935-93C4-4BCD-93E2-E3B085C9AB24}">
-                <p16:designElem xmlns:p16="http://schemas.microsoft.com/office/powerpoint/2015/main" val="1"/>
-              </p:ext>
-            </p:extLst>
-          </p:nvPr>
-        </p:nvCxnSpPr>
-        <p:spPr>
-          <a:xfrm>
-            <a:off x="3490722" y="2057400"/>
-            <a:ext cx="0" cy="2743200"/>
-          </a:xfrm>
-          <a:prstGeom prst="line">
-            <a:avLst/>
-          </a:prstGeom>
-          <a:ln w="19050">
-            <a:solidFill>
-              <a:schemeClr val="tx1">
-                <a:lumMod val="85000"/>
-                <a:lumOff val="15000"/>
-              </a:schemeClr>
-            </a:solidFill>
-          </a:ln>
-        </p:spPr>
-        <p:style>
-          <a:lnRef idx="1">
-            <a:schemeClr val="accent1"/>
-          </a:lnRef>
-          <a:fillRef idx="0">
-            <a:schemeClr val="accent1"/>
-          </a:fillRef>
-          <a:effectRef idx="0">
-            <a:schemeClr val="accent1"/>
-          </a:effectRef>
-          <a:fontRef idx="minor">
-            <a:schemeClr val="tx1"/>
-          </a:fontRef>
-        </p:style>
-      </p:cxnSp>
-      <p:sp>
-        <p:nvSpPr>
-          <p:cNvPr id="3" name="내용 개체 틀 2">
-            <a:extLst>
-              <a:ext uri="{FF2B5EF4-FFF2-40B4-BE49-F238E27FC236}">
-                <a16:creationId xmlns:a16="http://schemas.microsoft.com/office/drawing/2014/main" id="{99AA8E89-D3FE-4179-817C-6C298FF24A48}"/>
-              </a:ext>
-            </a:extLst>
-          </p:cNvPr>
-          <p:cNvSpPr>
-            <a:spLocks noGrp="1"/>
-          </p:cNvSpPr>
-          <p:nvPr>
-            <p:ph idx="1"/>
-          </p:nvPr>
-        </p:nvSpPr>
-        <p:spPr>
-          <a:xfrm>
-            <a:off x="3732023" y="963877"/>
-            <a:ext cx="4783327" cy="4930246"/>
-          </a:xfrm>
-        </p:spPr>
-        <p:txBody>
-          <a:bodyPr anchor="ctr">
-            <a:normAutofit/>
-          </a:bodyPr>
-          <a:lstStyle/>
-          <a:p>
-            <a:r>
-              <a:rPr lang="en-US" altLang="ko-KR" sz="2100">
-                <a:latin typeface="210 앱굴림 L" panose="02020603020101020101" pitchFamily="18" charset="-127"/>
-                <a:ea typeface="210 앱굴림 L" panose="02020603020101020101" pitchFamily="18" charset="-127"/>
-              </a:rPr>
-              <a:t>Collider(</a:t>
-            </a:r>
-            <a:r>
-              <a:rPr lang="ko-KR" altLang="en-US" sz="2100">
-                <a:latin typeface="210 앱굴림 L" panose="02020603020101020101" pitchFamily="18" charset="-127"/>
-                <a:ea typeface="210 앱굴림 L" panose="02020603020101020101" pitchFamily="18" charset="-127"/>
-              </a:rPr>
-              <a:t>콜라이더</a:t>
-            </a:r>
-            <a:r>
-              <a:rPr lang="en-US" altLang="ko-KR" sz="2100">
-                <a:latin typeface="210 앱굴림 L" panose="02020603020101020101" pitchFamily="18" charset="-127"/>
-                <a:ea typeface="210 앱굴림 L" panose="02020603020101020101" pitchFamily="18" charset="-127"/>
-              </a:rPr>
-              <a:t>)</a:t>
-            </a:r>
-          </a:p>
-          <a:p>
-            <a:endParaRPr lang="en-US" altLang="ko-KR" sz="2100">
-              <a:latin typeface="210 앱굴림 L" panose="02020603020101020101" pitchFamily="18" charset="-127"/>
-              <a:ea typeface="210 앱굴림 L" panose="02020603020101020101" pitchFamily="18" charset="-127"/>
-            </a:endParaRPr>
-          </a:p>
-          <a:p>
-            <a:r>
-              <a:rPr lang="en-US" altLang="ko-KR" sz="2100">
-                <a:latin typeface="210 앱굴림 L" panose="02020603020101020101" pitchFamily="18" charset="-127"/>
-                <a:ea typeface="210 앱굴림 L" panose="02020603020101020101" pitchFamily="18" charset="-127"/>
-              </a:rPr>
-              <a:t>Camera(</a:t>
-            </a:r>
-            <a:r>
-              <a:rPr lang="ko-KR" altLang="en-US" sz="2100">
-                <a:latin typeface="210 앱굴림 L" panose="02020603020101020101" pitchFamily="18" charset="-127"/>
-                <a:ea typeface="210 앱굴림 L" panose="02020603020101020101" pitchFamily="18" charset="-127"/>
-              </a:rPr>
-              <a:t>카메라</a:t>
-            </a:r>
-            <a:r>
-              <a:rPr lang="en-US" altLang="ko-KR" sz="2100">
-                <a:latin typeface="210 앱굴림 L" panose="02020603020101020101" pitchFamily="18" charset="-127"/>
-                <a:ea typeface="210 앱굴림 L" panose="02020603020101020101" pitchFamily="18" charset="-127"/>
-              </a:rPr>
-              <a:t>)</a:t>
-            </a:r>
-          </a:p>
-          <a:p>
-            <a:endParaRPr lang="en-US" altLang="ko-KR" sz="2100">
-              <a:latin typeface="210 앱굴림 L" panose="02020603020101020101" pitchFamily="18" charset="-127"/>
-              <a:ea typeface="210 앱굴림 L" panose="02020603020101020101" pitchFamily="18" charset="-127"/>
-            </a:endParaRPr>
-          </a:p>
-          <a:p>
-            <a:r>
-              <a:rPr lang="en-US" altLang="ko-KR" sz="2100">
-                <a:latin typeface="210 앱굴림 L" panose="02020603020101020101" pitchFamily="18" charset="-127"/>
-                <a:ea typeface="210 앱굴림 L" panose="02020603020101020101" pitchFamily="18" charset="-127"/>
-              </a:rPr>
-              <a:t>Sound Listener(</a:t>
-            </a:r>
-            <a:r>
-              <a:rPr lang="ko-KR" altLang="en-US" sz="2100">
-                <a:latin typeface="210 앱굴림 L" panose="02020603020101020101" pitchFamily="18" charset="-127"/>
-                <a:ea typeface="210 앱굴림 L" panose="02020603020101020101" pitchFamily="18" charset="-127"/>
-              </a:rPr>
-              <a:t>사운드 리스너</a:t>
-            </a:r>
-            <a:r>
-              <a:rPr lang="en-US" altLang="ko-KR" sz="2100">
-                <a:latin typeface="210 앱굴림 L" panose="02020603020101020101" pitchFamily="18" charset="-127"/>
-                <a:ea typeface="210 앱굴림 L" panose="02020603020101020101" pitchFamily="18" charset="-127"/>
-              </a:rPr>
-              <a:t>)</a:t>
-            </a:r>
-          </a:p>
-          <a:p>
-            <a:endParaRPr lang="en-US" altLang="ko-KR" sz="2100">
-              <a:latin typeface="210 앱굴림 L" panose="02020603020101020101" pitchFamily="18" charset="-127"/>
-              <a:ea typeface="210 앱굴림 L" panose="02020603020101020101" pitchFamily="18" charset="-127"/>
-            </a:endParaRPr>
-          </a:p>
-          <a:p>
-            <a:r>
-              <a:rPr lang="en-US" altLang="ko-KR" sz="2100">
-                <a:latin typeface="210 앱굴림 L" panose="02020603020101020101" pitchFamily="18" charset="-127"/>
-                <a:ea typeface="210 앱굴림 L" panose="02020603020101020101" pitchFamily="18" charset="-127"/>
-              </a:rPr>
-              <a:t>Transform(</a:t>
-            </a:r>
-            <a:r>
-              <a:rPr lang="ko-KR" altLang="en-US" sz="2100">
-                <a:latin typeface="210 앱굴림 L" panose="02020603020101020101" pitchFamily="18" charset="-127"/>
-                <a:ea typeface="210 앱굴림 L" panose="02020603020101020101" pitchFamily="18" charset="-127"/>
-              </a:rPr>
-              <a:t>트랜스폼</a:t>
-            </a:r>
-            <a:r>
-              <a:rPr lang="en-US" altLang="ko-KR" sz="2100">
-                <a:latin typeface="210 앱굴림 L" panose="02020603020101020101" pitchFamily="18" charset="-127"/>
-                <a:ea typeface="210 앱굴림 L" panose="02020603020101020101" pitchFamily="18" charset="-127"/>
-              </a:rPr>
-              <a:t>)</a:t>
-            </a:r>
-          </a:p>
-          <a:p>
-            <a:endParaRPr lang="en-US" altLang="ko-KR" sz="2100">
-              <a:latin typeface="210 앱굴림 L" panose="02020603020101020101" pitchFamily="18" charset="-127"/>
-              <a:ea typeface="210 앱굴림 L" panose="02020603020101020101" pitchFamily="18" charset="-127"/>
-            </a:endParaRPr>
-          </a:p>
-          <a:p>
-            <a:r>
-              <a:rPr lang="en-US" altLang="ko-KR" sz="2100">
-                <a:latin typeface="210 앱굴림 L" panose="02020603020101020101" pitchFamily="18" charset="-127"/>
-                <a:ea typeface="210 앱굴림 L" panose="02020603020101020101" pitchFamily="18" charset="-127"/>
-              </a:rPr>
-              <a:t>RigidBody(</a:t>
-            </a:r>
-            <a:r>
-              <a:rPr lang="ko-KR" altLang="en-US" sz="2100">
-                <a:latin typeface="210 앱굴림 L" panose="02020603020101020101" pitchFamily="18" charset="-127"/>
-                <a:ea typeface="210 앱굴림 L" panose="02020603020101020101" pitchFamily="18" charset="-127"/>
-              </a:rPr>
-              <a:t>리지드바디</a:t>
-            </a:r>
-            <a:r>
-              <a:rPr lang="en-US" altLang="ko-KR" sz="2100">
-                <a:latin typeface="210 앱굴림 L" panose="02020603020101020101" pitchFamily="18" charset="-127"/>
-                <a:ea typeface="210 앱굴림 L" panose="02020603020101020101" pitchFamily="18" charset="-127"/>
-              </a:rPr>
-              <a:t>)</a:t>
-            </a:r>
-          </a:p>
-          <a:p>
-            <a:endParaRPr lang="en-US" altLang="ko-KR" sz="2100">
-              <a:latin typeface="210 앱굴림 L" panose="02020603020101020101" pitchFamily="18" charset="-127"/>
-              <a:ea typeface="210 앱굴림 L" panose="02020603020101020101" pitchFamily="18" charset="-127"/>
-            </a:endParaRPr>
-          </a:p>
-        </p:txBody>
-      </p:sp>
-    </p:spTree>
-    <p:extLst>
-      <p:ext uri="{BB962C8B-B14F-4D97-AF65-F5344CB8AC3E}">
-        <p14:creationId xmlns:p14="http://schemas.microsoft.com/office/powerpoint/2010/main" val="3488077379"/>
-      </p:ext>
-    </p:extLst>
-  </p:cSld>
-  <p:clrMapOvr>
-    <a:masterClrMapping/>
-  </p:clrMapOvr>
-</p:sld>
-</file>
-
-<file path=ppt/slides/slide22.xml><?xml version="1.0" encoding="utf-8"?>
-<p:sld xmlns:a="http://schemas.openxmlformats.org/drawingml/2006/main" xmlns:r="http://schemas.openxmlformats.org/officeDocument/2006/relationships" xmlns:p="http://schemas.openxmlformats.org/presentationml/2006/main">
-  <p:cSld>
-    <p:spTree>
-      <p:nvGrpSpPr>
-        <p:cNvPr id="1" name=""/>
-        <p:cNvGrpSpPr/>
-        <p:nvPr/>
-      </p:nvGrpSpPr>
-      <p:grpSpPr>
-        <a:xfrm>
-          <a:off x="0" y="0"/>
-          <a:ext cx="0" cy="0"/>
-          <a:chOff x="0" y="0"/>
-          <a:chExt cx="0" cy="0"/>
-        </a:xfrm>
-      </p:grpSpPr>
-      <p:sp>
-        <p:nvSpPr>
-          <p:cNvPr id="2" name="제목 1">
-            <a:extLst>
-              <a:ext uri="{FF2B5EF4-FFF2-40B4-BE49-F238E27FC236}">
-                <a16:creationId xmlns:a16="http://schemas.microsoft.com/office/drawing/2014/main" id="{0ACBF03C-5D33-4F57-9940-E105350E8074}"/>
-              </a:ext>
-            </a:extLst>
-          </p:cNvPr>
-          <p:cNvSpPr>
-            <a:spLocks noGrp="1"/>
-          </p:cNvSpPr>
-          <p:nvPr>
-            <p:ph type="title"/>
-          </p:nvPr>
-        </p:nvSpPr>
-        <p:spPr/>
-        <p:txBody>
-          <a:bodyPr/>
-          <a:lstStyle/>
-          <a:p>
-            <a:r>
-              <a:rPr lang="en-US" altLang="ko-KR" dirty="0" err="1"/>
-              <a:t>GameObject</a:t>
-            </a:r>
-            <a:endParaRPr lang="ko-KR" altLang="en-US" dirty="0"/>
-          </a:p>
-        </p:txBody>
-      </p:sp>
-      <p:sp>
-        <p:nvSpPr>
-          <p:cNvPr id="3" name="내용 개체 틀 2">
-            <a:extLst>
-              <a:ext uri="{FF2B5EF4-FFF2-40B4-BE49-F238E27FC236}">
-                <a16:creationId xmlns:a16="http://schemas.microsoft.com/office/drawing/2014/main" id="{5C9EA5CF-5588-4F89-97F3-3B0FB725EAED}"/>
-              </a:ext>
-            </a:extLst>
-          </p:cNvPr>
-          <p:cNvSpPr>
-            <a:spLocks noGrp="1"/>
-          </p:cNvSpPr>
-          <p:nvPr>
-            <p:ph idx="1"/>
-          </p:nvPr>
-        </p:nvSpPr>
-        <p:spPr/>
-        <p:txBody>
-          <a:bodyPr/>
-          <a:lstStyle/>
-          <a:p>
-            <a:r>
-              <a:rPr lang="en-US" altLang="ko-KR" dirty="0"/>
-              <a:t>Hierarchy </a:t>
-            </a:r>
-            <a:r>
-              <a:rPr lang="ko-KR" altLang="en-US" dirty="0"/>
-              <a:t>창에서 게임 오브젝트들을 확인 가능</a:t>
-            </a:r>
-            <a:endParaRPr lang="en-US" altLang="ko-KR" dirty="0"/>
-          </a:p>
-          <a:p>
-            <a:r>
-              <a:rPr lang="ko-KR" altLang="en-US" dirty="0"/>
-              <a:t>여러 개의 컴포넌트를 가짐</a:t>
-            </a:r>
-          </a:p>
-        </p:txBody>
-      </p:sp>
-      <p:pic>
-        <p:nvPicPr>
-          <p:cNvPr id="4" name="그림 3">
-            <a:extLst>
-              <a:ext uri="{FF2B5EF4-FFF2-40B4-BE49-F238E27FC236}">
-                <a16:creationId xmlns:a16="http://schemas.microsoft.com/office/drawing/2014/main" id="{0BF9395F-08B6-48A3-973C-1F349797E863}"/>
-              </a:ext>
-            </a:extLst>
-          </p:cNvPr>
-          <p:cNvPicPr>
-            <a:picLocks noChangeAspect="1"/>
-          </p:cNvPicPr>
-          <p:nvPr/>
-        </p:nvPicPr>
-        <p:blipFill>
-          <a:blip r:embed="rId2"/>
-          <a:stretch>
-            <a:fillRect/>
-          </a:stretch>
-        </p:blipFill>
-        <p:spPr>
-          <a:xfrm>
-            <a:off x="1763688" y="1484784"/>
-            <a:ext cx="3781425" cy="4972050"/>
-          </a:xfrm>
-          <a:prstGeom prst="rect">
-            <a:avLst/>
-          </a:prstGeom>
-        </p:spPr>
-      </p:pic>
-    </p:spTree>
-    <p:extLst>
-      <p:ext uri="{BB962C8B-B14F-4D97-AF65-F5344CB8AC3E}">
-        <p14:creationId xmlns:p14="http://schemas.microsoft.com/office/powerpoint/2010/main" val="2101425217"/>
-      </p:ext>
-    </p:extLst>
-  </p:cSld>
-  <p:clrMapOvr>
-    <a:masterClrMapping/>
-  </p:clrMapOvr>
-</p:sld>
-</file>
-
-<file path=ppt/slides/slide23.xml><?xml version="1.0" encoding="utf-8"?>
-<p:sld xmlns:a="http://schemas.openxmlformats.org/drawingml/2006/main" xmlns:r="http://schemas.openxmlformats.org/officeDocument/2006/relationships" xmlns:p="http://schemas.openxmlformats.org/presentationml/2006/main">
-  <p:cSld>
-    <p:spTree>
-      <p:nvGrpSpPr>
-        <p:cNvPr id="1" name=""/>
-        <p:cNvGrpSpPr/>
-        <p:nvPr/>
-      </p:nvGrpSpPr>
-      <p:grpSpPr>
-        <a:xfrm>
-          <a:off x="0" y="0"/>
-          <a:ext cx="0" cy="0"/>
-          <a:chOff x="0" y="0"/>
-          <a:chExt cx="0" cy="0"/>
-        </a:xfrm>
-      </p:grpSpPr>
-      <p:sp>
-        <p:nvSpPr>
-          <p:cNvPr id="2" name="제목 1">
-            <a:extLst>
-              <a:ext uri="{FF2B5EF4-FFF2-40B4-BE49-F238E27FC236}">
-                <a16:creationId xmlns:a16="http://schemas.microsoft.com/office/drawing/2014/main" id="{0ACBF03C-5D33-4F57-9940-E105350E8074}"/>
-              </a:ext>
-            </a:extLst>
-          </p:cNvPr>
-          <p:cNvSpPr>
-            <a:spLocks noGrp="1"/>
-          </p:cNvSpPr>
-          <p:nvPr>
-            <p:ph type="title"/>
-          </p:nvPr>
-        </p:nvSpPr>
-        <p:spPr/>
-        <p:txBody>
-          <a:bodyPr/>
-          <a:lstStyle/>
-          <a:p>
-            <a:endParaRPr lang="ko-KR" altLang="en-US"/>
-          </a:p>
-        </p:txBody>
-      </p:sp>
-      <p:sp>
-        <p:nvSpPr>
-          <p:cNvPr id="3" name="내용 개체 틀 2">
-            <a:extLst>
-              <a:ext uri="{FF2B5EF4-FFF2-40B4-BE49-F238E27FC236}">
-                <a16:creationId xmlns:a16="http://schemas.microsoft.com/office/drawing/2014/main" id="{5C9EA5CF-5588-4F89-97F3-3B0FB725EAED}"/>
-              </a:ext>
-            </a:extLst>
-          </p:cNvPr>
-          <p:cNvSpPr>
-            <a:spLocks noGrp="1"/>
-          </p:cNvSpPr>
-          <p:nvPr>
-            <p:ph idx="1"/>
-          </p:nvPr>
-        </p:nvSpPr>
-        <p:spPr/>
-        <p:txBody>
-          <a:bodyPr/>
-          <a:lstStyle/>
-          <a:p>
-            <a:endParaRPr lang="ko-KR" altLang="en-US"/>
-          </a:p>
-        </p:txBody>
-      </p:sp>
-    </p:spTree>
-    <p:extLst>
-      <p:ext uri="{BB962C8B-B14F-4D97-AF65-F5344CB8AC3E}">
-        <p14:creationId xmlns:p14="http://schemas.microsoft.com/office/powerpoint/2010/main" val="2122605951"/>
       </p:ext>
     </p:extLst>
   </p:cSld>
@@ -6998,6 +8324,1991 @@
 </p:sld>
 </file>
 
+<file path=ppt/slides/slide30.xml><?xml version="1.0" encoding="utf-8"?>
+<p:sld xmlns:a="http://schemas.openxmlformats.org/drawingml/2006/main" xmlns:r="http://schemas.openxmlformats.org/officeDocument/2006/relationships" xmlns:p="http://schemas.openxmlformats.org/presentationml/2006/main">
+  <p:cSld>
+    <p:bg>
+      <p:bgPr>
+        <a:solidFill>
+          <a:schemeClr val="bg1"/>
+        </a:solidFill>
+        <a:effectLst/>
+      </p:bgPr>
+    </p:bg>
+    <p:spTree>
+      <p:nvGrpSpPr>
+        <p:cNvPr id="1" name=""/>
+        <p:cNvGrpSpPr/>
+        <p:nvPr/>
+      </p:nvGrpSpPr>
+      <p:grpSpPr>
+        <a:xfrm>
+          <a:off x="0" y="0"/>
+          <a:ext cx="0" cy="0"/>
+          <a:chOff x="0" y="0"/>
+          <a:chExt cx="0" cy="0"/>
+        </a:xfrm>
+      </p:grpSpPr>
+      <p:sp>
+        <p:nvSpPr>
+          <p:cNvPr id="8" name="Rectangle 7">
+            <a:extLst>
+              <a:ext uri="{FF2B5EF4-FFF2-40B4-BE49-F238E27FC236}">
+                <a16:creationId xmlns:a16="http://schemas.microsoft.com/office/drawing/2014/main" id="{8D70B121-56F4-4848-B38B-182089D909FA}"/>
+              </a:ext>
+              <a:ext uri="{C183D7F6-B498-43B3-948B-1728B52AA6E4}">
+                <adec:decorative xmlns:adec="http://schemas.microsoft.com/office/drawing/2017/decorative" val="1"/>
+              </a:ext>
+            </a:extLst>
+          </p:cNvPr>
+          <p:cNvSpPr>
+            <a:spLocks noGrp="1" noRot="1" noChangeAspect="1" noMove="1" noResize="1" noEditPoints="1" noAdjustHandles="1" noChangeArrowheads="1" noChangeShapeType="1" noTextEdit="1"/>
+          </p:cNvSpPr>
+          <p:nvPr>
+            <p:extLst>
+              <p:ext uri="{386F3935-93C4-4BCD-93E2-E3B085C9AB24}">
+                <p16:designElem xmlns:p16="http://schemas.microsoft.com/office/powerpoint/2015/main" val="1"/>
+              </p:ext>
+            </p:extLst>
+          </p:nvPr>
+        </p:nvSpPr>
+        <p:spPr bwMode="ltGray">
+          <a:xfrm>
+            <a:off x="241173" y="320040"/>
+            <a:ext cx="8661654" cy="6217920"/>
+          </a:xfrm>
+          <a:prstGeom prst="rect">
+            <a:avLst/>
+          </a:prstGeom>
+          <a:solidFill>
+            <a:schemeClr val="tx1">
+              <a:alpha val="8000"/>
+            </a:schemeClr>
+          </a:solidFill>
+          <a:ln w="127000" cap="sq" cmpd="thinThick">
+            <a:noFill/>
+          </a:ln>
+        </p:spPr>
+        <p:style>
+          <a:lnRef idx="2">
+            <a:schemeClr val="accent1">
+              <a:shade val="50000"/>
+            </a:schemeClr>
+          </a:lnRef>
+          <a:fillRef idx="1">
+            <a:schemeClr val="accent1"/>
+          </a:fillRef>
+          <a:effectRef idx="0">
+            <a:schemeClr val="accent1"/>
+          </a:effectRef>
+          <a:fontRef idx="minor">
+            <a:schemeClr val="lt1"/>
+          </a:fontRef>
+        </p:style>
+        <p:txBody>
+          <a:bodyPr rtlCol="0" anchor="ctr"/>
+          <a:lstStyle/>
+          <a:p>
+            <a:pPr algn="ctr"/>
+            <a:endParaRPr lang="en-US"/>
+          </a:p>
+        </p:txBody>
+      </p:sp>
+      <p:sp>
+        <p:nvSpPr>
+          <p:cNvPr id="2" name="제목 1">
+            <a:extLst>
+              <a:ext uri="{FF2B5EF4-FFF2-40B4-BE49-F238E27FC236}">
+                <a16:creationId xmlns:a16="http://schemas.microsoft.com/office/drawing/2014/main" id="{ACBC5BEE-61AD-41AD-81A3-3813B4260DC5}"/>
+              </a:ext>
+            </a:extLst>
+          </p:cNvPr>
+          <p:cNvSpPr>
+            <a:spLocks noGrp="1"/>
+          </p:cNvSpPr>
+          <p:nvPr>
+            <p:ph type="title"/>
+          </p:nvPr>
+        </p:nvSpPr>
+        <p:spPr>
+          <a:xfrm>
+            <a:off x="323534" y="963877"/>
+            <a:ext cx="2925888" cy="4930246"/>
+          </a:xfrm>
+        </p:spPr>
+        <p:txBody>
+          <a:bodyPr>
+            <a:normAutofit/>
+          </a:bodyPr>
+          <a:lstStyle/>
+          <a:p>
+            <a:pPr algn="r"/>
+            <a:r>
+              <a:rPr lang="en-US" altLang="ko-KR" sz="3400" dirty="0">
+                <a:solidFill>
+                  <a:schemeClr val="accent5"/>
+                </a:solidFill>
+                <a:latin typeface="210 앱굴림 B" panose="02020603020101020101" pitchFamily="18" charset="-127"/>
+                <a:ea typeface="210 앱굴림 B" panose="02020603020101020101" pitchFamily="18" charset="-127"/>
+              </a:rPr>
+              <a:t>Component </a:t>
+            </a:r>
+            <a:r>
+              <a:rPr lang="ko-KR" altLang="en-US" sz="3400" dirty="0">
+                <a:solidFill>
+                  <a:schemeClr val="accent5"/>
+                </a:solidFill>
+                <a:latin typeface="210 앱굴림 B" panose="02020603020101020101" pitchFamily="18" charset="-127"/>
+                <a:ea typeface="210 앱굴림 B" panose="02020603020101020101" pitchFamily="18" charset="-127"/>
+              </a:rPr>
+              <a:t>종류</a:t>
+            </a:r>
+            <a:endParaRPr lang="en-US" altLang="ko-KR" sz="3400" dirty="0">
+              <a:solidFill>
+                <a:schemeClr val="accent5"/>
+              </a:solidFill>
+              <a:latin typeface="210 앱굴림 B" panose="02020603020101020101" pitchFamily="18" charset="-127"/>
+              <a:ea typeface="210 앱굴림 B" panose="02020603020101020101" pitchFamily="18" charset="-127"/>
+            </a:endParaRPr>
+          </a:p>
+        </p:txBody>
+      </p:sp>
+      <p:cxnSp>
+        <p:nvCxnSpPr>
+          <p:cNvPr id="23" name="Straight Connector 9">
+            <a:extLst>
+              <a:ext uri="{FF2B5EF4-FFF2-40B4-BE49-F238E27FC236}">
+                <a16:creationId xmlns:a16="http://schemas.microsoft.com/office/drawing/2014/main" id="{2D72A2C9-F3CA-4216-8BAD-FA4C970C3C4E}"/>
+              </a:ext>
+              <a:ext uri="{C183D7F6-B498-43B3-948B-1728B52AA6E4}">
+                <adec:decorative xmlns:adec="http://schemas.microsoft.com/office/drawing/2017/decorative" val="1"/>
+              </a:ext>
+            </a:extLst>
+          </p:cNvPr>
+          <p:cNvCxnSpPr>
+            <a:cxnSpLocks noGrp="1" noRot="1" noChangeAspect="1" noMove="1" noResize="1" noEditPoints="1" noAdjustHandles="1" noChangeArrowheads="1" noChangeShapeType="1"/>
+          </p:cNvCxnSpPr>
+          <p:nvPr>
+            <p:extLst>
+              <p:ext uri="{386F3935-93C4-4BCD-93E2-E3B085C9AB24}">
+                <p16:designElem xmlns:p16="http://schemas.microsoft.com/office/powerpoint/2015/main" val="1"/>
+              </p:ext>
+            </p:extLst>
+          </p:nvPr>
+        </p:nvCxnSpPr>
+        <p:spPr>
+          <a:xfrm>
+            <a:off x="3490722" y="2057400"/>
+            <a:ext cx="0" cy="2743200"/>
+          </a:xfrm>
+          <a:prstGeom prst="line">
+            <a:avLst/>
+          </a:prstGeom>
+          <a:ln w="19050">
+            <a:solidFill>
+              <a:schemeClr val="tx1">
+                <a:lumMod val="85000"/>
+                <a:lumOff val="15000"/>
+              </a:schemeClr>
+            </a:solidFill>
+          </a:ln>
+        </p:spPr>
+        <p:style>
+          <a:lnRef idx="1">
+            <a:schemeClr val="accent1"/>
+          </a:lnRef>
+          <a:fillRef idx="0">
+            <a:schemeClr val="accent1"/>
+          </a:fillRef>
+          <a:effectRef idx="0">
+            <a:schemeClr val="accent1"/>
+          </a:effectRef>
+          <a:fontRef idx="minor">
+            <a:schemeClr val="tx1"/>
+          </a:fontRef>
+        </p:style>
+      </p:cxnSp>
+      <p:sp>
+        <p:nvSpPr>
+          <p:cNvPr id="3" name="내용 개체 틀 2">
+            <a:extLst>
+              <a:ext uri="{FF2B5EF4-FFF2-40B4-BE49-F238E27FC236}">
+                <a16:creationId xmlns:a16="http://schemas.microsoft.com/office/drawing/2014/main" id="{99AA8E89-D3FE-4179-817C-6C298FF24A48}"/>
+              </a:ext>
+            </a:extLst>
+          </p:cNvPr>
+          <p:cNvSpPr>
+            <a:spLocks noGrp="1"/>
+          </p:cNvSpPr>
+          <p:nvPr>
+            <p:ph idx="1"/>
+          </p:nvPr>
+        </p:nvSpPr>
+        <p:spPr>
+          <a:xfrm>
+            <a:off x="3732023" y="963877"/>
+            <a:ext cx="4783327" cy="4930246"/>
+          </a:xfrm>
+        </p:spPr>
+        <p:txBody>
+          <a:bodyPr anchor="ctr">
+            <a:normAutofit/>
+          </a:bodyPr>
+          <a:lstStyle/>
+          <a:p>
+            <a:pPr>
+              <a:lnSpc>
+                <a:spcPct val="150000"/>
+              </a:lnSpc>
+            </a:pPr>
+            <a:r>
+              <a:rPr lang="en-US" altLang="ko-KR" sz="2100" dirty="0">
+                <a:latin typeface="210 앱굴림 L" panose="02020603020101020101" pitchFamily="18" charset="-127"/>
+                <a:ea typeface="210 앱굴림 L" panose="02020603020101020101" pitchFamily="18" charset="-127"/>
+              </a:rPr>
+              <a:t>Collider(</a:t>
+            </a:r>
+            <a:r>
+              <a:rPr lang="ko-KR" altLang="en-US" sz="2100" dirty="0" err="1">
+                <a:latin typeface="210 앱굴림 L" panose="02020603020101020101" pitchFamily="18" charset="-127"/>
+                <a:ea typeface="210 앱굴림 L" panose="02020603020101020101" pitchFamily="18" charset="-127"/>
+              </a:rPr>
+              <a:t>콜라이더</a:t>
+            </a:r>
+            <a:r>
+              <a:rPr lang="en-US" altLang="ko-KR" sz="2100" dirty="0">
+                <a:latin typeface="210 앱굴림 L" panose="02020603020101020101" pitchFamily="18" charset="-127"/>
+                <a:ea typeface="210 앱굴림 L" panose="02020603020101020101" pitchFamily="18" charset="-127"/>
+              </a:rPr>
+              <a:t>)</a:t>
+            </a:r>
+          </a:p>
+          <a:p>
+            <a:pPr>
+              <a:lnSpc>
+                <a:spcPct val="150000"/>
+              </a:lnSpc>
+            </a:pPr>
+            <a:r>
+              <a:rPr lang="en-US" altLang="ko-KR" sz="2100" dirty="0">
+                <a:latin typeface="210 앱굴림 L" panose="02020603020101020101" pitchFamily="18" charset="-127"/>
+                <a:ea typeface="210 앱굴림 L" panose="02020603020101020101" pitchFamily="18" charset="-127"/>
+              </a:rPr>
+              <a:t>Camera(</a:t>
+            </a:r>
+            <a:r>
+              <a:rPr lang="ko-KR" altLang="en-US" sz="2100" dirty="0">
+                <a:latin typeface="210 앱굴림 L" panose="02020603020101020101" pitchFamily="18" charset="-127"/>
+                <a:ea typeface="210 앱굴림 L" panose="02020603020101020101" pitchFamily="18" charset="-127"/>
+              </a:rPr>
+              <a:t>카메라</a:t>
+            </a:r>
+            <a:r>
+              <a:rPr lang="en-US" altLang="ko-KR" sz="2100" dirty="0">
+                <a:latin typeface="210 앱굴림 L" panose="02020603020101020101" pitchFamily="18" charset="-127"/>
+                <a:ea typeface="210 앱굴림 L" panose="02020603020101020101" pitchFamily="18" charset="-127"/>
+              </a:rPr>
+              <a:t>)</a:t>
+            </a:r>
+          </a:p>
+          <a:p>
+            <a:pPr>
+              <a:lnSpc>
+                <a:spcPct val="150000"/>
+              </a:lnSpc>
+            </a:pPr>
+            <a:r>
+              <a:rPr lang="en-US" altLang="ko-KR" sz="2100" dirty="0">
+                <a:latin typeface="210 앱굴림 L" panose="02020603020101020101" pitchFamily="18" charset="-127"/>
+                <a:ea typeface="210 앱굴림 L" panose="02020603020101020101" pitchFamily="18" charset="-127"/>
+              </a:rPr>
+              <a:t>Sound Listener(</a:t>
+            </a:r>
+            <a:r>
+              <a:rPr lang="ko-KR" altLang="en-US" sz="2100" dirty="0">
+                <a:latin typeface="210 앱굴림 L" panose="02020603020101020101" pitchFamily="18" charset="-127"/>
+                <a:ea typeface="210 앱굴림 L" panose="02020603020101020101" pitchFamily="18" charset="-127"/>
+              </a:rPr>
+              <a:t>사운드 </a:t>
+            </a:r>
+            <a:r>
+              <a:rPr lang="ko-KR" altLang="en-US" sz="2100" dirty="0" err="1">
+                <a:latin typeface="210 앱굴림 L" panose="02020603020101020101" pitchFamily="18" charset="-127"/>
+                <a:ea typeface="210 앱굴림 L" panose="02020603020101020101" pitchFamily="18" charset="-127"/>
+              </a:rPr>
+              <a:t>리스너</a:t>
+            </a:r>
+            <a:r>
+              <a:rPr lang="en-US" altLang="ko-KR" sz="2100" dirty="0">
+                <a:latin typeface="210 앱굴림 L" panose="02020603020101020101" pitchFamily="18" charset="-127"/>
+                <a:ea typeface="210 앱굴림 L" panose="02020603020101020101" pitchFamily="18" charset="-127"/>
+              </a:rPr>
+              <a:t>)</a:t>
+            </a:r>
+          </a:p>
+          <a:p>
+            <a:pPr>
+              <a:lnSpc>
+                <a:spcPct val="150000"/>
+              </a:lnSpc>
+            </a:pPr>
+            <a:r>
+              <a:rPr lang="en-US" altLang="ko-KR" sz="2100" dirty="0">
+                <a:latin typeface="210 앱굴림 L" panose="02020603020101020101" pitchFamily="18" charset="-127"/>
+                <a:ea typeface="210 앱굴림 L" panose="02020603020101020101" pitchFamily="18" charset="-127"/>
+              </a:rPr>
+              <a:t>Transform(</a:t>
+            </a:r>
+            <a:r>
+              <a:rPr lang="ko-KR" altLang="en-US" sz="2100" dirty="0">
+                <a:latin typeface="210 앱굴림 L" panose="02020603020101020101" pitchFamily="18" charset="-127"/>
+                <a:ea typeface="210 앱굴림 L" panose="02020603020101020101" pitchFamily="18" charset="-127"/>
+              </a:rPr>
+              <a:t>트랜스폼</a:t>
+            </a:r>
+            <a:r>
+              <a:rPr lang="en-US" altLang="ko-KR" sz="2100" dirty="0">
+                <a:latin typeface="210 앱굴림 L" panose="02020603020101020101" pitchFamily="18" charset="-127"/>
+                <a:ea typeface="210 앱굴림 L" panose="02020603020101020101" pitchFamily="18" charset="-127"/>
+              </a:rPr>
+              <a:t>)</a:t>
+            </a:r>
+          </a:p>
+          <a:p>
+            <a:pPr>
+              <a:lnSpc>
+                <a:spcPct val="150000"/>
+              </a:lnSpc>
+            </a:pPr>
+            <a:r>
+              <a:rPr lang="en-US" altLang="ko-KR" sz="2100" dirty="0" err="1">
+                <a:latin typeface="210 앱굴림 L" panose="02020603020101020101" pitchFamily="18" charset="-127"/>
+                <a:ea typeface="210 앱굴림 L" panose="02020603020101020101" pitchFamily="18" charset="-127"/>
+              </a:rPr>
+              <a:t>RigidBody</a:t>
+            </a:r>
+            <a:r>
+              <a:rPr lang="en-US" altLang="ko-KR" sz="2100" dirty="0">
+                <a:latin typeface="210 앱굴림 L" panose="02020603020101020101" pitchFamily="18" charset="-127"/>
+                <a:ea typeface="210 앱굴림 L" panose="02020603020101020101" pitchFamily="18" charset="-127"/>
+              </a:rPr>
+              <a:t>(</a:t>
+            </a:r>
+            <a:r>
+              <a:rPr lang="ko-KR" altLang="en-US" sz="2100" dirty="0" err="1">
+                <a:latin typeface="210 앱굴림 L" panose="02020603020101020101" pitchFamily="18" charset="-127"/>
+                <a:ea typeface="210 앱굴림 L" panose="02020603020101020101" pitchFamily="18" charset="-127"/>
+              </a:rPr>
+              <a:t>리지드바디</a:t>
+            </a:r>
+            <a:r>
+              <a:rPr lang="en-US" altLang="ko-KR" sz="2100" dirty="0">
+                <a:latin typeface="210 앱굴림 L" panose="02020603020101020101" pitchFamily="18" charset="-127"/>
+                <a:ea typeface="210 앱굴림 L" panose="02020603020101020101" pitchFamily="18" charset="-127"/>
+              </a:rPr>
+              <a:t>)</a:t>
+            </a:r>
+          </a:p>
+          <a:p>
+            <a:pPr>
+              <a:lnSpc>
+                <a:spcPct val="150000"/>
+              </a:lnSpc>
+            </a:pPr>
+            <a:r>
+              <a:rPr lang="en-US" altLang="ko-KR" sz="2100" dirty="0">
+                <a:latin typeface="210 앱굴림 L" panose="02020603020101020101" pitchFamily="18" charset="-127"/>
+                <a:ea typeface="210 앱굴림 L" panose="02020603020101020101" pitchFamily="18" charset="-127"/>
+              </a:rPr>
+              <a:t>Script(</a:t>
+            </a:r>
+            <a:r>
+              <a:rPr lang="ko-KR" altLang="en-US" sz="2100" dirty="0">
+                <a:latin typeface="210 앱굴림 L" panose="02020603020101020101" pitchFamily="18" charset="-127"/>
+                <a:ea typeface="210 앱굴림 L" panose="02020603020101020101" pitchFamily="18" charset="-127"/>
+              </a:rPr>
+              <a:t>스크립트</a:t>
+            </a:r>
+            <a:r>
+              <a:rPr lang="en-US" altLang="ko-KR" sz="2100" dirty="0">
+                <a:latin typeface="210 앱굴림 L" panose="02020603020101020101" pitchFamily="18" charset="-127"/>
+                <a:ea typeface="210 앱굴림 L" panose="02020603020101020101" pitchFamily="18" charset="-127"/>
+              </a:rPr>
+              <a:t>)</a:t>
+            </a:r>
+          </a:p>
+        </p:txBody>
+      </p:sp>
+    </p:spTree>
+    <p:extLst>
+      <p:ext uri="{BB962C8B-B14F-4D97-AF65-F5344CB8AC3E}">
+        <p14:creationId xmlns:p14="http://schemas.microsoft.com/office/powerpoint/2010/main" val="3488077379"/>
+      </p:ext>
+    </p:extLst>
+  </p:cSld>
+  <p:clrMapOvr>
+    <a:masterClrMapping/>
+  </p:clrMapOvr>
+</p:sld>
+</file>
+
+<file path=ppt/slides/slide31.xml><?xml version="1.0" encoding="utf-8"?>
+<p:sld xmlns:a="http://schemas.openxmlformats.org/drawingml/2006/main" xmlns:r="http://schemas.openxmlformats.org/officeDocument/2006/relationships" xmlns:p="http://schemas.openxmlformats.org/presentationml/2006/main">
+  <p:cSld>
+    <p:spTree>
+      <p:nvGrpSpPr>
+        <p:cNvPr id="1" name=""/>
+        <p:cNvGrpSpPr/>
+        <p:nvPr/>
+      </p:nvGrpSpPr>
+      <p:grpSpPr>
+        <a:xfrm>
+          <a:off x="0" y="0"/>
+          <a:ext cx="0" cy="0"/>
+          <a:chOff x="0" y="0"/>
+          <a:chExt cx="0" cy="0"/>
+        </a:xfrm>
+      </p:grpSpPr>
+      <p:sp>
+        <p:nvSpPr>
+          <p:cNvPr id="4" name="제목 3">
+            <a:extLst>
+              <a:ext uri="{FF2B5EF4-FFF2-40B4-BE49-F238E27FC236}">
+                <a16:creationId xmlns:a16="http://schemas.microsoft.com/office/drawing/2014/main" id="{FA9F752A-317C-450A-80D0-139B2376A236}"/>
+              </a:ext>
+            </a:extLst>
+          </p:cNvPr>
+          <p:cNvSpPr>
+            <a:spLocks noGrp="1"/>
+          </p:cNvSpPr>
+          <p:nvPr>
+            <p:ph type="ctrTitle"/>
+          </p:nvPr>
+        </p:nvSpPr>
+        <p:spPr>
+          <a:xfrm>
+            <a:off x="685800" y="2693987"/>
+            <a:ext cx="7772400" cy="1470025"/>
+          </a:xfrm>
+        </p:spPr>
+        <p:txBody>
+          <a:bodyPr>
+            <a:normAutofit fontScale="90000"/>
+          </a:bodyPr>
+          <a:lstStyle/>
+          <a:p>
+            <a:r>
+              <a:rPr lang="ko-KR" altLang="en-US" sz="6000" b="1" dirty="0">
+                <a:solidFill>
+                  <a:schemeClr val="accent6">
+                    <a:lumMod val="60000"/>
+                    <a:lumOff val="40000"/>
+                  </a:schemeClr>
+                </a:solidFill>
+                <a:latin typeface="210 앱굴림 R" panose="02020603020101020101" pitchFamily="18" charset="-127"/>
+                <a:ea typeface="210 앱굴림 R" panose="02020603020101020101" pitchFamily="18" charset="-127"/>
+              </a:rPr>
+              <a:t>스크립트</a:t>
+            </a:r>
+            <a:br>
+              <a:rPr lang="en-US" altLang="ko-KR" sz="6000" b="1" dirty="0">
+                <a:solidFill>
+                  <a:schemeClr val="accent6">
+                    <a:lumMod val="60000"/>
+                    <a:lumOff val="40000"/>
+                  </a:schemeClr>
+                </a:solidFill>
+                <a:latin typeface="210 앱굴림 R" panose="02020603020101020101" pitchFamily="18" charset="-127"/>
+                <a:ea typeface="210 앱굴림 R" panose="02020603020101020101" pitchFamily="18" charset="-127"/>
+              </a:rPr>
+            </a:br>
+            <a:r>
+              <a:rPr lang="en-US" altLang="ko-KR" sz="6000" b="1" dirty="0">
+                <a:solidFill>
+                  <a:schemeClr val="accent6">
+                    <a:lumMod val="60000"/>
+                    <a:lumOff val="40000"/>
+                  </a:schemeClr>
+                </a:solidFill>
+                <a:latin typeface="210 앱굴림 R" panose="02020603020101020101" pitchFamily="18" charset="-127"/>
+                <a:ea typeface="210 앱굴림 R" panose="02020603020101020101" pitchFamily="18" charset="-127"/>
+              </a:rPr>
+              <a:t>(Script)</a:t>
+            </a:r>
+            <a:endParaRPr lang="ko-KR" altLang="en-US" sz="6000" b="1" dirty="0">
+              <a:solidFill>
+                <a:schemeClr val="accent6">
+                  <a:lumMod val="60000"/>
+                  <a:lumOff val="40000"/>
+                </a:schemeClr>
+              </a:solidFill>
+              <a:latin typeface="210 앱굴림 R" panose="02020603020101020101" pitchFamily="18" charset="-127"/>
+              <a:ea typeface="210 앱굴림 R" panose="02020603020101020101" pitchFamily="18" charset="-127"/>
+            </a:endParaRPr>
+          </a:p>
+        </p:txBody>
+      </p:sp>
+    </p:spTree>
+    <p:extLst>
+      <p:ext uri="{BB962C8B-B14F-4D97-AF65-F5344CB8AC3E}">
+        <p14:creationId xmlns:p14="http://schemas.microsoft.com/office/powerpoint/2010/main" val="560844706"/>
+      </p:ext>
+    </p:extLst>
+  </p:cSld>
+  <p:clrMapOvr>
+    <a:masterClrMapping/>
+  </p:clrMapOvr>
+</p:sld>
+</file>
+
+<file path=ppt/slides/slide32.xml><?xml version="1.0" encoding="utf-8"?>
+<p:sld xmlns:a="http://schemas.openxmlformats.org/drawingml/2006/main" xmlns:r="http://schemas.openxmlformats.org/officeDocument/2006/relationships" xmlns:p="http://schemas.openxmlformats.org/presentationml/2006/main">
+  <p:cSld>
+    <p:spTree>
+      <p:nvGrpSpPr>
+        <p:cNvPr id="1" name=""/>
+        <p:cNvGrpSpPr/>
+        <p:nvPr/>
+      </p:nvGrpSpPr>
+      <p:grpSpPr>
+        <a:xfrm>
+          <a:off x="0" y="0"/>
+          <a:ext cx="0" cy="0"/>
+          <a:chOff x="0" y="0"/>
+          <a:chExt cx="0" cy="0"/>
+        </a:xfrm>
+      </p:grpSpPr>
+      <p:sp>
+        <p:nvSpPr>
+          <p:cNvPr id="2" name="제목 1">
+            <a:extLst>
+              <a:ext uri="{FF2B5EF4-FFF2-40B4-BE49-F238E27FC236}">
+                <a16:creationId xmlns:a16="http://schemas.microsoft.com/office/drawing/2014/main" id="{0ACBF03C-5D33-4F57-9940-E105350E8074}"/>
+              </a:ext>
+            </a:extLst>
+          </p:cNvPr>
+          <p:cNvSpPr>
+            <a:spLocks noGrp="1"/>
+          </p:cNvSpPr>
+          <p:nvPr>
+            <p:ph type="title"/>
+          </p:nvPr>
+        </p:nvSpPr>
+        <p:spPr/>
+        <p:txBody>
+          <a:bodyPr/>
+          <a:lstStyle/>
+          <a:p>
+            <a:r>
+              <a:rPr lang="en-US" altLang="ko-KR" dirty="0">
+                <a:latin typeface="210 앱굴림 R" panose="02020603020101020101" pitchFamily="18" charset="-127"/>
+                <a:ea typeface="210 앱굴림 R" panose="02020603020101020101" pitchFamily="18" charset="-127"/>
+              </a:rPr>
+              <a:t>Script</a:t>
+            </a:r>
+            <a:endParaRPr lang="ko-KR" altLang="en-US" dirty="0">
+              <a:latin typeface="210 앱굴림 R" panose="02020603020101020101" pitchFamily="18" charset="-127"/>
+              <a:ea typeface="210 앱굴림 R" panose="02020603020101020101" pitchFamily="18" charset="-127"/>
+            </a:endParaRPr>
+          </a:p>
+        </p:txBody>
+      </p:sp>
+      <p:sp>
+        <p:nvSpPr>
+          <p:cNvPr id="3" name="내용 개체 틀 2">
+            <a:extLst>
+              <a:ext uri="{FF2B5EF4-FFF2-40B4-BE49-F238E27FC236}">
+                <a16:creationId xmlns:a16="http://schemas.microsoft.com/office/drawing/2014/main" id="{5C9EA5CF-5588-4F89-97F3-3B0FB725EAED}"/>
+              </a:ext>
+            </a:extLst>
+          </p:cNvPr>
+          <p:cNvSpPr>
+            <a:spLocks noGrp="1"/>
+          </p:cNvSpPr>
+          <p:nvPr>
+            <p:ph idx="1"/>
+          </p:nvPr>
+        </p:nvSpPr>
+        <p:spPr>
+          <a:xfrm>
+            <a:off x="457200" y="1600200"/>
+            <a:ext cx="8229600" cy="4853136"/>
+          </a:xfrm>
+        </p:spPr>
+        <p:txBody>
+          <a:bodyPr>
+            <a:normAutofit fontScale="92500" lnSpcReduction="20000"/>
+          </a:bodyPr>
+          <a:lstStyle/>
+          <a:p>
+            <a:r>
+              <a:rPr lang="ko-KR" altLang="en-US" b="1" dirty="0">
+                <a:latin typeface="210 앱굴림 R" panose="02020603020101020101" pitchFamily="18" charset="-127"/>
+                <a:ea typeface="210 앱굴림 R" panose="02020603020101020101" pitchFamily="18" charset="-127"/>
+              </a:rPr>
+              <a:t>컴포넌트의 청사진이다</a:t>
+            </a:r>
+            <a:endParaRPr lang="en-US" altLang="ko-KR" b="1" dirty="0">
+              <a:latin typeface="210 앱굴림 R" panose="02020603020101020101" pitchFamily="18" charset="-127"/>
+              <a:ea typeface="210 앱굴림 R" panose="02020603020101020101" pitchFamily="18" charset="-127"/>
+            </a:endParaRPr>
+          </a:p>
+          <a:p>
+            <a:endParaRPr lang="en-US" altLang="ko-KR" sz="2400" b="1" dirty="0">
+              <a:latin typeface="210 앱굴림 R" panose="02020603020101020101" pitchFamily="18" charset="-127"/>
+              <a:ea typeface="210 앱굴림 R" panose="02020603020101020101" pitchFamily="18" charset="-127"/>
+            </a:endParaRPr>
+          </a:p>
+          <a:p>
+            <a:pPr marL="0" indent="0">
+              <a:buNone/>
+            </a:pPr>
+            <a:r>
+              <a:rPr lang="en-US" altLang="ko-KR" sz="2400" dirty="0"/>
+              <a:t>using </a:t>
+            </a:r>
+            <a:r>
+              <a:rPr lang="en-US" altLang="ko-KR" sz="2400" dirty="0" err="1"/>
+              <a:t>UnityEngine</a:t>
+            </a:r>
+            <a:r>
+              <a:rPr lang="en-US" altLang="ko-KR" sz="2400" dirty="0"/>
+              <a:t>; </a:t>
+            </a:r>
+          </a:p>
+          <a:p>
+            <a:pPr marL="0" indent="0">
+              <a:buNone/>
+            </a:pPr>
+            <a:r>
+              <a:rPr lang="en-US" altLang="ko-KR" sz="2400" dirty="0"/>
+              <a:t>using </a:t>
+            </a:r>
+            <a:r>
+              <a:rPr lang="en-US" altLang="ko-KR" sz="2400" dirty="0" err="1"/>
+              <a:t>System.Collections</a:t>
+            </a:r>
+            <a:r>
+              <a:rPr lang="en-US" altLang="ko-KR" sz="2400" dirty="0"/>
+              <a:t>;</a:t>
+            </a:r>
+          </a:p>
+          <a:p>
+            <a:pPr marL="0" indent="0">
+              <a:buNone/>
+            </a:pPr>
+            <a:r>
+              <a:rPr lang="en-US" altLang="ko-KR" sz="2400" dirty="0"/>
+              <a:t>public class </a:t>
+            </a:r>
+            <a:r>
+              <a:rPr lang="en-US" altLang="ko-KR" sz="2400" dirty="0" err="1"/>
+              <a:t>NewScript</a:t>
+            </a:r>
+            <a:r>
+              <a:rPr lang="en-US" altLang="ko-KR" sz="2400" dirty="0"/>
+              <a:t> : </a:t>
+            </a:r>
+            <a:r>
+              <a:rPr lang="en-US" altLang="ko-KR" sz="2400" dirty="0" err="1"/>
+              <a:t>MonoBehaviour</a:t>
+            </a:r>
+            <a:r>
+              <a:rPr lang="en-US" altLang="ko-KR" sz="2400" dirty="0"/>
+              <a:t> {</a:t>
+            </a:r>
+          </a:p>
+          <a:p>
+            <a:pPr marL="0" indent="0">
+              <a:buNone/>
+            </a:pPr>
+            <a:r>
+              <a:rPr lang="en-US" altLang="ko-KR" sz="2400" dirty="0"/>
+              <a:t>    // Use this for initialization </a:t>
+            </a:r>
+          </a:p>
+          <a:p>
+            <a:pPr marL="0" indent="0">
+              <a:buNone/>
+            </a:pPr>
+            <a:r>
+              <a:rPr lang="en-US" altLang="ko-KR" sz="2400" dirty="0"/>
+              <a:t>    void Start () { </a:t>
+            </a:r>
+          </a:p>
+          <a:p>
+            <a:pPr marL="0" indent="0">
+              <a:buNone/>
+            </a:pPr>
+            <a:endParaRPr lang="en-US" altLang="ko-KR" sz="2400" dirty="0"/>
+          </a:p>
+          <a:p>
+            <a:pPr marL="0" indent="0">
+              <a:buNone/>
+            </a:pPr>
+            <a:r>
+              <a:rPr lang="en-US" altLang="ko-KR" sz="2400" dirty="0"/>
+              <a:t>    } </a:t>
+            </a:r>
+          </a:p>
+          <a:p>
+            <a:pPr marL="0" indent="0">
+              <a:buNone/>
+            </a:pPr>
+            <a:r>
+              <a:rPr lang="en-US" altLang="ko-KR" sz="2400" dirty="0"/>
+              <a:t>    // Update is called once per frame </a:t>
+            </a:r>
+          </a:p>
+          <a:p>
+            <a:pPr marL="0" indent="0">
+              <a:buNone/>
+            </a:pPr>
+            <a:r>
+              <a:rPr lang="en-US" altLang="ko-KR" sz="2400" dirty="0"/>
+              <a:t>    void Update () { </a:t>
+            </a:r>
+          </a:p>
+          <a:p>
+            <a:pPr marL="0" indent="0">
+              <a:buNone/>
+            </a:pPr>
+            <a:endParaRPr lang="en-US" altLang="ko-KR" sz="2400" dirty="0"/>
+          </a:p>
+          <a:p>
+            <a:pPr marL="0" indent="0">
+              <a:buNone/>
+            </a:pPr>
+            <a:r>
+              <a:rPr lang="en-US" altLang="ko-KR" sz="2400" dirty="0"/>
+              <a:t>    } </a:t>
+            </a:r>
+          </a:p>
+          <a:p>
+            <a:pPr marL="0" indent="0">
+              <a:buNone/>
+            </a:pPr>
+            <a:r>
+              <a:rPr lang="en-US" altLang="ko-KR" sz="2400" dirty="0"/>
+              <a:t>}</a:t>
+            </a:r>
+            <a:endParaRPr lang="ko-KR" altLang="en-US" sz="2400" dirty="0">
+              <a:latin typeface="210 앱굴림 R" panose="02020603020101020101" pitchFamily="18" charset="-127"/>
+              <a:ea typeface="210 앱굴림 R" panose="02020603020101020101" pitchFamily="18" charset="-127"/>
+            </a:endParaRPr>
+          </a:p>
+        </p:txBody>
+      </p:sp>
+    </p:spTree>
+    <p:extLst>
+      <p:ext uri="{BB962C8B-B14F-4D97-AF65-F5344CB8AC3E}">
+        <p14:creationId xmlns:p14="http://schemas.microsoft.com/office/powerpoint/2010/main" val="2122605951"/>
+      </p:ext>
+    </p:extLst>
+  </p:cSld>
+  <p:clrMapOvr>
+    <a:masterClrMapping/>
+  </p:clrMapOvr>
+</p:sld>
+</file>
+
+<file path=ppt/slides/slide33.xml><?xml version="1.0" encoding="utf-8"?>
+<p:sld xmlns:a="http://schemas.openxmlformats.org/drawingml/2006/main" xmlns:r="http://schemas.openxmlformats.org/officeDocument/2006/relationships" xmlns:p="http://schemas.openxmlformats.org/presentationml/2006/main">
+  <p:cSld>
+    <p:spTree>
+      <p:nvGrpSpPr>
+        <p:cNvPr id="1" name=""/>
+        <p:cNvGrpSpPr/>
+        <p:nvPr/>
+      </p:nvGrpSpPr>
+      <p:grpSpPr>
+        <a:xfrm>
+          <a:off x="0" y="0"/>
+          <a:ext cx="0" cy="0"/>
+          <a:chOff x="0" y="0"/>
+          <a:chExt cx="0" cy="0"/>
+        </a:xfrm>
+      </p:grpSpPr>
+      <p:sp>
+        <p:nvSpPr>
+          <p:cNvPr id="2" name="제목 1">
+            <a:extLst>
+              <a:ext uri="{FF2B5EF4-FFF2-40B4-BE49-F238E27FC236}">
+                <a16:creationId xmlns:a16="http://schemas.microsoft.com/office/drawing/2014/main" id="{0ACBF03C-5D33-4F57-9940-E105350E8074}"/>
+              </a:ext>
+            </a:extLst>
+          </p:cNvPr>
+          <p:cNvSpPr>
+            <a:spLocks noGrp="1"/>
+          </p:cNvSpPr>
+          <p:nvPr>
+            <p:ph type="title"/>
+          </p:nvPr>
+        </p:nvSpPr>
+        <p:spPr/>
+        <p:txBody>
+          <a:bodyPr/>
+          <a:lstStyle/>
+          <a:p>
+            <a:r>
+              <a:rPr lang="en-US" altLang="ko-KR" dirty="0">
+                <a:latin typeface="210 앱굴림 R" panose="02020603020101020101" pitchFamily="18" charset="-127"/>
+                <a:ea typeface="210 앱굴림 R" panose="02020603020101020101" pitchFamily="18" charset="-127"/>
+              </a:rPr>
+              <a:t>Script</a:t>
+            </a:r>
+            <a:endParaRPr lang="ko-KR" altLang="en-US" dirty="0">
+              <a:latin typeface="210 앱굴림 R" panose="02020603020101020101" pitchFamily="18" charset="-127"/>
+              <a:ea typeface="210 앱굴림 R" panose="02020603020101020101" pitchFamily="18" charset="-127"/>
+            </a:endParaRPr>
+          </a:p>
+        </p:txBody>
+      </p:sp>
+      <p:sp>
+        <p:nvSpPr>
+          <p:cNvPr id="3" name="내용 개체 틀 2">
+            <a:extLst>
+              <a:ext uri="{FF2B5EF4-FFF2-40B4-BE49-F238E27FC236}">
+                <a16:creationId xmlns:a16="http://schemas.microsoft.com/office/drawing/2014/main" id="{5C9EA5CF-5588-4F89-97F3-3B0FB725EAED}"/>
+              </a:ext>
+            </a:extLst>
+          </p:cNvPr>
+          <p:cNvSpPr>
+            <a:spLocks noGrp="1"/>
+          </p:cNvSpPr>
+          <p:nvPr>
+            <p:ph idx="1"/>
+          </p:nvPr>
+        </p:nvSpPr>
+        <p:spPr/>
+        <p:txBody>
+          <a:bodyPr>
+            <a:normAutofit lnSpcReduction="10000"/>
+          </a:bodyPr>
+          <a:lstStyle/>
+          <a:p>
+            <a:pPr marL="0" indent="0">
+              <a:buNone/>
+            </a:pPr>
+            <a:r>
+              <a:rPr lang="ko-KR" altLang="en-US" dirty="0">
+                <a:latin typeface="210 앱굴림 L" panose="02020603020101020101" pitchFamily="18" charset="-127"/>
+                <a:ea typeface="210 앱굴림 L" panose="02020603020101020101" pitchFamily="18" charset="-127"/>
+              </a:rPr>
+              <a:t>게임 오브젝트의 동작은 연결 된 </a:t>
+            </a:r>
+            <a:r>
+              <a:rPr lang="en-US" altLang="ko-KR" dirty="0">
+                <a:latin typeface="210 앱굴림 L" panose="02020603020101020101" pitchFamily="18" charset="-127"/>
+                <a:ea typeface="210 앱굴림 L" panose="02020603020101020101" pitchFamily="18" charset="-127"/>
+              </a:rPr>
+              <a:t>Components</a:t>
+            </a:r>
+            <a:r>
+              <a:rPr lang="ko-KR" altLang="en-US" dirty="0">
+                <a:latin typeface="210 앱굴림 L" panose="02020603020101020101" pitchFamily="18" charset="-127"/>
+                <a:ea typeface="210 앱굴림 L" panose="02020603020101020101" pitchFamily="18" charset="-127"/>
+              </a:rPr>
+              <a:t>에 의해 제어됩니다</a:t>
+            </a:r>
+            <a:r>
+              <a:rPr lang="en-US" altLang="ko-KR" dirty="0">
+                <a:latin typeface="210 앱굴림 L" panose="02020603020101020101" pitchFamily="18" charset="-127"/>
+                <a:ea typeface="210 앱굴림 L" panose="02020603020101020101" pitchFamily="18" charset="-127"/>
+              </a:rPr>
+              <a:t>. </a:t>
+            </a:r>
+          </a:p>
+          <a:p>
+            <a:pPr marL="0" indent="0">
+              <a:buNone/>
+            </a:pPr>
+            <a:r>
+              <a:rPr lang="en-US" altLang="ko-KR" dirty="0">
+                <a:latin typeface="210 앱굴림 L" panose="02020603020101020101" pitchFamily="18" charset="-127"/>
+                <a:ea typeface="210 앱굴림 L" panose="02020603020101020101" pitchFamily="18" charset="-127"/>
+              </a:rPr>
+              <a:t>Unity </a:t>
+            </a:r>
+            <a:r>
+              <a:rPr lang="ko-KR" altLang="en-US" dirty="0">
+                <a:latin typeface="210 앱굴림 L" panose="02020603020101020101" pitchFamily="18" charset="-127"/>
+                <a:ea typeface="210 앱굴림 L" panose="02020603020101020101" pitchFamily="18" charset="-127"/>
+              </a:rPr>
+              <a:t>기본 컴포넌트는 다양한 목적으로 사용할 수 있지만 우리가 게임 기능을 구현하려면 충분하지 않을 때가 많습니다</a:t>
+            </a:r>
+            <a:r>
+              <a:rPr lang="en-US" altLang="ko-KR" dirty="0">
+                <a:latin typeface="210 앱굴림 L" panose="02020603020101020101" pitchFamily="18" charset="-127"/>
+                <a:ea typeface="210 앱굴림 L" panose="02020603020101020101" pitchFamily="18" charset="-127"/>
+              </a:rPr>
+              <a:t>.</a:t>
+            </a:r>
+            <a:r>
+              <a:rPr lang="ko-KR" altLang="en-US" dirty="0">
+                <a:latin typeface="210 앱굴림 L" panose="02020603020101020101" pitchFamily="18" charset="-127"/>
+                <a:ea typeface="210 앱굴림 L" panose="02020603020101020101" pitchFamily="18" charset="-127"/>
+              </a:rPr>
+              <a:t> </a:t>
+            </a:r>
+            <a:endParaRPr lang="en-US" altLang="ko-KR" dirty="0">
+              <a:latin typeface="210 앱굴림 L" panose="02020603020101020101" pitchFamily="18" charset="-127"/>
+              <a:ea typeface="210 앱굴림 L" panose="02020603020101020101" pitchFamily="18" charset="-127"/>
+            </a:endParaRPr>
+          </a:p>
+          <a:p>
+            <a:pPr marL="0" indent="0">
+              <a:buNone/>
+            </a:pPr>
+            <a:r>
+              <a:rPr lang="en-US" altLang="ko-KR" dirty="0">
+                <a:latin typeface="210 앱굴림 L" panose="02020603020101020101" pitchFamily="18" charset="-127"/>
+                <a:ea typeface="210 앱굴림 L" panose="02020603020101020101" pitchFamily="18" charset="-127"/>
+              </a:rPr>
+              <a:t>Script</a:t>
+            </a:r>
+            <a:r>
+              <a:rPr lang="ko-KR" altLang="en-US" dirty="0">
+                <a:latin typeface="210 앱굴림 L" panose="02020603020101020101" pitchFamily="18" charset="-127"/>
+                <a:ea typeface="210 앱굴림 L" panose="02020603020101020101" pitchFamily="18" charset="-127"/>
+              </a:rPr>
+              <a:t>를 사용하여 사용자 정의 컴포넌트를 생성하면 게임의 이벤트 시작</a:t>
+            </a:r>
+            <a:r>
+              <a:rPr lang="en-US" altLang="ko-KR" dirty="0">
+                <a:latin typeface="210 앱굴림 L" panose="02020603020101020101" pitchFamily="18" charset="-127"/>
+                <a:ea typeface="210 앱굴림 L" panose="02020603020101020101" pitchFamily="18" charset="-127"/>
+              </a:rPr>
+              <a:t>, </a:t>
+            </a:r>
+            <a:r>
+              <a:rPr lang="ko-KR" altLang="en-US" dirty="0">
+                <a:latin typeface="210 앱굴림 L" panose="02020603020101020101" pitchFamily="18" charset="-127"/>
+                <a:ea typeface="210 앱굴림 L" panose="02020603020101020101" pitchFamily="18" charset="-127"/>
+              </a:rPr>
+              <a:t>시간이 지남에 따라 컴포넌트의 속성을 수정</a:t>
+            </a:r>
+            <a:r>
+              <a:rPr lang="en-US" altLang="ko-KR" dirty="0">
+                <a:latin typeface="210 앱굴림 L" panose="02020603020101020101" pitchFamily="18" charset="-127"/>
+                <a:ea typeface="210 앱굴림 L" panose="02020603020101020101" pitchFamily="18" charset="-127"/>
+              </a:rPr>
+              <a:t>, </a:t>
+            </a:r>
+            <a:r>
+              <a:rPr lang="ko-KR" altLang="en-US" dirty="0">
+                <a:latin typeface="210 앱굴림 L" panose="02020603020101020101" pitchFamily="18" charset="-127"/>
+                <a:ea typeface="210 앱굴림 L" panose="02020603020101020101" pitchFamily="18" charset="-127"/>
+              </a:rPr>
+              <a:t>사용자 입력 작업에 대한 반응</a:t>
+            </a:r>
+            <a:r>
+              <a:rPr lang="en-US" altLang="ko-KR" dirty="0">
+                <a:latin typeface="210 앱굴림 L" panose="02020603020101020101" pitchFamily="18" charset="-127"/>
+                <a:ea typeface="210 앱굴림 L" panose="02020603020101020101" pitchFamily="18" charset="-127"/>
+              </a:rPr>
+              <a:t>, …</a:t>
+            </a:r>
+            <a:r>
+              <a:rPr lang="ko-KR" altLang="en-US" dirty="0">
+                <a:latin typeface="210 앱굴림 L" panose="02020603020101020101" pitchFamily="18" charset="-127"/>
+                <a:ea typeface="210 앱굴림 L" panose="02020603020101020101" pitchFamily="18" charset="-127"/>
+              </a:rPr>
+              <a:t>이 가능합니다</a:t>
+            </a:r>
+            <a:r>
+              <a:rPr lang="en-US" altLang="ko-KR" dirty="0">
+                <a:latin typeface="210 앱굴림 L" panose="02020603020101020101" pitchFamily="18" charset="-127"/>
+                <a:ea typeface="210 앱굴림 L" panose="02020603020101020101" pitchFamily="18" charset="-127"/>
+              </a:rPr>
+              <a:t>.</a:t>
+            </a:r>
+          </a:p>
+          <a:p>
+            <a:pPr marL="0" indent="0">
+              <a:buNone/>
+            </a:pPr>
+            <a:endParaRPr lang="ko-KR" altLang="en-US" dirty="0">
+              <a:latin typeface="210 앱굴림 L" panose="02020603020101020101" pitchFamily="18" charset="-127"/>
+              <a:ea typeface="210 앱굴림 L" panose="02020603020101020101" pitchFamily="18" charset="-127"/>
+            </a:endParaRPr>
+          </a:p>
+        </p:txBody>
+      </p:sp>
+    </p:spTree>
+    <p:extLst>
+      <p:ext uri="{BB962C8B-B14F-4D97-AF65-F5344CB8AC3E}">
+        <p14:creationId xmlns:p14="http://schemas.microsoft.com/office/powerpoint/2010/main" val="649429297"/>
+      </p:ext>
+    </p:extLst>
+  </p:cSld>
+  <p:clrMapOvr>
+    <a:masterClrMapping/>
+  </p:clrMapOvr>
+</p:sld>
+</file>
+
+<file path=ppt/slides/slide34.xml><?xml version="1.0" encoding="utf-8"?>
+<p:sld xmlns:a="http://schemas.openxmlformats.org/drawingml/2006/main" xmlns:r="http://schemas.openxmlformats.org/officeDocument/2006/relationships" xmlns:p="http://schemas.openxmlformats.org/presentationml/2006/main">
+  <p:cSld>
+    <p:spTree>
+      <p:nvGrpSpPr>
+        <p:cNvPr id="1" name=""/>
+        <p:cNvGrpSpPr/>
+        <p:nvPr/>
+      </p:nvGrpSpPr>
+      <p:grpSpPr>
+        <a:xfrm>
+          <a:off x="0" y="0"/>
+          <a:ext cx="0" cy="0"/>
+          <a:chOff x="0" y="0"/>
+          <a:chExt cx="0" cy="0"/>
+        </a:xfrm>
+      </p:grpSpPr>
+      <p:sp>
+        <p:nvSpPr>
+          <p:cNvPr id="2" name="제목 1">
+            <a:extLst>
+              <a:ext uri="{FF2B5EF4-FFF2-40B4-BE49-F238E27FC236}">
+                <a16:creationId xmlns:a16="http://schemas.microsoft.com/office/drawing/2014/main" id="{0ACBF03C-5D33-4F57-9940-E105350E8074}"/>
+              </a:ext>
+            </a:extLst>
+          </p:cNvPr>
+          <p:cNvSpPr>
+            <a:spLocks noGrp="1"/>
+          </p:cNvSpPr>
+          <p:nvPr>
+            <p:ph type="title"/>
+          </p:nvPr>
+        </p:nvSpPr>
+        <p:spPr/>
+        <p:txBody>
+          <a:bodyPr/>
+          <a:lstStyle/>
+          <a:p>
+            <a:r>
+              <a:rPr lang="en-US" altLang="ko-KR" dirty="0">
+                <a:latin typeface="210 앱굴림 R" panose="02020603020101020101" pitchFamily="18" charset="-127"/>
+                <a:ea typeface="210 앱굴림 R" panose="02020603020101020101" pitchFamily="18" charset="-127"/>
+              </a:rPr>
+              <a:t>Start </a:t>
+            </a:r>
+            <a:r>
+              <a:rPr lang="ko-KR" altLang="en-US" dirty="0">
+                <a:latin typeface="210 앱굴림 R" panose="02020603020101020101" pitchFamily="18" charset="-127"/>
+                <a:ea typeface="210 앱굴림 R" panose="02020603020101020101" pitchFamily="18" charset="-127"/>
+              </a:rPr>
+              <a:t>메소드</a:t>
+            </a:r>
+          </a:p>
+        </p:txBody>
+      </p:sp>
+      <p:sp>
+        <p:nvSpPr>
+          <p:cNvPr id="3" name="내용 개체 틀 2">
+            <a:extLst>
+              <a:ext uri="{FF2B5EF4-FFF2-40B4-BE49-F238E27FC236}">
+                <a16:creationId xmlns:a16="http://schemas.microsoft.com/office/drawing/2014/main" id="{5C9EA5CF-5588-4F89-97F3-3B0FB725EAED}"/>
+              </a:ext>
+            </a:extLst>
+          </p:cNvPr>
+          <p:cNvSpPr>
+            <a:spLocks noGrp="1"/>
+          </p:cNvSpPr>
+          <p:nvPr>
+            <p:ph idx="1"/>
+          </p:nvPr>
+        </p:nvSpPr>
+        <p:spPr/>
+        <p:txBody>
+          <a:bodyPr>
+            <a:normAutofit/>
+          </a:bodyPr>
+          <a:lstStyle/>
+          <a:p>
+            <a:r>
+              <a:rPr lang="en-US" altLang="ko-KR" dirty="0">
+                <a:latin typeface="210 앱굴림 R" panose="02020603020101020101" pitchFamily="18" charset="-127"/>
+                <a:ea typeface="210 앱굴림 R" panose="02020603020101020101" pitchFamily="18" charset="-127"/>
+              </a:rPr>
+              <a:t>Update </a:t>
+            </a:r>
+            <a:r>
+              <a:rPr lang="ko-KR" altLang="en-US" dirty="0">
+                <a:latin typeface="210 앱굴림 R" panose="02020603020101020101" pitchFamily="18" charset="-127"/>
+                <a:ea typeface="210 앱굴림 R" panose="02020603020101020101" pitchFamily="18" charset="-127"/>
+              </a:rPr>
+              <a:t>호출</a:t>
+            </a:r>
+            <a:r>
+              <a:rPr lang="en-US" altLang="ko-KR" dirty="0">
+                <a:latin typeface="210 앱굴림 R" panose="02020603020101020101" pitchFamily="18" charset="-127"/>
+                <a:ea typeface="210 앱굴림 R" panose="02020603020101020101" pitchFamily="18" charset="-127"/>
+              </a:rPr>
+              <a:t> </a:t>
+            </a:r>
+            <a:r>
+              <a:rPr lang="ko-KR" altLang="en-US" dirty="0">
+                <a:latin typeface="210 앱굴림 R" panose="02020603020101020101" pitchFamily="18" charset="-127"/>
+                <a:ea typeface="210 앱굴림 R" panose="02020603020101020101" pitchFamily="18" charset="-127"/>
+              </a:rPr>
+              <a:t>바로 전에 호출한다</a:t>
+            </a:r>
+            <a:endParaRPr lang="en-US" altLang="ko-KR" dirty="0">
+              <a:latin typeface="210 앱굴림 R" panose="02020603020101020101" pitchFamily="18" charset="-127"/>
+              <a:ea typeface="210 앱굴림 R" panose="02020603020101020101" pitchFamily="18" charset="-127"/>
+            </a:endParaRPr>
+          </a:p>
+          <a:p>
+            <a:endParaRPr lang="en-US" altLang="ko-KR" dirty="0">
+              <a:latin typeface="210 앱굴림 R" panose="02020603020101020101" pitchFamily="18" charset="-127"/>
+              <a:ea typeface="210 앱굴림 R" panose="02020603020101020101" pitchFamily="18" charset="-127"/>
+            </a:endParaRPr>
+          </a:p>
+          <a:p>
+            <a:r>
+              <a:rPr lang="ko-KR" altLang="en-US" dirty="0">
+                <a:latin typeface="210 앱굴림 R" panose="02020603020101020101" pitchFamily="18" charset="-127"/>
+                <a:ea typeface="210 앱굴림 R" panose="02020603020101020101" pitchFamily="18" charset="-127"/>
+              </a:rPr>
+              <a:t>게임 시작할 때 한번만 호출한다</a:t>
+            </a:r>
+            <a:endParaRPr lang="en-US" altLang="ko-KR" dirty="0">
+              <a:latin typeface="210 앱굴림 R" panose="02020603020101020101" pitchFamily="18" charset="-127"/>
+              <a:ea typeface="210 앱굴림 R" panose="02020603020101020101" pitchFamily="18" charset="-127"/>
+            </a:endParaRPr>
+          </a:p>
+          <a:p>
+            <a:endParaRPr lang="en-US" altLang="ko-KR" dirty="0">
+              <a:latin typeface="210 앱굴림 R" panose="02020603020101020101" pitchFamily="18" charset="-127"/>
+              <a:ea typeface="210 앱굴림 R" panose="02020603020101020101" pitchFamily="18" charset="-127"/>
+            </a:endParaRPr>
+          </a:p>
+          <a:p>
+            <a:r>
+              <a:rPr lang="ko-KR" altLang="en-US" dirty="0">
+                <a:latin typeface="210 앱굴림 R" panose="02020603020101020101" pitchFamily="18" charset="-127"/>
+                <a:ea typeface="210 앱굴림 R" panose="02020603020101020101" pitchFamily="18" charset="-127"/>
+              </a:rPr>
+              <a:t>주로 초기화 작업을 해줍니다</a:t>
+            </a:r>
+            <a:r>
+              <a:rPr lang="en-US" altLang="ko-KR" dirty="0">
+                <a:latin typeface="210 앱굴림 R" panose="02020603020101020101" pitchFamily="18" charset="-127"/>
+                <a:ea typeface="210 앱굴림 R" panose="02020603020101020101" pitchFamily="18" charset="-127"/>
+              </a:rPr>
+              <a:t>.</a:t>
+            </a:r>
+          </a:p>
+          <a:p>
+            <a:endParaRPr lang="en-US" altLang="ko-KR" dirty="0">
+              <a:latin typeface="210 앱굴림 R" panose="02020603020101020101" pitchFamily="18" charset="-127"/>
+              <a:ea typeface="210 앱굴림 R" panose="02020603020101020101" pitchFamily="18" charset="-127"/>
+            </a:endParaRPr>
+          </a:p>
+          <a:p>
+            <a:pPr marL="0" indent="0">
+              <a:buNone/>
+            </a:pPr>
+            <a:endParaRPr lang="ko-KR" altLang="en-US" dirty="0">
+              <a:latin typeface="210 앱굴림 R" panose="02020603020101020101" pitchFamily="18" charset="-127"/>
+              <a:ea typeface="210 앱굴림 R" panose="02020603020101020101" pitchFamily="18" charset="-127"/>
+            </a:endParaRPr>
+          </a:p>
+        </p:txBody>
+      </p:sp>
+    </p:spTree>
+    <p:extLst>
+      <p:ext uri="{BB962C8B-B14F-4D97-AF65-F5344CB8AC3E}">
+        <p14:creationId xmlns:p14="http://schemas.microsoft.com/office/powerpoint/2010/main" val="3942523176"/>
+      </p:ext>
+    </p:extLst>
+  </p:cSld>
+  <p:clrMapOvr>
+    <a:masterClrMapping/>
+  </p:clrMapOvr>
+</p:sld>
+</file>
+
+<file path=ppt/slides/slide35.xml><?xml version="1.0" encoding="utf-8"?>
+<p:sld xmlns:a="http://schemas.openxmlformats.org/drawingml/2006/main" xmlns:r="http://schemas.openxmlformats.org/officeDocument/2006/relationships" xmlns:p="http://schemas.openxmlformats.org/presentationml/2006/main">
+  <p:cSld>
+    <p:spTree>
+      <p:nvGrpSpPr>
+        <p:cNvPr id="1" name=""/>
+        <p:cNvGrpSpPr/>
+        <p:nvPr/>
+      </p:nvGrpSpPr>
+      <p:grpSpPr>
+        <a:xfrm>
+          <a:off x="0" y="0"/>
+          <a:ext cx="0" cy="0"/>
+          <a:chOff x="0" y="0"/>
+          <a:chExt cx="0" cy="0"/>
+        </a:xfrm>
+      </p:grpSpPr>
+      <p:sp>
+        <p:nvSpPr>
+          <p:cNvPr id="2" name="제목 1">
+            <a:extLst>
+              <a:ext uri="{FF2B5EF4-FFF2-40B4-BE49-F238E27FC236}">
+                <a16:creationId xmlns:a16="http://schemas.microsoft.com/office/drawing/2014/main" id="{CC6D7A91-7E20-430B-AC89-66CE45FB1C10}"/>
+              </a:ext>
+            </a:extLst>
+          </p:cNvPr>
+          <p:cNvSpPr>
+            <a:spLocks noGrp="1"/>
+          </p:cNvSpPr>
+          <p:nvPr>
+            <p:ph type="title"/>
+          </p:nvPr>
+        </p:nvSpPr>
+        <p:spPr/>
+        <p:txBody>
+          <a:bodyPr/>
+          <a:lstStyle/>
+          <a:p>
+            <a:r>
+              <a:rPr lang="ko-KR" altLang="en-US" dirty="0">
+                <a:latin typeface="210 앱굴림 L" panose="02020603020101020101" pitchFamily="18" charset="-127"/>
+                <a:ea typeface="210 앱굴림 L" panose="02020603020101020101" pitchFamily="18" charset="-127"/>
+              </a:rPr>
+              <a:t>왜 생성자를 안 </a:t>
+            </a:r>
+            <a:r>
+              <a:rPr lang="ko-KR" altLang="en-US" dirty="0" err="1">
+                <a:latin typeface="210 앱굴림 L" panose="02020603020101020101" pitchFamily="18" charset="-127"/>
+                <a:ea typeface="210 앱굴림 L" panose="02020603020101020101" pitchFamily="18" charset="-127"/>
+              </a:rPr>
+              <a:t>쓰나용</a:t>
+            </a:r>
+            <a:r>
+              <a:rPr lang="en-US" altLang="ko-KR" dirty="0">
+                <a:latin typeface="210 앱굴림 L" panose="02020603020101020101" pitchFamily="18" charset="-127"/>
+                <a:ea typeface="210 앱굴림 L" panose="02020603020101020101" pitchFamily="18" charset="-127"/>
+              </a:rPr>
+              <a:t>?</a:t>
+            </a:r>
+            <a:endParaRPr lang="ko-KR" altLang="en-US" dirty="0">
+              <a:latin typeface="210 앱굴림 L" panose="02020603020101020101" pitchFamily="18" charset="-127"/>
+              <a:ea typeface="210 앱굴림 L" panose="02020603020101020101" pitchFamily="18" charset="-127"/>
+            </a:endParaRPr>
+          </a:p>
+        </p:txBody>
+      </p:sp>
+      <p:sp>
+        <p:nvSpPr>
+          <p:cNvPr id="3" name="내용 개체 틀 2">
+            <a:extLst>
+              <a:ext uri="{FF2B5EF4-FFF2-40B4-BE49-F238E27FC236}">
+                <a16:creationId xmlns:a16="http://schemas.microsoft.com/office/drawing/2014/main" id="{CF203453-183C-4A64-9813-D7DC9F2F5687}"/>
+              </a:ext>
+            </a:extLst>
+          </p:cNvPr>
+          <p:cNvSpPr>
+            <a:spLocks noGrp="1"/>
+          </p:cNvSpPr>
+          <p:nvPr>
+            <p:ph idx="1"/>
+          </p:nvPr>
+        </p:nvSpPr>
+        <p:spPr/>
+        <p:txBody>
+          <a:bodyPr>
+            <a:normAutofit fontScale="92500" lnSpcReduction="20000"/>
+          </a:bodyPr>
+          <a:lstStyle/>
+          <a:p>
+            <a:pPr marL="0" indent="0">
+              <a:buNone/>
+            </a:pPr>
+            <a:r>
+              <a:rPr lang="ko-KR" altLang="en-US" dirty="0">
+                <a:latin typeface="210 앱굴림 L" panose="02020603020101020101" pitchFamily="18" charset="-127"/>
+                <a:ea typeface="210 앱굴림 L" panose="02020603020101020101" pitchFamily="18" charset="-127"/>
+              </a:rPr>
+              <a:t>오브젝트의 초기화를 할 때 생성자를 안 쓰는 것이 의외일지도 모릅니다</a:t>
+            </a:r>
+            <a:r>
+              <a:rPr lang="en-US" altLang="ko-KR" dirty="0">
+                <a:latin typeface="210 앱굴림 L" panose="02020603020101020101" pitchFamily="18" charset="-127"/>
+                <a:ea typeface="210 앱굴림 L" panose="02020603020101020101" pitchFamily="18" charset="-127"/>
+              </a:rPr>
+              <a:t>.</a:t>
+            </a:r>
+          </a:p>
+          <a:p>
+            <a:pPr marL="0" indent="0">
+              <a:buNone/>
+            </a:pPr>
+            <a:endParaRPr lang="en-US" altLang="ko-KR" dirty="0">
+              <a:latin typeface="210 앱굴림 L" panose="02020603020101020101" pitchFamily="18" charset="-127"/>
+              <a:ea typeface="210 앱굴림 L" panose="02020603020101020101" pitchFamily="18" charset="-127"/>
+            </a:endParaRPr>
+          </a:p>
+          <a:p>
+            <a:pPr marL="0" indent="0">
+              <a:buNone/>
+            </a:pPr>
+            <a:r>
+              <a:rPr lang="ko-KR" altLang="en-US" dirty="0">
+                <a:latin typeface="210 앱굴림 L" panose="02020603020101020101" pitchFamily="18" charset="-127"/>
+                <a:ea typeface="210 앱굴림 L" panose="02020603020101020101" pitchFamily="18" charset="-127"/>
+              </a:rPr>
+              <a:t>그 이유는 오브젝트 생성은 에디터에 의해 처리되기 때문입니다</a:t>
+            </a:r>
+            <a:r>
+              <a:rPr lang="en-US" altLang="ko-KR" dirty="0">
+                <a:latin typeface="210 앱굴림 L" panose="02020603020101020101" pitchFamily="18" charset="-127"/>
+                <a:ea typeface="210 앱굴림 L" panose="02020603020101020101" pitchFamily="18" charset="-127"/>
+              </a:rPr>
+              <a:t>. </a:t>
+            </a:r>
+            <a:r>
+              <a:rPr lang="ko-KR" altLang="en-US" dirty="0">
+                <a:latin typeface="210 앱굴림 L" panose="02020603020101020101" pitchFamily="18" charset="-127"/>
+                <a:ea typeface="210 앱굴림 L" panose="02020603020101020101" pitchFamily="18" charset="-127"/>
+              </a:rPr>
+              <a:t>이 것은 게임 시작 직후에 수행되지 않기 때문에 생성자를 쓰지 않습니다</a:t>
+            </a:r>
+            <a:r>
+              <a:rPr lang="en-US" altLang="ko-KR" dirty="0">
+                <a:latin typeface="210 앱굴림 L" panose="02020603020101020101" pitchFamily="18" charset="-127"/>
+                <a:ea typeface="210 앱굴림 L" panose="02020603020101020101" pitchFamily="18" charset="-127"/>
+              </a:rPr>
+              <a:t>.</a:t>
+            </a:r>
+          </a:p>
+          <a:p>
+            <a:pPr marL="0" indent="0">
+              <a:buNone/>
+            </a:pPr>
+            <a:endParaRPr lang="en-US" altLang="ko-KR" dirty="0">
+              <a:latin typeface="210 앱굴림 L" panose="02020603020101020101" pitchFamily="18" charset="-127"/>
+              <a:ea typeface="210 앱굴림 L" panose="02020603020101020101" pitchFamily="18" charset="-127"/>
+            </a:endParaRPr>
+          </a:p>
+          <a:p>
+            <a:pPr marL="0" indent="0">
+              <a:buNone/>
+            </a:pPr>
+            <a:r>
+              <a:rPr lang="ko-KR" altLang="en-US" dirty="0">
+                <a:latin typeface="210 앱굴림 L" panose="02020603020101020101" pitchFamily="18" charset="-127"/>
+                <a:ea typeface="210 앱굴림 L" panose="02020603020101020101" pitchFamily="18" charset="-127"/>
+              </a:rPr>
+              <a:t>스크립트 컴포넌트에서 생성자를 정의하려고 하면 </a:t>
+            </a:r>
+            <a:r>
+              <a:rPr lang="en-US" altLang="ko-KR" dirty="0">
+                <a:latin typeface="210 앱굴림 L" panose="02020603020101020101" pitchFamily="18" charset="-127"/>
+                <a:ea typeface="210 앱굴림 L" panose="02020603020101020101" pitchFamily="18" charset="-127"/>
+              </a:rPr>
+              <a:t>Unity</a:t>
+            </a:r>
+            <a:r>
+              <a:rPr lang="ko-KR" altLang="en-US" dirty="0">
+                <a:latin typeface="210 앱굴림 L" panose="02020603020101020101" pitchFamily="18" charset="-127"/>
+                <a:ea typeface="210 앱굴림 L" panose="02020603020101020101" pitchFamily="18" charset="-127"/>
+              </a:rPr>
+              <a:t>의 일반적 처리에 간섭하기 때문에 프로젝트에서 문제를 발생시킵니다</a:t>
+            </a:r>
+            <a:r>
+              <a:rPr lang="en-US" altLang="ko-KR" dirty="0">
+                <a:latin typeface="210 앱굴림 L" panose="02020603020101020101" pitchFamily="18" charset="-127"/>
+                <a:ea typeface="210 앱굴림 L" panose="02020603020101020101" pitchFamily="18" charset="-127"/>
+              </a:rPr>
+              <a:t>.</a:t>
+            </a:r>
+            <a:endParaRPr lang="ko-KR" altLang="en-US" dirty="0">
+              <a:latin typeface="210 앱굴림 L" panose="02020603020101020101" pitchFamily="18" charset="-127"/>
+              <a:ea typeface="210 앱굴림 L" panose="02020603020101020101" pitchFamily="18" charset="-127"/>
+            </a:endParaRPr>
+          </a:p>
+        </p:txBody>
+      </p:sp>
+    </p:spTree>
+    <p:extLst>
+      <p:ext uri="{BB962C8B-B14F-4D97-AF65-F5344CB8AC3E}">
+        <p14:creationId xmlns:p14="http://schemas.microsoft.com/office/powerpoint/2010/main" val="2300158484"/>
+      </p:ext>
+    </p:extLst>
+  </p:cSld>
+  <p:clrMapOvr>
+    <a:masterClrMapping/>
+  </p:clrMapOvr>
+</p:sld>
+</file>
+
+<file path=ppt/slides/slide36.xml><?xml version="1.0" encoding="utf-8"?>
+<p:sld xmlns:a="http://schemas.openxmlformats.org/drawingml/2006/main" xmlns:r="http://schemas.openxmlformats.org/officeDocument/2006/relationships" xmlns:p="http://schemas.openxmlformats.org/presentationml/2006/main">
+  <p:cSld>
+    <p:spTree>
+      <p:nvGrpSpPr>
+        <p:cNvPr id="1" name=""/>
+        <p:cNvGrpSpPr/>
+        <p:nvPr/>
+      </p:nvGrpSpPr>
+      <p:grpSpPr>
+        <a:xfrm>
+          <a:off x="0" y="0"/>
+          <a:ext cx="0" cy="0"/>
+          <a:chOff x="0" y="0"/>
+          <a:chExt cx="0" cy="0"/>
+        </a:xfrm>
+      </p:grpSpPr>
+      <p:sp>
+        <p:nvSpPr>
+          <p:cNvPr id="2" name="제목 1">
+            <a:extLst>
+              <a:ext uri="{FF2B5EF4-FFF2-40B4-BE49-F238E27FC236}">
+                <a16:creationId xmlns:a16="http://schemas.microsoft.com/office/drawing/2014/main" id="{0ACBF03C-5D33-4F57-9940-E105350E8074}"/>
+              </a:ext>
+            </a:extLst>
+          </p:cNvPr>
+          <p:cNvSpPr>
+            <a:spLocks noGrp="1"/>
+          </p:cNvSpPr>
+          <p:nvPr>
+            <p:ph type="title"/>
+          </p:nvPr>
+        </p:nvSpPr>
+        <p:spPr/>
+        <p:txBody>
+          <a:bodyPr/>
+          <a:lstStyle/>
+          <a:p>
+            <a:r>
+              <a:rPr lang="en-US" altLang="ko-KR" dirty="0">
+                <a:latin typeface="210 앱굴림 R" panose="02020603020101020101" pitchFamily="18" charset="-127"/>
+                <a:ea typeface="210 앱굴림 R" panose="02020603020101020101" pitchFamily="18" charset="-127"/>
+              </a:rPr>
+              <a:t>Update </a:t>
+            </a:r>
+            <a:r>
+              <a:rPr lang="ko-KR" altLang="en-US" dirty="0">
+                <a:latin typeface="210 앱굴림 R" panose="02020603020101020101" pitchFamily="18" charset="-127"/>
+                <a:ea typeface="210 앱굴림 R" panose="02020603020101020101" pitchFamily="18" charset="-127"/>
+              </a:rPr>
+              <a:t>메소드</a:t>
+            </a:r>
+          </a:p>
+        </p:txBody>
+      </p:sp>
+      <p:sp>
+        <p:nvSpPr>
+          <p:cNvPr id="3" name="내용 개체 틀 2">
+            <a:extLst>
+              <a:ext uri="{FF2B5EF4-FFF2-40B4-BE49-F238E27FC236}">
+                <a16:creationId xmlns:a16="http://schemas.microsoft.com/office/drawing/2014/main" id="{5C9EA5CF-5588-4F89-97F3-3B0FB725EAED}"/>
+              </a:ext>
+            </a:extLst>
+          </p:cNvPr>
+          <p:cNvSpPr>
+            <a:spLocks noGrp="1"/>
+          </p:cNvSpPr>
+          <p:nvPr>
+            <p:ph idx="1"/>
+          </p:nvPr>
+        </p:nvSpPr>
+        <p:spPr/>
+        <p:txBody>
+          <a:bodyPr>
+            <a:normAutofit/>
+          </a:bodyPr>
+          <a:lstStyle/>
+          <a:p>
+            <a:r>
+              <a:rPr lang="ko-KR" altLang="en-US" dirty="0">
+                <a:latin typeface="210 앱굴림 R" panose="02020603020101020101" pitchFamily="18" charset="-127"/>
+                <a:ea typeface="210 앱굴림 R" panose="02020603020101020101" pitchFamily="18" charset="-127"/>
+              </a:rPr>
+              <a:t>매 프레임마다 호출한다</a:t>
+            </a:r>
+          </a:p>
+        </p:txBody>
+      </p:sp>
+    </p:spTree>
+    <p:extLst>
+      <p:ext uri="{BB962C8B-B14F-4D97-AF65-F5344CB8AC3E}">
+        <p14:creationId xmlns:p14="http://schemas.microsoft.com/office/powerpoint/2010/main" val="3707494611"/>
+      </p:ext>
+    </p:extLst>
+  </p:cSld>
+  <p:clrMapOvr>
+    <a:masterClrMapping/>
+  </p:clrMapOvr>
+</p:sld>
+</file>
+
+<file path=ppt/slides/slide37.xml><?xml version="1.0" encoding="utf-8"?>
+<p:sld xmlns:a="http://schemas.openxmlformats.org/drawingml/2006/main" xmlns:r="http://schemas.openxmlformats.org/officeDocument/2006/relationships" xmlns:p="http://schemas.openxmlformats.org/presentationml/2006/main">
+  <p:cSld>
+    <p:spTree>
+      <p:nvGrpSpPr>
+        <p:cNvPr id="1" name=""/>
+        <p:cNvGrpSpPr/>
+        <p:nvPr/>
+      </p:nvGrpSpPr>
+      <p:grpSpPr>
+        <a:xfrm>
+          <a:off x="0" y="0"/>
+          <a:ext cx="0" cy="0"/>
+          <a:chOff x="0" y="0"/>
+          <a:chExt cx="0" cy="0"/>
+        </a:xfrm>
+      </p:grpSpPr>
+      <p:sp>
+        <p:nvSpPr>
+          <p:cNvPr id="2" name="제목 1">
+            <a:extLst>
+              <a:ext uri="{FF2B5EF4-FFF2-40B4-BE49-F238E27FC236}">
+                <a16:creationId xmlns:a16="http://schemas.microsoft.com/office/drawing/2014/main" id="{0ACBF03C-5D33-4F57-9940-E105350E8074}"/>
+              </a:ext>
+            </a:extLst>
+          </p:cNvPr>
+          <p:cNvSpPr>
+            <a:spLocks noGrp="1"/>
+          </p:cNvSpPr>
+          <p:nvPr>
+            <p:ph type="title"/>
+          </p:nvPr>
+        </p:nvSpPr>
+        <p:spPr/>
+        <p:txBody>
+          <a:bodyPr/>
+          <a:lstStyle/>
+          <a:p>
+            <a:r>
+              <a:rPr lang="en-US" altLang="ko-KR" dirty="0">
+                <a:latin typeface="210 앱굴림 R" panose="02020603020101020101" pitchFamily="18" charset="-127"/>
+                <a:ea typeface="210 앱굴림 R" panose="02020603020101020101" pitchFamily="18" charset="-127"/>
+              </a:rPr>
+              <a:t>Debug </a:t>
+            </a:r>
+            <a:r>
+              <a:rPr lang="ko-KR" altLang="en-US" dirty="0">
+                <a:latin typeface="210 앱굴림 R" panose="02020603020101020101" pitchFamily="18" charset="-127"/>
+                <a:ea typeface="210 앱굴림 R" panose="02020603020101020101" pitchFamily="18" charset="-127"/>
+              </a:rPr>
+              <a:t>찍기</a:t>
+            </a:r>
+          </a:p>
+        </p:txBody>
+      </p:sp>
+      <p:sp>
+        <p:nvSpPr>
+          <p:cNvPr id="3" name="내용 개체 틀 2">
+            <a:extLst>
+              <a:ext uri="{FF2B5EF4-FFF2-40B4-BE49-F238E27FC236}">
+                <a16:creationId xmlns:a16="http://schemas.microsoft.com/office/drawing/2014/main" id="{5C9EA5CF-5588-4F89-97F3-3B0FB725EAED}"/>
+              </a:ext>
+            </a:extLst>
+          </p:cNvPr>
+          <p:cNvSpPr>
+            <a:spLocks noGrp="1"/>
+          </p:cNvSpPr>
+          <p:nvPr>
+            <p:ph idx="1"/>
+          </p:nvPr>
+        </p:nvSpPr>
+        <p:spPr/>
+        <p:txBody>
+          <a:bodyPr>
+            <a:normAutofit/>
+          </a:bodyPr>
+          <a:lstStyle/>
+          <a:p>
+            <a:r>
+              <a:rPr lang="en-US" altLang="ko-KR" dirty="0" err="1">
+                <a:latin typeface="210 앱굴림 R" panose="02020603020101020101" pitchFamily="18" charset="-127"/>
+                <a:ea typeface="210 앱굴림 R" panose="02020603020101020101" pitchFamily="18" charset="-127"/>
+              </a:rPr>
+              <a:t>Debug.Log</a:t>
+            </a:r>
+            <a:r>
+              <a:rPr lang="en-US" altLang="ko-KR" dirty="0">
+                <a:latin typeface="210 앱굴림 R" panose="02020603020101020101" pitchFamily="18" charset="-127"/>
+                <a:ea typeface="210 앱굴림 R" panose="02020603020101020101" pitchFamily="18" charset="-127"/>
+              </a:rPr>
+              <a:t>(“</a:t>
+            </a:r>
+            <a:r>
+              <a:rPr lang="ko-KR" altLang="en-US" dirty="0">
+                <a:latin typeface="210 앱굴림 R" panose="02020603020101020101" pitchFamily="18" charset="-127"/>
+                <a:ea typeface="210 앱굴림 R" panose="02020603020101020101" pitchFamily="18" charset="-127"/>
+              </a:rPr>
+              <a:t>메시지</a:t>
+            </a:r>
+            <a:r>
+              <a:rPr lang="en-US" altLang="ko-KR" dirty="0">
+                <a:latin typeface="210 앱굴림 R" panose="02020603020101020101" pitchFamily="18" charset="-127"/>
+                <a:ea typeface="210 앱굴림 R" panose="02020603020101020101" pitchFamily="18" charset="-127"/>
+              </a:rPr>
+              <a:t>”);</a:t>
+            </a:r>
+          </a:p>
+          <a:p>
+            <a:pPr>
+              <a:buFont typeface="Symbol" panose="05050102010706020507" pitchFamily="18" charset="2"/>
+              <a:buChar char="Þ"/>
+            </a:pPr>
+            <a:r>
+              <a:rPr lang="ko-KR" altLang="en-US" dirty="0">
+                <a:latin typeface="210 앱굴림 R" panose="02020603020101020101" pitchFamily="18" charset="-127"/>
+                <a:ea typeface="210 앱굴림 R" panose="02020603020101020101" pitchFamily="18" charset="-127"/>
+              </a:rPr>
+              <a:t>콘솔창에 </a:t>
+            </a:r>
+            <a:r>
+              <a:rPr lang="en-US" altLang="ko-KR" dirty="0">
+                <a:latin typeface="210 앱굴림 R" panose="02020603020101020101" pitchFamily="18" charset="-127"/>
+                <a:ea typeface="210 앱굴림 R" panose="02020603020101020101" pitchFamily="18" charset="-127"/>
+              </a:rPr>
+              <a:t>“</a:t>
+            </a:r>
+            <a:r>
+              <a:rPr lang="ko-KR" altLang="en-US" dirty="0">
+                <a:latin typeface="210 앱굴림 R" panose="02020603020101020101" pitchFamily="18" charset="-127"/>
+                <a:ea typeface="210 앱굴림 R" panose="02020603020101020101" pitchFamily="18" charset="-127"/>
+              </a:rPr>
+              <a:t>메시지</a:t>
+            </a:r>
+            <a:r>
+              <a:rPr lang="en-US" altLang="ko-KR" dirty="0">
+                <a:latin typeface="210 앱굴림 R" panose="02020603020101020101" pitchFamily="18" charset="-127"/>
+                <a:ea typeface="210 앱굴림 R" panose="02020603020101020101" pitchFamily="18" charset="-127"/>
+              </a:rPr>
+              <a:t>” </a:t>
+            </a:r>
+            <a:r>
+              <a:rPr lang="ko-KR" altLang="en-US" dirty="0">
+                <a:latin typeface="210 앱굴림 R" panose="02020603020101020101" pitchFamily="18" charset="-127"/>
+                <a:ea typeface="210 앱굴림 R" panose="02020603020101020101" pitchFamily="18" charset="-127"/>
+              </a:rPr>
+              <a:t>출력</a:t>
+            </a:r>
+            <a:endParaRPr lang="en-US" altLang="ko-KR" dirty="0">
+              <a:latin typeface="210 앱굴림 R" panose="02020603020101020101" pitchFamily="18" charset="-127"/>
+              <a:ea typeface="210 앱굴림 R" panose="02020603020101020101" pitchFamily="18" charset="-127"/>
+            </a:endParaRPr>
+          </a:p>
+          <a:p>
+            <a:pPr>
+              <a:buFont typeface="Symbol" panose="05050102010706020507" pitchFamily="18" charset="2"/>
+              <a:buChar char="Þ"/>
+            </a:pPr>
+            <a:endParaRPr lang="en-US" altLang="ko-KR" dirty="0">
+              <a:latin typeface="210 앱굴림 R" panose="02020603020101020101" pitchFamily="18" charset="-127"/>
+              <a:ea typeface="210 앱굴림 R" panose="02020603020101020101" pitchFamily="18" charset="-127"/>
+            </a:endParaRPr>
+          </a:p>
+          <a:p>
+            <a:pPr>
+              <a:buFont typeface="Symbol" panose="05050102010706020507" pitchFamily="18" charset="2"/>
+              <a:buChar char="Þ"/>
+            </a:pPr>
+            <a:endParaRPr lang="en-US" altLang="ko-KR" dirty="0">
+              <a:latin typeface="210 앱굴림 R" panose="02020603020101020101" pitchFamily="18" charset="-127"/>
+              <a:ea typeface="210 앱굴림 R" panose="02020603020101020101" pitchFamily="18" charset="-127"/>
+            </a:endParaRPr>
+          </a:p>
+          <a:p>
+            <a:r>
+              <a:rPr lang="en-US" altLang="ko-KR" dirty="0" err="1">
+                <a:latin typeface="210 앱굴림 R" panose="02020603020101020101" pitchFamily="18" charset="-127"/>
+                <a:ea typeface="210 앱굴림 R" panose="02020603020101020101" pitchFamily="18" charset="-127"/>
+              </a:rPr>
+              <a:t>Debug.Log</a:t>
+            </a:r>
+            <a:r>
+              <a:rPr lang="en-US" altLang="ko-KR" dirty="0">
+                <a:latin typeface="210 앱굴림 R" panose="02020603020101020101" pitchFamily="18" charset="-127"/>
+                <a:ea typeface="210 앱굴림 R" panose="02020603020101020101" pitchFamily="18" charset="-127"/>
+              </a:rPr>
+              <a:t>(</a:t>
+            </a:r>
+            <a:r>
+              <a:rPr lang="ko-KR" altLang="en-US" dirty="0">
+                <a:latin typeface="210 앱굴림 R" panose="02020603020101020101" pitchFamily="18" charset="-127"/>
+                <a:ea typeface="210 앱굴림 R" panose="02020603020101020101" pitchFamily="18" charset="-127"/>
+              </a:rPr>
+              <a:t>변수</a:t>
+            </a:r>
+            <a:r>
+              <a:rPr lang="en-US" altLang="ko-KR" dirty="0">
+                <a:latin typeface="210 앱굴림 R" panose="02020603020101020101" pitchFamily="18" charset="-127"/>
+                <a:ea typeface="210 앱굴림 R" panose="02020603020101020101" pitchFamily="18" charset="-127"/>
+              </a:rPr>
+              <a:t>);</a:t>
+            </a:r>
+          </a:p>
+        </p:txBody>
+      </p:sp>
+    </p:spTree>
+    <p:extLst>
+      <p:ext uri="{BB962C8B-B14F-4D97-AF65-F5344CB8AC3E}">
+        <p14:creationId xmlns:p14="http://schemas.microsoft.com/office/powerpoint/2010/main" val="2709534964"/>
+      </p:ext>
+    </p:extLst>
+  </p:cSld>
+  <p:clrMapOvr>
+    <a:masterClrMapping/>
+  </p:clrMapOvr>
+</p:sld>
+</file>
+
+<file path=ppt/slides/slide38.xml><?xml version="1.0" encoding="utf-8"?>
+<p:sld xmlns:a="http://schemas.openxmlformats.org/drawingml/2006/main" xmlns:r="http://schemas.openxmlformats.org/officeDocument/2006/relationships" xmlns:p="http://schemas.openxmlformats.org/presentationml/2006/main">
+  <p:cSld>
+    <p:spTree>
+      <p:nvGrpSpPr>
+        <p:cNvPr id="1" name=""/>
+        <p:cNvGrpSpPr/>
+        <p:nvPr/>
+      </p:nvGrpSpPr>
+      <p:grpSpPr>
+        <a:xfrm>
+          <a:off x="0" y="0"/>
+          <a:ext cx="0" cy="0"/>
+          <a:chOff x="0" y="0"/>
+          <a:chExt cx="0" cy="0"/>
+        </a:xfrm>
+      </p:grpSpPr>
+      <p:sp>
+        <p:nvSpPr>
+          <p:cNvPr id="2" name="제목 1">
+            <a:extLst>
+              <a:ext uri="{FF2B5EF4-FFF2-40B4-BE49-F238E27FC236}">
+                <a16:creationId xmlns:a16="http://schemas.microsoft.com/office/drawing/2014/main" id="{0ACBF03C-5D33-4F57-9940-E105350E8074}"/>
+              </a:ext>
+            </a:extLst>
+          </p:cNvPr>
+          <p:cNvSpPr>
+            <a:spLocks noGrp="1"/>
+          </p:cNvSpPr>
+          <p:nvPr>
+            <p:ph type="title"/>
+          </p:nvPr>
+        </p:nvSpPr>
+        <p:spPr/>
+        <p:txBody>
+          <a:bodyPr/>
+          <a:lstStyle/>
+          <a:p>
+            <a:r>
+              <a:rPr lang="en-US" altLang="ko-KR" dirty="0">
+                <a:latin typeface="210 앱굴림 R" panose="02020603020101020101" pitchFamily="18" charset="-127"/>
+                <a:ea typeface="210 앱굴림 R" panose="02020603020101020101" pitchFamily="18" charset="-127"/>
+              </a:rPr>
+              <a:t>Drag and Drop</a:t>
+            </a:r>
+            <a:endParaRPr lang="ko-KR" altLang="en-US" dirty="0">
+              <a:latin typeface="210 앱굴림 R" panose="02020603020101020101" pitchFamily="18" charset="-127"/>
+              <a:ea typeface="210 앱굴림 R" panose="02020603020101020101" pitchFamily="18" charset="-127"/>
+            </a:endParaRPr>
+          </a:p>
+        </p:txBody>
+      </p:sp>
+      <p:sp>
+        <p:nvSpPr>
+          <p:cNvPr id="3" name="내용 개체 틀 2">
+            <a:extLst>
+              <a:ext uri="{FF2B5EF4-FFF2-40B4-BE49-F238E27FC236}">
+                <a16:creationId xmlns:a16="http://schemas.microsoft.com/office/drawing/2014/main" id="{5C9EA5CF-5588-4F89-97F3-3B0FB725EAED}"/>
+              </a:ext>
+            </a:extLst>
+          </p:cNvPr>
+          <p:cNvSpPr>
+            <a:spLocks noGrp="1"/>
+          </p:cNvSpPr>
+          <p:nvPr>
+            <p:ph idx="1"/>
+          </p:nvPr>
+        </p:nvSpPr>
+        <p:spPr/>
+        <p:txBody>
+          <a:bodyPr>
+            <a:normAutofit/>
+          </a:bodyPr>
+          <a:lstStyle/>
+          <a:p>
+            <a:pPr marL="0" indent="0">
+              <a:buNone/>
+            </a:pPr>
+            <a:r>
+              <a:rPr lang="en-US" altLang="ko-KR" dirty="0">
+                <a:latin typeface="210 앱굴림 R" panose="02020603020101020101" pitchFamily="18" charset="-127"/>
+                <a:ea typeface="210 앱굴림 R" panose="02020603020101020101" pitchFamily="18" charset="-127"/>
+              </a:rPr>
+              <a:t>Inspector </a:t>
+            </a:r>
+            <a:r>
+              <a:rPr lang="ko-KR" altLang="en-US" dirty="0">
+                <a:latin typeface="210 앱굴림 R" panose="02020603020101020101" pitchFamily="18" charset="-127"/>
+                <a:ea typeface="210 앱굴림 R" panose="02020603020101020101" pitchFamily="18" charset="-127"/>
+              </a:rPr>
+              <a:t>창에서 </a:t>
+            </a:r>
+            <a:r>
+              <a:rPr lang="en-US" altLang="ko-KR" dirty="0">
+                <a:latin typeface="210 앱굴림 R" panose="02020603020101020101" pitchFamily="18" charset="-127"/>
+                <a:ea typeface="210 앱굴림 R" panose="02020603020101020101" pitchFamily="18" charset="-127"/>
+              </a:rPr>
+              <a:t>Drag and Drop</a:t>
+            </a:r>
+            <a:r>
+              <a:rPr lang="ko-KR" altLang="en-US" dirty="0">
+                <a:latin typeface="210 앱굴림 R" panose="02020603020101020101" pitchFamily="18" charset="-127"/>
+                <a:ea typeface="210 앱굴림 R" panose="02020603020101020101" pitchFamily="18" charset="-127"/>
+              </a:rPr>
+              <a:t>으로 </a:t>
+            </a:r>
+            <a:r>
+              <a:rPr lang="en-US" altLang="ko-KR" dirty="0">
+                <a:latin typeface="210 앱굴림 R" panose="02020603020101020101" pitchFamily="18" charset="-127"/>
+                <a:ea typeface="210 앱굴림 R" panose="02020603020101020101" pitchFamily="18" charset="-127"/>
+              </a:rPr>
+              <a:t>Public </a:t>
+            </a:r>
+            <a:r>
+              <a:rPr lang="ko-KR" altLang="en-US" dirty="0">
+                <a:latin typeface="210 앱굴림 R" panose="02020603020101020101" pitchFamily="18" charset="-127"/>
+                <a:ea typeface="210 앱굴림 R" panose="02020603020101020101" pitchFamily="18" charset="-127"/>
+              </a:rPr>
+              <a:t>변수 초기화 가능</a:t>
+            </a:r>
+          </a:p>
+        </p:txBody>
+      </p:sp>
+    </p:spTree>
+    <p:extLst>
+      <p:ext uri="{BB962C8B-B14F-4D97-AF65-F5344CB8AC3E}">
+        <p14:creationId xmlns:p14="http://schemas.microsoft.com/office/powerpoint/2010/main" val="3432037030"/>
+      </p:ext>
+    </p:extLst>
+  </p:cSld>
+  <p:clrMapOvr>
+    <a:masterClrMapping/>
+  </p:clrMapOvr>
+</p:sld>
+</file>
+
+<file path=ppt/slides/slide39.xml><?xml version="1.0" encoding="utf-8"?>
+<p:sld xmlns:a="http://schemas.openxmlformats.org/drawingml/2006/main" xmlns:r="http://schemas.openxmlformats.org/officeDocument/2006/relationships" xmlns:p="http://schemas.openxmlformats.org/presentationml/2006/main">
+  <p:cSld>
+    <p:spTree>
+      <p:nvGrpSpPr>
+        <p:cNvPr id="1" name=""/>
+        <p:cNvGrpSpPr/>
+        <p:nvPr/>
+      </p:nvGrpSpPr>
+      <p:grpSpPr>
+        <a:xfrm>
+          <a:off x="0" y="0"/>
+          <a:ext cx="0" cy="0"/>
+          <a:chOff x="0" y="0"/>
+          <a:chExt cx="0" cy="0"/>
+        </a:xfrm>
+      </p:grpSpPr>
+      <p:sp>
+        <p:nvSpPr>
+          <p:cNvPr id="2" name="제목 1">
+            <a:extLst>
+              <a:ext uri="{FF2B5EF4-FFF2-40B4-BE49-F238E27FC236}">
+                <a16:creationId xmlns:a16="http://schemas.microsoft.com/office/drawing/2014/main" id="{0ACBF03C-5D33-4F57-9940-E105350E8074}"/>
+              </a:ext>
+            </a:extLst>
+          </p:cNvPr>
+          <p:cNvSpPr>
+            <a:spLocks noGrp="1"/>
+          </p:cNvSpPr>
+          <p:nvPr>
+            <p:ph type="title"/>
+          </p:nvPr>
+        </p:nvSpPr>
+        <p:spPr/>
+        <p:txBody>
+          <a:bodyPr/>
+          <a:lstStyle/>
+          <a:p>
+            <a:r>
+              <a:rPr lang="en-US" altLang="ko-KR" dirty="0">
+                <a:latin typeface="210 앱굴림 R" panose="02020603020101020101" pitchFamily="18" charset="-127"/>
+                <a:ea typeface="210 앱굴림 R" panose="02020603020101020101" pitchFamily="18" charset="-127"/>
+              </a:rPr>
+              <a:t>Input() </a:t>
+            </a:r>
+            <a:r>
+              <a:rPr lang="ko-KR" altLang="en-US" dirty="0">
+                <a:latin typeface="210 앱굴림 R" panose="02020603020101020101" pitchFamily="18" charset="-127"/>
+                <a:ea typeface="210 앱굴림 R" panose="02020603020101020101" pitchFamily="18" charset="-127"/>
+              </a:rPr>
+              <a:t>함수</a:t>
+            </a:r>
+          </a:p>
+        </p:txBody>
+      </p:sp>
+      <p:sp>
+        <p:nvSpPr>
+          <p:cNvPr id="3" name="내용 개체 틀 2">
+            <a:extLst>
+              <a:ext uri="{FF2B5EF4-FFF2-40B4-BE49-F238E27FC236}">
+                <a16:creationId xmlns:a16="http://schemas.microsoft.com/office/drawing/2014/main" id="{5C9EA5CF-5588-4F89-97F3-3B0FB725EAED}"/>
+              </a:ext>
+            </a:extLst>
+          </p:cNvPr>
+          <p:cNvSpPr>
+            <a:spLocks noGrp="1"/>
+          </p:cNvSpPr>
+          <p:nvPr>
+            <p:ph idx="1"/>
+          </p:nvPr>
+        </p:nvSpPr>
+        <p:spPr/>
+        <p:txBody>
+          <a:bodyPr>
+            <a:normAutofit/>
+          </a:bodyPr>
+          <a:lstStyle/>
+          <a:p>
+            <a:pPr marL="0" indent="0">
+              <a:buNone/>
+            </a:pPr>
+            <a:r>
+              <a:rPr lang="ko-KR" altLang="en-US" dirty="0">
+                <a:latin typeface="210 앱굴림 R" panose="02020603020101020101" pitchFamily="18" charset="-127"/>
+                <a:ea typeface="210 앱굴림 R" panose="02020603020101020101" pitchFamily="18" charset="-127"/>
+              </a:rPr>
+              <a:t>화살표 키로 큐브를 상하좌우로 움직이는 스크립트를 만들어 보자</a:t>
+            </a:r>
+            <a:r>
+              <a:rPr lang="en-US" altLang="ko-KR" dirty="0">
+                <a:latin typeface="210 앱굴림 R" panose="02020603020101020101" pitchFamily="18" charset="-127"/>
+                <a:ea typeface="210 앱굴림 R" panose="02020603020101020101" pitchFamily="18" charset="-127"/>
+              </a:rPr>
+              <a:t>!</a:t>
+            </a:r>
+            <a:endParaRPr lang="ko-KR" altLang="en-US" dirty="0">
+              <a:latin typeface="210 앱굴림 R" panose="02020603020101020101" pitchFamily="18" charset="-127"/>
+              <a:ea typeface="210 앱굴림 R" panose="02020603020101020101" pitchFamily="18" charset="-127"/>
+            </a:endParaRPr>
+          </a:p>
+        </p:txBody>
+      </p:sp>
+    </p:spTree>
+    <p:extLst>
+      <p:ext uri="{BB962C8B-B14F-4D97-AF65-F5344CB8AC3E}">
+        <p14:creationId xmlns:p14="http://schemas.microsoft.com/office/powerpoint/2010/main" val="1118497068"/>
+      </p:ext>
+    </p:extLst>
+  </p:cSld>
+  <p:clrMapOvr>
+    <a:masterClrMapping/>
+  </p:clrMapOvr>
+</p:sld>
+</file>
+
 <file path=ppt/slides/slide4.xml><?xml version="1.0" encoding="utf-8"?>
 <p:sld xmlns:a="http://schemas.openxmlformats.org/drawingml/2006/main" xmlns:r="http://schemas.openxmlformats.org/officeDocument/2006/relationships" xmlns:p="http://schemas.openxmlformats.org/presentationml/2006/main">
   <p:cSld>
@@ -7017,6 +10328,699 @@
       </p:grpSpPr>
       <p:sp>
         <p:nvSpPr>
+          <p:cNvPr id="2" name="직사각형 1">
+            <a:extLst>
+              <a:ext uri="{FF2B5EF4-FFF2-40B4-BE49-F238E27FC236}">
+                <a16:creationId xmlns:a16="http://schemas.microsoft.com/office/drawing/2014/main" id="{404A0A41-315D-44F1-BEB3-B2DEA840FAA6}"/>
+              </a:ext>
+            </a:extLst>
+          </p:cNvPr>
+          <p:cNvSpPr/>
+          <p:nvPr/>
+        </p:nvSpPr>
+        <p:spPr>
+          <a:xfrm>
+            <a:off x="1484784" y="2767280"/>
+            <a:ext cx="6174432" cy="1323439"/>
+          </a:xfrm>
+          <a:prstGeom prst="rect">
+            <a:avLst/>
+          </a:prstGeom>
+        </p:spPr>
+        <p:txBody>
+          <a:bodyPr wrap="square">
+            <a:spAutoFit/>
+          </a:bodyPr>
+          <a:lstStyle/>
+          <a:p>
+            <a:pPr algn="ctr"/>
+            <a:r>
+              <a:rPr lang="ko-KR" altLang="en-US" sz="8000" dirty="0">
+                <a:solidFill>
+                  <a:schemeClr val="accent6">
+                    <a:lumMod val="60000"/>
+                    <a:lumOff val="40000"/>
+                  </a:schemeClr>
+                </a:solidFill>
+                <a:latin typeface="210 앱굴림 R" panose="02020603020101020101" pitchFamily="18" charset="-127"/>
+                <a:ea typeface="210 앱굴림 R" panose="02020603020101020101" pitchFamily="18" charset="-127"/>
+              </a:rPr>
+              <a:t>유니티 소개</a:t>
+            </a:r>
+          </a:p>
+        </p:txBody>
+      </p:sp>
+    </p:spTree>
+    <p:extLst>
+      <p:ext uri="{BB962C8B-B14F-4D97-AF65-F5344CB8AC3E}">
+        <p14:creationId xmlns:p14="http://schemas.microsoft.com/office/powerpoint/2010/main" val="2734107508"/>
+      </p:ext>
+    </p:extLst>
+  </p:cSld>
+  <p:clrMapOvr>
+    <a:masterClrMapping/>
+  </p:clrMapOvr>
+</p:sld>
+</file>
+
+<file path=ppt/slides/slide40.xml><?xml version="1.0" encoding="utf-8"?>
+<p:sld xmlns:a="http://schemas.openxmlformats.org/drawingml/2006/main" xmlns:r="http://schemas.openxmlformats.org/officeDocument/2006/relationships" xmlns:p="http://schemas.openxmlformats.org/presentationml/2006/main">
+  <p:cSld>
+    <p:spTree>
+      <p:nvGrpSpPr>
+        <p:cNvPr id="1" name=""/>
+        <p:cNvGrpSpPr/>
+        <p:nvPr/>
+      </p:nvGrpSpPr>
+      <p:grpSpPr>
+        <a:xfrm>
+          <a:off x="0" y="0"/>
+          <a:ext cx="0" cy="0"/>
+          <a:chOff x="0" y="0"/>
+          <a:chExt cx="0" cy="0"/>
+        </a:xfrm>
+      </p:grpSpPr>
+      <p:sp>
+        <p:nvSpPr>
+          <p:cNvPr id="2" name="제목 1">
+            <a:extLst>
+              <a:ext uri="{FF2B5EF4-FFF2-40B4-BE49-F238E27FC236}">
+                <a16:creationId xmlns:a16="http://schemas.microsoft.com/office/drawing/2014/main" id="{0ACBF03C-5D33-4F57-9940-E105350E8074}"/>
+              </a:ext>
+            </a:extLst>
+          </p:cNvPr>
+          <p:cNvSpPr>
+            <a:spLocks noGrp="1"/>
+          </p:cNvSpPr>
+          <p:nvPr>
+            <p:ph type="title"/>
+          </p:nvPr>
+        </p:nvSpPr>
+        <p:spPr/>
+        <p:txBody>
+          <a:bodyPr/>
+          <a:lstStyle/>
+          <a:p>
+            <a:r>
+              <a:rPr lang="en-US" altLang="ko-KR" dirty="0">
+                <a:latin typeface="210 앱굴림 R" panose="02020603020101020101" pitchFamily="18" charset="-127"/>
+                <a:ea typeface="210 앱굴림 R" panose="02020603020101020101" pitchFamily="18" charset="-127"/>
+              </a:rPr>
+              <a:t>Frame?</a:t>
+            </a:r>
+            <a:endParaRPr lang="ko-KR" altLang="en-US" dirty="0">
+              <a:latin typeface="210 앱굴림 R" panose="02020603020101020101" pitchFamily="18" charset="-127"/>
+              <a:ea typeface="210 앱굴림 R" panose="02020603020101020101" pitchFamily="18" charset="-127"/>
+            </a:endParaRPr>
+          </a:p>
+        </p:txBody>
+      </p:sp>
+      <p:sp>
+        <p:nvSpPr>
+          <p:cNvPr id="3" name="내용 개체 틀 2">
+            <a:extLst>
+              <a:ext uri="{FF2B5EF4-FFF2-40B4-BE49-F238E27FC236}">
+                <a16:creationId xmlns:a16="http://schemas.microsoft.com/office/drawing/2014/main" id="{5C9EA5CF-5588-4F89-97F3-3B0FB725EAED}"/>
+              </a:ext>
+            </a:extLst>
+          </p:cNvPr>
+          <p:cNvSpPr>
+            <a:spLocks noGrp="1"/>
+          </p:cNvSpPr>
+          <p:nvPr>
+            <p:ph idx="1"/>
+          </p:nvPr>
+        </p:nvSpPr>
+        <p:spPr/>
+        <p:txBody>
+          <a:bodyPr>
+            <a:normAutofit lnSpcReduction="10000"/>
+          </a:bodyPr>
+          <a:lstStyle/>
+          <a:p>
+            <a:pPr marL="0" indent="0">
+              <a:buNone/>
+            </a:pPr>
+            <a:r>
+              <a:rPr lang="en-US" altLang="ko-KR" dirty="0">
+                <a:latin typeface="210 앱굴림 R" panose="02020603020101020101" pitchFamily="18" charset="-127"/>
+                <a:ea typeface="210 앱굴림 R" panose="02020603020101020101" pitchFamily="18" charset="-127"/>
+              </a:rPr>
+              <a:t>Update(){</a:t>
+            </a:r>
+          </a:p>
+          <a:p>
+            <a:pPr marL="0" indent="0">
+              <a:buNone/>
+            </a:pPr>
+            <a:r>
+              <a:rPr lang="en-US" altLang="ko-KR" dirty="0">
+                <a:latin typeface="210 앱굴림 R" panose="02020603020101020101" pitchFamily="18" charset="-127"/>
+                <a:ea typeface="210 앱굴림 R" panose="02020603020101020101" pitchFamily="18" charset="-127"/>
+              </a:rPr>
+              <a:t>	</a:t>
+            </a:r>
+            <a:r>
+              <a:rPr lang="ko-KR" altLang="en-US" dirty="0">
+                <a:latin typeface="210 앱굴림 R" panose="02020603020101020101" pitchFamily="18" charset="-127"/>
+                <a:ea typeface="210 앱굴림 R" panose="02020603020101020101" pitchFamily="18" charset="-127"/>
+              </a:rPr>
+              <a:t>대충 </a:t>
+            </a:r>
+            <a:r>
+              <a:rPr lang="en-US" altLang="ko-KR" dirty="0">
+                <a:latin typeface="210 앱굴림 R" panose="02020603020101020101" pitchFamily="18" charset="-127"/>
+                <a:ea typeface="210 앱굴림 R" panose="02020603020101020101" pitchFamily="18" charset="-127"/>
+              </a:rPr>
+              <a:t>1</a:t>
+            </a:r>
+            <a:r>
+              <a:rPr lang="ko-KR" altLang="en-US" dirty="0">
+                <a:latin typeface="210 앱굴림 R" panose="02020603020101020101" pitchFamily="18" charset="-127"/>
+                <a:ea typeface="210 앱굴림 R" panose="02020603020101020101" pitchFamily="18" charset="-127"/>
+              </a:rPr>
+              <a:t>미터 움직이라는 내용</a:t>
+            </a:r>
+            <a:endParaRPr lang="en-US" altLang="ko-KR" dirty="0">
+              <a:latin typeface="210 앱굴림 R" panose="02020603020101020101" pitchFamily="18" charset="-127"/>
+              <a:ea typeface="210 앱굴림 R" panose="02020603020101020101" pitchFamily="18" charset="-127"/>
+            </a:endParaRPr>
+          </a:p>
+          <a:p>
+            <a:pPr marL="0" indent="0">
+              <a:buNone/>
+            </a:pPr>
+            <a:r>
+              <a:rPr lang="en-US" altLang="ko-KR" dirty="0">
+                <a:latin typeface="210 앱굴림 R" panose="02020603020101020101" pitchFamily="18" charset="-127"/>
+                <a:ea typeface="210 앱굴림 R" panose="02020603020101020101" pitchFamily="18" charset="-127"/>
+              </a:rPr>
+              <a:t>}</a:t>
+            </a:r>
+          </a:p>
+          <a:p>
+            <a:pPr marL="0" indent="0">
+              <a:buNone/>
+            </a:pPr>
+            <a:endParaRPr lang="en-US" altLang="ko-KR" dirty="0">
+              <a:latin typeface="210 앱굴림 R" panose="02020603020101020101" pitchFamily="18" charset="-127"/>
+              <a:ea typeface="210 앱굴림 R" panose="02020603020101020101" pitchFamily="18" charset="-127"/>
+            </a:endParaRPr>
+          </a:p>
+          <a:p>
+            <a:pPr marL="0" indent="0">
+              <a:buNone/>
+            </a:pPr>
+            <a:r>
+              <a:rPr lang="ko-KR" altLang="en-US" dirty="0">
+                <a:latin typeface="210 앱굴림 R" panose="02020603020101020101" pitchFamily="18" charset="-127"/>
+                <a:ea typeface="210 앱굴림 R" panose="02020603020101020101" pitchFamily="18" charset="-127"/>
+              </a:rPr>
+              <a:t>으악 프레임 드랍</a:t>
+            </a:r>
+            <a:r>
+              <a:rPr lang="en-US" altLang="ko-KR" dirty="0">
+                <a:latin typeface="210 앱굴림 R" panose="02020603020101020101" pitchFamily="18" charset="-127"/>
+                <a:ea typeface="210 앱굴림 R" panose="02020603020101020101" pitchFamily="18" charset="-127"/>
+              </a:rPr>
+              <a:t>!</a:t>
+            </a:r>
+          </a:p>
+          <a:p>
+            <a:pPr marL="0" indent="0">
+              <a:buNone/>
+            </a:pPr>
+            <a:r>
+              <a:rPr lang="en-US" altLang="ko-KR" dirty="0">
+                <a:latin typeface="210 앱굴림 R" panose="02020603020101020101" pitchFamily="18" charset="-127"/>
+                <a:ea typeface="210 앱굴림 R" panose="02020603020101020101" pitchFamily="18" charset="-127"/>
+              </a:rPr>
+              <a:t>11 </a:t>
+            </a:r>
+            <a:r>
+              <a:rPr lang="ko-KR" altLang="en-US" dirty="0">
+                <a:latin typeface="210 앱굴림 R" panose="02020603020101020101" pitchFamily="18" charset="-127"/>
+                <a:ea typeface="210 앱굴림 R" panose="02020603020101020101" pitchFamily="18" charset="-127"/>
+              </a:rPr>
+              <a:t>프레임 </a:t>
+            </a:r>
+            <a:r>
+              <a:rPr lang="en-US" altLang="ko-KR" dirty="0">
+                <a:latin typeface="210 앱굴림 R" panose="02020603020101020101" pitchFamily="18" charset="-127"/>
+                <a:ea typeface="210 앱굴림 R" panose="02020603020101020101" pitchFamily="18" charset="-127"/>
+              </a:rPr>
+              <a:t>	=&gt; 1</a:t>
+            </a:r>
+            <a:r>
+              <a:rPr lang="ko-KR" altLang="en-US" dirty="0">
+                <a:latin typeface="210 앱굴림 R" panose="02020603020101020101" pitchFamily="18" charset="-127"/>
+                <a:ea typeface="210 앱굴림 R" panose="02020603020101020101" pitchFamily="18" charset="-127"/>
+              </a:rPr>
+              <a:t>초에 </a:t>
+            </a:r>
+            <a:r>
+              <a:rPr lang="en-US" altLang="ko-KR" dirty="0">
+                <a:latin typeface="210 앱굴림 R" panose="02020603020101020101" pitchFamily="18" charset="-127"/>
+                <a:ea typeface="210 앱굴림 R" panose="02020603020101020101" pitchFamily="18" charset="-127"/>
+              </a:rPr>
+              <a:t>11</a:t>
+            </a:r>
+            <a:r>
+              <a:rPr lang="ko-KR" altLang="en-US" dirty="0">
+                <a:latin typeface="210 앱굴림 R" panose="02020603020101020101" pitchFamily="18" charset="-127"/>
+                <a:ea typeface="210 앱굴림 R" panose="02020603020101020101" pitchFamily="18" charset="-127"/>
+              </a:rPr>
+              <a:t>미터 이동</a:t>
+            </a:r>
+            <a:endParaRPr lang="en-US" altLang="ko-KR" dirty="0">
+              <a:latin typeface="210 앱굴림 R" panose="02020603020101020101" pitchFamily="18" charset="-127"/>
+              <a:ea typeface="210 앱굴림 R" panose="02020603020101020101" pitchFamily="18" charset="-127"/>
+            </a:endParaRPr>
+          </a:p>
+          <a:p>
+            <a:pPr marL="0" indent="0">
+              <a:buNone/>
+            </a:pPr>
+            <a:endParaRPr lang="en-US" altLang="ko-KR" dirty="0">
+              <a:latin typeface="210 앱굴림 R" panose="02020603020101020101" pitchFamily="18" charset="-127"/>
+              <a:ea typeface="210 앱굴림 R" panose="02020603020101020101" pitchFamily="18" charset="-127"/>
+            </a:endParaRPr>
+          </a:p>
+          <a:p>
+            <a:pPr marL="0" indent="0">
+              <a:buNone/>
+            </a:pPr>
+            <a:r>
+              <a:rPr lang="en-US" altLang="ko-KR" dirty="0">
+                <a:latin typeface="210 앱굴림 R" panose="02020603020101020101" pitchFamily="18" charset="-127"/>
+                <a:ea typeface="210 앱굴림 R" panose="02020603020101020101" pitchFamily="18" charset="-127"/>
+              </a:rPr>
+              <a:t>60</a:t>
+            </a:r>
+            <a:r>
+              <a:rPr lang="ko-KR" altLang="en-US" dirty="0">
+                <a:latin typeface="210 앱굴림 R" panose="02020603020101020101" pitchFamily="18" charset="-127"/>
+                <a:ea typeface="210 앱굴림 R" panose="02020603020101020101" pitchFamily="18" charset="-127"/>
+              </a:rPr>
+              <a:t>프레임</a:t>
+            </a:r>
+            <a:r>
+              <a:rPr lang="en-US" altLang="ko-KR" dirty="0">
+                <a:latin typeface="210 앱굴림 R" panose="02020603020101020101" pitchFamily="18" charset="-127"/>
+                <a:ea typeface="210 앱굴림 R" panose="02020603020101020101" pitchFamily="18" charset="-127"/>
+              </a:rPr>
+              <a:t>	=&gt; 1</a:t>
+            </a:r>
+            <a:r>
+              <a:rPr lang="ko-KR" altLang="en-US" dirty="0">
+                <a:latin typeface="210 앱굴림 R" panose="02020603020101020101" pitchFamily="18" charset="-127"/>
+                <a:ea typeface="210 앱굴림 R" panose="02020603020101020101" pitchFamily="18" charset="-127"/>
+              </a:rPr>
+              <a:t>초에 </a:t>
+            </a:r>
+            <a:r>
+              <a:rPr lang="en-US" altLang="ko-KR" dirty="0">
+                <a:latin typeface="210 앱굴림 R" panose="02020603020101020101" pitchFamily="18" charset="-127"/>
+                <a:ea typeface="210 앱굴림 R" panose="02020603020101020101" pitchFamily="18" charset="-127"/>
+              </a:rPr>
+              <a:t>60</a:t>
+            </a:r>
+            <a:r>
+              <a:rPr lang="ko-KR" altLang="en-US" dirty="0">
+                <a:latin typeface="210 앱굴림 R" panose="02020603020101020101" pitchFamily="18" charset="-127"/>
+                <a:ea typeface="210 앱굴림 R" panose="02020603020101020101" pitchFamily="18" charset="-127"/>
+              </a:rPr>
+              <a:t>미터 이동</a:t>
+            </a:r>
+            <a:endParaRPr lang="en-US" altLang="ko-KR" dirty="0">
+              <a:latin typeface="210 앱굴림 R" panose="02020603020101020101" pitchFamily="18" charset="-127"/>
+              <a:ea typeface="210 앱굴림 R" panose="02020603020101020101" pitchFamily="18" charset="-127"/>
+            </a:endParaRPr>
+          </a:p>
+          <a:p>
+            <a:pPr marL="0" indent="0">
+              <a:buNone/>
+            </a:pPr>
+            <a:endParaRPr lang="ko-KR" altLang="en-US" dirty="0">
+              <a:latin typeface="210 앱굴림 R" panose="02020603020101020101" pitchFamily="18" charset="-127"/>
+              <a:ea typeface="210 앱굴림 R" panose="02020603020101020101" pitchFamily="18" charset="-127"/>
+            </a:endParaRPr>
+          </a:p>
+        </p:txBody>
+      </p:sp>
+    </p:spTree>
+    <p:extLst>
+      <p:ext uri="{BB962C8B-B14F-4D97-AF65-F5344CB8AC3E}">
+        <p14:creationId xmlns:p14="http://schemas.microsoft.com/office/powerpoint/2010/main" val="2803382810"/>
+      </p:ext>
+    </p:extLst>
+  </p:cSld>
+  <p:clrMapOvr>
+    <a:masterClrMapping/>
+  </p:clrMapOvr>
+</p:sld>
+</file>
+
+<file path=ppt/slides/slide41.xml><?xml version="1.0" encoding="utf-8"?>
+<p:sld xmlns:a="http://schemas.openxmlformats.org/drawingml/2006/main" xmlns:r="http://schemas.openxmlformats.org/officeDocument/2006/relationships" xmlns:p="http://schemas.openxmlformats.org/presentationml/2006/main">
+  <p:cSld>
+    <p:spTree>
+      <p:nvGrpSpPr>
+        <p:cNvPr id="1" name=""/>
+        <p:cNvGrpSpPr/>
+        <p:nvPr/>
+      </p:nvGrpSpPr>
+      <p:grpSpPr>
+        <a:xfrm>
+          <a:off x="0" y="0"/>
+          <a:ext cx="0" cy="0"/>
+          <a:chOff x="0" y="0"/>
+          <a:chExt cx="0" cy="0"/>
+        </a:xfrm>
+      </p:grpSpPr>
+      <p:sp>
+        <p:nvSpPr>
+          <p:cNvPr id="2" name="제목 1">
+            <a:extLst>
+              <a:ext uri="{FF2B5EF4-FFF2-40B4-BE49-F238E27FC236}">
+                <a16:creationId xmlns:a16="http://schemas.microsoft.com/office/drawing/2014/main" id="{0ACBF03C-5D33-4F57-9940-E105350E8074}"/>
+              </a:ext>
+            </a:extLst>
+          </p:cNvPr>
+          <p:cNvSpPr>
+            <a:spLocks noGrp="1"/>
+          </p:cNvSpPr>
+          <p:nvPr>
+            <p:ph type="title"/>
+          </p:nvPr>
+        </p:nvSpPr>
+        <p:spPr/>
+        <p:txBody>
+          <a:bodyPr/>
+          <a:lstStyle/>
+          <a:p>
+            <a:r>
+              <a:rPr lang="ko-KR" altLang="en-US" dirty="0">
+                <a:latin typeface="210 앱굴림 R" panose="02020603020101020101" pitchFamily="18" charset="-127"/>
+                <a:ea typeface="210 앱굴림 R" panose="02020603020101020101" pitchFamily="18" charset="-127"/>
+              </a:rPr>
+              <a:t>해결법</a:t>
+            </a:r>
+          </a:p>
+        </p:txBody>
+      </p:sp>
+      <p:sp>
+        <p:nvSpPr>
+          <p:cNvPr id="3" name="내용 개체 틀 2">
+            <a:extLst>
+              <a:ext uri="{FF2B5EF4-FFF2-40B4-BE49-F238E27FC236}">
+                <a16:creationId xmlns:a16="http://schemas.microsoft.com/office/drawing/2014/main" id="{5C9EA5CF-5588-4F89-97F3-3B0FB725EAED}"/>
+              </a:ext>
+            </a:extLst>
+          </p:cNvPr>
+          <p:cNvSpPr>
+            <a:spLocks noGrp="1"/>
+          </p:cNvSpPr>
+          <p:nvPr>
+            <p:ph idx="1"/>
+          </p:nvPr>
+        </p:nvSpPr>
+        <p:spPr/>
+        <p:txBody>
+          <a:bodyPr>
+            <a:normAutofit/>
+          </a:bodyPr>
+          <a:lstStyle/>
+          <a:p>
+            <a:pPr marL="0" indent="0">
+              <a:buNone/>
+            </a:pPr>
+            <a:r>
+              <a:rPr lang="en-US" altLang="ko-KR" dirty="0" err="1">
+                <a:latin typeface="210 앱굴림 R" panose="02020603020101020101" pitchFamily="18" charset="-127"/>
+                <a:ea typeface="210 앱굴림 R" panose="02020603020101020101" pitchFamily="18" charset="-127"/>
+              </a:rPr>
+              <a:t>Time.deltaTime</a:t>
+            </a:r>
+            <a:r>
+              <a:rPr lang="ko-KR" altLang="en-US" dirty="0">
+                <a:latin typeface="210 앱굴림 R" panose="02020603020101020101" pitchFamily="18" charset="-127"/>
+                <a:ea typeface="210 앱굴림 R" panose="02020603020101020101" pitchFamily="18" charset="-127"/>
+              </a:rPr>
+              <a:t>을</a:t>
+            </a:r>
+            <a:r>
+              <a:rPr lang="en-US" altLang="ko-KR" dirty="0">
+                <a:latin typeface="210 앱굴림 R" panose="02020603020101020101" pitchFamily="18" charset="-127"/>
+                <a:ea typeface="210 앱굴림 R" panose="02020603020101020101" pitchFamily="18" charset="-127"/>
+              </a:rPr>
+              <a:t> </a:t>
+            </a:r>
+            <a:r>
+              <a:rPr lang="ko-KR" altLang="en-US" dirty="0">
+                <a:latin typeface="210 앱굴림 R" panose="02020603020101020101" pitchFamily="18" charset="-127"/>
+                <a:ea typeface="210 앱굴림 R" panose="02020603020101020101" pitchFamily="18" charset="-127"/>
+              </a:rPr>
+              <a:t>곱해준다</a:t>
+            </a:r>
+            <a:endParaRPr lang="en-US" altLang="ko-KR" dirty="0">
+              <a:latin typeface="210 앱굴림 R" panose="02020603020101020101" pitchFamily="18" charset="-127"/>
+              <a:ea typeface="210 앱굴림 R" panose="02020603020101020101" pitchFamily="18" charset="-127"/>
+            </a:endParaRPr>
+          </a:p>
+          <a:p>
+            <a:pPr marL="0" indent="0">
+              <a:buNone/>
+            </a:pPr>
+            <a:endParaRPr lang="en-US" altLang="ko-KR" dirty="0">
+              <a:latin typeface="210 앱굴림 R" panose="02020603020101020101" pitchFamily="18" charset="-127"/>
+              <a:ea typeface="210 앱굴림 R" panose="02020603020101020101" pitchFamily="18" charset="-127"/>
+            </a:endParaRPr>
+          </a:p>
+          <a:p>
+            <a:pPr marL="0" indent="0">
+              <a:buNone/>
+            </a:pPr>
+            <a:r>
+              <a:rPr lang="en-US" altLang="ko-KR" dirty="0">
+                <a:latin typeface="210 앱굴림 R" panose="02020603020101020101" pitchFamily="18" charset="-127"/>
+                <a:ea typeface="210 앱굴림 R" panose="02020603020101020101" pitchFamily="18" charset="-127"/>
+              </a:rPr>
+              <a:t> - </a:t>
+            </a:r>
+            <a:r>
+              <a:rPr lang="ko-KR" altLang="en-US" dirty="0">
+                <a:latin typeface="210 앱굴림 R" panose="02020603020101020101" pitchFamily="18" charset="-127"/>
+                <a:ea typeface="210 앱굴림 R" panose="02020603020101020101" pitchFamily="18" charset="-127"/>
+              </a:rPr>
+              <a:t>지난 프레임이 완료되는 데 까지 걸린 시간</a:t>
+            </a:r>
+            <a:endParaRPr lang="en-US" altLang="ko-KR" dirty="0">
+              <a:latin typeface="210 앱굴림 R" panose="02020603020101020101" pitchFamily="18" charset="-127"/>
+              <a:ea typeface="210 앱굴림 R" panose="02020603020101020101" pitchFamily="18" charset="-127"/>
+            </a:endParaRPr>
+          </a:p>
+          <a:p>
+            <a:pPr marL="0" indent="0">
+              <a:buNone/>
+            </a:pPr>
+            <a:r>
+              <a:rPr lang="en-US" altLang="ko-KR" dirty="0">
+                <a:latin typeface="210 앱굴림 R" panose="02020603020101020101" pitchFamily="18" charset="-127"/>
+                <a:ea typeface="210 앱굴림 R" panose="02020603020101020101" pitchFamily="18" charset="-127"/>
+              </a:rPr>
+              <a:t> - </a:t>
+            </a:r>
+            <a:r>
+              <a:rPr lang="ko-KR" altLang="en-US">
+                <a:latin typeface="210 앱굴림 R" panose="02020603020101020101" pitchFamily="18" charset="-127"/>
+                <a:ea typeface="210 앱굴림 R" panose="02020603020101020101" pitchFamily="18" charset="-127"/>
+              </a:rPr>
+              <a:t>초 단위 사용</a:t>
+            </a:r>
+            <a:endParaRPr lang="en-US" altLang="ko-KR" dirty="0">
+              <a:latin typeface="210 앱굴림 R" panose="02020603020101020101" pitchFamily="18" charset="-127"/>
+              <a:ea typeface="210 앱굴림 R" panose="02020603020101020101" pitchFamily="18" charset="-127"/>
+            </a:endParaRPr>
+          </a:p>
+          <a:p>
+            <a:pPr marL="0" indent="0">
+              <a:buNone/>
+            </a:pPr>
+            <a:r>
+              <a:rPr lang="ko-KR" altLang="en-US" dirty="0">
+                <a:latin typeface="210 앱굴림 R" panose="02020603020101020101" pitchFamily="18" charset="-127"/>
+                <a:ea typeface="210 앱굴림 R" panose="02020603020101020101" pitchFamily="18" charset="-127"/>
+              </a:rPr>
+              <a:t> </a:t>
+            </a:r>
+            <a:r>
+              <a:rPr lang="en-US" altLang="ko-KR" dirty="0">
+                <a:latin typeface="210 앱굴림 R" panose="02020603020101020101" pitchFamily="18" charset="-127"/>
+                <a:ea typeface="210 앱굴림 R" panose="02020603020101020101" pitchFamily="18" charset="-127"/>
+              </a:rPr>
+              <a:t>- </a:t>
+            </a:r>
+            <a:r>
+              <a:rPr lang="ko-KR" altLang="en-US" dirty="0">
+                <a:latin typeface="210 앱굴림 R" panose="02020603020101020101" pitchFamily="18" charset="-127"/>
+                <a:ea typeface="210 앱굴림 R" panose="02020603020101020101" pitchFamily="18" charset="-127"/>
+              </a:rPr>
+              <a:t>프레임 별로 속도 차이 없음</a:t>
+            </a:r>
+          </a:p>
+        </p:txBody>
+      </p:sp>
+    </p:spTree>
+    <p:extLst>
+      <p:ext uri="{BB962C8B-B14F-4D97-AF65-F5344CB8AC3E}">
+        <p14:creationId xmlns:p14="http://schemas.microsoft.com/office/powerpoint/2010/main" val="3559040422"/>
+      </p:ext>
+    </p:extLst>
+  </p:cSld>
+  <p:clrMapOvr>
+    <a:masterClrMapping/>
+  </p:clrMapOvr>
+</p:sld>
+</file>
+
+<file path=ppt/slides/slide42.xml><?xml version="1.0" encoding="utf-8"?>
+<p:sld xmlns:a="http://schemas.openxmlformats.org/drawingml/2006/main" xmlns:r="http://schemas.openxmlformats.org/officeDocument/2006/relationships" xmlns:p="http://schemas.openxmlformats.org/presentationml/2006/main">
+  <p:cSld>
+    <p:spTree>
+      <p:nvGrpSpPr>
+        <p:cNvPr id="1" name=""/>
+        <p:cNvGrpSpPr/>
+        <p:nvPr/>
+      </p:nvGrpSpPr>
+      <p:grpSpPr>
+        <a:xfrm>
+          <a:off x="0" y="0"/>
+          <a:ext cx="0" cy="0"/>
+          <a:chOff x="0" y="0"/>
+          <a:chExt cx="0" cy="0"/>
+        </a:xfrm>
+      </p:grpSpPr>
+      <p:sp>
+        <p:nvSpPr>
+          <p:cNvPr id="2" name="제목 1">
+            <a:extLst>
+              <a:ext uri="{FF2B5EF4-FFF2-40B4-BE49-F238E27FC236}">
+                <a16:creationId xmlns:a16="http://schemas.microsoft.com/office/drawing/2014/main" id="{AE4F7563-6C4A-439A-9ED0-2AA212C23E4B}"/>
+              </a:ext>
+            </a:extLst>
+          </p:cNvPr>
+          <p:cNvSpPr>
+            <a:spLocks noGrp="1"/>
+          </p:cNvSpPr>
+          <p:nvPr>
+            <p:ph type="title"/>
+          </p:nvPr>
+        </p:nvSpPr>
+        <p:spPr/>
+        <p:txBody>
+          <a:bodyPr/>
+          <a:lstStyle/>
+          <a:p>
+            <a:r>
+              <a:rPr lang="ko-KR" altLang="en-US" dirty="0">
+                <a:latin typeface="210 앱굴림 R" panose="02020603020101020101" pitchFamily="18" charset="-127"/>
+                <a:ea typeface="210 앱굴림 R" panose="02020603020101020101" pitchFamily="18" charset="-127"/>
+              </a:rPr>
+              <a:t>출처</a:t>
+            </a:r>
+          </a:p>
+        </p:txBody>
+      </p:sp>
+      <p:sp>
+        <p:nvSpPr>
+          <p:cNvPr id="3" name="내용 개체 틀 2">
+            <a:extLst>
+              <a:ext uri="{FF2B5EF4-FFF2-40B4-BE49-F238E27FC236}">
+                <a16:creationId xmlns:a16="http://schemas.microsoft.com/office/drawing/2014/main" id="{26A41A8D-55D5-4E2B-8C57-E38AFD10D326}"/>
+              </a:ext>
+            </a:extLst>
+          </p:cNvPr>
+          <p:cNvSpPr>
+            <a:spLocks noGrp="1"/>
+          </p:cNvSpPr>
+          <p:nvPr>
+            <p:ph idx="1"/>
+          </p:nvPr>
+        </p:nvSpPr>
+        <p:spPr/>
+        <p:txBody>
+          <a:bodyPr>
+            <a:normAutofit/>
+          </a:bodyPr>
+          <a:lstStyle/>
+          <a:p>
+            <a:pPr marL="0" indent="0">
+              <a:buNone/>
+            </a:pPr>
+            <a:r>
+              <a:rPr lang="ko-KR" altLang="en-US" sz="2800" dirty="0">
+                <a:latin typeface="210 앱굴림 L" panose="02020603020101020101" pitchFamily="18" charset="-127"/>
+                <a:ea typeface="210 앱굴림 L" panose="02020603020101020101" pitchFamily="18" charset="-127"/>
+              </a:rPr>
+              <a:t>유니티 매뉴얼</a:t>
+            </a:r>
+            <a:endParaRPr lang="en-US" altLang="ko-KR" sz="2800" dirty="0">
+              <a:latin typeface="210 앱굴림 L" panose="02020603020101020101" pitchFamily="18" charset="-127"/>
+              <a:ea typeface="210 앱굴림 L" panose="02020603020101020101" pitchFamily="18" charset="-127"/>
+            </a:endParaRPr>
+          </a:p>
+          <a:p>
+            <a:pPr marL="0" indent="0">
+              <a:buNone/>
+            </a:pPr>
+            <a:r>
+              <a:rPr lang="en-US" altLang="ko-KR" sz="2800" dirty="0">
+                <a:latin typeface="210 앱굴림 L" panose="02020603020101020101" pitchFamily="18" charset="-127"/>
+                <a:ea typeface="210 앱굴림 L" panose="02020603020101020101" pitchFamily="18" charset="-127"/>
+                <a:hlinkClick r:id="rId2"/>
+              </a:rPr>
+              <a:t>https://docs.unity3d.com/Manual/index.html</a:t>
+            </a:r>
+            <a:endParaRPr lang="en-US" altLang="ko-KR" sz="2800" dirty="0">
+              <a:latin typeface="210 앱굴림 L" panose="02020603020101020101" pitchFamily="18" charset="-127"/>
+              <a:ea typeface="210 앱굴림 L" panose="02020603020101020101" pitchFamily="18" charset="-127"/>
+            </a:endParaRPr>
+          </a:p>
+        </p:txBody>
+      </p:sp>
+    </p:spTree>
+    <p:extLst>
+      <p:ext uri="{BB962C8B-B14F-4D97-AF65-F5344CB8AC3E}">
+        <p14:creationId xmlns:p14="http://schemas.microsoft.com/office/powerpoint/2010/main" val="2015714776"/>
+      </p:ext>
+    </p:extLst>
+  </p:cSld>
+  <p:clrMapOvr>
+    <a:masterClrMapping/>
+  </p:clrMapOvr>
+</p:sld>
+</file>
+
+<file path=ppt/slides/slide5.xml><?xml version="1.0" encoding="utf-8"?>
+<p:sld xmlns:a="http://schemas.openxmlformats.org/drawingml/2006/main" xmlns:r="http://schemas.openxmlformats.org/officeDocument/2006/relationships" xmlns:p="http://schemas.openxmlformats.org/presentationml/2006/main">
+  <p:cSld>
+    <p:spTree>
+      <p:nvGrpSpPr>
+        <p:cNvPr id="1" name=""/>
+        <p:cNvGrpSpPr/>
+        <p:nvPr/>
+      </p:nvGrpSpPr>
+      <p:grpSpPr>
+        <a:xfrm>
+          <a:off x="0" y="0"/>
+          <a:ext cx="0" cy="0"/>
+          <a:chOff x="0" y="0"/>
+          <a:chExt cx="0" cy="0"/>
+        </a:xfrm>
+      </p:grpSpPr>
+      <p:sp>
+        <p:nvSpPr>
           <p:cNvPr id="2" name="제목 1">
             <a:extLst>
               <a:ext uri="{FF2B5EF4-FFF2-40B4-BE49-F238E27FC236}">
@@ -7076,10 +11080,16 @@
           <a:lstStyle/>
           <a:p>
             <a:r>
-              <a:rPr lang="en-US" altLang="ko-KR" dirty="0"/>
+              <a:rPr lang="en-US" altLang="ko-KR" dirty="0">
+                <a:latin typeface="210 앱굴림 R" panose="02020603020101020101" pitchFamily="18" charset="-127"/>
+                <a:ea typeface="210 앱굴림 R" panose="02020603020101020101" pitchFamily="18" charset="-127"/>
+              </a:rPr>
               <a:t>Everything</a:t>
             </a:r>
-            <a:endParaRPr lang="ko-KR" altLang="en-US" dirty="0"/>
+            <a:endParaRPr lang="ko-KR" altLang="en-US" dirty="0">
+              <a:latin typeface="210 앱굴림 R" panose="02020603020101020101" pitchFamily="18" charset="-127"/>
+              <a:ea typeface="210 앱굴림 R" panose="02020603020101020101" pitchFamily="18" charset="-127"/>
+            </a:endParaRPr>
           </a:p>
         </p:txBody>
       </p:sp>
@@ -7096,7 +11106,81 @@
 </p:sld>
 </file>
 
-<file path=ppt/slides/slide5.xml><?xml version="1.0" encoding="utf-8"?>
+<file path=ppt/slides/slide6.xml><?xml version="1.0" encoding="utf-8"?>
+<p:sld xmlns:a="http://schemas.openxmlformats.org/drawingml/2006/main" xmlns:r="http://schemas.openxmlformats.org/officeDocument/2006/relationships" xmlns:p="http://schemas.openxmlformats.org/presentationml/2006/main">
+  <p:cSld>
+    <p:spTree>
+      <p:nvGrpSpPr>
+        <p:cNvPr id="1" name=""/>
+        <p:cNvGrpSpPr/>
+        <p:nvPr/>
+      </p:nvGrpSpPr>
+      <p:grpSpPr>
+        <a:xfrm>
+          <a:off x="0" y="0"/>
+          <a:ext cx="0" cy="0"/>
+          <a:chOff x="0" y="0"/>
+          <a:chExt cx="0" cy="0"/>
+        </a:xfrm>
+      </p:grpSpPr>
+      <p:sp>
+        <p:nvSpPr>
+          <p:cNvPr id="2" name="직사각형 1">
+            <a:extLst>
+              <a:ext uri="{FF2B5EF4-FFF2-40B4-BE49-F238E27FC236}">
+                <a16:creationId xmlns:a16="http://schemas.microsoft.com/office/drawing/2014/main" id="{404A0A41-315D-44F1-BEB3-B2DEA840FAA6}"/>
+              </a:ext>
+            </a:extLst>
+          </p:cNvPr>
+          <p:cNvSpPr/>
+          <p:nvPr/>
+        </p:nvSpPr>
+        <p:spPr>
+          <a:xfrm>
+            <a:off x="1484784" y="2767280"/>
+            <a:ext cx="6174432" cy="1323439"/>
+          </a:xfrm>
+          <a:prstGeom prst="rect">
+            <a:avLst/>
+          </a:prstGeom>
+        </p:spPr>
+        <p:txBody>
+          <a:bodyPr wrap="square">
+            <a:spAutoFit/>
+          </a:bodyPr>
+          <a:lstStyle/>
+          <a:p>
+            <a:pPr algn="ctr"/>
+            <a:r>
+              <a:rPr lang="ko-KR" altLang="en-US" sz="8000" dirty="0">
+                <a:solidFill>
+                  <a:schemeClr val="accent6">
+                    <a:lumMod val="60000"/>
+                    <a:lumOff val="40000"/>
+                  </a:schemeClr>
+                </a:solidFill>
+                <a:latin typeface="210 앱굴림 R" panose="02020603020101020101" pitchFamily="18" charset="-127"/>
+                <a:ea typeface="210 앱굴림 R" panose="02020603020101020101" pitchFamily="18" charset="-127"/>
+              </a:rPr>
+              <a:t>유니티 설치</a:t>
+            </a:r>
+          </a:p>
+        </p:txBody>
+      </p:sp>
+    </p:spTree>
+    <p:extLst>
+      <p:ext uri="{BB962C8B-B14F-4D97-AF65-F5344CB8AC3E}">
+        <p14:creationId xmlns:p14="http://schemas.microsoft.com/office/powerpoint/2010/main" val="389543719"/>
+      </p:ext>
+    </p:extLst>
+  </p:cSld>
+  <p:clrMapOvr>
+    <a:masterClrMapping/>
+  </p:clrMapOvr>
+</p:sld>
+</file>
+
+<file path=ppt/slides/slide7.xml><?xml version="1.0" encoding="utf-8"?>
 <p:sld xmlns:a="http://schemas.openxmlformats.org/drawingml/2006/main" xmlns:r="http://schemas.openxmlformats.org/officeDocument/2006/relationships" xmlns:p="http://schemas.openxmlformats.org/presentationml/2006/main">
   <p:cSld>
     <p:bg>
@@ -7434,7 +11518,6 @@
         <p:blipFill rotWithShape="1">
           <a:blip r:embed="rId3">
             <a:alphaModFix/>
-            <a:extLst/>
           </a:blip>
           <a:srcRect r="1" b="11793"/>
           <a:stretch/>
@@ -7862,7 +11945,6 @@
         <p:blipFill rotWithShape="1">
           <a:blip r:embed="rId4">
             <a:alphaModFix/>
-            <a:extLst/>
           </a:blip>
           <a:srcRect l="8451" r="8848" b="3"/>
           <a:stretch/>
@@ -7974,7 +12056,7 @@
 </p:sld>
 </file>
 
-<file path=ppt/slides/slide6.xml><?xml version="1.0" encoding="utf-8"?>
+<file path=ppt/slides/slide8.xml><?xml version="1.0" encoding="utf-8"?>
 <p:sld xmlns:a="http://schemas.openxmlformats.org/drawingml/2006/main" xmlns:r="http://schemas.openxmlformats.org/officeDocument/2006/relationships" xmlns:p="http://schemas.openxmlformats.org/presentationml/2006/main">
   <p:cSld>
     <p:bg>
@@ -8312,7 +12394,6 @@
         <p:blipFill rotWithShape="1">
           <a:blip r:embed="rId3">
             <a:alphaModFix/>
-            <a:extLst/>
           </a:blip>
           <a:srcRect l="32852" r="-3" b="-3"/>
           <a:stretch/>
@@ -8704,7 +12785,6 @@
         <p:blipFill rotWithShape="1">
           <a:blip r:embed="rId4">
             <a:alphaModFix/>
-            <a:extLst/>
           </a:blip>
           <a:srcRect l="661" r="1727" b="4"/>
           <a:stretch/>
@@ -8816,7 +12896,7 @@
 </p:sld>
 </file>
 
-<file path=ppt/slides/slide7.xml><?xml version="1.0" encoding="utf-8"?>
+<file path=ppt/slides/slide9.xml><?xml version="1.0" encoding="utf-8"?>
 <p:sld xmlns:a="http://schemas.openxmlformats.org/drawingml/2006/main" xmlns:r="http://schemas.openxmlformats.org/officeDocument/2006/relationships" xmlns:p="http://schemas.openxmlformats.org/presentationml/2006/main">
   <p:cSld>
     <p:spTree>
@@ -8950,421 +13030,6 @@
     <p:extLst>
       <p:ext uri="{BB962C8B-B14F-4D97-AF65-F5344CB8AC3E}">
         <p14:creationId xmlns:p14="http://schemas.microsoft.com/office/powerpoint/2010/main" val="3771110990"/>
-      </p:ext>
-    </p:extLst>
-  </p:cSld>
-  <p:clrMapOvr>
-    <a:masterClrMapping/>
-  </p:clrMapOvr>
-</p:sld>
-</file>
-
-<file path=ppt/slides/slide8.xml><?xml version="1.0" encoding="utf-8"?>
-<p:sld xmlns:a="http://schemas.openxmlformats.org/drawingml/2006/main" xmlns:r="http://schemas.openxmlformats.org/officeDocument/2006/relationships" xmlns:p="http://schemas.openxmlformats.org/presentationml/2006/main">
-  <p:cSld>
-    <p:bg>
-      <p:bgPr>
-        <a:solidFill>
-          <a:schemeClr val="bg1"/>
-        </a:solidFill>
-        <a:effectLst/>
-      </p:bgPr>
-    </p:bg>
-    <p:spTree>
-      <p:nvGrpSpPr>
-        <p:cNvPr id="1" name=""/>
-        <p:cNvGrpSpPr/>
-        <p:nvPr/>
-      </p:nvGrpSpPr>
-      <p:grpSpPr>
-        <a:xfrm>
-          <a:off x="0" y="0"/>
-          <a:ext cx="0" cy="0"/>
-          <a:chOff x="0" y="0"/>
-          <a:chExt cx="0" cy="0"/>
-        </a:xfrm>
-      </p:grpSpPr>
-      <p:sp>
-        <p:nvSpPr>
-          <p:cNvPr id="2" name="제목 1">
-            <a:extLst>
-              <a:ext uri="{FF2B5EF4-FFF2-40B4-BE49-F238E27FC236}">
-                <a16:creationId xmlns:a16="http://schemas.microsoft.com/office/drawing/2014/main" id="{077C8982-4113-4613-9B43-D4CC54E8C76D}"/>
-              </a:ext>
-            </a:extLst>
-          </p:cNvPr>
-          <p:cNvSpPr>
-            <a:spLocks noGrp="1"/>
-          </p:cNvSpPr>
-          <p:nvPr>
-            <p:ph type="title"/>
-          </p:nvPr>
-        </p:nvSpPr>
-        <p:spPr>
-          <a:xfrm>
-            <a:off x="528065" y="4578638"/>
-            <a:ext cx="2737277" cy="1714500"/>
-          </a:xfrm>
-        </p:spPr>
-        <p:txBody>
-          <a:bodyPr>
-            <a:normAutofit/>
-          </a:bodyPr>
-          <a:lstStyle/>
-          <a:p>
-            <a:r>
-              <a:rPr lang="ko-KR" altLang="en-US" sz="2800" dirty="0">
-                <a:latin typeface="210 앱굴림 R" panose="02020603020101020101" pitchFamily="18" charset="-127"/>
-                <a:ea typeface="210 앱굴림 R" panose="02020603020101020101" pitchFamily="18" charset="-127"/>
-              </a:rPr>
-              <a:t>유니티 종류</a:t>
-            </a:r>
-          </a:p>
-        </p:txBody>
-      </p:sp>
-      <p:pic>
-        <p:nvPicPr>
-          <p:cNvPr id="5" name="그림 4">
-            <a:extLst>
-              <a:ext uri="{FF2B5EF4-FFF2-40B4-BE49-F238E27FC236}">
-                <a16:creationId xmlns:a16="http://schemas.microsoft.com/office/drawing/2014/main" id="{02BADFA6-AC06-4CCB-8270-CEEA5DB29C44}"/>
-              </a:ext>
-            </a:extLst>
-          </p:cNvPr>
-          <p:cNvPicPr>
-            <a:picLocks noChangeAspect="1"/>
-          </p:cNvPicPr>
-          <p:nvPr/>
-        </p:nvPicPr>
-        <p:blipFill rotWithShape="1">
-          <a:blip r:embed="rId2">
-            <a:extLst/>
-          </a:blip>
-          <a:srcRect l="18373" t="1" r="37538" b="-3"/>
-          <a:stretch/>
-        </p:blipFill>
-        <p:spPr>
-          <a:xfrm>
-            <a:off x="528065" y="370320"/>
-            <a:ext cx="2737278" cy="4051011"/>
-          </a:xfrm>
-          <a:prstGeom prst="rect">
-            <a:avLst/>
-          </a:prstGeom>
-        </p:spPr>
-      </p:pic>
-      <p:pic>
-        <p:nvPicPr>
-          <p:cNvPr id="4" name="그림 3">
-            <a:extLst>
-              <a:ext uri="{FF2B5EF4-FFF2-40B4-BE49-F238E27FC236}">
-                <a16:creationId xmlns:a16="http://schemas.microsoft.com/office/drawing/2014/main" id="{B3F88D61-D3FA-4294-ADE9-506C9B017B15}"/>
-              </a:ext>
-            </a:extLst>
-          </p:cNvPr>
-          <p:cNvPicPr>
-            <a:picLocks noChangeAspect="1"/>
-          </p:cNvPicPr>
-          <p:nvPr/>
-        </p:nvPicPr>
-        <p:blipFill rotWithShape="1">
-          <a:blip r:embed="rId3"/>
-          <a:srcRect r="150" b="-3"/>
-          <a:stretch/>
-        </p:blipFill>
-        <p:spPr>
-          <a:xfrm>
-            <a:off x="3479655" y="370320"/>
-            <a:ext cx="5136278" cy="4051011"/>
-          </a:xfrm>
-          <a:prstGeom prst="rect">
-            <a:avLst/>
-          </a:prstGeom>
-        </p:spPr>
-      </p:pic>
-      <p:sp>
-        <p:nvSpPr>
-          <p:cNvPr id="3" name="내용 개체 틀 2">
-            <a:extLst>
-              <a:ext uri="{FF2B5EF4-FFF2-40B4-BE49-F238E27FC236}">
-                <a16:creationId xmlns:a16="http://schemas.microsoft.com/office/drawing/2014/main" id="{63D92840-4D60-4D34-A639-CB75AAF11C16}"/>
-              </a:ext>
-            </a:extLst>
-          </p:cNvPr>
-          <p:cNvSpPr>
-            <a:spLocks noGrp="1"/>
-          </p:cNvSpPr>
-          <p:nvPr>
-            <p:ph idx="1"/>
-          </p:nvPr>
-        </p:nvSpPr>
-        <p:spPr>
-          <a:xfrm>
-            <a:off x="3479655" y="4578638"/>
-            <a:ext cx="5136279" cy="1714500"/>
-          </a:xfrm>
-        </p:spPr>
-        <p:txBody>
-          <a:bodyPr anchor="ctr">
-            <a:normAutofit/>
-          </a:bodyPr>
-          <a:lstStyle/>
-          <a:p>
-            <a:pPr marL="0" indent="0" algn="ctr">
-              <a:buNone/>
-            </a:pPr>
-            <a:r>
-              <a:rPr lang="ko-KR" altLang="en-US" sz="1800" dirty="0">
-                <a:latin typeface="210 앱굴림 R" panose="02020603020101020101" pitchFamily="18" charset="-127"/>
-                <a:ea typeface="210 앱굴림 R" panose="02020603020101020101" pitchFamily="18" charset="-127"/>
-              </a:rPr>
-              <a:t>일반적인 버전</a:t>
-            </a:r>
-            <a:endParaRPr lang="en-US" altLang="ko-KR" sz="1800" dirty="0">
-              <a:latin typeface="210 앱굴림 R" panose="02020603020101020101" pitchFamily="18" charset="-127"/>
-              <a:ea typeface="210 앱굴림 R" panose="02020603020101020101" pitchFamily="18" charset="-127"/>
-            </a:endParaRPr>
-          </a:p>
-          <a:p>
-            <a:pPr marL="0" indent="0" algn="ctr">
-              <a:buNone/>
-            </a:pPr>
-            <a:r>
-              <a:rPr lang="en-US" altLang="ko-KR" sz="1800" dirty="0">
-                <a:solidFill>
-                  <a:schemeClr val="accent5"/>
-                </a:solidFill>
-                <a:latin typeface="210 앱굴림 R" panose="02020603020101020101" pitchFamily="18" charset="-127"/>
-                <a:ea typeface="210 앱굴림 R" panose="02020603020101020101" pitchFamily="18" charset="-127"/>
-              </a:rPr>
-              <a:t>VS</a:t>
-            </a:r>
-          </a:p>
-          <a:p>
-            <a:pPr marL="0" indent="0" algn="ctr">
-              <a:buNone/>
-            </a:pPr>
-            <a:r>
-              <a:rPr lang="en-US" altLang="ko-KR" sz="1800" dirty="0">
-                <a:latin typeface="210 앱굴림 R" panose="02020603020101020101" pitchFamily="18" charset="-127"/>
-                <a:ea typeface="210 앱굴림 R" panose="02020603020101020101" pitchFamily="18" charset="-127"/>
-              </a:rPr>
-              <a:t>LTS (“Long Term Support”)</a:t>
-            </a:r>
-          </a:p>
-        </p:txBody>
-      </p:sp>
-    </p:spTree>
-    <p:extLst>
-      <p:ext uri="{BB962C8B-B14F-4D97-AF65-F5344CB8AC3E}">
-        <p14:creationId xmlns:p14="http://schemas.microsoft.com/office/powerpoint/2010/main" val="1289556764"/>
-      </p:ext>
-    </p:extLst>
-  </p:cSld>
-  <p:clrMapOvr>
-    <a:masterClrMapping/>
-  </p:clrMapOvr>
-</p:sld>
-</file>
-
-<file path=ppt/slides/slide9.xml><?xml version="1.0" encoding="utf-8"?>
-<p:sld xmlns:a="http://schemas.openxmlformats.org/drawingml/2006/main" xmlns:r="http://schemas.openxmlformats.org/officeDocument/2006/relationships" xmlns:p="http://schemas.openxmlformats.org/presentationml/2006/main">
-  <p:cSld>
-    <p:spTree>
-      <p:nvGrpSpPr>
-        <p:cNvPr id="1" name=""/>
-        <p:cNvGrpSpPr/>
-        <p:nvPr/>
-      </p:nvGrpSpPr>
-      <p:grpSpPr>
-        <a:xfrm>
-          <a:off x="0" y="0"/>
-          <a:ext cx="0" cy="0"/>
-          <a:chOff x="0" y="0"/>
-          <a:chExt cx="0" cy="0"/>
-        </a:xfrm>
-      </p:grpSpPr>
-      <p:sp>
-        <p:nvSpPr>
-          <p:cNvPr id="4" name="제목 3">
-            <a:extLst>
-              <a:ext uri="{FF2B5EF4-FFF2-40B4-BE49-F238E27FC236}">
-                <a16:creationId xmlns:a16="http://schemas.microsoft.com/office/drawing/2014/main" id="{FA9F752A-317C-450A-80D0-139B2376A236}"/>
-              </a:ext>
-            </a:extLst>
-          </p:cNvPr>
-          <p:cNvSpPr>
-            <a:spLocks noGrp="1"/>
-          </p:cNvSpPr>
-          <p:nvPr>
-            <p:ph type="ctrTitle"/>
-          </p:nvPr>
-        </p:nvSpPr>
-        <p:spPr/>
-        <p:txBody>
-          <a:bodyPr>
-            <a:normAutofit/>
-          </a:bodyPr>
-          <a:lstStyle/>
-          <a:p>
-            <a:r>
-              <a:rPr lang="ko-KR" altLang="en-US" sz="6000" b="1" dirty="0">
-                <a:solidFill>
-                  <a:schemeClr val="accent6">
-                    <a:lumMod val="60000"/>
-                    <a:lumOff val="40000"/>
-                  </a:schemeClr>
-                </a:solidFill>
-                <a:latin typeface="210 앱굴림 R" panose="02020603020101020101" pitchFamily="18" charset="-127"/>
-                <a:ea typeface="210 앱굴림 R" panose="02020603020101020101" pitchFamily="18" charset="-127"/>
-              </a:rPr>
-              <a:t>유니티의 화면 구성</a:t>
-            </a:r>
-          </a:p>
-        </p:txBody>
-      </p:sp>
-      <p:sp>
-        <p:nvSpPr>
-          <p:cNvPr id="5" name="부제목 4">
-            <a:extLst>
-              <a:ext uri="{FF2B5EF4-FFF2-40B4-BE49-F238E27FC236}">
-                <a16:creationId xmlns:a16="http://schemas.microsoft.com/office/drawing/2014/main" id="{339F0409-B68D-44FB-8AC5-BA0B038BB93B}"/>
-              </a:ext>
-            </a:extLst>
-          </p:cNvPr>
-          <p:cNvSpPr>
-            <a:spLocks noGrp="1"/>
-          </p:cNvSpPr>
-          <p:nvPr>
-            <p:ph type="subTitle" idx="1"/>
-          </p:nvPr>
-        </p:nvSpPr>
-        <p:spPr/>
-        <p:txBody>
-          <a:bodyPr/>
-          <a:lstStyle/>
-          <a:p>
-            <a:r>
-              <a:rPr lang="en-US" altLang="ko-KR" b="1" dirty="0">
-                <a:latin typeface="210 앱굴림 R" panose="02020603020101020101" pitchFamily="18" charset="-127"/>
-                <a:ea typeface="210 앱굴림 R" panose="02020603020101020101" pitchFamily="18" charset="-127"/>
-              </a:rPr>
-              <a:t>#</a:t>
-            </a:r>
-            <a:r>
-              <a:rPr lang="ko-KR" altLang="en-US" b="1" dirty="0">
-                <a:latin typeface="210 앱굴림 R" panose="02020603020101020101" pitchFamily="18" charset="-127"/>
-                <a:ea typeface="210 앱굴림 R" panose="02020603020101020101" pitchFamily="18" charset="-127"/>
-              </a:rPr>
-              <a:t>여러가지의 창들 </a:t>
-            </a:r>
-            <a:endParaRPr lang="en-US" altLang="ko-KR" b="1" dirty="0">
-              <a:latin typeface="210 앱굴림 R" panose="02020603020101020101" pitchFamily="18" charset="-127"/>
-              <a:ea typeface="210 앱굴림 R" panose="02020603020101020101" pitchFamily="18" charset="-127"/>
-            </a:endParaRPr>
-          </a:p>
-          <a:p>
-            <a:r>
-              <a:rPr lang="en-US" altLang="ko-KR" b="1" dirty="0">
-                <a:latin typeface="210 앱굴림 R" panose="02020603020101020101" pitchFamily="18" charset="-127"/>
-                <a:ea typeface="210 앱굴림 R" panose="02020603020101020101" pitchFamily="18" charset="-127"/>
-              </a:rPr>
-              <a:t>#</a:t>
-            </a:r>
-            <a:r>
-              <a:rPr lang="ko-KR" altLang="en-US" b="1" dirty="0">
-                <a:latin typeface="210 앱굴림 R" panose="02020603020101020101" pitchFamily="18" charset="-127"/>
-                <a:ea typeface="210 앱굴림 R" panose="02020603020101020101" pitchFamily="18" charset="-127"/>
-              </a:rPr>
-              <a:t>프로젝트</a:t>
-            </a:r>
-            <a:r>
-              <a:rPr lang="en-US" altLang="ko-KR" b="1" dirty="0">
-                <a:latin typeface="210 앱굴림 R" panose="02020603020101020101" pitchFamily="18" charset="-127"/>
-                <a:ea typeface="210 앱굴림 R" panose="02020603020101020101" pitchFamily="18" charset="-127"/>
-              </a:rPr>
-              <a:t> #</a:t>
-            </a:r>
-            <a:r>
-              <a:rPr lang="ko-KR" altLang="en-US" b="1" dirty="0" err="1">
-                <a:latin typeface="210 앱굴림 R" panose="02020603020101020101" pitchFamily="18" charset="-127"/>
-                <a:ea typeface="210 앱굴림 R" panose="02020603020101020101" pitchFamily="18" charset="-127"/>
-              </a:rPr>
-              <a:t>인스펙터</a:t>
-            </a:r>
-            <a:endParaRPr lang="en-US" altLang="ko-KR" b="1" dirty="0">
-              <a:latin typeface="210 앱굴림 R" panose="02020603020101020101" pitchFamily="18" charset="-127"/>
-              <a:ea typeface="210 앱굴림 R" panose="02020603020101020101" pitchFamily="18" charset="-127"/>
-            </a:endParaRPr>
-          </a:p>
-          <a:p>
-            <a:r>
-              <a:rPr lang="en-US" altLang="ko-KR" b="1" dirty="0">
-                <a:latin typeface="210 앱굴림 R" panose="02020603020101020101" pitchFamily="18" charset="-127"/>
-                <a:ea typeface="210 앱굴림 R" panose="02020603020101020101" pitchFamily="18" charset="-127"/>
-              </a:rPr>
-              <a:t>#</a:t>
-            </a:r>
-            <a:r>
-              <a:rPr lang="ko-KR" altLang="en-US" b="1" dirty="0">
-                <a:latin typeface="210 앱굴림 R" panose="02020603020101020101" pitchFamily="18" charset="-127"/>
-                <a:ea typeface="210 앱굴림 R" panose="02020603020101020101" pitchFamily="18" charset="-127"/>
-              </a:rPr>
-              <a:t>게임 </a:t>
-            </a:r>
-            <a:r>
-              <a:rPr lang="en-US" altLang="ko-KR" b="1" dirty="0">
-                <a:latin typeface="210 앱굴림 R" panose="02020603020101020101" pitchFamily="18" charset="-127"/>
-                <a:ea typeface="210 앱굴림 R" panose="02020603020101020101" pitchFamily="18" charset="-127"/>
-              </a:rPr>
-              <a:t>#</a:t>
-            </a:r>
-            <a:r>
-              <a:rPr lang="ko-KR" altLang="en-US" b="1" dirty="0">
-                <a:latin typeface="210 앱굴림 R" panose="02020603020101020101" pitchFamily="18" charset="-127"/>
-                <a:ea typeface="210 앱굴림 R" panose="02020603020101020101" pitchFamily="18" charset="-127"/>
-              </a:rPr>
-              <a:t>씬 </a:t>
-            </a:r>
-            <a:r>
-              <a:rPr lang="en-US" altLang="ko-KR" b="1" dirty="0">
-                <a:latin typeface="210 앱굴림 R" panose="02020603020101020101" pitchFamily="18" charset="-127"/>
-                <a:ea typeface="210 앱굴림 R" panose="02020603020101020101" pitchFamily="18" charset="-127"/>
-              </a:rPr>
-              <a:t>#</a:t>
-            </a:r>
-            <a:r>
-              <a:rPr lang="ko-KR" altLang="en-US" b="1" dirty="0">
-                <a:latin typeface="210 앱굴림 R" panose="02020603020101020101" pitchFamily="18" charset="-127"/>
-                <a:ea typeface="210 앱굴림 R" panose="02020603020101020101" pitchFamily="18" charset="-127"/>
-              </a:rPr>
-              <a:t>콘솔 </a:t>
-            </a:r>
-            <a:r>
-              <a:rPr lang="en-US" altLang="ko-KR" b="1" dirty="0">
-                <a:latin typeface="210 앱굴림 R" panose="02020603020101020101" pitchFamily="18" charset="-127"/>
-                <a:ea typeface="210 앱굴림 R" panose="02020603020101020101" pitchFamily="18" charset="-127"/>
-              </a:rPr>
-              <a:t>#</a:t>
-            </a:r>
-            <a:r>
-              <a:rPr lang="ko-KR" altLang="en-US" b="1" dirty="0" err="1">
-                <a:latin typeface="210 앱굴림 R" panose="02020603020101020101" pitchFamily="18" charset="-127"/>
-                <a:ea typeface="210 앱굴림 R" panose="02020603020101020101" pitchFamily="18" charset="-127"/>
-              </a:rPr>
-              <a:t>하이라키</a:t>
-            </a:r>
-            <a:endParaRPr lang="en-US" altLang="ko-KR" b="1" dirty="0">
-              <a:latin typeface="210 앱굴림 R" panose="02020603020101020101" pitchFamily="18" charset="-127"/>
-              <a:ea typeface="210 앱굴림 R" panose="02020603020101020101" pitchFamily="18" charset="-127"/>
-            </a:endParaRPr>
-          </a:p>
-        </p:txBody>
-      </p:sp>
-    </p:spTree>
-    <p:extLst>
-      <p:ext uri="{BB962C8B-B14F-4D97-AF65-F5344CB8AC3E}">
-        <p14:creationId xmlns:p14="http://schemas.microsoft.com/office/powerpoint/2010/main" val="1021173597"/>
       </p:ext>
     </p:extLst>
   </p:cSld>
@@ -9655,4 +13320,299 @@
   <a:objectDefaults/>
   <a:extraClrSchemeLst/>
 </a:theme>
+</file>
+
+<file path=ppt/theme/theme2.xml><?xml version="1.0" encoding="utf-8"?>
+<a:theme xmlns:a="http://schemas.openxmlformats.org/drawingml/2006/main" name="Office 테마">
+  <a:themeElements>
+    <a:clrScheme name="Office">
+      <a:dk1>
+        <a:sysClr val="windowText" lastClr="000000"/>
+      </a:dk1>
+      <a:lt1>
+        <a:sysClr val="window" lastClr="FFFFFF"/>
+      </a:lt1>
+      <a:dk2>
+        <a:srgbClr val="44546A"/>
+      </a:dk2>
+      <a:lt2>
+        <a:srgbClr val="E7E6E6"/>
+      </a:lt2>
+      <a:accent1>
+        <a:srgbClr val="4472C4"/>
+      </a:accent1>
+      <a:accent2>
+        <a:srgbClr val="ED7D31"/>
+      </a:accent2>
+      <a:accent3>
+        <a:srgbClr val="A5A5A5"/>
+      </a:accent3>
+      <a:accent4>
+        <a:srgbClr val="FFC000"/>
+      </a:accent4>
+      <a:accent5>
+        <a:srgbClr val="5B9BD5"/>
+      </a:accent5>
+      <a:accent6>
+        <a:srgbClr val="70AD47"/>
+      </a:accent6>
+      <a:hlink>
+        <a:srgbClr val="0563C1"/>
+      </a:hlink>
+      <a:folHlink>
+        <a:srgbClr val="954F72"/>
+      </a:folHlink>
+    </a:clrScheme>
+    <a:fontScheme name="Office">
+      <a:majorFont>
+        <a:latin typeface="맑은 고딕" panose="020F0302020204030204"/>
+        <a:ea typeface=""/>
+        <a:cs typeface=""/>
+        <a:font script="Jpan" typeface="游ゴシック Light"/>
+        <a:font script="Hang" typeface="맑은 고딕"/>
+        <a:font script="Hans" typeface="等线 Light"/>
+        <a:font script="Hant" typeface="新細明體"/>
+        <a:font script="Arab" typeface="Times New Roman"/>
+        <a:font script="Hebr" typeface="Times New Roman"/>
+        <a:font script="Thai" typeface="Angsana New"/>
+        <a:font script="Ethi" typeface="Nyala"/>
+        <a:font script="Beng" typeface="Vrinda"/>
+        <a:font script="Gujr" typeface="Shruti"/>
+        <a:font script="Khmr" typeface="MoolBoran"/>
+        <a:font script="Knda" typeface="Tunga"/>
+        <a:font script="Guru" typeface="Raavi"/>
+        <a:font script="Cans" typeface="Euphemia"/>
+        <a:font script="Cher" typeface="Plantagenet Cherokee"/>
+        <a:font script="Yiii" typeface="Microsoft Yi Baiti"/>
+        <a:font script="Tibt" typeface="Microsoft Himalaya"/>
+        <a:font script="Thaa" typeface="MV Boli"/>
+        <a:font script="Deva" typeface="Mangal"/>
+        <a:font script="Telu" typeface="Gautami"/>
+        <a:font script="Taml" typeface="Latha"/>
+        <a:font script="Syrc" typeface="Estrangelo Edessa"/>
+        <a:font script="Orya" typeface="Kalinga"/>
+        <a:font script="Mlym" typeface="Kartika"/>
+        <a:font script="Laoo" typeface="DokChampa"/>
+        <a:font script="Sinh" typeface="Iskoola Pota"/>
+        <a:font script="Mong" typeface="Mongolian Baiti"/>
+        <a:font script="Viet" typeface="Times New Roman"/>
+        <a:font script="Uigh" typeface="Microsoft Uighur"/>
+        <a:font script="Geor" typeface="Sylfaen"/>
+        <a:font script="Armn" typeface="Arial"/>
+        <a:font script="Bugi" typeface="Leelawadee UI"/>
+        <a:font script="Bopo" typeface="Microsoft JhengHei"/>
+        <a:font script="Java" typeface="Javanese Text"/>
+        <a:font script="Lisu" typeface="Segoe UI"/>
+        <a:font script="Mymr" typeface="Myanmar Text"/>
+        <a:font script="Nkoo" typeface="Ebrima"/>
+        <a:font script="Olck" typeface="Nirmala UI"/>
+        <a:font script="Osma" typeface="Ebrima"/>
+        <a:font script="Phag" typeface="Phagspa"/>
+        <a:font script="Syrn" typeface="Estrangelo Edessa"/>
+        <a:font script="Syrj" typeface="Estrangelo Edessa"/>
+        <a:font script="Syre" typeface="Estrangelo Edessa"/>
+        <a:font script="Sora" typeface="Nirmala UI"/>
+        <a:font script="Tale" typeface="Microsoft Tai Le"/>
+        <a:font script="Talu" typeface="Microsoft New Tai Lue"/>
+        <a:font script="Tfng" typeface="Ebrima"/>
+      </a:majorFont>
+      <a:minorFont>
+        <a:latin typeface="맑은 고딕" panose="020F0502020204030204"/>
+        <a:ea typeface=""/>
+        <a:cs typeface=""/>
+        <a:font script="Jpan" typeface="游ゴシック"/>
+        <a:font script="Hang" typeface="맑은 고딕"/>
+        <a:font script="Hans" typeface="等线"/>
+        <a:font script="Hant" typeface="新細明體"/>
+        <a:font script="Arab" typeface="Arial"/>
+        <a:font script="Hebr" typeface="Arial"/>
+        <a:font script="Thai" typeface="Cordia New"/>
+        <a:font script="Ethi" typeface="Nyala"/>
+        <a:font script="Beng" typeface="Vrinda"/>
+        <a:font script="Gujr" typeface="Shruti"/>
+        <a:font script="Khmr" typeface="DaunPenh"/>
+        <a:font script="Knda" typeface="Tunga"/>
+        <a:font script="Guru" typeface="Raavi"/>
+        <a:font script="Cans" typeface="Euphemia"/>
+        <a:font script="Cher" typeface="Plantagenet Cherokee"/>
+        <a:font script="Yiii" typeface="Microsoft Yi Baiti"/>
+        <a:font script="Tibt" typeface="Microsoft Himalaya"/>
+        <a:font script="Thaa" typeface="MV Boli"/>
+        <a:font script="Deva" typeface="Mangal"/>
+        <a:font script="Telu" typeface="Gautami"/>
+        <a:font script="Taml" typeface="Latha"/>
+        <a:font script="Syrc" typeface="Estrangelo Edessa"/>
+        <a:font script="Orya" typeface="Kalinga"/>
+        <a:font script="Mlym" typeface="Kartika"/>
+        <a:font script="Laoo" typeface="DokChampa"/>
+        <a:font script="Sinh" typeface="Iskoola Pota"/>
+        <a:font script="Mong" typeface="Mongolian Baiti"/>
+        <a:font script="Viet" typeface="Arial"/>
+        <a:font script="Uigh" typeface="Microsoft Uighur"/>
+        <a:font script="Geor" typeface="Sylfaen"/>
+        <a:font script="Armn" typeface="Arial"/>
+        <a:font script="Bugi" typeface="Leelawadee UI"/>
+        <a:font script="Bopo" typeface="Microsoft JhengHei"/>
+        <a:font script="Java" typeface="Javanese Text"/>
+        <a:font script="Lisu" typeface="Segoe UI"/>
+        <a:font script="Mymr" typeface="Myanmar Text"/>
+        <a:font script="Nkoo" typeface="Ebrima"/>
+        <a:font script="Olck" typeface="Nirmala UI"/>
+        <a:font script="Osma" typeface="Ebrima"/>
+        <a:font script="Phag" typeface="Phagspa"/>
+        <a:font script="Syrn" typeface="Estrangelo Edessa"/>
+        <a:font script="Syrj" typeface="Estrangelo Edessa"/>
+        <a:font script="Syre" typeface="Estrangelo Edessa"/>
+        <a:font script="Sora" typeface="Nirmala UI"/>
+        <a:font script="Tale" typeface="Microsoft Tai Le"/>
+        <a:font script="Talu" typeface="Microsoft New Tai Lue"/>
+        <a:font script="Tfng" typeface="Ebrima"/>
+      </a:minorFont>
+    </a:fontScheme>
+    <a:fmtScheme name="Office">
+      <a:fillStyleLst>
+        <a:solidFill>
+          <a:schemeClr val="phClr"/>
+        </a:solidFill>
+        <a:gradFill rotWithShape="1">
+          <a:gsLst>
+            <a:gs pos="0">
+              <a:schemeClr val="phClr">
+                <a:lumMod val="110000"/>
+                <a:satMod val="105000"/>
+                <a:tint val="67000"/>
+              </a:schemeClr>
+            </a:gs>
+            <a:gs pos="50000">
+              <a:schemeClr val="phClr">
+                <a:lumMod val="105000"/>
+                <a:satMod val="103000"/>
+                <a:tint val="73000"/>
+              </a:schemeClr>
+            </a:gs>
+            <a:gs pos="100000">
+              <a:schemeClr val="phClr">
+                <a:lumMod val="105000"/>
+                <a:satMod val="109000"/>
+                <a:tint val="81000"/>
+              </a:schemeClr>
+            </a:gs>
+          </a:gsLst>
+          <a:lin ang="5400000" scaled="0"/>
+        </a:gradFill>
+        <a:gradFill rotWithShape="1">
+          <a:gsLst>
+            <a:gs pos="0">
+              <a:schemeClr val="phClr">
+                <a:satMod val="103000"/>
+                <a:lumMod val="102000"/>
+                <a:tint val="94000"/>
+              </a:schemeClr>
+            </a:gs>
+            <a:gs pos="50000">
+              <a:schemeClr val="phClr">
+                <a:satMod val="110000"/>
+                <a:lumMod val="100000"/>
+                <a:shade val="100000"/>
+              </a:schemeClr>
+            </a:gs>
+            <a:gs pos="100000">
+              <a:schemeClr val="phClr">
+                <a:lumMod val="99000"/>
+                <a:satMod val="120000"/>
+                <a:shade val="78000"/>
+              </a:schemeClr>
+            </a:gs>
+          </a:gsLst>
+          <a:lin ang="5400000" scaled="0"/>
+        </a:gradFill>
+      </a:fillStyleLst>
+      <a:lnStyleLst>
+        <a:ln w="6350" cap="flat" cmpd="sng" algn="ctr">
+          <a:solidFill>
+            <a:schemeClr val="phClr"/>
+          </a:solidFill>
+          <a:prstDash val="solid"/>
+          <a:miter lim="800000"/>
+        </a:ln>
+        <a:ln w="12700" cap="flat" cmpd="sng" algn="ctr">
+          <a:solidFill>
+            <a:schemeClr val="phClr"/>
+          </a:solidFill>
+          <a:prstDash val="solid"/>
+          <a:miter lim="800000"/>
+        </a:ln>
+        <a:ln w="19050" cap="flat" cmpd="sng" algn="ctr">
+          <a:solidFill>
+            <a:schemeClr val="phClr"/>
+          </a:solidFill>
+          <a:prstDash val="solid"/>
+          <a:miter lim="800000"/>
+        </a:ln>
+      </a:lnStyleLst>
+      <a:effectStyleLst>
+        <a:effectStyle>
+          <a:effectLst/>
+        </a:effectStyle>
+        <a:effectStyle>
+          <a:effectLst/>
+        </a:effectStyle>
+        <a:effectStyle>
+          <a:effectLst>
+            <a:outerShdw blurRad="57150" dist="19050" dir="5400000" algn="ctr" rotWithShape="0">
+              <a:srgbClr val="000000">
+                <a:alpha val="63000"/>
+              </a:srgbClr>
+            </a:outerShdw>
+          </a:effectLst>
+        </a:effectStyle>
+      </a:effectStyleLst>
+      <a:bgFillStyleLst>
+        <a:solidFill>
+          <a:schemeClr val="phClr"/>
+        </a:solidFill>
+        <a:solidFill>
+          <a:schemeClr val="phClr">
+            <a:tint val="95000"/>
+            <a:satMod val="170000"/>
+          </a:schemeClr>
+        </a:solidFill>
+        <a:gradFill rotWithShape="1">
+          <a:gsLst>
+            <a:gs pos="0">
+              <a:schemeClr val="phClr">
+                <a:tint val="93000"/>
+                <a:satMod val="150000"/>
+                <a:shade val="98000"/>
+                <a:lumMod val="102000"/>
+              </a:schemeClr>
+            </a:gs>
+            <a:gs pos="50000">
+              <a:schemeClr val="phClr">
+                <a:tint val="98000"/>
+                <a:satMod val="130000"/>
+                <a:shade val="90000"/>
+                <a:lumMod val="103000"/>
+              </a:schemeClr>
+            </a:gs>
+            <a:gs pos="100000">
+              <a:schemeClr val="phClr">
+                <a:shade val="63000"/>
+                <a:satMod val="120000"/>
+              </a:schemeClr>
+            </a:gs>
+          </a:gsLst>
+          <a:lin ang="5400000" scaled="0"/>
+        </a:gradFill>
+      </a:bgFillStyleLst>
+    </a:fmtScheme>
+  </a:themeElements>
+  <a:objectDefaults/>
+  <a:extraClrSchemeLst/>
+  <a:extLst>
+    <a:ext uri="{05A4C25C-085E-4340-85A3-A5531E510DB2}">
+      <thm15:themeFamily xmlns:thm15="http://schemas.microsoft.com/office/thememl/2012/main" name="Office Theme" id="{62F939B6-93AF-4DB8-9C6B-D6C7DFDC589F}" vid="{4A3C46E8-61CC-4603-A589-7422A47A8E4A}"/>
+    </a:ext>
+  </a:extLst>
+</a:theme>
 </file>
--- a/1주차.pptx
+++ b/1주차.pptx
@@ -249,7 +249,7 @@
           <a:p>
             <a:fld id="{B39EADD2-0934-478D-94F3-E59BECE9B7B9}" type="datetimeFigureOut">
               <a:rPr lang="ko-KR" altLang="en-US" smtClean="0"/>
-              <a:t>2019년 10월 29일 Tuesday</a:t>
+              <a:t>2019-10-31</a:t>
             </a:fld>
             <a:endParaRPr lang="ko-KR" altLang="en-US"/>
           </a:p>
@@ -779,7 +779,7 @@
           <a:p>
             <a:fld id="{FB30EDBD-1C2D-4C1E-B459-B60219FAB484}" type="datetimeFigureOut">
               <a:rPr lang="ko-KR" altLang="en-US" smtClean="0"/>
-              <a:t>2019년 10월 29일 Tuesday</a:t>
+              <a:t>2019-10-31</a:t>
             </a:fld>
             <a:endParaRPr lang="ko-KR" altLang="en-US"/>
           </a:p>
@@ -942,7 +942,7 @@
           <a:p>
             <a:fld id="{FB30EDBD-1C2D-4C1E-B459-B60219FAB484}" type="datetimeFigureOut">
               <a:rPr lang="ko-KR" altLang="en-US" smtClean="0"/>
-              <a:t>2019년 10월 29일 Tuesday</a:t>
+              <a:t>2019-10-31</a:t>
             </a:fld>
             <a:endParaRPr lang="ko-KR" altLang="en-US"/>
           </a:p>
@@ -1115,7 +1115,7 @@
           <a:p>
             <a:fld id="{FB30EDBD-1C2D-4C1E-B459-B60219FAB484}" type="datetimeFigureOut">
               <a:rPr lang="ko-KR" altLang="en-US" smtClean="0"/>
-              <a:t>2019년 10월 29일 Tuesday</a:t>
+              <a:t>2019-10-31</a:t>
             </a:fld>
             <a:endParaRPr lang="ko-KR" altLang="en-US"/>
           </a:p>
@@ -1278,7 +1278,7 @@
           <a:p>
             <a:fld id="{FB30EDBD-1C2D-4C1E-B459-B60219FAB484}" type="datetimeFigureOut">
               <a:rPr lang="ko-KR" altLang="en-US" smtClean="0"/>
-              <a:t>2019년 10월 29일 Tuesday</a:t>
+              <a:t>2019-10-31</a:t>
             </a:fld>
             <a:endParaRPr lang="ko-KR" altLang="en-US"/>
           </a:p>
@@ -1518,7 +1518,7 @@
           <a:p>
             <a:fld id="{FB30EDBD-1C2D-4C1E-B459-B60219FAB484}" type="datetimeFigureOut">
               <a:rPr lang="ko-KR" altLang="en-US" smtClean="0"/>
-              <a:t>2019년 10월 29일 Tuesday</a:t>
+              <a:t>2019-10-31</a:t>
             </a:fld>
             <a:endParaRPr lang="ko-KR" altLang="en-US"/>
           </a:p>
@@ -1798,7 +1798,7 @@
           <a:p>
             <a:fld id="{FB30EDBD-1C2D-4C1E-B459-B60219FAB484}" type="datetimeFigureOut">
               <a:rPr lang="ko-KR" altLang="en-US" smtClean="0"/>
-              <a:t>2019년 10월 29일 Tuesday</a:t>
+              <a:t>2019-10-31</a:t>
             </a:fld>
             <a:endParaRPr lang="ko-KR" altLang="en-US"/>
           </a:p>
@@ -2212,7 +2212,7 @@
           <a:p>
             <a:fld id="{FB30EDBD-1C2D-4C1E-B459-B60219FAB484}" type="datetimeFigureOut">
               <a:rPr lang="ko-KR" altLang="en-US" smtClean="0"/>
-              <a:t>2019년 10월 29일 Tuesday</a:t>
+              <a:t>2019-10-31</a:t>
             </a:fld>
             <a:endParaRPr lang="ko-KR" altLang="en-US"/>
           </a:p>
@@ -2324,7 +2324,7 @@
           <a:p>
             <a:fld id="{FB30EDBD-1C2D-4C1E-B459-B60219FAB484}" type="datetimeFigureOut">
               <a:rPr lang="ko-KR" altLang="en-US" smtClean="0"/>
-              <a:t>2019년 10월 29일 Tuesday</a:t>
+              <a:t>2019-10-31</a:t>
             </a:fld>
             <a:endParaRPr lang="ko-KR" altLang="en-US"/>
           </a:p>
@@ -2414,7 +2414,7 @@
           <a:p>
             <a:fld id="{FB30EDBD-1C2D-4C1E-B459-B60219FAB484}" type="datetimeFigureOut">
               <a:rPr lang="ko-KR" altLang="en-US" smtClean="0"/>
-              <a:t>2019년 10월 29일 Tuesday</a:t>
+              <a:t>2019-10-31</a:t>
             </a:fld>
             <a:endParaRPr lang="ko-KR" altLang="en-US"/>
           </a:p>
@@ -2684,7 +2684,7 @@
           <a:p>
             <a:fld id="{FB30EDBD-1C2D-4C1E-B459-B60219FAB484}" type="datetimeFigureOut">
               <a:rPr lang="ko-KR" altLang="en-US" smtClean="0"/>
-              <a:t>2019년 10월 29일 Tuesday</a:t>
+              <a:t>2019-10-31</a:t>
             </a:fld>
             <a:endParaRPr lang="ko-KR" altLang="en-US"/>
           </a:p>
@@ -2931,7 +2931,7 @@
           <a:p>
             <a:fld id="{FB30EDBD-1C2D-4C1E-B459-B60219FAB484}" type="datetimeFigureOut">
               <a:rPr lang="ko-KR" altLang="en-US" smtClean="0"/>
-              <a:t>2019년 10월 29일 Tuesday</a:t>
+              <a:t>2019-10-31</a:t>
             </a:fld>
             <a:endParaRPr lang="ko-KR" altLang="en-US"/>
           </a:p>
@@ -3140,7 +3140,7 @@
             <a:fld id="{FB30EDBD-1C2D-4C1E-B459-B60219FAB484}" type="datetimeFigureOut">
               <a:rPr lang="ko-KR" altLang="en-US" smtClean="0"/>
               <a:pPr/>
-              <a:t>2019년 10월 29일 Tuesday</a:t>
+              <a:t>2019-10-31</a:t>
             </a:fld>
             <a:endParaRPr lang="ko-KR" altLang="en-US" dirty="0"/>
           </a:p>
@@ -3501,6 +3501,21 @@
 <file path=ppt/slides/slide1.xml><?xml version="1.0" encoding="utf-8"?>
 <p:sld xmlns:a="http://schemas.openxmlformats.org/drawingml/2006/main" xmlns:r="http://schemas.openxmlformats.org/officeDocument/2006/relationships" xmlns:p="http://schemas.openxmlformats.org/presentationml/2006/main">
   <p:cSld>
+    <p:bg>
+      <p:bgPr>
+        <a:pattFill prst="pct5">
+          <a:fgClr>
+            <a:schemeClr val="bg1">
+              <a:lumMod val="85000"/>
+            </a:schemeClr>
+          </a:fgClr>
+          <a:bgClr>
+            <a:schemeClr val="bg1"/>
+          </a:bgClr>
+        </a:pattFill>
+        <a:effectLst/>
+      </p:bgPr>
+    </p:bg>
     <p:spTree>
       <p:nvGrpSpPr>
         <p:cNvPr id="1" name=""/>
@@ -3533,7 +3548,7 @@
         </p:nvSpPr>
         <p:spPr>
           <a:xfrm>
-            <a:off x="232063" y="1772816"/>
+            <a:off x="232063" y="1916832"/>
             <a:ext cx="8679873" cy="2202419"/>
           </a:xfrm>
           <a:effectLst>
@@ -3553,6 +3568,37 @@
           <a:p>
             <a:r>
               <a:rPr lang="en-US" altLang="ko-KR" sz="7500" dirty="0">
+                <a:ln cmpd="sng">
+                  <a:gradFill flip="none" rotWithShape="1">
+                    <a:gsLst>
+                      <a:gs pos="0">
+                        <a:schemeClr val="accent6">
+                          <a:lumMod val="50000"/>
+                        </a:schemeClr>
+                      </a:gs>
+                      <a:gs pos="33000">
+                        <a:schemeClr val="accent6">
+                          <a:lumMod val="89000"/>
+                        </a:schemeClr>
+                      </a:gs>
+                      <a:gs pos="69000">
+                        <a:schemeClr val="accent6">
+                          <a:lumMod val="75000"/>
+                        </a:schemeClr>
+                      </a:gs>
+                      <a:gs pos="97000">
+                        <a:schemeClr val="accent6">
+                          <a:lumMod val="70000"/>
+                        </a:schemeClr>
+                      </a:gs>
+                    </a:gsLst>
+                    <a:path path="circle">
+                      <a:fillToRect l="100000" t="100000"/>
+                    </a:path>
+                    <a:tileRect r="-100000" b="-100000"/>
+                  </a:gradFill>
+                  <a:round/>
+                </a:ln>
                 <a:solidFill>
                   <a:schemeClr val="accent6">
                     <a:lumMod val="60000"/>
@@ -3566,6 +3612,37 @@
             </a:r>
             <a:br>
               <a:rPr lang="en-US" altLang="ko-KR" sz="7500" dirty="0">
+                <a:ln cmpd="sng">
+                  <a:gradFill flip="none" rotWithShape="1">
+                    <a:gsLst>
+                      <a:gs pos="0">
+                        <a:schemeClr val="accent6">
+                          <a:lumMod val="50000"/>
+                        </a:schemeClr>
+                      </a:gs>
+                      <a:gs pos="33000">
+                        <a:schemeClr val="accent6">
+                          <a:lumMod val="89000"/>
+                        </a:schemeClr>
+                      </a:gs>
+                      <a:gs pos="69000">
+                        <a:schemeClr val="accent6">
+                          <a:lumMod val="75000"/>
+                        </a:schemeClr>
+                      </a:gs>
+                      <a:gs pos="97000">
+                        <a:schemeClr val="accent6">
+                          <a:lumMod val="70000"/>
+                        </a:schemeClr>
+                      </a:gs>
+                    </a:gsLst>
+                    <a:path path="circle">
+                      <a:fillToRect l="100000" t="100000"/>
+                    </a:path>
+                    <a:tileRect r="-100000" b="-100000"/>
+                  </a:gradFill>
+                  <a:round/>
+                </a:ln>
                 <a:solidFill>
                   <a:schemeClr val="accent6">
                     <a:lumMod val="60000"/>
@@ -3578,6 +3655,37 @@
             </a:br>
             <a:r>
               <a:rPr lang="en-US" altLang="ko-KR" sz="7500" dirty="0">
+                <a:ln cmpd="sng">
+                  <a:gradFill flip="none" rotWithShape="1">
+                    <a:gsLst>
+                      <a:gs pos="0">
+                        <a:schemeClr val="accent6">
+                          <a:lumMod val="50000"/>
+                        </a:schemeClr>
+                      </a:gs>
+                      <a:gs pos="33000">
+                        <a:schemeClr val="accent6">
+                          <a:lumMod val="89000"/>
+                        </a:schemeClr>
+                      </a:gs>
+                      <a:gs pos="69000">
+                        <a:schemeClr val="accent6">
+                          <a:lumMod val="75000"/>
+                        </a:schemeClr>
+                      </a:gs>
+                      <a:gs pos="97000">
+                        <a:schemeClr val="accent6">
+                          <a:lumMod val="70000"/>
+                        </a:schemeClr>
+                      </a:gs>
+                    </a:gsLst>
+                    <a:path path="circle">
+                      <a:fillToRect l="100000" t="100000"/>
+                    </a:path>
+                    <a:tileRect r="-100000" b="-100000"/>
+                  </a:gradFill>
+                  <a:round/>
+                </a:ln>
                 <a:solidFill>
                   <a:schemeClr val="accent6">
                     <a:lumMod val="60000"/>
@@ -3590,6 +3698,37 @@
               <a:t>Unity 3D</a:t>
             </a:r>
             <a:endParaRPr lang="ko-KR" altLang="en-US" sz="7500" dirty="0">
+              <a:ln cmpd="sng">
+                <a:gradFill flip="none" rotWithShape="1">
+                  <a:gsLst>
+                    <a:gs pos="0">
+                      <a:schemeClr val="accent6">
+                        <a:lumMod val="50000"/>
+                      </a:schemeClr>
+                    </a:gs>
+                    <a:gs pos="33000">
+                      <a:schemeClr val="accent6">
+                        <a:lumMod val="89000"/>
+                      </a:schemeClr>
+                    </a:gs>
+                    <a:gs pos="69000">
+                      <a:schemeClr val="accent6">
+                        <a:lumMod val="75000"/>
+                      </a:schemeClr>
+                    </a:gs>
+                    <a:gs pos="97000">
+                      <a:schemeClr val="accent6">
+                        <a:lumMod val="70000"/>
+                      </a:schemeClr>
+                    </a:gs>
+                  </a:gsLst>
+                  <a:path path="circle">
+                    <a:fillToRect l="100000" t="100000"/>
+                  </a:path>
+                  <a:tileRect r="-100000" b="-100000"/>
+                </a:gradFill>
+                <a:round/>
+              </a:ln>
               <a:solidFill>
                 <a:schemeClr val="accent6">
                   <a:lumMod val="60000"/>
@@ -3881,6 +4020,14 @@
 <file path=ppt/slides/slide11.xml><?xml version="1.0" encoding="utf-8"?>
 <p:sld xmlns:a="http://schemas.openxmlformats.org/drawingml/2006/main" xmlns:r="http://schemas.openxmlformats.org/officeDocument/2006/relationships" xmlns:p="http://schemas.openxmlformats.org/presentationml/2006/main">
   <p:cSld>
+    <p:bg>
+      <p:bgPr>
+        <a:solidFill>
+          <a:schemeClr val="bg1"/>
+        </a:solidFill>
+        <a:effectLst/>
+      </p:bgPr>
+    </p:bg>
     <p:spTree>
       <p:nvGrpSpPr>
         <p:cNvPr id="1" name=""/>
@@ -3897,6 +4044,71 @@
       </p:grpSpPr>
       <p:sp>
         <p:nvSpPr>
+          <p:cNvPr id="16" name="Rectangle 9">
+            <a:extLst>
+              <a:ext uri="{FF2B5EF4-FFF2-40B4-BE49-F238E27FC236}">
+                <a16:creationId xmlns:a16="http://schemas.microsoft.com/office/drawing/2014/main" id="{6F9EB9F2-07E2-4D64-BBD8-BB5B217F1218}"/>
+              </a:ext>
+              <a:ext uri="{C183D7F6-B498-43B3-948B-1728B52AA6E4}">
+                <adec:decorative xmlns:adec="http://schemas.microsoft.com/office/drawing/2017/decorative" val="1"/>
+              </a:ext>
+            </a:extLst>
+          </p:cNvPr>
+          <p:cNvSpPr>
+            <a:spLocks noGrp="1" noRot="1" noChangeAspect="1" noMove="1" noResize="1" noEditPoints="1" noAdjustHandles="1" noChangeArrowheads="1" noChangeShapeType="1" noTextEdit="1"/>
+          </p:cNvSpPr>
+          <p:nvPr>
+            <p:extLst>
+              <p:ext uri="{386F3935-93C4-4BCD-93E2-E3B085C9AB24}">
+                <p16:designElem xmlns:p16="http://schemas.microsoft.com/office/powerpoint/2015/main" val="1"/>
+              </p:ext>
+            </p:extLst>
+          </p:nvPr>
+        </p:nvSpPr>
+        <p:spPr bwMode="ltGray">
+          <a:xfrm>
+            <a:off x="241173" y="320040"/>
+            <a:ext cx="8661654" cy="6217920"/>
+          </a:xfrm>
+          <a:prstGeom prst="rect">
+            <a:avLst/>
+          </a:prstGeom>
+          <a:solidFill>
+            <a:schemeClr val="tx1">
+              <a:alpha val="12000"/>
+            </a:schemeClr>
+          </a:solidFill>
+          <a:ln w="127000" cap="sq" cmpd="thinThick">
+            <a:noFill/>
+          </a:ln>
+        </p:spPr>
+        <p:style>
+          <a:lnRef idx="2">
+            <a:schemeClr val="accent1">
+              <a:shade val="50000"/>
+            </a:schemeClr>
+          </a:lnRef>
+          <a:fillRef idx="1">
+            <a:schemeClr val="accent1"/>
+          </a:fillRef>
+          <a:effectRef idx="0">
+            <a:schemeClr val="accent1"/>
+          </a:effectRef>
+          <a:fontRef idx="minor">
+            <a:schemeClr val="lt1"/>
+          </a:fontRef>
+        </p:style>
+        <p:txBody>
+          <a:bodyPr rtlCol="0" anchor="ctr"/>
+          <a:lstStyle/>
+          <a:p>
+            <a:pPr algn="ctr"/>
+            <a:endParaRPr lang="en-US"/>
+          </a:p>
+        </p:txBody>
+      </p:sp>
+      <p:sp>
+        <p:nvSpPr>
           <p:cNvPr id="4" name="제목 3">
             <a:extLst>
               <a:ext uri="{FF2B5EF4-FFF2-40B4-BE49-F238E27FC236}">
@@ -3913,22 +4125,23 @@
         </p:nvSpPr>
         <p:spPr>
           <a:xfrm>
-            <a:off x="685800" y="1720825"/>
-            <a:ext cx="7772400" cy="1470025"/>
+            <a:off x="3285441" y="965199"/>
+            <a:ext cx="5074558" cy="4927601"/>
           </a:xfrm>
         </p:spPr>
         <p:txBody>
-          <a:bodyPr>
+          <a:bodyPr anchor="ctr">
             <a:normAutofit/>
           </a:bodyPr>
           <a:lstStyle/>
           <a:p>
-            <a:r>
-              <a:rPr lang="ko-KR" altLang="en-US" sz="6000" b="1" dirty="0">
+            <a:pPr algn="l"/>
+            <a:r>
+              <a:rPr lang="ko-KR" altLang="en-US" sz="4700" b="1">
                 <a:solidFill>
-                  <a:schemeClr val="accent6">
-                    <a:lumMod val="60000"/>
-                    <a:lumOff val="40000"/>
+                  <a:schemeClr val="tx1">
+                    <a:lumMod val="85000"/>
+                    <a:lumOff val="15000"/>
                   </a:schemeClr>
                 </a:solidFill>
                 <a:latin typeface="210 앱굴림 R" panose="02020603020101020101" pitchFamily="18" charset="-127"/>
@@ -3957,131 +4170,252 @@
         </p:nvSpPr>
         <p:spPr>
           <a:xfrm>
-            <a:off x="1371600" y="3476600"/>
-            <a:ext cx="6400800" cy="1752600"/>
+            <a:off x="467544" y="965198"/>
+            <a:ext cx="2376261" cy="4927602"/>
           </a:xfrm>
         </p:spPr>
         <p:txBody>
-          <a:bodyPr/>
+          <a:bodyPr anchor="ctr">
+            <a:normAutofit/>
+          </a:bodyPr>
           <a:lstStyle/>
           <a:p>
-            <a:r>
-              <a:rPr lang="en-US" altLang="ko-KR" b="1" dirty="0">
+            <a:pPr algn="r"/>
+            <a:r>
+              <a:rPr lang="en-US" altLang="ko-KR" sz="1700" b="1" dirty="0">
+                <a:solidFill>
+                  <a:schemeClr val="accent6"/>
+                </a:solidFill>
                 <a:latin typeface="210 앱굴림 R" panose="02020603020101020101" pitchFamily="18" charset="-127"/>
                 <a:ea typeface="210 앱굴림 R" panose="02020603020101020101" pitchFamily="18" charset="-127"/>
               </a:rPr>
               <a:t>#</a:t>
             </a:r>
             <a:r>
-              <a:rPr lang="ko-KR" altLang="en-US" b="1" dirty="0">
-                <a:latin typeface="210 앱굴림 R" panose="02020603020101020101" pitchFamily="18" charset="-127"/>
-                <a:ea typeface="210 앱굴림 R" panose="02020603020101020101" pitchFamily="18" charset="-127"/>
-              </a:rPr>
-              <a:t>여러가지의 창들 </a:t>
-            </a:r>
-            <a:endParaRPr lang="en-US" altLang="ko-KR" b="1" dirty="0">
+              <a:rPr lang="ko-KR" altLang="en-US" sz="1700" b="1" dirty="0">
+                <a:solidFill>
+                  <a:schemeClr val="accent6"/>
+                </a:solidFill>
+                <a:latin typeface="210 앱굴림 R" panose="02020603020101020101" pitchFamily="18" charset="-127"/>
+                <a:ea typeface="210 앱굴림 R" panose="02020603020101020101" pitchFamily="18" charset="-127"/>
+              </a:rPr>
+              <a:t>여러 가지의 창들 </a:t>
+            </a:r>
+            <a:endParaRPr lang="en-US" altLang="ko-KR" sz="1700" b="1" dirty="0">
+              <a:solidFill>
+                <a:schemeClr val="accent6"/>
+              </a:solidFill>
               <a:latin typeface="210 앱굴림 R" panose="02020603020101020101" pitchFamily="18" charset="-127"/>
               <a:ea typeface="210 앱굴림 R" panose="02020603020101020101" pitchFamily="18" charset="-127"/>
             </a:endParaRPr>
           </a:p>
           <a:p>
-            <a:r>
-              <a:rPr lang="en-US" altLang="ko-KR" b="1" dirty="0">
+            <a:pPr algn="r"/>
+            <a:r>
+              <a:rPr lang="en-US" altLang="ko-KR" sz="1700" b="1" dirty="0">
+                <a:solidFill>
+                  <a:schemeClr val="accent6"/>
+                </a:solidFill>
                 <a:latin typeface="210 앱굴림 R" panose="02020603020101020101" pitchFamily="18" charset="-127"/>
                 <a:ea typeface="210 앱굴림 R" panose="02020603020101020101" pitchFamily="18" charset="-127"/>
               </a:rPr>
               <a:t>#</a:t>
             </a:r>
             <a:r>
-              <a:rPr lang="ko-KR" altLang="en-US" b="1" dirty="0">
+              <a:rPr lang="ko-KR" altLang="en-US" sz="1700" b="1" dirty="0">
+                <a:solidFill>
+                  <a:schemeClr val="accent6"/>
+                </a:solidFill>
                 <a:latin typeface="210 앱굴림 R" panose="02020603020101020101" pitchFamily="18" charset="-127"/>
                 <a:ea typeface="210 앱굴림 R" panose="02020603020101020101" pitchFamily="18" charset="-127"/>
               </a:rPr>
               <a:t>프로젝트</a:t>
             </a:r>
             <a:r>
-              <a:rPr lang="en-US" altLang="ko-KR" b="1" dirty="0">
+              <a:rPr lang="en-US" altLang="ko-KR" sz="1700" b="1" dirty="0">
+                <a:solidFill>
+                  <a:schemeClr val="accent6"/>
+                </a:solidFill>
                 <a:latin typeface="210 앱굴림 R" panose="02020603020101020101" pitchFamily="18" charset="-127"/>
                 <a:ea typeface="210 앱굴림 R" panose="02020603020101020101" pitchFamily="18" charset="-127"/>
               </a:rPr>
               <a:t> #</a:t>
             </a:r>
             <a:r>
-              <a:rPr lang="ko-KR" altLang="en-US" b="1" dirty="0" err="1">
+              <a:rPr lang="ko-KR" altLang="en-US" sz="1700" b="1" dirty="0" err="1">
+                <a:solidFill>
+                  <a:schemeClr val="accent6"/>
+                </a:solidFill>
                 <a:latin typeface="210 앱굴림 R" panose="02020603020101020101" pitchFamily="18" charset="-127"/>
                 <a:ea typeface="210 앱굴림 R" panose="02020603020101020101" pitchFamily="18" charset="-127"/>
               </a:rPr>
               <a:t>인스펙터</a:t>
             </a:r>
-            <a:endParaRPr lang="en-US" altLang="ko-KR" b="1" dirty="0">
+            <a:endParaRPr lang="en-US" altLang="ko-KR" sz="1700" b="1" dirty="0">
+              <a:solidFill>
+                <a:schemeClr val="accent6"/>
+              </a:solidFill>
               <a:latin typeface="210 앱굴림 R" panose="02020603020101020101" pitchFamily="18" charset="-127"/>
               <a:ea typeface="210 앱굴림 R" panose="02020603020101020101" pitchFamily="18" charset="-127"/>
             </a:endParaRPr>
           </a:p>
           <a:p>
-            <a:r>
-              <a:rPr lang="en-US" altLang="ko-KR" b="1" dirty="0">
+            <a:pPr algn="r"/>
+            <a:r>
+              <a:rPr lang="en-US" altLang="ko-KR" sz="1700" b="1" dirty="0">
+                <a:solidFill>
+                  <a:schemeClr val="accent6"/>
+                </a:solidFill>
                 <a:latin typeface="210 앱굴림 R" panose="02020603020101020101" pitchFamily="18" charset="-127"/>
                 <a:ea typeface="210 앱굴림 R" panose="02020603020101020101" pitchFamily="18" charset="-127"/>
               </a:rPr>
               <a:t>#</a:t>
             </a:r>
             <a:r>
-              <a:rPr lang="ko-KR" altLang="en-US" b="1" dirty="0">
+              <a:rPr lang="ko-KR" altLang="en-US" sz="1700" b="1" dirty="0">
+                <a:solidFill>
+                  <a:schemeClr val="accent6"/>
+                </a:solidFill>
                 <a:latin typeface="210 앱굴림 R" panose="02020603020101020101" pitchFamily="18" charset="-127"/>
                 <a:ea typeface="210 앱굴림 R" panose="02020603020101020101" pitchFamily="18" charset="-127"/>
               </a:rPr>
               <a:t>게임 </a:t>
             </a:r>
             <a:r>
-              <a:rPr lang="en-US" altLang="ko-KR" b="1" dirty="0">
+              <a:rPr lang="en-US" altLang="ko-KR" sz="1700" b="1" dirty="0">
+                <a:solidFill>
+                  <a:schemeClr val="accent6"/>
+                </a:solidFill>
                 <a:latin typeface="210 앱굴림 R" panose="02020603020101020101" pitchFamily="18" charset="-127"/>
                 <a:ea typeface="210 앱굴림 R" panose="02020603020101020101" pitchFamily="18" charset="-127"/>
               </a:rPr>
               <a:t>#</a:t>
             </a:r>
             <a:r>
-              <a:rPr lang="ko-KR" altLang="en-US" b="1" dirty="0">
+              <a:rPr lang="ko-KR" altLang="en-US" sz="1700" b="1" dirty="0">
+                <a:solidFill>
+                  <a:schemeClr val="accent6"/>
+                </a:solidFill>
                 <a:latin typeface="210 앱굴림 R" panose="02020603020101020101" pitchFamily="18" charset="-127"/>
                 <a:ea typeface="210 앱굴림 R" panose="02020603020101020101" pitchFamily="18" charset="-127"/>
               </a:rPr>
               <a:t>씬 </a:t>
             </a:r>
             <a:r>
-              <a:rPr lang="en-US" altLang="ko-KR" b="1" dirty="0">
+              <a:rPr lang="en-US" altLang="ko-KR" sz="1700" b="1" dirty="0">
+                <a:solidFill>
+                  <a:schemeClr val="accent6"/>
+                </a:solidFill>
                 <a:latin typeface="210 앱굴림 R" panose="02020603020101020101" pitchFamily="18" charset="-127"/>
                 <a:ea typeface="210 앱굴림 R" panose="02020603020101020101" pitchFamily="18" charset="-127"/>
               </a:rPr>
               <a:t>#</a:t>
             </a:r>
             <a:r>
-              <a:rPr lang="ko-KR" altLang="en-US" b="1" dirty="0">
+              <a:rPr lang="ko-KR" altLang="en-US" sz="1700" b="1" dirty="0">
+                <a:solidFill>
+                  <a:schemeClr val="accent6"/>
+                </a:solidFill>
                 <a:latin typeface="210 앱굴림 R" panose="02020603020101020101" pitchFamily="18" charset="-127"/>
                 <a:ea typeface="210 앱굴림 R" panose="02020603020101020101" pitchFamily="18" charset="-127"/>
               </a:rPr>
               <a:t>콘솔 </a:t>
             </a:r>
-            <a:r>
-              <a:rPr lang="en-US" altLang="ko-KR" b="1" dirty="0">
-                <a:latin typeface="210 앱굴림 R" panose="02020603020101020101" pitchFamily="18" charset="-127"/>
-                <a:ea typeface="210 앱굴림 R" panose="02020603020101020101" pitchFamily="18" charset="-127"/>
-              </a:rPr>
-              <a:t>#</a:t>
-            </a:r>
-            <a:r>
-              <a:rPr lang="ko-KR" altLang="en-US" b="1" dirty="0" err="1">
-                <a:latin typeface="210 앱굴림 R" panose="02020603020101020101" pitchFamily="18" charset="-127"/>
-                <a:ea typeface="210 앱굴림 R" panose="02020603020101020101" pitchFamily="18" charset="-127"/>
-              </a:rPr>
-              <a:t>하이라키</a:t>
-            </a:r>
-            <a:endParaRPr lang="en-US" altLang="ko-KR" b="1" dirty="0">
+            <a:endParaRPr lang="en-US" altLang="ko-KR" sz="1700" b="1" dirty="0">
+              <a:solidFill>
+                <a:schemeClr val="accent6"/>
+              </a:solidFill>
               <a:latin typeface="210 앱굴림 R" panose="02020603020101020101" pitchFamily="18" charset="-127"/>
               <a:ea typeface="210 앱굴림 R" panose="02020603020101020101" pitchFamily="18" charset="-127"/>
             </a:endParaRPr>
           </a:p>
-        </p:txBody>
-      </p:sp>
+          <a:p>
+            <a:pPr algn="r"/>
+            <a:r>
+              <a:rPr lang="en-US" altLang="ko-KR" sz="1700" b="1" dirty="0">
+                <a:solidFill>
+                  <a:schemeClr val="accent6"/>
+                </a:solidFill>
+                <a:latin typeface="210 앱굴림 R" panose="02020603020101020101" pitchFamily="18" charset="-127"/>
+                <a:ea typeface="210 앱굴림 R" panose="02020603020101020101" pitchFamily="18" charset="-127"/>
+              </a:rPr>
+              <a:t>#</a:t>
+            </a:r>
+            <a:r>
+              <a:rPr lang="ko-KR" altLang="en-US" sz="1700" b="1" dirty="0" err="1">
+                <a:solidFill>
+                  <a:schemeClr val="accent6"/>
+                </a:solidFill>
+                <a:latin typeface="210 앱굴림 R" panose="02020603020101020101" pitchFamily="18" charset="-127"/>
+                <a:ea typeface="210 앱굴림 R" panose="02020603020101020101" pitchFamily="18" charset="-127"/>
+              </a:rPr>
+              <a:t>하이라키</a:t>
+            </a:r>
+            <a:endParaRPr lang="en-US" altLang="ko-KR" sz="1700" b="1" dirty="0">
+              <a:solidFill>
+                <a:schemeClr val="accent6"/>
+              </a:solidFill>
+              <a:latin typeface="210 앱굴림 R" panose="02020603020101020101" pitchFamily="18" charset="-127"/>
+              <a:ea typeface="210 앱굴림 R" panose="02020603020101020101" pitchFamily="18" charset="-127"/>
+            </a:endParaRPr>
+          </a:p>
+        </p:txBody>
+      </p:sp>
+      <p:cxnSp>
+        <p:nvCxnSpPr>
+          <p:cNvPr id="17" name="Straight Connector 11">
+            <a:extLst>
+              <a:ext uri="{FF2B5EF4-FFF2-40B4-BE49-F238E27FC236}">
+                <a16:creationId xmlns:a16="http://schemas.microsoft.com/office/drawing/2014/main" id="{F0C57C7C-DFE9-4A1E-B7A9-DF40E63366BB}"/>
+              </a:ext>
+              <a:ext uri="{C183D7F6-B498-43B3-948B-1728B52AA6E4}">
+                <adec:decorative xmlns:adec="http://schemas.microsoft.com/office/drawing/2017/decorative" val="1"/>
+              </a:ext>
+            </a:extLst>
+          </p:cNvPr>
+          <p:cNvCxnSpPr>
+            <a:cxnSpLocks noGrp="1" noRot="1" noChangeAspect="1" noMove="1" noResize="1" noEditPoints="1" noAdjustHandles="1" noChangeArrowheads="1" noChangeShapeType="1"/>
+          </p:cNvCxnSpPr>
+          <p:nvPr>
+            <p:extLst>
+              <p:ext uri="{386F3935-93C4-4BCD-93E2-E3B085C9AB24}">
+                <p16:designElem xmlns:p16="http://schemas.microsoft.com/office/powerpoint/2015/main" val="1"/>
+              </p:ext>
+            </p:extLst>
+          </p:nvPr>
+        </p:nvCxnSpPr>
+        <p:spPr>
+          <a:xfrm>
+            <a:off x="3041918" y="2057399"/>
+            <a:ext cx="0" cy="2743200"/>
+          </a:xfrm>
+          <a:prstGeom prst="line">
+            <a:avLst/>
+          </a:prstGeom>
+          <a:ln w="19050">
+            <a:solidFill>
+              <a:schemeClr val="tx1">
+                <a:lumMod val="85000"/>
+                <a:lumOff val="15000"/>
+              </a:schemeClr>
+            </a:solidFill>
+          </a:ln>
+        </p:spPr>
+        <p:style>
+          <a:lnRef idx="1">
+            <a:schemeClr val="accent1"/>
+          </a:lnRef>
+          <a:fillRef idx="0">
+            <a:schemeClr val="accent1"/>
+          </a:fillRef>
+          <a:effectRef idx="0">
+            <a:schemeClr val="accent1"/>
+          </a:effectRef>
+          <a:fontRef idx="minor">
+            <a:schemeClr val="tx1"/>
+          </a:fontRef>
+        </p:style>
+      </p:cxnSp>
     </p:spTree>
     <p:extLst>
       <p:ext uri="{BB962C8B-B14F-4D97-AF65-F5344CB8AC3E}">
@@ -4814,47 +5148,47 @@
           <a:lstStyle/>
           <a:p>
             <a:r>
-              <a:rPr lang="en-US" altLang="ko-KR" sz="2400" dirty="0">
+              <a:rPr lang="en-US" altLang="ko-KR" sz="2000" dirty="0">
                 <a:latin typeface="210 앱굴림 R" panose="02020603020101020101" pitchFamily="18" charset="-127"/>
                 <a:ea typeface="210 앱굴림 R" panose="02020603020101020101" pitchFamily="18" charset="-127"/>
               </a:rPr>
               <a:t>File </a:t>
             </a:r>
             <a:r>
-              <a:rPr lang="ko-KR" altLang="en-US" sz="2400" dirty="0">
+              <a:rPr lang="ko-KR" altLang="en-US" sz="2000" dirty="0">
                 <a:latin typeface="210 앱굴림 R" panose="02020603020101020101" pitchFamily="18" charset="-127"/>
                 <a:ea typeface="210 앱굴림 R" panose="02020603020101020101" pitchFamily="18" charset="-127"/>
               </a:rPr>
               <a:t>탐색기</a:t>
             </a:r>
-            <a:endParaRPr lang="en-US" altLang="ko-KR" sz="2400" dirty="0">
+            <a:endParaRPr lang="en-US" altLang="ko-KR" sz="2000" dirty="0">
               <a:latin typeface="210 앱굴림 R" panose="02020603020101020101" pitchFamily="18" charset="-127"/>
               <a:ea typeface="210 앱굴림 R" panose="02020603020101020101" pitchFamily="18" charset="-127"/>
             </a:endParaRPr>
           </a:p>
           <a:p>
             <a:r>
-              <a:rPr lang="en-US" altLang="ko-KR" sz="2400" dirty="0">
+              <a:rPr lang="en-US" altLang="ko-KR" sz="2000" dirty="0">
                 <a:latin typeface="210 앱굴림 R" panose="02020603020101020101" pitchFamily="18" charset="-127"/>
                 <a:ea typeface="210 앱굴림 R" panose="02020603020101020101" pitchFamily="18" charset="-127"/>
               </a:rPr>
               <a:t>Asset</a:t>
             </a:r>
             <a:r>
-              <a:rPr lang="ko-KR" altLang="en-US" sz="2400" dirty="0">
+              <a:rPr lang="ko-KR" altLang="en-US" sz="2000" dirty="0">
                 <a:latin typeface="210 앱굴림 R" panose="02020603020101020101" pitchFamily="18" charset="-127"/>
                 <a:ea typeface="210 앱굴림 R" panose="02020603020101020101" pitchFamily="18" charset="-127"/>
               </a:rPr>
               <a:t>들을 볼 수 있다</a:t>
             </a:r>
             <a:r>
-              <a:rPr lang="en-US" altLang="ko-KR" sz="2400" dirty="0">
+              <a:rPr lang="en-US" altLang="ko-KR" sz="2000" dirty="0">
                 <a:latin typeface="210 앱굴림 R" panose="02020603020101020101" pitchFamily="18" charset="-127"/>
                 <a:ea typeface="210 앱굴림 R" panose="02020603020101020101" pitchFamily="18" charset="-127"/>
               </a:rPr>
               <a:t>.</a:t>
             </a:r>
-            <a:endParaRPr lang="ko-KR" altLang="en-US" sz="2400" dirty="0">
+            <a:endParaRPr lang="ko-KR" altLang="en-US" sz="2000" dirty="0">
               <a:latin typeface="210 앱굴림 R" panose="02020603020101020101" pitchFamily="18" charset="-127"/>
               <a:ea typeface="210 앱굴림 R" panose="02020603020101020101" pitchFamily="18" charset="-127"/>
             </a:endParaRPr>
@@ -5063,60 +5397,60 @@
           <a:lstStyle/>
           <a:p>
             <a:r>
-              <a:rPr lang="ko-KR" altLang="en-US" sz="2400" dirty="0">
+              <a:rPr lang="ko-KR" altLang="en-US" sz="2000" dirty="0">
                 <a:latin typeface="210 앱굴림 R" panose="02020603020101020101" pitchFamily="18" charset="-127"/>
                 <a:ea typeface="210 앱굴림 R" panose="02020603020101020101" pitchFamily="18" charset="-127"/>
               </a:rPr>
               <a:t>디버그용</a:t>
             </a:r>
-            <a:endParaRPr lang="en-US" altLang="ko-KR" sz="2400" dirty="0">
+            <a:endParaRPr lang="en-US" altLang="ko-KR" sz="2000" dirty="0">
               <a:latin typeface="210 앱굴림 R" panose="02020603020101020101" pitchFamily="18" charset="-127"/>
               <a:ea typeface="210 앱굴림 R" panose="02020603020101020101" pitchFamily="18" charset="-127"/>
             </a:endParaRPr>
           </a:p>
           <a:p>
             <a:r>
-              <a:rPr lang="ko-KR" altLang="en-US" sz="2400" dirty="0">
+              <a:rPr lang="ko-KR" altLang="en-US" sz="2000" dirty="0">
                 <a:latin typeface="210 앱굴림 R" panose="02020603020101020101" pitchFamily="18" charset="-127"/>
                 <a:ea typeface="210 앱굴림 R" panose="02020603020101020101" pitchFamily="18" charset="-127"/>
               </a:rPr>
               <a:t>메시지를 남길 수 있다</a:t>
             </a:r>
-            <a:endParaRPr lang="en-US" altLang="ko-KR" sz="2400" dirty="0">
+            <a:endParaRPr lang="en-US" altLang="ko-KR" sz="2000" dirty="0">
               <a:latin typeface="210 앱굴림 R" panose="02020603020101020101" pitchFamily="18" charset="-127"/>
               <a:ea typeface="210 앱굴림 R" panose="02020603020101020101" pitchFamily="18" charset="-127"/>
             </a:endParaRPr>
           </a:p>
           <a:p>
             <a:r>
-              <a:rPr lang="en-US" altLang="ko-KR" sz="2400" dirty="0" err="1">
+              <a:rPr lang="en-US" altLang="ko-KR" sz="2000" dirty="0" err="1">
                 <a:latin typeface="210 앱굴림 R" panose="02020603020101020101" pitchFamily="18" charset="-127"/>
                 <a:ea typeface="210 앱굴림 R" panose="02020603020101020101" pitchFamily="18" charset="-127"/>
               </a:rPr>
               <a:t>Debug.Log</a:t>
             </a:r>
             <a:r>
-              <a:rPr lang="en-US" altLang="ko-KR" sz="2400" dirty="0">
+              <a:rPr lang="en-US" altLang="ko-KR" sz="2000" dirty="0">
                 <a:latin typeface="210 앱굴림 R" panose="02020603020101020101" pitchFamily="18" charset="-127"/>
                 <a:ea typeface="210 앱굴림 R" panose="02020603020101020101" pitchFamily="18" charset="-127"/>
               </a:rPr>
               <a:t>(“</a:t>
             </a:r>
             <a:r>
-              <a:rPr lang="ko-KR" altLang="en-US" sz="2400" dirty="0">
+              <a:rPr lang="ko-KR" altLang="en-US" sz="2000" dirty="0">
                 <a:latin typeface="210 앱굴림 R" panose="02020603020101020101" pitchFamily="18" charset="-127"/>
                 <a:ea typeface="210 앱굴림 R" panose="02020603020101020101" pitchFamily="18" charset="-127"/>
               </a:rPr>
               <a:t>메시지</a:t>
             </a:r>
             <a:r>
-              <a:rPr lang="en-US" altLang="ko-KR" sz="2400" dirty="0">
+              <a:rPr lang="en-US" altLang="ko-KR" sz="2000" dirty="0">
                 <a:latin typeface="210 앱굴림 R" panose="02020603020101020101" pitchFamily="18" charset="-127"/>
                 <a:ea typeface="210 앱굴림 R" panose="02020603020101020101" pitchFamily="18" charset="-127"/>
               </a:rPr>
               <a:t>”);</a:t>
             </a:r>
-            <a:endParaRPr lang="ko-KR" altLang="en-US" sz="2400" dirty="0">
+            <a:endParaRPr lang="ko-KR" altLang="en-US" sz="2000" dirty="0">
               <a:latin typeface="210 앱굴림 R" panose="02020603020101020101" pitchFamily="18" charset="-127"/>
               <a:ea typeface="210 앱굴림 R" panose="02020603020101020101" pitchFamily="18" charset="-127"/>
             </a:endParaRPr>
@@ -5225,7 +5559,7 @@
         <p:spPr>
           <a:xfrm>
             <a:off x="405112" y="2465648"/>
-            <a:ext cx="5103036" cy="1926704"/>
+            <a:ext cx="5103036" cy="1395400"/>
           </a:xfrm>
         </p:spPr>
         <p:txBody>
@@ -5235,27 +5569,27 @@
           <a:lstStyle/>
           <a:p>
             <a:r>
-              <a:rPr lang="ko-KR" altLang="en-US" sz="2400" dirty="0">
+              <a:rPr lang="ko-KR" altLang="en-US" sz="2000" dirty="0">
                 <a:latin typeface="210 앱굴림 R" panose="02020603020101020101" pitchFamily="18" charset="-127"/>
                 <a:ea typeface="210 앱굴림 R" panose="02020603020101020101" pitchFamily="18" charset="-127"/>
               </a:rPr>
               <a:t>계층 </a:t>
             </a:r>
             <a:r>
-              <a:rPr lang="en-US" altLang="ko-KR" sz="2400" dirty="0">
+              <a:rPr lang="en-US" altLang="ko-KR" sz="2000" dirty="0">
                 <a:latin typeface="210 앱굴림 R" panose="02020603020101020101" pitchFamily="18" charset="-127"/>
                 <a:ea typeface="210 앱굴림 R" panose="02020603020101020101" pitchFamily="18" charset="-127"/>
               </a:rPr>
               <a:t>- </a:t>
             </a:r>
             <a:r>
-              <a:rPr lang="ko-KR" altLang="en-US" sz="2400" dirty="0">
+              <a:rPr lang="ko-KR" altLang="en-US" sz="2000" dirty="0">
                 <a:latin typeface="210 앱굴림 R" panose="02020603020101020101" pitchFamily="18" charset="-127"/>
                 <a:ea typeface="210 앱굴림 R" panose="02020603020101020101" pitchFamily="18" charset="-127"/>
               </a:rPr>
               <a:t>부모자식 관계</a:t>
             </a:r>
-            <a:endParaRPr lang="en-US" altLang="ko-KR" sz="2400" dirty="0">
+            <a:endParaRPr lang="en-US" altLang="ko-KR" sz="2000" dirty="0">
               <a:latin typeface="210 앱굴림 R" panose="02020603020101020101" pitchFamily="18" charset="-127"/>
               <a:ea typeface="210 앱굴림 R" panose="02020603020101020101" pitchFamily="18" charset="-127"/>
             </a:endParaRPr>
@@ -5264,29 +5598,20 @@
             <a:pPr marL="0" indent="0">
               <a:buNone/>
             </a:pPr>
-            <a:endParaRPr lang="en-US" altLang="ko-KR" sz="2400" dirty="0">
+            <a:endParaRPr lang="en-US" altLang="ko-KR" sz="2000" dirty="0">
               <a:latin typeface="210 앱굴림 R" panose="02020603020101020101" pitchFamily="18" charset="-127"/>
               <a:ea typeface="210 앱굴림 R" panose="02020603020101020101" pitchFamily="18" charset="-127"/>
             </a:endParaRPr>
           </a:p>
           <a:p>
             <a:r>
-              <a:rPr lang="ko-KR" altLang="en-US" sz="2400" dirty="0">
+              <a:rPr lang="ko-KR" altLang="en-US" sz="2000" dirty="0">
                 <a:latin typeface="210 앱굴림 R" panose="02020603020101020101" pitchFamily="18" charset="-127"/>
                 <a:ea typeface="210 앱굴림 R" panose="02020603020101020101" pitchFamily="18" charset="-127"/>
               </a:rPr>
               <a:t>씬 안의 게임 오브젝트들을 볼 수 있다</a:t>
             </a:r>
-            <a:endParaRPr lang="en-US" altLang="ko-KR" sz="2400" dirty="0">
-              <a:latin typeface="210 앱굴림 R" panose="02020603020101020101" pitchFamily="18" charset="-127"/>
-              <a:ea typeface="210 앱굴림 R" panose="02020603020101020101" pitchFamily="18" charset="-127"/>
-            </a:endParaRPr>
-          </a:p>
-          <a:p>
-            <a:pPr marL="0" indent="0">
-              <a:buNone/>
-            </a:pPr>
-            <a:endParaRPr lang="ko-KR" altLang="en-US" sz="2400" dirty="0">
+            <a:endParaRPr lang="en-US" altLang="ko-KR" sz="2000" dirty="0">
               <a:latin typeface="210 앱굴림 R" panose="02020603020101020101" pitchFamily="18" charset="-127"/>
               <a:ea typeface="210 앱굴림 R" panose="02020603020101020101" pitchFamily="18" charset="-127"/>
             </a:endParaRPr>
@@ -5601,14 +5926,14 @@
           <a:lstStyle/>
           <a:p>
             <a:r>
-              <a:rPr lang="ko-KR" altLang="en-US" sz="1600">
+              <a:rPr lang="ko-KR" altLang="en-US" sz="1600" dirty="0">
                 <a:latin typeface="210 앱굴림 R" panose="02020603020101020101" pitchFamily="18" charset="-127"/>
                 <a:ea typeface="210 앱굴림 R" panose="02020603020101020101" pitchFamily="18" charset="-127"/>
               </a:rPr>
               <a:t>내가 구성하고 있는 </a:t>
             </a:r>
             <a:r>
-              <a:rPr lang="en-US" altLang="ko-KR" sz="1600">
+              <a:rPr lang="en-US" altLang="ko-KR" sz="1600" dirty="0">
                 <a:latin typeface="210 앱굴림 R" panose="02020603020101020101" pitchFamily="18" charset="-127"/>
                 <a:ea typeface="210 앱굴림 R" panose="02020603020101020101" pitchFamily="18" charset="-127"/>
               </a:rPr>
@@ -5616,46 +5941,43 @@
             </a:r>
           </a:p>
           <a:p>
-            <a:endParaRPr lang="en-US" altLang="ko-KR" sz="1600">
+            <a:endParaRPr lang="en-US" altLang="ko-KR" sz="1600" dirty="0">
               <a:latin typeface="210 앱굴림 R" panose="02020603020101020101" pitchFamily="18" charset="-127"/>
               <a:ea typeface="210 앱굴림 R" panose="02020603020101020101" pitchFamily="18" charset="-127"/>
             </a:endParaRPr>
           </a:p>
           <a:p>
             <a:r>
-              <a:rPr lang="ko-KR" altLang="en-US" sz="1600">
+              <a:rPr lang="ko-KR" altLang="en-US" sz="1600" dirty="0">
                 <a:latin typeface="210 앱굴림 R" panose="02020603020101020101" pitchFamily="18" charset="-127"/>
                 <a:ea typeface="210 앱굴림 R" panose="02020603020101020101" pitchFamily="18" charset="-127"/>
               </a:rPr>
               <a:t>이 창에서 게임을 만듭니다</a:t>
             </a:r>
-            <a:r>
-              <a:rPr lang="en-US" altLang="ko-KR" sz="1600">
-                <a:latin typeface="210 앱굴림 R" panose="02020603020101020101" pitchFamily="18" charset="-127"/>
-                <a:ea typeface="210 앱굴림 R" panose="02020603020101020101" pitchFamily="18" charset="-127"/>
-              </a:rPr>
-              <a:t>.</a:t>
-            </a:r>
+            <a:endParaRPr lang="en-US" altLang="ko-KR" sz="1600" dirty="0">
+              <a:latin typeface="210 앱굴림 R" panose="02020603020101020101" pitchFamily="18" charset="-127"/>
+              <a:ea typeface="210 앱굴림 R" panose="02020603020101020101" pitchFamily="18" charset="-127"/>
+            </a:endParaRPr>
           </a:p>
           <a:p>
             <a:pPr marL="0" indent="0">
               <a:buNone/>
             </a:pPr>
             <a:r>
-              <a:rPr lang="en-US" altLang="ko-KR" sz="1600">
-                <a:latin typeface="210 앱굴림 R" panose="02020603020101020101" pitchFamily="18" charset="-127"/>
-                <a:ea typeface="210 앱굴림 R" panose="02020603020101020101" pitchFamily="18" charset="-127"/>
-              </a:rPr>
-              <a:t> - </a:t>
-            </a:r>
-            <a:r>
-              <a:rPr lang="ko-KR" altLang="en-US" sz="1600">
+              <a:rPr lang="en-US" altLang="ko-KR" sz="1600" dirty="0">
+                <a:latin typeface="210 앱굴림 R" panose="02020603020101020101" pitchFamily="18" charset="-127"/>
+                <a:ea typeface="210 앱굴림 R" panose="02020603020101020101" pitchFamily="18" charset="-127"/>
+              </a:rPr>
+              <a:t>       =&gt; </a:t>
+            </a:r>
+            <a:r>
+              <a:rPr lang="ko-KR" altLang="en-US" sz="1600" dirty="0">
                 <a:latin typeface="210 앱굴림 R" panose="02020603020101020101" pitchFamily="18" charset="-127"/>
                 <a:ea typeface="210 앱굴림 R" panose="02020603020101020101" pitchFamily="18" charset="-127"/>
               </a:rPr>
               <a:t>게임 오브젝트 이동 및 배치</a:t>
             </a:r>
-            <a:endParaRPr lang="en-US" altLang="ko-KR" sz="1600">
+            <a:endParaRPr lang="en-US" altLang="ko-KR" sz="1600" dirty="0">
               <a:latin typeface="210 앱굴림 R" panose="02020603020101020101" pitchFamily="18" charset="-127"/>
               <a:ea typeface="210 앱굴림 R" panose="02020603020101020101" pitchFamily="18" charset="-127"/>
             </a:endParaRPr>
@@ -6087,6 +6409,14 @@
 <file path=ppt/slides/slide2.xml><?xml version="1.0" encoding="utf-8"?>
 <p:sld xmlns:a="http://schemas.openxmlformats.org/drawingml/2006/main" xmlns:r="http://schemas.openxmlformats.org/officeDocument/2006/relationships" xmlns:p="http://schemas.openxmlformats.org/presentationml/2006/main">
   <p:cSld>
+    <p:bg>
+      <p:bgPr>
+        <a:solidFill>
+          <a:schemeClr val="bg1"/>
+        </a:solidFill>
+        <a:effectLst/>
+      </p:bgPr>
+    </p:bg>
     <p:spTree>
       <p:nvGrpSpPr>
         <p:cNvPr id="1" name=""/>
@@ -6103,6 +6433,181 @@
       </p:grpSpPr>
       <p:sp>
         <p:nvSpPr>
+          <p:cNvPr id="17" name="Rectangle 10">
+            <a:extLst>
+              <a:ext uri="{FF2B5EF4-FFF2-40B4-BE49-F238E27FC236}">
+                <a16:creationId xmlns:a16="http://schemas.microsoft.com/office/drawing/2014/main" id="{8D70B121-56F4-4848-B38B-182089D909FA}"/>
+              </a:ext>
+              <a:ext uri="{C183D7F6-B498-43B3-948B-1728B52AA6E4}">
+                <adec:decorative xmlns:adec="http://schemas.microsoft.com/office/drawing/2017/decorative" val="1"/>
+              </a:ext>
+            </a:extLst>
+          </p:cNvPr>
+          <p:cNvSpPr>
+            <a:spLocks noGrp="1" noRot="1" noChangeAspect="1" noMove="1" noResize="1" noEditPoints="1" noAdjustHandles="1" noChangeArrowheads="1" noChangeShapeType="1" noTextEdit="1"/>
+          </p:cNvSpPr>
+          <p:nvPr>
+            <p:extLst>
+              <p:ext uri="{386F3935-93C4-4BCD-93E2-E3B085C9AB24}">
+                <p16:designElem xmlns:p16="http://schemas.microsoft.com/office/powerpoint/2015/main" val="1"/>
+              </p:ext>
+            </p:extLst>
+          </p:nvPr>
+        </p:nvSpPr>
+        <p:spPr bwMode="ltGray">
+          <a:xfrm>
+            <a:off x="241173" y="320040"/>
+            <a:ext cx="8661654" cy="6217920"/>
+          </a:xfrm>
+          <a:prstGeom prst="rect">
+            <a:avLst/>
+          </a:prstGeom>
+          <a:solidFill>
+            <a:schemeClr val="tx1">
+              <a:alpha val="8000"/>
+            </a:schemeClr>
+          </a:solidFill>
+          <a:ln w="127000" cap="sq" cmpd="thinThick">
+            <a:noFill/>
+          </a:ln>
+        </p:spPr>
+        <p:style>
+          <a:lnRef idx="2">
+            <a:schemeClr val="accent1">
+              <a:shade val="50000"/>
+            </a:schemeClr>
+          </a:lnRef>
+          <a:fillRef idx="1">
+            <a:schemeClr val="accent1"/>
+          </a:fillRef>
+          <a:effectRef idx="0">
+            <a:schemeClr val="accent1"/>
+          </a:effectRef>
+          <a:fontRef idx="minor">
+            <a:schemeClr val="lt1"/>
+          </a:fontRef>
+        </p:style>
+        <p:txBody>
+          <a:bodyPr rtlCol="0" anchor="ctr"/>
+          <a:lstStyle/>
+          <a:p>
+            <a:pPr algn="ctr"/>
+            <a:endParaRPr lang="en-US">
+              <a:latin typeface="210 앱굴림 L" panose="02020603020101020101" pitchFamily="18" charset="-127"/>
+              <a:ea typeface="210 앱굴림 L" panose="02020603020101020101" pitchFamily="18" charset="-127"/>
+            </a:endParaRPr>
+          </a:p>
+        </p:txBody>
+      </p:sp>
+      <p:sp>
+        <p:nvSpPr>
+          <p:cNvPr id="4" name="직사각형 3">
+            <a:extLst>
+              <a:ext uri="{FF2B5EF4-FFF2-40B4-BE49-F238E27FC236}">
+                <a16:creationId xmlns:a16="http://schemas.microsoft.com/office/drawing/2014/main" id="{43B84176-6996-4566-92D3-01B267F567FD}"/>
+              </a:ext>
+            </a:extLst>
+          </p:cNvPr>
+          <p:cNvSpPr/>
+          <p:nvPr/>
+        </p:nvSpPr>
+        <p:spPr>
+          <a:xfrm>
+            <a:off x="628650" y="963877"/>
+            <a:ext cx="2620771" cy="4930246"/>
+          </a:xfrm>
+          <a:prstGeom prst="rect">
+            <a:avLst/>
+          </a:prstGeom>
+        </p:spPr>
+        <p:txBody>
+          <a:bodyPr vert="horz" lIns="91440" tIns="45720" rIns="91440" bIns="45720" rtlCol="0" anchor="ctr">
+            <a:normAutofit/>
+          </a:bodyPr>
+          <a:lstStyle/>
+          <a:p>
+            <a:pPr algn="r" latinLnBrk="0">
+              <a:lnSpc>
+                <a:spcPct val="90000"/>
+              </a:lnSpc>
+              <a:spcBef>
+                <a:spcPct val="0"/>
+              </a:spcBef>
+              <a:spcAft>
+                <a:spcPts val="600"/>
+              </a:spcAft>
+            </a:pPr>
+            <a:r>
+              <a:rPr lang="en-US" altLang="ko-KR" sz="4400" kern="1200" dirty="0">
+                <a:solidFill>
+                  <a:schemeClr val="accent6"/>
+                </a:solidFill>
+                <a:latin typeface="210 앱굴림 B" panose="02020603020101020101" pitchFamily="18" charset="-127"/>
+                <a:ea typeface="210 앱굴림 B" panose="02020603020101020101" pitchFamily="18" charset="-127"/>
+                <a:cs typeface="+mj-cs"/>
+              </a:rPr>
+              <a:t>Week 1</a:t>
+            </a:r>
+          </a:p>
+        </p:txBody>
+      </p:sp>
+      <p:cxnSp>
+        <p:nvCxnSpPr>
+          <p:cNvPr id="18" name="Straight Connector 12">
+            <a:extLst>
+              <a:ext uri="{FF2B5EF4-FFF2-40B4-BE49-F238E27FC236}">
+                <a16:creationId xmlns:a16="http://schemas.microsoft.com/office/drawing/2014/main" id="{2D72A2C9-F3CA-4216-8BAD-FA4C970C3C4E}"/>
+              </a:ext>
+              <a:ext uri="{C183D7F6-B498-43B3-948B-1728B52AA6E4}">
+                <adec:decorative xmlns:adec="http://schemas.microsoft.com/office/drawing/2017/decorative" val="1"/>
+              </a:ext>
+            </a:extLst>
+          </p:cNvPr>
+          <p:cNvCxnSpPr>
+            <a:cxnSpLocks noGrp="1" noRot="1" noChangeAspect="1" noMove="1" noResize="1" noEditPoints="1" noAdjustHandles="1" noChangeArrowheads="1" noChangeShapeType="1"/>
+          </p:cNvCxnSpPr>
+          <p:nvPr>
+            <p:extLst>
+              <p:ext uri="{386F3935-93C4-4BCD-93E2-E3B085C9AB24}">
+                <p16:designElem xmlns:p16="http://schemas.microsoft.com/office/powerpoint/2015/main" val="1"/>
+              </p:ext>
+            </p:extLst>
+          </p:nvPr>
+        </p:nvCxnSpPr>
+        <p:spPr>
+          <a:xfrm>
+            <a:off x="3490722" y="2057400"/>
+            <a:ext cx="0" cy="2743200"/>
+          </a:xfrm>
+          <a:prstGeom prst="line">
+            <a:avLst/>
+          </a:prstGeom>
+          <a:ln w="19050">
+            <a:solidFill>
+              <a:schemeClr val="tx1">
+                <a:lumMod val="85000"/>
+                <a:lumOff val="15000"/>
+              </a:schemeClr>
+            </a:solidFill>
+          </a:ln>
+        </p:spPr>
+        <p:style>
+          <a:lnRef idx="1">
+            <a:schemeClr val="accent1"/>
+          </a:lnRef>
+          <a:fillRef idx="0">
+            <a:schemeClr val="accent1"/>
+          </a:fillRef>
+          <a:effectRef idx="0">
+            <a:schemeClr val="accent1"/>
+          </a:effectRef>
+          <a:fontRef idx="minor">
+            <a:schemeClr val="tx1"/>
+          </a:fontRef>
+        </p:style>
+      </p:cxnSp>
+      <p:sp>
+        <p:nvSpPr>
           <p:cNvPr id="6" name="제목 1">
             <a:extLst>
               <a:ext uri="{FF2B5EF4-FFF2-40B4-BE49-F238E27FC236}">
@@ -6117,23 +6622,16 @@
         </p:nvSpPr>
         <p:spPr>
           <a:xfrm>
-            <a:off x="367171" y="116632"/>
-            <a:ext cx="8409657" cy="6212105"/>
+            <a:off x="3732023" y="963877"/>
+            <a:ext cx="4783327" cy="4930246"/>
           </a:xfrm>
           <a:prstGeom prst="rect">
             <a:avLst/>
           </a:prstGeom>
-          <a:effectLst>
-            <a:outerShdw blurRad="190500" dist="317500" dir="5400000" sx="90000" sy="-19000" rotWithShape="0">
-              <a:prstClr val="black">
-                <a:alpha val="20000"/>
-              </a:prstClr>
-            </a:outerShdw>
-          </a:effectLst>
         </p:spPr>
         <p:txBody>
-          <a:bodyPr vert="horz" lIns="68580" tIns="34290" rIns="68580" bIns="34290" rtlCol="0" anchor="b">
-            <a:noAutofit/>
+          <a:bodyPr vert="horz" lIns="91440" tIns="45720" rIns="91440" bIns="45720" rtlCol="0" anchor="ctr">
+            <a:normAutofit/>
           </a:bodyPr>
           <a:lstStyle>
             <a:lvl1pPr algn="ctr" defTabSz="914400" rtl="0" eaLnBrk="1" latinLnBrk="1" hangingPunct="1">
@@ -6155,436 +6653,296 @@
             </a:lvl1pPr>
           </a:lstStyle>
           <a:p>
-            <a:pPr algn="l"/>
-            <a:r>
-              <a:rPr lang="en-US" altLang="ko-KR" sz="5400" dirty="0">
+            <a:pPr indent="-228600" algn="l" latinLnBrk="0">
+              <a:spcAft>
+                <a:spcPts val="600"/>
+              </a:spcAft>
+              <a:buFont typeface="Arial" panose="020B0604020202020204" pitchFamily="34" charset="0"/>
+              <a:buChar char="•"/>
+            </a:pPr>
+            <a:r>
+              <a:rPr lang="ko-KR" altLang="en-US" sz="2100" kern="1200">
                 <a:solidFill>
-                  <a:schemeClr val="accent2">
-                    <a:lumMod val="50000"/>
-                  </a:schemeClr>
+                  <a:schemeClr val="tx1"/>
                 </a:solidFill>
                 <a:latin typeface="210 앱굴림 L" panose="02020603020101020101" pitchFamily="18" charset="-127"/>
                 <a:ea typeface="210 앱굴림 L" panose="02020603020101020101" pitchFamily="18" charset="-127"/>
-              </a:rPr>
-              <a:t>Week 1</a:t>
-            </a:r>
-          </a:p>
-          <a:p>
-            <a:pPr algn="l"/>
-            <a:r>
-              <a:rPr lang="en-US" altLang="ko-KR" sz="4050" dirty="0">
+                <a:cs typeface="+mn-cs"/>
+              </a:rPr>
+              <a:t>유니티 소개</a:t>
+            </a:r>
+            <a:endParaRPr lang="en-US" altLang="ko-KR" sz="2100" kern="1200">
+              <a:solidFill>
+                <a:schemeClr val="tx1"/>
+              </a:solidFill>
+              <a:latin typeface="210 앱굴림 L" panose="02020603020101020101" pitchFamily="18" charset="-127"/>
+              <a:ea typeface="210 앱굴림 L" panose="02020603020101020101" pitchFamily="18" charset="-127"/>
+              <a:cs typeface="+mn-cs"/>
+            </a:endParaRPr>
+          </a:p>
+          <a:p>
+            <a:pPr indent="-228600" algn="l" latinLnBrk="0">
+              <a:spcAft>
+                <a:spcPts val="600"/>
+              </a:spcAft>
+              <a:buFont typeface="Arial" panose="020B0604020202020204" pitchFamily="34" charset="0"/>
+              <a:buChar char="•"/>
+            </a:pPr>
+            <a:r>
+              <a:rPr lang="ko-KR" altLang="en-US" sz="2100" kern="1200">
                 <a:solidFill>
-                  <a:schemeClr val="accent4">
-                    <a:lumMod val="75000"/>
-                  </a:schemeClr>
+                  <a:schemeClr val="tx1"/>
                 </a:solidFill>
                 <a:latin typeface="210 앱굴림 L" panose="02020603020101020101" pitchFamily="18" charset="-127"/>
                 <a:ea typeface="210 앱굴림 L" panose="02020603020101020101" pitchFamily="18" charset="-127"/>
-              </a:rPr>
-              <a:t>  </a:t>
-            </a:r>
-            <a:r>
-              <a:rPr lang="en-US" altLang="ko-KR" sz="3600" dirty="0">
+                <a:cs typeface="+mn-cs"/>
+              </a:rPr>
+              <a:t>유니티 설치</a:t>
+            </a:r>
+            <a:endParaRPr lang="en-US" altLang="ko-KR" sz="2100" kern="1200">
+              <a:solidFill>
+                <a:schemeClr val="tx1"/>
+              </a:solidFill>
+              <a:latin typeface="210 앱굴림 L" panose="02020603020101020101" pitchFamily="18" charset="-127"/>
+              <a:ea typeface="210 앱굴림 L" panose="02020603020101020101" pitchFamily="18" charset="-127"/>
+              <a:cs typeface="+mn-cs"/>
+            </a:endParaRPr>
+          </a:p>
+          <a:p>
+            <a:pPr indent="-228600" algn="l" latinLnBrk="0">
+              <a:spcAft>
+                <a:spcPts val="600"/>
+              </a:spcAft>
+              <a:buFont typeface="Arial" panose="020B0604020202020204" pitchFamily="34" charset="0"/>
+              <a:buChar char="•"/>
+            </a:pPr>
+            <a:r>
+              <a:rPr lang="ko-KR" altLang="en-US" sz="2100" kern="1200">
                 <a:solidFill>
-                  <a:schemeClr val="accent4">
-                    <a:lumMod val="75000"/>
-                  </a:schemeClr>
+                  <a:schemeClr val="tx1"/>
                 </a:solidFill>
                 <a:latin typeface="210 앱굴림 L" panose="02020603020101020101" pitchFamily="18" charset="-127"/>
                 <a:ea typeface="210 앱굴림 L" panose="02020603020101020101" pitchFamily="18" charset="-127"/>
-              </a:rPr>
-              <a:t>- </a:t>
-            </a:r>
-            <a:r>
-              <a:rPr lang="ko-KR" altLang="en-US" sz="3600" dirty="0">
+                <a:cs typeface="+mn-cs"/>
+              </a:rPr>
+              <a:t>화면 구성</a:t>
+            </a:r>
+            <a:endParaRPr lang="en-US" altLang="ko-KR" sz="2100" kern="1200">
+              <a:solidFill>
+                <a:schemeClr val="tx1"/>
+              </a:solidFill>
+              <a:latin typeface="210 앱굴림 L" panose="02020603020101020101" pitchFamily="18" charset="-127"/>
+              <a:ea typeface="210 앱굴림 L" panose="02020603020101020101" pitchFamily="18" charset="-127"/>
+              <a:cs typeface="+mn-cs"/>
+            </a:endParaRPr>
+          </a:p>
+          <a:p>
+            <a:pPr indent="-228600" algn="l" latinLnBrk="0">
+              <a:spcAft>
+                <a:spcPts val="600"/>
+              </a:spcAft>
+              <a:buFont typeface="Arial" panose="020B0604020202020204" pitchFamily="34" charset="0"/>
+              <a:buChar char="•"/>
+            </a:pPr>
+            <a:r>
+              <a:rPr lang="ko-KR" altLang="en-US" sz="2100" kern="1200">
                 <a:solidFill>
-                  <a:schemeClr val="accent4">
-                    <a:lumMod val="75000"/>
-                  </a:schemeClr>
+                  <a:schemeClr val="tx1"/>
                 </a:solidFill>
                 <a:latin typeface="210 앱굴림 L" panose="02020603020101020101" pitchFamily="18" charset="-127"/>
                 <a:ea typeface="210 앱굴림 L" panose="02020603020101020101" pitchFamily="18" charset="-127"/>
-              </a:rPr>
-              <a:t>유니티 소개</a:t>
-            </a:r>
-            <a:endParaRPr lang="en-US" altLang="ko-KR" sz="3600" dirty="0">
+                <a:cs typeface="+mn-cs"/>
+              </a:rPr>
+              <a:t>조작 방법</a:t>
+            </a:r>
+            <a:endParaRPr lang="en-US" altLang="ko-KR" sz="2100" kern="1200">
               <a:solidFill>
-                <a:schemeClr val="accent4">
-                  <a:lumMod val="75000"/>
-                </a:schemeClr>
+                <a:schemeClr val="tx1"/>
               </a:solidFill>
               <a:latin typeface="210 앱굴림 L" panose="02020603020101020101" pitchFamily="18" charset="-127"/>
               <a:ea typeface="210 앱굴림 L" panose="02020603020101020101" pitchFamily="18" charset="-127"/>
+              <a:cs typeface="+mn-cs"/>
             </a:endParaRPr>
           </a:p>
           <a:p>
-            <a:pPr algn="l"/>
-            <a:r>
-              <a:rPr lang="en-US" altLang="ko-KR" sz="3600" dirty="0">
+            <a:pPr indent="-228600" algn="l" latinLnBrk="0">
+              <a:spcAft>
+                <a:spcPts val="600"/>
+              </a:spcAft>
+              <a:buFont typeface="Arial" panose="020B0604020202020204" pitchFamily="34" charset="0"/>
+              <a:buChar char="•"/>
+            </a:pPr>
+            <a:r>
+              <a:rPr lang="ko-KR" altLang="en-US" sz="2100" kern="1200">
                 <a:solidFill>
-                  <a:schemeClr val="accent4">
-                    <a:lumMod val="75000"/>
-                  </a:schemeClr>
+                  <a:schemeClr val="tx1"/>
                 </a:solidFill>
                 <a:latin typeface="210 앱굴림 L" panose="02020603020101020101" pitchFamily="18" charset="-127"/>
                 <a:ea typeface="210 앱굴림 L" panose="02020603020101020101" pitchFamily="18" charset="-127"/>
-              </a:rPr>
-              <a:t>  - </a:t>
-            </a:r>
-            <a:r>
-              <a:rPr lang="ko-KR" altLang="en-US" sz="3600" dirty="0">
+                <a:cs typeface="+mn-cs"/>
+              </a:rPr>
+              <a:t>간단한 실습</a:t>
+            </a:r>
+            <a:endParaRPr lang="en-US" altLang="ko-KR" sz="2100" kern="1200">
+              <a:solidFill>
+                <a:schemeClr val="tx1"/>
+              </a:solidFill>
+              <a:latin typeface="210 앱굴림 L" panose="02020603020101020101" pitchFamily="18" charset="-127"/>
+              <a:ea typeface="210 앱굴림 L" panose="02020603020101020101" pitchFamily="18" charset="-127"/>
+              <a:cs typeface="+mn-cs"/>
+            </a:endParaRPr>
+          </a:p>
+          <a:p>
+            <a:pPr indent="-228600" algn="l" latinLnBrk="0">
+              <a:spcAft>
+                <a:spcPts val="600"/>
+              </a:spcAft>
+              <a:buFont typeface="Arial" panose="020B0604020202020204" pitchFamily="34" charset="0"/>
+              <a:buChar char="•"/>
+            </a:pPr>
+            <a:r>
+              <a:rPr lang="ko-KR" altLang="en-US" sz="2100" kern="1200">
                 <a:solidFill>
-                  <a:schemeClr val="accent4">
-                    <a:lumMod val="75000"/>
-                  </a:schemeClr>
+                  <a:schemeClr val="tx1"/>
                 </a:solidFill>
                 <a:latin typeface="210 앱굴림 L" panose="02020603020101020101" pitchFamily="18" charset="-127"/>
                 <a:ea typeface="210 앱굴림 L" panose="02020603020101020101" pitchFamily="18" charset="-127"/>
-              </a:rPr>
-              <a:t>유니티 설치</a:t>
-            </a:r>
-            <a:endParaRPr lang="en-US" altLang="ko-KR" sz="3600" dirty="0">
+                <a:cs typeface="+mn-cs"/>
+              </a:rPr>
+              <a:t>씬</a:t>
+            </a:r>
+            <a:r>
+              <a:rPr lang="en-US" altLang="ko-KR" sz="2100" kern="1200">
+                <a:solidFill>
+                  <a:schemeClr val="tx1"/>
+                </a:solidFill>
+                <a:latin typeface="210 앱굴림 L" panose="02020603020101020101" pitchFamily="18" charset="-127"/>
+                <a:ea typeface="210 앱굴림 L" panose="02020603020101020101" pitchFamily="18" charset="-127"/>
+                <a:cs typeface="+mn-cs"/>
+              </a:rPr>
+              <a:t>(Scene)</a:t>
+            </a:r>
+          </a:p>
+          <a:p>
+            <a:pPr indent="-228600" algn="l" latinLnBrk="0">
+              <a:spcAft>
+                <a:spcPts val="600"/>
+              </a:spcAft>
+              <a:buFont typeface="Arial" panose="020B0604020202020204" pitchFamily="34" charset="0"/>
+              <a:buChar char="•"/>
+            </a:pPr>
+            <a:r>
+              <a:rPr lang="ko-KR" altLang="en-US" sz="2100" kern="1200">
+                <a:solidFill>
+                  <a:schemeClr val="tx1"/>
+                </a:solidFill>
+                <a:latin typeface="210 앱굴림 L" panose="02020603020101020101" pitchFamily="18" charset="-127"/>
+                <a:ea typeface="210 앱굴림 L" panose="02020603020101020101" pitchFamily="18" charset="-127"/>
+                <a:cs typeface="+mn-cs"/>
+              </a:rPr>
+              <a:t>컴포넌트</a:t>
+            </a:r>
+            <a:r>
+              <a:rPr lang="en-US" altLang="ko-KR" sz="2100" kern="1200">
+                <a:solidFill>
+                  <a:schemeClr val="tx1"/>
+                </a:solidFill>
+                <a:latin typeface="210 앱굴림 L" panose="02020603020101020101" pitchFamily="18" charset="-127"/>
+                <a:ea typeface="210 앱굴림 L" panose="02020603020101020101" pitchFamily="18" charset="-127"/>
+                <a:cs typeface="+mn-cs"/>
+              </a:rPr>
+              <a:t>(Component)</a:t>
+            </a:r>
+          </a:p>
+          <a:p>
+            <a:pPr indent="-228600" algn="l" latinLnBrk="0">
+              <a:spcAft>
+                <a:spcPts val="600"/>
+              </a:spcAft>
+              <a:buFont typeface="Arial" panose="020B0604020202020204" pitchFamily="34" charset="0"/>
+              <a:buChar char="•"/>
+            </a:pPr>
+            <a:r>
+              <a:rPr lang="ko-KR" altLang="en-US" sz="2100" kern="1200">
+                <a:solidFill>
+                  <a:schemeClr val="tx1"/>
+                </a:solidFill>
+                <a:latin typeface="210 앱굴림 L" panose="02020603020101020101" pitchFamily="18" charset="-127"/>
+                <a:ea typeface="210 앱굴림 L" panose="02020603020101020101" pitchFamily="18" charset="-127"/>
+                <a:cs typeface="+mn-cs"/>
+              </a:rPr>
+              <a:t>게임 오브젝트</a:t>
+            </a:r>
+            <a:r>
+              <a:rPr lang="en-US" altLang="ko-KR" sz="2100" kern="1200">
+                <a:solidFill>
+                  <a:schemeClr val="tx1"/>
+                </a:solidFill>
+                <a:latin typeface="210 앱굴림 L" panose="02020603020101020101" pitchFamily="18" charset="-127"/>
+                <a:ea typeface="210 앱굴림 L" panose="02020603020101020101" pitchFamily="18" charset="-127"/>
+                <a:cs typeface="+mn-cs"/>
+              </a:rPr>
+              <a:t>(GameObject)</a:t>
+            </a:r>
+          </a:p>
+          <a:p>
+            <a:pPr indent="-228600" algn="l" latinLnBrk="0">
+              <a:spcAft>
+                <a:spcPts val="600"/>
+              </a:spcAft>
+              <a:buFont typeface="Arial" panose="020B0604020202020204" pitchFamily="34" charset="0"/>
+              <a:buChar char="•"/>
+            </a:pPr>
+            <a:r>
+              <a:rPr lang="ko-KR" altLang="en-US" sz="2100" kern="1200">
+                <a:solidFill>
+                  <a:schemeClr val="tx1"/>
+                </a:solidFill>
+                <a:latin typeface="210 앱굴림 L" panose="02020603020101020101" pitchFamily="18" charset="-127"/>
+                <a:ea typeface="210 앱굴림 L" panose="02020603020101020101" pitchFamily="18" charset="-127"/>
+                <a:cs typeface="+mn-cs"/>
+              </a:rPr>
+              <a:t>돌 굴리기</a:t>
+            </a:r>
+            <a:endParaRPr lang="en-US" altLang="ko-KR" sz="2100" kern="1200">
               <a:solidFill>
-                <a:schemeClr val="accent4">
-                  <a:lumMod val="75000"/>
-                </a:schemeClr>
+                <a:schemeClr val="tx1"/>
               </a:solidFill>
               <a:latin typeface="210 앱굴림 L" panose="02020603020101020101" pitchFamily="18" charset="-127"/>
               <a:ea typeface="210 앱굴림 L" panose="02020603020101020101" pitchFamily="18" charset="-127"/>
+              <a:cs typeface="+mn-cs"/>
             </a:endParaRPr>
           </a:p>
           <a:p>
-            <a:pPr algn="l"/>
-            <a:r>
-              <a:rPr lang="en-US" altLang="ko-KR" sz="3600" dirty="0">
+            <a:pPr indent="-228600" algn="l" latinLnBrk="0">
+              <a:spcAft>
+                <a:spcPts val="600"/>
+              </a:spcAft>
+              <a:buFont typeface="Arial" panose="020B0604020202020204" pitchFamily="34" charset="0"/>
+              <a:buChar char="•"/>
+            </a:pPr>
+            <a:r>
+              <a:rPr lang="ko-KR" altLang="en-US" sz="2100" kern="1200">
                 <a:solidFill>
-                  <a:schemeClr val="accent4">
-                    <a:lumMod val="75000"/>
-                  </a:schemeClr>
+                  <a:schemeClr val="tx1"/>
                 </a:solidFill>
                 <a:latin typeface="210 앱굴림 L" panose="02020603020101020101" pitchFamily="18" charset="-127"/>
                 <a:ea typeface="210 앱굴림 L" panose="02020603020101020101" pitchFamily="18" charset="-127"/>
-              </a:rPr>
-              <a:t>  - </a:t>
-            </a:r>
-            <a:r>
-              <a:rPr lang="ko-KR" altLang="en-US" sz="3600" dirty="0">
+                <a:cs typeface="+mn-cs"/>
+              </a:rPr>
+              <a:t>스크립트</a:t>
+            </a:r>
+            <a:r>
+              <a:rPr lang="en-US" altLang="ko-KR" sz="2100" kern="1200">
                 <a:solidFill>
-                  <a:schemeClr val="accent4">
-                    <a:lumMod val="75000"/>
-                  </a:schemeClr>
+                  <a:schemeClr val="tx1"/>
                 </a:solidFill>
                 <a:latin typeface="210 앱굴림 L" panose="02020603020101020101" pitchFamily="18" charset="-127"/>
                 <a:ea typeface="210 앱굴림 L" panose="02020603020101020101" pitchFamily="18" charset="-127"/>
-              </a:rPr>
-              <a:t>화면 구성</a:t>
-            </a:r>
-            <a:endParaRPr lang="en-US" altLang="ko-KR" sz="3600" dirty="0">
-              <a:solidFill>
-                <a:schemeClr val="accent4">
-                  <a:lumMod val="75000"/>
-                </a:schemeClr>
-              </a:solidFill>
-              <a:latin typeface="210 앱굴림 L" panose="02020603020101020101" pitchFamily="18" charset="-127"/>
-              <a:ea typeface="210 앱굴림 L" panose="02020603020101020101" pitchFamily="18" charset="-127"/>
-            </a:endParaRPr>
-          </a:p>
-          <a:p>
-            <a:pPr algn="l"/>
-            <a:r>
-              <a:rPr lang="en-US" altLang="ko-KR" sz="3600" dirty="0">
-                <a:solidFill>
-                  <a:schemeClr val="accent4">
-                    <a:lumMod val="75000"/>
-                  </a:schemeClr>
-                </a:solidFill>
-                <a:latin typeface="210 앱굴림 L" panose="02020603020101020101" pitchFamily="18" charset="-127"/>
-                <a:ea typeface="210 앱굴림 L" panose="02020603020101020101" pitchFamily="18" charset="-127"/>
-              </a:rPr>
-              <a:t>  - </a:t>
-            </a:r>
-            <a:r>
-              <a:rPr lang="ko-KR" altLang="en-US" sz="3600" dirty="0">
-                <a:solidFill>
-                  <a:schemeClr val="accent4">
-                    <a:lumMod val="75000"/>
-                  </a:schemeClr>
-                </a:solidFill>
-                <a:latin typeface="210 앱굴림 L" panose="02020603020101020101" pitchFamily="18" charset="-127"/>
-                <a:ea typeface="210 앱굴림 L" panose="02020603020101020101" pitchFamily="18" charset="-127"/>
-              </a:rPr>
-              <a:t>조작 방법</a:t>
-            </a:r>
-            <a:endParaRPr lang="en-US" altLang="ko-KR" sz="3600" dirty="0">
-              <a:solidFill>
-                <a:schemeClr val="accent4">
-                  <a:lumMod val="75000"/>
-                </a:schemeClr>
-              </a:solidFill>
-              <a:latin typeface="210 앱굴림 L" panose="02020603020101020101" pitchFamily="18" charset="-127"/>
-              <a:ea typeface="210 앱굴림 L" panose="02020603020101020101" pitchFamily="18" charset="-127"/>
-            </a:endParaRPr>
-          </a:p>
-          <a:p>
-            <a:pPr algn="l"/>
-            <a:r>
-              <a:rPr lang="en-US" altLang="ko-KR" sz="3600" dirty="0">
-                <a:solidFill>
-                  <a:schemeClr val="accent4">
-                    <a:lumMod val="75000"/>
-                  </a:schemeClr>
-                </a:solidFill>
-                <a:latin typeface="210 앱굴림 L" panose="02020603020101020101" pitchFamily="18" charset="-127"/>
-                <a:ea typeface="210 앱굴림 L" panose="02020603020101020101" pitchFamily="18" charset="-127"/>
-              </a:rPr>
-              <a:t>  - </a:t>
-            </a:r>
-            <a:r>
-              <a:rPr lang="ko-KR" altLang="en-US" sz="3600" dirty="0">
-                <a:solidFill>
-                  <a:schemeClr val="accent4">
-                    <a:lumMod val="75000"/>
-                  </a:schemeClr>
-                </a:solidFill>
-                <a:latin typeface="210 앱굴림 L" panose="02020603020101020101" pitchFamily="18" charset="-127"/>
-                <a:ea typeface="210 앱굴림 L" panose="02020603020101020101" pitchFamily="18" charset="-127"/>
-              </a:rPr>
-              <a:t>간단한 실습</a:t>
-            </a:r>
-            <a:endParaRPr lang="en-US" altLang="ko-KR" sz="3600" dirty="0">
-              <a:solidFill>
-                <a:schemeClr val="accent4">
-                  <a:lumMod val="75000"/>
-                </a:schemeClr>
-              </a:solidFill>
-              <a:latin typeface="210 앱굴림 L" panose="02020603020101020101" pitchFamily="18" charset="-127"/>
-              <a:ea typeface="210 앱굴림 L" panose="02020603020101020101" pitchFamily="18" charset="-127"/>
-            </a:endParaRPr>
-          </a:p>
-          <a:p>
-            <a:pPr algn="l"/>
-            <a:r>
-              <a:rPr lang="en-US" altLang="ko-KR" sz="3600" dirty="0">
-                <a:solidFill>
-                  <a:schemeClr val="accent4">
-                    <a:lumMod val="75000"/>
-                  </a:schemeClr>
-                </a:solidFill>
-                <a:latin typeface="210 앱굴림 L" panose="02020603020101020101" pitchFamily="18" charset="-127"/>
-                <a:ea typeface="210 앱굴림 L" panose="02020603020101020101" pitchFamily="18" charset="-127"/>
-              </a:rPr>
-              <a:t>  - </a:t>
-            </a:r>
-            <a:r>
-              <a:rPr lang="ko-KR" altLang="en-US" sz="3600" dirty="0">
-                <a:solidFill>
-                  <a:schemeClr val="accent4">
-                    <a:lumMod val="75000"/>
-                  </a:schemeClr>
-                </a:solidFill>
-                <a:latin typeface="210 앱굴림 L" panose="02020603020101020101" pitchFamily="18" charset="-127"/>
-                <a:ea typeface="210 앱굴림 L" panose="02020603020101020101" pitchFamily="18" charset="-127"/>
-              </a:rPr>
-              <a:t>씬</a:t>
-            </a:r>
-            <a:r>
-              <a:rPr lang="en-US" altLang="ko-KR" sz="3600" dirty="0">
-                <a:solidFill>
-                  <a:schemeClr val="accent4">
-                    <a:lumMod val="75000"/>
-                  </a:schemeClr>
-                </a:solidFill>
-                <a:latin typeface="210 앱굴림 L" panose="02020603020101020101" pitchFamily="18" charset="-127"/>
-                <a:ea typeface="210 앱굴림 L" panose="02020603020101020101" pitchFamily="18" charset="-127"/>
-              </a:rPr>
-              <a:t>(Scene)</a:t>
-            </a:r>
-          </a:p>
-          <a:p>
-            <a:pPr algn="l"/>
-            <a:r>
-              <a:rPr lang="en-US" altLang="ko-KR" sz="3600" dirty="0">
-                <a:solidFill>
-                  <a:schemeClr val="accent4">
-                    <a:lumMod val="75000"/>
-                  </a:schemeClr>
-                </a:solidFill>
-                <a:latin typeface="210 앱굴림 L" panose="02020603020101020101" pitchFamily="18" charset="-127"/>
-                <a:ea typeface="210 앱굴림 L" panose="02020603020101020101" pitchFamily="18" charset="-127"/>
-              </a:rPr>
-              <a:t>  - </a:t>
-            </a:r>
-            <a:r>
-              <a:rPr lang="ko-KR" altLang="en-US" sz="3600" dirty="0">
-                <a:solidFill>
-                  <a:schemeClr val="accent4">
-                    <a:lumMod val="75000"/>
-                  </a:schemeClr>
-                </a:solidFill>
-                <a:latin typeface="210 앱굴림 L" panose="02020603020101020101" pitchFamily="18" charset="-127"/>
-                <a:ea typeface="210 앱굴림 L" panose="02020603020101020101" pitchFamily="18" charset="-127"/>
-              </a:rPr>
-              <a:t>컴포넌트</a:t>
-            </a:r>
-            <a:r>
-              <a:rPr lang="en-US" altLang="ko-KR" sz="3600" dirty="0">
-                <a:solidFill>
-                  <a:schemeClr val="accent4">
-                    <a:lumMod val="75000"/>
-                  </a:schemeClr>
-                </a:solidFill>
-                <a:latin typeface="210 앱굴림 L" panose="02020603020101020101" pitchFamily="18" charset="-127"/>
-                <a:ea typeface="210 앱굴림 L" panose="02020603020101020101" pitchFamily="18" charset="-127"/>
-              </a:rPr>
-              <a:t>(Component)</a:t>
-            </a:r>
-          </a:p>
-          <a:p>
-            <a:pPr algn="l"/>
-            <a:r>
-              <a:rPr lang="en-US" altLang="ko-KR" sz="3600" dirty="0">
-                <a:solidFill>
-                  <a:schemeClr val="accent4">
-                    <a:lumMod val="75000"/>
-                  </a:schemeClr>
-                </a:solidFill>
-                <a:latin typeface="210 앱굴림 L" panose="02020603020101020101" pitchFamily="18" charset="-127"/>
-                <a:ea typeface="210 앱굴림 L" panose="02020603020101020101" pitchFamily="18" charset="-127"/>
-              </a:rPr>
-              <a:t>  - </a:t>
-            </a:r>
-            <a:r>
-              <a:rPr lang="ko-KR" altLang="en-US" sz="3600" dirty="0">
-                <a:solidFill>
-                  <a:schemeClr val="accent4">
-                    <a:lumMod val="75000"/>
-                  </a:schemeClr>
-                </a:solidFill>
-                <a:latin typeface="210 앱굴림 L" panose="02020603020101020101" pitchFamily="18" charset="-127"/>
-                <a:ea typeface="210 앱굴림 L" panose="02020603020101020101" pitchFamily="18" charset="-127"/>
-              </a:rPr>
-              <a:t>게임 오브젝트</a:t>
-            </a:r>
-            <a:r>
-              <a:rPr lang="en-US" altLang="ko-KR" sz="3600" dirty="0">
-                <a:solidFill>
-                  <a:schemeClr val="accent4">
-                    <a:lumMod val="75000"/>
-                  </a:schemeClr>
-                </a:solidFill>
-                <a:latin typeface="210 앱굴림 L" panose="02020603020101020101" pitchFamily="18" charset="-127"/>
-                <a:ea typeface="210 앱굴림 L" panose="02020603020101020101" pitchFamily="18" charset="-127"/>
-              </a:rPr>
-              <a:t>(</a:t>
-            </a:r>
-            <a:r>
-              <a:rPr lang="en-US" altLang="ko-KR" sz="3600" dirty="0" err="1">
-                <a:solidFill>
-                  <a:schemeClr val="accent4">
-                    <a:lumMod val="75000"/>
-                  </a:schemeClr>
-                </a:solidFill>
-                <a:latin typeface="210 앱굴림 L" panose="02020603020101020101" pitchFamily="18" charset="-127"/>
-                <a:ea typeface="210 앱굴림 L" panose="02020603020101020101" pitchFamily="18" charset="-127"/>
-              </a:rPr>
-              <a:t>GameObject</a:t>
-            </a:r>
-            <a:r>
-              <a:rPr lang="en-US" altLang="ko-KR" sz="3600" dirty="0">
-                <a:solidFill>
-                  <a:schemeClr val="accent4">
-                    <a:lumMod val="75000"/>
-                  </a:schemeClr>
-                </a:solidFill>
-                <a:latin typeface="210 앱굴림 L" panose="02020603020101020101" pitchFamily="18" charset="-127"/>
-                <a:ea typeface="210 앱굴림 L" panose="02020603020101020101" pitchFamily="18" charset="-127"/>
-              </a:rPr>
-              <a:t>)</a:t>
-            </a:r>
-          </a:p>
-          <a:p>
-            <a:pPr algn="l"/>
-            <a:r>
-              <a:rPr lang="en-US" altLang="ko-KR" sz="3600" dirty="0">
-                <a:solidFill>
-                  <a:schemeClr val="accent4">
-                    <a:lumMod val="75000"/>
-                  </a:schemeClr>
-                </a:solidFill>
-                <a:latin typeface="210 앱굴림 L" panose="02020603020101020101" pitchFamily="18" charset="-127"/>
-                <a:ea typeface="210 앱굴림 L" panose="02020603020101020101" pitchFamily="18" charset="-127"/>
-              </a:rPr>
-              <a:t>  - </a:t>
-            </a:r>
-            <a:r>
-              <a:rPr lang="ko-KR" altLang="en-US" sz="3600" dirty="0">
-                <a:solidFill>
-                  <a:schemeClr val="accent4">
-                    <a:lumMod val="75000"/>
-                  </a:schemeClr>
-                </a:solidFill>
-                <a:latin typeface="210 앱굴림 L" panose="02020603020101020101" pitchFamily="18" charset="-127"/>
-                <a:ea typeface="210 앱굴림 L" panose="02020603020101020101" pitchFamily="18" charset="-127"/>
-              </a:rPr>
-              <a:t>돌 굴리기</a:t>
-            </a:r>
-            <a:endParaRPr lang="en-US" altLang="ko-KR" sz="3600" dirty="0">
-              <a:solidFill>
-                <a:schemeClr val="accent4">
-                  <a:lumMod val="75000"/>
-                </a:schemeClr>
-              </a:solidFill>
-              <a:latin typeface="210 앱굴림 L" panose="02020603020101020101" pitchFamily="18" charset="-127"/>
-              <a:ea typeface="210 앱굴림 L" panose="02020603020101020101" pitchFamily="18" charset="-127"/>
-            </a:endParaRPr>
-          </a:p>
-          <a:p>
-            <a:pPr algn="l"/>
-            <a:r>
-              <a:rPr lang="en-US" altLang="ko-KR" sz="3600" dirty="0">
-                <a:solidFill>
-                  <a:schemeClr val="accent4">
-                    <a:lumMod val="75000"/>
-                  </a:schemeClr>
-                </a:solidFill>
-                <a:latin typeface="210 앱굴림 L" panose="02020603020101020101" pitchFamily="18" charset="-127"/>
-                <a:ea typeface="210 앱굴림 L" panose="02020603020101020101" pitchFamily="18" charset="-127"/>
-              </a:rPr>
-              <a:t>  - </a:t>
-            </a:r>
-            <a:r>
-              <a:rPr lang="ko-KR" altLang="en-US" sz="3600" dirty="0">
-                <a:solidFill>
-                  <a:schemeClr val="accent4">
-                    <a:lumMod val="75000"/>
-                  </a:schemeClr>
-                </a:solidFill>
-                <a:latin typeface="210 앱굴림 L" panose="02020603020101020101" pitchFamily="18" charset="-127"/>
-                <a:ea typeface="210 앱굴림 L" panose="02020603020101020101" pitchFamily="18" charset="-127"/>
-              </a:rPr>
-              <a:t>스크립트</a:t>
-            </a:r>
-            <a:r>
-              <a:rPr lang="en-US" altLang="ko-KR" sz="3600" dirty="0">
-                <a:solidFill>
-                  <a:schemeClr val="accent4">
-                    <a:lumMod val="75000"/>
-                  </a:schemeClr>
-                </a:solidFill>
-                <a:latin typeface="210 앱굴림 L" panose="02020603020101020101" pitchFamily="18" charset="-127"/>
-                <a:ea typeface="210 앱굴림 L" panose="02020603020101020101" pitchFamily="18" charset="-127"/>
+                <a:cs typeface="+mn-cs"/>
               </a:rPr>
               <a:t>(Script)</a:t>
             </a:r>
-            <a:endParaRPr lang="ko-KR" altLang="en-US" sz="3600" dirty="0">
-              <a:solidFill>
-                <a:schemeClr val="accent4">
-                  <a:lumMod val="75000"/>
-                </a:schemeClr>
-              </a:solidFill>
-              <a:latin typeface="210 앱굴림 L" panose="02020603020101020101" pitchFamily="18" charset="-127"/>
-              <a:ea typeface="210 앱굴림 L" panose="02020603020101020101" pitchFamily="18" charset="-127"/>
-            </a:endParaRPr>
           </a:p>
         </p:txBody>
       </p:sp>
@@ -6604,6 +6962,14 @@
 <file path=ppt/slides/slide20.xml><?xml version="1.0" encoding="utf-8"?>
 <p:sld xmlns:a="http://schemas.openxmlformats.org/drawingml/2006/main" xmlns:r="http://schemas.openxmlformats.org/officeDocument/2006/relationships" xmlns:p="http://schemas.openxmlformats.org/presentationml/2006/main">
   <p:cSld>
+    <p:bg>
+      <p:bgPr>
+        <a:solidFill>
+          <a:schemeClr val="bg1"/>
+        </a:solidFill>
+        <a:effectLst/>
+      </p:bgPr>
+    </p:bg>
     <p:spTree>
       <p:nvGrpSpPr>
         <p:cNvPr id="1" name=""/>
@@ -6620,6 +6986,71 @@
       </p:grpSpPr>
       <p:sp>
         <p:nvSpPr>
+          <p:cNvPr id="14" name="Rectangle 9">
+            <a:extLst>
+              <a:ext uri="{FF2B5EF4-FFF2-40B4-BE49-F238E27FC236}">
+                <a16:creationId xmlns:a16="http://schemas.microsoft.com/office/drawing/2014/main" id="{6F9EB9F2-07E2-4D64-BBD8-BB5B217F1218}"/>
+              </a:ext>
+              <a:ext uri="{C183D7F6-B498-43B3-948B-1728B52AA6E4}">
+                <adec:decorative xmlns:adec="http://schemas.microsoft.com/office/drawing/2017/decorative" val="1"/>
+              </a:ext>
+            </a:extLst>
+          </p:cNvPr>
+          <p:cNvSpPr>
+            <a:spLocks noGrp="1" noRot="1" noChangeAspect="1" noMove="1" noResize="1" noEditPoints="1" noAdjustHandles="1" noChangeArrowheads="1" noChangeShapeType="1" noTextEdit="1"/>
+          </p:cNvSpPr>
+          <p:nvPr>
+            <p:extLst>
+              <p:ext uri="{386F3935-93C4-4BCD-93E2-E3B085C9AB24}">
+                <p16:designElem xmlns:p16="http://schemas.microsoft.com/office/powerpoint/2015/main" val="1"/>
+              </p:ext>
+            </p:extLst>
+          </p:nvPr>
+        </p:nvSpPr>
+        <p:spPr bwMode="ltGray">
+          <a:xfrm>
+            <a:off x="241173" y="320040"/>
+            <a:ext cx="8661654" cy="6217920"/>
+          </a:xfrm>
+          <a:prstGeom prst="rect">
+            <a:avLst/>
+          </a:prstGeom>
+          <a:solidFill>
+            <a:schemeClr val="tx1">
+              <a:alpha val="12000"/>
+            </a:schemeClr>
+          </a:solidFill>
+          <a:ln w="127000" cap="sq" cmpd="thinThick">
+            <a:noFill/>
+          </a:ln>
+        </p:spPr>
+        <p:style>
+          <a:lnRef idx="2">
+            <a:schemeClr val="accent1">
+              <a:shade val="50000"/>
+            </a:schemeClr>
+          </a:lnRef>
+          <a:fillRef idx="1">
+            <a:schemeClr val="accent1"/>
+          </a:fillRef>
+          <a:effectRef idx="0">
+            <a:schemeClr val="accent1"/>
+          </a:effectRef>
+          <a:fontRef idx="minor">
+            <a:schemeClr val="lt1"/>
+          </a:fontRef>
+        </p:style>
+        <p:txBody>
+          <a:bodyPr rtlCol="0" anchor="ctr"/>
+          <a:lstStyle/>
+          <a:p>
+            <a:pPr algn="ctr"/>
+            <a:endParaRPr lang="en-US"/>
+          </a:p>
+        </p:txBody>
+      </p:sp>
+      <p:sp>
+        <p:nvSpPr>
           <p:cNvPr id="4" name="제목 3">
             <a:extLst>
               <a:ext uri="{FF2B5EF4-FFF2-40B4-BE49-F238E27FC236}">
@@ -6636,22 +7067,23 @@
         </p:nvSpPr>
         <p:spPr>
           <a:xfrm>
-            <a:off x="685800" y="1987823"/>
-            <a:ext cx="7772400" cy="1470025"/>
+            <a:off x="3285441" y="965199"/>
+            <a:ext cx="5074558" cy="4927601"/>
           </a:xfrm>
         </p:spPr>
         <p:txBody>
-          <a:bodyPr>
+          <a:bodyPr anchor="ctr">
             <a:normAutofit/>
           </a:bodyPr>
           <a:lstStyle/>
           <a:p>
-            <a:r>
-              <a:rPr lang="ko-KR" altLang="en-US" sz="6000" b="1" dirty="0">
+            <a:pPr algn="l"/>
+            <a:r>
+              <a:rPr lang="ko-KR" altLang="en-US" sz="4700" b="1">
                 <a:solidFill>
-                  <a:schemeClr val="accent6">
-                    <a:lumMod val="60000"/>
-                    <a:lumOff val="40000"/>
+                  <a:schemeClr val="tx1">
+                    <a:lumMod val="85000"/>
+                    <a:lumOff val="15000"/>
                   </a:schemeClr>
                 </a:solidFill>
                 <a:latin typeface="210 앱굴림 R" panose="02020603020101020101" pitchFamily="18" charset="-127"/>
@@ -6678,27 +7110,47 @@
             <p:ph type="subTitle" idx="1"/>
           </p:nvPr>
         </p:nvSpPr>
-        <p:spPr/>
-        <p:txBody>
-          <a:bodyPr/>
+        <p:spPr>
+          <a:xfrm>
+            <a:off x="467544" y="965198"/>
+            <a:ext cx="2330851" cy="4927602"/>
+          </a:xfrm>
+        </p:spPr>
+        <p:txBody>
+          <a:bodyPr anchor="ctr">
+            <a:normAutofit/>
+          </a:bodyPr>
           <a:lstStyle/>
           <a:p>
-            <a:r>
-              <a:rPr lang="en-US" altLang="ko-KR" b="1" dirty="0">
+            <a:pPr algn="r"/>
+            <a:r>
+              <a:rPr lang="en-US" altLang="ko-KR" sz="1700" b="1" dirty="0">
+                <a:solidFill>
+                  <a:schemeClr val="accent6"/>
+                </a:solidFill>
                 <a:latin typeface="210 앱굴림 R" panose="02020603020101020101" pitchFamily="18" charset="-127"/>
                 <a:ea typeface="210 앱굴림 R" panose="02020603020101020101" pitchFamily="18" charset="-127"/>
               </a:rPr>
               <a:t>(Tip) </a:t>
             </a:r>
-            <a:r>
-              <a:rPr lang="ko-KR" altLang="en-US" b="1" dirty="0">
+          </a:p>
+          <a:p>
+            <a:pPr algn="r"/>
+            <a:r>
+              <a:rPr lang="ko-KR" altLang="en-US" sz="1700" b="1" dirty="0">
+                <a:solidFill>
+                  <a:schemeClr val="accent6"/>
+                </a:solidFill>
                 <a:latin typeface="210 앱굴림 R" panose="02020603020101020101" pitchFamily="18" charset="-127"/>
                 <a:ea typeface="210 앱굴림 R" panose="02020603020101020101" pitchFamily="18" charset="-127"/>
               </a:rPr>
               <a:t>단축키</a:t>
             </a:r>
             <a:r>
-              <a:rPr lang="en-US" altLang="ko-KR" b="1" dirty="0">
+              <a:rPr lang="en-US" altLang="ko-KR" sz="1700" b="1" dirty="0">
+                <a:solidFill>
+                  <a:schemeClr val="accent6"/>
+                </a:solidFill>
                 <a:latin typeface="210 앱굴림 R" panose="02020603020101020101" pitchFamily="18" charset="-127"/>
                 <a:ea typeface="210 앱굴림 R" panose="02020603020101020101" pitchFamily="18" charset="-127"/>
               </a:rPr>
@@ -6706,20 +7158,82 @@
             </a:r>
           </a:p>
           <a:p>
-            <a:r>
-              <a:rPr lang="en-US" altLang="ko-KR" dirty="0">
+            <a:pPr algn="r"/>
+            <a:r>
+              <a:rPr lang="en-US" altLang="ko-KR" sz="1700" dirty="0">
+                <a:solidFill>
+                  <a:schemeClr val="accent6"/>
+                </a:solidFill>
                 <a:latin typeface="210 앱굴림 R" panose="02020603020101020101" pitchFamily="18" charset="-127"/>
                 <a:ea typeface="210 앱굴림 R" panose="02020603020101020101" pitchFamily="18" charset="-127"/>
               </a:rPr>
               <a:t>Focusing: f</a:t>
             </a:r>
-            <a:endParaRPr lang="ko-KR" altLang="en-US" dirty="0">
+            <a:endParaRPr lang="ko-KR" altLang="en-US" sz="1700" dirty="0">
+              <a:solidFill>
+                <a:schemeClr val="accent6"/>
+              </a:solidFill>
               <a:latin typeface="210 앱굴림 R" panose="02020603020101020101" pitchFamily="18" charset="-127"/>
               <a:ea typeface="210 앱굴림 R" panose="02020603020101020101" pitchFamily="18" charset="-127"/>
             </a:endParaRPr>
           </a:p>
         </p:txBody>
       </p:sp>
+      <p:cxnSp>
+        <p:nvCxnSpPr>
+          <p:cNvPr id="15" name="Straight Connector 11">
+            <a:extLst>
+              <a:ext uri="{FF2B5EF4-FFF2-40B4-BE49-F238E27FC236}">
+                <a16:creationId xmlns:a16="http://schemas.microsoft.com/office/drawing/2014/main" id="{F0C57C7C-DFE9-4A1E-B7A9-DF40E63366BB}"/>
+              </a:ext>
+              <a:ext uri="{C183D7F6-B498-43B3-948B-1728B52AA6E4}">
+                <adec:decorative xmlns:adec="http://schemas.microsoft.com/office/drawing/2017/decorative" val="1"/>
+              </a:ext>
+            </a:extLst>
+          </p:cNvPr>
+          <p:cNvCxnSpPr>
+            <a:cxnSpLocks noGrp="1" noRot="1" noChangeAspect="1" noMove="1" noResize="1" noEditPoints="1" noAdjustHandles="1" noChangeArrowheads="1" noChangeShapeType="1"/>
+          </p:cNvCxnSpPr>
+          <p:nvPr>
+            <p:extLst>
+              <p:ext uri="{386F3935-93C4-4BCD-93E2-E3B085C9AB24}">
+                <p16:designElem xmlns:p16="http://schemas.microsoft.com/office/powerpoint/2015/main" val="1"/>
+              </p:ext>
+            </p:extLst>
+          </p:nvPr>
+        </p:nvCxnSpPr>
+        <p:spPr>
+          <a:xfrm>
+            <a:off x="3041918" y="2057399"/>
+            <a:ext cx="0" cy="2743200"/>
+          </a:xfrm>
+          <a:prstGeom prst="line">
+            <a:avLst/>
+          </a:prstGeom>
+          <a:ln w="19050">
+            <a:solidFill>
+              <a:schemeClr val="tx1">
+                <a:lumMod val="85000"/>
+                <a:lumOff val="15000"/>
+              </a:schemeClr>
+            </a:solidFill>
+          </a:ln>
+        </p:spPr>
+        <p:style>
+          <a:lnRef idx="1">
+            <a:schemeClr val="accent1"/>
+          </a:lnRef>
+          <a:fillRef idx="0">
+            <a:schemeClr val="accent1"/>
+          </a:fillRef>
+          <a:effectRef idx="0">
+            <a:schemeClr val="accent1"/>
+          </a:effectRef>
+          <a:fontRef idx="minor">
+            <a:schemeClr val="tx1"/>
+          </a:fontRef>
+        </p:style>
+      </p:cxnSp>
     </p:spTree>
     <p:extLst>
       <p:ext uri="{BB962C8B-B14F-4D97-AF65-F5344CB8AC3E}">
@@ -6940,6 +7454,14 @@
 <file path=ppt/slides/slide22.xml><?xml version="1.0" encoding="utf-8"?>
 <p:sld xmlns:a="http://schemas.openxmlformats.org/drawingml/2006/main" xmlns:r="http://schemas.openxmlformats.org/officeDocument/2006/relationships" xmlns:p="http://schemas.openxmlformats.org/presentationml/2006/main">
   <p:cSld>
+    <p:bg>
+      <p:bgPr>
+        <a:solidFill>
+          <a:schemeClr val="bg1"/>
+        </a:solidFill>
+        <a:effectLst/>
+      </p:bgPr>
+    </p:bg>
     <p:spTree>
       <p:nvGrpSpPr>
         <p:cNvPr id="1" name=""/>
@@ -6956,6 +7478,71 @@
       </p:grpSpPr>
       <p:sp>
         <p:nvSpPr>
+          <p:cNvPr id="9" name="Rectangle 8">
+            <a:extLst>
+              <a:ext uri="{FF2B5EF4-FFF2-40B4-BE49-F238E27FC236}">
+                <a16:creationId xmlns:a16="http://schemas.microsoft.com/office/drawing/2014/main" id="{6F9EB9F2-07E2-4D64-BBD8-BB5B217F1218}"/>
+              </a:ext>
+              <a:ext uri="{C183D7F6-B498-43B3-948B-1728B52AA6E4}">
+                <adec:decorative xmlns:adec="http://schemas.microsoft.com/office/drawing/2017/decorative" val="1"/>
+              </a:ext>
+            </a:extLst>
+          </p:cNvPr>
+          <p:cNvSpPr>
+            <a:spLocks noGrp="1" noRot="1" noChangeAspect="1" noMove="1" noResize="1" noEditPoints="1" noAdjustHandles="1" noChangeArrowheads="1" noChangeShapeType="1" noTextEdit="1"/>
+          </p:cNvSpPr>
+          <p:nvPr>
+            <p:extLst>
+              <p:ext uri="{386F3935-93C4-4BCD-93E2-E3B085C9AB24}">
+                <p16:designElem xmlns:p16="http://schemas.microsoft.com/office/powerpoint/2015/main" val="1"/>
+              </p:ext>
+            </p:extLst>
+          </p:nvPr>
+        </p:nvSpPr>
+        <p:spPr bwMode="ltGray">
+          <a:xfrm>
+            <a:off x="241173" y="320040"/>
+            <a:ext cx="8661654" cy="6217920"/>
+          </a:xfrm>
+          <a:prstGeom prst="rect">
+            <a:avLst/>
+          </a:prstGeom>
+          <a:solidFill>
+            <a:schemeClr val="tx1">
+              <a:alpha val="12000"/>
+            </a:schemeClr>
+          </a:solidFill>
+          <a:ln w="127000" cap="sq" cmpd="thinThick">
+            <a:noFill/>
+          </a:ln>
+        </p:spPr>
+        <p:style>
+          <a:lnRef idx="2">
+            <a:schemeClr val="accent1">
+              <a:shade val="50000"/>
+            </a:schemeClr>
+          </a:lnRef>
+          <a:fillRef idx="1">
+            <a:schemeClr val="accent1"/>
+          </a:fillRef>
+          <a:effectRef idx="0">
+            <a:schemeClr val="accent1"/>
+          </a:effectRef>
+          <a:fontRef idx="minor">
+            <a:schemeClr val="lt1"/>
+          </a:fontRef>
+        </p:style>
+        <p:txBody>
+          <a:bodyPr rtlCol="0" anchor="ctr"/>
+          <a:lstStyle/>
+          <a:p>
+            <a:pPr algn="ctr"/>
+            <a:endParaRPr lang="en-US"/>
+          </a:p>
+        </p:txBody>
+      </p:sp>
+      <p:sp>
+        <p:nvSpPr>
           <p:cNvPr id="4" name="제목 3">
             <a:extLst>
               <a:ext uri="{FF2B5EF4-FFF2-40B4-BE49-F238E27FC236}">
@@ -6972,22 +7559,23 @@
         </p:nvSpPr>
         <p:spPr>
           <a:xfrm>
-            <a:off x="685800" y="2693987"/>
-            <a:ext cx="7772400" cy="1470025"/>
+            <a:off x="3285441" y="965199"/>
+            <a:ext cx="5074558" cy="4927601"/>
           </a:xfrm>
         </p:spPr>
         <p:txBody>
-          <a:bodyPr>
+          <a:bodyPr anchor="ctr">
             <a:normAutofit/>
           </a:bodyPr>
           <a:lstStyle/>
           <a:p>
-            <a:r>
-              <a:rPr lang="ko-KR" altLang="en-US" sz="6000" b="1" dirty="0">
+            <a:pPr algn="l"/>
+            <a:r>
+              <a:rPr lang="ko-KR" altLang="en-US" sz="4700" b="1">
                 <a:solidFill>
-                  <a:schemeClr val="accent6">
-                    <a:lumMod val="60000"/>
-                    <a:lumOff val="40000"/>
+                  <a:schemeClr val="tx1">
+                    <a:lumMod val="85000"/>
+                    <a:lumOff val="15000"/>
                   </a:schemeClr>
                 </a:solidFill>
                 <a:latin typeface="210 앱굴림 R" panose="02020603020101020101" pitchFamily="18" charset="-127"/>
@@ -6998,6 +7586,61 @@
           </a:p>
         </p:txBody>
       </p:sp>
+      <p:cxnSp>
+        <p:nvCxnSpPr>
+          <p:cNvPr id="11" name="Straight Connector 10">
+            <a:extLst>
+              <a:ext uri="{FF2B5EF4-FFF2-40B4-BE49-F238E27FC236}">
+                <a16:creationId xmlns:a16="http://schemas.microsoft.com/office/drawing/2014/main" id="{F0C57C7C-DFE9-4A1E-B7A9-DF40E63366BB}"/>
+              </a:ext>
+              <a:ext uri="{C183D7F6-B498-43B3-948B-1728B52AA6E4}">
+                <adec:decorative xmlns:adec="http://schemas.microsoft.com/office/drawing/2017/decorative" val="1"/>
+              </a:ext>
+            </a:extLst>
+          </p:cNvPr>
+          <p:cNvCxnSpPr>
+            <a:cxnSpLocks noGrp="1" noRot="1" noChangeAspect="1" noMove="1" noResize="1" noEditPoints="1" noAdjustHandles="1" noChangeArrowheads="1" noChangeShapeType="1"/>
+          </p:cNvCxnSpPr>
+          <p:nvPr>
+            <p:extLst>
+              <p:ext uri="{386F3935-93C4-4BCD-93E2-E3B085C9AB24}">
+                <p16:designElem xmlns:p16="http://schemas.microsoft.com/office/powerpoint/2015/main" val="1"/>
+              </p:ext>
+            </p:extLst>
+          </p:nvPr>
+        </p:nvCxnSpPr>
+        <p:spPr>
+          <a:xfrm>
+            <a:off x="3041918" y="2057399"/>
+            <a:ext cx="0" cy="2743200"/>
+          </a:xfrm>
+          <a:prstGeom prst="line">
+            <a:avLst/>
+          </a:prstGeom>
+          <a:ln w="19050">
+            <a:solidFill>
+              <a:schemeClr val="tx1">
+                <a:lumMod val="85000"/>
+                <a:lumOff val="15000"/>
+              </a:schemeClr>
+            </a:solidFill>
+          </a:ln>
+        </p:spPr>
+        <p:style>
+          <a:lnRef idx="1">
+            <a:schemeClr val="accent1"/>
+          </a:lnRef>
+          <a:fillRef idx="0">
+            <a:schemeClr val="accent1"/>
+          </a:fillRef>
+          <a:effectRef idx="0">
+            <a:schemeClr val="accent1"/>
+          </a:effectRef>
+          <a:fontRef idx="minor">
+            <a:schemeClr val="tx1"/>
+          </a:fontRef>
+        </p:style>
+      </p:cxnSp>
     </p:spTree>
     <p:extLst>
       <p:ext uri="{BB962C8B-B14F-4D97-AF65-F5344CB8AC3E}">
@@ -7152,6 +7795,14 @@
 <file path=ppt/slides/slide24.xml><?xml version="1.0" encoding="utf-8"?>
 <p:sld xmlns:a="http://schemas.openxmlformats.org/drawingml/2006/main" xmlns:r="http://schemas.openxmlformats.org/officeDocument/2006/relationships" xmlns:p="http://schemas.openxmlformats.org/presentationml/2006/main">
   <p:cSld>
+    <p:bg>
+      <p:bgPr>
+        <a:solidFill>
+          <a:schemeClr val="bg1"/>
+        </a:solidFill>
+        <a:effectLst/>
+      </p:bgPr>
+    </p:bg>
     <p:spTree>
       <p:nvGrpSpPr>
         <p:cNvPr id="1" name=""/>
@@ -7168,6 +7819,71 @@
       </p:grpSpPr>
       <p:sp>
         <p:nvSpPr>
+          <p:cNvPr id="9" name="Rectangle 8">
+            <a:extLst>
+              <a:ext uri="{FF2B5EF4-FFF2-40B4-BE49-F238E27FC236}">
+                <a16:creationId xmlns:a16="http://schemas.microsoft.com/office/drawing/2014/main" id="{6F9EB9F2-07E2-4D64-BBD8-BB5B217F1218}"/>
+              </a:ext>
+              <a:ext uri="{C183D7F6-B498-43B3-948B-1728B52AA6E4}">
+                <adec:decorative xmlns:adec="http://schemas.microsoft.com/office/drawing/2017/decorative" val="1"/>
+              </a:ext>
+            </a:extLst>
+          </p:cNvPr>
+          <p:cNvSpPr>
+            <a:spLocks noGrp="1" noRot="1" noChangeAspect="1" noMove="1" noResize="1" noEditPoints="1" noAdjustHandles="1" noChangeArrowheads="1" noChangeShapeType="1" noTextEdit="1"/>
+          </p:cNvSpPr>
+          <p:nvPr>
+            <p:extLst>
+              <p:ext uri="{386F3935-93C4-4BCD-93E2-E3B085C9AB24}">
+                <p16:designElem xmlns:p16="http://schemas.microsoft.com/office/powerpoint/2015/main" val="1"/>
+              </p:ext>
+            </p:extLst>
+          </p:nvPr>
+        </p:nvSpPr>
+        <p:spPr bwMode="ltGray">
+          <a:xfrm>
+            <a:off x="241173" y="320040"/>
+            <a:ext cx="8661654" cy="6217920"/>
+          </a:xfrm>
+          <a:prstGeom prst="rect">
+            <a:avLst/>
+          </a:prstGeom>
+          <a:solidFill>
+            <a:schemeClr val="tx1">
+              <a:alpha val="12000"/>
+            </a:schemeClr>
+          </a:solidFill>
+          <a:ln w="127000" cap="sq" cmpd="thinThick">
+            <a:noFill/>
+          </a:ln>
+        </p:spPr>
+        <p:style>
+          <a:lnRef idx="2">
+            <a:schemeClr val="accent1">
+              <a:shade val="50000"/>
+            </a:schemeClr>
+          </a:lnRef>
+          <a:fillRef idx="1">
+            <a:schemeClr val="accent1"/>
+          </a:fillRef>
+          <a:effectRef idx="0">
+            <a:schemeClr val="accent1"/>
+          </a:effectRef>
+          <a:fontRef idx="minor">
+            <a:schemeClr val="lt1"/>
+          </a:fontRef>
+        </p:style>
+        <p:txBody>
+          <a:bodyPr rtlCol="0" anchor="ctr"/>
+          <a:lstStyle/>
+          <a:p>
+            <a:pPr algn="ctr"/>
+            <a:endParaRPr lang="en-US"/>
+          </a:p>
+        </p:txBody>
+      </p:sp>
+      <p:sp>
+        <p:nvSpPr>
           <p:cNvPr id="4" name="제목 3">
             <a:extLst>
               <a:ext uri="{FF2B5EF4-FFF2-40B4-BE49-F238E27FC236}">
@@ -7184,22 +7900,23 @@
         </p:nvSpPr>
         <p:spPr>
           <a:xfrm>
-            <a:off x="685800" y="2693987"/>
-            <a:ext cx="7772400" cy="1470025"/>
+            <a:off x="3285441" y="965199"/>
+            <a:ext cx="5074558" cy="4927601"/>
           </a:xfrm>
         </p:spPr>
         <p:txBody>
-          <a:bodyPr>
+          <a:bodyPr anchor="ctr">
             <a:normAutofit/>
           </a:bodyPr>
           <a:lstStyle/>
           <a:p>
-            <a:r>
-              <a:rPr lang="ko-KR" altLang="en-US" sz="6000" b="1" dirty="0">
+            <a:pPr algn="l"/>
+            <a:r>
+              <a:rPr lang="ko-KR" altLang="en-US" sz="4700" b="1">
                 <a:solidFill>
-                  <a:schemeClr val="accent6">
-                    <a:lumMod val="60000"/>
-                    <a:lumOff val="40000"/>
+                  <a:schemeClr val="tx1">
+                    <a:lumMod val="85000"/>
+                    <a:lumOff val="15000"/>
                   </a:schemeClr>
                 </a:solidFill>
                 <a:latin typeface="210 앱굴림 R" panose="02020603020101020101" pitchFamily="18" charset="-127"/>
@@ -7208,11 +7925,11 @@
               <a:t>씬 </a:t>
             </a:r>
             <a:r>
-              <a:rPr lang="en-US" altLang="ko-KR" sz="6000" b="1" dirty="0">
+              <a:rPr lang="en-US" altLang="ko-KR" sz="4700" b="1">
                 <a:solidFill>
-                  <a:schemeClr val="accent6">
-                    <a:lumMod val="60000"/>
-                    <a:lumOff val="40000"/>
+                  <a:schemeClr val="tx1">
+                    <a:lumMod val="85000"/>
+                    <a:lumOff val="15000"/>
                   </a:schemeClr>
                 </a:solidFill>
                 <a:latin typeface="210 앱굴림 R" panose="02020603020101020101" pitchFamily="18" charset="-127"/>
@@ -7220,11 +7937,11 @@
               </a:rPr>
               <a:t>(Scene)</a:t>
             </a:r>
-            <a:endParaRPr lang="ko-KR" altLang="en-US" sz="6000" b="1" dirty="0">
+            <a:endParaRPr lang="ko-KR" altLang="en-US" sz="4700" b="1">
               <a:solidFill>
-                <a:schemeClr val="accent6">
-                  <a:lumMod val="60000"/>
-                  <a:lumOff val="40000"/>
+                <a:schemeClr val="tx1">
+                  <a:lumMod val="85000"/>
+                  <a:lumOff val="15000"/>
                 </a:schemeClr>
               </a:solidFill>
               <a:latin typeface="210 앱굴림 R" panose="02020603020101020101" pitchFamily="18" charset="-127"/>
@@ -7233,6 +7950,61 @@
           </a:p>
         </p:txBody>
       </p:sp>
+      <p:cxnSp>
+        <p:nvCxnSpPr>
+          <p:cNvPr id="11" name="Straight Connector 10">
+            <a:extLst>
+              <a:ext uri="{FF2B5EF4-FFF2-40B4-BE49-F238E27FC236}">
+                <a16:creationId xmlns:a16="http://schemas.microsoft.com/office/drawing/2014/main" id="{F0C57C7C-DFE9-4A1E-B7A9-DF40E63366BB}"/>
+              </a:ext>
+              <a:ext uri="{C183D7F6-B498-43B3-948B-1728B52AA6E4}">
+                <adec:decorative xmlns:adec="http://schemas.microsoft.com/office/drawing/2017/decorative" val="1"/>
+              </a:ext>
+            </a:extLst>
+          </p:cNvPr>
+          <p:cNvCxnSpPr>
+            <a:cxnSpLocks noGrp="1" noRot="1" noChangeAspect="1" noMove="1" noResize="1" noEditPoints="1" noAdjustHandles="1" noChangeArrowheads="1" noChangeShapeType="1"/>
+          </p:cNvCxnSpPr>
+          <p:nvPr>
+            <p:extLst>
+              <p:ext uri="{386F3935-93C4-4BCD-93E2-E3B085C9AB24}">
+                <p16:designElem xmlns:p16="http://schemas.microsoft.com/office/powerpoint/2015/main" val="1"/>
+              </p:ext>
+            </p:extLst>
+          </p:nvPr>
+        </p:nvCxnSpPr>
+        <p:spPr>
+          <a:xfrm>
+            <a:off x="3041918" y="2057399"/>
+            <a:ext cx="0" cy="2743200"/>
+          </a:xfrm>
+          <a:prstGeom prst="line">
+            <a:avLst/>
+          </a:prstGeom>
+          <a:ln w="19050">
+            <a:solidFill>
+              <a:schemeClr val="tx1">
+                <a:lumMod val="85000"/>
+                <a:lumOff val="15000"/>
+              </a:schemeClr>
+            </a:solidFill>
+          </a:ln>
+        </p:spPr>
+        <p:style>
+          <a:lnRef idx="1">
+            <a:schemeClr val="accent1"/>
+          </a:lnRef>
+          <a:fillRef idx="0">
+            <a:schemeClr val="accent1"/>
+          </a:fillRef>
+          <a:effectRef idx="0">
+            <a:schemeClr val="accent1"/>
+          </a:effectRef>
+          <a:fontRef idx="minor">
+            <a:schemeClr val="tx1"/>
+          </a:fontRef>
+        </p:style>
+      </p:cxnSp>
     </p:spTree>
     <p:extLst>
       <p:ext uri="{BB962C8B-B14F-4D97-AF65-F5344CB8AC3E}">
@@ -7345,6 +8117,14 @@
 <file path=ppt/slides/slide26.xml><?xml version="1.0" encoding="utf-8"?>
 <p:sld xmlns:a="http://schemas.openxmlformats.org/drawingml/2006/main" xmlns:r="http://schemas.openxmlformats.org/officeDocument/2006/relationships" xmlns:p="http://schemas.openxmlformats.org/presentationml/2006/main">
   <p:cSld>
+    <p:bg>
+      <p:bgPr>
+        <a:solidFill>
+          <a:schemeClr val="bg1"/>
+        </a:solidFill>
+        <a:effectLst/>
+      </p:bgPr>
+    </p:bg>
     <p:spTree>
       <p:nvGrpSpPr>
         <p:cNvPr id="1" name=""/>
@@ -7361,6 +8141,71 @@
       </p:grpSpPr>
       <p:sp>
         <p:nvSpPr>
+          <p:cNvPr id="9" name="Rectangle 8">
+            <a:extLst>
+              <a:ext uri="{FF2B5EF4-FFF2-40B4-BE49-F238E27FC236}">
+                <a16:creationId xmlns:a16="http://schemas.microsoft.com/office/drawing/2014/main" id="{6F9EB9F2-07E2-4D64-BBD8-BB5B217F1218}"/>
+              </a:ext>
+              <a:ext uri="{C183D7F6-B498-43B3-948B-1728B52AA6E4}">
+                <adec:decorative xmlns:adec="http://schemas.microsoft.com/office/drawing/2017/decorative" val="1"/>
+              </a:ext>
+            </a:extLst>
+          </p:cNvPr>
+          <p:cNvSpPr>
+            <a:spLocks noGrp="1" noRot="1" noChangeAspect="1" noMove="1" noResize="1" noEditPoints="1" noAdjustHandles="1" noChangeArrowheads="1" noChangeShapeType="1" noTextEdit="1"/>
+          </p:cNvSpPr>
+          <p:nvPr>
+            <p:extLst>
+              <p:ext uri="{386F3935-93C4-4BCD-93E2-E3B085C9AB24}">
+                <p16:designElem xmlns:p16="http://schemas.microsoft.com/office/powerpoint/2015/main" val="1"/>
+              </p:ext>
+            </p:extLst>
+          </p:nvPr>
+        </p:nvSpPr>
+        <p:spPr bwMode="ltGray">
+          <a:xfrm>
+            <a:off x="241173" y="320040"/>
+            <a:ext cx="8661654" cy="6217920"/>
+          </a:xfrm>
+          <a:prstGeom prst="rect">
+            <a:avLst/>
+          </a:prstGeom>
+          <a:solidFill>
+            <a:schemeClr val="tx1">
+              <a:alpha val="12000"/>
+            </a:schemeClr>
+          </a:solidFill>
+          <a:ln w="127000" cap="sq" cmpd="thinThick">
+            <a:noFill/>
+          </a:ln>
+        </p:spPr>
+        <p:style>
+          <a:lnRef idx="2">
+            <a:schemeClr val="accent1">
+              <a:shade val="50000"/>
+            </a:schemeClr>
+          </a:lnRef>
+          <a:fillRef idx="1">
+            <a:schemeClr val="accent1"/>
+          </a:fillRef>
+          <a:effectRef idx="0">
+            <a:schemeClr val="accent1"/>
+          </a:effectRef>
+          <a:fontRef idx="minor">
+            <a:schemeClr val="lt1"/>
+          </a:fontRef>
+        </p:style>
+        <p:txBody>
+          <a:bodyPr rtlCol="0" anchor="ctr"/>
+          <a:lstStyle/>
+          <a:p>
+            <a:pPr algn="ctr"/>
+            <a:endParaRPr lang="en-US"/>
+          </a:p>
+        </p:txBody>
+      </p:sp>
+      <p:sp>
+        <p:nvSpPr>
           <p:cNvPr id="4" name="제목 3">
             <a:extLst>
               <a:ext uri="{FF2B5EF4-FFF2-40B4-BE49-F238E27FC236}">
@@ -7377,22 +8222,23 @@
         </p:nvSpPr>
         <p:spPr>
           <a:xfrm>
-            <a:off x="685800" y="2693987"/>
-            <a:ext cx="7772400" cy="1470025"/>
+            <a:off x="3285441" y="965199"/>
+            <a:ext cx="5074558" cy="4927601"/>
           </a:xfrm>
         </p:spPr>
         <p:txBody>
-          <a:bodyPr>
-            <a:normAutofit fontScale="90000"/>
+          <a:bodyPr anchor="ctr">
+            <a:normAutofit/>
           </a:bodyPr>
           <a:lstStyle/>
           <a:p>
-            <a:r>
-              <a:rPr lang="ko-KR" altLang="en-US" sz="6000" b="1" dirty="0">
+            <a:pPr algn="l"/>
+            <a:r>
+              <a:rPr lang="ko-KR" altLang="en-US" sz="4700" b="1">
                 <a:solidFill>
-                  <a:schemeClr val="accent6">
-                    <a:lumMod val="60000"/>
-                    <a:lumOff val="40000"/>
+                  <a:schemeClr val="tx1">
+                    <a:lumMod val="85000"/>
+                    <a:lumOff val="15000"/>
                   </a:schemeClr>
                 </a:solidFill>
                 <a:latin typeface="210 앱굴림 R" panose="02020603020101020101" pitchFamily="18" charset="-127"/>
@@ -7401,11 +8247,11 @@
               <a:t>게임 오브젝트</a:t>
             </a:r>
             <a:br>
-              <a:rPr lang="en-US" altLang="ko-KR" sz="6000" b="1" dirty="0">
+              <a:rPr lang="en-US" altLang="ko-KR" sz="4700" b="1">
                 <a:solidFill>
-                  <a:schemeClr val="accent6">
-                    <a:lumMod val="60000"/>
-                    <a:lumOff val="40000"/>
+                  <a:schemeClr val="tx1">
+                    <a:lumMod val="85000"/>
+                    <a:lumOff val="15000"/>
                   </a:schemeClr>
                 </a:solidFill>
                 <a:latin typeface="210 앱굴림 R" panose="02020603020101020101" pitchFamily="18" charset="-127"/>
@@ -7413,11 +8259,11 @@
               </a:rPr>
             </a:br>
             <a:r>
-              <a:rPr lang="en-US" altLang="ko-KR" sz="6000" b="1" dirty="0">
+              <a:rPr lang="en-US" altLang="ko-KR" sz="4700" b="1">
                 <a:solidFill>
-                  <a:schemeClr val="accent6">
-                    <a:lumMod val="60000"/>
-                    <a:lumOff val="40000"/>
+                  <a:schemeClr val="tx1">
+                    <a:lumMod val="85000"/>
+                    <a:lumOff val="15000"/>
                   </a:schemeClr>
                 </a:solidFill>
                 <a:latin typeface="210 앱굴림 R" panose="02020603020101020101" pitchFamily="18" charset="-127"/>
@@ -7425,11 +8271,11 @@
               </a:rPr>
               <a:t>(Game Object)</a:t>
             </a:r>
-            <a:endParaRPr lang="ko-KR" altLang="en-US" sz="6000" b="1" dirty="0">
+            <a:endParaRPr lang="ko-KR" altLang="en-US" sz="4700" b="1">
               <a:solidFill>
-                <a:schemeClr val="accent6">
-                  <a:lumMod val="60000"/>
-                  <a:lumOff val="40000"/>
+                <a:schemeClr val="tx1">
+                  <a:lumMod val="85000"/>
+                  <a:lumOff val="15000"/>
                 </a:schemeClr>
               </a:solidFill>
               <a:latin typeface="210 앱굴림 R" panose="02020603020101020101" pitchFamily="18" charset="-127"/>
@@ -7438,6 +8284,61 @@
           </a:p>
         </p:txBody>
       </p:sp>
+      <p:cxnSp>
+        <p:nvCxnSpPr>
+          <p:cNvPr id="11" name="Straight Connector 10">
+            <a:extLst>
+              <a:ext uri="{FF2B5EF4-FFF2-40B4-BE49-F238E27FC236}">
+                <a16:creationId xmlns:a16="http://schemas.microsoft.com/office/drawing/2014/main" id="{F0C57C7C-DFE9-4A1E-B7A9-DF40E63366BB}"/>
+              </a:ext>
+              <a:ext uri="{C183D7F6-B498-43B3-948B-1728B52AA6E4}">
+                <adec:decorative xmlns:adec="http://schemas.microsoft.com/office/drawing/2017/decorative" val="1"/>
+              </a:ext>
+            </a:extLst>
+          </p:cNvPr>
+          <p:cNvCxnSpPr>
+            <a:cxnSpLocks noGrp="1" noRot="1" noChangeAspect="1" noMove="1" noResize="1" noEditPoints="1" noAdjustHandles="1" noChangeArrowheads="1" noChangeShapeType="1"/>
+          </p:cNvCxnSpPr>
+          <p:nvPr>
+            <p:extLst>
+              <p:ext uri="{386F3935-93C4-4BCD-93E2-E3B085C9AB24}">
+                <p16:designElem xmlns:p16="http://schemas.microsoft.com/office/powerpoint/2015/main" val="1"/>
+              </p:ext>
+            </p:extLst>
+          </p:nvPr>
+        </p:nvCxnSpPr>
+        <p:spPr>
+          <a:xfrm>
+            <a:off x="3041918" y="2057399"/>
+            <a:ext cx="0" cy="2743200"/>
+          </a:xfrm>
+          <a:prstGeom prst="line">
+            <a:avLst/>
+          </a:prstGeom>
+          <a:ln w="19050">
+            <a:solidFill>
+              <a:schemeClr val="tx1">
+                <a:lumMod val="85000"/>
+                <a:lumOff val="15000"/>
+              </a:schemeClr>
+            </a:solidFill>
+          </a:ln>
+        </p:spPr>
+        <p:style>
+          <a:lnRef idx="1">
+            <a:schemeClr val="accent1"/>
+          </a:lnRef>
+          <a:fillRef idx="0">
+            <a:schemeClr val="accent1"/>
+          </a:fillRef>
+          <a:effectRef idx="0">
+            <a:schemeClr val="accent1"/>
+          </a:effectRef>
+          <a:fontRef idx="minor">
+            <a:schemeClr val="tx1"/>
+          </a:fontRef>
+        </p:style>
+      </p:cxnSp>
     </p:spTree>
     <p:extLst>
       <p:ext uri="{BB962C8B-B14F-4D97-AF65-F5344CB8AC3E}">
@@ -7870,6 +8771,14 @@
 <file path=ppt/slides/slide28.xml><?xml version="1.0" encoding="utf-8"?>
 <p:sld xmlns:a="http://schemas.openxmlformats.org/drawingml/2006/main" xmlns:r="http://schemas.openxmlformats.org/officeDocument/2006/relationships" xmlns:p="http://schemas.openxmlformats.org/presentationml/2006/main">
   <p:cSld>
+    <p:bg>
+      <p:bgPr>
+        <a:solidFill>
+          <a:schemeClr val="bg1"/>
+        </a:solidFill>
+        <a:effectLst/>
+      </p:bgPr>
+    </p:bg>
     <p:spTree>
       <p:nvGrpSpPr>
         <p:cNvPr id="1" name=""/>
@@ -7886,6 +8795,71 @@
       </p:grpSpPr>
       <p:sp>
         <p:nvSpPr>
+          <p:cNvPr id="9" name="Rectangle 8">
+            <a:extLst>
+              <a:ext uri="{FF2B5EF4-FFF2-40B4-BE49-F238E27FC236}">
+                <a16:creationId xmlns:a16="http://schemas.microsoft.com/office/drawing/2014/main" id="{6F9EB9F2-07E2-4D64-BBD8-BB5B217F1218}"/>
+              </a:ext>
+              <a:ext uri="{C183D7F6-B498-43B3-948B-1728B52AA6E4}">
+                <adec:decorative xmlns:adec="http://schemas.microsoft.com/office/drawing/2017/decorative" val="1"/>
+              </a:ext>
+            </a:extLst>
+          </p:cNvPr>
+          <p:cNvSpPr>
+            <a:spLocks noGrp="1" noRot="1" noChangeAspect="1" noMove="1" noResize="1" noEditPoints="1" noAdjustHandles="1" noChangeArrowheads="1" noChangeShapeType="1" noTextEdit="1"/>
+          </p:cNvSpPr>
+          <p:nvPr>
+            <p:extLst>
+              <p:ext uri="{386F3935-93C4-4BCD-93E2-E3B085C9AB24}">
+                <p16:designElem xmlns:p16="http://schemas.microsoft.com/office/powerpoint/2015/main" val="1"/>
+              </p:ext>
+            </p:extLst>
+          </p:nvPr>
+        </p:nvSpPr>
+        <p:spPr bwMode="ltGray">
+          <a:xfrm>
+            <a:off x="241173" y="320040"/>
+            <a:ext cx="8661654" cy="6217920"/>
+          </a:xfrm>
+          <a:prstGeom prst="rect">
+            <a:avLst/>
+          </a:prstGeom>
+          <a:solidFill>
+            <a:schemeClr val="tx1">
+              <a:alpha val="12000"/>
+            </a:schemeClr>
+          </a:solidFill>
+          <a:ln w="127000" cap="sq" cmpd="thinThick">
+            <a:noFill/>
+          </a:ln>
+        </p:spPr>
+        <p:style>
+          <a:lnRef idx="2">
+            <a:schemeClr val="accent1">
+              <a:shade val="50000"/>
+            </a:schemeClr>
+          </a:lnRef>
+          <a:fillRef idx="1">
+            <a:schemeClr val="accent1"/>
+          </a:fillRef>
+          <a:effectRef idx="0">
+            <a:schemeClr val="accent1"/>
+          </a:effectRef>
+          <a:fontRef idx="minor">
+            <a:schemeClr val="lt1"/>
+          </a:fontRef>
+        </p:style>
+        <p:txBody>
+          <a:bodyPr rtlCol="0" anchor="ctr"/>
+          <a:lstStyle/>
+          <a:p>
+            <a:pPr algn="ctr"/>
+            <a:endParaRPr lang="en-US"/>
+          </a:p>
+        </p:txBody>
+      </p:sp>
+      <p:sp>
+        <p:nvSpPr>
           <p:cNvPr id="4" name="제목 3">
             <a:extLst>
               <a:ext uri="{FF2B5EF4-FFF2-40B4-BE49-F238E27FC236}">
@@ -7902,22 +8876,23 @@
         </p:nvSpPr>
         <p:spPr>
           <a:xfrm>
-            <a:off x="685800" y="2693987"/>
-            <a:ext cx="7772400" cy="1470025"/>
+            <a:off x="3285441" y="965199"/>
+            <a:ext cx="5074558" cy="4927601"/>
           </a:xfrm>
         </p:spPr>
         <p:txBody>
-          <a:bodyPr>
-            <a:normAutofit fontScale="90000"/>
+          <a:bodyPr anchor="ctr">
+            <a:normAutofit/>
           </a:bodyPr>
           <a:lstStyle/>
           <a:p>
-            <a:r>
-              <a:rPr lang="ko-KR" altLang="en-US" sz="6000" b="1" dirty="0">
+            <a:pPr algn="l"/>
+            <a:r>
+              <a:rPr lang="ko-KR" altLang="en-US" sz="4700" b="1">
                 <a:solidFill>
-                  <a:schemeClr val="accent6">
-                    <a:lumMod val="60000"/>
-                    <a:lumOff val="40000"/>
+                  <a:schemeClr val="tx1">
+                    <a:lumMod val="85000"/>
+                    <a:lumOff val="15000"/>
                   </a:schemeClr>
                 </a:solidFill>
                 <a:latin typeface="210 앱굴림 R" panose="02020603020101020101" pitchFamily="18" charset="-127"/>
@@ -7926,11 +8901,11 @@
               <a:t>컴포넌트</a:t>
             </a:r>
             <a:br>
-              <a:rPr lang="en-US" altLang="ko-KR" sz="6000" b="1" dirty="0">
+              <a:rPr lang="en-US" altLang="ko-KR" sz="4700" b="1">
                 <a:solidFill>
-                  <a:schemeClr val="accent6">
-                    <a:lumMod val="60000"/>
-                    <a:lumOff val="40000"/>
+                  <a:schemeClr val="tx1">
+                    <a:lumMod val="85000"/>
+                    <a:lumOff val="15000"/>
                   </a:schemeClr>
                 </a:solidFill>
                 <a:latin typeface="210 앱굴림 R" panose="02020603020101020101" pitchFamily="18" charset="-127"/>
@@ -7938,11 +8913,11 @@
               </a:rPr>
             </a:br>
             <a:r>
-              <a:rPr lang="en-US" altLang="ko-KR" sz="6000" b="1" dirty="0">
+              <a:rPr lang="en-US" altLang="ko-KR" sz="4700" b="1">
                 <a:solidFill>
-                  <a:schemeClr val="accent6">
-                    <a:lumMod val="60000"/>
-                    <a:lumOff val="40000"/>
+                  <a:schemeClr val="tx1">
+                    <a:lumMod val="85000"/>
+                    <a:lumOff val="15000"/>
                   </a:schemeClr>
                 </a:solidFill>
                 <a:latin typeface="210 앱굴림 R" panose="02020603020101020101" pitchFamily="18" charset="-127"/>
@@ -7950,11 +8925,11 @@
               </a:rPr>
               <a:t>(Component)</a:t>
             </a:r>
-            <a:endParaRPr lang="ko-KR" altLang="en-US" sz="6000" b="1" dirty="0">
+            <a:endParaRPr lang="ko-KR" altLang="en-US" sz="4700" b="1">
               <a:solidFill>
-                <a:schemeClr val="accent6">
-                  <a:lumMod val="60000"/>
-                  <a:lumOff val="40000"/>
+                <a:schemeClr val="tx1">
+                  <a:lumMod val="85000"/>
+                  <a:lumOff val="15000"/>
                 </a:schemeClr>
               </a:solidFill>
               <a:latin typeface="210 앱굴림 R" panose="02020603020101020101" pitchFamily="18" charset="-127"/>
@@ -7963,6 +8938,61 @@
           </a:p>
         </p:txBody>
       </p:sp>
+      <p:cxnSp>
+        <p:nvCxnSpPr>
+          <p:cNvPr id="11" name="Straight Connector 10">
+            <a:extLst>
+              <a:ext uri="{FF2B5EF4-FFF2-40B4-BE49-F238E27FC236}">
+                <a16:creationId xmlns:a16="http://schemas.microsoft.com/office/drawing/2014/main" id="{F0C57C7C-DFE9-4A1E-B7A9-DF40E63366BB}"/>
+              </a:ext>
+              <a:ext uri="{C183D7F6-B498-43B3-948B-1728B52AA6E4}">
+                <adec:decorative xmlns:adec="http://schemas.microsoft.com/office/drawing/2017/decorative" val="1"/>
+              </a:ext>
+            </a:extLst>
+          </p:cNvPr>
+          <p:cNvCxnSpPr>
+            <a:cxnSpLocks noGrp="1" noRot="1" noChangeAspect="1" noMove="1" noResize="1" noEditPoints="1" noAdjustHandles="1" noChangeArrowheads="1" noChangeShapeType="1"/>
+          </p:cNvCxnSpPr>
+          <p:nvPr>
+            <p:extLst>
+              <p:ext uri="{386F3935-93C4-4BCD-93E2-E3B085C9AB24}">
+                <p16:designElem xmlns:p16="http://schemas.microsoft.com/office/powerpoint/2015/main" val="1"/>
+              </p:ext>
+            </p:extLst>
+          </p:nvPr>
+        </p:nvCxnSpPr>
+        <p:spPr>
+          <a:xfrm>
+            <a:off x="3041918" y="2057399"/>
+            <a:ext cx="0" cy="2743200"/>
+          </a:xfrm>
+          <a:prstGeom prst="line">
+            <a:avLst/>
+          </a:prstGeom>
+          <a:ln w="19050">
+            <a:solidFill>
+              <a:schemeClr val="tx1">
+                <a:lumMod val="85000"/>
+                <a:lumOff val="15000"/>
+              </a:schemeClr>
+            </a:solidFill>
+          </a:ln>
+        </p:spPr>
+        <p:style>
+          <a:lnRef idx="1">
+            <a:schemeClr val="accent1"/>
+          </a:lnRef>
+          <a:fillRef idx="0">
+            <a:schemeClr val="accent1"/>
+          </a:fillRef>
+          <a:effectRef idx="0">
+            <a:schemeClr val="accent1"/>
+          </a:effectRef>
+          <a:fontRef idx="minor">
+            <a:schemeClr val="tx1"/>
+          </a:fontRef>
+        </p:style>
+      </p:cxnSp>
     </p:spTree>
     <p:extLst>
       <p:ext uri="{BB962C8B-B14F-4D97-AF65-F5344CB8AC3E}">
@@ -8755,6 +9785,14 @@
 <file path=ppt/slides/slide31.xml><?xml version="1.0" encoding="utf-8"?>
 <p:sld xmlns:a="http://schemas.openxmlformats.org/drawingml/2006/main" xmlns:r="http://schemas.openxmlformats.org/officeDocument/2006/relationships" xmlns:p="http://schemas.openxmlformats.org/presentationml/2006/main">
   <p:cSld>
+    <p:bg>
+      <p:bgPr>
+        <a:solidFill>
+          <a:schemeClr val="bg1"/>
+        </a:solidFill>
+        <a:effectLst/>
+      </p:bgPr>
+    </p:bg>
     <p:spTree>
       <p:nvGrpSpPr>
         <p:cNvPr id="1" name=""/>
@@ -8769,6 +9807,116 @@
           <a:chExt cx="0" cy="0"/>
         </a:xfrm>
       </p:grpSpPr>
+      <p:pic>
+        <p:nvPicPr>
+          <p:cNvPr id="8" name="Graphic 7">
+            <a:extLst>
+              <a:ext uri="{FF2B5EF4-FFF2-40B4-BE49-F238E27FC236}">
+                <a16:creationId xmlns:a16="http://schemas.microsoft.com/office/drawing/2014/main" id="{C90927EA-656F-46A1-9DF0-1D2C384ABDD8}"/>
+              </a:ext>
+            </a:extLst>
+          </p:cNvPr>
+          <p:cNvPicPr>
+            <a:picLocks noChangeAspect="1"/>
+          </p:cNvPicPr>
+          <p:nvPr/>
+        </p:nvPicPr>
+        <p:blipFill>
+          <a:blip r:embed="rId2">
+            <a:extLst>
+              <a:ext uri="{28A0092B-C50C-407E-A947-70E740481C1C}">
+                <a14:useLocalDpi xmlns:a14="http://schemas.microsoft.com/office/drawing/2010/main" val="0"/>
+              </a:ext>
+              <a:ext uri="{96DAC541-7B7A-43D3-8B79-37D633B846F1}">
+                <asvg:svgBlip xmlns:asvg="http://schemas.microsoft.com/office/drawing/2016/SVG/main" r:embed="rId3"/>
+              </a:ext>
+            </a:extLst>
+          </a:blip>
+          <a:stretch>
+            <a:fillRect/>
+          </a:stretch>
+        </p:blipFill>
+        <p:spPr>
+          <a:xfrm>
+            <a:off x="475499" y="2038015"/>
+            <a:ext cx="2763143" cy="2763143"/>
+          </a:xfrm>
+          <a:prstGeom prst="rect">
+            <a:avLst/>
+          </a:prstGeom>
+        </p:spPr>
+      </p:pic>
+      <p:sp>
+        <p:nvSpPr>
+          <p:cNvPr id="15" name="Rectangle 14">
+            <a:extLst>
+              <a:ext uri="{FF2B5EF4-FFF2-40B4-BE49-F238E27FC236}">
+                <a16:creationId xmlns:a16="http://schemas.microsoft.com/office/drawing/2014/main" id="{732BBDD8-8D49-4D88-8935-FBC3DCA33363}"/>
+              </a:ext>
+              <a:ext uri="{C183D7F6-B498-43B3-948B-1728B52AA6E4}">
+                <adec:decorative xmlns:adec="http://schemas.microsoft.com/office/drawing/2017/decorative" val="1"/>
+              </a:ext>
+            </a:extLst>
+          </p:cNvPr>
+          <p:cNvSpPr>
+            <a:spLocks noGrp="1" noRot="1" noChangeAspect="1" noMove="1" noResize="1" noEditPoints="1" noAdjustHandles="1" noChangeArrowheads="1" noChangeShapeType="1" noTextEdit="1"/>
+          </p:cNvSpPr>
+          <p:nvPr>
+            <p:extLst>
+              <p:ext uri="{386F3935-93C4-4BCD-93E2-E3B085C9AB24}">
+                <p16:designElem xmlns:p16="http://schemas.microsoft.com/office/powerpoint/2015/main" val="1"/>
+              </p:ext>
+            </p:extLst>
+          </p:nvPr>
+        </p:nvSpPr>
+        <p:spPr>
+          <a:xfrm>
+            <a:off x="3476485" y="2"/>
+            <a:ext cx="5667515" cy="6857998"/>
+          </a:xfrm>
+          <a:prstGeom prst="rect">
+            <a:avLst/>
+          </a:prstGeom>
+          <a:solidFill>
+            <a:schemeClr val="tx1">
+              <a:lumMod val="50000"/>
+              <a:lumOff val="50000"/>
+              <a:alpha val="30000"/>
+            </a:schemeClr>
+          </a:solidFill>
+          <a:ln>
+            <a:noFill/>
+          </a:ln>
+          <a:effectLst/>
+        </p:spPr>
+        <p:style>
+          <a:lnRef idx="1">
+            <a:schemeClr val="accent1"/>
+          </a:lnRef>
+          <a:fillRef idx="3">
+            <a:schemeClr val="accent1"/>
+          </a:fillRef>
+          <a:effectRef idx="2">
+            <a:schemeClr val="accent1"/>
+          </a:effectRef>
+          <a:fontRef idx="minor">
+            <a:schemeClr val="lt1"/>
+          </a:fontRef>
+        </p:style>
+        <p:txBody>
+          <a:bodyPr rtlCol="0" anchor="ctr"/>
+          <a:lstStyle/>
+          <a:p>
+            <a:pPr algn="ctr" defTabSz="457200"/>
+            <a:endParaRPr lang="en-US">
+              <a:solidFill>
+                <a:srgbClr val="FFFFFF"/>
+              </a:solidFill>
+              <a:latin typeface="Calibri" panose="020F0502020204030204"/>
+            </a:endParaRPr>
+          </a:p>
+        </p:txBody>
+      </p:sp>
       <p:sp>
         <p:nvSpPr>
           <p:cNvPr id="4" name="제목 3">
@@ -8787,64 +9935,50 @@
         </p:nvSpPr>
         <p:spPr>
           <a:xfrm>
-            <a:off x="685800" y="2693987"/>
-            <a:ext cx="7772400" cy="1470025"/>
+            <a:off x="3959085" y="620720"/>
+            <a:ext cx="4618159" cy="5523515"/>
           </a:xfrm>
         </p:spPr>
         <p:txBody>
-          <a:bodyPr>
-            <a:normAutofit fontScale="90000"/>
+          <a:bodyPr vert="horz" lIns="91440" tIns="45720" rIns="91440" bIns="45720" rtlCol="0" anchor="ctr">
+            <a:normAutofit/>
           </a:bodyPr>
           <a:lstStyle/>
           <a:p>
-            <a:r>
-              <a:rPr lang="ko-KR" altLang="en-US" sz="6000" b="1" dirty="0">
+            <a:pPr algn="l" latinLnBrk="0">
+              <a:lnSpc>
+                <a:spcPct val="90000"/>
+              </a:lnSpc>
+            </a:pPr>
+            <a:r>
+              <a:rPr lang="ko-KR" altLang="en-US" sz="5200" b="1" kern="1200" dirty="0">
                 <a:solidFill>
-                  <a:schemeClr val="accent6">
-                    <a:lumMod val="60000"/>
-                    <a:lumOff val="40000"/>
-                  </a:schemeClr>
+                  <a:schemeClr val="tx1"/>
                 </a:solidFill>
-                <a:latin typeface="210 앱굴림 R" panose="02020603020101020101" pitchFamily="18" charset="-127"/>
-                <a:ea typeface="210 앱굴림 R" panose="02020603020101020101" pitchFamily="18" charset="-127"/>
+                <a:latin typeface="210 앱굴림 B" panose="02020603020101020101" pitchFamily="18" charset="-127"/>
+                <a:ea typeface="210 앱굴림 B" panose="02020603020101020101" pitchFamily="18" charset="-127"/>
               </a:rPr>
               <a:t>스크립트</a:t>
             </a:r>
             <a:br>
-              <a:rPr lang="en-US" altLang="ko-KR" sz="6000" b="1" dirty="0">
+              <a:rPr lang="en-US" altLang="ko-KR" sz="5200" b="1" kern="1200" dirty="0">
                 <a:solidFill>
-                  <a:schemeClr val="accent6">
-                    <a:lumMod val="60000"/>
-                    <a:lumOff val="40000"/>
-                  </a:schemeClr>
+                  <a:schemeClr val="tx1"/>
                 </a:solidFill>
-                <a:latin typeface="210 앱굴림 R" panose="02020603020101020101" pitchFamily="18" charset="-127"/>
-                <a:ea typeface="210 앱굴림 R" panose="02020603020101020101" pitchFamily="18" charset="-127"/>
+                <a:latin typeface="210 앱굴림 B" panose="02020603020101020101" pitchFamily="18" charset="-127"/>
+                <a:ea typeface="210 앱굴림 B" panose="02020603020101020101" pitchFamily="18" charset="-127"/>
               </a:rPr>
             </a:br>
             <a:r>
-              <a:rPr lang="en-US" altLang="ko-KR" sz="6000" b="1" dirty="0">
+              <a:rPr lang="en-US" altLang="ko-KR" sz="5200" b="1" kern="1200" dirty="0">
                 <a:solidFill>
-                  <a:schemeClr val="accent6">
-                    <a:lumMod val="60000"/>
-                    <a:lumOff val="40000"/>
-                  </a:schemeClr>
+                  <a:schemeClr val="tx1"/>
                 </a:solidFill>
-                <a:latin typeface="210 앱굴림 R" panose="02020603020101020101" pitchFamily="18" charset="-127"/>
-                <a:ea typeface="210 앱굴림 R" panose="02020603020101020101" pitchFamily="18" charset="-127"/>
+                <a:latin typeface="210 앱굴림 B" panose="02020603020101020101" pitchFamily="18" charset="-127"/>
+                <a:ea typeface="210 앱굴림 B" panose="02020603020101020101" pitchFamily="18" charset="-127"/>
               </a:rPr>
               <a:t>(Script)</a:t>
             </a:r>
-            <a:endParaRPr lang="ko-KR" altLang="en-US" sz="6000" b="1" dirty="0">
-              <a:solidFill>
-                <a:schemeClr val="accent6">
-                  <a:lumMod val="60000"/>
-                  <a:lumOff val="40000"/>
-                </a:schemeClr>
-              </a:solidFill>
-              <a:latin typeface="210 앱굴림 R" panose="02020603020101020101" pitchFamily="18" charset="-127"/>
-              <a:ea typeface="210 앱굴림 R" panose="02020603020101020101" pitchFamily="18" charset="-127"/>
-            </a:endParaRPr>
           </a:p>
         </p:txBody>
       </p:sp>
@@ -8864,6 +9998,14 @@
 <file path=ppt/slides/slide32.xml><?xml version="1.0" encoding="utf-8"?>
 <p:sld xmlns:a="http://schemas.openxmlformats.org/drawingml/2006/main" xmlns:r="http://schemas.openxmlformats.org/officeDocument/2006/relationships" xmlns:p="http://schemas.openxmlformats.org/presentationml/2006/main">
   <p:cSld>
+    <p:bg>
+      <p:bgPr>
+        <a:solidFill>
+          <a:schemeClr val="bg1"/>
+        </a:solidFill>
+        <a:effectLst/>
+      </p:bgPr>
+    </p:bg>
     <p:spTree>
       <p:nvGrpSpPr>
         <p:cNvPr id="1" name=""/>
@@ -8880,6 +10022,77 @@
       </p:grpSpPr>
       <p:sp>
         <p:nvSpPr>
+          <p:cNvPr id="8" name="Rectangle 7">
+            <a:extLst>
+              <a:ext uri="{FF2B5EF4-FFF2-40B4-BE49-F238E27FC236}">
+                <a16:creationId xmlns:a16="http://schemas.microsoft.com/office/drawing/2014/main" id="{F98ED85F-DCEE-4B50-802E-71A6E3E12B04}"/>
+              </a:ext>
+              <a:ext uri="{C183D7F6-B498-43B3-948B-1728B52AA6E4}">
+                <adec:decorative xmlns:adec="http://schemas.microsoft.com/office/drawing/2017/decorative" val="1"/>
+              </a:ext>
+            </a:extLst>
+          </p:cNvPr>
+          <p:cNvSpPr>
+            <a:spLocks noGrp="1" noRot="1" noChangeAspect="1" noMove="1" noResize="1" noEditPoints="1" noAdjustHandles="1" noChangeArrowheads="1" noChangeShapeType="1" noTextEdit="1"/>
+          </p:cNvSpPr>
+          <p:nvPr>
+            <p:extLst>
+              <p:ext uri="{386F3935-93C4-4BCD-93E2-E3B085C9AB24}">
+                <p16:designElem xmlns:p16="http://schemas.microsoft.com/office/powerpoint/2015/main" val="1"/>
+              </p:ext>
+            </p:extLst>
+          </p:nvPr>
+        </p:nvSpPr>
+        <p:spPr bwMode="ltGray">
+          <a:xfrm>
+            <a:off x="241173" y="320040"/>
+            <a:ext cx="8661654" cy="6217920"/>
+          </a:xfrm>
+          <a:prstGeom prst="rect">
+            <a:avLst/>
+          </a:prstGeom>
+          <a:solidFill>
+            <a:schemeClr val="tx1">
+              <a:alpha val="14000"/>
+            </a:schemeClr>
+          </a:solidFill>
+          <a:ln w="127000" cap="sq" cmpd="thinThick">
+            <a:solidFill>
+              <a:schemeClr val="tx1">
+                <a:lumMod val="85000"/>
+                <a:lumOff val="15000"/>
+                <a:alpha val="15000"/>
+              </a:schemeClr>
+            </a:solidFill>
+          </a:ln>
+        </p:spPr>
+        <p:style>
+          <a:lnRef idx="2">
+            <a:schemeClr val="accent1">
+              <a:shade val="50000"/>
+            </a:schemeClr>
+          </a:lnRef>
+          <a:fillRef idx="1">
+            <a:schemeClr val="accent1"/>
+          </a:fillRef>
+          <a:effectRef idx="0">
+            <a:schemeClr val="accent1"/>
+          </a:effectRef>
+          <a:fontRef idx="minor">
+            <a:schemeClr val="lt1"/>
+          </a:fontRef>
+        </p:style>
+        <p:txBody>
+          <a:bodyPr rtlCol="0" anchor="ctr"/>
+          <a:lstStyle/>
+          <a:p>
+            <a:pPr algn="ctr"/>
+            <a:endParaRPr lang="en-US"/>
+          </a:p>
+        </p:txBody>
+      </p:sp>
+      <p:sp>
+        <p:nvSpPr>
           <p:cNvPr id="2" name="제목 1">
             <a:extLst>
               <a:ext uri="{FF2B5EF4-FFF2-40B4-BE49-F238E27FC236}">
@@ -8894,19 +10107,26 @@
             <p:ph type="title"/>
           </p:nvPr>
         </p:nvSpPr>
-        <p:spPr/>
-        <p:txBody>
-          <a:bodyPr/>
+        <p:spPr>
+          <a:xfrm>
+            <a:off x="628650" y="631825"/>
+            <a:ext cx="7886700" cy="1325563"/>
+          </a:xfrm>
+        </p:spPr>
+        <p:txBody>
+          <a:bodyPr>
+            <a:normAutofit/>
+          </a:bodyPr>
           <a:lstStyle/>
           <a:p>
             <a:r>
-              <a:rPr lang="en-US" altLang="ko-KR" dirty="0">
+              <a:rPr lang="en-US" altLang="ko-KR" sz="4400" dirty="0">
                 <a:latin typeface="210 앱굴림 R" panose="02020603020101020101" pitchFamily="18" charset="-127"/>
                 <a:ea typeface="210 앱굴림 R" panose="02020603020101020101" pitchFamily="18" charset="-127"/>
               </a:rPr>
               <a:t>Script</a:t>
             </a:r>
-            <a:endParaRPr lang="ko-KR" altLang="en-US" dirty="0">
+            <a:endParaRPr lang="ko-KR" altLang="en-US" sz="4400" dirty="0">
               <a:latin typeface="210 앱굴림 R" panose="02020603020101020101" pitchFamily="18" charset="-127"/>
               <a:ea typeface="210 앱굴림 R" panose="02020603020101020101" pitchFamily="18" charset="-127"/>
             </a:endParaRPr>
@@ -8931,169 +10151,267 @@
         </p:nvSpPr>
         <p:spPr>
           <a:xfrm>
-            <a:off x="457200" y="1600200"/>
-            <a:ext cx="8229600" cy="4853136"/>
+            <a:off x="666118" y="2308022"/>
+            <a:ext cx="7811764" cy="3871762"/>
           </a:xfrm>
         </p:spPr>
         <p:txBody>
           <a:bodyPr>
-            <a:normAutofit fontScale="92500" lnSpcReduction="20000"/>
+            <a:normAutofit/>
           </a:bodyPr>
           <a:lstStyle/>
           <a:p>
-            <a:r>
-              <a:rPr lang="ko-KR" altLang="en-US" b="1" dirty="0">
-                <a:latin typeface="210 앱굴림 R" panose="02020603020101020101" pitchFamily="18" charset="-127"/>
-                <a:ea typeface="210 앱굴림 R" panose="02020603020101020101" pitchFamily="18" charset="-127"/>
-              </a:rPr>
-              <a:t>컴포넌트의 청사진이다</a:t>
-            </a:r>
-            <a:endParaRPr lang="en-US" altLang="ko-KR" b="1" dirty="0">
-              <a:latin typeface="210 앱굴림 R" panose="02020603020101020101" pitchFamily="18" charset="-127"/>
+            <a:pPr marL="0" indent="0">
+              <a:lnSpc>
+                <a:spcPct val="90000"/>
+              </a:lnSpc>
+              <a:buNone/>
+            </a:pPr>
+            <a:r>
+              <a:rPr lang="en-US" altLang="ko-KR" sz="1900" dirty="0">
+                <a:latin typeface="Consolas" panose="020B0609020204030204" pitchFamily="49" charset="0"/>
+              </a:rPr>
+              <a:t>using </a:t>
+            </a:r>
+            <a:r>
+              <a:rPr lang="en-US" altLang="ko-KR" sz="1900" dirty="0" err="1">
+                <a:latin typeface="Consolas" panose="020B0609020204030204" pitchFamily="49" charset="0"/>
+              </a:rPr>
+              <a:t>UnityEngine</a:t>
+            </a:r>
+            <a:r>
+              <a:rPr lang="en-US" altLang="ko-KR" sz="1900" dirty="0">
+                <a:latin typeface="Consolas" panose="020B0609020204030204" pitchFamily="49" charset="0"/>
+              </a:rPr>
+              <a:t>; </a:t>
+            </a:r>
+          </a:p>
+          <a:p>
+            <a:pPr marL="0" indent="0">
+              <a:lnSpc>
+                <a:spcPct val="90000"/>
+              </a:lnSpc>
+              <a:buNone/>
+            </a:pPr>
+            <a:r>
+              <a:rPr lang="en-US" altLang="ko-KR" sz="1900" dirty="0">
+                <a:latin typeface="Consolas" panose="020B0609020204030204" pitchFamily="49" charset="0"/>
+              </a:rPr>
+              <a:t>using </a:t>
+            </a:r>
+            <a:r>
+              <a:rPr lang="en-US" altLang="ko-KR" sz="1900" dirty="0" err="1">
+                <a:latin typeface="Consolas" panose="020B0609020204030204" pitchFamily="49" charset="0"/>
+              </a:rPr>
+              <a:t>System.Collections</a:t>
+            </a:r>
+            <a:r>
+              <a:rPr lang="en-US" altLang="ko-KR" sz="1900" dirty="0">
+                <a:latin typeface="Consolas" panose="020B0609020204030204" pitchFamily="49" charset="0"/>
+              </a:rPr>
+              <a:t>;</a:t>
+            </a:r>
+          </a:p>
+          <a:p>
+            <a:pPr marL="0" indent="0">
+              <a:lnSpc>
+                <a:spcPct val="90000"/>
+              </a:lnSpc>
+              <a:buNone/>
+            </a:pPr>
+            <a:r>
+              <a:rPr lang="en-US" altLang="ko-KR" sz="1900" dirty="0">
+                <a:latin typeface="Consolas" panose="020B0609020204030204" pitchFamily="49" charset="0"/>
+              </a:rPr>
+              <a:t>public class </a:t>
+            </a:r>
+            <a:r>
+              <a:rPr lang="en-US" altLang="ko-KR" sz="1900" dirty="0" err="1">
+                <a:latin typeface="Consolas" panose="020B0609020204030204" pitchFamily="49" charset="0"/>
+              </a:rPr>
+              <a:t>NewScript</a:t>
+            </a:r>
+            <a:r>
+              <a:rPr lang="en-US" altLang="ko-KR" sz="1900" dirty="0">
+                <a:latin typeface="Consolas" panose="020B0609020204030204" pitchFamily="49" charset="0"/>
+              </a:rPr>
+              <a:t> : </a:t>
+            </a:r>
+            <a:r>
+              <a:rPr lang="en-US" altLang="ko-KR" sz="1900" dirty="0" err="1">
+                <a:latin typeface="Consolas" panose="020B0609020204030204" pitchFamily="49" charset="0"/>
+              </a:rPr>
+              <a:t>MonoBehaviour</a:t>
+            </a:r>
+            <a:r>
+              <a:rPr lang="en-US" altLang="ko-KR" sz="1900" dirty="0">
+                <a:latin typeface="Consolas" panose="020B0609020204030204" pitchFamily="49" charset="0"/>
+              </a:rPr>
+              <a:t> {</a:t>
+            </a:r>
+          </a:p>
+          <a:p>
+            <a:pPr marL="0" indent="0">
+              <a:lnSpc>
+                <a:spcPct val="90000"/>
+              </a:lnSpc>
+              <a:buNone/>
+            </a:pPr>
+            <a:r>
+              <a:rPr lang="en-US" altLang="ko-KR" sz="1900" dirty="0">
+                <a:latin typeface="Consolas" panose="020B0609020204030204" pitchFamily="49" charset="0"/>
+              </a:rPr>
+              <a:t>    // Use this for initialization </a:t>
+            </a:r>
+          </a:p>
+          <a:p>
+            <a:pPr marL="0" indent="0">
+              <a:lnSpc>
+                <a:spcPct val="90000"/>
+              </a:lnSpc>
+              <a:buNone/>
+            </a:pPr>
+            <a:r>
+              <a:rPr lang="en-US" altLang="ko-KR" sz="1900" dirty="0">
+                <a:latin typeface="Consolas" panose="020B0609020204030204" pitchFamily="49" charset="0"/>
+              </a:rPr>
+              <a:t>    void Start () { </a:t>
+            </a:r>
+          </a:p>
+          <a:p>
+            <a:pPr marL="0" indent="0">
+              <a:lnSpc>
+                <a:spcPct val="90000"/>
+              </a:lnSpc>
+              <a:buNone/>
+            </a:pPr>
+            <a:endParaRPr lang="en-US" altLang="ko-KR" sz="1900" dirty="0">
+              <a:latin typeface="Consolas" panose="020B0609020204030204" pitchFamily="49" charset="0"/>
+            </a:endParaRPr>
+          </a:p>
+          <a:p>
+            <a:pPr marL="0" indent="0">
+              <a:lnSpc>
+                <a:spcPct val="90000"/>
+              </a:lnSpc>
+              <a:buNone/>
+            </a:pPr>
+            <a:r>
+              <a:rPr lang="en-US" altLang="ko-KR" sz="1900" dirty="0">
+                <a:latin typeface="Consolas" panose="020B0609020204030204" pitchFamily="49" charset="0"/>
+              </a:rPr>
+              <a:t>    } </a:t>
+            </a:r>
+          </a:p>
+          <a:p>
+            <a:pPr marL="0" indent="0">
+              <a:lnSpc>
+                <a:spcPct val="90000"/>
+              </a:lnSpc>
+              <a:buNone/>
+            </a:pPr>
+            <a:r>
+              <a:rPr lang="en-US" altLang="ko-KR" sz="1900" dirty="0">
+                <a:latin typeface="Consolas" panose="020B0609020204030204" pitchFamily="49" charset="0"/>
+              </a:rPr>
+              <a:t>    // Update is called once per frame </a:t>
+            </a:r>
+          </a:p>
+          <a:p>
+            <a:pPr marL="0" indent="0">
+              <a:lnSpc>
+                <a:spcPct val="90000"/>
+              </a:lnSpc>
+              <a:buNone/>
+            </a:pPr>
+            <a:r>
+              <a:rPr lang="en-US" altLang="ko-KR" sz="1900" dirty="0">
+                <a:latin typeface="Consolas" panose="020B0609020204030204" pitchFamily="49" charset="0"/>
+              </a:rPr>
+              <a:t>    void Update () { </a:t>
+            </a:r>
+          </a:p>
+          <a:p>
+            <a:pPr marL="0" indent="0">
+              <a:lnSpc>
+                <a:spcPct val="90000"/>
+              </a:lnSpc>
+              <a:buNone/>
+            </a:pPr>
+            <a:endParaRPr lang="en-US" altLang="ko-KR" sz="1900" dirty="0">
+              <a:latin typeface="Consolas" panose="020B0609020204030204" pitchFamily="49" charset="0"/>
+            </a:endParaRPr>
+          </a:p>
+          <a:p>
+            <a:pPr marL="0" indent="0">
+              <a:lnSpc>
+                <a:spcPct val="90000"/>
+              </a:lnSpc>
+              <a:buNone/>
+            </a:pPr>
+            <a:r>
+              <a:rPr lang="en-US" altLang="ko-KR" sz="1900" dirty="0">
+                <a:latin typeface="Consolas" panose="020B0609020204030204" pitchFamily="49" charset="0"/>
+              </a:rPr>
+              <a:t>    } </a:t>
+            </a:r>
+          </a:p>
+          <a:p>
+            <a:pPr marL="0" indent="0">
+              <a:lnSpc>
+                <a:spcPct val="90000"/>
+              </a:lnSpc>
+              <a:buNone/>
+            </a:pPr>
+            <a:r>
+              <a:rPr lang="en-US" altLang="ko-KR" sz="1900" dirty="0">
+                <a:latin typeface="Consolas" panose="020B0609020204030204" pitchFamily="49" charset="0"/>
+              </a:rPr>
+              <a:t>}</a:t>
+            </a:r>
+            <a:endParaRPr lang="ko-KR" altLang="en-US" sz="1900" dirty="0">
+              <a:latin typeface="Consolas" panose="020B0609020204030204" pitchFamily="49" charset="0"/>
               <a:ea typeface="210 앱굴림 R" panose="02020603020101020101" pitchFamily="18" charset="-127"/>
             </a:endParaRPr>
           </a:p>
-          <a:p>
+        </p:txBody>
+      </p:sp>
+      <p:sp>
+        <p:nvSpPr>
+          <p:cNvPr id="6" name="직사각형 5">
+            <a:extLst>
+              <a:ext uri="{FF2B5EF4-FFF2-40B4-BE49-F238E27FC236}">
+                <a16:creationId xmlns:a16="http://schemas.microsoft.com/office/drawing/2014/main" id="{36CE3E9D-3E30-4F67-A31B-63137FDBD393}"/>
+              </a:ext>
+            </a:extLst>
+          </p:cNvPr>
+          <p:cNvSpPr/>
+          <p:nvPr/>
+        </p:nvSpPr>
+        <p:spPr>
+          <a:xfrm>
+            <a:off x="648368" y="1586111"/>
+            <a:ext cx="3079689" cy="461665"/>
+          </a:xfrm>
+          <a:prstGeom prst="rect">
+            <a:avLst/>
+          </a:prstGeom>
+        </p:spPr>
+        <p:txBody>
+          <a:bodyPr wrap="none">
+            <a:spAutoFit/>
+          </a:bodyPr>
+          <a:lstStyle/>
+          <a:p>
+            <a:r>
+              <a:rPr lang="ko-KR" altLang="en-US" sz="2400" b="1" dirty="0">
+                <a:latin typeface="Consolas" panose="020B0609020204030204" pitchFamily="49" charset="0"/>
+                <a:ea typeface="210 앱굴림 R" panose="02020603020101020101" pitchFamily="18" charset="-127"/>
+              </a:rPr>
+              <a:t>컴포넌트의 청사진이다</a:t>
+            </a:r>
             <a:endParaRPr lang="en-US" altLang="ko-KR" sz="2400" b="1" dirty="0">
-              <a:latin typeface="210 앱굴림 R" panose="02020603020101020101" pitchFamily="18" charset="-127"/>
-              <a:ea typeface="210 앱굴림 R" panose="02020603020101020101" pitchFamily="18" charset="-127"/>
-            </a:endParaRPr>
-          </a:p>
-          <a:p>
-            <a:pPr marL="0" indent="0">
-              <a:buNone/>
-            </a:pPr>
-            <a:r>
-              <a:rPr lang="en-US" altLang="ko-KR" sz="2400" dirty="0"/>
-              <a:t>using </a:t>
-            </a:r>
-            <a:r>
-              <a:rPr lang="en-US" altLang="ko-KR" sz="2400" dirty="0" err="1"/>
-              <a:t>UnityEngine</a:t>
-            </a:r>
-            <a:r>
-              <a:rPr lang="en-US" altLang="ko-KR" sz="2400" dirty="0"/>
-              <a:t>; </a:t>
-            </a:r>
-          </a:p>
-          <a:p>
-            <a:pPr marL="0" indent="0">
-              <a:buNone/>
-            </a:pPr>
-            <a:r>
-              <a:rPr lang="en-US" altLang="ko-KR" sz="2400" dirty="0"/>
-              <a:t>using </a:t>
-            </a:r>
-            <a:r>
-              <a:rPr lang="en-US" altLang="ko-KR" sz="2400" dirty="0" err="1"/>
-              <a:t>System.Collections</a:t>
-            </a:r>
-            <a:r>
-              <a:rPr lang="en-US" altLang="ko-KR" sz="2400" dirty="0"/>
-              <a:t>;</a:t>
-            </a:r>
-          </a:p>
-          <a:p>
-            <a:pPr marL="0" indent="0">
-              <a:buNone/>
-            </a:pPr>
-            <a:r>
-              <a:rPr lang="en-US" altLang="ko-KR" sz="2400" dirty="0"/>
-              <a:t>public class </a:t>
-            </a:r>
-            <a:r>
-              <a:rPr lang="en-US" altLang="ko-KR" sz="2400" dirty="0" err="1"/>
-              <a:t>NewScript</a:t>
-            </a:r>
-            <a:r>
-              <a:rPr lang="en-US" altLang="ko-KR" sz="2400" dirty="0"/>
-              <a:t> : </a:t>
-            </a:r>
-            <a:r>
-              <a:rPr lang="en-US" altLang="ko-KR" sz="2400" dirty="0" err="1"/>
-              <a:t>MonoBehaviour</a:t>
-            </a:r>
-            <a:r>
-              <a:rPr lang="en-US" altLang="ko-KR" sz="2400" dirty="0"/>
-              <a:t> {</a:t>
-            </a:r>
-          </a:p>
-          <a:p>
-            <a:pPr marL="0" indent="0">
-              <a:buNone/>
-            </a:pPr>
-            <a:r>
-              <a:rPr lang="en-US" altLang="ko-KR" sz="2400" dirty="0"/>
-              <a:t>    // Use this for initialization </a:t>
-            </a:r>
-          </a:p>
-          <a:p>
-            <a:pPr marL="0" indent="0">
-              <a:buNone/>
-            </a:pPr>
-            <a:r>
-              <a:rPr lang="en-US" altLang="ko-KR" sz="2400" dirty="0"/>
-              <a:t>    void Start () { </a:t>
-            </a:r>
-          </a:p>
-          <a:p>
-            <a:pPr marL="0" indent="0">
-              <a:buNone/>
-            </a:pPr>
-            <a:endParaRPr lang="en-US" altLang="ko-KR" sz="2400" dirty="0"/>
-          </a:p>
-          <a:p>
-            <a:pPr marL="0" indent="0">
-              <a:buNone/>
-            </a:pPr>
-            <a:r>
-              <a:rPr lang="en-US" altLang="ko-KR" sz="2400" dirty="0"/>
-              <a:t>    } </a:t>
-            </a:r>
-          </a:p>
-          <a:p>
-            <a:pPr marL="0" indent="0">
-              <a:buNone/>
-            </a:pPr>
-            <a:r>
-              <a:rPr lang="en-US" altLang="ko-KR" sz="2400" dirty="0"/>
-              <a:t>    // Update is called once per frame </a:t>
-            </a:r>
-          </a:p>
-          <a:p>
-            <a:pPr marL="0" indent="0">
-              <a:buNone/>
-            </a:pPr>
-            <a:r>
-              <a:rPr lang="en-US" altLang="ko-KR" sz="2400" dirty="0"/>
-              <a:t>    void Update () { </a:t>
-            </a:r>
-          </a:p>
-          <a:p>
-            <a:pPr marL="0" indent="0">
-              <a:buNone/>
-            </a:pPr>
-            <a:endParaRPr lang="en-US" altLang="ko-KR" sz="2400" dirty="0"/>
-          </a:p>
-          <a:p>
-            <a:pPr marL="0" indent="0">
-              <a:buNone/>
-            </a:pPr>
-            <a:r>
-              <a:rPr lang="en-US" altLang="ko-KR" sz="2400" dirty="0"/>
-              <a:t>    } </a:t>
-            </a:r>
-          </a:p>
-          <a:p>
-            <a:pPr marL="0" indent="0">
-              <a:buNone/>
-            </a:pPr>
-            <a:r>
-              <a:rPr lang="en-US" altLang="ko-KR" sz="2400" dirty="0"/>
-              <a:t>}</a:t>
-            </a:r>
-            <a:endParaRPr lang="ko-KR" altLang="en-US" sz="2400" dirty="0">
-              <a:latin typeface="210 앱굴림 R" panose="02020603020101020101" pitchFamily="18" charset="-127"/>
+              <a:latin typeface="Consolas" panose="020B0609020204030204" pitchFamily="49" charset="0"/>
               <a:ea typeface="210 앱굴림 R" panose="02020603020101020101" pitchFamily="18" charset="-127"/>
             </a:endParaRPr>
           </a:p>
@@ -9145,13 +10463,18 @@
             <p:ph type="title"/>
           </p:nvPr>
         </p:nvSpPr>
-        <p:spPr/>
+        <p:spPr>
+          <a:xfrm>
+            <a:off x="457200" y="274638"/>
+            <a:ext cx="8229600" cy="1143000"/>
+          </a:xfrm>
+        </p:spPr>
         <p:txBody>
           <a:bodyPr/>
           <a:lstStyle/>
           <a:p>
             <a:r>
-              <a:rPr lang="en-US" altLang="ko-KR" dirty="0">
+              <a:rPr lang="en-US" altLang="ko-KR">
                 <a:latin typeface="210 앱굴림 R" panose="02020603020101020101" pitchFamily="18" charset="-127"/>
                 <a:ea typeface="210 앱굴림 R" panose="02020603020101020101" pitchFamily="18" charset="-127"/>
               </a:rPr>
@@ -9180,7 +10503,12 @@
             <p:ph idx="1"/>
           </p:nvPr>
         </p:nvSpPr>
-        <p:spPr/>
+        <p:spPr>
+          <a:xfrm>
+            <a:off x="457200" y="1600200"/>
+            <a:ext cx="8229600" cy="4525963"/>
+          </a:xfrm>
+        </p:spPr>
         <p:txBody>
           <a:bodyPr>
             <a:normAutofit lnSpcReduction="10000"/>
@@ -9191,28 +10519,28 @@
               <a:buNone/>
             </a:pPr>
             <a:r>
-              <a:rPr lang="ko-KR" altLang="en-US" dirty="0">
+              <a:rPr lang="ko-KR" altLang="en-US">
                 <a:latin typeface="210 앱굴림 L" panose="02020603020101020101" pitchFamily="18" charset="-127"/>
                 <a:ea typeface="210 앱굴림 L" panose="02020603020101020101" pitchFamily="18" charset="-127"/>
               </a:rPr>
               <a:t>게임 오브젝트의 동작은 연결 된 </a:t>
             </a:r>
             <a:r>
-              <a:rPr lang="en-US" altLang="ko-KR" dirty="0">
+              <a:rPr lang="en-US" altLang="ko-KR">
                 <a:latin typeface="210 앱굴림 L" panose="02020603020101020101" pitchFamily="18" charset="-127"/>
                 <a:ea typeface="210 앱굴림 L" panose="02020603020101020101" pitchFamily="18" charset="-127"/>
               </a:rPr>
               <a:t>Components</a:t>
             </a:r>
             <a:r>
-              <a:rPr lang="ko-KR" altLang="en-US" dirty="0">
+              <a:rPr lang="ko-KR" altLang="en-US">
                 <a:latin typeface="210 앱굴림 L" panose="02020603020101020101" pitchFamily="18" charset="-127"/>
                 <a:ea typeface="210 앱굴림 L" panose="02020603020101020101" pitchFamily="18" charset="-127"/>
               </a:rPr>
               <a:t>에 의해 제어됩니다</a:t>
             </a:r>
             <a:r>
-              <a:rPr lang="en-US" altLang="ko-KR" dirty="0">
+              <a:rPr lang="en-US" altLang="ko-KR">
                 <a:latin typeface="210 앱굴림 L" panose="02020603020101020101" pitchFamily="18" charset="-127"/>
                 <a:ea typeface="210 앱굴림 L" panose="02020603020101020101" pitchFamily="18" charset="-127"/>
               </a:rPr>
@@ -9224,34 +10552,34 @@
               <a:buNone/>
             </a:pPr>
             <a:r>
-              <a:rPr lang="en-US" altLang="ko-KR" dirty="0">
+              <a:rPr lang="en-US" altLang="ko-KR">
                 <a:latin typeface="210 앱굴림 L" panose="02020603020101020101" pitchFamily="18" charset="-127"/>
                 <a:ea typeface="210 앱굴림 L" panose="02020603020101020101" pitchFamily="18" charset="-127"/>
               </a:rPr>
               <a:t>Unity </a:t>
             </a:r>
             <a:r>
-              <a:rPr lang="ko-KR" altLang="en-US" dirty="0">
+              <a:rPr lang="ko-KR" altLang="en-US">
                 <a:latin typeface="210 앱굴림 L" panose="02020603020101020101" pitchFamily="18" charset="-127"/>
                 <a:ea typeface="210 앱굴림 L" panose="02020603020101020101" pitchFamily="18" charset="-127"/>
               </a:rPr>
               <a:t>기본 컴포넌트는 다양한 목적으로 사용할 수 있지만 우리가 게임 기능을 구현하려면 충분하지 않을 때가 많습니다</a:t>
             </a:r>
             <a:r>
-              <a:rPr lang="en-US" altLang="ko-KR" dirty="0">
+              <a:rPr lang="en-US" altLang="ko-KR">
                 <a:latin typeface="210 앱굴림 L" panose="02020603020101020101" pitchFamily="18" charset="-127"/>
                 <a:ea typeface="210 앱굴림 L" panose="02020603020101020101" pitchFamily="18" charset="-127"/>
               </a:rPr>
               <a:t>.</a:t>
             </a:r>
             <a:r>
-              <a:rPr lang="ko-KR" altLang="en-US" dirty="0">
+              <a:rPr lang="ko-KR" altLang="en-US">
                 <a:latin typeface="210 앱굴림 L" panose="02020603020101020101" pitchFamily="18" charset="-127"/>
                 <a:ea typeface="210 앱굴림 L" panose="02020603020101020101" pitchFamily="18" charset="-127"/>
               </a:rPr>
               <a:t> </a:t>
             </a:r>
-            <a:endParaRPr lang="en-US" altLang="ko-KR" dirty="0">
+            <a:endParaRPr lang="en-US" altLang="ko-KR">
               <a:latin typeface="210 앱굴림 L" panose="02020603020101020101" pitchFamily="18" charset="-127"/>
               <a:ea typeface="210 앱굴림 L" panose="02020603020101020101" pitchFamily="18" charset="-127"/>
             </a:endParaRPr>
@@ -9261,63 +10589,63 @@
               <a:buNone/>
             </a:pPr>
             <a:r>
-              <a:rPr lang="en-US" altLang="ko-KR" dirty="0">
+              <a:rPr lang="en-US" altLang="ko-KR">
                 <a:latin typeface="210 앱굴림 L" panose="02020603020101020101" pitchFamily="18" charset="-127"/>
                 <a:ea typeface="210 앱굴림 L" panose="02020603020101020101" pitchFamily="18" charset="-127"/>
               </a:rPr>
               <a:t>Script</a:t>
             </a:r>
             <a:r>
-              <a:rPr lang="ko-KR" altLang="en-US" dirty="0">
+              <a:rPr lang="ko-KR" altLang="en-US">
                 <a:latin typeface="210 앱굴림 L" panose="02020603020101020101" pitchFamily="18" charset="-127"/>
                 <a:ea typeface="210 앱굴림 L" panose="02020603020101020101" pitchFamily="18" charset="-127"/>
               </a:rPr>
               <a:t>를 사용하여 사용자 정의 컴포넌트를 생성하면 게임의 이벤트 시작</a:t>
             </a:r>
             <a:r>
-              <a:rPr lang="en-US" altLang="ko-KR" dirty="0">
+              <a:rPr lang="en-US" altLang="ko-KR">
                 <a:latin typeface="210 앱굴림 L" panose="02020603020101020101" pitchFamily="18" charset="-127"/>
                 <a:ea typeface="210 앱굴림 L" panose="02020603020101020101" pitchFamily="18" charset="-127"/>
               </a:rPr>
               <a:t>, </a:t>
             </a:r>
             <a:r>
-              <a:rPr lang="ko-KR" altLang="en-US" dirty="0">
+              <a:rPr lang="ko-KR" altLang="en-US">
                 <a:latin typeface="210 앱굴림 L" panose="02020603020101020101" pitchFamily="18" charset="-127"/>
                 <a:ea typeface="210 앱굴림 L" panose="02020603020101020101" pitchFamily="18" charset="-127"/>
               </a:rPr>
               <a:t>시간이 지남에 따라 컴포넌트의 속성을 수정</a:t>
             </a:r>
             <a:r>
-              <a:rPr lang="en-US" altLang="ko-KR" dirty="0">
+              <a:rPr lang="en-US" altLang="ko-KR">
                 <a:latin typeface="210 앱굴림 L" panose="02020603020101020101" pitchFamily="18" charset="-127"/>
                 <a:ea typeface="210 앱굴림 L" panose="02020603020101020101" pitchFamily="18" charset="-127"/>
               </a:rPr>
               <a:t>, </a:t>
             </a:r>
             <a:r>
-              <a:rPr lang="ko-KR" altLang="en-US" dirty="0">
+              <a:rPr lang="ko-KR" altLang="en-US">
                 <a:latin typeface="210 앱굴림 L" panose="02020603020101020101" pitchFamily="18" charset="-127"/>
                 <a:ea typeface="210 앱굴림 L" panose="02020603020101020101" pitchFamily="18" charset="-127"/>
               </a:rPr>
               <a:t>사용자 입력 작업에 대한 반응</a:t>
             </a:r>
             <a:r>
-              <a:rPr lang="en-US" altLang="ko-KR" dirty="0">
+              <a:rPr lang="en-US" altLang="ko-KR">
                 <a:latin typeface="210 앱굴림 L" panose="02020603020101020101" pitchFamily="18" charset="-127"/>
                 <a:ea typeface="210 앱굴림 L" panose="02020603020101020101" pitchFamily="18" charset="-127"/>
               </a:rPr>
               <a:t>, …</a:t>
             </a:r>
             <a:r>
-              <a:rPr lang="ko-KR" altLang="en-US" dirty="0">
+              <a:rPr lang="ko-KR" altLang="en-US">
                 <a:latin typeface="210 앱굴림 L" panose="02020603020101020101" pitchFamily="18" charset="-127"/>
                 <a:ea typeface="210 앱굴림 L" panose="02020603020101020101" pitchFamily="18" charset="-127"/>
               </a:rPr>
               <a:t>이 가능합니다</a:t>
             </a:r>
             <a:r>
-              <a:rPr lang="en-US" altLang="ko-KR" dirty="0">
+              <a:rPr lang="en-US" altLang="ko-KR">
                 <a:latin typeface="210 앱굴림 L" panose="02020603020101020101" pitchFamily="18" charset="-127"/>
                 <a:ea typeface="210 앱굴림 L" panose="02020603020101020101" pitchFamily="18" charset="-127"/>
               </a:rPr>
@@ -9825,6 +11153,29 @@
               </a:rPr>
               <a:t>매 프레임마다 호출한다</a:t>
             </a:r>
+            <a:endParaRPr lang="en-US" altLang="ko-KR" dirty="0">
+              <a:latin typeface="210 앱굴림 R" panose="02020603020101020101" pitchFamily="18" charset="-127"/>
+              <a:ea typeface="210 앱굴림 R" panose="02020603020101020101" pitchFamily="18" charset="-127"/>
+            </a:endParaRPr>
+          </a:p>
+          <a:p>
+            <a:endParaRPr lang="en-US" altLang="ko-KR" dirty="0">
+              <a:latin typeface="210 앱굴림 R" panose="02020603020101020101" pitchFamily="18" charset="-127"/>
+              <a:ea typeface="210 앱굴림 R" panose="02020603020101020101" pitchFamily="18" charset="-127"/>
+            </a:endParaRPr>
+          </a:p>
+          <a:p>
+            <a:r>
+              <a:rPr lang="en-US" altLang="ko-KR" dirty="0">
+                <a:latin typeface="210 앱굴림 R" panose="02020603020101020101" pitchFamily="18" charset="-127"/>
+                <a:ea typeface="210 앱굴림 R" panose="02020603020101020101" pitchFamily="18" charset="-127"/>
+              </a:rPr>
+              <a:t>Fps(Frame Per Second)</a:t>
+            </a:r>
+            <a:endParaRPr lang="ko-KR" altLang="en-US" dirty="0">
+              <a:latin typeface="210 앱굴림 R" panose="02020603020101020101" pitchFamily="18" charset="-127"/>
+              <a:ea typeface="210 앱굴림 R" panose="02020603020101020101" pitchFamily="18" charset="-127"/>
+            </a:endParaRPr>
           </a:p>
         </p:txBody>
       </p:sp>
@@ -9958,7 +11309,7 @@
                 <a:latin typeface="210 앱굴림 R" panose="02020603020101020101" pitchFamily="18" charset="-127"/>
                 <a:ea typeface="210 앱굴림 R" panose="02020603020101020101" pitchFamily="18" charset="-127"/>
               </a:rPr>
-              <a:t>콘솔창에 </a:t>
+              <a:t> 콘솔창에 </a:t>
             </a:r>
             <a:r>
               <a:rPr lang="en-US" altLang="ko-KR" dirty="0">
@@ -10312,6 +11663,14 @@
 <file path=ppt/slides/slide4.xml><?xml version="1.0" encoding="utf-8"?>
 <p:sld xmlns:a="http://schemas.openxmlformats.org/drawingml/2006/main" xmlns:r="http://schemas.openxmlformats.org/officeDocument/2006/relationships" xmlns:p="http://schemas.openxmlformats.org/presentationml/2006/main">
   <p:cSld>
+    <p:bg>
+      <p:bgPr>
+        <a:solidFill>
+          <a:schemeClr val="bg1"/>
+        </a:solidFill>
+        <a:effectLst/>
+      </p:bgPr>
+    </p:bg>
     <p:spTree>
       <p:nvGrpSpPr>
         <p:cNvPr id="1" name=""/>
@@ -10328,6 +11687,71 @@
       </p:grpSpPr>
       <p:sp>
         <p:nvSpPr>
+          <p:cNvPr id="7" name="Rectangle 6">
+            <a:extLst>
+              <a:ext uri="{FF2B5EF4-FFF2-40B4-BE49-F238E27FC236}">
+                <a16:creationId xmlns:a16="http://schemas.microsoft.com/office/drawing/2014/main" id="{6F9EB9F2-07E2-4D64-BBD8-BB5B217F1218}"/>
+              </a:ext>
+              <a:ext uri="{C183D7F6-B498-43B3-948B-1728B52AA6E4}">
+                <adec:decorative xmlns:adec="http://schemas.microsoft.com/office/drawing/2017/decorative" val="1"/>
+              </a:ext>
+            </a:extLst>
+          </p:cNvPr>
+          <p:cNvSpPr>
+            <a:spLocks noGrp="1" noRot="1" noChangeAspect="1" noMove="1" noResize="1" noEditPoints="1" noAdjustHandles="1" noChangeArrowheads="1" noChangeShapeType="1" noTextEdit="1"/>
+          </p:cNvSpPr>
+          <p:nvPr>
+            <p:extLst>
+              <p:ext uri="{386F3935-93C4-4BCD-93E2-E3B085C9AB24}">
+                <p16:designElem xmlns:p16="http://schemas.microsoft.com/office/powerpoint/2015/main" val="1"/>
+              </p:ext>
+            </p:extLst>
+          </p:nvPr>
+        </p:nvSpPr>
+        <p:spPr bwMode="ltGray">
+          <a:xfrm>
+            <a:off x="241173" y="320040"/>
+            <a:ext cx="8661654" cy="6217920"/>
+          </a:xfrm>
+          <a:prstGeom prst="rect">
+            <a:avLst/>
+          </a:prstGeom>
+          <a:solidFill>
+            <a:schemeClr val="tx1">
+              <a:alpha val="12000"/>
+            </a:schemeClr>
+          </a:solidFill>
+          <a:ln w="127000" cap="sq" cmpd="thinThick">
+            <a:noFill/>
+          </a:ln>
+        </p:spPr>
+        <p:style>
+          <a:lnRef idx="2">
+            <a:schemeClr val="accent1">
+              <a:shade val="50000"/>
+            </a:schemeClr>
+          </a:lnRef>
+          <a:fillRef idx="1">
+            <a:schemeClr val="accent1"/>
+          </a:fillRef>
+          <a:effectRef idx="0">
+            <a:schemeClr val="accent1"/>
+          </a:effectRef>
+          <a:fontRef idx="minor">
+            <a:schemeClr val="lt1"/>
+          </a:fontRef>
+        </p:style>
+        <p:txBody>
+          <a:bodyPr rtlCol="0" anchor="ctr"/>
+          <a:lstStyle/>
+          <a:p>
+            <a:pPr algn="ctr"/>
+            <a:endParaRPr lang="en-US"/>
+          </a:p>
+        </p:txBody>
+      </p:sp>
+      <p:sp>
+        <p:nvSpPr>
           <p:cNvPr id="2" name="직사각형 1">
             <a:extLst>
               <a:ext uri="{FF2B5EF4-FFF2-40B4-BE49-F238E27FC236}">
@@ -10340,36 +11764,102 @@
         </p:nvSpPr>
         <p:spPr>
           <a:xfrm>
-            <a:off x="1484784" y="2767280"/>
-            <a:ext cx="6174432" cy="1323439"/>
+            <a:off x="3285441" y="965199"/>
+            <a:ext cx="5074558" cy="4927601"/>
           </a:xfrm>
           <a:prstGeom prst="rect">
             <a:avLst/>
           </a:prstGeom>
         </p:spPr>
         <p:txBody>
-          <a:bodyPr wrap="square">
-            <a:spAutoFit/>
+          <a:bodyPr vert="horz" lIns="91440" tIns="45720" rIns="91440" bIns="45720" rtlCol="0" anchor="ctr">
+            <a:normAutofit/>
           </a:bodyPr>
           <a:lstStyle/>
           <a:p>
-            <a:pPr algn="ctr"/>
-            <a:r>
-              <a:rPr lang="ko-KR" altLang="en-US" sz="8000" dirty="0">
+            <a:pPr latinLnBrk="0">
+              <a:lnSpc>
+                <a:spcPct val="90000"/>
+              </a:lnSpc>
+              <a:spcBef>
+                <a:spcPct val="0"/>
+              </a:spcBef>
+              <a:spcAft>
+                <a:spcPts val="600"/>
+              </a:spcAft>
+            </a:pPr>
+            <a:r>
+              <a:rPr lang="ko-KR" altLang="en-US" sz="4700" kern="1200" dirty="0">
                 <a:solidFill>
-                  <a:schemeClr val="accent6">
-                    <a:lumMod val="60000"/>
-                    <a:lumOff val="40000"/>
+                  <a:schemeClr val="tx1">
+                    <a:lumMod val="85000"/>
+                    <a:lumOff val="15000"/>
                   </a:schemeClr>
                 </a:solidFill>
-                <a:latin typeface="210 앱굴림 R" panose="02020603020101020101" pitchFamily="18" charset="-127"/>
-                <a:ea typeface="210 앱굴림 R" panose="02020603020101020101" pitchFamily="18" charset="-127"/>
+                <a:latin typeface="210 앱굴림 B" panose="02020603020101020101" pitchFamily="18" charset="-127"/>
+                <a:ea typeface="210 앱굴림 B" panose="02020603020101020101" pitchFamily="18" charset="-127"/>
+                <a:cs typeface="+mj-cs"/>
               </a:rPr>
               <a:t>유니티 소개</a:t>
             </a:r>
           </a:p>
         </p:txBody>
       </p:sp>
+      <p:cxnSp>
+        <p:nvCxnSpPr>
+          <p:cNvPr id="9" name="Straight Connector 8">
+            <a:extLst>
+              <a:ext uri="{FF2B5EF4-FFF2-40B4-BE49-F238E27FC236}">
+                <a16:creationId xmlns:a16="http://schemas.microsoft.com/office/drawing/2014/main" id="{F0C57C7C-DFE9-4A1E-B7A9-DF40E63366BB}"/>
+              </a:ext>
+              <a:ext uri="{C183D7F6-B498-43B3-948B-1728B52AA6E4}">
+                <adec:decorative xmlns:adec="http://schemas.microsoft.com/office/drawing/2017/decorative" val="1"/>
+              </a:ext>
+            </a:extLst>
+          </p:cNvPr>
+          <p:cNvCxnSpPr>
+            <a:cxnSpLocks noGrp="1" noRot="1" noChangeAspect="1" noMove="1" noResize="1" noEditPoints="1" noAdjustHandles="1" noChangeArrowheads="1" noChangeShapeType="1"/>
+          </p:cNvCxnSpPr>
+          <p:nvPr>
+            <p:extLst>
+              <p:ext uri="{386F3935-93C4-4BCD-93E2-E3B085C9AB24}">
+                <p16:designElem xmlns:p16="http://schemas.microsoft.com/office/powerpoint/2015/main" val="1"/>
+              </p:ext>
+            </p:extLst>
+          </p:nvPr>
+        </p:nvCxnSpPr>
+        <p:spPr>
+          <a:xfrm>
+            <a:off x="3041918" y="2057399"/>
+            <a:ext cx="0" cy="2743200"/>
+          </a:xfrm>
+          <a:prstGeom prst="line">
+            <a:avLst/>
+          </a:prstGeom>
+          <a:ln w="19050">
+            <a:solidFill>
+              <a:schemeClr val="tx1">
+                <a:lumMod val="85000"/>
+                <a:lumOff val="15000"/>
+              </a:schemeClr>
+            </a:solidFill>
+          </a:ln>
+        </p:spPr>
+        <p:style>
+          <a:lnRef idx="1">
+            <a:schemeClr val="accent1"/>
+          </a:lnRef>
+          <a:fillRef idx="0">
+            <a:schemeClr val="accent1"/>
+          </a:fillRef>
+          <a:effectRef idx="0">
+            <a:schemeClr val="accent1"/>
+          </a:effectRef>
+          <a:fontRef idx="minor">
+            <a:schemeClr val="tx1"/>
+          </a:fontRef>
+        </p:style>
+      </p:cxnSp>
     </p:spTree>
     <p:extLst>
       <p:ext uri="{BB962C8B-B14F-4D97-AF65-F5344CB8AC3E}">
@@ -10454,7 +11944,7 @@
         <p:spPr/>
         <p:txBody>
           <a:bodyPr>
-            <a:normAutofit lnSpcReduction="10000"/>
+            <a:normAutofit/>
           </a:bodyPr>
           <a:lstStyle/>
           <a:p>
@@ -10481,7 +11971,24 @@
               <a:t>	</a:t>
             </a:r>
             <a:r>
+              <a:rPr lang="en-US" altLang="ko-KR" dirty="0">
+                <a:solidFill>
+                  <a:schemeClr val="accent3">
+                    <a:lumMod val="50000"/>
+                  </a:schemeClr>
+                </a:solidFill>
+                <a:latin typeface="210 앱굴림 R" panose="02020603020101020101" pitchFamily="18" charset="-127"/>
+                <a:ea typeface="210 앱굴림 R" panose="02020603020101020101" pitchFamily="18" charset="-127"/>
+              </a:rPr>
+              <a:t>// </a:t>
+            </a:r>
+            <a:r>
               <a:rPr lang="ko-KR" altLang="en-US" dirty="0">
+                <a:solidFill>
+                  <a:schemeClr val="accent3">
+                    <a:lumMod val="50000"/>
+                  </a:schemeClr>
+                </a:solidFill>
                 <a:latin typeface="210 앱굴림 R" panose="02020603020101020101" pitchFamily="18" charset="-127"/>
                 <a:ea typeface="210 앱굴림 R" panose="02020603020101020101" pitchFamily="18" charset="-127"/>
               </a:rPr>
@@ -10489,6 +11996,11 @@
             </a:r>
             <a:r>
               <a:rPr lang="en-US" altLang="ko-KR" dirty="0">
+                <a:solidFill>
+                  <a:schemeClr val="accent3">
+                    <a:lumMod val="50000"/>
+                  </a:schemeClr>
+                </a:solidFill>
                 <a:latin typeface="210 앱굴림 R" panose="02020603020101020101" pitchFamily="18" charset="-127"/>
                 <a:ea typeface="210 앱굴림 R" panose="02020603020101020101" pitchFamily="18" charset="-127"/>
               </a:rPr>
@@ -10496,12 +12008,22 @@
             </a:r>
             <a:r>
               <a:rPr lang="ko-KR" altLang="en-US" dirty="0">
+                <a:solidFill>
+                  <a:schemeClr val="accent3">
+                    <a:lumMod val="50000"/>
+                  </a:schemeClr>
+                </a:solidFill>
                 <a:latin typeface="210 앱굴림 R" panose="02020603020101020101" pitchFamily="18" charset="-127"/>
                 <a:ea typeface="210 앱굴림 R" panose="02020603020101020101" pitchFamily="18" charset="-127"/>
               </a:rPr>
               <a:t>미터 움직이라는 내용</a:t>
             </a:r>
             <a:endParaRPr lang="en-US" altLang="ko-KR" dirty="0">
+              <a:solidFill>
+                <a:schemeClr val="accent3">
+                  <a:lumMod val="50000"/>
+                </a:schemeClr>
+              </a:solidFill>
               <a:latin typeface="210 앱굴림 R" panose="02020603020101020101" pitchFamily="18" charset="-127"/>
               <a:ea typeface="210 앱굴림 R" panose="02020603020101020101" pitchFamily="18" charset="-127"/>
             </a:endParaRPr>
@@ -10555,21 +12077,21 @@
                 <a:latin typeface="210 앱굴림 R" panose="02020603020101020101" pitchFamily="18" charset="-127"/>
                 <a:ea typeface="210 앱굴림 R" panose="02020603020101020101" pitchFamily="18" charset="-127"/>
               </a:rPr>
-              <a:t>11 </a:t>
+              <a:t> 11	frame/sec</a:t>
             </a:r>
             <a:r>
               <a:rPr lang="ko-KR" altLang="en-US" dirty="0">
                 <a:latin typeface="210 앱굴림 R" panose="02020603020101020101" pitchFamily="18" charset="-127"/>
                 <a:ea typeface="210 앱굴림 R" panose="02020603020101020101" pitchFamily="18" charset="-127"/>
               </a:rPr>
-              <a:t>프레임 </a:t>
+              <a:t> </a:t>
             </a:r>
             <a:r>
               <a:rPr lang="en-US" altLang="ko-KR" dirty="0">
                 <a:latin typeface="210 앱굴림 R" panose="02020603020101020101" pitchFamily="18" charset="-127"/>
                 <a:ea typeface="210 앱굴림 R" panose="02020603020101020101" pitchFamily="18" charset="-127"/>
               </a:rPr>
-              <a:t>	=&gt; 1</a:t>
+              <a:t>=&gt; 1</a:t>
             </a:r>
             <a:r>
               <a:rPr lang="ko-KR" altLang="en-US" dirty="0">
@@ -10601,35 +12123,12 @@
             <a:pPr marL="0" indent="0">
               <a:buNone/>
             </a:pPr>
-            <a:endParaRPr lang="en-US" altLang="ko-KR" dirty="0">
-              <a:latin typeface="210 앱굴림 R" panose="02020603020101020101" pitchFamily="18" charset="-127"/>
-              <a:ea typeface="210 앱굴림 R" panose="02020603020101020101" pitchFamily="18" charset="-127"/>
-            </a:endParaRPr>
-          </a:p>
-          <a:p>
-            <a:pPr marL="0" indent="0">
-              <a:buNone/>
-            </a:pPr>
             <a:r>
               <a:rPr lang="en-US" altLang="ko-KR" dirty="0">
                 <a:latin typeface="210 앱굴림 R" panose="02020603020101020101" pitchFamily="18" charset="-127"/>
                 <a:ea typeface="210 앱굴림 R" panose="02020603020101020101" pitchFamily="18" charset="-127"/>
               </a:rPr>
-              <a:t>60</a:t>
-            </a:r>
-            <a:r>
-              <a:rPr lang="ko-KR" altLang="en-US" dirty="0">
-                <a:latin typeface="210 앱굴림 R" panose="02020603020101020101" pitchFamily="18" charset="-127"/>
-                <a:ea typeface="210 앱굴림 R" panose="02020603020101020101" pitchFamily="18" charset="-127"/>
-              </a:rPr>
-              <a:t>프레임</a:t>
-            </a:r>
-            <a:r>
-              <a:rPr lang="en-US" altLang="ko-KR" dirty="0">
-                <a:latin typeface="210 앱굴림 R" panose="02020603020101020101" pitchFamily="18" charset="-127"/>
-                <a:ea typeface="210 앱굴림 R" panose="02020603020101020101" pitchFamily="18" charset="-127"/>
-              </a:rPr>
-              <a:t>	=&gt; 1</a:t>
+              <a:t> 60	frame/sec =&gt; 1</a:t>
             </a:r>
             <a:r>
               <a:rPr lang="ko-KR" altLang="en-US" dirty="0">
@@ -10832,7 +12331,7 @@
               <a:t> - </a:t>
             </a:r>
             <a:r>
-              <a:rPr lang="ko-KR" altLang="en-US">
+              <a:rPr lang="ko-KR" altLang="en-US" dirty="0">
                 <a:latin typeface="210 앱굴림 R" panose="02020603020101020101" pitchFamily="18" charset="-127"/>
                 <a:ea typeface="210 앱굴림 R" panose="02020603020101020101" pitchFamily="18" charset="-127"/>
               </a:rPr>
@@ -11109,6 +12608,14 @@
 <file path=ppt/slides/slide6.xml><?xml version="1.0" encoding="utf-8"?>
 <p:sld xmlns:a="http://schemas.openxmlformats.org/drawingml/2006/main" xmlns:r="http://schemas.openxmlformats.org/officeDocument/2006/relationships" xmlns:p="http://schemas.openxmlformats.org/presentationml/2006/main">
   <p:cSld>
+    <p:bg>
+      <p:bgPr>
+        <a:solidFill>
+          <a:schemeClr val="bg1"/>
+        </a:solidFill>
+        <a:effectLst/>
+      </p:bgPr>
+    </p:bg>
     <p:spTree>
       <p:nvGrpSpPr>
         <p:cNvPr id="1" name=""/>
@@ -11125,6 +12632,71 @@
       </p:grpSpPr>
       <p:sp>
         <p:nvSpPr>
+          <p:cNvPr id="7" name="Rectangle 6">
+            <a:extLst>
+              <a:ext uri="{FF2B5EF4-FFF2-40B4-BE49-F238E27FC236}">
+                <a16:creationId xmlns:a16="http://schemas.microsoft.com/office/drawing/2014/main" id="{6F9EB9F2-07E2-4D64-BBD8-BB5B217F1218}"/>
+              </a:ext>
+              <a:ext uri="{C183D7F6-B498-43B3-948B-1728B52AA6E4}">
+                <adec:decorative xmlns:adec="http://schemas.microsoft.com/office/drawing/2017/decorative" val="1"/>
+              </a:ext>
+            </a:extLst>
+          </p:cNvPr>
+          <p:cNvSpPr>
+            <a:spLocks noGrp="1" noRot="1" noChangeAspect="1" noMove="1" noResize="1" noEditPoints="1" noAdjustHandles="1" noChangeArrowheads="1" noChangeShapeType="1" noTextEdit="1"/>
+          </p:cNvSpPr>
+          <p:nvPr>
+            <p:extLst>
+              <p:ext uri="{386F3935-93C4-4BCD-93E2-E3B085C9AB24}">
+                <p16:designElem xmlns:p16="http://schemas.microsoft.com/office/powerpoint/2015/main" val="1"/>
+              </p:ext>
+            </p:extLst>
+          </p:nvPr>
+        </p:nvSpPr>
+        <p:spPr bwMode="ltGray">
+          <a:xfrm>
+            <a:off x="241173" y="320040"/>
+            <a:ext cx="8661654" cy="6217920"/>
+          </a:xfrm>
+          <a:prstGeom prst="rect">
+            <a:avLst/>
+          </a:prstGeom>
+          <a:solidFill>
+            <a:schemeClr val="tx1">
+              <a:alpha val="12000"/>
+            </a:schemeClr>
+          </a:solidFill>
+          <a:ln w="127000" cap="sq" cmpd="thinThick">
+            <a:noFill/>
+          </a:ln>
+        </p:spPr>
+        <p:style>
+          <a:lnRef idx="2">
+            <a:schemeClr val="accent1">
+              <a:shade val="50000"/>
+            </a:schemeClr>
+          </a:lnRef>
+          <a:fillRef idx="1">
+            <a:schemeClr val="accent1"/>
+          </a:fillRef>
+          <a:effectRef idx="0">
+            <a:schemeClr val="accent1"/>
+          </a:effectRef>
+          <a:fontRef idx="minor">
+            <a:schemeClr val="lt1"/>
+          </a:fontRef>
+        </p:style>
+        <p:txBody>
+          <a:bodyPr rtlCol="0" anchor="ctr"/>
+          <a:lstStyle/>
+          <a:p>
+            <a:pPr algn="ctr"/>
+            <a:endParaRPr lang="en-US"/>
+          </a:p>
+        </p:txBody>
+      </p:sp>
+      <p:sp>
+        <p:nvSpPr>
           <p:cNvPr id="2" name="직사각형 1">
             <a:extLst>
               <a:ext uri="{FF2B5EF4-FFF2-40B4-BE49-F238E27FC236}">
@@ -11137,36 +12709,102 @@
         </p:nvSpPr>
         <p:spPr>
           <a:xfrm>
-            <a:off x="1484784" y="2767280"/>
-            <a:ext cx="6174432" cy="1323439"/>
+            <a:off x="3285441" y="965199"/>
+            <a:ext cx="5074558" cy="4927601"/>
           </a:xfrm>
           <a:prstGeom prst="rect">
             <a:avLst/>
           </a:prstGeom>
         </p:spPr>
         <p:txBody>
-          <a:bodyPr wrap="square">
-            <a:spAutoFit/>
+          <a:bodyPr vert="horz" lIns="91440" tIns="45720" rIns="91440" bIns="45720" rtlCol="0" anchor="ctr">
+            <a:normAutofit/>
           </a:bodyPr>
           <a:lstStyle/>
           <a:p>
-            <a:pPr algn="ctr"/>
-            <a:r>
-              <a:rPr lang="ko-KR" altLang="en-US" sz="8000" dirty="0">
+            <a:pPr latinLnBrk="0">
+              <a:lnSpc>
+                <a:spcPct val="90000"/>
+              </a:lnSpc>
+              <a:spcBef>
+                <a:spcPct val="0"/>
+              </a:spcBef>
+              <a:spcAft>
+                <a:spcPts val="600"/>
+              </a:spcAft>
+            </a:pPr>
+            <a:r>
+              <a:rPr lang="ko-KR" altLang="en-US" sz="4700" kern="1200" dirty="0">
                 <a:solidFill>
-                  <a:schemeClr val="accent6">
-                    <a:lumMod val="60000"/>
-                    <a:lumOff val="40000"/>
+                  <a:schemeClr val="tx1">
+                    <a:lumMod val="85000"/>
+                    <a:lumOff val="15000"/>
                   </a:schemeClr>
                 </a:solidFill>
-                <a:latin typeface="210 앱굴림 R" panose="02020603020101020101" pitchFamily="18" charset="-127"/>
-                <a:ea typeface="210 앱굴림 R" panose="02020603020101020101" pitchFamily="18" charset="-127"/>
+                <a:latin typeface="210 앱굴림 B" panose="02020603020101020101" pitchFamily="18" charset="-127"/>
+                <a:ea typeface="210 앱굴림 B" panose="02020603020101020101" pitchFamily="18" charset="-127"/>
+                <a:cs typeface="+mj-cs"/>
               </a:rPr>
               <a:t>유니티 설치</a:t>
             </a:r>
           </a:p>
         </p:txBody>
       </p:sp>
+      <p:cxnSp>
+        <p:nvCxnSpPr>
+          <p:cNvPr id="9" name="Straight Connector 8">
+            <a:extLst>
+              <a:ext uri="{FF2B5EF4-FFF2-40B4-BE49-F238E27FC236}">
+                <a16:creationId xmlns:a16="http://schemas.microsoft.com/office/drawing/2014/main" id="{F0C57C7C-DFE9-4A1E-B7A9-DF40E63366BB}"/>
+              </a:ext>
+              <a:ext uri="{C183D7F6-B498-43B3-948B-1728B52AA6E4}">
+                <adec:decorative xmlns:adec="http://schemas.microsoft.com/office/drawing/2017/decorative" val="1"/>
+              </a:ext>
+            </a:extLst>
+          </p:cNvPr>
+          <p:cNvCxnSpPr>
+            <a:cxnSpLocks noGrp="1" noRot="1" noChangeAspect="1" noMove="1" noResize="1" noEditPoints="1" noAdjustHandles="1" noChangeArrowheads="1" noChangeShapeType="1"/>
+          </p:cNvCxnSpPr>
+          <p:nvPr>
+            <p:extLst>
+              <p:ext uri="{386F3935-93C4-4BCD-93E2-E3B085C9AB24}">
+                <p16:designElem xmlns:p16="http://schemas.microsoft.com/office/powerpoint/2015/main" val="1"/>
+              </p:ext>
+            </p:extLst>
+          </p:nvPr>
+        </p:nvCxnSpPr>
+        <p:spPr>
+          <a:xfrm>
+            <a:off x="3041918" y="2057399"/>
+            <a:ext cx="0" cy="2743200"/>
+          </a:xfrm>
+          <a:prstGeom prst="line">
+            <a:avLst/>
+          </a:prstGeom>
+          <a:ln w="19050">
+            <a:solidFill>
+              <a:schemeClr val="tx1">
+                <a:lumMod val="85000"/>
+                <a:lumOff val="15000"/>
+              </a:schemeClr>
+            </a:solidFill>
+          </a:ln>
+        </p:spPr>
+        <p:style>
+          <a:lnRef idx="1">
+            <a:schemeClr val="accent1"/>
+          </a:lnRef>
+          <a:fillRef idx="0">
+            <a:schemeClr val="accent1"/>
+          </a:fillRef>
+          <a:effectRef idx="0">
+            <a:schemeClr val="accent1"/>
+          </a:effectRef>
+          <a:fontRef idx="minor">
+            <a:schemeClr val="tx1"/>
+          </a:fontRef>
+        </p:style>
+      </p:cxnSp>
     </p:spTree>
     <p:extLst>
       <p:ext uri="{BB962C8B-B14F-4D97-AF65-F5344CB8AC3E}">

--- a/1주차.pptx
+++ b/1주차.pptx
@@ -160,6 +160,107 @@
     </a:lvl9pPr>
   </p:defaultTextStyle>
   <p:extLst>
+    <p:ext uri="{521415D9-36F7-43E2-AB2F-B90AF26B5E84}">
+      <p14:sectionLst xmlns:p14="http://schemas.microsoft.com/office/powerpoint/2010/main">
+        <p14:section name="시작 화면 및 목차" id="{5DE630DA-95E3-4834-A6C1-FB70DECCB950}">
+          <p14:sldIdLst>
+            <p14:sldId id="270"/>
+            <p14:sldId id="256"/>
+            <p14:sldId id="257"/>
+          </p14:sldIdLst>
+        </p14:section>
+        <p14:section name="유니티 소개" id="{514D13D2-5636-4323-A29D-7EE529ED09C3}">
+          <p14:sldIdLst>
+            <p14:sldId id="329"/>
+            <p14:sldId id="258"/>
+          </p14:sldIdLst>
+        </p14:section>
+        <p14:section name="유니티 설치" id="{7D551D8B-88EB-4A10-A3C6-906293D62F1F}">
+          <p14:sldIdLst>
+            <p14:sldId id="330"/>
+            <p14:sldId id="268"/>
+            <p14:sldId id="326"/>
+            <p14:sldId id="260"/>
+            <p14:sldId id="261"/>
+          </p14:sldIdLst>
+        </p14:section>
+        <p14:section name="유니티의 화면 구성" id="{87A49C30-3033-4BC9-A865-F6A0AF057CD0}">
+          <p14:sldIdLst>
+            <p14:sldId id="262"/>
+            <p14:sldId id="265"/>
+            <p14:sldId id="316"/>
+            <p14:sldId id="269"/>
+            <p14:sldId id="320"/>
+            <p14:sldId id="321"/>
+            <p14:sldId id="319"/>
+            <p14:sldId id="322"/>
+            <p14:sldId id="339"/>
+          </p14:sldIdLst>
+        </p14:section>
+        <p14:section name="조작 방법" id="{D4A51FFF-637E-432C-B99D-8597D9DEAE15}">
+          <p14:sldIdLst>
+            <p14:sldId id="323"/>
+            <p14:sldId id="324"/>
+          </p14:sldIdLst>
+        </p14:section>
+        <p14:section name="간단한 실습" id="{84EFCCFD-61AF-4025-BC18-5F818654647A}">
+          <p14:sldIdLst>
+            <p14:sldId id="331"/>
+            <p14:sldId id="325"/>
+          </p14:sldIdLst>
+        </p14:section>
+        <p14:section name="씬" id="{BE102DD7-25DF-4A7B-9B4D-AB843F8EB424}">
+          <p14:sldIdLst>
+            <p14:sldId id="332"/>
+            <p14:sldId id="336"/>
+            <p14:sldId id="354"/>
+            <p14:sldId id="355"/>
+            <p14:sldId id="356"/>
+          </p14:sldIdLst>
+        </p14:section>
+        <p14:section name="게임 오브젝트" id="{2FFE5705-189E-43A8-A115-82B17BBE3111}">
+          <p14:sldIdLst>
+            <p14:sldId id="335"/>
+            <p14:sldId id="328"/>
+          </p14:sldIdLst>
+        </p14:section>
+        <p14:section name="컴포넌트" id="{243C4594-74BC-4E8F-A677-360A5612A1F0}">
+          <p14:sldIdLst>
+            <p14:sldId id="333"/>
+            <p14:sldId id="317"/>
+            <p14:sldId id="318"/>
+          </p14:sldIdLst>
+        </p14:section>
+        <p14:section name="스크립트" id="{A5918753-74E7-4654-92C3-8C69CDBB4623}">
+          <p14:sldIdLst>
+            <p14:sldId id="338"/>
+            <p14:sldId id="327"/>
+            <p14:sldId id="342"/>
+            <p14:sldId id="340"/>
+            <p14:sldId id="343"/>
+            <p14:sldId id="341"/>
+            <p14:sldId id="345"/>
+            <p14:sldId id="350"/>
+            <p14:sldId id="346"/>
+            <p14:sldId id="351"/>
+            <p14:sldId id="352"/>
+            <p14:sldId id="347"/>
+            <p14:sldId id="357"/>
+            <p14:sldId id="353"/>
+            <p14:sldId id="359"/>
+            <p14:sldId id="358"/>
+            <p14:sldId id="348"/>
+            <p14:sldId id="349"/>
+            <p14:sldId id="360"/>
+          </p14:sldIdLst>
+        </p14:section>
+        <p14:section name="출처" id="{F87CB1B9-F978-454B-8A62-F267438482F7}">
+          <p14:sldIdLst>
+            <p14:sldId id="344"/>
+          </p14:sldIdLst>
+        </p14:section>
+      </p14:sectionLst>
+    </p:ext>
     <p:ext uri="{EFAFB233-063F-42B5-8137-9DF3F51BA10A}">
       <p15:sldGuideLst xmlns:p15="http://schemas.microsoft.com/office/powerpoint/2012/main">
         <p15:guide id="1" orient="horz" pos="2160" userDrawn="1">
@@ -12231,6 +12332,45 @@
           </a:p>
         </p:txBody>
       </p:sp>
+      <p:cxnSp>
+        <p:nvCxnSpPr>
+          <p:cNvPr id="3" name="직선 연결선 2">
+            <a:extLst>
+              <a:ext uri="{FF2B5EF4-FFF2-40B4-BE49-F238E27FC236}">
+                <a16:creationId xmlns:a16="http://schemas.microsoft.com/office/drawing/2014/main" id="{F706B9CB-3F30-4FC2-8CAE-9AC12145180E}"/>
+              </a:ext>
+            </a:extLst>
+          </p:cNvPr>
+          <p:cNvCxnSpPr>
+            <a:cxnSpLocks/>
+          </p:cNvCxnSpPr>
+          <p:nvPr/>
+        </p:nvCxnSpPr>
+        <p:spPr>
+          <a:xfrm>
+            <a:off x="3490722" y="1628800"/>
+            <a:ext cx="0" cy="3600400"/>
+          </a:xfrm>
+          <a:prstGeom prst="line">
+            <a:avLst/>
+          </a:prstGeom>
+          <a:ln cap="rnd"/>
+        </p:spPr>
+        <p:style>
+          <a:lnRef idx="3">
+            <a:schemeClr val="dk1"/>
+          </a:lnRef>
+          <a:fillRef idx="0">
+            <a:schemeClr val="dk1"/>
+          </a:fillRef>
+          <a:effectRef idx="2">
+            <a:schemeClr val="dk1"/>
+          </a:effectRef>
+          <a:fontRef idx="minor">
+            <a:schemeClr val="tx1"/>
+          </a:fontRef>
+        </p:style>
+      </p:cxnSp>
     </p:spTree>
     <p:extLst>
       <p:ext uri="{BB962C8B-B14F-4D97-AF65-F5344CB8AC3E}">
@@ -14863,7 +15003,7 @@
         <p:spPr>
           <a:xfrm>
             <a:off x="4645025" y="2174875"/>
-            <a:ext cx="4041775" cy="3951288"/>
+            <a:ext cx="4498975" cy="3951288"/>
           </a:xfrm>
           <a:prstGeom prst="rect">
             <a:avLst/>
@@ -15370,8 +15510,8 @@
         </p:nvSpPr>
         <p:spPr>
           <a:xfrm>
-            <a:off x="179512" y="2438400"/>
-            <a:ext cx="4152457" cy="3785419"/>
+            <a:off x="107504" y="2438400"/>
+            <a:ext cx="4320480" cy="3785419"/>
           </a:xfrm>
         </p:spPr>
         <p:txBody>
@@ -16416,9 +16556,19 @@
             </a:pPr>
             <a:r>
               <a:rPr lang="en-US" altLang="ko-KR" sz="1900" dirty="0">
+                <a:solidFill>
+                  <a:srgbClr val="0000FF"/>
+                </a:solidFill>
                 <a:latin typeface="Consolas" panose="020B0609020204030204" pitchFamily="49" charset="0"/>
-              </a:rPr>
-              <a:t>using </a:t>
+                <a:ea typeface="돋움체" panose="020B0609000101010101" pitchFamily="49" charset="-127"/>
+              </a:rPr>
+              <a:t>using</a:t>
+            </a:r>
+            <a:r>
+              <a:rPr lang="en-US" altLang="ko-KR" sz="1900" dirty="0">
+                <a:latin typeface="Consolas" panose="020B0609020204030204" pitchFamily="49" charset="0"/>
+              </a:rPr>
+              <a:t> </a:t>
             </a:r>
             <a:r>
               <a:rPr lang="en-US" altLang="ko-KR" sz="1900" dirty="0" err="1">
@@ -16442,9 +16592,19 @@
             </a:pPr>
             <a:r>
               <a:rPr lang="en-US" altLang="ko-KR" sz="1900" dirty="0">
+                <a:solidFill>
+                  <a:srgbClr val="0000FF"/>
+                </a:solidFill>
                 <a:latin typeface="Consolas" panose="020B0609020204030204" pitchFamily="49" charset="0"/>
-              </a:rPr>
-              <a:t>using </a:t>
+                <a:ea typeface="돋움체" panose="020B0609000101010101" pitchFamily="49" charset="-127"/>
+              </a:rPr>
+              <a:t>using</a:t>
+            </a:r>
+            <a:r>
+              <a:rPr lang="en-US" altLang="ko-KR" sz="1900" dirty="0">
+                <a:latin typeface="Consolas" panose="020B0609020204030204" pitchFamily="49" charset="0"/>
+              </a:rPr>
+              <a:t> </a:t>
             </a:r>
             <a:r>
               <a:rPr lang="en-US" altLang="ko-KR" sz="1900" dirty="0" err="1">
@@ -16468,9 +16628,19 @@
             </a:pPr>
             <a:r>
               <a:rPr lang="en-US" altLang="ko-KR" sz="1900" dirty="0">
+                <a:solidFill>
+                  <a:srgbClr val="0000FF"/>
+                </a:solidFill>
                 <a:latin typeface="Consolas" panose="020B0609020204030204" pitchFamily="49" charset="0"/>
-              </a:rPr>
-              <a:t>public class </a:t>
+                <a:ea typeface="돋움체" panose="020B0609000101010101" pitchFamily="49" charset="-127"/>
+              </a:rPr>
+              <a:t>public class</a:t>
+            </a:r>
+            <a:r>
+              <a:rPr lang="en-US" altLang="ko-KR" sz="1900" dirty="0">
+                <a:latin typeface="Consolas" panose="020B0609020204030204" pitchFamily="49" charset="0"/>
+              </a:rPr>
+              <a:t> </a:t>
             </a:r>
             <a:r>
               <a:rPr lang="en-US" altLang="ko-KR" sz="1900" dirty="0" err="1">
@@ -16506,10 +16676,77 @@
             </a:pPr>
             <a:r>
               <a:rPr lang="en-US" altLang="ko-KR" sz="1900" dirty="0">
+                <a:solidFill>
+                  <a:srgbClr val="008000"/>
+                </a:solidFill>
                 <a:latin typeface="Consolas" panose="020B0609020204030204" pitchFamily="49" charset="0"/>
-              </a:rPr>
-              <a:t>    // Use this for initialization </a:t>
-            </a:r>
+                <a:ea typeface="돋움체" panose="020B0609000101010101" pitchFamily="49" charset="-127"/>
+              </a:rPr>
+              <a:t>    // Use</a:t>
+            </a:r>
+            <a:r>
+              <a:rPr lang="ko-KR" altLang="en-US" sz="1900" dirty="0">
+                <a:solidFill>
+                  <a:srgbClr val="008000"/>
+                </a:solidFill>
+                <a:latin typeface="Consolas" panose="020B0609020204030204" pitchFamily="49" charset="0"/>
+                <a:ea typeface="돋움체" panose="020B0609000101010101" pitchFamily="49" charset="-127"/>
+              </a:rPr>
+              <a:t> </a:t>
+            </a:r>
+            <a:r>
+              <a:rPr lang="en-US" altLang="ko-KR" sz="1900" dirty="0">
+                <a:solidFill>
+                  <a:srgbClr val="008000"/>
+                </a:solidFill>
+                <a:latin typeface="Consolas" panose="020B0609020204030204" pitchFamily="49" charset="0"/>
+                <a:ea typeface="돋움체" panose="020B0609000101010101" pitchFamily="49" charset="-127"/>
+              </a:rPr>
+              <a:t>this</a:t>
+            </a:r>
+            <a:r>
+              <a:rPr lang="ko-KR" altLang="en-US" sz="1900" dirty="0">
+                <a:solidFill>
+                  <a:srgbClr val="008000"/>
+                </a:solidFill>
+                <a:latin typeface="Consolas" panose="020B0609020204030204" pitchFamily="49" charset="0"/>
+                <a:ea typeface="돋움체" panose="020B0609000101010101" pitchFamily="49" charset="-127"/>
+              </a:rPr>
+              <a:t> </a:t>
+            </a:r>
+            <a:r>
+              <a:rPr lang="en-US" altLang="ko-KR" sz="1900" dirty="0">
+                <a:solidFill>
+                  <a:srgbClr val="008000"/>
+                </a:solidFill>
+                <a:latin typeface="Consolas" panose="020B0609020204030204" pitchFamily="49" charset="0"/>
+                <a:ea typeface="돋움체" panose="020B0609000101010101" pitchFamily="49" charset="-127"/>
+              </a:rPr>
+              <a:t>for</a:t>
+            </a:r>
+            <a:r>
+              <a:rPr lang="ko-KR" altLang="en-US" sz="1900" dirty="0">
+                <a:solidFill>
+                  <a:srgbClr val="008000"/>
+                </a:solidFill>
+                <a:latin typeface="Consolas" panose="020B0609020204030204" pitchFamily="49" charset="0"/>
+                <a:ea typeface="돋움체" panose="020B0609000101010101" pitchFamily="49" charset="-127"/>
+              </a:rPr>
+              <a:t> </a:t>
+            </a:r>
+            <a:r>
+              <a:rPr lang="en-US" altLang="ko-KR" sz="1900" dirty="0">
+                <a:solidFill>
+                  <a:srgbClr val="008000"/>
+                </a:solidFill>
+                <a:latin typeface="Consolas" panose="020B0609020204030204" pitchFamily="49" charset="0"/>
+                <a:ea typeface="돋움체" panose="020B0609000101010101" pitchFamily="49" charset="-127"/>
+              </a:rPr>
+              <a:t>initialization</a:t>
+            </a:r>
+            <a:endParaRPr lang="en-US" altLang="ko-KR" sz="1900" dirty="0">
+              <a:latin typeface="Consolas" panose="020B0609020204030204" pitchFamily="49" charset="0"/>
+            </a:endParaRPr>
           </a:p>
           <a:p>
             <a:pPr marL="0" indent="0">
@@ -16522,7 +16759,23 @@
               <a:rPr lang="en-US" altLang="ko-KR" sz="1900" dirty="0">
                 <a:latin typeface="Consolas" panose="020B0609020204030204" pitchFamily="49" charset="0"/>
               </a:rPr>
-              <a:t>    void Start () { </a:t>
+              <a:t>    </a:t>
+            </a:r>
+            <a:r>
+              <a:rPr lang="en-US" altLang="ko-KR" sz="1900" dirty="0">
+                <a:solidFill>
+                  <a:srgbClr val="0000FF"/>
+                </a:solidFill>
+                <a:latin typeface="Consolas" panose="020B0609020204030204" pitchFamily="49" charset="0"/>
+                <a:ea typeface="돋움체" panose="020B0609000101010101" pitchFamily="49" charset="-127"/>
+              </a:rPr>
+              <a:t>void Start</a:t>
+            </a:r>
+            <a:r>
+              <a:rPr lang="en-US" altLang="ko-KR" sz="1900" dirty="0">
+                <a:latin typeface="Consolas" panose="020B0609020204030204" pitchFamily="49" charset="0"/>
+              </a:rPr>
+              <a:t> () { </a:t>
             </a:r>
           </a:p>
           <a:p>
@@ -16559,10 +16812,17 @@
             </a:pPr>
             <a:r>
               <a:rPr lang="en-US" altLang="ko-KR" sz="1900" dirty="0">
+                <a:solidFill>
+                  <a:srgbClr val="008000"/>
+                </a:solidFill>
                 <a:latin typeface="Consolas" panose="020B0609020204030204" pitchFamily="49" charset="0"/>
-              </a:rPr>
-              <a:t>    // Update is called once per frame </a:t>
-            </a:r>
+                <a:ea typeface="돋움체" panose="020B0609000101010101" pitchFamily="49" charset="-127"/>
+              </a:rPr>
+              <a:t>    // Update is called once per frame</a:t>
+            </a:r>
+            <a:endParaRPr lang="en-US" altLang="ko-KR" sz="1900" dirty="0">
+              <a:latin typeface="Consolas" panose="020B0609020204030204" pitchFamily="49" charset="0"/>
+            </a:endParaRPr>
           </a:p>
           <a:p>
             <a:pPr marL="0" indent="0">
@@ -16575,7 +16835,23 @@
               <a:rPr lang="en-US" altLang="ko-KR" sz="1900" dirty="0">
                 <a:latin typeface="Consolas" panose="020B0609020204030204" pitchFamily="49" charset="0"/>
               </a:rPr>
-              <a:t>    void Update () { </a:t>
+              <a:t>    </a:t>
+            </a:r>
+            <a:r>
+              <a:rPr lang="en-US" altLang="ko-KR" sz="1900" dirty="0">
+                <a:solidFill>
+                  <a:srgbClr val="0000FF"/>
+                </a:solidFill>
+                <a:latin typeface="Consolas" panose="020B0609020204030204" pitchFamily="49" charset="0"/>
+                <a:ea typeface="돋움체" panose="020B0609000101010101" pitchFamily="49" charset="-127"/>
+              </a:rPr>
+              <a:t>void Update</a:t>
+            </a:r>
+            <a:r>
+              <a:rPr lang="en-US" altLang="ko-KR" sz="1900" dirty="0">
+                <a:latin typeface="Consolas" panose="020B0609020204030204" pitchFamily="49" charset="0"/>
+              </a:rPr>
+              <a:t> () { </a:t>
             </a:r>
           </a:p>
           <a:p>
@@ -16894,7 +17170,7 @@
         <p:spPr>
           <a:xfrm>
             <a:off x="3732023" y="963877"/>
-            <a:ext cx="4783327" cy="4930246"/>
+            <a:ext cx="5088445" cy="4930246"/>
           </a:xfrm>
         </p:spPr>
         <p:txBody>
@@ -16918,7 +17194,7 @@
                 <a:latin typeface="210 앱굴림 L" panose="02020603020101020101" pitchFamily="18" charset="-127"/>
                 <a:ea typeface="210 앱굴림 L" panose="02020603020101020101" pitchFamily="18" charset="-127"/>
               </a:rPr>
-              <a:t>의 동작은 연결 된 </a:t>
+              <a:t>의 동작은 연결된 </a:t>
             </a:r>
             <a:r>
               <a:rPr lang="en-US" altLang="ko-KR" sz="2100" dirty="0">
@@ -19511,8 +19787,8 @@
           </a:p>
         </p:txBody>
       </p:sp>
-      <mc:AlternateContent xmlns:mc="http://schemas.openxmlformats.org/markup-compatibility/2006">
-        <mc:Choice xmlns:p14="http://schemas.microsoft.com/office/powerpoint/2010/main" Requires="p14">
+      <mc:AlternateContent xmlns:mc="http://schemas.openxmlformats.org/markup-compatibility/2006" xmlns:p14="http://schemas.microsoft.com/office/powerpoint/2010/main">
+        <mc:Choice Requires="p14">
           <p:contentPart p14:bwMode="auto" r:id="rId3">
             <p14:nvContentPartPr>
               <p14:cNvPr id="7" name="잉크 6">
@@ -19531,7 +19807,7 @@
             </p14:xfrm>
           </p:contentPart>
         </mc:Choice>
-        <mc:Fallback>
+        <mc:Fallback xmlns="">
           <p:pic>
             <p:nvPicPr>
               <p:cNvPr id="7" name="잉크 6">
@@ -19562,8 +19838,8 @@
           </p:pic>
         </mc:Fallback>
       </mc:AlternateContent>
-      <mc:AlternateContent xmlns:mc="http://schemas.openxmlformats.org/markup-compatibility/2006">
-        <mc:Choice xmlns:p14="http://schemas.microsoft.com/office/powerpoint/2010/main" Requires="p14">
+      <mc:AlternateContent xmlns:mc="http://schemas.openxmlformats.org/markup-compatibility/2006" xmlns:p14="http://schemas.microsoft.com/office/powerpoint/2010/main">
+        <mc:Choice Requires="p14">
           <p:contentPart p14:bwMode="auto" r:id="rId5">
             <p14:nvContentPartPr>
               <p14:cNvPr id="16" name="잉크 15">
@@ -19582,7 +19858,7 @@
             </p14:xfrm>
           </p:contentPart>
         </mc:Choice>
-        <mc:Fallback>
+        <mc:Fallback xmlns="">
           <p:pic>
             <p:nvPicPr>
               <p:cNvPr id="16" name="잉크 15">
@@ -19613,8 +19889,8 @@
           </p:pic>
         </mc:Fallback>
       </mc:AlternateContent>
-      <mc:AlternateContent xmlns:mc="http://schemas.openxmlformats.org/markup-compatibility/2006">
-        <mc:Choice xmlns:p14="http://schemas.microsoft.com/office/powerpoint/2010/main" Requires="p14">
+      <mc:AlternateContent xmlns:mc="http://schemas.openxmlformats.org/markup-compatibility/2006" xmlns:p14="http://schemas.microsoft.com/office/powerpoint/2010/main">
+        <mc:Choice Requires="p14">
           <p:contentPart p14:bwMode="auto" r:id="rId7">
             <p14:nvContentPartPr>
               <p14:cNvPr id="17" name="잉크 16">
@@ -19633,7 +19909,7 @@
             </p14:xfrm>
           </p:contentPart>
         </mc:Choice>
-        <mc:Fallback>
+        <mc:Fallback xmlns="">
           <p:pic>
             <p:nvPicPr>
               <p:cNvPr id="17" name="잉크 16">
@@ -19664,8 +19940,8 @@
           </p:pic>
         </mc:Fallback>
       </mc:AlternateContent>
-      <mc:AlternateContent xmlns:mc="http://schemas.openxmlformats.org/markup-compatibility/2006">
-        <mc:Choice xmlns:p14="http://schemas.microsoft.com/office/powerpoint/2010/main" Requires="p14">
+      <mc:AlternateContent xmlns:mc="http://schemas.openxmlformats.org/markup-compatibility/2006" xmlns:p14="http://schemas.microsoft.com/office/powerpoint/2010/main">
+        <mc:Choice Requires="p14">
           <p:contentPart p14:bwMode="auto" r:id="rId9">
             <p14:nvContentPartPr>
               <p14:cNvPr id="18" name="잉크 17">
@@ -19684,7 +19960,7 @@
             </p14:xfrm>
           </p:contentPart>
         </mc:Choice>
-        <mc:Fallback>
+        <mc:Fallback xmlns="">
           <p:pic>
             <p:nvPicPr>
               <p:cNvPr id="18" name="잉크 17">
@@ -19715,8 +19991,8 @@
           </p:pic>
         </mc:Fallback>
       </mc:AlternateContent>
-      <mc:AlternateContent xmlns:mc="http://schemas.openxmlformats.org/markup-compatibility/2006">
-        <mc:Choice xmlns:p14="http://schemas.microsoft.com/office/powerpoint/2010/main" xmlns:aink="http://schemas.microsoft.com/office/drawing/2016/ink" Requires="p14 aink">
+      <mc:AlternateContent xmlns:mc="http://schemas.openxmlformats.org/markup-compatibility/2006" xmlns:p14="http://schemas.microsoft.com/office/powerpoint/2010/main" xmlns:aink="http://schemas.microsoft.com/office/drawing/2016/ink">
+        <mc:Choice Requires="p14 aink">
           <p:contentPart p14:bwMode="auto" r:id="rId11">
             <p14:nvContentPartPr>
               <p14:cNvPr id="29" name="잉크 28">
@@ -19735,7 +20011,7 @@
             </p14:xfrm>
           </p:contentPart>
         </mc:Choice>
-        <mc:Fallback>
+        <mc:Fallback xmlns="">
           <p:pic>
             <p:nvPicPr>
               <p:cNvPr id="29" name="잉크 28">
@@ -24097,7 +24373,7 @@
         </p:blipFill>
         <p:spPr>
           <a:xfrm>
-            <a:off x="1869207" y="548680"/>
+            <a:off x="539552" y="568230"/>
             <a:ext cx="5921436" cy="6152142"/>
           </a:xfrm>
           <a:prstGeom prst="rect">
@@ -24119,7 +24395,7 @@
         </p:nvSpPr>
         <p:spPr>
           <a:xfrm>
-            <a:off x="251520" y="157178"/>
+            <a:off x="179512" y="198898"/>
             <a:ext cx="2592288" cy="369332"/>
           </a:xfrm>
           <a:prstGeom prst="rect">
@@ -28244,6 +28520,14 @@
 <file path=ppt/slides/slide9.xml><?xml version="1.0" encoding="utf-8"?>
 <p:sld xmlns:a="http://schemas.openxmlformats.org/drawingml/2006/main" xmlns:r="http://schemas.openxmlformats.org/officeDocument/2006/relationships" xmlns:p="http://schemas.openxmlformats.org/presentationml/2006/main">
   <p:cSld>
+    <p:bg>
+      <p:bgPr>
+        <a:solidFill>
+          <a:schemeClr val="bg1"/>
+        </a:solidFill>
+        <a:effectLst/>
+      </p:bgPr>
+    </p:bg>
     <p:spTree>
       <p:nvGrpSpPr>
         <p:cNvPr id="1" name=""/>
@@ -28258,6 +28542,76 @@
           <a:chExt cx="0" cy="0"/>
         </a:xfrm>
       </p:grpSpPr>
+      <p:sp>
+        <p:nvSpPr>
+          <p:cNvPr id="14" name="Rectangle 11">
+            <a:extLst>
+              <a:ext uri="{FF2B5EF4-FFF2-40B4-BE49-F238E27FC236}">
+                <a16:creationId xmlns:a16="http://schemas.microsoft.com/office/drawing/2014/main" id="{42A5316D-ED2F-4F89-B4B4-8D9240B1A348}"/>
+              </a:ext>
+              <a:ext uri="{C183D7F6-B498-43B3-948B-1728B52AA6E4}">
+                <adec:decorative xmlns:adec="http://schemas.microsoft.com/office/drawing/2017/decorative" val="1"/>
+              </a:ext>
+            </a:extLst>
+          </p:cNvPr>
+          <p:cNvSpPr>
+            <a:spLocks noGrp="1" noRot="1" noChangeAspect="1" noMove="1" noResize="1" noEditPoints="1" noAdjustHandles="1" noChangeArrowheads="1" noChangeShapeType="1" noTextEdit="1"/>
+          </p:cNvSpPr>
+          <p:nvPr>
+            <p:extLst>
+              <p:ext uri="{386F3935-93C4-4BCD-93E2-E3B085C9AB24}">
+                <p16:designElem xmlns:p16="http://schemas.microsoft.com/office/powerpoint/2015/main" val="1"/>
+              </p:ext>
+            </p:extLst>
+          </p:nvPr>
+        </p:nvSpPr>
+        <p:spPr>
+          <a:xfrm>
+            <a:off x="0" y="0"/>
+            <a:ext cx="1510168" cy="6858000"/>
+          </a:xfrm>
+          <a:prstGeom prst="rect">
+            <a:avLst/>
+          </a:prstGeom>
+          <a:solidFill>
+            <a:srgbClr val="3B3D50"/>
+          </a:solidFill>
+          <a:ln>
+            <a:noFill/>
+          </a:ln>
+        </p:spPr>
+        <p:style>
+          <a:lnRef idx="2">
+            <a:schemeClr val="accent1">
+              <a:shade val="50000"/>
+            </a:schemeClr>
+          </a:lnRef>
+          <a:fillRef idx="1">
+            <a:schemeClr val="accent1"/>
+          </a:fillRef>
+          <a:effectRef idx="0">
+            <a:schemeClr val="accent1"/>
+          </a:effectRef>
+          <a:fontRef idx="minor">
+            <a:schemeClr val="lt1"/>
+          </a:fontRef>
+        </p:style>
+        <p:txBody>
+          <a:bodyPr rtlCol="0" anchor="ctr"/>
+          <a:lstStyle/>
+          <a:p>
+            <a:pPr algn="ctr" defTabSz="685800">
+              <a:defRPr/>
+            </a:pPr>
+            <a:endParaRPr lang="en-US" sz="1350">
+              <a:solidFill>
+                <a:prstClr val="white"/>
+              </a:solidFill>
+              <a:latin typeface="Calibri" panose="020F0502020204030204"/>
+            </a:endParaRPr>
+          </a:p>
+        </p:txBody>
+      </p:sp>
       <p:sp>
         <p:nvSpPr>
           <p:cNvPr id="2" name="제목 1">
@@ -28276,19 +28630,32 @@
         </p:nvSpPr>
         <p:spPr>
           <a:xfrm>
-            <a:off x="457200" y="274638"/>
-            <a:ext cx="8229600" cy="1143000"/>
+            <a:off x="350988" y="2269820"/>
+            <a:ext cx="2318360" cy="2318360"/>
           </a:xfrm>
+          <a:prstGeom prst="ellipse">
+            <a:avLst/>
+          </a:prstGeom>
+          <a:solidFill>
+            <a:srgbClr val="262626"/>
+          </a:solidFill>
+          <a:ln w="174625" cmpd="thinThick">
+            <a:solidFill>
+              <a:srgbClr val="262626"/>
+            </a:solidFill>
+          </a:ln>
         </p:spPr>
         <p:txBody>
-          <a:bodyPr>
+          <a:bodyPr anchor="ctr">
             <a:normAutofit/>
           </a:bodyPr>
           <a:lstStyle/>
           <a:p>
-            <a:pPr algn="l"/>
-            <a:r>
-              <a:rPr lang="ko-KR" altLang="en-US" dirty="0">
+            <a:r>
+              <a:rPr lang="ko-KR" altLang="en-US" sz="1950" dirty="0">
+                <a:solidFill>
+                  <a:srgbClr val="FFFFFF"/>
+                </a:solidFill>
                 <a:latin typeface="210 앱굴림 R" panose="02020603020101020101" pitchFamily="18" charset="-127"/>
                 <a:ea typeface="210 앱굴림 R" panose="02020603020101020101" pitchFamily="18" charset="-127"/>
               </a:rPr>
@@ -28297,6 +28664,36 @@
           </a:p>
         </p:txBody>
       </p:sp>
+      <p:pic>
+        <p:nvPicPr>
+          <p:cNvPr id="7" name="그림 6">
+            <a:extLst>
+              <a:ext uri="{FF2B5EF4-FFF2-40B4-BE49-F238E27FC236}">
+                <a16:creationId xmlns:a16="http://schemas.microsoft.com/office/drawing/2014/main" id="{5D0D325D-0B06-496E-8DAD-635A0C407D17}"/>
+              </a:ext>
+            </a:extLst>
+          </p:cNvPr>
+          <p:cNvPicPr>
+            <a:picLocks noChangeAspect="1"/>
+          </p:cNvPicPr>
+          <p:nvPr/>
+        </p:nvPicPr>
+        <p:blipFill>
+          <a:blip r:embed="rId2"/>
+          <a:stretch>
+            <a:fillRect/>
+          </a:stretch>
+        </p:blipFill>
+        <p:spPr>
+          <a:xfrm>
+            <a:off x="3219451" y="794361"/>
+            <a:ext cx="5367765" cy="3341434"/>
+          </a:xfrm>
+          <a:prstGeom prst="rect">
+            <a:avLst/>
+          </a:prstGeom>
+        </p:spPr>
+      </p:pic>
       <p:sp>
         <p:nvSpPr>
           <p:cNvPr id="5" name="내용 개체 틀 4">
@@ -28315,62 +28712,34 @@
         </p:nvSpPr>
         <p:spPr>
           <a:xfrm>
-            <a:off x="611560" y="1417638"/>
-            <a:ext cx="8229600" cy="4525963"/>
+            <a:off x="3219451" y="4494598"/>
+            <a:ext cx="5391149" cy="1594145"/>
           </a:xfrm>
         </p:spPr>
         <p:txBody>
-          <a:bodyPr/>
+          <a:bodyPr>
+            <a:normAutofit/>
+          </a:bodyPr>
           <a:lstStyle/>
           <a:p>
             <a:pPr marL="0" indent="0">
               <a:buNone/>
             </a:pPr>
             <a:r>
-              <a:rPr lang="ko-KR" altLang="en-US" dirty="0">
+              <a:rPr lang="ko-KR" altLang="en-US" sz="1350">
                 <a:latin typeface="210 앱굴림 L" panose="02020603020101020101" pitchFamily="18" charset="-127"/>
                 <a:ea typeface="210 앱굴림 L" panose="02020603020101020101" pitchFamily="18" charset="-127"/>
-                <a:hlinkClick r:id="rId2"/>
+                <a:hlinkClick r:id="rId3"/>
               </a:rPr>
               <a:t>유니티 아카이브 링크</a:t>
             </a:r>
-            <a:endParaRPr lang="ko-KR" altLang="en-US" dirty="0">
+            <a:endParaRPr lang="ko-KR" altLang="en-US" sz="1350">
               <a:latin typeface="210 앱굴림 L" panose="02020603020101020101" pitchFamily="18" charset="-127"/>
               <a:ea typeface="210 앱굴림 L" panose="02020603020101020101" pitchFamily="18" charset="-127"/>
             </a:endParaRPr>
           </a:p>
         </p:txBody>
       </p:sp>
-      <p:pic>
-        <p:nvPicPr>
-          <p:cNvPr id="7" name="그림 6">
-            <a:extLst>
-              <a:ext uri="{FF2B5EF4-FFF2-40B4-BE49-F238E27FC236}">
-                <a16:creationId xmlns:a16="http://schemas.microsoft.com/office/drawing/2014/main" id="{5D0D325D-0B06-496E-8DAD-635A0C407D17}"/>
-              </a:ext>
-            </a:extLst>
-          </p:cNvPr>
-          <p:cNvPicPr>
-            <a:picLocks noChangeAspect="1"/>
-          </p:cNvPicPr>
-          <p:nvPr/>
-        </p:nvPicPr>
-        <p:blipFill>
-          <a:blip r:embed="rId3"/>
-          <a:stretch>
-            <a:fillRect/>
-          </a:stretch>
-        </p:blipFill>
-        <p:spPr>
-          <a:xfrm>
-            <a:off x="678752" y="2060848"/>
-            <a:ext cx="6634368" cy="4132461"/>
-          </a:xfrm>
-          <a:prstGeom prst="rect">
-            <a:avLst/>
-          </a:prstGeom>
-        </p:spPr>
-      </p:pic>
     </p:spTree>
     <p:extLst>
       <p:ext uri="{BB962C8B-B14F-4D97-AF65-F5344CB8AC3E}">

--- a/1주차.pptx
+++ b/1주차.pptx
@@ -10,34 +10,34 @@
   <p:sldIdLst>
     <p:sldId id="270" r:id="rId2"/>
     <p:sldId id="256" r:id="rId3"/>
-    <p:sldId id="257" r:id="rId4"/>
-    <p:sldId id="329" r:id="rId5"/>
-    <p:sldId id="258" r:id="rId6"/>
-    <p:sldId id="330" r:id="rId7"/>
-    <p:sldId id="268" r:id="rId8"/>
-    <p:sldId id="326" r:id="rId9"/>
-    <p:sldId id="260" r:id="rId10"/>
-    <p:sldId id="261" r:id="rId11"/>
-    <p:sldId id="262" r:id="rId12"/>
-    <p:sldId id="265" r:id="rId13"/>
-    <p:sldId id="316" r:id="rId14"/>
-    <p:sldId id="269" r:id="rId15"/>
-    <p:sldId id="320" r:id="rId16"/>
-    <p:sldId id="321" r:id="rId17"/>
-    <p:sldId id="319" r:id="rId18"/>
-    <p:sldId id="322" r:id="rId19"/>
-    <p:sldId id="339" r:id="rId20"/>
-    <p:sldId id="323" r:id="rId21"/>
-    <p:sldId id="324" r:id="rId22"/>
-    <p:sldId id="331" r:id="rId23"/>
-    <p:sldId id="325" r:id="rId24"/>
-    <p:sldId id="332" r:id="rId25"/>
-    <p:sldId id="336" r:id="rId26"/>
-    <p:sldId id="354" r:id="rId27"/>
-    <p:sldId id="355" r:id="rId28"/>
-    <p:sldId id="356" r:id="rId29"/>
-    <p:sldId id="335" r:id="rId30"/>
-    <p:sldId id="328" r:id="rId31"/>
+    <p:sldId id="329" r:id="rId4"/>
+    <p:sldId id="258" r:id="rId5"/>
+    <p:sldId id="330" r:id="rId6"/>
+    <p:sldId id="268" r:id="rId7"/>
+    <p:sldId id="326" r:id="rId8"/>
+    <p:sldId id="260" r:id="rId9"/>
+    <p:sldId id="261" r:id="rId10"/>
+    <p:sldId id="262" r:id="rId11"/>
+    <p:sldId id="265" r:id="rId12"/>
+    <p:sldId id="316" r:id="rId13"/>
+    <p:sldId id="269" r:id="rId14"/>
+    <p:sldId id="320" r:id="rId15"/>
+    <p:sldId id="321" r:id="rId16"/>
+    <p:sldId id="319" r:id="rId17"/>
+    <p:sldId id="322" r:id="rId18"/>
+    <p:sldId id="339" r:id="rId19"/>
+    <p:sldId id="323" r:id="rId20"/>
+    <p:sldId id="324" r:id="rId21"/>
+    <p:sldId id="331" r:id="rId22"/>
+    <p:sldId id="325" r:id="rId23"/>
+    <p:sldId id="332" r:id="rId24"/>
+    <p:sldId id="336" r:id="rId25"/>
+    <p:sldId id="354" r:id="rId26"/>
+    <p:sldId id="355" r:id="rId27"/>
+    <p:sldId id="356" r:id="rId28"/>
+    <p:sldId id="335" r:id="rId29"/>
+    <p:sldId id="328" r:id="rId30"/>
+    <p:sldId id="361" r:id="rId31"/>
     <p:sldId id="333" r:id="rId32"/>
     <p:sldId id="317" r:id="rId33"/>
     <p:sldId id="318" r:id="rId34"/>
@@ -162,11 +162,10 @@
   <p:extLst>
     <p:ext uri="{521415D9-36F7-43E2-AB2F-B90AF26B5E84}">
       <p14:sectionLst xmlns:p14="http://schemas.microsoft.com/office/powerpoint/2010/main">
-        <p14:section name="시작 화면 및 목차" id="{5DE630DA-95E3-4834-A6C1-FB70DECCB950}">
+        <p14:section name="제목 및 목차" id="{5DE630DA-95E3-4834-A6C1-FB70DECCB950}">
           <p14:sldIdLst>
             <p14:sldId id="270"/>
             <p14:sldId id="256"/>
-            <p14:sldId id="257"/>
           </p14:sldIdLst>
         </p14:section>
         <p14:section name="유니티 소개" id="{514D13D2-5636-4323-A29D-7EE529ED09C3}">
@@ -222,6 +221,7 @@
           <p14:sldIdLst>
             <p14:sldId id="335"/>
             <p14:sldId id="328"/>
+            <p14:sldId id="361"/>
           </p14:sldIdLst>
         </p14:section>
         <p14:section name="컴포넌트" id="{243C4594-74BC-4E8F-A677-360A5612A1F0}">
@@ -5596,7 +5596,7 @@
           <a:p>
             <a:fld id="{B39EADD2-0934-478D-94F3-E59BECE9B7B9}" type="datetimeFigureOut">
               <a:rPr lang="ko-KR" altLang="en-US" smtClean="0"/>
-              <a:t>2019-10-31</a:t>
+              <a:t>2019-11-03</a:t>
             </a:fld>
             <a:endParaRPr lang="ko-KR" altLang="en-US"/>
           </a:p>
@@ -6126,7 +6126,7 @@
           <a:p>
             <a:fld id="{FB30EDBD-1C2D-4C1E-B459-B60219FAB484}" type="datetimeFigureOut">
               <a:rPr lang="ko-KR" altLang="en-US" smtClean="0"/>
-              <a:t>2019-10-31</a:t>
+              <a:t>2019-11-03</a:t>
             </a:fld>
             <a:endParaRPr lang="ko-KR" altLang="en-US"/>
           </a:p>
@@ -6289,7 +6289,7 @@
           <a:p>
             <a:fld id="{FB30EDBD-1C2D-4C1E-B459-B60219FAB484}" type="datetimeFigureOut">
               <a:rPr lang="ko-KR" altLang="en-US" smtClean="0"/>
-              <a:t>2019-10-31</a:t>
+              <a:t>2019-11-03</a:t>
             </a:fld>
             <a:endParaRPr lang="ko-KR" altLang="en-US"/>
           </a:p>
@@ -6462,7 +6462,7 @@
           <a:p>
             <a:fld id="{FB30EDBD-1C2D-4C1E-B459-B60219FAB484}" type="datetimeFigureOut">
               <a:rPr lang="ko-KR" altLang="en-US" smtClean="0"/>
-              <a:t>2019-10-31</a:t>
+              <a:t>2019-11-03</a:t>
             </a:fld>
             <a:endParaRPr lang="ko-KR" altLang="en-US"/>
           </a:p>
@@ -6625,7 +6625,7 @@
           <a:p>
             <a:fld id="{FB30EDBD-1C2D-4C1E-B459-B60219FAB484}" type="datetimeFigureOut">
               <a:rPr lang="ko-KR" altLang="en-US" smtClean="0"/>
-              <a:t>2019-10-31</a:t>
+              <a:t>2019-11-03</a:t>
             </a:fld>
             <a:endParaRPr lang="ko-KR" altLang="en-US"/>
           </a:p>
@@ -6865,7 +6865,7 @@
           <a:p>
             <a:fld id="{FB30EDBD-1C2D-4C1E-B459-B60219FAB484}" type="datetimeFigureOut">
               <a:rPr lang="ko-KR" altLang="en-US" smtClean="0"/>
-              <a:t>2019-10-31</a:t>
+              <a:t>2019-11-03</a:t>
             </a:fld>
             <a:endParaRPr lang="ko-KR" altLang="en-US"/>
           </a:p>
@@ -7145,7 +7145,7 @@
           <a:p>
             <a:fld id="{FB30EDBD-1C2D-4C1E-B459-B60219FAB484}" type="datetimeFigureOut">
               <a:rPr lang="ko-KR" altLang="en-US" smtClean="0"/>
-              <a:t>2019-10-31</a:t>
+              <a:t>2019-11-03</a:t>
             </a:fld>
             <a:endParaRPr lang="ko-KR" altLang="en-US"/>
           </a:p>
@@ -7559,7 +7559,7 @@
           <a:p>
             <a:fld id="{FB30EDBD-1C2D-4C1E-B459-B60219FAB484}" type="datetimeFigureOut">
               <a:rPr lang="ko-KR" altLang="en-US" smtClean="0"/>
-              <a:t>2019-10-31</a:t>
+              <a:t>2019-11-03</a:t>
             </a:fld>
             <a:endParaRPr lang="ko-KR" altLang="en-US"/>
           </a:p>
@@ -7671,7 +7671,7 @@
           <a:p>
             <a:fld id="{FB30EDBD-1C2D-4C1E-B459-B60219FAB484}" type="datetimeFigureOut">
               <a:rPr lang="ko-KR" altLang="en-US" smtClean="0"/>
-              <a:t>2019-10-31</a:t>
+              <a:t>2019-11-03</a:t>
             </a:fld>
             <a:endParaRPr lang="ko-KR" altLang="en-US"/>
           </a:p>
@@ -7761,7 +7761,7 @@
           <a:p>
             <a:fld id="{FB30EDBD-1C2D-4C1E-B459-B60219FAB484}" type="datetimeFigureOut">
               <a:rPr lang="ko-KR" altLang="en-US" smtClean="0"/>
-              <a:t>2019-10-31</a:t>
+              <a:t>2019-11-03</a:t>
             </a:fld>
             <a:endParaRPr lang="ko-KR" altLang="en-US"/>
           </a:p>
@@ -8031,7 +8031,7 @@
           <a:p>
             <a:fld id="{FB30EDBD-1C2D-4C1E-B459-B60219FAB484}" type="datetimeFigureOut">
               <a:rPr lang="ko-KR" altLang="en-US" smtClean="0"/>
-              <a:t>2019-10-31</a:t>
+              <a:t>2019-11-03</a:t>
             </a:fld>
             <a:endParaRPr lang="ko-KR" altLang="en-US"/>
           </a:p>
@@ -8278,7 +8278,7 @@
           <a:p>
             <a:fld id="{FB30EDBD-1C2D-4C1E-B459-B60219FAB484}" type="datetimeFigureOut">
               <a:rPr lang="ko-KR" altLang="en-US" smtClean="0"/>
-              <a:t>2019-10-31</a:t>
+              <a:t>2019-11-03</a:t>
             </a:fld>
             <a:endParaRPr lang="ko-KR" altLang="en-US"/>
           </a:p>
@@ -8487,7 +8487,7 @@
             <a:fld id="{FB30EDBD-1C2D-4C1E-B459-B60219FAB484}" type="datetimeFigureOut">
               <a:rPr lang="ko-KR" altLang="en-US" smtClean="0"/>
               <a:pPr/>
-              <a:t>2019-10-31</a:t>
+              <a:t>2019-11-03</a:t>
             </a:fld>
             <a:endParaRPr lang="ko-KR" altLang="en-US" dirty="0"/>
           </a:p>
@@ -9173,212 +9173,6 @@
       </p:grpSpPr>
       <p:sp>
         <p:nvSpPr>
-          <p:cNvPr id="2" name="제목 1">
-            <a:extLst>
-              <a:ext uri="{FF2B5EF4-FFF2-40B4-BE49-F238E27FC236}">
-                <a16:creationId xmlns:a16="http://schemas.microsoft.com/office/drawing/2014/main" id="{077C8982-4113-4613-9B43-D4CC54E8C76D}"/>
-              </a:ext>
-            </a:extLst>
-          </p:cNvPr>
-          <p:cNvSpPr>
-            <a:spLocks noGrp="1"/>
-          </p:cNvSpPr>
-          <p:nvPr>
-            <p:ph type="title"/>
-          </p:nvPr>
-        </p:nvSpPr>
-        <p:spPr>
-          <a:xfrm>
-            <a:off x="528065" y="4578638"/>
-            <a:ext cx="2737277" cy="1714500"/>
-          </a:xfrm>
-        </p:spPr>
-        <p:txBody>
-          <a:bodyPr>
-            <a:normAutofit/>
-          </a:bodyPr>
-          <a:lstStyle/>
-          <a:p>
-            <a:r>
-              <a:rPr lang="ko-KR" altLang="en-US" sz="2800" dirty="0">
-                <a:latin typeface="210 앱굴림 R" panose="02020603020101020101" pitchFamily="18" charset="-127"/>
-                <a:ea typeface="210 앱굴림 R" panose="02020603020101020101" pitchFamily="18" charset="-127"/>
-              </a:rPr>
-              <a:t>유니티 종류</a:t>
-            </a:r>
-          </a:p>
-        </p:txBody>
-      </p:sp>
-      <p:pic>
-        <p:nvPicPr>
-          <p:cNvPr id="5" name="그림 4">
-            <a:extLst>
-              <a:ext uri="{FF2B5EF4-FFF2-40B4-BE49-F238E27FC236}">
-                <a16:creationId xmlns:a16="http://schemas.microsoft.com/office/drawing/2014/main" id="{02BADFA6-AC06-4CCB-8270-CEEA5DB29C44}"/>
-              </a:ext>
-            </a:extLst>
-          </p:cNvPr>
-          <p:cNvPicPr>
-            <a:picLocks noChangeAspect="1"/>
-          </p:cNvPicPr>
-          <p:nvPr/>
-        </p:nvPicPr>
-        <p:blipFill rotWithShape="1">
-          <a:blip r:embed="rId2"/>
-          <a:srcRect l="18373" t="1" r="37538" b="-3"/>
-          <a:stretch/>
-        </p:blipFill>
-        <p:spPr>
-          <a:xfrm>
-            <a:off x="528065" y="370320"/>
-            <a:ext cx="2737278" cy="4051011"/>
-          </a:xfrm>
-          <a:prstGeom prst="rect">
-            <a:avLst/>
-          </a:prstGeom>
-        </p:spPr>
-      </p:pic>
-      <p:pic>
-        <p:nvPicPr>
-          <p:cNvPr id="4" name="그림 3">
-            <a:extLst>
-              <a:ext uri="{FF2B5EF4-FFF2-40B4-BE49-F238E27FC236}">
-                <a16:creationId xmlns:a16="http://schemas.microsoft.com/office/drawing/2014/main" id="{B3F88D61-D3FA-4294-ADE9-506C9B017B15}"/>
-              </a:ext>
-            </a:extLst>
-          </p:cNvPr>
-          <p:cNvPicPr>
-            <a:picLocks noChangeAspect="1"/>
-          </p:cNvPicPr>
-          <p:nvPr/>
-        </p:nvPicPr>
-        <p:blipFill rotWithShape="1">
-          <a:blip r:embed="rId3"/>
-          <a:srcRect r="150" b="-3"/>
-          <a:stretch/>
-        </p:blipFill>
-        <p:spPr>
-          <a:xfrm>
-            <a:off x="3479655" y="370320"/>
-            <a:ext cx="5136278" cy="4051011"/>
-          </a:xfrm>
-          <a:prstGeom prst="rect">
-            <a:avLst/>
-          </a:prstGeom>
-        </p:spPr>
-      </p:pic>
-      <p:sp>
-        <p:nvSpPr>
-          <p:cNvPr id="3" name="내용 개체 틀 2">
-            <a:extLst>
-              <a:ext uri="{FF2B5EF4-FFF2-40B4-BE49-F238E27FC236}">
-                <a16:creationId xmlns:a16="http://schemas.microsoft.com/office/drawing/2014/main" id="{63D92840-4D60-4D34-A639-CB75AAF11C16}"/>
-              </a:ext>
-            </a:extLst>
-          </p:cNvPr>
-          <p:cNvSpPr>
-            <a:spLocks noGrp="1"/>
-          </p:cNvSpPr>
-          <p:nvPr>
-            <p:ph idx="1"/>
-          </p:nvPr>
-        </p:nvSpPr>
-        <p:spPr>
-          <a:xfrm>
-            <a:off x="3479655" y="4578638"/>
-            <a:ext cx="5136279" cy="1714500"/>
-          </a:xfrm>
-        </p:spPr>
-        <p:txBody>
-          <a:bodyPr anchor="ctr">
-            <a:normAutofit/>
-          </a:bodyPr>
-          <a:lstStyle/>
-          <a:p>
-            <a:pPr marL="0" indent="0" algn="ctr">
-              <a:buNone/>
-            </a:pPr>
-            <a:r>
-              <a:rPr lang="ko-KR" altLang="en-US" sz="1800" dirty="0">
-                <a:latin typeface="210 앱굴림 R" panose="02020603020101020101" pitchFamily="18" charset="-127"/>
-                <a:ea typeface="210 앱굴림 R" panose="02020603020101020101" pitchFamily="18" charset="-127"/>
-              </a:rPr>
-              <a:t>일반적인 버전</a:t>
-            </a:r>
-            <a:endParaRPr lang="en-US" altLang="ko-KR" sz="1800" dirty="0">
-              <a:latin typeface="210 앱굴림 R" panose="02020603020101020101" pitchFamily="18" charset="-127"/>
-              <a:ea typeface="210 앱굴림 R" panose="02020603020101020101" pitchFamily="18" charset="-127"/>
-            </a:endParaRPr>
-          </a:p>
-          <a:p>
-            <a:pPr marL="0" indent="0" algn="ctr">
-              <a:buNone/>
-            </a:pPr>
-            <a:r>
-              <a:rPr lang="en-US" altLang="ko-KR" sz="1800" dirty="0">
-                <a:solidFill>
-                  <a:schemeClr val="accent5"/>
-                </a:solidFill>
-                <a:latin typeface="210 앱굴림 R" panose="02020603020101020101" pitchFamily="18" charset="-127"/>
-                <a:ea typeface="210 앱굴림 R" panose="02020603020101020101" pitchFamily="18" charset="-127"/>
-              </a:rPr>
-              <a:t>VS</a:t>
-            </a:r>
-          </a:p>
-          <a:p>
-            <a:pPr marL="0" indent="0" algn="ctr">
-              <a:buNone/>
-            </a:pPr>
-            <a:r>
-              <a:rPr lang="en-US" altLang="ko-KR" sz="1800" dirty="0">
-                <a:latin typeface="210 앱굴림 R" panose="02020603020101020101" pitchFamily="18" charset="-127"/>
-                <a:ea typeface="210 앱굴림 R" panose="02020603020101020101" pitchFamily="18" charset="-127"/>
-              </a:rPr>
-              <a:t>LTS (“Long Term Support”)</a:t>
-            </a:r>
-          </a:p>
-        </p:txBody>
-      </p:sp>
-    </p:spTree>
-    <p:extLst>
-      <p:ext uri="{BB962C8B-B14F-4D97-AF65-F5344CB8AC3E}">
-        <p14:creationId xmlns:p14="http://schemas.microsoft.com/office/powerpoint/2010/main" val="1289556764"/>
-      </p:ext>
-    </p:extLst>
-  </p:cSld>
-  <p:clrMapOvr>
-    <a:masterClrMapping/>
-  </p:clrMapOvr>
-</p:sld>
-</file>
-
-<file path=ppt/slides/slide11.xml><?xml version="1.0" encoding="utf-8"?>
-<p:sld xmlns:a="http://schemas.openxmlformats.org/drawingml/2006/main" xmlns:r="http://schemas.openxmlformats.org/officeDocument/2006/relationships" xmlns:p="http://schemas.openxmlformats.org/presentationml/2006/main">
-  <p:cSld>
-    <p:bg>
-      <p:bgPr>
-        <a:solidFill>
-          <a:schemeClr val="bg1"/>
-        </a:solidFill>
-        <a:effectLst/>
-      </p:bgPr>
-    </p:bg>
-    <p:spTree>
-      <p:nvGrpSpPr>
-        <p:cNvPr id="1" name=""/>
-        <p:cNvGrpSpPr/>
-        <p:nvPr/>
-      </p:nvGrpSpPr>
-      <p:grpSpPr>
-        <a:xfrm>
-          <a:off x="0" y="0"/>
-          <a:ext cx="0" cy="0"/>
-          <a:chOff x="0" y="0"/>
-          <a:chExt cx="0" cy="0"/>
-        </a:xfrm>
-      </p:grpSpPr>
-      <p:sp>
-        <p:nvSpPr>
           <p:cNvPr id="16" name="Rectangle 9">
             <a:extLst>
               <a:ext uri="{FF2B5EF4-FFF2-40B4-BE49-F238E27FC236}">
@@ -9764,7 +9558,7 @@
 </p:sld>
 </file>
 
-<file path=ppt/slides/slide12.xml><?xml version="1.0" encoding="utf-8"?>
+<file path=ppt/slides/slide11.xml><?xml version="1.0" encoding="utf-8"?>
 <p:sld xmlns:a="http://schemas.openxmlformats.org/drawingml/2006/main" xmlns:r="http://schemas.openxmlformats.org/officeDocument/2006/relationships" xmlns:p="http://schemas.openxmlformats.org/presentationml/2006/main">
   <p:cSld>
     <p:bg>
@@ -10129,7 +9923,7 @@
 </p:sld>
 </file>
 
-<file path=ppt/slides/slide13.xml><?xml version="1.0" encoding="utf-8"?>
+<file path=ppt/slides/slide12.xml><?xml version="1.0" encoding="utf-8"?>
 <p:sld xmlns:a="http://schemas.openxmlformats.org/drawingml/2006/main" xmlns:r="http://schemas.openxmlformats.org/officeDocument/2006/relationships" xmlns:p="http://schemas.openxmlformats.org/presentationml/2006/main">
   <p:cSld>
     <p:bg>
@@ -10345,7 +10139,7 @@
 </p:sld>
 </file>
 
-<file path=ppt/slides/slide14.xml><?xml version="1.0" encoding="utf-8"?>
+<file path=ppt/slides/slide13.xml><?xml version="1.0" encoding="utf-8"?>
 <p:sld xmlns:a="http://schemas.openxmlformats.org/drawingml/2006/main" xmlns:r="http://schemas.openxmlformats.org/officeDocument/2006/relationships" xmlns:p="http://schemas.openxmlformats.org/presentationml/2006/main">
   <p:cSld>
     <p:bg>
@@ -10594,7 +10388,7 @@
 </p:sld>
 </file>
 
-<file path=ppt/slides/slide15.xml><?xml version="1.0" encoding="utf-8"?>
+<file path=ppt/slides/slide14.xml><?xml version="1.0" encoding="utf-8"?>
 <p:sld xmlns:a="http://schemas.openxmlformats.org/drawingml/2006/main" xmlns:r="http://schemas.openxmlformats.org/officeDocument/2006/relationships" xmlns:p="http://schemas.openxmlformats.org/presentationml/2006/main">
   <p:cSld>
     <p:bg>
@@ -10856,7 +10650,7 @@
 </p:sld>
 </file>
 
-<file path=ppt/slides/slide16.xml><?xml version="1.0" encoding="utf-8"?>
+<file path=ppt/slides/slide15.xml><?xml version="1.0" encoding="utf-8"?>
 <p:sld xmlns:a="http://schemas.openxmlformats.org/drawingml/2006/main" xmlns:r="http://schemas.openxmlformats.org/officeDocument/2006/relationships" xmlns:p="http://schemas.openxmlformats.org/presentationml/2006/main">
   <p:cSld>
     <p:bg>
@@ -11047,7 +10841,7 @@
 </p:sld>
 </file>
 
-<file path=ppt/slides/slide17.xml><?xml version="1.0" encoding="utf-8"?>
+<file path=ppt/slides/slide16.xml><?xml version="1.0" encoding="utf-8"?>
 <p:sld xmlns:a="http://schemas.openxmlformats.org/drawingml/2006/main" xmlns:r="http://schemas.openxmlformats.org/officeDocument/2006/relationships" xmlns:p="http://schemas.openxmlformats.org/presentationml/2006/main">
   <p:cSld>
     <p:bg>
@@ -11383,7 +11177,7 @@
 </p:sld>
 </file>
 
-<file path=ppt/slides/slide18.xml><?xml version="1.0" encoding="utf-8"?>
+<file path=ppt/slides/slide17.xml><?xml version="1.0" encoding="utf-8"?>
 <p:sld xmlns:a="http://schemas.openxmlformats.org/drawingml/2006/main" xmlns:r="http://schemas.openxmlformats.org/officeDocument/2006/relationships" xmlns:p="http://schemas.openxmlformats.org/presentationml/2006/main">
   <p:cSld>
     <p:bg>
@@ -11700,9 +11494,2175 @@
 </p:sld>
 </file>
 
+<file path=ppt/slides/slide18.xml><?xml version="1.0" encoding="utf-8"?>
+<p:sld xmlns:a="http://schemas.openxmlformats.org/drawingml/2006/main" xmlns:r="http://schemas.openxmlformats.org/officeDocument/2006/relationships" xmlns:p="http://schemas.openxmlformats.org/presentationml/2006/main">
+  <p:cSld>
+    <p:bg>
+      <p:bgPr>
+        <a:solidFill>
+          <a:schemeClr val="bg1"/>
+        </a:solidFill>
+        <a:effectLst/>
+      </p:bgPr>
+    </p:bg>
+    <p:spTree>
+      <p:nvGrpSpPr>
+        <p:cNvPr id="1" name=""/>
+        <p:cNvGrpSpPr/>
+        <p:nvPr/>
+      </p:nvGrpSpPr>
+      <p:grpSpPr>
+        <a:xfrm>
+          <a:off x="0" y="0"/>
+          <a:ext cx="0" cy="0"/>
+          <a:chOff x="0" y="0"/>
+          <a:chExt cx="0" cy="0"/>
+        </a:xfrm>
+      </p:grpSpPr>
+      <p:sp useBgFill="1">
+        <p:nvSpPr>
+          <p:cNvPr id="8" name="Rectangle 7">
+            <a:extLst>
+              <a:ext uri="{FF2B5EF4-FFF2-40B4-BE49-F238E27FC236}">
+                <a16:creationId xmlns:a16="http://schemas.microsoft.com/office/drawing/2014/main" id="{6BDBA639-2A71-4A60-A71A-FF1836F546CE}"/>
+              </a:ext>
+              <a:ext uri="{C183D7F6-B498-43B3-948B-1728B52AA6E4}">
+                <adec:decorative xmlns:adec="http://schemas.microsoft.com/office/drawing/2017/decorative" val="1"/>
+              </a:ext>
+            </a:extLst>
+          </p:cNvPr>
+          <p:cNvSpPr>
+            <a:spLocks noGrp="1" noRot="1" noChangeAspect="1" noMove="1" noResize="1" noEditPoints="1" noAdjustHandles="1" noChangeArrowheads="1" noChangeShapeType="1" noTextEdit="1"/>
+          </p:cNvSpPr>
+          <p:nvPr>
+            <p:extLst>
+              <p:ext uri="{386F3935-93C4-4BCD-93E2-E3B085C9AB24}">
+                <p16:designElem xmlns:p16="http://schemas.microsoft.com/office/powerpoint/2015/main" val="1"/>
+              </p:ext>
+            </p:extLst>
+          </p:nvPr>
+        </p:nvSpPr>
+        <p:spPr>
+          <a:xfrm>
+            <a:off x="0" y="0"/>
+            <a:ext cx="9144000" cy="6858000"/>
+          </a:xfrm>
+          <a:prstGeom prst="rect">
+            <a:avLst/>
+          </a:prstGeom>
+          <a:ln>
+            <a:noFill/>
+          </a:ln>
+        </p:spPr>
+        <p:style>
+          <a:lnRef idx="2">
+            <a:schemeClr val="accent1">
+              <a:shade val="50000"/>
+            </a:schemeClr>
+          </a:lnRef>
+          <a:fillRef idx="1">
+            <a:schemeClr val="accent1"/>
+          </a:fillRef>
+          <a:effectRef idx="0">
+            <a:schemeClr val="accent1"/>
+          </a:effectRef>
+          <a:fontRef idx="minor">
+            <a:schemeClr val="lt1"/>
+          </a:fontRef>
+        </p:style>
+        <p:txBody>
+          <a:bodyPr rtlCol="0" anchor="ctr"/>
+          <a:lstStyle/>
+          <a:p>
+            <a:pPr marL="0" marR="0" lvl="0" indent="0" algn="ctr" defTabSz="457200" rtl="0" eaLnBrk="1" fontAlgn="auto" latinLnBrk="0" hangingPunct="1">
+              <a:lnSpc>
+                <a:spcPct val="100000"/>
+              </a:lnSpc>
+              <a:spcBef>
+                <a:spcPts val="0"/>
+              </a:spcBef>
+              <a:spcAft>
+                <a:spcPts val="0"/>
+              </a:spcAft>
+              <a:buClrTx/>
+              <a:buSzTx/>
+              <a:buFontTx/>
+              <a:buNone/>
+              <a:tabLst/>
+              <a:defRPr/>
+            </a:pPr>
+            <a:endParaRPr kumimoji="0" lang="en-US" sz="1800" b="0" i="0" u="none" strike="noStrike" kern="1200" cap="none" spc="0" normalizeH="0" baseline="0" noProof="0" dirty="0">
+              <a:ln>
+                <a:noFill/>
+              </a:ln>
+              <a:solidFill>
+                <a:prstClr val="white"/>
+              </a:solidFill>
+              <a:effectLst/>
+              <a:uLnTx/>
+              <a:uFillTx/>
+              <a:latin typeface="Rockwell" panose="02060603020205020403"/>
+              <a:ea typeface="+mn-ea"/>
+              <a:cs typeface="+mn-cs"/>
+            </a:endParaRPr>
+          </a:p>
+        </p:txBody>
+      </p:sp>
+      <p:grpSp>
+        <p:nvGrpSpPr>
+          <p:cNvPr id="10" name="Group 9">
+            <a:extLst>
+              <a:ext uri="{FF2B5EF4-FFF2-40B4-BE49-F238E27FC236}">
+                <a16:creationId xmlns:a16="http://schemas.microsoft.com/office/drawing/2014/main" id="{5E208A8B-5EBD-4532-BE72-26414FA7CFF6}"/>
+              </a:ext>
+              <a:ext uri="{C183D7F6-B498-43B3-948B-1728B52AA6E4}">
+                <adec:decorative xmlns:adec="http://schemas.microsoft.com/office/drawing/2017/decorative" val="1"/>
+              </a:ext>
+            </a:extLst>
+          </p:cNvPr>
+          <p:cNvGrpSpPr>
+            <a:grpSpLocks noGrp="1" noUngrp="1" noRot="1" noChangeAspect="1" noMove="1" noResize="1"/>
+          </p:cNvGrpSpPr>
+          <p:nvPr>
+            <p:extLst>
+              <p:ext uri="{386F3935-93C4-4BCD-93E2-E3B085C9AB24}">
+                <p16:designElem xmlns:p16="http://schemas.microsoft.com/office/powerpoint/2015/main" val="1"/>
+              </p:ext>
+            </p:extLst>
+          </p:nvPr>
+        </p:nvGrpSpPr>
+        <p:grpSpPr>
+          <a:xfrm>
+            <a:off x="-247255" y="-59376"/>
+            <a:ext cx="9386886" cy="6923798"/>
+            <a:chOff x="-329674" y="-51881"/>
+            <a:chExt cx="12515851" cy="6923798"/>
+          </a:xfrm>
+        </p:grpSpPr>
+        <p:sp>
+          <p:nvSpPr>
+            <p:cNvPr id="11" name="Freeform 5">
+              <a:extLst>
+                <a:ext uri="{FF2B5EF4-FFF2-40B4-BE49-F238E27FC236}">
+                  <a16:creationId xmlns:a16="http://schemas.microsoft.com/office/drawing/2014/main" id="{15D09196-B338-4AB5-A71B-CFD5FFCA62BA}"/>
+                </a:ext>
+                <a:ext uri="{C183D7F6-B498-43B3-948B-1728B52AA6E4}">
+                  <adec:decorative xmlns:adec="http://schemas.microsoft.com/office/drawing/2017/decorative" val="1"/>
+                </a:ext>
+              </a:extLst>
+            </p:cNvPr>
+            <p:cNvSpPr/>
+            <p:nvPr>
+              <p:extLst>
+                <p:ext uri="{386F3935-93C4-4BCD-93E2-E3B085C9AB24}">
+                  <p16:designElem xmlns:p16="http://schemas.microsoft.com/office/powerpoint/2015/main" val="1"/>
+                </p:ext>
+              </p:extLst>
+            </p:nvPr>
+          </p:nvSpPr>
+          <p:spPr bwMode="auto">
+            <a:xfrm>
+              <a:off x="-329674" y="1298404"/>
+              <a:ext cx="9702800" cy="5573512"/>
+            </a:xfrm>
+            <a:custGeom>
+              <a:avLst/>
+              <a:gdLst/>
+              <a:ahLst/>
+              <a:cxnLst/>
+              <a:rect l="0" t="0" r="r" b="b"/>
+              <a:pathLst>
+                <a:path w="2038" h="1169">
+                  <a:moveTo>
+                    <a:pt x="1752" y="1169"/>
+                  </a:moveTo>
+                  <a:cubicBezTo>
+                    <a:pt x="2038" y="928"/>
+                    <a:pt x="1673" y="513"/>
+                    <a:pt x="1487" y="334"/>
+                  </a:cubicBezTo>
+                  <a:cubicBezTo>
+                    <a:pt x="1316" y="170"/>
+                    <a:pt x="1099" y="43"/>
+                    <a:pt x="860" y="22"/>
+                  </a:cubicBezTo>
+                  <a:cubicBezTo>
+                    <a:pt x="621" y="0"/>
+                    <a:pt x="341" y="128"/>
+                    <a:pt x="199" y="318"/>
+                  </a:cubicBezTo>
+                  <a:cubicBezTo>
+                    <a:pt x="0" y="586"/>
+                    <a:pt x="184" y="965"/>
+                    <a:pt x="399" y="1165"/>
+                  </a:cubicBezTo>
+                </a:path>
+              </a:pathLst>
+            </a:custGeom>
+            <a:noFill/>
+            <a:ln w="9525" cap="flat">
+              <a:solidFill>
+                <a:schemeClr val="tx1">
+                  <a:alpha val="20000"/>
+                </a:schemeClr>
+              </a:solidFill>
+              <a:prstDash val="solid"/>
+              <a:miter lim="800000"/>
+              <a:headEnd/>
+              <a:tailEnd/>
+            </a:ln>
+            <a:extLst>
+              <a:ext uri="{909E8E84-426E-40DD-AFC4-6F175D3DCCD1}">
+                <a14:hiddenFill xmlns:a14="http://schemas.microsoft.com/office/drawing/2010/main">
+                  <a:solidFill>
+                    <a:srgbClr val="FFFFFF"/>
+                  </a:solidFill>
+                </a14:hiddenFill>
+              </a:ext>
+            </a:extLst>
+          </p:spPr>
+        </p:sp>
+        <p:sp>
+          <p:nvSpPr>
+            <p:cNvPr id="12" name="Freeform 6">
+              <a:extLst>
+                <a:ext uri="{FF2B5EF4-FFF2-40B4-BE49-F238E27FC236}">
+                  <a16:creationId xmlns:a16="http://schemas.microsoft.com/office/drawing/2014/main" id="{F50B4463-128A-4677-A285-C017E6C543E0}"/>
+                </a:ext>
+                <a:ext uri="{C183D7F6-B498-43B3-948B-1728B52AA6E4}">
+                  <adec:decorative xmlns:adec="http://schemas.microsoft.com/office/drawing/2017/decorative" val="1"/>
+                </a:ext>
+              </a:extLst>
+            </p:cNvPr>
+            <p:cNvSpPr/>
+            <p:nvPr>
+              <p:extLst>
+                <p:ext uri="{386F3935-93C4-4BCD-93E2-E3B085C9AB24}">
+                  <p16:designElem xmlns:p16="http://schemas.microsoft.com/office/powerpoint/2015/main" val="1"/>
+                </p:ext>
+              </p:extLst>
+            </p:nvPr>
+          </p:nvSpPr>
+          <p:spPr bwMode="auto">
+            <a:xfrm>
+              <a:off x="670451" y="2018236"/>
+              <a:ext cx="7373938" cy="4848892"/>
+            </a:xfrm>
+            <a:custGeom>
+              <a:avLst/>
+              <a:gdLst/>
+              <a:ahLst/>
+              <a:cxnLst/>
+              <a:rect l="0" t="0" r="r" b="b"/>
+              <a:pathLst>
+                <a:path w="1549" h="1017">
+                  <a:moveTo>
+                    <a:pt x="1025" y="1016"/>
+                  </a:moveTo>
+                  <a:cubicBezTo>
+                    <a:pt x="1223" y="971"/>
+                    <a:pt x="1549" y="857"/>
+                    <a:pt x="1443" y="592"/>
+                  </a:cubicBezTo>
+                  <a:cubicBezTo>
+                    <a:pt x="1344" y="344"/>
+                    <a:pt x="1041" y="111"/>
+                    <a:pt x="782" y="53"/>
+                  </a:cubicBezTo>
+                  <a:cubicBezTo>
+                    <a:pt x="545" y="0"/>
+                    <a:pt x="275" y="117"/>
+                    <a:pt x="150" y="329"/>
+                  </a:cubicBezTo>
+                  <a:cubicBezTo>
+                    <a:pt x="0" y="584"/>
+                    <a:pt x="243" y="911"/>
+                    <a:pt x="477" y="1017"/>
+                  </a:cubicBezTo>
+                </a:path>
+              </a:pathLst>
+            </a:custGeom>
+            <a:noFill/>
+            <a:ln w="9525" cap="flat">
+              <a:solidFill>
+                <a:schemeClr val="tx1">
+                  <a:alpha val="20000"/>
+                </a:schemeClr>
+              </a:solidFill>
+              <a:prstDash val="solid"/>
+              <a:miter lim="800000"/>
+              <a:headEnd/>
+              <a:tailEnd/>
+            </a:ln>
+            <a:extLst>
+              <a:ext uri="{909E8E84-426E-40DD-AFC4-6F175D3DCCD1}">
+                <a14:hiddenFill xmlns:a14="http://schemas.microsoft.com/office/drawing/2010/main">
+                  <a:solidFill>
+                    <a:srgbClr val="FFFFFF"/>
+                  </a:solidFill>
+                </a14:hiddenFill>
+              </a:ext>
+            </a:extLst>
+          </p:spPr>
+        </p:sp>
+        <p:sp>
+          <p:nvSpPr>
+            <p:cNvPr id="13" name="Freeform 7">
+              <a:extLst>
+                <a:ext uri="{FF2B5EF4-FFF2-40B4-BE49-F238E27FC236}">
+                  <a16:creationId xmlns:a16="http://schemas.microsoft.com/office/drawing/2014/main" id="{1D9B95CD-F023-4DFA-9678-1E02713F74B7}"/>
+                </a:ext>
+                <a:ext uri="{C183D7F6-B498-43B3-948B-1728B52AA6E4}">
+                  <adec:decorative xmlns:adec="http://schemas.microsoft.com/office/drawing/2017/decorative" val="1"/>
+                </a:ext>
+              </a:extLst>
+            </p:cNvPr>
+            <p:cNvSpPr/>
+            <p:nvPr>
+              <p:extLst>
+                <p:ext uri="{386F3935-93C4-4BCD-93E2-E3B085C9AB24}">
+                  <p16:designElem xmlns:p16="http://schemas.microsoft.com/office/powerpoint/2015/main" val="1"/>
+                </p:ext>
+              </p:extLst>
+            </p:nvPr>
+          </p:nvSpPr>
+          <p:spPr bwMode="auto">
+            <a:xfrm>
+              <a:off x="251351" y="1788400"/>
+              <a:ext cx="8035925" cy="5083516"/>
+            </a:xfrm>
+            <a:custGeom>
+              <a:avLst/>
+              <a:gdLst/>
+              <a:ahLst/>
+              <a:cxnLst/>
+              <a:rect l="0" t="0" r="r" b="b"/>
+              <a:pathLst>
+                <a:path w="1688" h="1066">
+                  <a:moveTo>
+                    <a:pt x="1302" y="1066"/>
+                  </a:moveTo>
+                  <a:cubicBezTo>
+                    <a:pt x="1416" y="1024"/>
+                    <a:pt x="1551" y="962"/>
+                    <a:pt x="1613" y="850"/>
+                  </a:cubicBezTo>
+                  <a:cubicBezTo>
+                    <a:pt x="1688" y="715"/>
+                    <a:pt x="1606" y="575"/>
+                    <a:pt x="1517" y="471"/>
+                  </a:cubicBezTo>
+                  <a:cubicBezTo>
+                    <a:pt x="1336" y="258"/>
+                    <a:pt x="1084" y="62"/>
+                    <a:pt x="798" y="28"/>
+                  </a:cubicBezTo>
+                  <a:cubicBezTo>
+                    <a:pt x="559" y="0"/>
+                    <a:pt x="317" y="138"/>
+                    <a:pt x="181" y="333"/>
+                  </a:cubicBezTo>
+                  <a:cubicBezTo>
+                    <a:pt x="0" y="592"/>
+                    <a:pt x="191" y="907"/>
+                    <a:pt x="420" y="1066"/>
+                  </a:cubicBezTo>
+                </a:path>
+              </a:pathLst>
+            </a:custGeom>
+            <a:noFill/>
+            <a:ln w="9525" cap="flat">
+              <a:solidFill>
+                <a:schemeClr val="tx1">
+                  <a:alpha val="20000"/>
+                </a:schemeClr>
+              </a:solidFill>
+              <a:prstDash val="dash"/>
+              <a:miter lim="800000"/>
+              <a:headEnd/>
+              <a:tailEnd/>
+            </a:ln>
+            <a:extLst>
+              <a:ext uri="{909E8E84-426E-40DD-AFC4-6F175D3DCCD1}">
+                <a14:hiddenFill xmlns:a14="http://schemas.microsoft.com/office/drawing/2010/main">
+                  <a:solidFill>
+                    <a:srgbClr val="FFFFFF"/>
+                  </a:solidFill>
+                </a14:hiddenFill>
+              </a:ext>
+            </a:extLst>
+          </p:spPr>
+        </p:sp>
+        <p:sp>
+          <p:nvSpPr>
+            <p:cNvPr id="14" name="Freeform 8">
+              <a:extLst>
+                <a:ext uri="{FF2B5EF4-FFF2-40B4-BE49-F238E27FC236}">
+                  <a16:creationId xmlns:a16="http://schemas.microsoft.com/office/drawing/2014/main" id="{1DDF47A8-BE7B-43F3-A500-F5A4656D83BE}"/>
+                </a:ext>
+                <a:ext uri="{C183D7F6-B498-43B3-948B-1728B52AA6E4}">
+                  <adec:decorative xmlns:adec="http://schemas.microsoft.com/office/drawing/2017/decorative" val="1"/>
+                </a:ext>
+              </a:extLst>
+            </p:cNvPr>
+            <p:cNvSpPr/>
+            <p:nvPr>
+              <p:extLst>
+                <p:ext uri="{386F3935-93C4-4BCD-93E2-E3B085C9AB24}">
+                  <p16:designElem xmlns:p16="http://schemas.microsoft.com/office/powerpoint/2015/main" val="1"/>
+                </p:ext>
+              </p:extLst>
+            </p:nvPr>
+          </p:nvSpPr>
+          <p:spPr bwMode="auto">
+            <a:xfrm>
+              <a:off x="-1061" y="549842"/>
+              <a:ext cx="10334625" cy="6322075"/>
+            </a:xfrm>
+            <a:custGeom>
+              <a:avLst/>
+              <a:gdLst/>
+              <a:ahLst/>
+              <a:cxnLst/>
+              <a:rect l="0" t="0" r="r" b="b"/>
+              <a:pathLst>
+                <a:path w="2171" h="1326">
+                  <a:moveTo>
+                    <a:pt x="1873" y="1326"/>
+                  </a:moveTo>
+                  <a:cubicBezTo>
+                    <a:pt x="2171" y="1045"/>
+                    <a:pt x="1825" y="678"/>
+                    <a:pt x="1609" y="473"/>
+                  </a:cubicBezTo>
+                  <a:cubicBezTo>
+                    <a:pt x="1406" y="281"/>
+                    <a:pt x="1159" y="116"/>
+                    <a:pt x="880" y="63"/>
+                  </a:cubicBezTo>
+                  <a:cubicBezTo>
+                    <a:pt x="545" y="0"/>
+                    <a:pt x="214" y="161"/>
+                    <a:pt x="0" y="423"/>
+                  </a:cubicBezTo>
+                </a:path>
+              </a:pathLst>
+            </a:custGeom>
+            <a:noFill/>
+            <a:ln w="9525" cap="flat">
+              <a:solidFill>
+                <a:schemeClr val="tx1">
+                  <a:alpha val="20000"/>
+                </a:schemeClr>
+              </a:solidFill>
+              <a:prstDash val="solid"/>
+              <a:miter lim="800000"/>
+              <a:headEnd/>
+              <a:tailEnd/>
+            </a:ln>
+            <a:extLst>
+              <a:ext uri="{909E8E84-426E-40DD-AFC4-6F175D3DCCD1}">
+                <a14:hiddenFill xmlns:a14="http://schemas.microsoft.com/office/drawing/2010/main">
+                  <a:solidFill>
+                    <a:srgbClr val="FFFFFF"/>
+                  </a:solidFill>
+                </a14:hiddenFill>
+              </a:ext>
+            </a:extLst>
+          </p:spPr>
+        </p:sp>
+        <p:sp>
+          <p:nvSpPr>
+            <p:cNvPr id="15" name="Freeform 9">
+              <a:extLst>
+                <a:ext uri="{FF2B5EF4-FFF2-40B4-BE49-F238E27FC236}">
+                  <a16:creationId xmlns:a16="http://schemas.microsoft.com/office/drawing/2014/main" id="{2DD394DE-76FB-42F8-85F2-FD436F423263}"/>
+                </a:ext>
+                <a:ext uri="{C183D7F6-B498-43B3-948B-1728B52AA6E4}">
+                  <adec:decorative xmlns:adec="http://schemas.microsoft.com/office/drawing/2017/decorative" val="1"/>
+                </a:ext>
+              </a:extLst>
+            </p:cNvPr>
+            <p:cNvSpPr/>
+            <p:nvPr>
+              <p:extLst>
+                <p:ext uri="{386F3935-93C4-4BCD-93E2-E3B085C9AB24}">
+                  <p16:designElem xmlns:p16="http://schemas.microsoft.com/office/powerpoint/2015/main" val="1"/>
+                </p:ext>
+              </p:extLst>
+            </p:nvPr>
+          </p:nvSpPr>
+          <p:spPr bwMode="auto">
+            <a:xfrm>
+              <a:off x="3701" y="6186246"/>
+              <a:ext cx="504825" cy="681527"/>
+            </a:xfrm>
+            <a:custGeom>
+              <a:avLst/>
+              <a:gdLst/>
+              <a:ahLst/>
+              <a:cxnLst/>
+              <a:rect l="0" t="0" r="r" b="b"/>
+              <a:pathLst>
+                <a:path w="106" h="143">
+                  <a:moveTo>
+                    <a:pt x="0" y="0"/>
+                  </a:moveTo>
+                  <a:cubicBezTo>
+                    <a:pt x="35" y="54"/>
+                    <a:pt x="70" y="101"/>
+                    <a:pt x="106" y="143"/>
+                  </a:cubicBezTo>
+                </a:path>
+              </a:pathLst>
+            </a:custGeom>
+            <a:noFill/>
+            <a:ln w="4763" cap="flat">
+              <a:solidFill>
+                <a:schemeClr val="tx1">
+                  <a:alpha val="20000"/>
+                </a:schemeClr>
+              </a:solidFill>
+              <a:prstDash val="solid"/>
+              <a:miter lim="800000"/>
+              <a:headEnd/>
+              <a:tailEnd/>
+            </a:ln>
+            <a:extLst>
+              <a:ext uri="{909E8E84-426E-40DD-AFC4-6F175D3DCCD1}">
+                <a14:hiddenFill xmlns:a14="http://schemas.microsoft.com/office/drawing/2010/main">
+                  <a:solidFill>
+                    <a:srgbClr val="FFFFFF"/>
+                  </a:solidFill>
+                </a14:hiddenFill>
+              </a:ext>
+            </a:extLst>
+          </p:spPr>
+        </p:sp>
+        <p:sp>
+          <p:nvSpPr>
+            <p:cNvPr id="16" name="Freeform 10">
+              <a:extLst>
+                <a:ext uri="{FF2B5EF4-FFF2-40B4-BE49-F238E27FC236}">
+                  <a16:creationId xmlns:a16="http://schemas.microsoft.com/office/drawing/2014/main" id="{B95F2EFB-87E6-4400-AAF3-7EB8B4F1561C}"/>
+                </a:ext>
+                <a:ext uri="{C183D7F6-B498-43B3-948B-1728B52AA6E4}">
+                  <adec:decorative xmlns:adec="http://schemas.microsoft.com/office/drawing/2017/decorative" val="1"/>
+                </a:ext>
+              </a:extLst>
+            </p:cNvPr>
+            <p:cNvSpPr/>
+            <p:nvPr>
+              <p:extLst>
+                <p:ext uri="{386F3935-93C4-4BCD-93E2-E3B085C9AB24}">
+                  <p16:designElem xmlns:p16="http://schemas.microsoft.com/office/powerpoint/2015/main" val="1"/>
+                </p:ext>
+              </p:extLst>
+            </p:nvPr>
+          </p:nvSpPr>
+          <p:spPr bwMode="auto">
+            <a:xfrm>
+              <a:off x="-1061" y="-51881"/>
+              <a:ext cx="11091863" cy="6923796"/>
+            </a:xfrm>
+            <a:custGeom>
+              <a:avLst/>
+              <a:gdLst/>
+              <a:ahLst/>
+              <a:cxnLst/>
+              <a:rect l="0" t="0" r="r" b="b"/>
+              <a:pathLst>
+                <a:path w="2330" h="1452">
+                  <a:moveTo>
+                    <a:pt x="2046" y="1452"/>
+                  </a:moveTo>
+                  <a:cubicBezTo>
+                    <a:pt x="2330" y="1153"/>
+                    <a:pt x="2049" y="821"/>
+                    <a:pt x="1813" y="601"/>
+                  </a:cubicBezTo>
+                  <a:cubicBezTo>
+                    <a:pt x="1569" y="375"/>
+                    <a:pt x="1282" y="179"/>
+                    <a:pt x="956" y="97"/>
+                  </a:cubicBezTo>
+                  <a:cubicBezTo>
+                    <a:pt x="572" y="0"/>
+                    <a:pt x="292" y="101"/>
+                    <a:pt x="0" y="366"/>
+                  </a:cubicBezTo>
+                </a:path>
+              </a:pathLst>
+            </a:custGeom>
+            <a:noFill/>
+            <a:ln w="9525" cap="flat">
+              <a:solidFill>
+                <a:schemeClr val="tx1">
+                  <a:alpha val="20000"/>
+                </a:schemeClr>
+              </a:solidFill>
+              <a:prstDash val="solid"/>
+              <a:miter lim="800000"/>
+              <a:headEnd/>
+              <a:tailEnd/>
+            </a:ln>
+            <a:extLst>
+              <a:ext uri="{909E8E84-426E-40DD-AFC4-6F175D3DCCD1}">
+                <a14:hiddenFill xmlns:a14="http://schemas.microsoft.com/office/drawing/2010/main">
+                  <a:solidFill>
+                    <a:srgbClr val="FFFFFF"/>
+                  </a:solidFill>
+                </a14:hiddenFill>
+              </a:ext>
+            </a:extLst>
+          </p:spPr>
+        </p:sp>
+        <p:sp>
+          <p:nvSpPr>
+            <p:cNvPr id="17" name="Freeform 11">
+              <a:extLst>
+                <a:ext uri="{FF2B5EF4-FFF2-40B4-BE49-F238E27FC236}">
+                  <a16:creationId xmlns:a16="http://schemas.microsoft.com/office/drawing/2014/main" id="{1D463476-2BC7-418C-9D6F-51444B11A722}"/>
+                </a:ext>
+                <a:ext uri="{C183D7F6-B498-43B3-948B-1728B52AA6E4}">
+                  <adec:decorative xmlns:adec="http://schemas.microsoft.com/office/drawing/2017/decorative" val="1"/>
+                </a:ext>
+              </a:extLst>
+            </p:cNvPr>
+            <p:cNvSpPr/>
+            <p:nvPr>
+              <p:extLst>
+                <p:ext uri="{386F3935-93C4-4BCD-93E2-E3B085C9AB24}">
+                  <p16:designElem xmlns:p16="http://schemas.microsoft.com/office/powerpoint/2015/main" val="1"/>
+                </p:ext>
+              </p:extLst>
+            </p:nvPr>
+          </p:nvSpPr>
+          <p:spPr bwMode="auto">
+            <a:xfrm>
+              <a:off x="5426601" y="5579"/>
+              <a:ext cx="5788025" cy="6847184"/>
+            </a:xfrm>
+            <a:custGeom>
+              <a:avLst/>
+              <a:gdLst/>
+              <a:ahLst/>
+              <a:cxnLst/>
+              <a:rect l="0" t="0" r="r" b="b"/>
+              <a:pathLst>
+                <a:path w="1216" h="1436">
+                  <a:moveTo>
+                    <a:pt x="1094" y="1436"/>
+                  </a:moveTo>
+                  <a:cubicBezTo>
+                    <a:pt x="1216" y="1114"/>
+                    <a:pt x="904" y="770"/>
+                    <a:pt x="709" y="551"/>
+                  </a:cubicBezTo>
+                  <a:cubicBezTo>
+                    <a:pt x="509" y="327"/>
+                    <a:pt x="274" y="127"/>
+                    <a:pt x="0" y="0"/>
+                  </a:cubicBezTo>
+                </a:path>
+              </a:pathLst>
+            </a:custGeom>
+            <a:noFill/>
+            <a:ln w="9525" cap="flat">
+              <a:solidFill>
+                <a:schemeClr val="tx1">
+                  <a:alpha val="20000"/>
+                </a:schemeClr>
+              </a:solidFill>
+              <a:prstDash val="solid"/>
+              <a:miter lim="800000"/>
+              <a:headEnd/>
+              <a:tailEnd/>
+            </a:ln>
+            <a:extLst>
+              <a:ext uri="{909E8E84-426E-40DD-AFC4-6F175D3DCCD1}">
+                <a14:hiddenFill xmlns:a14="http://schemas.microsoft.com/office/drawing/2010/main">
+                  <a:solidFill>
+                    <a:srgbClr val="FFFFFF"/>
+                  </a:solidFill>
+                </a14:hiddenFill>
+              </a:ext>
+            </a:extLst>
+          </p:spPr>
+        </p:sp>
+        <p:sp>
+          <p:nvSpPr>
+            <p:cNvPr id="18" name="Freeform 12">
+              <a:extLst>
+                <a:ext uri="{FF2B5EF4-FFF2-40B4-BE49-F238E27FC236}">
+                  <a16:creationId xmlns:a16="http://schemas.microsoft.com/office/drawing/2014/main" id="{24011122-2495-478A-81BF-ABBDEA1DA803}"/>
+                </a:ext>
+                <a:ext uri="{C183D7F6-B498-43B3-948B-1728B52AA6E4}">
+                  <adec:decorative xmlns:adec="http://schemas.microsoft.com/office/drawing/2017/decorative" val="1"/>
+                </a:ext>
+              </a:extLst>
+            </p:cNvPr>
+            <p:cNvSpPr/>
+            <p:nvPr>
+              <p:extLst>
+                <p:ext uri="{386F3935-93C4-4BCD-93E2-E3B085C9AB24}">
+                  <p16:designElem xmlns:p16="http://schemas.microsoft.com/office/powerpoint/2015/main" val="1"/>
+                </p:ext>
+              </p:extLst>
+            </p:nvPr>
+          </p:nvSpPr>
+          <p:spPr bwMode="auto">
+            <a:xfrm>
+              <a:off x="-1061" y="5579"/>
+              <a:ext cx="1057275" cy="614491"/>
+            </a:xfrm>
+            <a:custGeom>
+              <a:avLst/>
+              <a:gdLst/>
+              <a:ahLst/>
+              <a:cxnLst/>
+              <a:rect l="0" t="0" r="r" b="b"/>
+              <a:pathLst>
+                <a:path w="222" h="129">
+                  <a:moveTo>
+                    <a:pt x="222" y="0"/>
+                  </a:moveTo>
+                  <a:cubicBezTo>
+                    <a:pt x="152" y="35"/>
+                    <a:pt x="76" y="78"/>
+                    <a:pt x="0" y="129"/>
+                  </a:cubicBezTo>
+                </a:path>
+              </a:pathLst>
+            </a:custGeom>
+            <a:noFill/>
+            <a:ln w="9525" cap="flat">
+              <a:solidFill>
+                <a:schemeClr val="tx1">
+                  <a:alpha val="20000"/>
+                </a:schemeClr>
+              </a:solidFill>
+              <a:prstDash val="solid"/>
+              <a:miter lim="800000"/>
+              <a:headEnd/>
+              <a:tailEnd/>
+            </a:ln>
+            <a:extLst>
+              <a:ext uri="{909E8E84-426E-40DD-AFC4-6F175D3DCCD1}">
+                <a14:hiddenFill xmlns:a14="http://schemas.microsoft.com/office/drawing/2010/main">
+                  <a:solidFill>
+                    <a:srgbClr val="FFFFFF"/>
+                  </a:solidFill>
+                </a14:hiddenFill>
+              </a:ext>
+            </a:extLst>
+          </p:spPr>
+        </p:sp>
+        <p:sp>
+          <p:nvSpPr>
+            <p:cNvPr id="19" name="Freeform 13">
+              <a:extLst>
+                <a:ext uri="{FF2B5EF4-FFF2-40B4-BE49-F238E27FC236}">
+                  <a16:creationId xmlns:a16="http://schemas.microsoft.com/office/drawing/2014/main" id="{C79E87C5-E5B3-476B-B539-FC9CF4A33B72}"/>
+                </a:ext>
+                <a:ext uri="{C183D7F6-B498-43B3-948B-1728B52AA6E4}">
+                  <adec:decorative xmlns:adec="http://schemas.microsoft.com/office/drawing/2017/decorative" val="1"/>
+                </a:ext>
+              </a:extLst>
+            </p:cNvPr>
+            <p:cNvSpPr/>
+            <p:nvPr>
+              <p:extLst>
+                <p:ext uri="{386F3935-93C4-4BCD-93E2-E3B085C9AB24}">
+                  <p16:designElem xmlns:p16="http://schemas.microsoft.com/office/powerpoint/2015/main" val="1"/>
+                </p:ext>
+              </p:extLst>
+            </p:nvPr>
+          </p:nvSpPr>
+          <p:spPr bwMode="auto">
+            <a:xfrm>
+              <a:off x="5821889" y="5579"/>
+              <a:ext cx="5588000" cy="6866337"/>
+            </a:xfrm>
+            <a:custGeom>
+              <a:avLst/>
+              <a:gdLst/>
+              <a:ahLst/>
+              <a:cxnLst/>
+              <a:rect l="0" t="0" r="r" b="b"/>
+              <a:pathLst>
+                <a:path w="1174" h="1440">
+                  <a:moveTo>
+                    <a:pt x="1067" y="1440"/>
+                  </a:moveTo>
+                  <a:cubicBezTo>
+                    <a:pt x="1174" y="1124"/>
+                    <a:pt x="887" y="797"/>
+                    <a:pt x="698" y="577"/>
+                  </a:cubicBezTo>
+                  <a:cubicBezTo>
+                    <a:pt x="500" y="348"/>
+                    <a:pt x="270" y="141"/>
+                    <a:pt x="0" y="0"/>
+                  </a:cubicBezTo>
+                </a:path>
+              </a:pathLst>
+            </a:custGeom>
+            <a:noFill/>
+            <a:ln w="9525" cap="flat">
+              <a:solidFill>
+                <a:schemeClr val="tx1">
+                  <a:alpha val="20000"/>
+                </a:schemeClr>
+              </a:solidFill>
+              <a:prstDash val="dash"/>
+              <a:miter lim="800000"/>
+              <a:headEnd/>
+              <a:tailEnd/>
+            </a:ln>
+            <a:extLst>
+              <a:ext uri="{909E8E84-426E-40DD-AFC4-6F175D3DCCD1}">
+                <a14:hiddenFill xmlns:a14="http://schemas.microsoft.com/office/drawing/2010/main">
+                  <a:solidFill>
+                    <a:srgbClr val="FFFFFF"/>
+                  </a:solidFill>
+                </a14:hiddenFill>
+              </a:ext>
+            </a:extLst>
+          </p:spPr>
+        </p:sp>
+        <p:sp>
+          <p:nvSpPr>
+            <p:cNvPr id="20" name="Freeform 14">
+              <a:extLst>
+                <a:ext uri="{FF2B5EF4-FFF2-40B4-BE49-F238E27FC236}">
+                  <a16:creationId xmlns:a16="http://schemas.microsoft.com/office/drawing/2014/main" id="{956029CA-2B38-434D-9044-5FF3A1ECD17D}"/>
+                </a:ext>
+                <a:ext uri="{C183D7F6-B498-43B3-948B-1728B52AA6E4}">
+                  <adec:decorative xmlns:adec="http://schemas.microsoft.com/office/drawing/2017/decorative" val="1"/>
+                </a:ext>
+              </a:extLst>
+            </p:cNvPr>
+            <p:cNvSpPr/>
+            <p:nvPr>
+              <p:extLst>
+                <p:ext uri="{386F3935-93C4-4BCD-93E2-E3B085C9AB24}">
+                  <p16:designElem xmlns:p16="http://schemas.microsoft.com/office/powerpoint/2015/main" val="1"/>
+                </p:ext>
+              </p:extLst>
+            </p:nvPr>
+          </p:nvSpPr>
+          <p:spPr bwMode="auto">
+            <a:xfrm>
+              <a:off x="3701" y="790"/>
+              <a:ext cx="595313" cy="352734"/>
+            </a:xfrm>
+            <a:custGeom>
+              <a:avLst/>
+              <a:gdLst/>
+              <a:ahLst/>
+              <a:cxnLst/>
+              <a:rect l="0" t="0" r="r" b="b"/>
+              <a:pathLst>
+                <a:path w="125" h="74">
+                  <a:moveTo>
+                    <a:pt x="125" y="0"/>
+                  </a:moveTo>
+                  <a:cubicBezTo>
+                    <a:pt x="85" y="22"/>
+                    <a:pt x="43" y="47"/>
+                    <a:pt x="0" y="74"/>
+                  </a:cubicBezTo>
+                </a:path>
+              </a:pathLst>
+            </a:custGeom>
+            <a:noFill/>
+            <a:ln w="9525" cap="flat">
+              <a:solidFill>
+                <a:schemeClr val="tx1">
+                  <a:alpha val="20000"/>
+                </a:schemeClr>
+              </a:solidFill>
+              <a:prstDash val="dash"/>
+              <a:miter lim="800000"/>
+              <a:headEnd/>
+              <a:tailEnd/>
+            </a:ln>
+            <a:extLst>
+              <a:ext uri="{909E8E84-426E-40DD-AFC4-6F175D3DCCD1}">
+                <a14:hiddenFill xmlns:a14="http://schemas.microsoft.com/office/drawing/2010/main">
+                  <a:solidFill>
+                    <a:srgbClr val="FFFFFF"/>
+                  </a:solidFill>
+                </a14:hiddenFill>
+              </a:ext>
+            </a:extLst>
+          </p:spPr>
+        </p:sp>
+        <p:sp>
+          <p:nvSpPr>
+            <p:cNvPr id="21" name="Freeform 15">
+              <a:extLst>
+                <a:ext uri="{FF2B5EF4-FFF2-40B4-BE49-F238E27FC236}">
+                  <a16:creationId xmlns:a16="http://schemas.microsoft.com/office/drawing/2014/main" id="{9514CFB6-E8DB-43DC-B1CD-9CC2D4B27647}"/>
+                </a:ext>
+                <a:ext uri="{C183D7F6-B498-43B3-948B-1728B52AA6E4}">
+                  <adec:decorative xmlns:adec="http://schemas.microsoft.com/office/drawing/2017/decorative" val="1"/>
+                </a:ext>
+              </a:extLst>
+            </p:cNvPr>
+            <p:cNvSpPr/>
+            <p:nvPr>
+              <p:extLst>
+                <p:ext uri="{386F3935-93C4-4BCD-93E2-E3B085C9AB24}">
+                  <p16:designElem xmlns:p16="http://schemas.microsoft.com/office/powerpoint/2015/main" val="1"/>
+                </p:ext>
+              </p:extLst>
+            </p:nvPr>
+          </p:nvSpPr>
+          <p:spPr bwMode="auto">
+            <a:xfrm>
+              <a:off x="6012389" y="5579"/>
+              <a:ext cx="5497513" cy="6866337"/>
+            </a:xfrm>
+            <a:custGeom>
+              <a:avLst/>
+              <a:gdLst/>
+              <a:ahLst/>
+              <a:cxnLst/>
+              <a:rect l="0" t="0" r="r" b="b"/>
+              <a:pathLst>
+                <a:path w="1155" h="1440">
+                  <a:moveTo>
+                    <a:pt x="1056" y="1440"/>
+                  </a:moveTo>
+                  <a:cubicBezTo>
+                    <a:pt x="1155" y="1123"/>
+                    <a:pt x="875" y="801"/>
+                    <a:pt x="686" y="580"/>
+                  </a:cubicBezTo>
+                  <a:cubicBezTo>
+                    <a:pt x="491" y="352"/>
+                    <a:pt x="264" y="145"/>
+                    <a:pt x="0" y="0"/>
+                  </a:cubicBezTo>
+                </a:path>
+              </a:pathLst>
+            </a:custGeom>
+            <a:noFill/>
+            <a:ln w="12700" cap="flat">
+              <a:solidFill>
+                <a:schemeClr val="tx1">
+                  <a:alpha val="20000"/>
+                </a:schemeClr>
+              </a:solidFill>
+              <a:prstDash val="dashDot"/>
+              <a:miter lim="800000"/>
+              <a:headEnd/>
+              <a:tailEnd/>
+            </a:ln>
+            <a:extLst>
+              <a:ext uri="{909E8E84-426E-40DD-AFC4-6F175D3DCCD1}">
+                <a14:hiddenFill xmlns:a14="http://schemas.microsoft.com/office/drawing/2010/main">
+                  <a:solidFill>
+                    <a:srgbClr val="FFFFFF"/>
+                  </a:solidFill>
+                </a14:hiddenFill>
+              </a:ext>
+            </a:extLst>
+          </p:spPr>
+        </p:sp>
+        <p:sp>
+          <p:nvSpPr>
+            <p:cNvPr id="22" name="Freeform 16">
+              <a:extLst>
+                <a:ext uri="{FF2B5EF4-FFF2-40B4-BE49-F238E27FC236}">
+                  <a16:creationId xmlns:a16="http://schemas.microsoft.com/office/drawing/2014/main" id="{BD8C1FC8-E550-45BE-9F30-822BAB3781EE}"/>
+                </a:ext>
+                <a:ext uri="{C183D7F6-B498-43B3-948B-1728B52AA6E4}">
+                  <adec:decorative xmlns:adec="http://schemas.microsoft.com/office/drawing/2017/decorative" val="1"/>
+                </a:ext>
+              </a:extLst>
+            </p:cNvPr>
+            <p:cNvSpPr/>
+            <p:nvPr>
+              <p:extLst>
+                <p:ext uri="{386F3935-93C4-4BCD-93E2-E3B085C9AB24}">
+                  <p16:designElem xmlns:p16="http://schemas.microsoft.com/office/powerpoint/2015/main" val="1"/>
+                </p:ext>
+              </p:extLst>
+            </p:nvPr>
+          </p:nvSpPr>
+          <p:spPr bwMode="auto">
+            <a:xfrm>
+              <a:off x="-1061" y="5579"/>
+              <a:ext cx="357188" cy="213875"/>
+            </a:xfrm>
+            <a:custGeom>
+              <a:avLst/>
+              <a:gdLst/>
+              <a:ahLst/>
+              <a:cxnLst/>
+              <a:rect l="0" t="0" r="r" b="b"/>
+              <a:pathLst>
+                <a:path w="75" h="45">
+                  <a:moveTo>
+                    <a:pt x="75" y="0"/>
+                  </a:moveTo>
+                  <a:cubicBezTo>
+                    <a:pt x="50" y="14"/>
+                    <a:pt x="25" y="29"/>
+                    <a:pt x="0" y="45"/>
+                  </a:cubicBezTo>
+                </a:path>
+              </a:pathLst>
+            </a:custGeom>
+            <a:noFill/>
+            <a:ln w="12700" cap="flat">
+              <a:solidFill>
+                <a:schemeClr val="tx1">
+                  <a:alpha val="20000"/>
+                </a:schemeClr>
+              </a:solidFill>
+              <a:prstDash val="dashDot"/>
+              <a:miter lim="800000"/>
+              <a:headEnd/>
+              <a:tailEnd/>
+            </a:ln>
+            <a:extLst>
+              <a:ext uri="{909E8E84-426E-40DD-AFC4-6F175D3DCCD1}">
+                <a14:hiddenFill xmlns:a14="http://schemas.microsoft.com/office/drawing/2010/main">
+                  <a:solidFill>
+                    <a:srgbClr val="FFFFFF"/>
+                  </a:solidFill>
+                </a14:hiddenFill>
+              </a:ext>
+            </a:extLst>
+          </p:spPr>
+        </p:sp>
+        <p:sp>
+          <p:nvSpPr>
+            <p:cNvPr id="23" name="Freeform 17">
+              <a:extLst>
+                <a:ext uri="{FF2B5EF4-FFF2-40B4-BE49-F238E27FC236}">
+                  <a16:creationId xmlns:a16="http://schemas.microsoft.com/office/drawing/2014/main" id="{D1646B5D-A7B7-41EC-9591-0E0C0F4F949D}"/>
+                </a:ext>
+                <a:ext uri="{C183D7F6-B498-43B3-948B-1728B52AA6E4}">
+                  <adec:decorative xmlns:adec="http://schemas.microsoft.com/office/drawing/2017/decorative" val="1"/>
+                </a:ext>
+              </a:extLst>
+            </p:cNvPr>
+            <p:cNvSpPr/>
+            <p:nvPr>
+              <p:extLst>
+                <p:ext uri="{386F3935-93C4-4BCD-93E2-E3B085C9AB24}">
+                  <p16:designElem xmlns:p16="http://schemas.microsoft.com/office/powerpoint/2015/main" val="1"/>
+                </p:ext>
+              </p:extLst>
+            </p:nvPr>
+          </p:nvSpPr>
+          <p:spPr bwMode="auto">
+            <a:xfrm>
+              <a:off x="6210826" y="790"/>
+              <a:ext cx="5522913" cy="6871126"/>
+            </a:xfrm>
+            <a:custGeom>
+              <a:avLst/>
+              <a:gdLst/>
+              <a:ahLst/>
+              <a:cxnLst/>
+              <a:rect l="0" t="0" r="r" b="b"/>
+              <a:pathLst>
+                <a:path w="1160" h="1441">
+                  <a:moveTo>
+                    <a:pt x="1053" y="1441"/>
+                  </a:moveTo>
+                  <a:cubicBezTo>
+                    <a:pt x="1160" y="1129"/>
+                    <a:pt x="892" y="817"/>
+                    <a:pt x="705" y="599"/>
+                  </a:cubicBezTo>
+                  <a:cubicBezTo>
+                    <a:pt x="503" y="365"/>
+                    <a:pt x="270" y="152"/>
+                    <a:pt x="0" y="0"/>
+                  </a:cubicBezTo>
+                </a:path>
+              </a:pathLst>
+            </a:custGeom>
+            <a:noFill/>
+            <a:ln w="9525" cap="flat">
+              <a:solidFill>
+                <a:schemeClr val="tx1">
+                  <a:alpha val="20000"/>
+                </a:schemeClr>
+              </a:solidFill>
+              <a:prstDash val="solid"/>
+              <a:miter lim="800000"/>
+              <a:headEnd/>
+              <a:tailEnd/>
+            </a:ln>
+            <a:extLst>
+              <a:ext uri="{909E8E84-426E-40DD-AFC4-6F175D3DCCD1}">
+                <a14:hiddenFill xmlns:a14="http://schemas.microsoft.com/office/drawing/2010/main">
+                  <a:solidFill>
+                    <a:srgbClr val="FFFFFF"/>
+                  </a:solidFill>
+                </a14:hiddenFill>
+              </a:ext>
+            </a:extLst>
+          </p:spPr>
+        </p:sp>
+        <p:sp>
+          <p:nvSpPr>
+            <p:cNvPr id="24" name="Freeform 18">
+              <a:extLst>
+                <a:ext uri="{FF2B5EF4-FFF2-40B4-BE49-F238E27FC236}">
+                  <a16:creationId xmlns:a16="http://schemas.microsoft.com/office/drawing/2014/main" id="{E2118E93-481E-4843-987E-378187AA37EF}"/>
+                </a:ext>
+                <a:ext uri="{C183D7F6-B498-43B3-948B-1728B52AA6E4}">
+                  <adec:decorative xmlns:adec="http://schemas.microsoft.com/office/drawing/2017/decorative" val="1"/>
+                </a:ext>
+              </a:extLst>
+            </p:cNvPr>
+            <p:cNvSpPr/>
+            <p:nvPr>
+              <p:extLst>
+                <p:ext uri="{386F3935-93C4-4BCD-93E2-E3B085C9AB24}">
+                  <p16:designElem xmlns:p16="http://schemas.microsoft.com/office/powerpoint/2015/main" val="1"/>
+                </p:ext>
+              </p:extLst>
+            </p:nvPr>
+          </p:nvSpPr>
+          <p:spPr bwMode="auto">
+            <a:xfrm>
+              <a:off x="6463239" y="5579"/>
+              <a:ext cx="5413375" cy="6866337"/>
+            </a:xfrm>
+            <a:custGeom>
+              <a:avLst/>
+              <a:gdLst/>
+              <a:ahLst/>
+              <a:cxnLst/>
+              <a:rect l="0" t="0" r="r" b="b"/>
+              <a:pathLst>
+                <a:path w="1137" h="1440">
+                  <a:moveTo>
+                    <a:pt x="1040" y="1440"/>
+                  </a:moveTo>
+                  <a:cubicBezTo>
+                    <a:pt x="1137" y="1131"/>
+                    <a:pt x="883" y="828"/>
+                    <a:pt x="698" y="611"/>
+                  </a:cubicBezTo>
+                  <a:cubicBezTo>
+                    <a:pt x="498" y="375"/>
+                    <a:pt x="268" y="159"/>
+                    <a:pt x="0" y="0"/>
+                  </a:cubicBezTo>
+                </a:path>
+              </a:pathLst>
+            </a:custGeom>
+            <a:noFill/>
+            <a:ln w="9525" cap="flat">
+              <a:solidFill>
+                <a:schemeClr val="tx1">
+                  <a:alpha val="20000"/>
+                </a:schemeClr>
+              </a:solidFill>
+              <a:prstDash val="solid"/>
+              <a:miter lim="800000"/>
+              <a:headEnd/>
+              <a:tailEnd/>
+            </a:ln>
+            <a:extLst>
+              <a:ext uri="{909E8E84-426E-40DD-AFC4-6F175D3DCCD1}">
+                <a14:hiddenFill xmlns:a14="http://schemas.microsoft.com/office/drawing/2010/main">
+                  <a:solidFill>
+                    <a:srgbClr val="FFFFFF"/>
+                  </a:solidFill>
+                </a14:hiddenFill>
+              </a:ext>
+            </a:extLst>
+          </p:spPr>
+        </p:sp>
+        <p:sp>
+          <p:nvSpPr>
+            <p:cNvPr id="25" name="Freeform 19">
+              <a:extLst>
+                <a:ext uri="{FF2B5EF4-FFF2-40B4-BE49-F238E27FC236}">
+                  <a16:creationId xmlns:a16="http://schemas.microsoft.com/office/drawing/2014/main" id="{77038464-F4E2-47EC-A87F-18469191E3AB}"/>
+                </a:ext>
+                <a:ext uri="{C183D7F6-B498-43B3-948B-1728B52AA6E4}">
+                  <adec:decorative xmlns:adec="http://schemas.microsoft.com/office/drawing/2017/decorative" val="1"/>
+                </a:ext>
+              </a:extLst>
+            </p:cNvPr>
+            <p:cNvSpPr/>
+            <p:nvPr>
+              <p:extLst>
+                <p:ext uri="{386F3935-93C4-4BCD-93E2-E3B085C9AB24}">
+                  <p16:designElem xmlns:p16="http://schemas.microsoft.com/office/powerpoint/2015/main" val="1"/>
+                </p:ext>
+              </p:extLst>
+            </p:nvPr>
+          </p:nvSpPr>
+          <p:spPr bwMode="auto">
+            <a:xfrm>
+              <a:off x="6877576" y="5579"/>
+              <a:ext cx="5037138" cy="6861550"/>
+            </a:xfrm>
+            <a:custGeom>
+              <a:avLst/>
+              <a:gdLst/>
+              <a:ahLst/>
+              <a:cxnLst/>
+              <a:rect l="0" t="0" r="r" b="b"/>
+              <a:pathLst>
+                <a:path w="1058" h="1439">
+                  <a:moveTo>
+                    <a:pt x="1011" y="1439"/>
+                  </a:moveTo>
+                  <a:cubicBezTo>
+                    <a:pt x="1058" y="1131"/>
+                    <a:pt x="825" y="841"/>
+                    <a:pt x="648" y="617"/>
+                  </a:cubicBezTo>
+                  <a:cubicBezTo>
+                    <a:pt x="462" y="383"/>
+                    <a:pt x="248" y="168"/>
+                    <a:pt x="0" y="0"/>
+                  </a:cubicBezTo>
+                </a:path>
+              </a:pathLst>
+            </a:custGeom>
+            <a:noFill/>
+            <a:ln w="9525" cap="flat">
+              <a:solidFill>
+                <a:schemeClr val="tx1">
+                  <a:alpha val="20000"/>
+                </a:schemeClr>
+              </a:solidFill>
+              <a:prstDash val="solid"/>
+              <a:miter lim="800000"/>
+              <a:headEnd/>
+              <a:tailEnd/>
+            </a:ln>
+            <a:extLst>
+              <a:ext uri="{909E8E84-426E-40DD-AFC4-6F175D3DCCD1}">
+                <a14:hiddenFill xmlns:a14="http://schemas.microsoft.com/office/drawing/2010/main">
+                  <a:solidFill>
+                    <a:srgbClr val="FFFFFF"/>
+                  </a:solidFill>
+                </a14:hiddenFill>
+              </a:ext>
+            </a:extLst>
+          </p:spPr>
+        </p:sp>
+        <p:sp>
+          <p:nvSpPr>
+            <p:cNvPr id="26" name="Freeform 20">
+              <a:extLst>
+                <a:ext uri="{FF2B5EF4-FFF2-40B4-BE49-F238E27FC236}">
+                  <a16:creationId xmlns:a16="http://schemas.microsoft.com/office/drawing/2014/main" id="{FB3BBEB1-E146-408F-95B7-EE2F269DE19E}"/>
+                </a:ext>
+                <a:ext uri="{C183D7F6-B498-43B3-948B-1728B52AA6E4}">
+                  <adec:decorative xmlns:adec="http://schemas.microsoft.com/office/drawing/2017/decorative" val="1"/>
+                </a:ext>
+              </a:extLst>
+            </p:cNvPr>
+            <p:cNvSpPr/>
+            <p:nvPr>
+              <p:extLst>
+                <p:ext uri="{386F3935-93C4-4BCD-93E2-E3B085C9AB24}">
+                  <p16:designElem xmlns:p16="http://schemas.microsoft.com/office/powerpoint/2015/main" val="1"/>
+                </p:ext>
+              </p:extLst>
+            </p:nvPr>
+          </p:nvSpPr>
+          <p:spPr bwMode="auto">
+            <a:xfrm>
+              <a:off x="8768289" y="5579"/>
+              <a:ext cx="3417888" cy="2742066"/>
+            </a:xfrm>
+            <a:custGeom>
+              <a:avLst/>
+              <a:gdLst/>
+              <a:ahLst/>
+              <a:cxnLst/>
+              <a:rect l="0" t="0" r="r" b="b"/>
+              <a:pathLst>
+                <a:path w="718" h="575">
+                  <a:moveTo>
+                    <a:pt x="718" y="575"/>
+                  </a:moveTo>
+                  <a:cubicBezTo>
+                    <a:pt x="500" y="360"/>
+                    <a:pt x="260" y="163"/>
+                    <a:pt x="0" y="0"/>
+                  </a:cubicBezTo>
+                </a:path>
+              </a:pathLst>
+            </a:custGeom>
+            <a:noFill/>
+            <a:ln w="9525" cap="flat">
+              <a:solidFill>
+                <a:schemeClr val="tx1">
+                  <a:alpha val="20000"/>
+                </a:schemeClr>
+              </a:solidFill>
+              <a:prstDash val="solid"/>
+              <a:miter lim="800000"/>
+              <a:headEnd/>
+              <a:tailEnd/>
+            </a:ln>
+            <a:extLst>
+              <a:ext uri="{909E8E84-426E-40DD-AFC4-6F175D3DCCD1}">
+                <a14:hiddenFill xmlns:a14="http://schemas.microsoft.com/office/drawing/2010/main">
+                  <a:solidFill>
+                    <a:srgbClr val="FFFFFF"/>
+                  </a:solidFill>
+                </a14:hiddenFill>
+              </a:ext>
+            </a:extLst>
+          </p:spPr>
+        </p:sp>
+        <p:sp>
+          <p:nvSpPr>
+            <p:cNvPr id="27" name="Freeform 21">
+              <a:extLst>
+                <a:ext uri="{FF2B5EF4-FFF2-40B4-BE49-F238E27FC236}">
+                  <a16:creationId xmlns:a16="http://schemas.microsoft.com/office/drawing/2014/main" id="{C765B285-56EC-47FC-B116-274EBBD61ADC}"/>
+                </a:ext>
+                <a:ext uri="{C183D7F6-B498-43B3-948B-1728B52AA6E4}">
+                  <adec:decorative xmlns:adec="http://schemas.microsoft.com/office/drawing/2017/decorative" val="1"/>
+                </a:ext>
+              </a:extLst>
+            </p:cNvPr>
+            <p:cNvSpPr/>
+            <p:nvPr>
+              <p:extLst>
+                <p:ext uri="{386F3935-93C4-4BCD-93E2-E3B085C9AB24}">
+                  <p16:designElem xmlns:p16="http://schemas.microsoft.com/office/powerpoint/2015/main" val="1"/>
+                </p:ext>
+              </p:extLst>
+            </p:nvPr>
+          </p:nvSpPr>
+          <p:spPr bwMode="auto">
+            <a:xfrm>
+              <a:off x="9235014" y="10367"/>
+              <a:ext cx="2951163" cy="2555325"/>
+            </a:xfrm>
+            <a:custGeom>
+              <a:avLst/>
+              <a:gdLst/>
+              <a:ahLst/>
+              <a:cxnLst/>
+              <a:rect l="0" t="0" r="r" b="b"/>
+              <a:pathLst>
+                <a:path w="620" h="536">
+                  <a:moveTo>
+                    <a:pt x="620" y="536"/>
+                  </a:moveTo>
+                  <a:cubicBezTo>
+                    <a:pt x="404" y="314"/>
+                    <a:pt x="196" y="138"/>
+                    <a:pt x="0" y="0"/>
+                  </a:cubicBezTo>
+                </a:path>
+              </a:pathLst>
+            </a:custGeom>
+            <a:noFill/>
+            <a:ln w="9525" cap="flat">
+              <a:solidFill>
+                <a:schemeClr val="tx1">
+                  <a:alpha val="20000"/>
+                </a:schemeClr>
+              </a:solidFill>
+              <a:prstDash val="solid"/>
+              <a:miter lim="800000"/>
+              <a:headEnd/>
+              <a:tailEnd/>
+            </a:ln>
+            <a:extLst>
+              <a:ext uri="{909E8E84-426E-40DD-AFC4-6F175D3DCCD1}">
+                <a14:hiddenFill xmlns:a14="http://schemas.microsoft.com/office/drawing/2010/main">
+                  <a:solidFill>
+                    <a:srgbClr val="FFFFFF"/>
+                  </a:solidFill>
+                </a14:hiddenFill>
+              </a:ext>
+            </a:extLst>
+          </p:spPr>
+        </p:sp>
+        <p:sp>
+          <p:nvSpPr>
+            <p:cNvPr id="28" name="Freeform 22">
+              <a:extLst>
+                <a:ext uri="{FF2B5EF4-FFF2-40B4-BE49-F238E27FC236}">
+                  <a16:creationId xmlns:a16="http://schemas.microsoft.com/office/drawing/2014/main" id="{CB4A6191-6913-42EA-905E-8A174AE2C994}"/>
+                </a:ext>
+                <a:ext uri="{C183D7F6-B498-43B3-948B-1728B52AA6E4}">
+                  <adec:decorative xmlns:adec="http://schemas.microsoft.com/office/drawing/2017/decorative" val="1"/>
+                </a:ext>
+              </a:extLst>
+            </p:cNvPr>
+            <p:cNvSpPr/>
+            <p:nvPr>
+              <p:extLst>
+                <p:ext uri="{386F3935-93C4-4BCD-93E2-E3B085C9AB24}">
+                  <p16:designElem xmlns:p16="http://schemas.microsoft.com/office/powerpoint/2015/main" val="1"/>
+                </p:ext>
+              </p:extLst>
+            </p:nvPr>
+          </p:nvSpPr>
+          <p:spPr bwMode="auto">
+            <a:xfrm>
+              <a:off x="10020826" y="5579"/>
+              <a:ext cx="2165350" cy="1358265"/>
+            </a:xfrm>
+            <a:custGeom>
+              <a:avLst/>
+              <a:gdLst/>
+              <a:ahLst/>
+              <a:cxnLst/>
+              <a:rect l="0" t="0" r="r" b="b"/>
+              <a:pathLst>
+                <a:path w="455" h="285">
+                  <a:moveTo>
+                    <a:pt x="0" y="0"/>
+                  </a:moveTo>
+                  <a:cubicBezTo>
+                    <a:pt x="153" y="85"/>
+                    <a:pt x="308" y="180"/>
+                    <a:pt x="455" y="285"/>
+                  </a:cubicBezTo>
+                </a:path>
+              </a:pathLst>
+            </a:custGeom>
+            <a:noFill/>
+            <a:ln w="9525" cap="flat">
+              <a:solidFill>
+                <a:schemeClr val="tx1">
+                  <a:alpha val="20000"/>
+                </a:schemeClr>
+              </a:solidFill>
+              <a:prstDash val="dash"/>
+              <a:miter lim="800000"/>
+              <a:headEnd/>
+              <a:tailEnd/>
+            </a:ln>
+            <a:extLst>
+              <a:ext uri="{909E8E84-426E-40DD-AFC4-6F175D3DCCD1}">
+                <a14:hiddenFill xmlns:a14="http://schemas.microsoft.com/office/drawing/2010/main">
+                  <a:solidFill>
+                    <a:srgbClr val="FFFFFF"/>
+                  </a:solidFill>
+                </a14:hiddenFill>
+              </a:ext>
+            </a:extLst>
+          </p:spPr>
+        </p:sp>
+        <p:sp>
+          <p:nvSpPr>
+            <p:cNvPr id="29" name="Freeform 23">
+              <a:extLst>
+                <a:ext uri="{FF2B5EF4-FFF2-40B4-BE49-F238E27FC236}">
+                  <a16:creationId xmlns:a16="http://schemas.microsoft.com/office/drawing/2014/main" id="{8ADEEF92-F481-475A-845C-5E940F0D5594}"/>
+                </a:ext>
+                <a:ext uri="{C183D7F6-B498-43B3-948B-1728B52AA6E4}">
+                  <adec:decorative xmlns:adec="http://schemas.microsoft.com/office/drawing/2017/decorative" val="1"/>
+                </a:ext>
+              </a:extLst>
+            </p:cNvPr>
+            <p:cNvSpPr/>
+            <p:nvPr>
+              <p:extLst>
+                <p:ext uri="{386F3935-93C4-4BCD-93E2-E3B085C9AB24}">
+                  <p16:designElem xmlns:p16="http://schemas.microsoft.com/office/powerpoint/2015/main" val="1"/>
+                </p:ext>
+              </p:extLst>
+            </p:nvPr>
+          </p:nvSpPr>
+          <p:spPr bwMode="auto">
+            <a:xfrm>
+              <a:off x="11290826" y="5579"/>
+              <a:ext cx="895350" cy="534687"/>
+            </a:xfrm>
+            <a:custGeom>
+              <a:avLst/>
+              <a:gdLst/>
+              <a:ahLst/>
+              <a:cxnLst/>
+              <a:rect l="0" t="0" r="r" b="b"/>
+              <a:pathLst>
+                <a:path w="188" h="112">
+                  <a:moveTo>
+                    <a:pt x="0" y="0"/>
+                  </a:moveTo>
+                  <a:cubicBezTo>
+                    <a:pt x="63" y="36"/>
+                    <a:pt x="126" y="73"/>
+                    <a:pt x="188" y="112"/>
+                  </a:cubicBezTo>
+                </a:path>
+              </a:pathLst>
+            </a:custGeom>
+            <a:noFill/>
+            <a:ln w="9525" cap="flat">
+              <a:solidFill>
+                <a:schemeClr val="tx1">
+                  <a:alpha val="20000"/>
+                </a:schemeClr>
+              </a:solidFill>
+              <a:prstDash val="solid"/>
+              <a:miter lim="800000"/>
+              <a:headEnd/>
+              <a:tailEnd/>
+            </a:ln>
+            <a:extLst>
+              <a:ext uri="{909E8E84-426E-40DD-AFC4-6F175D3DCCD1}">
+                <a14:hiddenFill xmlns:a14="http://schemas.microsoft.com/office/drawing/2010/main">
+                  <a:solidFill>
+                    <a:srgbClr val="FFFFFF"/>
+                  </a:solidFill>
+                </a14:hiddenFill>
+              </a:ext>
+            </a:extLst>
+          </p:spPr>
+        </p:sp>
+      </p:grpSp>
+      <p:sp>
+        <p:nvSpPr>
+          <p:cNvPr id="31" name="Freeform: Shape 30">
+            <a:extLst>
+              <a:ext uri="{FF2B5EF4-FFF2-40B4-BE49-F238E27FC236}">
+                <a16:creationId xmlns:a16="http://schemas.microsoft.com/office/drawing/2014/main" id="{D9C506D7-84CB-4057-A44A-465313E78538}"/>
+              </a:ext>
+              <a:ext uri="{C183D7F6-B498-43B3-948B-1728B52AA6E4}">
+                <adec:decorative xmlns:adec="http://schemas.microsoft.com/office/drawing/2017/decorative" val="1"/>
+              </a:ext>
+            </a:extLst>
+          </p:cNvPr>
+          <p:cNvSpPr>
+            <a:spLocks noGrp="1" noRot="1" noChangeAspect="1" noMove="1" noResize="1" noEditPoints="1" noAdjustHandles="1" noChangeArrowheads="1" noChangeShapeType="1" noTextEdit="1"/>
+          </p:cNvSpPr>
+          <p:nvPr>
+            <p:extLst>
+              <p:ext uri="{386F3935-93C4-4BCD-93E2-E3B085C9AB24}">
+                <p16:designElem xmlns:p16="http://schemas.microsoft.com/office/powerpoint/2015/main" val="1"/>
+              </p:ext>
+            </p:extLst>
+          </p:nvPr>
+        </p:nvSpPr>
+        <p:spPr>
+          <a:xfrm rot="20931529">
+            <a:off x="1630437" y="2448612"/>
+            <a:ext cx="3314067" cy="4259609"/>
+          </a:xfrm>
+          <a:custGeom>
+            <a:avLst/>
+            <a:gdLst>
+              <a:gd name="connsiteX0" fmla="*/ 404107 w 4507111"/>
+              <a:gd name="connsiteY0" fmla="*/ 0 h 4344781"/>
+              <a:gd name="connsiteX1" fmla="*/ 371857 w 4507111"/>
+              <a:gd name="connsiteY1" fmla="*/ 117359 h 4344781"/>
+              <a:gd name="connsiteX2" fmla="*/ 307833 w 4507111"/>
+              <a:gd name="connsiteY2" fmla="*/ 632970 h 4344781"/>
+              <a:gd name="connsiteX3" fmla="*/ 3569418 w 4507111"/>
+              <a:gd name="connsiteY3" fmla="*/ 4141149 h 4344781"/>
+              <a:gd name="connsiteX4" fmla="*/ 4440861 w 4507111"/>
+              <a:gd name="connsiteY4" fmla="*/ 4332480 h 4344781"/>
+              <a:gd name="connsiteX5" fmla="*/ 4507111 w 4507111"/>
+              <a:gd name="connsiteY5" fmla="*/ 4341752 h 4344781"/>
+              <a:gd name="connsiteX6" fmla="*/ 4296045 w 4507111"/>
+              <a:gd name="connsiteY6" fmla="*/ 4344781 h 4344781"/>
+              <a:gd name="connsiteX7" fmla="*/ 3749565 w 4507111"/>
+              <a:gd name="connsiteY7" fmla="*/ 4321853 h 4344781"/>
+              <a:gd name="connsiteX8" fmla="*/ 36764 w 4507111"/>
+              <a:gd name="connsiteY8" fmla="*/ 1629794 h 4344781"/>
+              <a:gd name="connsiteX9" fmla="*/ 300069 w 4507111"/>
+              <a:gd name="connsiteY9" fmla="*/ 144750 h 4344781"/>
+            </a:gdLst>
+            <a:ahLst/>
+            <a:cxnLst>
+              <a:cxn ang="0">
+                <a:pos x="connsiteX0" y="connsiteY0"/>
+              </a:cxn>
+              <a:cxn ang="0">
+                <a:pos x="connsiteX1" y="connsiteY1"/>
+              </a:cxn>
+              <a:cxn ang="0">
+                <a:pos x="connsiteX2" y="connsiteY2"/>
+              </a:cxn>
+              <a:cxn ang="0">
+                <a:pos x="connsiteX3" y="connsiteY3"/>
+              </a:cxn>
+              <a:cxn ang="0">
+                <a:pos x="connsiteX4" y="connsiteY4"/>
+              </a:cxn>
+              <a:cxn ang="0">
+                <a:pos x="connsiteX5" y="connsiteY5"/>
+              </a:cxn>
+              <a:cxn ang="0">
+                <a:pos x="connsiteX6" y="connsiteY6"/>
+              </a:cxn>
+              <a:cxn ang="0">
+                <a:pos x="connsiteX7" y="connsiteY7"/>
+              </a:cxn>
+              <a:cxn ang="0">
+                <a:pos x="connsiteX8" y="connsiteY8"/>
+              </a:cxn>
+              <a:cxn ang="0">
+                <a:pos x="connsiteX9" y="connsiteY9"/>
+              </a:cxn>
+            </a:cxnLst>
+            <a:rect l="l" t="t" r="r" b="b"/>
+            <a:pathLst>
+              <a:path w="4507111" h="4344781">
+                <a:moveTo>
+                  <a:pt x="404107" y="0"/>
+                </a:moveTo>
+                <a:lnTo>
+                  <a:pt x="371857" y="117359"/>
+                </a:lnTo>
+                <a:cubicBezTo>
+                  <a:pt x="333827" y="278567"/>
+                  <a:pt x="311875" y="450459"/>
+                  <a:pt x="307833" y="632970"/>
+                </a:cubicBezTo>
+                <a:cubicBezTo>
+                  <a:pt x="264711" y="2579752"/>
+                  <a:pt x="2253987" y="3769243"/>
+                  <a:pt x="3569418" y="4141149"/>
+                </a:cubicBezTo>
+                <a:cubicBezTo>
+                  <a:pt x="3816061" y="4210881"/>
+                  <a:pt x="4114807" y="4279754"/>
+                  <a:pt x="4440861" y="4332480"/>
+                </a:cubicBezTo>
+                <a:lnTo>
+                  <a:pt x="4507111" y="4341752"/>
+                </a:lnTo>
+                <a:lnTo>
+                  <a:pt x="4296045" y="4344781"/>
+                </a:lnTo>
+                <a:cubicBezTo>
+                  <a:pt x="4097363" y="4343711"/>
+                  <a:pt x="3912623" y="4335104"/>
+                  <a:pt x="3749565" y="4321853"/>
+                </a:cubicBezTo>
+                <a:cubicBezTo>
+                  <a:pt x="2445102" y="4215850"/>
+                  <a:pt x="356405" y="3466499"/>
+                  <a:pt x="36764" y="1629794"/>
+                </a:cubicBezTo>
+                <a:cubicBezTo>
+                  <a:pt x="-63123" y="1055823"/>
+                  <a:pt x="45741" y="555869"/>
+                  <a:pt x="300069" y="144750"/>
+                </a:cubicBezTo>
+                <a:close/>
+              </a:path>
+            </a:pathLst>
+          </a:custGeom>
+          <a:solidFill>
+            <a:schemeClr val="tx1">
+              <a:lumMod val="75000"/>
+              <a:lumOff val="25000"/>
+            </a:schemeClr>
+          </a:solidFill>
+          <a:ln>
+            <a:noFill/>
+          </a:ln>
+        </p:spPr>
+        <p:style>
+          <a:lnRef idx="2">
+            <a:schemeClr val="accent1">
+              <a:shade val="50000"/>
+            </a:schemeClr>
+          </a:lnRef>
+          <a:fillRef idx="1">
+            <a:schemeClr val="accent1"/>
+          </a:fillRef>
+          <a:effectRef idx="0">
+            <a:schemeClr val="accent1"/>
+          </a:effectRef>
+          <a:fontRef idx="minor">
+            <a:schemeClr val="lt1"/>
+          </a:fontRef>
+        </p:style>
+        <p:txBody>
+          <a:bodyPr wrap="square" rtlCol="0" anchor="ctr">
+            <a:noAutofit/>
+          </a:bodyPr>
+          <a:lstStyle/>
+          <a:p>
+            <a:pPr marL="0" marR="0" lvl="0" indent="0" algn="ctr" defTabSz="457200" rtl="0" eaLnBrk="1" fontAlgn="auto" latinLnBrk="0" hangingPunct="1">
+              <a:lnSpc>
+                <a:spcPct val="100000"/>
+              </a:lnSpc>
+              <a:spcBef>
+                <a:spcPts val="0"/>
+              </a:spcBef>
+              <a:spcAft>
+                <a:spcPts val="0"/>
+              </a:spcAft>
+              <a:buClrTx/>
+              <a:buSzTx/>
+              <a:buFontTx/>
+              <a:buNone/>
+              <a:tabLst/>
+              <a:defRPr/>
+            </a:pPr>
+            <a:endParaRPr kumimoji="0" lang="en-US" sz="1800" b="0" i="0" u="none" strike="noStrike" kern="1200" cap="none" spc="0" normalizeH="0" baseline="0" noProof="0">
+              <a:ln>
+                <a:noFill/>
+              </a:ln>
+              <a:solidFill>
+                <a:prstClr val="white"/>
+              </a:solidFill>
+              <a:effectLst/>
+              <a:uLnTx/>
+              <a:uFillTx/>
+              <a:latin typeface="Rockwell" panose="02060603020205020403"/>
+              <a:ea typeface="+mn-ea"/>
+              <a:cs typeface="+mn-cs"/>
+            </a:endParaRPr>
+          </a:p>
+        </p:txBody>
+      </p:sp>
+      <p:sp>
+        <p:nvSpPr>
+          <p:cNvPr id="33" name="Oval 32">
+            <a:extLst>
+              <a:ext uri="{FF2B5EF4-FFF2-40B4-BE49-F238E27FC236}">
+                <a16:creationId xmlns:a16="http://schemas.microsoft.com/office/drawing/2014/main" id="{7842FC68-61FD-4700-8A22-BB8B071884DB}"/>
+              </a:ext>
+              <a:ext uri="{C183D7F6-B498-43B3-948B-1728B52AA6E4}">
+                <adec:decorative xmlns:adec="http://schemas.microsoft.com/office/drawing/2017/decorative" val="1"/>
+              </a:ext>
+            </a:extLst>
+          </p:cNvPr>
+          <p:cNvSpPr>
+            <a:spLocks noGrp="1" noRot="1" noChangeAspect="1" noMove="1" noResize="1" noEditPoints="1" noAdjustHandles="1" noChangeArrowheads="1" noChangeShapeType="1" noTextEdit="1"/>
+          </p:cNvSpPr>
+          <p:nvPr>
+            <p:extLst>
+              <p:ext uri="{386F3935-93C4-4BCD-93E2-E3B085C9AB24}">
+                <p16:designElem xmlns:p16="http://schemas.microsoft.com/office/powerpoint/2015/main" val="1"/>
+              </p:ext>
+            </p:extLst>
+          </p:nvPr>
+        </p:nvSpPr>
+        <p:spPr>
+          <a:xfrm>
+            <a:off x="1765934" y="691977"/>
+            <a:ext cx="5821442" cy="5343064"/>
+          </a:xfrm>
+          <a:custGeom>
+            <a:avLst/>
+            <a:gdLst>
+              <a:gd name="connsiteX0" fmla="*/ 0 w 6428838"/>
+              <a:gd name="connsiteY0" fmla="*/ 2579031 h 5158062"/>
+              <a:gd name="connsiteX1" fmla="*/ 3214419 w 6428838"/>
+              <a:gd name="connsiteY1" fmla="*/ 0 h 5158062"/>
+              <a:gd name="connsiteX2" fmla="*/ 6428838 w 6428838"/>
+              <a:gd name="connsiteY2" fmla="*/ 2579031 h 5158062"/>
+              <a:gd name="connsiteX3" fmla="*/ 3214419 w 6428838"/>
+              <a:gd name="connsiteY3" fmla="*/ 5158062 h 5158062"/>
+              <a:gd name="connsiteX4" fmla="*/ 0 w 6428838"/>
+              <a:gd name="connsiteY4" fmla="*/ 2579031 h 5158062"/>
+              <a:gd name="connsiteX0" fmla="*/ 3321 w 6432159"/>
+              <a:gd name="connsiteY0" fmla="*/ 2647125 h 5226156"/>
+              <a:gd name="connsiteX1" fmla="*/ 2789723 w 6432159"/>
+              <a:gd name="connsiteY1" fmla="*/ 0 h 5226156"/>
+              <a:gd name="connsiteX2" fmla="*/ 6432159 w 6432159"/>
+              <a:gd name="connsiteY2" fmla="*/ 2647125 h 5226156"/>
+              <a:gd name="connsiteX3" fmla="*/ 3217740 w 6432159"/>
+              <a:gd name="connsiteY3" fmla="*/ 5226156 h 5226156"/>
+              <a:gd name="connsiteX4" fmla="*/ 3321 w 6432159"/>
+              <a:gd name="connsiteY4" fmla="*/ 2647125 h 5226156"/>
+              <a:gd name="connsiteX0" fmla="*/ 1953 w 6566979"/>
+              <a:gd name="connsiteY0" fmla="*/ 2695803 h 5226224"/>
+              <a:gd name="connsiteX1" fmla="*/ 2924543 w 6566979"/>
+              <a:gd name="connsiteY1" fmla="*/ 39 h 5226224"/>
+              <a:gd name="connsiteX2" fmla="*/ 6566979 w 6566979"/>
+              <a:gd name="connsiteY2" fmla="*/ 2647164 h 5226224"/>
+              <a:gd name="connsiteX3" fmla="*/ 3352560 w 6566979"/>
+              <a:gd name="connsiteY3" fmla="*/ 5226195 h 5226224"/>
+              <a:gd name="connsiteX4" fmla="*/ 1953 w 6566979"/>
+              <a:gd name="connsiteY4" fmla="*/ 2695803 h 5226224"/>
+              <a:gd name="connsiteX0" fmla="*/ 8982 w 6574008"/>
+              <a:gd name="connsiteY0" fmla="*/ 2695803 h 5226313"/>
+              <a:gd name="connsiteX1" fmla="*/ 2931572 w 6574008"/>
+              <a:gd name="connsiteY1" fmla="*/ 39 h 5226313"/>
+              <a:gd name="connsiteX2" fmla="*/ 6574008 w 6574008"/>
+              <a:gd name="connsiteY2" fmla="*/ 2647164 h 5226313"/>
+              <a:gd name="connsiteX3" fmla="*/ 3359589 w 6574008"/>
+              <a:gd name="connsiteY3" fmla="*/ 5226195 h 5226313"/>
+              <a:gd name="connsiteX4" fmla="*/ 8982 w 6574008"/>
+              <a:gd name="connsiteY4" fmla="*/ 2695803 h 5226313"/>
+              <a:gd name="connsiteX0" fmla="*/ 11929 w 6576955"/>
+              <a:gd name="connsiteY0" fmla="*/ 2695953 h 5226463"/>
+              <a:gd name="connsiteX1" fmla="*/ 2934519 w 6576955"/>
+              <a:gd name="connsiteY1" fmla="*/ 189 h 5226463"/>
+              <a:gd name="connsiteX2" fmla="*/ 6576955 w 6576955"/>
+              <a:gd name="connsiteY2" fmla="*/ 2647314 h 5226463"/>
+              <a:gd name="connsiteX3" fmla="*/ 3362536 w 6576955"/>
+              <a:gd name="connsiteY3" fmla="*/ 5226345 h 5226463"/>
+              <a:gd name="connsiteX4" fmla="*/ 11929 w 6576955"/>
+              <a:gd name="connsiteY4" fmla="*/ 2695953 h 5226463"/>
+              <a:gd name="connsiteX0" fmla="*/ 9262 w 6963394"/>
+              <a:gd name="connsiteY0" fmla="*/ 2705797 h 5247356"/>
+              <a:gd name="connsiteX1" fmla="*/ 2931852 w 6963394"/>
+              <a:gd name="connsiteY1" fmla="*/ 10033 h 5247356"/>
+              <a:gd name="connsiteX2" fmla="*/ 6963394 w 6963394"/>
+              <a:gd name="connsiteY2" fmla="*/ 3318639 h 5247356"/>
+              <a:gd name="connsiteX3" fmla="*/ 3359869 w 6963394"/>
+              <a:gd name="connsiteY3" fmla="*/ 5236189 h 5247356"/>
+              <a:gd name="connsiteX4" fmla="*/ 9262 w 6963394"/>
+              <a:gd name="connsiteY4" fmla="*/ 2705797 h 5247356"/>
+              <a:gd name="connsiteX0" fmla="*/ 9262 w 6963394"/>
+              <a:gd name="connsiteY0" fmla="*/ 2705797 h 5247356"/>
+              <a:gd name="connsiteX1" fmla="*/ 2931852 w 6963394"/>
+              <a:gd name="connsiteY1" fmla="*/ 10033 h 5247356"/>
+              <a:gd name="connsiteX2" fmla="*/ 6963394 w 6963394"/>
+              <a:gd name="connsiteY2" fmla="*/ 3318639 h 5247356"/>
+              <a:gd name="connsiteX3" fmla="*/ 3359869 w 6963394"/>
+              <a:gd name="connsiteY3" fmla="*/ 5236189 h 5247356"/>
+              <a:gd name="connsiteX4" fmla="*/ 9262 w 6963394"/>
+              <a:gd name="connsiteY4" fmla="*/ 2705797 h 5247356"/>
+              <a:gd name="connsiteX0" fmla="*/ 9262 w 6963394"/>
+              <a:gd name="connsiteY0" fmla="*/ 2705797 h 5292159"/>
+              <a:gd name="connsiteX1" fmla="*/ 2931852 w 6963394"/>
+              <a:gd name="connsiteY1" fmla="*/ 10033 h 5292159"/>
+              <a:gd name="connsiteX2" fmla="*/ 6963394 w 6963394"/>
+              <a:gd name="connsiteY2" fmla="*/ 3318639 h 5292159"/>
+              <a:gd name="connsiteX3" fmla="*/ 3359869 w 6963394"/>
+              <a:gd name="connsiteY3" fmla="*/ 5236189 h 5292159"/>
+              <a:gd name="connsiteX4" fmla="*/ 9262 w 6963394"/>
+              <a:gd name="connsiteY4" fmla="*/ 2705797 h 5292159"/>
+              <a:gd name="connsiteX0" fmla="*/ 9262 w 6963394"/>
+              <a:gd name="connsiteY0" fmla="*/ 2705797 h 5259961"/>
+              <a:gd name="connsiteX1" fmla="*/ 2931852 w 6963394"/>
+              <a:gd name="connsiteY1" fmla="*/ 10033 h 5259961"/>
+              <a:gd name="connsiteX2" fmla="*/ 6963394 w 6963394"/>
+              <a:gd name="connsiteY2" fmla="*/ 3318639 h 5259961"/>
+              <a:gd name="connsiteX3" fmla="*/ 3359869 w 6963394"/>
+              <a:gd name="connsiteY3" fmla="*/ 5236189 h 5259961"/>
+              <a:gd name="connsiteX4" fmla="*/ 9262 w 6963394"/>
+              <a:gd name="connsiteY4" fmla="*/ 2705797 h 5259961"/>
+              <a:gd name="connsiteX0" fmla="*/ 9557 w 7352795"/>
+              <a:gd name="connsiteY0" fmla="*/ 2707501 h 5252013"/>
+              <a:gd name="connsiteX1" fmla="*/ 2932147 w 7352795"/>
+              <a:gd name="connsiteY1" fmla="*/ 11737 h 5252013"/>
+              <a:gd name="connsiteX2" fmla="*/ 7352795 w 7352795"/>
+              <a:gd name="connsiteY2" fmla="*/ 3378709 h 5252013"/>
+              <a:gd name="connsiteX3" fmla="*/ 3360164 w 7352795"/>
+              <a:gd name="connsiteY3" fmla="*/ 5237893 h 5252013"/>
+              <a:gd name="connsiteX4" fmla="*/ 9557 w 7352795"/>
+              <a:gd name="connsiteY4" fmla="*/ 2707501 h 5252013"/>
+              <a:gd name="connsiteX0" fmla="*/ 8078 w 7789061"/>
+              <a:gd name="connsiteY0" fmla="*/ 2744796 h 5249051"/>
+              <a:gd name="connsiteX1" fmla="*/ 3368413 w 7789061"/>
+              <a:gd name="connsiteY1" fmla="*/ 10121 h 5249051"/>
+              <a:gd name="connsiteX2" fmla="*/ 7789061 w 7789061"/>
+              <a:gd name="connsiteY2" fmla="*/ 3377093 h 5249051"/>
+              <a:gd name="connsiteX3" fmla="*/ 3796430 w 7789061"/>
+              <a:gd name="connsiteY3" fmla="*/ 5236277 h 5249051"/>
+              <a:gd name="connsiteX4" fmla="*/ 8078 w 7789061"/>
+              <a:gd name="connsiteY4" fmla="*/ 2744796 h 5249051"/>
+              <a:gd name="connsiteX0" fmla="*/ 8078 w 7789061"/>
+              <a:gd name="connsiteY0" fmla="*/ 2744796 h 5271741"/>
+              <a:gd name="connsiteX1" fmla="*/ 3368413 w 7789061"/>
+              <a:gd name="connsiteY1" fmla="*/ 10121 h 5271741"/>
+              <a:gd name="connsiteX2" fmla="*/ 7789061 w 7789061"/>
+              <a:gd name="connsiteY2" fmla="*/ 3377093 h 5271741"/>
+              <a:gd name="connsiteX3" fmla="*/ 3796430 w 7789061"/>
+              <a:gd name="connsiteY3" fmla="*/ 5236277 h 5271741"/>
+              <a:gd name="connsiteX4" fmla="*/ 8078 w 7789061"/>
+              <a:gd name="connsiteY4" fmla="*/ 2744796 h 5271741"/>
+              <a:gd name="connsiteX0" fmla="*/ 1055 w 7782038"/>
+              <a:gd name="connsiteY0" fmla="*/ 2738806 h 5438018"/>
+              <a:gd name="connsiteX1" fmla="*/ 3361390 w 7782038"/>
+              <a:gd name="connsiteY1" fmla="*/ 4131 h 5438018"/>
+              <a:gd name="connsiteX2" fmla="*/ 7782038 w 7782038"/>
+              <a:gd name="connsiteY2" fmla="*/ 3371103 h 5438018"/>
+              <a:gd name="connsiteX3" fmla="*/ 3692130 w 7782038"/>
+              <a:gd name="connsiteY3" fmla="*/ 5415113 h 5438018"/>
+              <a:gd name="connsiteX4" fmla="*/ 1055 w 7782038"/>
+              <a:gd name="connsiteY4" fmla="*/ 2738806 h 5438018"/>
+              <a:gd name="connsiteX0" fmla="*/ 28883 w 7809866"/>
+              <a:gd name="connsiteY0" fmla="*/ 2742147 h 5441359"/>
+              <a:gd name="connsiteX1" fmla="*/ 3389218 w 7809866"/>
+              <a:gd name="connsiteY1" fmla="*/ 7472 h 5441359"/>
+              <a:gd name="connsiteX2" fmla="*/ 7809866 w 7809866"/>
+              <a:gd name="connsiteY2" fmla="*/ 3374444 h 5441359"/>
+              <a:gd name="connsiteX3" fmla="*/ 3719958 w 7809866"/>
+              <a:gd name="connsiteY3" fmla="*/ 5418454 h 5441359"/>
+              <a:gd name="connsiteX4" fmla="*/ 28883 w 7809866"/>
+              <a:gd name="connsiteY4" fmla="*/ 2742147 h 5441359"/>
+              <a:gd name="connsiteX0" fmla="*/ 36549 w 7817532"/>
+              <a:gd name="connsiteY0" fmla="*/ 2751085 h 5450297"/>
+              <a:gd name="connsiteX1" fmla="*/ 3396884 w 7817532"/>
+              <a:gd name="connsiteY1" fmla="*/ 16410 h 5450297"/>
+              <a:gd name="connsiteX2" fmla="*/ 7817532 w 7817532"/>
+              <a:gd name="connsiteY2" fmla="*/ 3383382 h 5450297"/>
+              <a:gd name="connsiteX3" fmla="*/ 3727624 w 7817532"/>
+              <a:gd name="connsiteY3" fmla="*/ 5427392 h 5450297"/>
+              <a:gd name="connsiteX4" fmla="*/ 36549 w 7817532"/>
+              <a:gd name="connsiteY4" fmla="*/ 2751085 h 5450297"/>
+            </a:gdLst>
+            <a:ahLst/>
+            <a:cxnLst>
+              <a:cxn ang="0">
+                <a:pos x="connsiteX0" y="connsiteY0"/>
+              </a:cxn>
+              <a:cxn ang="0">
+                <a:pos x="connsiteX1" y="connsiteY1"/>
+              </a:cxn>
+              <a:cxn ang="0">
+                <a:pos x="connsiteX2" y="connsiteY2"/>
+              </a:cxn>
+              <a:cxn ang="0">
+                <a:pos x="connsiteX3" y="connsiteY3"/>
+              </a:cxn>
+              <a:cxn ang="0">
+                <a:pos x="connsiteX4" y="connsiteY4"/>
+              </a:cxn>
+            </a:cxnLst>
+            <a:rect l="l" t="t" r="r" b="b"/>
+            <a:pathLst>
+              <a:path w="7817532" h="5450297">
+                <a:moveTo>
+                  <a:pt x="36549" y="2751085"/>
+                </a:moveTo>
+                <a:cubicBezTo>
+                  <a:pt x="-281221" y="925127"/>
+                  <a:pt x="1526121" y="-147339"/>
+                  <a:pt x="3396884" y="16410"/>
+                </a:cubicBezTo>
+                <a:cubicBezTo>
+                  <a:pt x="5267647" y="180159"/>
+                  <a:pt x="7817532" y="1453184"/>
+                  <a:pt x="7817532" y="3383382"/>
+                </a:cubicBezTo>
+                <a:cubicBezTo>
+                  <a:pt x="7700800" y="5342763"/>
+                  <a:pt x="5024455" y="5532775"/>
+                  <a:pt x="3727624" y="5427392"/>
+                </a:cubicBezTo>
+                <a:cubicBezTo>
+                  <a:pt x="2430794" y="5322009"/>
+                  <a:pt x="354319" y="4577043"/>
+                  <a:pt x="36549" y="2751085"/>
+                </a:cubicBezTo>
+                <a:close/>
+              </a:path>
+            </a:pathLst>
+          </a:custGeom>
+          <a:solidFill>
+            <a:schemeClr val="accent6"/>
+          </a:solidFill>
+          <a:ln w="152400">
+            <a:noFill/>
+          </a:ln>
+        </p:spPr>
+        <p:style>
+          <a:lnRef idx="2">
+            <a:schemeClr val="accent1">
+              <a:shade val="50000"/>
+            </a:schemeClr>
+          </a:lnRef>
+          <a:fillRef idx="1">
+            <a:schemeClr val="accent1"/>
+          </a:fillRef>
+          <a:effectRef idx="0">
+            <a:schemeClr val="accent1"/>
+          </a:effectRef>
+          <a:fontRef idx="minor">
+            <a:schemeClr val="lt1"/>
+          </a:fontRef>
+        </p:style>
+        <p:txBody>
+          <a:bodyPr rtlCol="0" anchor="ctr"/>
+          <a:lstStyle/>
+          <a:p>
+            <a:pPr marL="0" marR="0" lvl="0" indent="0" algn="ctr" defTabSz="457200" rtl="0" eaLnBrk="1" fontAlgn="auto" latinLnBrk="0" hangingPunct="1">
+              <a:lnSpc>
+                <a:spcPct val="100000"/>
+              </a:lnSpc>
+              <a:spcBef>
+                <a:spcPts val="0"/>
+              </a:spcBef>
+              <a:spcAft>
+                <a:spcPts val="0"/>
+              </a:spcAft>
+              <a:buClrTx/>
+              <a:buSzTx/>
+              <a:buFontTx/>
+              <a:buNone/>
+              <a:tabLst/>
+              <a:defRPr/>
+            </a:pPr>
+            <a:endParaRPr kumimoji="0" lang="en-US" sz="1800" b="0" i="0" u="none" strike="noStrike" kern="1200" cap="none" spc="0" normalizeH="0" baseline="0" noProof="0">
+              <a:ln>
+                <a:noFill/>
+              </a:ln>
+              <a:solidFill>
+                <a:prstClr val="white"/>
+              </a:solidFill>
+              <a:effectLst/>
+              <a:uLnTx/>
+              <a:uFillTx/>
+              <a:latin typeface="Rockwell" panose="02060603020205020403"/>
+              <a:ea typeface="+mn-ea"/>
+              <a:cs typeface="+mn-cs"/>
+            </a:endParaRPr>
+          </a:p>
+        </p:txBody>
+      </p:sp>
+      <p:sp>
+        <p:nvSpPr>
+          <p:cNvPr id="2" name="제목 1">
+            <a:extLst>
+              <a:ext uri="{FF2B5EF4-FFF2-40B4-BE49-F238E27FC236}">
+                <a16:creationId xmlns:a16="http://schemas.microsoft.com/office/drawing/2014/main" id="{30B3D160-3965-4C50-95DF-A9DEEA256855}"/>
+              </a:ext>
+            </a:extLst>
+          </p:cNvPr>
+          <p:cNvSpPr>
+            <a:spLocks noGrp="1"/>
+          </p:cNvSpPr>
+          <p:nvPr>
+            <p:ph type="title"/>
+          </p:nvPr>
+        </p:nvSpPr>
+        <p:spPr>
+          <a:xfrm>
+            <a:off x="1761565" y="1886896"/>
+            <a:ext cx="5579030" cy="1837417"/>
+          </a:xfrm>
+        </p:spPr>
+        <p:txBody>
+          <a:bodyPr vert="horz" lIns="91440" tIns="45720" rIns="91440" bIns="45720" rtlCol="0" anchor="b">
+            <a:normAutofit/>
+          </a:bodyPr>
+          <a:lstStyle/>
+          <a:p>
+            <a:pPr latinLnBrk="0">
+              <a:lnSpc>
+                <a:spcPct val="90000"/>
+              </a:lnSpc>
+            </a:pPr>
+            <a:r>
+              <a:rPr lang="ko-KR" altLang="en-US" sz="4800" kern="1200" dirty="0">
+                <a:solidFill>
+                  <a:srgbClr val="FFFFFF"/>
+                </a:solidFill>
+                <a:latin typeface="210 앱굴림 R" panose="02020603020101020101" pitchFamily="18" charset="-127"/>
+                <a:ea typeface="210 앱굴림 R" panose="02020603020101020101" pitchFamily="18" charset="-127"/>
+              </a:rPr>
+              <a:t>카메라를 조작해보자</a:t>
+            </a:r>
+          </a:p>
+        </p:txBody>
+      </p:sp>
+      <p:sp>
+        <p:nvSpPr>
+          <p:cNvPr id="3" name="내용 개체 틀 2">
+            <a:extLst>
+              <a:ext uri="{FF2B5EF4-FFF2-40B4-BE49-F238E27FC236}">
+                <a16:creationId xmlns:a16="http://schemas.microsoft.com/office/drawing/2014/main" id="{34469C07-AFB3-4F03-BFCE-0EEB4F459018}"/>
+              </a:ext>
+            </a:extLst>
+          </p:cNvPr>
+          <p:cNvSpPr>
+            <a:spLocks noGrp="1"/>
+          </p:cNvSpPr>
+          <p:nvPr>
+            <p:ph idx="1"/>
+          </p:nvPr>
+        </p:nvSpPr>
+        <p:spPr>
+          <a:xfrm>
+            <a:off x="2541703" y="3783690"/>
+            <a:ext cx="4060594" cy="1196717"/>
+          </a:xfrm>
+        </p:spPr>
+        <p:txBody>
+          <a:bodyPr vert="horz" lIns="91440" tIns="45720" rIns="91440" bIns="45720" rtlCol="0">
+            <a:normAutofit/>
+          </a:bodyPr>
+          <a:lstStyle/>
+          <a:p>
+            <a:pPr marL="0" indent="0" algn="ctr" latinLnBrk="0">
+              <a:lnSpc>
+                <a:spcPct val="90000"/>
+              </a:lnSpc>
+              <a:spcBef>
+                <a:spcPts val="1000"/>
+              </a:spcBef>
+              <a:buNone/>
+            </a:pPr>
+            <a:r>
+              <a:rPr lang="ko-KR" altLang="en-US" sz="2000" kern="1200" dirty="0">
+                <a:solidFill>
+                  <a:srgbClr val="FFFFFF"/>
+                </a:solidFill>
+                <a:latin typeface="210 앱굴림 L" panose="02020603020101020101" pitchFamily="18" charset="-127"/>
+                <a:ea typeface="210 앱굴림 L" panose="02020603020101020101" pitchFamily="18" charset="-127"/>
+              </a:rPr>
+              <a:t>내가 만든 큐브를</a:t>
+            </a:r>
+            <a:r>
+              <a:rPr lang="en-US" altLang="ko-KR" sz="2000" kern="1200" dirty="0">
+                <a:solidFill>
+                  <a:srgbClr val="FFFFFF"/>
+                </a:solidFill>
+                <a:latin typeface="210 앱굴림 L" panose="02020603020101020101" pitchFamily="18" charset="-127"/>
+                <a:ea typeface="210 앱굴림 L" panose="02020603020101020101" pitchFamily="18" charset="-127"/>
+              </a:rPr>
+              <a:t> </a:t>
+            </a:r>
+            <a:r>
+              <a:rPr lang="ko-KR" altLang="en-US" sz="2000" kern="1200" dirty="0">
+                <a:solidFill>
+                  <a:srgbClr val="FFFFFF"/>
+                </a:solidFill>
+                <a:latin typeface="210 앱굴림 L" panose="02020603020101020101" pitchFamily="18" charset="-127"/>
+                <a:ea typeface="210 앱굴림 L" panose="02020603020101020101" pitchFamily="18" charset="-127"/>
+              </a:rPr>
+              <a:t>비추도록 카메라를 조정해보자</a:t>
+            </a:r>
+          </a:p>
+        </p:txBody>
+      </p:sp>
+    </p:spTree>
+    <p:extLst>
+      <p:ext uri="{BB962C8B-B14F-4D97-AF65-F5344CB8AC3E}">
+        <p14:creationId xmlns:p14="http://schemas.microsoft.com/office/powerpoint/2010/main" val="490808681"/>
+      </p:ext>
+    </p:extLst>
+  </p:cSld>
+  <p:clrMapOvr>
+    <a:masterClrMapping/>
+  </p:clrMapOvr>
+</p:sld>
+</file>
+
 <file path=ppt/slides/slide19.xml><?xml version="1.0" encoding="utf-8"?>
 <p:sld xmlns:a="http://schemas.openxmlformats.org/drawingml/2006/main" xmlns:r="http://schemas.openxmlformats.org/officeDocument/2006/relationships" xmlns:p="http://schemas.openxmlformats.org/presentationml/2006/main">
   <p:cSld>
+    <p:bg>
+      <p:bgPr>
+        <a:solidFill>
+          <a:schemeClr val="bg1"/>
+        </a:solidFill>
+        <a:effectLst/>
+      </p:bgPr>
+    </p:bg>
     <p:spTree>
       <p:nvGrpSpPr>
         <p:cNvPr id="1" name=""/>
@@ -11719,10 +13679,75 @@
       </p:grpSpPr>
       <p:sp>
         <p:nvSpPr>
-          <p:cNvPr id="2" name="제목 1">
+          <p:cNvPr id="14" name="Rectangle 9">
             <a:extLst>
               <a:ext uri="{FF2B5EF4-FFF2-40B4-BE49-F238E27FC236}">
-                <a16:creationId xmlns:a16="http://schemas.microsoft.com/office/drawing/2014/main" id="{30B3D160-3965-4C50-95DF-A9DEEA256855}"/>
+                <a16:creationId xmlns:a16="http://schemas.microsoft.com/office/drawing/2014/main" id="{6F9EB9F2-07E2-4D64-BBD8-BB5B217F1218}"/>
+              </a:ext>
+              <a:ext uri="{C183D7F6-B498-43B3-948B-1728B52AA6E4}">
+                <adec:decorative xmlns:adec="http://schemas.microsoft.com/office/drawing/2017/decorative" val="1"/>
+              </a:ext>
+            </a:extLst>
+          </p:cNvPr>
+          <p:cNvSpPr>
+            <a:spLocks noGrp="1" noRot="1" noChangeAspect="1" noMove="1" noResize="1" noEditPoints="1" noAdjustHandles="1" noChangeArrowheads="1" noChangeShapeType="1" noTextEdit="1"/>
+          </p:cNvSpPr>
+          <p:nvPr>
+            <p:extLst>
+              <p:ext uri="{386F3935-93C4-4BCD-93E2-E3B085C9AB24}">
+                <p16:designElem xmlns:p16="http://schemas.microsoft.com/office/powerpoint/2015/main" val="1"/>
+              </p:ext>
+            </p:extLst>
+          </p:nvPr>
+        </p:nvSpPr>
+        <p:spPr bwMode="ltGray">
+          <a:xfrm>
+            <a:off x="241173" y="320040"/>
+            <a:ext cx="8661654" cy="6217920"/>
+          </a:xfrm>
+          <a:prstGeom prst="rect">
+            <a:avLst/>
+          </a:prstGeom>
+          <a:solidFill>
+            <a:schemeClr val="tx1">
+              <a:alpha val="12000"/>
+            </a:schemeClr>
+          </a:solidFill>
+          <a:ln w="127000" cap="sq" cmpd="thinThick">
+            <a:noFill/>
+          </a:ln>
+        </p:spPr>
+        <p:style>
+          <a:lnRef idx="2">
+            <a:schemeClr val="accent1">
+              <a:shade val="50000"/>
+            </a:schemeClr>
+          </a:lnRef>
+          <a:fillRef idx="1">
+            <a:schemeClr val="accent1"/>
+          </a:fillRef>
+          <a:effectRef idx="0">
+            <a:schemeClr val="accent1"/>
+          </a:effectRef>
+          <a:fontRef idx="minor">
+            <a:schemeClr val="lt1"/>
+          </a:fontRef>
+        </p:style>
+        <p:txBody>
+          <a:bodyPr rtlCol="0" anchor="ctr"/>
+          <a:lstStyle/>
+          <a:p>
+            <a:pPr algn="ctr"/>
+            <a:endParaRPr lang="en-US"/>
+          </a:p>
+        </p:txBody>
+      </p:sp>
+      <p:sp>
+        <p:nvSpPr>
+          <p:cNvPr id="4" name="제목 3">
+            <a:extLst>
+              <a:ext uri="{FF2B5EF4-FFF2-40B4-BE49-F238E27FC236}">
+                <a16:creationId xmlns:a16="http://schemas.microsoft.com/office/drawing/2014/main" id="{FA9F752A-317C-450A-80D0-139B2376A236}"/>
               </a:ext>
             </a:extLst>
           </p:cNvPr>
@@ -11730,30 +13755,44 @@
             <a:spLocks noGrp="1"/>
           </p:cNvSpPr>
           <p:nvPr>
-            <p:ph type="title"/>
+            <p:ph type="ctrTitle"/>
           </p:nvPr>
         </p:nvSpPr>
-        <p:spPr/>
+        <p:spPr>
+          <a:xfrm>
+            <a:off x="3285441" y="965199"/>
+            <a:ext cx="5074558" cy="4927601"/>
+          </a:xfrm>
+        </p:spPr>
         <p:txBody>
-          <a:bodyPr/>
+          <a:bodyPr anchor="ctr">
+            <a:normAutofit/>
+          </a:bodyPr>
           <a:lstStyle/>
           <a:p>
-            <a:r>
-              <a:rPr lang="ko-KR" altLang="en-US" dirty="0">
+            <a:pPr algn="l"/>
+            <a:r>
+              <a:rPr lang="ko-KR" altLang="en-US" sz="4700" b="1">
+                <a:solidFill>
+                  <a:schemeClr val="tx1">
+                    <a:lumMod val="85000"/>
+                    <a:lumOff val="15000"/>
+                  </a:schemeClr>
+                </a:solidFill>
                 <a:latin typeface="210 앱굴림 R" panose="02020603020101020101" pitchFamily="18" charset="-127"/>
                 <a:ea typeface="210 앱굴림 R" panose="02020603020101020101" pitchFamily="18" charset="-127"/>
               </a:rPr>
-              <a:t>카메라를 조작해보자</a:t>
+              <a:t>조작 방법</a:t>
             </a:r>
           </a:p>
         </p:txBody>
       </p:sp>
       <p:sp>
         <p:nvSpPr>
-          <p:cNvPr id="3" name="내용 개체 틀 2">
+          <p:cNvPr id="5" name="부제목 4">
             <a:extLst>
               <a:ext uri="{FF2B5EF4-FFF2-40B4-BE49-F238E27FC236}">
-                <a16:creationId xmlns:a16="http://schemas.microsoft.com/office/drawing/2014/main" id="{34469C07-AFB3-4F03-BFCE-0EEB4F459018}"/>
+                <a16:creationId xmlns:a16="http://schemas.microsoft.com/office/drawing/2014/main" id="{339F0409-B68D-44FB-8AC5-BA0B038BB93B}"/>
               </a:ext>
             </a:extLst>
           </p:cNvPr>
@@ -11761,28 +13800,137 @@
             <a:spLocks noGrp="1"/>
           </p:cNvSpPr>
           <p:nvPr>
-            <p:ph idx="1"/>
+            <p:ph type="subTitle" idx="1"/>
           </p:nvPr>
         </p:nvSpPr>
-        <p:spPr/>
+        <p:spPr>
+          <a:xfrm>
+            <a:off x="467544" y="965198"/>
+            <a:ext cx="2330851" cy="4927602"/>
+          </a:xfrm>
+        </p:spPr>
         <p:txBody>
-          <a:bodyPr/>
+          <a:bodyPr anchor="ctr">
+            <a:normAutofit/>
+          </a:bodyPr>
           <a:lstStyle/>
           <a:p>
-            <a:r>
-              <a:rPr lang="ko-KR" altLang="en-US" dirty="0">
-                <a:latin typeface="210 앱굴림 L" panose="02020603020101020101" pitchFamily="18" charset="-127"/>
-                <a:ea typeface="210 앱굴림 L" panose="02020603020101020101" pitchFamily="18" charset="-127"/>
-              </a:rPr>
-              <a:t>내가 만든 큐브를 비춰보자</a:t>
-            </a:r>
+            <a:pPr algn="r"/>
+            <a:r>
+              <a:rPr lang="en-US" altLang="ko-KR" sz="1700" b="1" dirty="0">
+                <a:solidFill>
+                  <a:schemeClr val="accent6"/>
+                </a:solidFill>
+                <a:latin typeface="210 앱굴림 R" panose="02020603020101020101" pitchFamily="18" charset="-127"/>
+                <a:ea typeface="210 앱굴림 R" panose="02020603020101020101" pitchFamily="18" charset="-127"/>
+              </a:rPr>
+              <a:t>(Tip) </a:t>
+            </a:r>
+          </a:p>
+          <a:p>
+            <a:pPr algn="r"/>
+            <a:r>
+              <a:rPr lang="ko-KR" altLang="en-US" sz="1700" b="1" dirty="0">
+                <a:solidFill>
+                  <a:schemeClr val="accent6"/>
+                </a:solidFill>
+                <a:latin typeface="210 앱굴림 R" panose="02020603020101020101" pitchFamily="18" charset="-127"/>
+                <a:ea typeface="210 앱굴림 R" panose="02020603020101020101" pitchFamily="18" charset="-127"/>
+              </a:rPr>
+              <a:t>단축키</a:t>
+            </a:r>
+            <a:r>
+              <a:rPr lang="en-US" altLang="ko-KR" sz="1700" b="1" dirty="0">
+                <a:solidFill>
+                  <a:schemeClr val="accent6"/>
+                </a:solidFill>
+                <a:latin typeface="210 앱굴림 R" panose="02020603020101020101" pitchFamily="18" charset="-127"/>
+                <a:ea typeface="210 앱굴림 R" panose="02020603020101020101" pitchFamily="18" charset="-127"/>
+              </a:rPr>
+              <a:t>: q, w, e, r, t, y</a:t>
+            </a:r>
+          </a:p>
+          <a:p>
+            <a:pPr algn="r"/>
+            <a:r>
+              <a:rPr lang="en-US" altLang="ko-KR" sz="1700" dirty="0">
+                <a:solidFill>
+                  <a:schemeClr val="accent6"/>
+                </a:solidFill>
+                <a:latin typeface="210 앱굴림 R" panose="02020603020101020101" pitchFamily="18" charset="-127"/>
+                <a:ea typeface="210 앱굴림 R" panose="02020603020101020101" pitchFamily="18" charset="-127"/>
+              </a:rPr>
+              <a:t>Focusing: f</a:t>
+            </a:r>
+            <a:endParaRPr lang="ko-KR" altLang="en-US" sz="1700" dirty="0">
+              <a:solidFill>
+                <a:schemeClr val="accent6"/>
+              </a:solidFill>
+              <a:latin typeface="210 앱굴림 R" panose="02020603020101020101" pitchFamily="18" charset="-127"/>
+              <a:ea typeface="210 앱굴림 R" panose="02020603020101020101" pitchFamily="18" charset="-127"/>
+            </a:endParaRPr>
           </a:p>
         </p:txBody>
       </p:sp>
+      <p:cxnSp>
+        <p:nvCxnSpPr>
+          <p:cNvPr id="15" name="Straight Connector 11">
+            <a:extLst>
+              <a:ext uri="{FF2B5EF4-FFF2-40B4-BE49-F238E27FC236}">
+                <a16:creationId xmlns:a16="http://schemas.microsoft.com/office/drawing/2014/main" id="{F0C57C7C-DFE9-4A1E-B7A9-DF40E63366BB}"/>
+              </a:ext>
+              <a:ext uri="{C183D7F6-B498-43B3-948B-1728B52AA6E4}">
+                <adec:decorative xmlns:adec="http://schemas.microsoft.com/office/drawing/2017/decorative" val="1"/>
+              </a:ext>
+            </a:extLst>
+          </p:cNvPr>
+          <p:cNvCxnSpPr>
+            <a:cxnSpLocks noGrp="1" noRot="1" noChangeAspect="1" noMove="1" noResize="1" noEditPoints="1" noAdjustHandles="1" noChangeArrowheads="1" noChangeShapeType="1"/>
+          </p:cNvCxnSpPr>
+          <p:nvPr>
+            <p:extLst>
+              <p:ext uri="{386F3935-93C4-4BCD-93E2-E3B085C9AB24}">
+                <p16:designElem xmlns:p16="http://schemas.microsoft.com/office/powerpoint/2015/main" val="1"/>
+              </p:ext>
+            </p:extLst>
+          </p:nvPr>
+        </p:nvCxnSpPr>
+        <p:spPr>
+          <a:xfrm>
+            <a:off x="3041918" y="2057399"/>
+            <a:ext cx="0" cy="2743200"/>
+          </a:xfrm>
+          <a:prstGeom prst="line">
+            <a:avLst/>
+          </a:prstGeom>
+          <a:ln w="19050">
+            <a:solidFill>
+              <a:schemeClr val="tx1">
+                <a:lumMod val="85000"/>
+                <a:lumOff val="15000"/>
+              </a:schemeClr>
+            </a:solidFill>
+          </a:ln>
+        </p:spPr>
+        <p:style>
+          <a:lnRef idx="1">
+            <a:schemeClr val="accent1"/>
+          </a:lnRef>
+          <a:fillRef idx="0">
+            <a:schemeClr val="accent1"/>
+          </a:fillRef>
+          <a:effectRef idx="0">
+            <a:schemeClr val="accent1"/>
+          </a:effectRef>
+          <a:fontRef idx="minor">
+            <a:schemeClr val="tx1"/>
+          </a:fontRef>
+        </p:style>
+      </p:cxnSp>
     </p:spTree>
     <p:extLst>
       <p:ext uri="{BB962C8B-B14F-4D97-AF65-F5344CB8AC3E}">
-        <p14:creationId xmlns:p14="http://schemas.microsoft.com/office/powerpoint/2010/main" val="490808681"/>
+        <p14:creationId xmlns:p14="http://schemas.microsoft.com/office/powerpoint/2010/main" val="3315850452"/>
       </p:ext>
     </p:extLst>
   </p:cSld>
@@ -12411,294 +14559,6 @@
       </p:grpSpPr>
       <p:sp>
         <p:nvSpPr>
-          <p:cNvPr id="14" name="Rectangle 9">
-            <a:extLst>
-              <a:ext uri="{FF2B5EF4-FFF2-40B4-BE49-F238E27FC236}">
-                <a16:creationId xmlns:a16="http://schemas.microsoft.com/office/drawing/2014/main" id="{6F9EB9F2-07E2-4D64-BBD8-BB5B217F1218}"/>
-              </a:ext>
-              <a:ext uri="{C183D7F6-B498-43B3-948B-1728B52AA6E4}">
-                <adec:decorative xmlns:adec="http://schemas.microsoft.com/office/drawing/2017/decorative" val="1"/>
-              </a:ext>
-            </a:extLst>
-          </p:cNvPr>
-          <p:cNvSpPr>
-            <a:spLocks noGrp="1" noRot="1" noChangeAspect="1" noMove="1" noResize="1" noEditPoints="1" noAdjustHandles="1" noChangeArrowheads="1" noChangeShapeType="1" noTextEdit="1"/>
-          </p:cNvSpPr>
-          <p:nvPr>
-            <p:extLst>
-              <p:ext uri="{386F3935-93C4-4BCD-93E2-E3B085C9AB24}">
-                <p16:designElem xmlns:p16="http://schemas.microsoft.com/office/powerpoint/2015/main" val="1"/>
-              </p:ext>
-            </p:extLst>
-          </p:nvPr>
-        </p:nvSpPr>
-        <p:spPr bwMode="ltGray">
-          <a:xfrm>
-            <a:off x="241173" y="320040"/>
-            <a:ext cx="8661654" cy="6217920"/>
-          </a:xfrm>
-          <a:prstGeom prst="rect">
-            <a:avLst/>
-          </a:prstGeom>
-          <a:solidFill>
-            <a:schemeClr val="tx1">
-              <a:alpha val="12000"/>
-            </a:schemeClr>
-          </a:solidFill>
-          <a:ln w="127000" cap="sq" cmpd="thinThick">
-            <a:noFill/>
-          </a:ln>
-        </p:spPr>
-        <p:style>
-          <a:lnRef idx="2">
-            <a:schemeClr val="accent1">
-              <a:shade val="50000"/>
-            </a:schemeClr>
-          </a:lnRef>
-          <a:fillRef idx="1">
-            <a:schemeClr val="accent1"/>
-          </a:fillRef>
-          <a:effectRef idx="0">
-            <a:schemeClr val="accent1"/>
-          </a:effectRef>
-          <a:fontRef idx="minor">
-            <a:schemeClr val="lt1"/>
-          </a:fontRef>
-        </p:style>
-        <p:txBody>
-          <a:bodyPr rtlCol="0" anchor="ctr"/>
-          <a:lstStyle/>
-          <a:p>
-            <a:pPr algn="ctr"/>
-            <a:endParaRPr lang="en-US"/>
-          </a:p>
-        </p:txBody>
-      </p:sp>
-      <p:sp>
-        <p:nvSpPr>
-          <p:cNvPr id="4" name="제목 3">
-            <a:extLst>
-              <a:ext uri="{FF2B5EF4-FFF2-40B4-BE49-F238E27FC236}">
-                <a16:creationId xmlns:a16="http://schemas.microsoft.com/office/drawing/2014/main" id="{FA9F752A-317C-450A-80D0-139B2376A236}"/>
-              </a:ext>
-            </a:extLst>
-          </p:cNvPr>
-          <p:cNvSpPr>
-            <a:spLocks noGrp="1"/>
-          </p:cNvSpPr>
-          <p:nvPr>
-            <p:ph type="ctrTitle"/>
-          </p:nvPr>
-        </p:nvSpPr>
-        <p:spPr>
-          <a:xfrm>
-            <a:off x="3285441" y="965199"/>
-            <a:ext cx="5074558" cy="4927601"/>
-          </a:xfrm>
-        </p:spPr>
-        <p:txBody>
-          <a:bodyPr anchor="ctr">
-            <a:normAutofit/>
-          </a:bodyPr>
-          <a:lstStyle/>
-          <a:p>
-            <a:pPr algn="l"/>
-            <a:r>
-              <a:rPr lang="ko-KR" altLang="en-US" sz="4700" b="1">
-                <a:solidFill>
-                  <a:schemeClr val="tx1">
-                    <a:lumMod val="85000"/>
-                    <a:lumOff val="15000"/>
-                  </a:schemeClr>
-                </a:solidFill>
-                <a:latin typeface="210 앱굴림 R" panose="02020603020101020101" pitchFamily="18" charset="-127"/>
-                <a:ea typeface="210 앱굴림 R" panose="02020603020101020101" pitchFamily="18" charset="-127"/>
-              </a:rPr>
-              <a:t>조작 방법</a:t>
-            </a:r>
-          </a:p>
-        </p:txBody>
-      </p:sp>
-      <p:sp>
-        <p:nvSpPr>
-          <p:cNvPr id="5" name="부제목 4">
-            <a:extLst>
-              <a:ext uri="{FF2B5EF4-FFF2-40B4-BE49-F238E27FC236}">
-                <a16:creationId xmlns:a16="http://schemas.microsoft.com/office/drawing/2014/main" id="{339F0409-B68D-44FB-8AC5-BA0B038BB93B}"/>
-              </a:ext>
-            </a:extLst>
-          </p:cNvPr>
-          <p:cNvSpPr>
-            <a:spLocks noGrp="1"/>
-          </p:cNvSpPr>
-          <p:nvPr>
-            <p:ph type="subTitle" idx="1"/>
-          </p:nvPr>
-        </p:nvSpPr>
-        <p:spPr>
-          <a:xfrm>
-            <a:off x="467544" y="965198"/>
-            <a:ext cx="2330851" cy="4927602"/>
-          </a:xfrm>
-        </p:spPr>
-        <p:txBody>
-          <a:bodyPr anchor="ctr">
-            <a:normAutofit/>
-          </a:bodyPr>
-          <a:lstStyle/>
-          <a:p>
-            <a:pPr algn="r"/>
-            <a:r>
-              <a:rPr lang="en-US" altLang="ko-KR" sz="1700" b="1" dirty="0">
-                <a:solidFill>
-                  <a:schemeClr val="accent6"/>
-                </a:solidFill>
-                <a:latin typeface="210 앱굴림 R" panose="02020603020101020101" pitchFamily="18" charset="-127"/>
-                <a:ea typeface="210 앱굴림 R" panose="02020603020101020101" pitchFamily="18" charset="-127"/>
-              </a:rPr>
-              <a:t>(Tip) </a:t>
-            </a:r>
-          </a:p>
-          <a:p>
-            <a:pPr algn="r"/>
-            <a:r>
-              <a:rPr lang="ko-KR" altLang="en-US" sz="1700" b="1" dirty="0">
-                <a:solidFill>
-                  <a:schemeClr val="accent6"/>
-                </a:solidFill>
-                <a:latin typeface="210 앱굴림 R" panose="02020603020101020101" pitchFamily="18" charset="-127"/>
-                <a:ea typeface="210 앱굴림 R" panose="02020603020101020101" pitchFamily="18" charset="-127"/>
-              </a:rPr>
-              <a:t>단축키</a:t>
-            </a:r>
-            <a:r>
-              <a:rPr lang="en-US" altLang="ko-KR" sz="1700" b="1" dirty="0">
-                <a:solidFill>
-                  <a:schemeClr val="accent6"/>
-                </a:solidFill>
-                <a:latin typeface="210 앱굴림 R" panose="02020603020101020101" pitchFamily="18" charset="-127"/>
-                <a:ea typeface="210 앱굴림 R" panose="02020603020101020101" pitchFamily="18" charset="-127"/>
-              </a:rPr>
-              <a:t>: q, w, e, r, t, y</a:t>
-            </a:r>
-          </a:p>
-          <a:p>
-            <a:pPr algn="r"/>
-            <a:r>
-              <a:rPr lang="en-US" altLang="ko-KR" sz="1700" dirty="0">
-                <a:solidFill>
-                  <a:schemeClr val="accent6"/>
-                </a:solidFill>
-                <a:latin typeface="210 앱굴림 R" panose="02020603020101020101" pitchFamily="18" charset="-127"/>
-                <a:ea typeface="210 앱굴림 R" panose="02020603020101020101" pitchFamily="18" charset="-127"/>
-              </a:rPr>
-              <a:t>Focusing: f</a:t>
-            </a:r>
-            <a:endParaRPr lang="ko-KR" altLang="en-US" sz="1700" dirty="0">
-              <a:solidFill>
-                <a:schemeClr val="accent6"/>
-              </a:solidFill>
-              <a:latin typeface="210 앱굴림 R" panose="02020603020101020101" pitchFamily="18" charset="-127"/>
-              <a:ea typeface="210 앱굴림 R" panose="02020603020101020101" pitchFamily="18" charset="-127"/>
-            </a:endParaRPr>
-          </a:p>
-        </p:txBody>
-      </p:sp>
-      <p:cxnSp>
-        <p:nvCxnSpPr>
-          <p:cNvPr id="15" name="Straight Connector 11">
-            <a:extLst>
-              <a:ext uri="{FF2B5EF4-FFF2-40B4-BE49-F238E27FC236}">
-                <a16:creationId xmlns:a16="http://schemas.microsoft.com/office/drawing/2014/main" id="{F0C57C7C-DFE9-4A1E-B7A9-DF40E63366BB}"/>
-              </a:ext>
-              <a:ext uri="{C183D7F6-B498-43B3-948B-1728B52AA6E4}">
-                <adec:decorative xmlns:adec="http://schemas.microsoft.com/office/drawing/2017/decorative" val="1"/>
-              </a:ext>
-            </a:extLst>
-          </p:cNvPr>
-          <p:cNvCxnSpPr>
-            <a:cxnSpLocks noGrp="1" noRot="1" noChangeAspect="1" noMove="1" noResize="1" noEditPoints="1" noAdjustHandles="1" noChangeArrowheads="1" noChangeShapeType="1"/>
-          </p:cNvCxnSpPr>
-          <p:nvPr>
-            <p:extLst>
-              <p:ext uri="{386F3935-93C4-4BCD-93E2-E3B085C9AB24}">
-                <p16:designElem xmlns:p16="http://schemas.microsoft.com/office/powerpoint/2015/main" val="1"/>
-              </p:ext>
-            </p:extLst>
-          </p:nvPr>
-        </p:nvCxnSpPr>
-        <p:spPr>
-          <a:xfrm>
-            <a:off x="3041918" y="2057399"/>
-            <a:ext cx="0" cy="2743200"/>
-          </a:xfrm>
-          <a:prstGeom prst="line">
-            <a:avLst/>
-          </a:prstGeom>
-          <a:ln w="19050">
-            <a:solidFill>
-              <a:schemeClr val="tx1">
-                <a:lumMod val="85000"/>
-                <a:lumOff val="15000"/>
-              </a:schemeClr>
-            </a:solidFill>
-          </a:ln>
-        </p:spPr>
-        <p:style>
-          <a:lnRef idx="1">
-            <a:schemeClr val="accent1"/>
-          </a:lnRef>
-          <a:fillRef idx="0">
-            <a:schemeClr val="accent1"/>
-          </a:fillRef>
-          <a:effectRef idx="0">
-            <a:schemeClr val="accent1"/>
-          </a:effectRef>
-          <a:fontRef idx="minor">
-            <a:schemeClr val="tx1"/>
-          </a:fontRef>
-        </p:style>
-      </p:cxnSp>
-    </p:spTree>
-    <p:extLst>
-      <p:ext uri="{BB962C8B-B14F-4D97-AF65-F5344CB8AC3E}">
-        <p14:creationId xmlns:p14="http://schemas.microsoft.com/office/powerpoint/2010/main" val="3315850452"/>
-      </p:ext>
-    </p:extLst>
-  </p:cSld>
-  <p:clrMapOvr>
-    <a:masterClrMapping/>
-  </p:clrMapOvr>
-</p:sld>
-</file>
-
-<file path=ppt/slides/slide21.xml><?xml version="1.0" encoding="utf-8"?>
-<p:sld xmlns:a="http://schemas.openxmlformats.org/drawingml/2006/main" xmlns:r="http://schemas.openxmlformats.org/officeDocument/2006/relationships" xmlns:p="http://schemas.openxmlformats.org/presentationml/2006/main">
-  <p:cSld>
-    <p:bg>
-      <p:bgPr>
-        <a:solidFill>
-          <a:schemeClr val="bg1"/>
-        </a:solidFill>
-        <a:effectLst/>
-      </p:bgPr>
-    </p:bg>
-    <p:spTree>
-      <p:nvGrpSpPr>
-        <p:cNvPr id="1" name=""/>
-        <p:cNvGrpSpPr/>
-        <p:nvPr/>
-      </p:nvGrpSpPr>
-      <p:grpSpPr>
-        <a:xfrm>
-          <a:off x="0" y="0"/>
-          <a:ext cx="0" cy="0"/>
-          <a:chOff x="0" y="0"/>
-          <a:chExt cx="0" cy="0"/>
-        </a:xfrm>
-      </p:grpSpPr>
-      <p:sp>
-        <p:nvSpPr>
           <p:cNvPr id="2" name="제목 1">
             <a:extLst>
               <a:ext uri="{FF2B5EF4-FFF2-40B4-BE49-F238E27FC236}">
@@ -12994,7 +14854,7 @@
 </p:sld>
 </file>
 
-<file path=ppt/slides/slide22.xml><?xml version="1.0" encoding="utf-8"?>
+<file path=ppt/slides/slide21.xml><?xml version="1.0" encoding="utf-8"?>
 <p:sld xmlns:a="http://schemas.openxmlformats.org/drawingml/2006/main" xmlns:r="http://schemas.openxmlformats.org/officeDocument/2006/relationships" xmlns:p="http://schemas.openxmlformats.org/presentationml/2006/main">
   <p:cSld>
     <p:bg>
@@ -13197,7 +15057,7 @@
 </p:sld>
 </file>
 
-<file path=ppt/slides/slide23.xml><?xml version="1.0" encoding="utf-8"?>
+<file path=ppt/slides/slide22.xml><?xml version="1.0" encoding="utf-8"?>
 <p:sld xmlns:a="http://schemas.openxmlformats.org/drawingml/2006/main" xmlns:r="http://schemas.openxmlformats.org/officeDocument/2006/relationships" xmlns:p="http://schemas.openxmlformats.org/presentationml/2006/main">
   <p:cSld>
     <p:spTree>
@@ -13335,7 +15195,7 @@
 </p:sld>
 </file>
 
-<file path=ppt/slides/slide24.xml><?xml version="1.0" encoding="utf-8"?>
+<file path=ppt/slides/slide23.xml><?xml version="1.0" encoding="utf-8"?>
 <p:sld xmlns:a="http://schemas.openxmlformats.org/drawingml/2006/main" xmlns:r="http://schemas.openxmlformats.org/officeDocument/2006/relationships" xmlns:p="http://schemas.openxmlformats.org/presentationml/2006/main">
   <p:cSld>
     <p:bg>
@@ -13561,7 +15421,7 @@
 </p:sld>
 </file>
 
-<file path=ppt/slides/slide25.xml><?xml version="1.0" encoding="utf-8"?>
+<file path=ppt/slides/slide24.xml><?xml version="1.0" encoding="utf-8"?>
 <p:sld xmlns:a="http://schemas.openxmlformats.org/drawingml/2006/main" xmlns:r="http://schemas.openxmlformats.org/officeDocument/2006/relationships" xmlns:p="http://schemas.openxmlformats.org/presentationml/2006/main">
   <p:cSld>
     <p:spTree>
@@ -13717,7 +15577,7 @@
 </p:sld>
 </file>
 
-<file path=ppt/slides/slide26.xml><?xml version="1.0" encoding="utf-8"?>
+<file path=ppt/slides/slide25.xml><?xml version="1.0" encoding="utf-8"?>
 <p:sld xmlns:a="http://schemas.openxmlformats.org/drawingml/2006/main" xmlns:r="http://schemas.openxmlformats.org/officeDocument/2006/relationships" xmlns:p="http://schemas.openxmlformats.org/presentationml/2006/main">
   <p:cSld>
     <p:bg>
@@ -13971,7 +15831,7 @@
 </p:sld>
 </file>
 
-<file path=ppt/slides/slide27.xml><?xml version="1.0" encoding="utf-8"?>
+<file path=ppt/slides/slide26.xml><?xml version="1.0" encoding="utf-8"?>
 <p:sld xmlns:a="http://schemas.openxmlformats.org/drawingml/2006/main" xmlns:r="http://schemas.openxmlformats.org/officeDocument/2006/relationships" xmlns:p="http://schemas.openxmlformats.org/presentationml/2006/main">
   <p:cSld>
     <p:bg>
@@ -14225,7 +16085,7 @@
 </p:sld>
 </file>
 
-<file path=ppt/slides/slide28.xml><?xml version="1.0" encoding="utf-8"?>
+<file path=ppt/slides/slide27.xml><?xml version="1.0" encoding="utf-8"?>
 <p:sld xmlns:a="http://schemas.openxmlformats.org/drawingml/2006/main" xmlns:r="http://schemas.openxmlformats.org/officeDocument/2006/relationships" xmlns:p="http://schemas.openxmlformats.org/presentationml/2006/main">
   <p:cSld>
     <p:bg>
@@ -14479,7 +16339,7 @@
 </p:sld>
 </file>
 
-<file path=ppt/slides/slide29.xml><?xml version="1.0" encoding="utf-8"?>
+<file path=ppt/slides/slide28.xml><?xml version="1.0" encoding="utf-8"?>
 <p:sld xmlns:a="http://schemas.openxmlformats.org/drawingml/2006/main" xmlns:r="http://schemas.openxmlformats.org/officeDocument/2006/relationships" xmlns:p="http://schemas.openxmlformats.org/presentationml/2006/main">
   <p:cSld>
     <p:bg>
@@ -14713,67 +16573,7 @@
 </p:sld>
 </file>
 
-<file path=ppt/slides/slide3.xml><?xml version="1.0" encoding="utf-8"?>
-<p:sld xmlns:a="http://schemas.openxmlformats.org/drawingml/2006/main" xmlns:r="http://schemas.openxmlformats.org/officeDocument/2006/relationships" xmlns:p="http://schemas.openxmlformats.org/presentationml/2006/main">
-  <p:cSld>
-    <p:spTree>
-      <p:nvGrpSpPr>
-        <p:cNvPr id="1" name=""/>
-        <p:cNvGrpSpPr/>
-        <p:nvPr/>
-      </p:nvGrpSpPr>
-      <p:grpSpPr>
-        <a:xfrm>
-          <a:off x="0" y="0"/>
-          <a:ext cx="0" cy="0"/>
-          <a:chOff x="0" y="0"/>
-          <a:chExt cx="0" cy="0"/>
-        </a:xfrm>
-      </p:grpSpPr>
-      <p:pic>
-        <p:nvPicPr>
-          <p:cNvPr id="7" name="그림 6">
-            <a:extLst>
-              <a:ext uri="{FF2B5EF4-FFF2-40B4-BE49-F238E27FC236}">
-                <a16:creationId xmlns:a16="http://schemas.microsoft.com/office/drawing/2014/main" id="{00F864B4-28D0-4216-AEF7-307AE14E6880}"/>
-              </a:ext>
-            </a:extLst>
-          </p:cNvPr>
-          <p:cNvPicPr>
-            <a:picLocks noChangeAspect="1"/>
-          </p:cNvPicPr>
-          <p:nvPr/>
-        </p:nvPicPr>
-        <p:blipFill>
-          <a:blip r:embed="rId2"/>
-          <a:stretch>
-            <a:fillRect/>
-          </a:stretch>
-        </p:blipFill>
-        <p:spPr>
-          <a:xfrm>
-            <a:off x="-2052736" y="0"/>
-            <a:ext cx="13249472" cy="6858000"/>
-          </a:xfrm>
-          <a:prstGeom prst="rect">
-            <a:avLst/>
-          </a:prstGeom>
-        </p:spPr>
-      </p:pic>
-    </p:spTree>
-    <p:extLst>
-      <p:ext uri="{BB962C8B-B14F-4D97-AF65-F5344CB8AC3E}">
-        <p14:creationId xmlns:p14="http://schemas.microsoft.com/office/powerpoint/2010/main" val="36551614"/>
-      </p:ext>
-    </p:extLst>
-  </p:cSld>
-  <p:clrMapOvr>
-    <a:masterClrMapping/>
-  </p:clrMapOvr>
-</p:sld>
-</file>
-
-<file path=ppt/slides/slide30.xml><?xml version="1.0" encoding="utf-8"?>
+<file path=ppt/slides/slide29.xml><?xml version="1.0" encoding="utf-8"?>
 <p:sld xmlns:a="http://schemas.openxmlformats.org/drawingml/2006/main" xmlns:r="http://schemas.openxmlformats.org/officeDocument/2006/relationships" xmlns:p="http://schemas.openxmlformats.org/presentationml/2006/main">
   <p:cSld>
     <p:spTree>
@@ -15190,8 +16990,22 @@
                 <a:latin typeface="210 앱굴림 L" panose="02020603020101020101" pitchFamily="18" charset="-127"/>
                 <a:ea typeface="210 앱굴림 L" panose="02020603020101020101" pitchFamily="18" charset="-127"/>
               </a:rPr>
-              <a:t>에 존재해야 함</a:t>
-            </a:r>
+              <a:t>에 존재해야 되기</a:t>
+            </a:r>
+            <a:r>
+              <a:rPr lang="ko-KR" altLang="en-US" dirty="0">
+                <a:latin typeface="210 앱굴림 L" panose="02020603020101020101" pitchFamily="18" charset="-127"/>
+                <a:ea typeface="210 앱굴림 L" panose="02020603020101020101" pitchFamily="18" charset="-127"/>
+              </a:rPr>
+              <a:t> 때문</a:t>
+            </a:r>
+            <a:endParaRPr lang="ko-KR" altLang="en-US" sz="2400" dirty="0">
+              <a:solidFill>
+                <a:schemeClr val="tx1"/>
+              </a:solidFill>
+              <a:latin typeface="210 앱굴림 L" panose="02020603020101020101" pitchFamily="18" charset="-127"/>
+              <a:ea typeface="210 앱굴림 L" panose="02020603020101020101" pitchFamily="18" charset="-127"/>
+            </a:endParaRPr>
           </a:p>
         </p:txBody>
       </p:sp>
@@ -15199,6 +17013,990 @@
     <p:extLst>
       <p:ext uri="{BB962C8B-B14F-4D97-AF65-F5344CB8AC3E}">
         <p14:creationId xmlns:p14="http://schemas.microsoft.com/office/powerpoint/2010/main" val="3082376714"/>
+      </p:ext>
+    </p:extLst>
+  </p:cSld>
+  <p:clrMapOvr>
+    <a:masterClrMapping/>
+  </p:clrMapOvr>
+</p:sld>
+</file>
+
+<file path=ppt/slides/slide3.xml><?xml version="1.0" encoding="utf-8"?>
+<p:sld xmlns:a="http://schemas.openxmlformats.org/drawingml/2006/main" xmlns:r="http://schemas.openxmlformats.org/officeDocument/2006/relationships" xmlns:p="http://schemas.openxmlformats.org/presentationml/2006/main">
+  <p:cSld>
+    <p:bg>
+      <p:bgPr>
+        <a:solidFill>
+          <a:schemeClr val="bg1"/>
+        </a:solidFill>
+        <a:effectLst/>
+      </p:bgPr>
+    </p:bg>
+    <p:spTree>
+      <p:nvGrpSpPr>
+        <p:cNvPr id="1" name=""/>
+        <p:cNvGrpSpPr/>
+        <p:nvPr/>
+      </p:nvGrpSpPr>
+      <p:grpSpPr>
+        <a:xfrm>
+          <a:off x="0" y="0"/>
+          <a:ext cx="0" cy="0"/>
+          <a:chOff x="0" y="0"/>
+          <a:chExt cx="0" cy="0"/>
+        </a:xfrm>
+      </p:grpSpPr>
+      <p:sp>
+        <p:nvSpPr>
+          <p:cNvPr id="7" name="Rectangle 6">
+            <a:extLst>
+              <a:ext uri="{FF2B5EF4-FFF2-40B4-BE49-F238E27FC236}">
+                <a16:creationId xmlns:a16="http://schemas.microsoft.com/office/drawing/2014/main" id="{6F9EB9F2-07E2-4D64-BBD8-BB5B217F1218}"/>
+              </a:ext>
+              <a:ext uri="{C183D7F6-B498-43B3-948B-1728B52AA6E4}">
+                <adec:decorative xmlns:adec="http://schemas.microsoft.com/office/drawing/2017/decorative" val="1"/>
+              </a:ext>
+            </a:extLst>
+          </p:cNvPr>
+          <p:cNvSpPr>
+            <a:spLocks noGrp="1" noRot="1" noChangeAspect="1" noMove="1" noResize="1" noEditPoints="1" noAdjustHandles="1" noChangeArrowheads="1" noChangeShapeType="1" noTextEdit="1"/>
+          </p:cNvSpPr>
+          <p:nvPr>
+            <p:extLst>
+              <p:ext uri="{386F3935-93C4-4BCD-93E2-E3B085C9AB24}">
+                <p16:designElem xmlns:p16="http://schemas.microsoft.com/office/powerpoint/2015/main" val="1"/>
+              </p:ext>
+            </p:extLst>
+          </p:nvPr>
+        </p:nvSpPr>
+        <p:spPr bwMode="ltGray">
+          <a:xfrm>
+            <a:off x="241173" y="320040"/>
+            <a:ext cx="8661654" cy="6217920"/>
+          </a:xfrm>
+          <a:prstGeom prst="rect">
+            <a:avLst/>
+          </a:prstGeom>
+          <a:solidFill>
+            <a:schemeClr val="tx1">
+              <a:alpha val="12000"/>
+            </a:schemeClr>
+          </a:solidFill>
+          <a:ln w="127000" cap="sq" cmpd="thinThick">
+            <a:noFill/>
+          </a:ln>
+        </p:spPr>
+        <p:style>
+          <a:lnRef idx="2">
+            <a:schemeClr val="accent1">
+              <a:shade val="50000"/>
+            </a:schemeClr>
+          </a:lnRef>
+          <a:fillRef idx="1">
+            <a:schemeClr val="accent1"/>
+          </a:fillRef>
+          <a:effectRef idx="0">
+            <a:schemeClr val="accent1"/>
+          </a:effectRef>
+          <a:fontRef idx="minor">
+            <a:schemeClr val="lt1"/>
+          </a:fontRef>
+        </p:style>
+        <p:txBody>
+          <a:bodyPr rtlCol="0" anchor="ctr"/>
+          <a:lstStyle/>
+          <a:p>
+            <a:pPr algn="ctr"/>
+            <a:endParaRPr lang="en-US"/>
+          </a:p>
+        </p:txBody>
+      </p:sp>
+      <p:sp>
+        <p:nvSpPr>
+          <p:cNvPr id="2" name="직사각형 1">
+            <a:extLst>
+              <a:ext uri="{FF2B5EF4-FFF2-40B4-BE49-F238E27FC236}">
+                <a16:creationId xmlns:a16="http://schemas.microsoft.com/office/drawing/2014/main" id="{404A0A41-315D-44F1-BEB3-B2DEA840FAA6}"/>
+              </a:ext>
+            </a:extLst>
+          </p:cNvPr>
+          <p:cNvSpPr/>
+          <p:nvPr/>
+        </p:nvSpPr>
+        <p:spPr>
+          <a:xfrm>
+            <a:off x="3285441" y="965199"/>
+            <a:ext cx="5074558" cy="4927601"/>
+          </a:xfrm>
+          <a:prstGeom prst="rect">
+            <a:avLst/>
+          </a:prstGeom>
+        </p:spPr>
+        <p:txBody>
+          <a:bodyPr vert="horz" lIns="91440" tIns="45720" rIns="91440" bIns="45720" rtlCol="0" anchor="ctr">
+            <a:normAutofit/>
+          </a:bodyPr>
+          <a:lstStyle/>
+          <a:p>
+            <a:pPr latinLnBrk="0">
+              <a:lnSpc>
+                <a:spcPct val="90000"/>
+              </a:lnSpc>
+              <a:spcBef>
+                <a:spcPct val="0"/>
+              </a:spcBef>
+              <a:spcAft>
+                <a:spcPts val="600"/>
+              </a:spcAft>
+            </a:pPr>
+            <a:r>
+              <a:rPr lang="ko-KR" altLang="en-US" sz="4700" kern="1200" dirty="0">
+                <a:solidFill>
+                  <a:schemeClr val="tx1">
+                    <a:lumMod val="85000"/>
+                    <a:lumOff val="15000"/>
+                  </a:schemeClr>
+                </a:solidFill>
+                <a:latin typeface="210 앱굴림 B" panose="02020603020101020101" pitchFamily="18" charset="-127"/>
+                <a:ea typeface="210 앱굴림 B" panose="02020603020101020101" pitchFamily="18" charset="-127"/>
+                <a:cs typeface="+mj-cs"/>
+              </a:rPr>
+              <a:t>유니티 소개</a:t>
+            </a:r>
+          </a:p>
+        </p:txBody>
+      </p:sp>
+      <p:cxnSp>
+        <p:nvCxnSpPr>
+          <p:cNvPr id="9" name="Straight Connector 8">
+            <a:extLst>
+              <a:ext uri="{FF2B5EF4-FFF2-40B4-BE49-F238E27FC236}">
+                <a16:creationId xmlns:a16="http://schemas.microsoft.com/office/drawing/2014/main" id="{F0C57C7C-DFE9-4A1E-B7A9-DF40E63366BB}"/>
+              </a:ext>
+              <a:ext uri="{C183D7F6-B498-43B3-948B-1728B52AA6E4}">
+                <adec:decorative xmlns:adec="http://schemas.microsoft.com/office/drawing/2017/decorative" val="1"/>
+              </a:ext>
+            </a:extLst>
+          </p:cNvPr>
+          <p:cNvCxnSpPr>
+            <a:cxnSpLocks noGrp="1" noRot="1" noChangeAspect="1" noMove="1" noResize="1" noEditPoints="1" noAdjustHandles="1" noChangeArrowheads="1" noChangeShapeType="1"/>
+          </p:cNvCxnSpPr>
+          <p:nvPr>
+            <p:extLst>
+              <p:ext uri="{386F3935-93C4-4BCD-93E2-E3B085C9AB24}">
+                <p16:designElem xmlns:p16="http://schemas.microsoft.com/office/powerpoint/2015/main" val="1"/>
+              </p:ext>
+            </p:extLst>
+          </p:nvPr>
+        </p:nvCxnSpPr>
+        <p:spPr>
+          <a:xfrm>
+            <a:off x="3041918" y="2057399"/>
+            <a:ext cx="0" cy="2743200"/>
+          </a:xfrm>
+          <a:prstGeom prst="line">
+            <a:avLst/>
+          </a:prstGeom>
+          <a:ln w="19050">
+            <a:solidFill>
+              <a:schemeClr val="tx1">
+                <a:lumMod val="85000"/>
+                <a:lumOff val="15000"/>
+              </a:schemeClr>
+            </a:solidFill>
+          </a:ln>
+        </p:spPr>
+        <p:style>
+          <a:lnRef idx="1">
+            <a:schemeClr val="accent1"/>
+          </a:lnRef>
+          <a:fillRef idx="0">
+            <a:schemeClr val="accent1"/>
+          </a:fillRef>
+          <a:effectRef idx="0">
+            <a:schemeClr val="accent1"/>
+          </a:effectRef>
+          <a:fontRef idx="minor">
+            <a:schemeClr val="tx1"/>
+          </a:fontRef>
+        </p:style>
+      </p:cxnSp>
+    </p:spTree>
+    <p:extLst>
+      <p:ext uri="{BB962C8B-B14F-4D97-AF65-F5344CB8AC3E}">
+        <p14:creationId xmlns:p14="http://schemas.microsoft.com/office/powerpoint/2010/main" val="2734107508"/>
+      </p:ext>
+    </p:extLst>
+  </p:cSld>
+  <p:clrMapOvr>
+    <a:masterClrMapping/>
+  </p:clrMapOvr>
+</p:sld>
+</file>
+
+<file path=ppt/slides/slide30.xml><?xml version="1.0" encoding="utf-8"?>
+<p:sld xmlns:a="http://schemas.openxmlformats.org/drawingml/2006/main" xmlns:r="http://schemas.openxmlformats.org/officeDocument/2006/relationships" xmlns:p="http://schemas.openxmlformats.org/presentationml/2006/main">
+  <p:cSld>
+    <p:bg>
+      <p:bgPr>
+        <a:solidFill>
+          <a:schemeClr val="bg1"/>
+        </a:solidFill>
+        <a:effectLst/>
+      </p:bgPr>
+    </p:bg>
+    <p:spTree>
+      <p:nvGrpSpPr>
+        <p:cNvPr id="1" name=""/>
+        <p:cNvGrpSpPr/>
+        <p:nvPr/>
+      </p:nvGrpSpPr>
+      <p:grpSpPr>
+        <a:xfrm>
+          <a:off x="0" y="0"/>
+          <a:ext cx="0" cy="0"/>
+          <a:chOff x="0" y="0"/>
+          <a:chExt cx="0" cy="0"/>
+        </a:xfrm>
+      </p:grpSpPr>
+      <p:sp>
+        <p:nvSpPr>
+          <p:cNvPr id="12" name="Rectangle: Top Corners Rounded 8">
+            <a:extLst>
+              <a:ext uri="{FF2B5EF4-FFF2-40B4-BE49-F238E27FC236}">
+                <a16:creationId xmlns:a16="http://schemas.microsoft.com/office/drawing/2014/main" id="{3BAF1561-20C4-41FD-A35F-BF2B9E727F3E}"/>
+              </a:ext>
+              <a:ext uri="{C183D7F6-B498-43B3-948B-1728B52AA6E4}">
+                <adec:decorative xmlns:adec="http://schemas.microsoft.com/office/drawing/2017/decorative" val="1"/>
+              </a:ext>
+            </a:extLst>
+          </p:cNvPr>
+          <p:cNvSpPr>
+            <a:spLocks noGrp="1" noRot="1" noChangeAspect="1" noMove="1" noResize="1" noEditPoints="1" noAdjustHandles="1" noChangeArrowheads="1" noChangeShapeType="1" noTextEdit="1"/>
+          </p:cNvSpPr>
+          <p:nvPr>
+            <p:extLst>
+              <p:ext uri="{386F3935-93C4-4BCD-93E2-E3B085C9AB24}">
+                <p16:designElem xmlns:p16="http://schemas.microsoft.com/office/powerpoint/2015/main" val="1"/>
+              </p:ext>
+            </p:extLst>
+          </p:nvPr>
+        </p:nvSpPr>
+        <p:spPr>
+          <a:xfrm rot="5400000" flipH="1">
+            <a:off x="-1137536" y="1604792"/>
+            <a:ext cx="5923488" cy="3648417"/>
+          </a:xfrm>
+          <a:prstGeom prst="round2SameRect">
+            <a:avLst>
+              <a:gd name="adj1" fmla="val 3762"/>
+              <a:gd name="adj2" fmla="val 0"/>
+            </a:avLst>
+          </a:prstGeom>
+          <a:solidFill>
+            <a:schemeClr val="tx1">
+              <a:lumMod val="75000"/>
+              <a:lumOff val="25000"/>
+            </a:schemeClr>
+          </a:solidFill>
+          <a:ln>
+            <a:noFill/>
+          </a:ln>
+        </p:spPr>
+        <p:style>
+          <a:lnRef idx="2">
+            <a:schemeClr val="accent1">
+              <a:shade val="50000"/>
+            </a:schemeClr>
+          </a:lnRef>
+          <a:fillRef idx="1">
+            <a:schemeClr val="accent1"/>
+          </a:fillRef>
+          <a:effectRef idx="0">
+            <a:schemeClr val="accent1"/>
+          </a:effectRef>
+          <a:fontRef idx="minor">
+            <a:schemeClr val="lt1"/>
+          </a:fontRef>
+        </p:style>
+        <p:txBody>
+          <a:bodyPr rtlCol="0" anchor="ctr"/>
+          <a:lstStyle/>
+          <a:p>
+            <a:pPr marL="0" marR="0" lvl="0" indent="0" algn="ctr" defTabSz="914400" rtl="0" eaLnBrk="1" fontAlgn="auto" latinLnBrk="0" hangingPunct="1">
+              <a:lnSpc>
+                <a:spcPct val="100000"/>
+              </a:lnSpc>
+              <a:spcBef>
+                <a:spcPts val="0"/>
+              </a:spcBef>
+              <a:spcAft>
+                <a:spcPts val="0"/>
+              </a:spcAft>
+              <a:buClrTx/>
+              <a:buSzTx/>
+              <a:buFontTx/>
+              <a:buNone/>
+              <a:tabLst/>
+              <a:defRPr/>
+            </a:pPr>
+            <a:endParaRPr kumimoji="0" lang="en-US" sz="1800" b="0" i="0" u="none" strike="noStrike" kern="1200" cap="none" spc="0" normalizeH="0" baseline="0" noProof="0">
+              <a:ln>
+                <a:noFill/>
+              </a:ln>
+              <a:solidFill>
+                <a:prstClr val="white"/>
+              </a:solidFill>
+              <a:effectLst/>
+              <a:uLnTx/>
+              <a:uFillTx/>
+              <a:latin typeface="Calibri" panose="020F0502020204030204"/>
+              <a:ea typeface="+mn-ea"/>
+              <a:cs typeface="+mn-cs"/>
+            </a:endParaRPr>
+          </a:p>
+        </p:txBody>
+      </p:sp>
+      <p:sp>
+        <p:nvSpPr>
+          <p:cNvPr id="11" name="Rectangle: Top Corners Rounded 10">
+            <a:extLst>
+              <a:ext uri="{FF2B5EF4-FFF2-40B4-BE49-F238E27FC236}">
+                <a16:creationId xmlns:a16="http://schemas.microsoft.com/office/drawing/2014/main" id="{839DC788-B140-4F3E-A91E-CB3E70ED940A}"/>
+              </a:ext>
+              <a:ext uri="{C183D7F6-B498-43B3-948B-1728B52AA6E4}">
+                <adec:decorative xmlns:adec="http://schemas.microsoft.com/office/drawing/2017/decorative" val="1"/>
+              </a:ext>
+            </a:extLst>
+          </p:cNvPr>
+          <p:cNvSpPr>
+            <a:spLocks noGrp="1" noRot="1" noChangeAspect="1" noMove="1" noResize="1" noEditPoints="1" noAdjustHandles="1" noChangeArrowheads="1" noChangeShapeType="1" noTextEdit="1"/>
+          </p:cNvSpPr>
+          <p:nvPr>
+            <p:extLst>
+              <p:ext uri="{386F3935-93C4-4BCD-93E2-E3B085C9AB24}">
+                <p16:designElem xmlns:p16="http://schemas.microsoft.com/office/powerpoint/2015/main" val="1"/>
+              </p:ext>
+            </p:extLst>
+          </p:nvPr>
+        </p:nvSpPr>
+        <p:spPr>
+          <a:xfrm rot="5400000" flipH="1">
+            <a:off x="-1044075" y="1645100"/>
+            <a:ext cx="5609397" cy="3567794"/>
+          </a:xfrm>
+          <a:prstGeom prst="round2SameRect">
+            <a:avLst>
+              <a:gd name="adj1" fmla="val 2061"/>
+              <a:gd name="adj2" fmla="val 0"/>
+            </a:avLst>
+          </a:prstGeom>
+          <a:noFill/>
+          <a:ln w="50800">
+            <a:solidFill>
+              <a:schemeClr val="bg1"/>
+            </a:solidFill>
+          </a:ln>
+        </p:spPr>
+        <p:style>
+          <a:lnRef idx="2">
+            <a:schemeClr val="accent1">
+              <a:shade val="50000"/>
+            </a:schemeClr>
+          </a:lnRef>
+          <a:fillRef idx="1">
+            <a:schemeClr val="accent1"/>
+          </a:fillRef>
+          <a:effectRef idx="0">
+            <a:schemeClr val="accent1"/>
+          </a:effectRef>
+          <a:fontRef idx="minor">
+            <a:schemeClr val="lt1"/>
+          </a:fontRef>
+        </p:style>
+        <p:txBody>
+          <a:bodyPr rtlCol="0" anchor="ctr"/>
+          <a:lstStyle/>
+          <a:p>
+            <a:pPr marL="0" marR="0" lvl="0" indent="0" algn="ctr" defTabSz="914400" rtl="0" eaLnBrk="1" fontAlgn="auto" latinLnBrk="0" hangingPunct="1">
+              <a:lnSpc>
+                <a:spcPct val="100000"/>
+              </a:lnSpc>
+              <a:spcBef>
+                <a:spcPts val="0"/>
+              </a:spcBef>
+              <a:spcAft>
+                <a:spcPts val="0"/>
+              </a:spcAft>
+              <a:buClrTx/>
+              <a:buSzTx/>
+              <a:buFontTx/>
+              <a:buNone/>
+              <a:tabLst/>
+              <a:defRPr/>
+            </a:pPr>
+            <a:endParaRPr kumimoji="0" lang="en-US" sz="1800" b="0" i="0" u="none" strike="noStrike" kern="1200" cap="none" spc="0" normalizeH="0" baseline="0" noProof="0">
+              <a:ln>
+                <a:noFill/>
+              </a:ln>
+              <a:solidFill>
+                <a:prstClr val="white"/>
+              </a:solidFill>
+              <a:effectLst/>
+              <a:uLnTx/>
+              <a:uFillTx/>
+              <a:latin typeface="Calibri" panose="020F0502020204030204"/>
+              <a:ea typeface="+mn-ea"/>
+              <a:cs typeface="+mn-cs"/>
+            </a:endParaRPr>
+          </a:p>
+        </p:txBody>
+      </p:sp>
+      <p:sp>
+        <p:nvSpPr>
+          <p:cNvPr id="2" name="제목 1">
+            <a:extLst>
+              <a:ext uri="{FF2B5EF4-FFF2-40B4-BE49-F238E27FC236}">
+                <a16:creationId xmlns:a16="http://schemas.microsoft.com/office/drawing/2014/main" id="{84BE0C10-AA71-4FA8-9BBA-99688893BD25}"/>
+              </a:ext>
+            </a:extLst>
+          </p:cNvPr>
+          <p:cNvSpPr>
+            <a:spLocks noGrp="1"/>
+          </p:cNvSpPr>
+          <p:nvPr>
+            <p:ph type="title"/>
+          </p:nvPr>
+        </p:nvSpPr>
+        <p:spPr>
+          <a:xfrm>
+            <a:off x="241299" y="981091"/>
+            <a:ext cx="3069714" cy="1624457"/>
+          </a:xfrm>
+        </p:spPr>
+        <p:txBody>
+          <a:bodyPr>
+            <a:normAutofit/>
+          </a:bodyPr>
+          <a:lstStyle/>
+          <a:p>
+            <a:r>
+              <a:rPr lang="en-US" altLang="ko-KR" sz="3100" dirty="0">
+                <a:solidFill>
+                  <a:schemeClr val="accent4"/>
+                </a:solidFill>
+                <a:latin typeface="210 앱굴림 R" panose="02020603020101020101" pitchFamily="18" charset="-127"/>
+                <a:ea typeface="210 앱굴림 R" panose="02020603020101020101" pitchFamily="18" charset="-127"/>
+              </a:rPr>
+              <a:t>GameObject</a:t>
+            </a:r>
+            <a:br>
+              <a:rPr lang="en-US" altLang="ko-KR" sz="3100" dirty="0">
+                <a:solidFill>
+                  <a:schemeClr val="accent4"/>
+                </a:solidFill>
+                <a:latin typeface="210 앱굴림 R" panose="02020603020101020101" pitchFamily="18" charset="-127"/>
+                <a:ea typeface="210 앱굴림 R" panose="02020603020101020101" pitchFamily="18" charset="-127"/>
+              </a:rPr>
+            </a:br>
+            <a:r>
+              <a:rPr lang="ko-KR" altLang="en-US" sz="2400" dirty="0">
+                <a:solidFill>
+                  <a:schemeClr val="accent4"/>
+                </a:solidFill>
+                <a:latin typeface="210 앱굴림 R" panose="02020603020101020101" pitchFamily="18" charset="-127"/>
+                <a:ea typeface="210 앱굴림 R" panose="02020603020101020101" pitchFamily="18" charset="-127"/>
+              </a:rPr>
+              <a:t>부모</a:t>
+            </a:r>
+            <a:r>
+              <a:rPr lang="en-US" altLang="ko-KR" sz="2400" dirty="0">
+                <a:solidFill>
+                  <a:schemeClr val="accent4"/>
+                </a:solidFill>
+                <a:latin typeface="210 앱굴림 R" panose="02020603020101020101" pitchFamily="18" charset="-127"/>
+                <a:ea typeface="210 앱굴림 R" panose="02020603020101020101" pitchFamily="18" charset="-127"/>
+              </a:rPr>
+              <a:t>-</a:t>
+            </a:r>
+            <a:r>
+              <a:rPr lang="ko-KR" altLang="en-US" sz="2400" dirty="0">
+                <a:solidFill>
+                  <a:schemeClr val="accent4"/>
+                </a:solidFill>
+                <a:latin typeface="210 앱굴림 R" panose="02020603020101020101" pitchFamily="18" charset="-127"/>
+                <a:ea typeface="210 앱굴림 R" panose="02020603020101020101" pitchFamily="18" charset="-127"/>
+              </a:rPr>
+              <a:t>자식 관계</a:t>
+            </a:r>
+            <a:endParaRPr lang="ko-KR" altLang="en-US" sz="3100" dirty="0">
+              <a:solidFill>
+                <a:schemeClr val="accent4"/>
+              </a:solidFill>
+            </a:endParaRPr>
+          </a:p>
+        </p:txBody>
+      </p:sp>
+      <p:cxnSp>
+        <p:nvCxnSpPr>
+          <p:cNvPr id="13" name="Straight Connector 12">
+            <a:extLst>
+              <a:ext uri="{FF2B5EF4-FFF2-40B4-BE49-F238E27FC236}">
+                <a16:creationId xmlns:a16="http://schemas.microsoft.com/office/drawing/2014/main" id="{FC18D930-0EEE-448F-ABF1-2AA3C83DA552}"/>
+              </a:ext>
+              <a:ext uri="{C183D7F6-B498-43B3-948B-1728B52AA6E4}">
+                <adec:decorative xmlns:adec="http://schemas.microsoft.com/office/drawing/2017/decorative" val="1"/>
+              </a:ext>
+            </a:extLst>
+          </p:cNvPr>
+          <p:cNvCxnSpPr>
+            <a:cxnSpLocks noGrp="1" noRot="1" noChangeAspect="1" noMove="1" noResize="1" noEditPoints="1" noAdjustHandles="1" noChangeArrowheads="1" noChangeShapeType="1"/>
+          </p:cNvCxnSpPr>
+          <p:nvPr>
+            <p:extLst>
+              <p:ext uri="{386F3935-93C4-4BCD-93E2-E3B085C9AB24}">
+                <p16:designElem xmlns:p16="http://schemas.microsoft.com/office/powerpoint/2015/main" val="1"/>
+              </p:ext>
+            </p:extLst>
+          </p:nvPr>
+        </p:nvCxnSpPr>
+        <p:spPr>
+          <a:xfrm>
+            <a:off x="393053" y="2705800"/>
+            <a:ext cx="1198092" cy="0"/>
+          </a:xfrm>
+          <a:prstGeom prst="line">
+            <a:avLst/>
+          </a:prstGeom>
+          <a:ln w="50800">
+            <a:solidFill>
+              <a:schemeClr val="bg1">
+                <a:lumMod val="65000"/>
+              </a:schemeClr>
+            </a:solidFill>
+          </a:ln>
+        </p:spPr>
+        <p:style>
+          <a:lnRef idx="1">
+            <a:schemeClr val="accent1"/>
+          </a:lnRef>
+          <a:fillRef idx="0">
+            <a:schemeClr val="accent1"/>
+          </a:fillRef>
+          <a:effectRef idx="0">
+            <a:schemeClr val="accent1"/>
+          </a:effectRef>
+          <a:fontRef idx="minor">
+            <a:schemeClr val="tx1"/>
+          </a:fontRef>
+        </p:style>
+      </p:cxnSp>
+      <p:sp>
+        <p:nvSpPr>
+          <p:cNvPr id="3" name="내용 개체 틀 2">
+            <a:extLst>
+              <a:ext uri="{FF2B5EF4-FFF2-40B4-BE49-F238E27FC236}">
+                <a16:creationId xmlns:a16="http://schemas.microsoft.com/office/drawing/2014/main" id="{135851A1-E00E-4F48-AB60-DA342EBF15D4}"/>
+              </a:ext>
+            </a:extLst>
+          </p:cNvPr>
+          <p:cNvSpPr>
+            <a:spLocks noGrp="1"/>
+          </p:cNvSpPr>
+          <p:nvPr>
+            <p:ph idx="1"/>
+          </p:nvPr>
+        </p:nvSpPr>
+        <p:spPr>
+          <a:xfrm>
+            <a:off x="241299" y="2834809"/>
+            <a:ext cx="3069714" cy="3042099"/>
+          </a:xfrm>
+        </p:spPr>
+        <p:txBody>
+          <a:bodyPr anchor="t">
+            <a:normAutofit lnSpcReduction="10000"/>
+          </a:bodyPr>
+          <a:lstStyle/>
+          <a:p>
+            <a:pPr marL="0" indent="0">
+              <a:buNone/>
+            </a:pPr>
+            <a:endParaRPr lang="en-US" altLang="ko-KR" sz="1700" dirty="0">
+              <a:solidFill>
+                <a:schemeClr val="bg1"/>
+              </a:solidFill>
+              <a:latin typeface="210 앱굴림 L" panose="02020603020101020101" pitchFamily="18" charset="-127"/>
+              <a:ea typeface="210 앱굴림 L" panose="02020603020101020101" pitchFamily="18" charset="-127"/>
+            </a:endParaRPr>
+          </a:p>
+          <a:p>
+            <a:pPr marL="0" indent="0">
+              <a:buNone/>
+            </a:pPr>
+            <a:r>
+              <a:rPr lang="en-US" altLang="ko-KR" sz="1700" dirty="0">
+                <a:solidFill>
+                  <a:schemeClr val="bg1"/>
+                </a:solidFill>
+                <a:latin typeface="210 앱굴림 L" panose="02020603020101020101" pitchFamily="18" charset="-127"/>
+                <a:ea typeface="210 앱굴림 L" panose="02020603020101020101" pitchFamily="18" charset="-127"/>
+              </a:rPr>
+              <a:t> - </a:t>
+            </a:r>
+            <a:r>
+              <a:rPr lang="ko-KR" altLang="en-US" sz="1700" dirty="0">
+                <a:solidFill>
+                  <a:schemeClr val="bg1"/>
+                </a:solidFill>
+                <a:latin typeface="210 앱굴림 L" panose="02020603020101020101" pitchFamily="18" charset="-127"/>
+                <a:ea typeface="210 앱굴림 L" panose="02020603020101020101" pitchFamily="18" charset="-127"/>
+              </a:rPr>
+              <a:t>게임 오브젝트는 자식을 가질 수 있다</a:t>
+            </a:r>
+            <a:endParaRPr lang="en-US" altLang="ko-KR" sz="1700" dirty="0">
+              <a:solidFill>
+                <a:schemeClr val="bg1"/>
+              </a:solidFill>
+              <a:latin typeface="210 앱굴림 L" panose="02020603020101020101" pitchFamily="18" charset="-127"/>
+              <a:ea typeface="210 앱굴림 L" panose="02020603020101020101" pitchFamily="18" charset="-127"/>
+            </a:endParaRPr>
+          </a:p>
+          <a:p>
+            <a:pPr marL="0" indent="0">
+              <a:buNone/>
+            </a:pPr>
+            <a:endParaRPr lang="en-US" altLang="ko-KR" sz="1700" dirty="0">
+              <a:solidFill>
+                <a:schemeClr val="bg1"/>
+              </a:solidFill>
+              <a:latin typeface="210 앱굴림 L" panose="02020603020101020101" pitchFamily="18" charset="-127"/>
+              <a:ea typeface="210 앱굴림 L" panose="02020603020101020101" pitchFamily="18" charset="-127"/>
+            </a:endParaRPr>
+          </a:p>
+          <a:p>
+            <a:pPr marL="0" indent="0">
+              <a:buNone/>
+            </a:pPr>
+            <a:r>
+              <a:rPr lang="ko-KR" altLang="en-US" sz="1700" dirty="0">
+                <a:solidFill>
+                  <a:schemeClr val="bg1"/>
+                </a:solidFill>
+                <a:latin typeface="210 앱굴림 L" panose="02020603020101020101" pitchFamily="18" charset="-127"/>
+                <a:ea typeface="210 앱굴림 L" panose="02020603020101020101" pitchFamily="18" charset="-127"/>
+              </a:rPr>
+              <a:t> </a:t>
+            </a:r>
+            <a:r>
+              <a:rPr lang="en-US" altLang="ko-KR" sz="1700" dirty="0">
+                <a:solidFill>
+                  <a:schemeClr val="bg1"/>
+                </a:solidFill>
+                <a:latin typeface="210 앱굴림 L" panose="02020603020101020101" pitchFamily="18" charset="-127"/>
+                <a:ea typeface="210 앱굴림 L" panose="02020603020101020101" pitchFamily="18" charset="-127"/>
+              </a:rPr>
+              <a:t>- </a:t>
+            </a:r>
+            <a:r>
+              <a:rPr lang="ko-KR" altLang="en-US" sz="1700" dirty="0">
+                <a:solidFill>
+                  <a:schemeClr val="bg1"/>
+                </a:solidFill>
+                <a:latin typeface="210 앱굴림 L" panose="02020603020101020101" pitchFamily="18" charset="-127"/>
+                <a:ea typeface="210 앱굴림 L" panose="02020603020101020101" pitchFamily="18" charset="-127"/>
+              </a:rPr>
+              <a:t>상대적</a:t>
+            </a:r>
+            <a:r>
+              <a:rPr lang="en-US" altLang="ko-KR" sz="1700" dirty="0">
+                <a:solidFill>
+                  <a:schemeClr val="bg1"/>
+                </a:solidFill>
+                <a:latin typeface="210 앱굴림 L" panose="02020603020101020101" pitchFamily="18" charset="-127"/>
+                <a:ea typeface="210 앱굴림 L" panose="02020603020101020101" pitchFamily="18" charset="-127"/>
+              </a:rPr>
+              <a:t>: </a:t>
+            </a:r>
+            <a:br>
+              <a:rPr lang="en-US" altLang="ko-KR" sz="1700" dirty="0">
+                <a:solidFill>
+                  <a:schemeClr val="bg1"/>
+                </a:solidFill>
+                <a:latin typeface="210 앱굴림 L" panose="02020603020101020101" pitchFamily="18" charset="-127"/>
+                <a:ea typeface="210 앱굴림 L" panose="02020603020101020101" pitchFamily="18" charset="-127"/>
+              </a:rPr>
+            </a:br>
+            <a:r>
+              <a:rPr lang="en-US" altLang="ko-KR" sz="1700" dirty="0">
+                <a:solidFill>
+                  <a:schemeClr val="bg1"/>
+                </a:solidFill>
+                <a:latin typeface="210 앱굴림 L" panose="02020603020101020101" pitchFamily="18" charset="-127"/>
+                <a:ea typeface="210 앱굴림 L" panose="02020603020101020101" pitchFamily="18" charset="-127"/>
+              </a:rPr>
+              <a:t>   </a:t>
+            </a:r>
+            <a:r>
+              <a:rPr lang="ko-KR" altLang="en-US" sz="1700" dirty="0">
+                <a:solidFill>
+                  <a:schemeClr val="bg1"/>
+                </a:solidFill>
+                <a:latin typeface="210 앱굴림 L" panose="02020603020101020101" pitchFamily="18" charset="-127"/>
+                <a:ea typeface="210 앱굴림 L" panose="02020603020101020101" pitchFamily="18" charset="-127"/>
+              </a:rPr>
+              <a:t> 자손</a:t>
+            </a:r>
+            <a:r>
+              <a:rPr lang="en-US" altLang="ko-KR" sz="1700" dirty="0">
+                <a:solidFill>
+                  <a:schemeClr val="bg1"/>
+                </a:solidFill>
+                <a:latin typeface="210 앱굴림 L" panose="02020603020101020101" pitchFamily="18" charset="-127"/>
+                <a:ea typeface="210 앱굴림 L" panose="02020603020101020101" pitchFamily="18" charset="-127"/>
+              </a:rPr>
+              <a:t>1</a:t>
+            </a:r>
+            <a:r>
+              <a:rPr lang="ko-KR" altLang="en-US" sz="1700" dirty="0">
+                <a:solidFill>
+                  <a:schemeClr val="bg1"/>
+                </a:solidFill>
+                <a:latin typeface="210 앱굴림 L" panose="02020603020101020101" pitchFamily="18" charset="-127"/>
+                <a:ea typeface="210 앱굴림 L" panose="02020603020101020101" pitchFamily="18" charset="-127"/>
+              </a:rPr>
+              <a:t>의 부모는 자식</a:t>
+            </a:r>
+            <a:r>
+              <a:rPr lang="en-US" altLang="ko-KR" sz="1700" dirty="0">
+                <a:solidFill>
+                  <a:schemeClr val="bg1"/>
+                </a:solidFill>
+                <a:latin typeface="210 앱굴림 L" panose="02020603020101020101" pitchFamily="18" charset="-127"/>
+                <a:ea typeface="210 앱굴림 L" panose="02020603020101020101" pitchFamily="18" charset="-127"/>
+              </a:rPr>
+              <a:t>1</a:t>
+            </a:r>
+          </a:p>
+          <a:p>
+            <a:pPr marL="0" indent="0">
+              <a:buNone/>
+            </a:pPr>
+            <a:r>
+              <a:rPr lang="en-US" altLang="ko-KR" sz="1700" dirty="0">
+                <a:solidFill>
+                  <a:schemeClr val="bg1"/>
+                </a:solidFill>
+                <a:latin typeface="210 앱굴림 L" panose="02020603020101020101" pitchFamily="18" charset="-127"/>
+                <a:ea typeface="210 앱굴림 L" panose="02020603020101020101" pitchFamily="18" charset="-127"/>
+              </a:rPr>
+              <a:t>    </a:t>
+            </a:r>
+            <a:r>
+              <a:rPr lang="ko-KR" altLang="en-US" sz="1700" dirty="0">
+                <a:solidFill>
+                  <a:schemeClr val="bg1"/>
+                </a:solidFill>
+                <a:latin typeface="210 앱굴림 L" panose="02020603020101020101" pitchFamily="18" charset="-127"/>
+                <a:ea typeface="210 앱굴림 L" panose="02020603020101020101" pitchFamily="18" charset="-127"/>
+              </a:rPr>
+              <a:t>자식</a:t>
+            </a:r>
+            <a:r>
+              <a:rPr lang="en-US" altLang="ko-KR" sz="1700" dirty="0">
+                <a:solidFill>
+                  <a:schemeClr val="bg1"/>
+                </a:solidFill>
+                <a:latin typeface="210 앱굴림 L" panose="02020603020101020101" pitchFamily="18" charset="-127"/>
+                <a:ea typeface="210 앱굴림 L" panose="02020603020101020101" pitchFamily="18" charset="-127"/>
+              </a:rPr>
+              <a:t>1,2,3</a:t>
+            </a:r>
+            <a:r>
+              <a:rPr lang="ko-KR" altLang="en-US" sz="1700" dirty="0">
+                <a:solidFill>
+                  <a:schemeClr val="bg1"/>
+                </a:solidFill>
+                <a:latin typeface="210 앱굴림 L" panose="02020603020101020101" pitchFamily="18" charset="-127"/>
+                <a:ea typeface="210 앱굴림 L" panose="02020603020101020101" pitchFamily="18" charset="-127"/>
+              </a:rPr>
+              <a:t>의 부모는 부모</a:t>
+            </a:r>
+            <a:r>
+              <a:rPr lang="en-US" altLang="ko-KR" sz="1700" dirty="0">
+                <a:solidFill>
+                  <a:schemeClr val="bg1"/>
+                </a:solidFill>
+                <a:latin typeface="210 앱굴림 L" panose="02020603020101020101" pitchFamily="18" charset="-127"/>
+                <a:ea typeface="210 앱굴림 L" panose="02020603020101020101" pitchFamily="18" charset="-127"/>
+              </a:rPr>
+              <a:t>1</a:t>
+            </a:r>
+          </a:p>
+          <a:p>
+            <a:pPr marL="0" indent="0">
+              <a:buNone/>
+            </a:pPr>
+            <a:endParaRPr lang="en-US" altLang="ko-KR" sz="1700" dirty="0">
+              <a:solidFill>
+                <a:schemeClr val="bg1"/>
+              </a:solidFill>
+              <a:latin typeface="210 앱굴림 L" panose="02020603020101020101" pitchFamily="18" charset="-127"/>
+              <a:ea typeface="210 앱굴림 L" panose="02020603020101020101" pitchFamily="18" charset="-127"/>
+            </a:endParaRPr>
+          </a:p>
+          <a:p>
+            <a:pPr marL="0" indent="0">
+              <a:buNone/>
+            </a:pPr>
+            <a:r>
+              <a:rPr lang="en-US" altLang="ko-KR" sz="1700" dirty="0">
+                <a:solidFill>
+                  <a:schemeClr val="bg1"/>
+                </a:solidFill>
+                <a:latin typeface="210 앱굴림 L" panose="02020603020101020101" pitchFamily="18" charset="-127"/>
+                <a:ea typeface="210 앱굴림 L" panose="02020603020101020101" pitchFamily="18" charset="-127"/>
+              </a:rPr>
+              <a:t> - </a:t>
+            </a:r>
+            <a:r>
+              <a:rPr lang="ko-KR" altLang="en-US" sz="1700" dirty="0">
+                <a:solidFill>
+                  <a:schemeClr val="bg1"/>
+                </a:solidFill>
+                <a:latin typeface="210 앱굴림 L" panose="02020603020101020101" pitchFamily="18" charset="-127"/>
+                <a:ea typeface="210 앱굴림 L" panose="02020603020101020101" pitchFamily="18" charset="-127"/>
+              </a:rPr>
+              <a:t>부모에 의존적이다</a:t>
+            </a:r>
+            <a:r>
+              <a:rPr lang="en-US" altLang="ko-KR" sz="1700" dirty="0">
+                <a:solidFill>
+                  <a:schemeClr val="bg1"/>
+                </a:solidFill>
+                <a:latin typeface="210 앱굴림 L" panose="02020603020101020101" pitchFamily="18" charset="-127"/>
+                <a:ea typeface="210 앱굴림 L" panose="02020603020101020101" pitchFamily="18" charset="-127"/>
+              </a:rPr>
+              <a:t>:</a:t>
+            </a:r>
+            <a:br>
+              <a:rPr lang="en-US" altLang="ko-KR" sz="1700" dirty="0">
+                <a:solidFill>
+                  <a:schemeClr val="bg1"/>
+                </a:solidFill>
+                <a:latin typeface="210 앱굴림 L" panose="02020603020101020101" pitchFamily="18" charset="-127"/>
+                <a:ea typeface="210 앱굴림 L" panose="02020603020101020101" pitchFamily="18" charset="-127"/>
+              </a:rPr>
+            </a:br>
+            <a:r>
+              <a:rPr lang="en-US" altLang="ko-KR" sz="1700" dirty="0">
+                <a:solidFill>
+                  <a:schemeClr val="bg1"/>
+                </a:solidFill>
+                <a:latin typeface="210 앱굴림 L" panose="02020603020101020101" pitchFamily="18" charset="-127"/>
+                <a:ea typeface="210 앱굴림 L" panose="02020603020101020101" pitchFamily="18" charset="-127"/>
+              </a:rPr>
+              <a:t>    </a:t>
+            </a:r>
+            <a:r>
+              <a:rPr lang="ko-KR" altLang="en-US" sz="1700" dirty="0">
+                <a:solidFill>
+                  <a:schemeClr val="bg1"/>
+                </a:solidFill>
+                <a:latin typeface="210 앱굴림 L" panose="02020603020101020101" pitchFamily="18" charset="-127"/>
+                <a:ea typeface="210 앱굴림 L" panose="02020603020101020101" pitchFamily="18" charset="-127"/>
+              </a:rPr>
+              <a:t>부모를 움직이면 </a:t>
+            </a:r>
+            <a:endParaRPr lang="en-US" altLang="ko-KR" sz="1700" dirty="0">
+              <a:solidFill>
+                <a:schemeClr val="bg1"/>
+              </a:solidFill>
+              <a:latin typeface="210 앱굴림 L" panose="02020603020101020101" pitchFamily="18" charset="-127"/>
+              <a:ea typeface="210 앱굴림 L" panose="02020603020101020101" pitchFamily="18" charset="-127"/>
+            </a:endParaRPr>
+          </a:p>
+          <a:p>
+            <a:pPr marL="0" indent="0">
+              <a:buNone/>
+            </a:pPr>
+            <a:r>
+              <a:rPr lang="en-US" altLang="ko-KR" sz="1700" dirty="0">
+                <a:solidFill>
+                  <a:schemeClr val="bg1"/>
+                </a:solidFill>
+                <a:latin typeface="210 앱굴림 L" panose="02020603020101020101" pitchFamily="18" charset="-127"/>
+                <a:ea typeface="210 앱굴림 L" panose="02020603020101020101" pitchFamily="18" charset="-127"/>
+              </a:rPr>
+              <a:t>    </a:t>
+            </a:r>
+            <a:r>
+              <a:rPr lang="ko-KR" altLang="en-US" sz="1700" dirty="0">
+                <a:solidFill>
+                  <a:schemeClr val="bg1"/>
+                </a:solidFill>
+                <a:latin typeface="210 앱굴림 L" panose="02020603020101020101" pitchFamily="18" charset="-127"/>
+                <a:ea typeface="210 앱굴림 L" panose="02020603020101020101" pitchFamily="18" charset="-127"/>
+              </a:rPr>
+              <a:t>자식도 따라 움직인다</a:t>
+            </a:r>
+            <a:endParaRPr lang="en-US" altLang="ko-KR" sz="1700" dirty="0">
+              <a:solidFill>
+                <a:schemeClr val="bg1"/>
+              </a:solidFill>
+              <a:latin typeface="210 앱굴림 L" panose="02020603020101020101" pitchFamily="18" charset="-127"/>
+              <a:ea typeface="210 앱굴림 L" panose="02020603020101020101" pitchFamily="18" charset="-127"/>
+            </a:endParaRPr>
+          </a:p>
+          <a:p>
+            <a:pPr marL="0" indent="0">
+              <a:buNone/>
+            </a:pPr>
+            <a:endParaRPr lang="en-US" altLang="ko-KR" sz="1700" dirty="0">
+              <a:solidFill>
+                <a:schemeClr val="bg1"/>
+              </a:solidFill>
+              <a:latin typeface="210 앱굴림 L" panose="02020603020101020101" pitchFamily="18" charset="-127"/>
+              <a:ea typeface="210 앱굴림 L" panose="02020603020101020101" pitchFamily="18" charset="-127"/>
+            </a:endParaRPr>
+          </a:p>
+        </p:txBody>
+      </p:sp>
+      <p:pic>
+        <p:nvPicPr>
+          <p:cNvPr id="4" name="그림 3">
+            <a:extLst>
+              <a:ext uri="{FF2B5EF4-FFF2-40B4-BE49-F238E27FC236}">
+                <a16:creationId xmlns:a16="http://schemas.microsoft.com/office/drawing/2014/main" id="{BD167144-A681-4216-A3CA-A70AC123454C}"/>
+              </a:ext>
+            </a:extLst>
+          </p:cNvPr>
+          <p:cNvPicPr>
+            <a:picLocks noChangeAspect="1"/>
+          </p:cNvPicPr>
+          <p:nvPr/>
+        </p:nvPicPr>
+        <p:blipFill>
+          <a:blip r:embed="rId2"/>
+          <a:stretch>
+            <a:fillRect/>
+          </a:stretch>
+        </p:blipFill>
+        <p:spPr>
+          <a:xfrm>
+            <a:off x="3902825" y="970415"/>
+            <a:ext cx="4906588" cy="4760122"/>
+          </a:xfrm>
+          <a:prstGeom prst="rect">
+            <a:avLst/>
+          </a:prstGeom>
+        </p:spPr>
+      </p:pic>
+    </p:spTree>
+    <p:extLst>
+      <p:ext uri="{BB962C8B-B14F-4D97-AF65-F5344CB8AC3E}">
+        <p14:creationId xmlns:p14="http://schemas.microsoft.com/office/powerpoint/2010/main" val="747286433"/>
       </p:ext>
     </p:extLst>
   </p:cSld>
@@ -18963,12 +21761,86 @@
           <a:chExt cx="0" cy="0"/>
         </a:xfrm>
       </p:grpSpPr>
+      <p:pic>
+        <p:nvPicPr>
+          <p:cNvPr id="6" name="그림 5">
+            <a:extLst>
+              <a:ext uri="{FF2B5EF4-FFF2-40B4-BE49-F238E27FC236}">
+                <a16:creationId xmlns:a16="http://schemas.microsoft.com/office/drawing/2014/main" id="{7D9E257E-7475-484D-81A6-0BC125DD5E87}"/>
+              </a:ext>
+            </a:extLst>
+          </p:cNvPr>
+          <p:cNvPicPr>
+            <a:picLocks noChangeAspect="1"/>
+          </p:cNvPicPr>
+          <p:nvPr/>
+        </p:nvPicPr>
+        <p:blipFill rotWithShape="1">
+          <a:blip r:embed="rId2"/>
+          <a:srcRect r="566" b="1"/>
+          <a:stretch/>
+        </p:blipFill>
+        <p:spPr>
+          <a:xfrm>
+            <a:off x="20" y="10"/>
+            <a:ext cx="9143980" cy="4666928"/>
+          </a:xfrm>
+          <a:prstGeom prst="rect">
+            <a:avLst/>
+          </a:prstGeom>
+        </p:spPr>
+      </p:pic>
+      <p:pic>
+        <p:nvPicPr>
+          <p:cNvPr id="76" name="Picture 75">
+            <a:extLst>
+              <a:ext uri="{FF2B5EF4-FFF2-40B4-BE49-F238E27FC236}">
+                <a16:creationId xmlns:a16="http://schemas.microsoft.com/office/drawing/2014/main" id="{EE09A529-E47C-4634-BB98-0A9526C372B4}"/>
+              </a:ext>
+              <a:ext uri="{C183D7F6-B498-43B3-948B-1728B52AA6E4}">
+                <adec:decorative xmlns:adec="http://schemas.microsoft.com/office/drawing/2017/decorative" val="1"/>
+              </a:ext>
+            </a:extLst>
+          </p:cNvPr>
+          <p:cNvPicPr>
+            <a:picLocks noGrp="1" noRot="1" noChangeAspect="1" noMove="1" noResize="1" noEditPoints="1" noAdjustHandles="1" noChangeArrowheads="1" noChangeShapeType="1" noCrop="1"/>
+          </p:cNvPicPr>
+          <p:nvPr>
+            <p:extLst>
+              <p:ext uri="{386F3935-93C4-4BCD-93E2-E3B085C9AB24}">
+                <p16:designElem xmlns:p16="http://schemas.microsoft.com/office/powerpoint/2015/main" val="1"/>
+              </p:ext>
+            </p:extLst>
+          </p:nvPr>
+        </p:nvPicPr>
+        <p:blipFill>
+          <a:blip r:embed="rId3">
+            <a:extLst>
+              <a:ext uri="{28A0092B-C50C-407E-A947-70E740481C1C}">
+                <a14:useLocalDpi xmlns:a14="http://schemas.microsoft.com/office/drawing/2010/main" val="0"/>
+              </a:ext>
+            </a:extLst>
+          </a:blip>
+          <a:stretch>
+            <a:fillRect/>
+          </a:stretch>
+        </p:blipFill>
+        <p:spPr>
+          <a:xfrm>
+            <a:off x="0" y="0"/>
+            <a:ext cx="9144000" cy="6858000"/>
+          </a:xfrm>
+          <a:prstGeom prst="rect">
+            <a:avLst/>
+          </a:prstGeom>
+        </p:spPr>
+      </p:pic>
       <p:sp>
         <p:nvSpPr>
-          <p:cNvPr id="7" name="Rectangle 6">
+          <p:cNvPr id="78" name="Oval 77">
             <a:extLst>
               <a:ext uri="{FF2B5EF4-FFF2-40B4-BE49-F238E27FC236}">
-                <a16:creationId xmlns:a16="http://schemas.microsoft.com/office/drawing/2014/main" id="{6F9EB9F2-07E2-4D64-BBD8-BB5B217F1218}"/>
+                <a16:creationId xmlns:a16="http://schemas.microsoft.com/office/drawing/2014/main" id="{569C1A01-6FB5-43CE-ADCC-936728ACAC0D}"/>
               </a:ext>
               <a:ext uri="{C183D7F6-B498-43B3-948B-1728B52AA6E4}">
                 <adec:decorative xmlns:adec="http://schemas.microsoft.com/office/drawing/2017/decorative" val="1"/>
@@ -18986,20 +21858,18 @@
             </p:extLst>
           </p:nvPr>
         </p:nvSpPr>
-        <p:spPr bwMode="ltGray">
+        <p:spPr>
           <a:xfrm>
-            <a:off x="241173" y="320040"/>
-            <a:ext cx="8661654" cy="6217920"/>
+            <a:off x="1092200" y="4388303"/>
+            <a:ext cx="618067" cy="702986"/>
           </a:xfrm>
-          <a:prstGeom prst="rect">
+          <a:prstGeom prst="ellipse">
             <a:avLst/>
           </a:prstGeom>
           <a:solidFill>
-            <a:schemeClr val="tx1">
-              <a:alpha val="12000"/>
-            </a:schemeClr>
+            <a:srgbClr val="FFFFFF"/>
           </a:solidFill>
-          <a:ln w="127000" cap="sq" cmpd="thinThick">
+          <a:ln>
             <a:noFill/>
           </a:ln>
         </p:spPr>
@@ -19030,118 +21900,150 @@
       </p:sp>
       <p:sp>
         <p:nvSpPr>
-          <p:cNvPr id="2" name="직사각형 1">
+          <p:cNvPr id="2" name="제목 1">
             <a:extLst>
               <a:ext uri="{FF2B5EF4-FFF2-40B4-BE49-F238E27FC236}">
-                <a16:creationId xmlns:a16="http://schemas.microsoft.com/office/drawing/2014/main" id="{404A0A41-315D-44F1-BEB3-B2DEA840FAA6}"/>
+                <a16:creationId xmlns:a16="http://schemas.microsoft.com/office/drawing/2014/main" id="{92DAD861-5232-4EE4-A404-A95E544B2071}"/>
               </a:ext>
             </a:extLst>
           </p:cNvPr>
-          <p:cNvSpPr/>
-          <p:nvPr/>
+          <p:cNvSpPr>
+            <a:spLocks noGrp="1"/>
+          </p:cNvSpPr>
+          <p:nvPr>
+            <p:ph type="title"/>
+          </p:nvPr>
         </p:nvSpPr>
         <p:spPr>
           <a:xfrm>
-            <a:off x="3285441" y="965199"/>
-            <a:ext cx="5074558" cy="4927601"/>
+            <a:off x="603748" y="4551037"/>
+            <a:ext cx="3766337" cy="1509931"/>
           </a:xfrm>
-          <a:prstGeom prst="rect">
-            <a:avLst/>
-          </a:prstGeom>
         </p:spPr>
         <p:txBody>
-          <a:bodyPr vert="horz" lIns="91440" tIns="45720" rIns="91440" bIns="45720" rtlCol="0" anchor="ctr">
+          <a:bodyPr>
             <a:normAutofit/>
           </a:bodyPr>
           <a:lstStyle/>
           <a:p>
-            <a:pPr latinLnBrk="0">
-              <a:lnSpc>
-                <a:spcPct val="90000"/>
-              </a:lnSpc>
-              <a:spcBef>
-                <a:spcPct val="0"/>
-              </a:spcBef>
-              <a:spcAft>
-                <a:spcPts val="600"/>
-              </a:spcAft>
-            </a:pPr>
-            <a:r>
-              <a:rPr lang="ko-KR" altLang="en-US" sz="4700" kern="1200" dirty="0">
+            <a:r>
+              <a:rPr lang="ko-KR" altLang="en-US" sz="3500" b="1">
                 <a:solidFill>
-                  <a:schemeClr val="tx1">
-                    <a:lumMod val="85000"/>
-                    <a:lumOff val="15000"/>
-                  </a:schemeClr>
+                  <a:srgbClr val="000000"/>
                 </a:solidFill>
-                <a:latin typeface="210 앱굴림 B" panose="02020603020101020101" pitchFamily="18" charset="-127"/>
-                <a:ea typeface="210 앱굴림 B" panose="02020603020101020101" pitchFamily="18" charset="-127"/>
-                <a:cs typeface="+mj-cs"/>
-              </a:rPr>
-              <a:t>유니티 소개</a:t>
+                <a:latin typeface="210 앱굴림 R" panose="02020603020101020101" pitchFamily="18" charset="-127"/>
+                <a:ea typeface="210 앱굴림 R" panose="02020603020101020101" pitchFamily="18" charset="-127"/>
+              </a:rPr>
+              <a:t>유니티로 할 수 있는 것</a:t>
             </a:r>
           </a:p>
         </p:txBody>
       </p:sp>
-      <p:cxnSp>
-        <p:nvCxnSpPr>
-          <p:cNvPr id="9" name="Straight Connector 8">
+      <p:sp>
+        <p:nvSpPr>
+          <p:cNvPr id="3" name="내용 개체 틀 2">
             <a:extLst>
               <a:ext uri="{FF2B5EF4-FFF2-40B4-BE49-F238E27FC236}">
-                <a16:creationId xmlns:a16="http://schemas.microsoft.com/office/drawing/2014/main" id="{F0C57C7C-DFE9-4A1E-B7A9-DF40E63366BB}"/>
-              </a:ext>
-              <a:ext uri="{C183D7F6-B498-43B3-948B-1728B52AA6E4}">
-                <adec:decorative xmlns:adec="http://schemas.microsoft.com/office/drawing/2017/decorative" val="1"/>
+                <a16:creationId xmlns:a16="http://schemas.microsoft.com/office/drawing/2014/main" id="{CE521C4B-B425-4F64-83DA-6A7AA0AEDE02}"/>
               </a:ext>
             </a:extLst>
           </p:cNvPr>
-          <p:cNvCxnSpPr>
-            <a:cxnSpLocks noGrp="1" noRot="1" noChangeAspect="1" noMove="1" noResize="1" noEditPoints="1" noAdjustHandles="1" noChangeArrowheads="1" noChangeShapeType="1"/>
-          </p:cNvCxnSpPr>
+          <p:cNvSpPr>
+            <a:spLocks noGrp="1"/>
+          </p:cNvSpPr>
           <p:nvPr>
-            <p:extLst>
-              <p:ext uri="{386F3935-93C4-4BCD-93E2-E3B085C9AB24}">
-                <p16:designElem xmlns:p16="http://schemas.microsoft.com/office/powerpoint/2015/main" val="1"/>
-              </p:ext>
-            </p:extLst>
+            <p:ph idx="1"/>
           </p:nvPr>
-        </p:nvCxnSpPr>
+        </p:nvSpPr>
         <p:spPr>
           <a:xfrm>
-            <a:off x="3041918" y="2057399"/>
-            <a:ext cx="0" cy="2743200"/>
+            <a:off x="4845444" y="4448808"/>
+            <a:ext cx="3694808" cy="1830291"/>
           </a:xfrm>
-          <a:prstGeom prst="line">
-            <a:avLst/>
-          </a:prstGeom>
-          <a:ln w="19050">
-            <a:solidFill>
-              <a:schemeClr val="tx1">
-                <a:lumMod val="85000"/>
-                <a:lumOff val="15000"/>
-              </a:schemeClr>
-            </a:solidFill>
-          </a:ln>
         </p:spPr>
-        <p:style>
-          <a:lnRef idx="1">
-            <a:schemeClr val="accent1"/>
-          </a:lnRef>
-          <a:fillRef idx="0">
-            <a:schemeClr val="accent1"/>
-          </a:fillRef>
-          <a:effectRef idx="0">
-            <a:schemeClr val="accent1"/>
-          </a:effectRef>
-          <a:fontRef idx="minor">
-            <a:schemeClr val="tx1"/>
-          </a:fontRef>
-        </p:style>
-      </p:cxnSp>
+        <p:txBody>
+          <a:bodyPr anchor="ctr">
+            <a:normAutofit/>
+          </a:bodyPr>
+          <a:lstStyle/>
+          <a:p>
+            <a:r>
+              <a:rPr lang="en-US" altLang="ko-KR" sz="1600" dirty="0">
+                <a:solidFill>
+                  <a:srgbClr val="000000"/>
+                </a:solidFill>
+                <a:latin typeface="210 앱굴림 R" panose="02020603020101020101" pitchFamily="18" charset="-127"/>
+                <a:ea typeface="210 앱굴림 R" panose="02020603020101020101" pitchFamily="18" charset="-127"/>
+              </a:rPr>
+              <a:t>Android App</a:t>
+            </a:r>
+          </a:p>
+          <a:p>
+            <a:r>
+              <a:rPr lang="en-US" altLang="ko-KR" sz="1600" dirty="0">
+                <a:solidFill>
+                  <a:srgbClr val="000000"/>
+                </a:solidFill>
+                <a:latin typeface="210 앱굴림 R" panose="02020603020101020101" pitchFamily="18" charset="-127"/>
+                <a:ea typeface="210 앱굴림 R" panose="02020603020101020101" pitchFamily="18" charset="-127"/>
+              </a:rPr>
+              <a:t>iOS App</a:t>
+            </a:r>
+          </a:p>
+          <a:p>
+            <a:r>
+              <a:rPr lang="en-US" altLang="ko-KR" sz="1600" dirty="0">
+                <a:solidFill>
+                  <a:srgbClr val="000000"/>
+                </a:solidFill>
+                <a:latin typeface="210 앱굴림 R" panose="02020603020101020101" pitchFamily="18" charset="-127"/>
+                <a:ea typeface="210 앱굴림 R" panose="02020603020101020101" pitchFamily="18" charset="-127"/>
+              </a:rPr>
+              <a:t>PC</a:t>
+            </a:r>
+          </a:p>
+          <a:p>
+            <a:r>
+              <a:rPr lang="en-US" altLang="ko-KR" sz="1600" dirty="0">
+                <a:solidFill>
+                  <a:srgbClr val="000000"/>
+                </a:solidFill>
+                <a:latin typeface="210 앱굴림 R" panose="02020603020101020101" pitchFamily="18" charset="-127"/>
+                <a:ea typeface="210 앱굴림 R" panose="02020603020101020101" pitchFamily="18" charset="-127"/>
+              </a:rPr>
+              <a:t>Web</a:t>
+            </a:r>
+          </a:p>
+          <a:p>
+            <a:r>
+              <a:rPr lang="en-US" altLang="ko-KR" sz="1600" dirty="0">
+                <a:solidFill>
+                  <a:srgbClr val="000000"/>
+                </a:solidFill>
+                <a:latin typeface="210 앱굴림 R" panose="02020603020101020101" pitchFamily="18" charset="-127"/>
+                <a:ea typeface="210 앱굴림 R" panose="02020603020101020101" pitchFamily="18" charset="-127"/>
+              </a:rPr>
+              <a:t>VR / AR</a:t>
+            </a:r>
+          </a:p>
+          <a:p>
+            <a:r>
+              <a:rPr lang="en-US" altLang="ko-KR" sz="1600" dirty="0">
+                <a:solidFill>
+                  <a:srgbClr val="000000"/>
+                </a:solidFill>
+                <a:latin typeface="210 앱굴림 R" panose="02020603020101020101" pitchFamily="18" charset="-127"/>
+                <a:ea typeface="210 앱굴림 R" panose="02020603020101020101" pitchFamily="18" charset="-127"/>
+              </a:rPr>
+              <a:t>…</a:t>
+            </a:r>
+          </a:p>
+        </p:txBody>
+      </p:sp>
     </p:spTree>
     <p:extLst>
       <p:ext uri="{BB962C8B-B14F-4D97-AF65-F5344CB8AC3E}">
-        <p14:creationId xmlns:p14="http://schemas.microsoft.com/office/powerpoint/2010/main" val="2734107508"/>
+        <p14:creationId xmlns:p14="http://schemas.microsoft.com/office/powerpoint/2010/main" val="2236090864"/>
       </p:ext>
     </p:extLst>
   </p:cSld>
@@ -24451,6 +27353,14 @@
 <file path=ppt/slides/slide5.xml><?xml version="1.0" encoding="utf-8"?>
 <p:sld xmlns:a="http://schemas.openxmlformats.org/drawingml/2006/main" xmlns:r="http://schemas.openxmlformats.org/officeDocument/2006/relationships" xmlns:p="http://schemas.openxmlformats.org/presentationml/2006/main">
   <p:cSld>
+    <p:bg>
+      <p:bgPr>
+        <a:solidFill>
+          <a:schemeClr val="bg1"/>
+        </a:solidFill>
+        <a:effectLst/>
+      </p:bgPr>
+    </p:bg>
     <p:spTree>
       <p:nvGrpSpPr>
         <p:cNvPr id="1" name=""/>
@@ -24467,82 +27377,183 @@
       </p:grpSpPr>
       <p:sp>
         <p:nvSpPr>
-          <p:cNvPr id="2" name="제목 1">
+          <p:cNvPr id="7" name="Rectangle 6">
             <a:extLst>
               <a:ext uri="{FF2B5EF4-FFF2-40B4-BE49-F238E27FC236}">
-                <a16:creationId xmlns:a16="http://schemas.microsoft.com/office/drawing/2014/main" id="{92DAD861-5232-4EE4-A404-A95E544B2071}"/>
+                <a16:creationId xmlns:a16="http://schemas.microsoft.com/office/drawing/2014/main" id="{6F9EB9F2-07E2-4D64-BBD8-BB5B217F1218}"/>
+              </a:ext>
+              <a:ext uri="{C183D7F6-B498-43B3-948B-1728B52AA6E4}">
+                <adec:decorative xmlns:adec="http://schemas.microsoft.com/office/drawing/2017/decorative" val="1"/>
               </a:ext>
             </a:extLst>
           </p:cNvPr>
           <p:cNvSpPr>
-            <a:spLocks noGrp="1"/>
+            <a:spLocks noGrp="1" noRot="1" noChangeAspect="1" noMove="1" noResize="1" noEditPoints="1" noAdjustHandles="1" noChangeArrowheads="1" noChangeShapeType="1" noTextEdit="1"/>
           </p:cNvSpPr>
           <p:nvPr>
-            <p:ph type="title"/>
+            <p:extLst>
+              <p:ext uri="{386F3935-93C4-4BCD-93E2-E3B085C9AB24}">
+                <p16:designElem xmlns:p16="http://schemas.microsoft.com/office/powerpoint/2015/main" val="1"/>
+              </p:ext>
+            </p:extLst>
           </p:nvPr>
         </p:nvSpPr>
-        <p:spPr/>
+        <p:spPr bwMode="ltGray">
+          <a:xfrm>
+            <a:off x="241173" y="320040"/>
+            <a:ext cx="8661654" cy="6217920"/>
+          </a:xfrm>
+          <a:prstGeom prst="rect">
+            <a:avLst/>
+          </a:prstGeom>
+          <a:solidFill>
+            <a:schemeClr val="tx1">
+              <a:alpha val="12000"/>
+            </a:schemeClr>
+          </a:solidFill>
+          <a:ln w="127000" cap="sq" cmpd="thinThick">
+            <a:noFill/>
+          </a:ln>
+        </p:spPr>
+        <p:style>
+          <a:lnRef idx="2">
+            <a:schemeClr val="accent1">
+              <a:shade val="50000"/>
+            </a:schemeClr>
+          </a:lnRef>
+          <a:fillRef idx="1">
+            <a:schemeClr val="accent1"/>
+          </a:fillRef>
+          <a:effectRef idx="0">
+            <a:schemeClr val="accent1"/>
+          </a:effectRef>
+          <a:fontRef idx="minor">
+            <a:schemeClr val="lt1"/>
+          </a:fontRef>
+        </p:style>
         <p:txBody>
-          <a:bodyPr>
-            <a:normAutofit/>
-          </a:bodyPr>
+          <a:bodyPr rtlCol="0" anchor="ctr"/>
           <a:lstStyle/>
           <a:p>
-            <a:pPr algn="l"/>
-            <a:r>
-              <a:rPr lang="ko-KR" altLang="en-US" b="1" dirty="0">
-                <a:latin typeface="210 앱굴림 R" panose="02020603020101020101" pitchFamily="18" charset="-127"/>
-                <a:ea typeface="210 앱굴림 R" panose="02020603020101020101" pitchFamily="18" charset="-127"/>
-              </a:rPr>
-              <a:t>유니티로 할 수 있는 것</a:t>
-            </a:r>
+            <a:pPr algn="ctr"/>
+            <a:endParaRPr lang="en-US"/>
           </a:p>
         </p:txBody>
       </p:sp>
       <p:sp>
         <p:nvSpPr>
-          <p:cNvPr id="3" name="내용 개체 틀 2">
+          <p:cNvPr id="2" name="직사각형 1">
             <a:extLst>
               <a:ext uri="{FF2B5EF4-FFF2-40B4-BE49-F238E27FC236}">
-                <a16:creationId xmlns:a16="http://schemas.microsoft.com/office/drawing/2014/main" id="{CE521C4B-B425-4F64-83DA-6A7AA0AEDE02}"/>
+                <a16:creationId xmlns:a16="http://schemas.microsoft.com/office/drawing/2014/main" id="{404A0A41-315D-44F1-BEB3-B2DEA840FAA6}"/>
               </a:ext>
             </a:extLst>
           </p:cNvPr>
-          <p:cNvSpPr>
-            <a:spLocks noGrp="1"/>
-          </p:cNvSpPr>
-          <p:nvPr>
-            <p:ph idx="1"/>
-          </p:nvPr>
+          <p:cNvSpPr/>
+          <p:nvPr/>
         </p:nvSpPr>
         <p:spPr>
           <a:xfrm>
-            <a:off x="611560" y="1700808"/>
-            <a:ext cx="8229600" cy="4525963"/>
+            <a:off x="3285441" y="965199"/>
+            <a:ext cx="5074558" cy="4927601"/>
           </a:xfrm>
+          <a:prstGeom prst="rect">
+            <a:avLst/>
+          </a:prstGeom>
         </p:spPr>
         <p:txBody>
-          <a:bodyPr/>
+          <a:bodyPr vert="horz" lIns="91440" tIns="45720" rIns="91440" bIns="45720" rtlCol="0" anchor="ctr">
+            <a:normAutofit/>
+          </a:bodyPr>
           <a:lstStyle/>
           <a:p>
-            <a:r>
-              <a:rPr lang="en-US" altLang="ko-KR" dirty="0">
-                <a:latin typeface="210 앱굴림 R" panose="02020603020101020101" pitchFamily="18" charset="-127"/>
-                <a:ea typeface="210 앱굴림 R" panose="02020603020101020101" pitchFamily="18" charset="-127"/>
-              </a:rPr>
-              <a:t>Everything</a:t>
-            </a:r>
-            <a:endParaRPr lang="ko-KR" altLang="en-US" dirty="0">
-              <a:latin typeface="210 앱굴림 R" panose="02020603020101020101" pitchFamily="18" charset="-127"/>
-              <a:ea typeface="210 앱굴림 R" panose="02020603020101020101" pitchFamily="18" charset="-127"/>
-            </a:endParaRPr>
+            <a:pPr latinLnBrk="0">
+              <a:lnSpc>
+                <a:spcPct val="90000"/>
+              </a:lnSpc>
+              <a:spcBef>
+                <a:spcPct val="0"/>
+              </a:spcBef>
+              <a:spcAft>
+                <a:spcPts val="600"/>
+              </a:spcAft>
+            </a:pPr>
+            <a:r>
+              <a:rPr lang="ko-KR" altLang="en-US" sz="4700" kern="1200" dirty="0">
+                <a:solidFill>
+                  <a:schemeClr val="tx1">
+                    <a:lumMod val="85000"/>
+                    <a:lumOff val="15000"/>
+                  </a:schemeClr>
+                </a:solidFill>
+                <a:latin typeface="210 앱굴림 B" panose="02020603020101020101" pitchFamily="18" charset="-127"/>
+                <a:ea typeface="210 앱굴림 B" panose="02020603020101020101" pitchFamily="18" charset="-127"/>
+                <a:cs typeface="+mj-cs"/>
+              </a:rPr>
+              <a:t>유니티 설치</a:t>
+            </a:r>
           </a:p>
         </p:txBody>
       </p:sp>
+      <p:cxnSp>
+        <p:nvCxnSpPr>
+          <p:cNvPr id="9" name="Straight Connector 8">
+            <a:extLst>
+              <a:ext uri="{FF2B5EF4-FFF2-40B4-BE49-F238E27FC236}">
+                <a16:creationId xmlns:a16="http://schemas.microsoft.com/office/drawing/2014/main" id="{F0C57C7C-DFE9-4A1E-B7A9-DF40E63366BB}"/>
+              </a:ext>
+              <a:ext uri="{C183D7F6-B498-43B3-948B-1728B52AA6E4}">
+                <adec:decorative xmlns:adec="http://schemas.microsoft.com/office/drawing/2017/decorative" val="1"/>
+              </a:ext>
+            </a:extLst>
+          </p:cNvPr>
+          <p:cNvCxnSpPr>
+            <a:cxnSpLocks noGrp="1" noRot="1" noChangeAspect="1" noMove="1" noResize="1" noEditPoints="1" noAdjustHandles="1" noChangeArrowheads="1" noChangeShapeType="1"/>
+          </p:cNvCxnSpPr>
+          <p:nvPr>
+            <p:extLst>
+              <p:ext uri="{386F3935-93C4-4BCD-93E2-E3B085C9AB24}">
+                <p16:designElem xmlns:p16="http://schemas.microsoft.com/office/powerpoint/2015/main" val="1"/>
+              </p:ext>
+            </p:extLst>
+          </p:nvPr>
+        </p:nvCxnSpPr>
+        <p:spPr>
+          <a:xfrm>
+            <a:off x="3041918" y="2057399"/>
+            <a:ext cx="0" cy="2743200"/>
+          </a:xfrm>
+          <a:prstGeom prst="line">
+            <a:avLst/>
+          </a:prstGeom>
+          <a:ln w="19050">
+            <a:solidFill>
+              <a:schemeClr val="tx1">
+                <a:lumMod val="85000"/>
+                <a:lumOff val="15000"/>
+              </a:schemeClr>
+            </a:solidFill>
+          </a:ln>
+        </p:spPr>
+        <p:style>
+          <a:lnRef idx="1">
+            <a:schemeClr val="accent1"/>
+          </a:lnRef>
+          <a:fillRef idx="0">
+            <a:schemeClr val="accent1"/>
+          </a:fillRef>
+          <a:effectRef idx="0">
+            <a:schemeClr val="accent1"/>
+          </a:effectRef>
+          <a:fontRef idx="minor">
+            <a:schemeClr val="tx1"/>
+          </a:fontRef>
+        </p:style>
+      </p:cxnSp>
     </p:spTree>
     <p:extLst>
       <p:ext uri="{BB962C8B-B14F-4D97-AF65-F5344CB8AC3E}">
-        <p14:creationId xmlns:p14="http://schemas.microsoft.com/office/powerpoint/2010/main" val="2236090864"/>
+        <p14:creationId xmlns:p14="http://schemas.microsoft.com/office/powerpoint/2010/main" val="389543719"/>
       </p:ext>
     </p:extLst>
   </p:cSld>
@@ -26589,219 +29600,6 @@
 </file>
 
 <file path=ppt/slides/slide6.xml><?xml version="1.0" encoding="utf-8"?>
-<p:sld xmlns:a="http://schemas.openxmlformats.org/drawingml/2006/main" xmlns:r="http://schemas.openxmlformats.org/officeDocument/2006/relationships" xmlns:p="http://schemas.openxmlformats.org/presentationml/2006/main">
-  <p:cSld>
-    <p:bg>
-      <p:bgPr>
-        <a:solidFill>
-          <a:schemeClr val="bg1"/>
-        </a:solidFill>
-        <a:effectLst/>
-      </p:bgPr>
-    </p:bg>
-    <p:spTree>
-      <p:nvGrpSpPr>
-        <p:cNvPr id="1" name=""/>
-        <p:cNvGrpSpPr/>
-        <p:nvPr/>
-      </p:nvGrpSpPr>
-      <p:grpSpPr>
-        <a:xfrm>
-          <a:off x="0" y="0"/>
-          <a:ext cx="0" cy="0"/>
-          <a:chOff x="0" y="0"/>
-          <a:chExt cx="0" cy="0"/>
-        </a:xfrm>
-      </p:grpSpPr>
-      <p:sp>
-        <p:nvSpPr>
-          <p:cNvPr id="7" name="Rectangle 6">
-            <a:extLst>
-              <a:ext uri="{FF2B5EF4-FFF2-40B4-BE49-F238E27FC236}">
-                <a16:creationId xmlns:a16="http://schemas.microsoft.com/office/drawing/2014/main" id="{6F9EB9F2-07E2-4D64-BBD8-BB5B217F1218}"/>
-              </a:ext>
-              <a:ext uri="{C183D7F6-B498-43B3-948B-1728B52AA6E4}">
-                <adec:decorative xmlns:adec="http://schemas.microsoft.com/office/drawing/2017/decorative" val="1"/>
-              </a:ext>
-            </a:extLst>
-          </p:cNvPr>
-          <p:cNvSpPr>
-            <a:spLocks noGrp="1" noRot="1" noChangeAspect="1" noMove="1" noResize="1" noEditPoints="1" noAdjustHandles="1" noChangeArrowheads="1" noChangeShapeType="1" noTextEdit="1"/>
-          </p:cNvSpPr>
-          <p:nvPr>
-            <p:extLst>
-              <p:ext uri="{386F3935-93C4-4BCD-93E2-E3B085C9AB24}">
-                <p16:designElem xmlns:p16="http://schemas.microsoft.com/office/powerpoint/2015/main" val="1"/>
-              </p:ext>
-            </p:extLst>
-          </p:nvPr>
-        </p:nvSpPr>
-        <p:spPr bwMode="ltGray">
-          <a:xfrm>
-            <a:off x="241173" y="320040"/>
-            <a:ext cx="8661654" cy="6217920"/>
-          </a:xfrm>
-          <a:prstGeom prst="rect">
-            <a:avLst/>
-          </a:prstGeom>
-          <a:solidFill>
-            <a:schemeClr val="tx1">
-              <a:alpha val="12000"/>
-            </a:schemeClr>
-          </a:solidFill>
-          <a:ln w="127000" cap="sq" cmpd="thinThick">
-            <a:noFill/>
-          </a:ln>
-        </p:spPr>
-        <p:style>
-          <a:lnRef idx="2">
-            <a:schemeClr val="accent1">
-              <a:shade val="50000"/>
-            </a:schemeClr>
-          </a:lnRef>
-          <a:fillRef idx="1">
-            <a:schemeClr val="accent1"/>
-          </a:fillRef>
-          <a:effectRef idx="0">
-            <a:schemeClr val="accent1"/>
-          </a:effectRef>
-          <a:fontRef idx="minor">
-            <a:schemeClr val="lt1"/>
-          </a:fontRef>
-        </p:style>
-        <p:txBody>
-          <a:bodyPr rtlCol="0" anchor="ctr"/>
-          <a:lstStyle/>
-          <a:p>
-            <a:pPr algn="ctr"/>
-            <a:endParaRPr lang="en-US"/>
-          </a:p>
-        </p:txBody>
-      </p:sp>
-      <p:sp>
-        <p:nvSpPr>
-          <p:cNvPr id="2" name="직사각형 1">
-            <a:extLst>
-              <a:ext uri="{FF2B5EF4-FFF2-40B4-BE49-F238E27FC236}">
-                <a16:creationId xmlns:a16="http://schemas.microsoft.com/office/drawing/2014/main" id="{404A0A41-315D-44F1-BEB3-B2DEA840FAA6}"/>
-              </a:ext>
-            </a:extLst>
-          </p:cNvPr>
-          <p:cNvSpPr/>
-          <p:nvPr/>
-        </p:nvSpPr>
-        <p:spPr>
-          <a:xfrm>
-            <a:off x="3285441" y="965199"/>
-            <a:ext cx="5074558" cy="4927601"/>
-          </a:xfrm>
-          <a:prstGeom prst="rect">
-            <a:avLst/>
-          </a:prstGeom>
-        </p:spPr>
-        <p:txBody>
-          <a:bodyPr vert="horz" lIns="91440" tIns="45720" rIns="91440" bIns="45720" rtlCol="0" anchor="ctr">
-            <a:normAutofit/>
-          </a:bodyPr>
-          <a:lstStyle/>
-          <a:p>
-            <a:pPr latinLnBrk="0">
-              <a:lnSpc>
-                <a:spcPct val="90000"/>
-              </a:lnSpc>
-              <a:spcBef>
-                <a:spcPct val="0"/>
-              </a:spcBef>
-              <a:spcAft>
-                <a:spcPts val="600"/>
-              </a:spcAft>
-            </a:pPr>
-            <a:r>
-              <a:rPr lang="ko-KR" altLang="en-US" sz="4700" kern="1200" dirty="0">
-                <a:solidFill>
-                  <a:schemeClr val="tx1">
-                    <a:lumMod val="85000"/>
-                    <a:lumOff val="15000"/>
-                  </a:schemeClr>
-                </a:solidFill>
-                <a:latin typeface="210 앱굴림 B" panose="02020603020101020101" pitchFamily="18" charset="-127"/>
-                <a:ea typeface="210 앱굴림 B" panose="02020603020101020101" pitchFamily="18" charset="-127"/>
-                <a:cs typeface="+mj-cs"/>
-              </a:rPr>
-              <a:t>유니티 설치</a:t>
-            </a:r>
-          </a:p>
-        </p:txBody>
-      </p:sp>
-      <p:cxnSp>
-        <p:nvCxnSpPr>
-          <p:cNvPr id="9" name="Straight Connector 8">
-            <a:extLst>
-              <a:ext uri="{FF2B5EF4-FFF2-40B4-BE49-F238E27FC236}">
-                <a16:creationId xmlns:a16="http://schemas.microsoft.com/office/drawing/2014/main" id="{F0C57C7C-DFE9-4A1E-B7A9-DF40E63366BB}"/>
-              </a:ext>
-              <a:ext uri="{C183D7F6-B498-43B3-948B-1728B52AA6E4}">
-                <adec:decorative xmlns:adec="http://schemas.microsoft.com/office/drawing/2017/decorative" val="1"/>
-              </a:ext>
-            </a:extLst>
-          </p:cNvPr>
-          <p:cNvCxnSpPr>
-            <a:cxnSpLocks noGrp="1" noRot="1" noChangeAspect="1" noMove="1" noResize="1" noEditPoints="1" noAdjustHandles="1" noChangeArrowheads="1" noChangeShapeType="1"/>
-          </p:cNvCxnSpPr>
-          <p:nvPr>
-            <p:extLst>
-              <p:ext uri="{386F3935-93C4-4BCD-93E2-E3B085C9AB24}">
-                <p16:designElem xmlns:p16="http://schemas.microsoft.com/office/powerpoint/2015/main" val="1"/>
-              </p:ext>
-            </p:extLst>
-          </p:nvPr>
-        </p:nvCxnSpPr>
-        <p:spPr>
-          <a:xfrm>
-            <a:off x="3041918" y="2057399"/>
-            <a:ext cx="0" cy="2743200"/>
-          </a:xfrm>
-          <a:prstGeom prst="line">
-            <a:avLst/>
-          </a:prstGeom>
-          <a:ln w="19050">
-            <a:solidFill>
-              <a:schemeClr val="tx1">
-                <a:lumMod val="85000"/>
-                <a:lumOff val="15000"/>
-              </a:schemeClr>
-            </a:solidFill>
-          </a:ln>
-        </p:spPr>
-        <p:style>
-          <a:lnRef idx="1">
-            <a:schemeClr val="accent1"/>
-          </a:lnRef>
-          <a:fillRef idx="0">
-            <a:schemeClr val="accent1"/>
-          </a:fillRef>
-          <a:effectRef idx="0">
-            <a:schemeClr val="accent1"/>
-          </a:effectRef>
-          <a:fontRef idx="minor">
-            <a:schemeClr val="tx1"/>
-          </a:fontRef>
-        </p:style>
-      </p:cxnSp>
-    </p:spTree>
-    <p:extLst>
-      <p:ext uri="{BB962C8B-B14F-4D97-AF65-F5344CB8AC3E}">
-        <p14:creationId xmlns:p14="http://schemas.microsoft.com/office/powerpoint/2010/main" val="389543719"/>
-      </p:ext>
-    </p:extLst>
-  </p:cSld>
-  <p:clrMapOvr>
-    <a:masterClrMapping/>
-  </p:clrMapOvr>
-</p:sld>
-</file>
-
-<file path=ppt/slides/slide7.xml><?xml version="1.0" encoding="utf-8"?>
 <p:sld xmlns:a="http://schemas.openxmlformats.org/drawingml/2006/main" xmlns:r="http://schemas.openxmlformats.org/officeDocument/2006/relationships" xmlns:p="http://schemas.openxmlformats.org/presentationml/2006/main">
   <p:cSld>
     <p:bg>
@@ -27677,7 +30475,7 @@
 </p:sld>
 </file>
 
-<file path=ppt/slides/slide8.xml><?xml version="1.0" encoding="utf-8"?>
+<file path=ppt/slides/slide7.xml><?xml version="1.0" encoding="utf-8"?>
 <p:sld xmlns:a="http://schemas.openxmlformats.org/drawingml/2006/main" xmlns:r="http://schemas.openxmlformats.org/officeDocument/2006/relationships" xmlns:p="http://schemas.openxmlformats.org/presentationml/2006/main">
   <p:cSld>
     <p:bg>
@@ -28517,7 +31315,7 @@
 </p:sld>
 </file>
 
-<file path=ppt/slides/slide9.xml><?xml version="1.0" encoding="utf-8"?>
+<file path=ppt/slides/slide8.xml><?xml version="1.0" encoding="utf-8"?>
 <p:sld xmlns:a="http://schemas.openxmlformats.org/drawingml/2006/main" xmlns:r="http://schemas.openxmlformats.org/officeDocument/2006/relationships" xmlns:p="http://schemas.openxmlformats.org/presentationml/2006/main">
   <p:cSld>
     <p:bg>
@@ -28744,6 +31542,212 @@
     <p:extLst>
       <p:ext uri="{BB962C8B-B14F-4D97-AF65-F5344CB8AC3E}">
         <p14:creationId xmlns:p14="http://schemas.microsoft.com/office/powerpoint/2010/main" val="3771110990"/>
+      </p:ext>
+    </p:extLst>
+  </p:cSld>
+  <p:clrMapOvr>
+    <a:masterClrMapping/>
+  </p:clrMapOvr>
+</p:sld>
+</file>
+
+<file path=ppt/slides/slide9.xml><?xml version="1.0" encoding="utf-8"?>
+<p:sld xmlns:a="http://schemas.openxmlformats.org/drawingml/2006/main" xmlns:r="http://schemas.openxmlformats.org/officeDocument/2006/relationships" xmlns:p="http://schemas.openxmlformats.org/presentationml/2006/main">
+  <p:cSld>
+    <p:bg>
+      <p:bgPr>
+        <a:solidFill>
+          <a:schemeClr val="bg1"/>
+        </a:solidFill>
+        <a:effectLst/>
+      </p:bgPr>
+    </p:bg>
+    <p:spTree>
+      <p:nvGrpSpPr>
+        <p:cNvPr id="1" name=""/>
+        <p:cNvGrpSpPr/>
+        <p:nvPr/>
+      </p:nvGrpSpPr>
+      <p:grpSpPr>
+        <a:xfrm>
+          <a:off x="0" y="0"/>
+          <a:ext cx="0" cy="0"/>
+          <a:chOff x="0" y="0"/>
+          <a:chExt cx="0" cy="0"/>
+        </a:xfrm>
+      </p:grpSpPr>
+      <p:sp>
+        <p:nvSpPr>
+          <p:cNvPr id="2" name="제목 1">
+            <a:extLst>
+              <a:ext uri="{FF2B5EF4-FFF2-40B4-BE49-F238E27FC236}">
+                <a16:creationId xmlns:a16="http://schemas.microsoft.com/office/drawing/2014/main" id="{077C8982-4113-4613-9B43-D4CC54E8C76D}"/>
+              </a:ext>
+            </a:extLst>
+          </p:cNvPr>
+          <p:cNvSpPr>
+            <a:spLocks noGrp="1"/>
+          </p:cNvSpPr>
+          <p:nvPr>
+            <p:ph type="title"/>
+          </p:nvPr>
+        </p:nvSpPr>
+        <p:spPr>
+          <a:xfrm>
+            <a:off x="528065" y="4578638"/>
+            <a:ext cx="2737277" cy="1714500"/>
+          </a:xfrm>
+        </p:spPr>
+        <p:txBody>
+          <a:bodyPr>
+            <a:normAutofit/>
+          </a:bodyPr>
+          <a:lstStyle/>
+          <a:p>
+            <a:r>
+              <a:rPr lang="ko-KR" altLang="en-US" sz="2800" dirty="0">
+                <a:latin typeface="210 앱굴림 R" panose="02020603020101020101" pitchFamily="18" charset="-127"/>
+                <a:ea typeface="210 앱굴림 R" panose="02020603020101020101" pitchFamily="18" charset="-127"/>
+              </a:rPr>
+              <a:t>유니티 종류</a:t>
+            </a:r>
+          </a:p>
+        </p:txBody>
+      </p:sp>
+      <p:pic>
+        <p:nvPicPr>
+          <p:cNvPr id="5" name="그림 4">
+            <a:extLst>
+              <a:ext uri="{FF2B5EF4-FFF2-40B4-BE49-F238E27FC236}">
+                <a16:creationId xmlns:a16="http://schemas.microsoft.com/office/drawing/2014/main" id="{02BADFA6-AC06-4CCB-8270-CEEA5DB29C44}"/>
+              </a:ext>
+            </a:extLst>
+          </p:cNvPr>
+          <p:cNvPicPr>
+            <a:picLocks noChangeAspect="1"/>
+          </p:cNvPicPr>
+          <p:nvPr/>
+        </p:nvPicPr>
+        <p:blipFill rotWithShape="1">
+          <a:blip r:embed="rId2"/>
+          <a:srcRect l="18373" t="1" r="37538" b="-3"/>
+          <a:stretch/>
+        </p:blipFill>
+        <p:spPr>
+          <a:xfrm>
+            <a:off x="528065" y="370320"/>
+            <a:ext cx="2737278" cy="4051011"/>
+          </a:xfrm>
+          <a:prstGeom prst="rect">
+            <a:avLst/>
+          </a:prstGeom>
+        </p:spPr>
+      </p:pic>
+      <p:pic>
+        <p:nvPicPr>
+          <p:cNvPr id="4" name="그림 3">
+            <a:extLst>
+              <a:ext uri="{FF2B5EF4-FFF2-40B4-BE49-F238E27FC236}">
+                <a16:creationId xmlns:a16="http://schemas.microsoft.com/office/drawing/2014/main" id="{B3F88D61-D3FA-4294-ADE9-506C9B017B15}"/>
+              </a:ext>
+            </a:extLst>
+          </p:cNvPr>
+          <p:cNvPicPr>
+            <a:picLocks noChangeAspect="1"/>
+          </p:cNvPicPr>
+          <p:nvPr/>
+        </p:nvPicPr>
+        <p:blipFill rotWithShape="1">
+          <a:blip r:embed="rId3"/>
+          <a:srcRect r="150" b="-3"/>
+          <a:stretch/>
+        </p:blipFill>
+        <p:spPr>
+          <a:xfrm>
+            <a:off x="3479655" y="370320"/>
+            <a:ext cx="5136278" cy="4051011"/>
+          </a:xfrm>
+          <a:prstGeom prst="rect">
+            <a:avLst/>
+          </a:prstGeom>
+        </p:spPr>
+      </p:pic>
+      <p:sp>
+        <p:nvSpPr>
+          <p:cNvPr id="3" name="내용 개체 틀 2">
+            <a:extLst>
+              <a:ext uri="{FF2B5EF4-FFF2-40B4-BE49-F238E27FC236}">
+                <a16:creationId xmlns:a16="http://schemas.microsoft.com/office/drawing/2014/main" id="{63D92840-4D60-4D34-A639-CB75AAF11C16}"/>
+              </a:ext>
+            </a:extLst>
+          </p:cNvPr>
+          <p:cNvSpPr>
+            <a:spLocks noGrp="1"/>
+          </p:cNvSpPr>
+          <p:nvPr>
+            <p:ph idx="1"/>
+          </p:nvPr>
+        </p:nvSpPr>
+        <p:spPr>
+          <a:xfrm>
+            <a:off x="3479655" y="4578638"/>
+            <a:ext cx="5136279" cy="1714500"/>
+          </a:xfrm>
+        </p:spPr>
+        <p:txBody>
+          <a:bodyPr anchor="ctr">
+            <a:normAutofit/>
+          </a:bodyPr>
+          <a:lstStyle/>
+          <a:p>
+            <a:pPr marL="0" indent="0" algn="ctr">
+              <a:buNone/>
+            </a:pPr>
+            <a:r>
+              <a:rPr lang="ko-KR" altLang="en-US" sz="1800" dirty="0">
+                <a:latin typeface="210 앱굴림 R" panose="02020603020101020101" pitchFamily="18" charset="-127"/>
+                <a:ea typeface="210 앱굴림 R" panose="02020603020101020101" pitchFamily="18" charset="-127"/>
+              </a:rPr>
+              <a:t>일반적인 버전</a:t>
+            </a:r>
+            <a:endParaRPr lang="en-US" altLang="ko-KR" sz="1800" dirty="0">
+              <a:latin typeface="210 앱굴림 R" panose="02020603020101020101" pitchFamily="18" charset="-127"/>
+              <a:ea typeface="210 앱굴림 R" panose="02020603020101020101" pitchFamily="18" charset="-127"/>
+            </a:endParaRPr>
+          </a:p>
+          <a:p>
+            <a:pPr marL="0" indent="0" algn="ctr">
+              <a:buNone/>
+            </a:pPr>
+            <a:r>
+              <a:rPr lang="en-US" altLang="ko-KR" sz="1800" dirty="0">
+                <a:solidFill>
+                  <a:schemeClr val="accent5"/>
+                </a:solidFill>
+                <a:latin typeface="210 앱굴림 R" panose="02020603020101020101" pitchFamily="18" charset="-127"/>
+                <a:ea typeface="210 앱굴림 R" panose="02020603020101020101" pitchFamily="18" charset="-127"/>
+              </a:rPr>
+              <a:t>VS</a:t>
+            </a:r>
+          </a:p>
+          <a:p>
+            <a:pPr marL="0" indent="0" algn="ctr">
+              <a:buNone/>
+            </a:pPr>
+            <a:r>
+              <a:rPr lang="en-US" altLang="ko-KR" sz="1800" dirty="0">
+                <a:latin typeface="210 앱굴림 R" panose="02020603020101020101" pitchFamily="18" charset="-127"/>
+                <a:ea typeface="210 앱굴림 R" panose="02020603020101020101" pitchFamily="18" charset="-127"/>
+              </a:rPr>
+              <a:t>LTS (“Long Term Support”)</a:t>
+            </a:r>
+          </a:p>
+        </p:txBody>
+      </p:sp>
+    </p:spTree>
+    <p:extLst>
+      <p:ext uri="{BB962C8B-B14F-4D97-AF65-F5344CB8AC3E}">
+        <p14:creationId xmlns:p14="http://schemas.microsoft.com/office/powerpoint/2010/main" val="1289556764"/>
       </p:ext>
     </p:extLst>
   </p:cSld>
